--- a/tfg_presentacio.pptx
+++ b/tfg_presentacio.pptx
@@ -5,30 +5,29 @@
     <p:sldMasterId id="2147484032" r:id="rId1"/>
   </p:sldMasterIdLst>
   <p:notesMasterIdLst>
-    <p:notesMasterId r:id="rId23"/>
+    <p:notesMasterId r:id="rId22"/>
   </p:notesMasterIdLst>
   <p:sldIdLst>
     <p:sldId id="256" r:id="rId2"/>
     <p:sldId id="257" r:id="rId3"/>
-    <p:sldId id="282" r:id="rId4"/>
-    <p:sldId id="258" r:id="rId5"/>
-    <p:sldId id="259" r:id="rId6"/>
-    <p:sldId id="262" r:id="rId7"/>
-    <p:sldId id="280" r:id="rId8"/>
-    <p:sldId id="263" r:id="rId9"/>
-    <p:sldId id="281" r:id="rId10"/>
-    <p:sldId id="264" r:id="rId11"/>
-    <p:sldId id="279" r:id="rId12"/>
-    <p:sldId id="278" r:id="rId13"/>
-    <p:sldId id="266" r:id="rId14"/>
-    <p:sldId id="267" r:id="rId15"/>
-    <p:sldId id="268" r:id="rId16"/>
-    <p:sldId id="287" r:id="rId17"/>
-    <p:sldId id="269" r:id="rId18"/>
-    <p:sldId id="270" r:id="rId19"/>
-    <p:sldId id="271" r:id="rId20"/>
-    <p:sldId id="274" r:id="rId21"/>
-    <p:sldId id="272" r:id="rId22"/>
+    <p:sldId id="258" r:id="rId4"/>
+    <p:sldId id="259" r:id="rId5"/>
+    <p:sldId id="262" r:id="rId6"/>
+    <p:sldId id="280" r:id="rId7"/>
+    <p:sldId id="263" r:id="rId8"/>
+    <p:sldId id="281" r:id="rId9"/>
+    <p:sldId id="264" r:id="rId10"/>
+    <p:sldId id="279" r:id="rId11"/>
+    <p:sldId id="278" r:id="rId12"/>
+    <p:sldId id="266" r:id="rId13"/>
+    <p:sldId id="267" r:id="rId14"/>
+    <p:sldId id="268" r:id="rId15"/>
+    <p:sldId id="287" r:id="rId16"/>
+    <p:sldId id="269" r:id="rId17"/>
+    <p:sldId id="270" r:id="rId18"/>
+    <p:sldId id="271" r:id="rId19"/>
+    <p:sldId id="274" r:id="rId20"/>
+    <p:sldId id="272" r:id="rId21"/>
   </p:sldIdLst>
   <p:sldSz cx="12192000" cy="6858000"/>
   <p:notesSz cx="6858000" cy="9144000"/>
@@ -175,6 +174,7 @@
           </a:p>
         </c:rich>
       </c:tx>
+      <c:layout/>
       <c:overlay val="0"/>
       <c:spPr>
         <a:noFill/>
@@ -394,11 +394,11 @@
           <c:showBubbleSize val="0"/>
         </c:dLbls>
         <c:gapWidth val="219"/>
-        <c:axId val="121466296"/>
-        <c:axId val="121458640"/>
+        <c:axId val="114049144"/>
+        <c:axId val="114049928"/>
       </c:barChart>
       <c:catAx>
-        <c:axId val="121466296"/>
+        <c:axId val="114049144"/>
         <c:scaling>
           <c:orientation val="minMax"/>
         </c:scaling>
@@ -441,7 +441,7 @@
             <a:endParaRPr lang="es-ES"/>
           </a:p>
         </c:txPr>
-        <c:crossAx val="121458640"/>
+        <c:crossAx val="114049928"/>
         <c:crosses val="autoZero"/>
         <c:auto val="1"/>
         <c:lblAlgn val="ctr"/>
@@ -449,7 +449,7 @@
         <c:noMultiLvlLbl val="0"/>
       </c:catAx>
       <c:valAx>
-        <c:axId val="121458640"/>
+        <c:axId val="114049928"/>
         <c:scaling>
           <c:orientation val="minMax"/>
         </c:scaling>
@@ -500,7 +500,7 @@
             <a:endParaRPr lang="es-ES"/>
           </a:p>
         </c:txPr>
-        <c:crossAx val="121466296"/>
+        <c:crossAx val="114049144"/>
         <c:crosses val="autoZero"/>
         <c:crossBetween val="between"/>
       </c:valAx>
@@ -514,6 +514,7 @@
     </c:plotArea>
     <c:legend>
       <c:legendPos val="b"/>
+      <c:layout/>
       <c:overlay val="0"/>
       <c:spPr>
         <a:noFill/>
@@ -9207,6 +9208,2514 @@
       <dsp:cNvGrpSpPr/>
     </dsp:nvGrpSpPr>
     <dsp:grpSpPr/>
+    <dsp:sp modelId="{2CA1D04D-96F0-4BDB-BC16-C4C90FC0CE9E}">
+      <dsp:nvSpPr>
+        <dsp:cNvPr id="0" name=""/>
+        <dsp:cNvSpPr/>
+      </dsp:nvSpPr>
+      <dsp:spPr>
+        <a:xfrm>
+          <a:off x="6499240" y="455704"/>
+          <a:ext cx="95251" cy="417292"/>
+        </a:xfrm>
+        <a:custGeom>
+          <a:avLst/>
+          <a:gdLst/>
+          <a:ahLst/>
+          <a:cxnLst/>
+          <a:rect l="0" t="0" r="0" b="0"/>
+          <a:pathLst>
+            <a:path>
+              <a:moveTo>
+                <a:pt x="0" y="0"/>
+              </a:moveTo>
+              <a:lnTo>
+                <a:pt x="0" y="417292"/>
+              </a:lnTo>
+              <a:lnTo>
+                <a:pt x="95251" y="417292"/>
+              </a:lnTo>
+            </a:path>
+          </a:pathLst>
+        </a:custGeom>
+        <a:noFill/>
+        <a:ln w="22225" cap="rnd" cmpd="sng" algn="ctr">
+          <a:solidFill>
+            <a:schemeClr val="accent3">
+              <a:hueOff val="0"/>
+              <a:satOff val="0"/>
+              <a:lumOff val="0"/>
+              <a:alphaOff val="0"/>
+            </a:schemeClr>
+          </a:solidFill>
+          <a:prstDash val="solid"/>
+        </a:ln>
+        <a:effectLst/>
+      </dsp:spPr>
+      <dsp:style>
+        <a:lnRef idx="2">
+          <a:scrgbClr r="0" g="0" b="0"/>
+        </a:lnRef>
+        <a:fillRef idx="0">
+          <a:scrgbClr r="0" g="0" b="0"/>
+        </a:fillRef>
+        <a:effectRef idx="0">
+          <a:scrgbClr r="0" g="0" b="0"/>
+        </a:effectRef>
+        <a:fontRef idx="minor"/>
+      </dsp:style>
+    </dsp:sp>
+    <dsp:sp modelId="{A9580574-CBD4-4B96-BA5D-847B3B58F260}">
+      <dsp:nvSpPr>
+        <dsp:cNvPr id="0" name=""/>
+        <dsp:cNvSpPr/>
+      </dsp:nvSpPr>
+      <dsp:spPr>
+        <a:xfrm>
+          <a:off x="6403988" y="455704"/>
+          <a:ext cx="95251" cy="417292"/>
+        </a:xfrm>
+        <a:custGeom>
+          <a:avLst/>
+          <a:gdLst/>
+          <a:ahLst/>
+          <a:cxnLst/>
+          <a:rect l="0" t="0" r="0" b="0"/>
+          <a:pathLst>
+            <a:path>
+              <a:moveTo>
+                <a:pt x="95251" y="0"/>
+              </a:moveTo>
+              <a:lnTo>
+                <a:pt x="95251" y="417292"/>
+              </a:lnTo>
+              <a:lnTo>
+                <a:pt x="0" y="417292"/>
+              </a:lnTo>
+            </a:path>
+          </a:pathLst>
+        </a:custGeom>
+        <a:noFill/>
+        <a:ln w="22225" cap="rnd" cmpd="sng" algn="ctr">
+          <a:solidFill>
+            <a:schemeClr val="accent3">
+              <a:hueOff val="0"/>
+              <a:satOff val="0"/>
+              <a:lumOff val="0"/>
+              <a:alphaOff val="0"/>
+            </a:schemeClr>
+          </a:solidFill>
+          <a:prstDash val="solid"/>
+        </a:ln>
+        <a:effectLst/>
+      </dsp:spPr>
+      <dsp:style>
+        <a:lnRef idx="2">
+          <a:scrgbClr r="0" g="0" b="0"/>
+        </a:lnRef>
+        <a:fillRef idx="0">
+          <a:scrgbClr r="0" g="0" b="0"/>
+        </a:fillRef>
+        <a:effectRef idx="0">
+          <a:scrgbClr r="0" g="0" b="0"/>
+        </a:effectRef>
+        <a:fontRef idx="minor"/>
+      </dsp:style>
+    </dsp:sp>
+    <dsp:sp modelId="{CD4050B8-2A81-40F1-BAE7-F545DC63AAF7}">
+      <dsp:nvSpPr>
+        <dsp:cNvPr id="0" name=""/>
+        <dsp:cNvSpPr/>
+      </dsp:nvSpPr>
+      <dsp:spPr>
+        <a:xfrm>
+          <a:off x="6499240" y="455704"/>
+          <a:ext cx="1097659" cy="834584"/>
+        </a:xfrm>
+        <a:custGeom>
+          <a:avLst/>
+          <a:gdLst/>
+          <a:ahLst/>
+          <a:cxnLst/>
+          <a:rect l="0" t="0" r="0" b="0"/>
+          <a:pathLst>
+            <a:path>
+              <a:moveTo>
+                <a:pt x="0" y="0"/>
+              </a:moveTo>
+              <a:lnTo>
+                <a:pt x="0" y="739332"/>
+              </a:lnTo>
+              <a:lnTo>
+                <a:pt x="1097659" y="739332"/>
+              </a:lnTo>
+              <a:lnTo>
+                <a:pt x="1097659" y="834584"/>
+              </a:lnTo>
+            </a:path>
+          </a:pathLst>
+        </a:custGeom>
+        <a:noFill/>
+        <a:ln w="22225" cap="rnd" cmpd="sng" algn="ctr">
+          <a:solidFill>
+            <a:schemeClr val="accent3">
+              <a:hueOff val="0"/>
+              <a:satOff val="0"/>
+              <a:lumOff val="0"/>
+              <a:alphaOff val="0"/>
+            </a:schemeClr>
+          </a:solidFill>
+          <a:prstDash val="solid"/>
+        </a:ln>
+        <a:effectLst/>
+      </dsp:spPr>
+      <dsp:style>
+        <a:lnRef idx="2">
+          <a:scrgbClr r="0" g="0" b="0"/>
+        </a:lnRef>
+        <a:fillRef idx="0">
+          <a:scrgbClr r="0" g="0" b="0"/>
+        </a:fillRef>
+        <a:effectRef idx="0">
+          <a:scrgbClr r="0" g="0" b="0"/>
+        </a:effectRef>
+        <a:fontRef idx="minor"/>
+      </dsp:style>
+    </dsp:sp>
+    <dsp:sp modelId="{B0A5CB79-3995-4E53-9CC7-2FF4C6A200BF}">
+      <dsp:nvSpPr>
+        <dsp:cNvPr id="0" name=""/>
+        <dsp:cNvSpPr/>
+      </dsp:nvSpPr>
+      <dsp:spPr>
+        <a:xfrm>
+          <a:off x="6453520" y="455704"/>
+          <a:ext cx="91440" cy="834584"/>
+        </a:xfrm>
+        <a:custGeom>
+          <a:avLst/>
+          <a:gdLst/>
+          <a:ahLst/>
+          <a:cxnLst/>
+          <a:rect l="0" t="0" r="0" b="0"/>
+          <a:pathLst>
+            <a:path>
+              <a:moveTo>
+                <a:pt x="45720" y="0"/>
+              </a:moveTo>
+              <a:lnTo>
+                <a:pt x="45720" y="834584"/>
+              </a:lnTo>
+            </a:path>
+          </a:pathLst>
+        </a:custGeom>
+        <a:noFill/>
+        <a:ln w="22225" cap="rnd" cmpd="sng" algn="ctr">
+          <a:solidFill>
+            <a:schemeClr val="accent3">
+              <a:hueOff val="0"/>
+              <a:satOff val="0"/>
+              <a:lumOff val="0"/>
+              <a:alphaOff val="0"/>
+            </a:schemeClr>
+          </a:solidFill>
+          <a:prstDash val="solid"/>
+        </a:ln>
+        <a:effectLst/>
+      </dsp:spPr>
+      <dsp:style>
+        <a:lnRef idx="2">
+          <a:scrgbClr r="0" g="0" b="0"/>
+        </a:lnRef>
+        <a:fillRef idx="0">
+          <a:scrgbClr r="0" g="0" b="0"/>
+        </a:fillRef>
+        <a:effectRef idx="0">
+          <a:scrgbClr r="0" g="0" b="0"/>
+        </a:effectRef>
+        <a:fontRef idx="minor"/>
+      </dsp:style>
+    </dsp:sp>
+    <dsp:sp modelId="{AC2938EB-1FFE-41D8-BACA-C12061D5F72B}">
+      <dsp:nvSpPr>
+        <dsp:cNvPr id="0" name=""/>
+        <dsp:cNvSpPr/>
+      </dsp:nvSpPr>
+      <dsp:spPr>
+        <a:xfrm>
+          <a:off x="8445091" y="2387948"/>
+          <a:ext cx="136073" cy="1061373"/>
+        </a:xfrm>
+        <a:custGeom>
+          <a:avLst/>
+          <a:gdLst/>
+          <a:ahLst/>
+          <a:cxnLst/>
+          <a:rect l="0" t="0" r="0" b="0"/>
+          <a:pathLst>
+            <a:path>
+              <a:moveTo>
+                <a:pt x="0" y="0"/>
+              </a:moveTo>
+              <a:lnTo>
+                <a:pt x="0" y="1061373"/>
+              </a:lnTo>
+              <a:lnTo>
+                <a:pt x="136073" y="1061373"/>
+              </a:lnTo>
+            </a:path>
+          </a:pathLst>
+        </a:custGeom>
+        <a:noFill/>
+        <a:ln w="22225" cap="rnd" cmpd="sng" algn="ctr">
+          <a:solidFill>
+            <a:schemeClr val="accent5">
+              <a:hueOff val="0"/>
+              <a:satOff val="0"/>
+              <a:lumOff val="0"/>
+              <a:alphaOff val="0"/>
+            </a:schemeClr>
+          </a:solidFill>
+          <a:prstDash val="solid"/>
+        </a:ln>
+        <a:effectLst/>
+      </dsp:spPr>
+      <dsp:style>
+        <a:lnRef idx="2">
+          <a:scrgbClr r="0" g="0" b="0"/>
+        </a:lnRef>
+        <a:fillRef idx="0">
+          <a:scrgbClr r="0" g="0" b="0"/>
+        </a:fillRef>
+        <a:effectRef idx="0">
+          <a:scrgbClr r="0" g="0" b="0"/>
+        </a:effectRef>
+        <a:fontRef idx="minor"/>
+      </dsp:style>
+    </dsp:sp>
+    <dsp:sp modelId="{B7176537-640A-48E9-84C3-03FA93ACB72A}">
+      <dsp:nvSpPr>
+        <dsp:cNvPr id="0" name=""/>
+        <dsp:cNvSpPr/>
+      </dsp:nvSpPr>
+      <dsp:spPr>
+        <a:xfrm>
+          <a:off x="8445091" y="2387948"/>
+          <a:ext cx="136073" cy="417292"/>
+        </a:xfrm>
+        <a:custGeom>
+          <a:avLst/>
+          <a:gdLst/>
+          <a:ahLst/>
+          <a:cxnLst/>
+          <a:rect l="0" t="0" r="0" b="0"/>
+          <a:pathLst>
+            <a:path>
+              <a:moveTo>
+                <a:pt x="0" y="0"/>
+              </a:moveTo>
+              <a:lnTo>
+                <a:pt x="0" y="417292"/>
+              </a:lnTo>
+              <a:lnTo>
+                <a:pt x="136073" y="417292"/>
+              </a:lnTo>
+            </a:path>
+          </a:pathLst>
+        </a:custGeom>
+        <a:noFill/>
+        <a:ln w="22225" cap="rnd" cmpd="sng" algn="ctr">
+          <a:solidFill>
+            <a:schemeClr val="accent5">
+              <a:hueOff val="0"/>
+              <a:satOff val="0"/>
+              <a:lumOff val="0"/>
+              <a:alphaOff val="0"/>
+            </a:schemeClr>
+          </a:solidFill>
+          <a:prstDash val="solid"/>
+        </a:ln>
+        <a:effectLst/>
+      </dsp:spPr>
+      <dsp:style>
+        <a:lnRef idx="2">
+          <a:scrgbClr r="0" g="0" b="0"/>
+        </a:lnRef>
+        <a:fillRef idx="0">
+          <a:scrgbClr r="0" g="0" b="0"/>
+        </a:fillRef>
+        <a:effectRef idx="0">
+          <a:scrgbClr r="0" g="0" b="0"/>
+        </a:effectRef>
+        <a:fontRef idx="minor"/>
+      </dsp:style>
+    </dsp:sp>
+    <dsp:sp modelId="{2C44ED0D-D25B-48E0-9452-F82D369C44F6}">
+      <dsp:nvSpPr>
+        <dsp:cNvPr id="0" name=""/>
+        <dsp:cNvSpPr/>
+      </dsp:nvSpPr>
+      <dsp:spPr>
+        <a:xfrm>
+          <a:off x="5401580" y="1743867"/>
+          <a:ext cx="3406373" cy="190502"/>
+        </a:xfrm>
+        <a:custGeom>
+          <a:avLst/>
+          <a:gdLst/>
+          <a:ahLst/>
+          <a:cxnLst/>
+          <a:rect l="0" t="0" r="0" b="0"/>
+          <a:pathLst>
+            <a:path>
+              <a:moveTo>
+                <a:pt x="0" y="0"/>
+              </a:moveTo>
+              <a:lnTo>
+                <a:pt x="0" y="95251"/>
+              </a:lnTo>
+              <a:lnTo>
+                <a:pt x="3406373" y="95251"/>
+              </a:lnTo>
+              <a:lnTo>
+                <a:pt x="3406373" y="190502"/>
+              </a:lnTo>
+            </a:path>
+          </a:pathLst>
+        </a:custGeom>
+        <a:noFill/>
+        <a:ln w="22225" cap="rnd" cmpd="sng" algn="ctr">
+          <a:solidFill>
+            <a:schemeClr val="accent4">
+              <a:hueOff val="0"/>
+              <a:satOff val="0"/>
+              <a:lumOff val="0"/>
+              <a:alphaOff val="0"/>
+            </a:schemeClr>
+          </a:solidFill>
+          <a:prstDash val="solid"/>
+        </a:ln>
+        <a:effectLst/>
+      </dsp:spPr>
+      <dsp:style>
+        <a:lnRef idx="2">
+          <a:scrgbClr r="0" g="0" b="0"/>
+        </a:lnRef>
+        <a:fillRef idx="0">
+          <a:scrgbClr r="0" g="0" b="0"/>
+        </a:fillRef>
+        <a:effectRef idx="0">
+          <a:scrgbClr r="0" g="0" b="0"/>
+        </a:effectRef>
+        <a:fontRef idx="minor"/>
+      </dsp:style>
+    </dsp:sp>
+    <dsp:sp modelId="{6FBC7B65-1720-4238-9739-3C58EA7430DE}">
+      <dsp:nvSpPr>
+        <dsp:cNvPr id="0" name=""/>
+        <dsp:cNvSpPr/>
+      </dsp:nvSpPr>
+      <dsp:spPr>
+        <a:xfrm>
+          <a:off x="7347431" y="3032030"/>
+          <a:ext cx="136073" cy="417292"/>
+        </a:xfrm>
+        <a:custGeom>
+          <a:avLst/>
+          <a:gdLst/>
+          <a:ahLst/>
+          <a:cxnLst/>
+          <a:rect l="0" t="0" r="0" b="0"/>
+          <a:pathLst>
+            <a:path>
+              <a:moveTo>
+                <a:pt x="0" y="0"/>
+              </a:moveTo>
+              <a:lnTo>
+                <a:pt x="0" y="417292"/>
+              </a:lnTo>
+              <a:lnTo>
+                <a:pt x="136073" y="417292"/>
+              </a:lnTo>
+            </a:path>
+          </a:pathLst>
+        </a:custGeom>
+        <a:noFill/>
+        <a:ln w="22225" cap="rnd" cmpd="sng" algn="ctr">
+          <a:solidFill>
+            <a:srgbClr val="768AD4"/>
+          </a:solidFill>
+          <a:prstDash val="solid"/>
+        </a:ln>
+        <a:effectLst/>
+      </dsp:spPr>
+      <dsp:style>
+        <a:lnRef idx="2">
+          <a:scrgbClr r="0" g="0" b="0"/>
+        </a:lnRef>
+        <a:fillRef idx="0">
+          <a:scrgbClr r="0" g="0" b="0"/>
+        </a:fillRef>
+        <a:effectRef idx="0">
+          <a:scrgbClr r="0" g="0" b="0"/>
+        </a:effectRef>
+        <a:fontRef idx="minor"/>
+      </dsp:style>
+    </dsp:sp>
+    <dsp:sp modelId="{4E4E04DA-EC25-41C1-9B73-3C98FA5C9F2F}">
+      <dsp:nvSpPr>
+        <dsp:cNvPr id="0" name=""/>
+        <dsp:cNvSpPr/>
+      </dsp:nvSpPr>
+      <dsp:spPr>
+        <a:xfrm>
+          <a:off x="7664574" y="2387948"/>
+          <a:ext cx="91440" cy="190502"/>
+        </a:xfrm>
+        <a:custGeom>
+          <a:avLst/>
+          <a:gdLst/>
+          <a:ahLst/>
+          <a:cxnLst/>
+          <a:rect l="0" t="0" r="0" b="0"/>
+          <a:pathLst>
+            <a:path>
+              <a:moveTo>
+                <a:pt x="45720" y="0"/>
+              </a:moveTo>
+              <a:lnTo>
+                <a:pt x="45720" y="190502"/>
+              </a:lnTo>
+            </a:path>
+          </a:pathLst>
+        </a:custGeom>
+        <a:noFill/>
+        <a:ln w="22225" cap="rnd" cmpd="sng" algn="ctr">
+          <a:solidFill>
+            <a:schemeClr val="accent5">
+              <a:hueOff val="0"/>
+              <a:satOff val="0"/>
+              <a:lumOff val="0"/>
+              <a:alphaOff val="0"/>
+            </a:schemeClr>
+          </a:solidFill>
+          <a:prstDash val="solid"/>
+        </a:ln>
+        <a:effectLst/>
+      </dsp:spPr>
+      <dsp:style>
+        <a:lnRef idx="2">
+          <a:scrgbClr r="0" g="0" b="0"/>
+        </a:lnRef>
+        <a:fillRef idx="0">
+          <a:scrgbClr r="0" g="0" b="0"/>
+        </a:fillRef>
+        <a:effectRef idx="0">
+          <a:scrgbClr r="0" g="0" b="0"/>
+        </a:effectRef>
+        <a:fontRef idx="minor"/>
+      </dsp:style>
+    </dsp:sp>
+    <dsp:sp modelId="{B8150C5C-6B7C-4B43-B77D-5F530BB46AC3}">
+      <dsp:nvSpPr>
+        <dsp:cNvPr id="0" name=""/>
+        <dsp:cNvSpPr/>
+      </dsp:nvSpPr>
+      <dsp:spPr>
+        <a:xfrm>
+          <a:off x="5401580" y="1743867"/>
+          <a:ext cx="2308714" cy="190502"/>
+        </a:xfrm>
+        <a:custGeom>
+          <a:avLst/>
+          <a:gdLst/>
+          <a:ahLst/>
+          <a:cxnLst/>
+          <a:rect l="0" t="0" r="0" b="0"/>
+          <a:pathLst>
+            <a:path>
+              <a:moveTo>
+                <a:pt x="0" y="0"/>
+              </a:moveTo>
+              <a:lnTo>
+                <a:pt x="0" y="95251"/>
+              </a:lnTo>
+              <a:lnTo>
+                <a:pt x="2308714" y="95251"/>
+              </a:lnTo>
+              <a:lnTo>
+                <a:pt x="2308714" y="190502"/>
+              </a:lnTo>
+            </a:path>
+          </a:pathLst>
+        </a:custGeom>
+        <a:noFill/>
+        <a:ln w="22225" cap="rnd" cmpd="sng" algn="ctr">
+          <a:solidFill>
+            <a:schemeClr val="accent4">
+              <a:hueOff val="0"/>
+              <a:satOff val="0"/>
+              <a:lumOff val="0"/>
+              <a:alphaOff val="0"/>
+            </a:schemeClr>
+          </a:solidFill>
+          <a:prstDash val="solid"/>
+        </a:ln>
+        <a:effectLst/>
+      </dsp:spPr>
+      <dsp:style>
+        <a:lnRef idx="2">
+          <a:scrgbClr r="0" g="0" b="0"/>
+        </a:lnRef>
+        <a:fillRef idx="0">
+          <a:scrgbClr r="0" g="0" b="0"/>
+        </a:fillRef>
+        <a:effectRef idx="0">
+          <a:scrgbClr r="0" g="0" b="0"/>
+        </a:effectRef>
+        <a:fontRef idx="minor"/>
+      </dsp:style>
+    </dsp:sp>
+    <dsp:sp modelId="{8F5EF429-D8BF-4C97-A367-AF20041BB6B2}">
+      <dsp:nvSpPr>
+        <dsp:cNvPr id="0" name=""/>
+        <dsp:cNvSpPr/>
+      </dsp:nvSpPr>
+      <dsp:spPr>
+        <a:xfrm>
+          <a:off x="6022982" y="2387948"/>
+          <a:ext cx="136073" cy="1061373"/>
+        </a:xfrm>
+        <a:custGeom>
+          <a:avLst/>
+          <a:gdLst/>
+          <a:ahLst/>
+          <a:cxnLst/>
+          <a:rect l="0" t="0" r="0" b="0"/>
+          <a:pathLst>
+            <a:path>
+              <a:moveTo>
+                <a:pt x="0" y="0"/>
+              </a:moveTo>
+              <a:lnTo>
+                <a:pt x="0" y="1061373"/>
+              </a:lnTo>
+              <a:lnTo>
+                <a:pt x="136073" y="1061373"/>
+              </a:lnTo>
+            </a:path>
+          </a:pathLst>
+        </a:custGeom>
+        <a:noFill/>
+        <a:ln w="22225" cap="rnd" cmpd="sng" algn="ctr">
+          <a:solidFill>
+            <a:schemeClr val="accent5">
+              <a:hueOff val="0"/>
+              <a:satOff val="0"/>
+              <a:lumOff val="0"/>
+              <a:alphaOff val="0"/>
+            </a:schemeClr>
+          </a:solidFill>
+          <a:prstDash val="solid"/>
+        </a:ln>
+        <a:effectLst/>
+      </dsp:spPr>
+      <dsp:style>
+        <a:lnRef idx="2">
+          <a:scrgbClr r="0" g="0" b="0"/>
+        </a:lnRef>
+        <a:fillRef idx="0">
+          <a:scrgbClr r="0" g="0" b="0"/>
+        </a:fillRef>
+        <a:effectRef idx="0">
+          <a:scrgbClr r="0" g="0" b="0"/>
+        </a:effectRef>
+        <a:fontRef idx="minor"/>
+      </dsp:style>
+    </dsp:sp>
+    <dsp:sp modelId="{CAD15BF3-0104-4128-BDD0-4BDC0F3E7364}">
+      <dsp:nvSpPr>
+        <dsp:cNvPr id="0" name=""/>
+        <dsp:cNvSpPr/>
+      </dsp:nvSpPr>
+      <dsp:spPr>
+        <a:xfrm>
+          <a:off x="6022982" y="2387948"/>
+          <a:ext cx="136073" cy="417292"/>
+        </a:xfrm>
+        <a:custGeom>
+          <a:avLst/>
+          <a:gdLst/>
+          <a:ahLst/>
+          <a:cxnLst/>
+          <a:rect l="0" t="0" r="0" b="0"/>
+          <a:pathLst>
+            <a:path>
+              <a:moveTo>
+                <a:pt x="0" y="0"/>
+              </a:moveTo>
+              <a:lnTo>
+                <a:pt x="0" y="417292"/>
+              </a:lnTo>
+              <a:lnTo>
+                <a:pt x="136073" y="417292"/>
+              </a:lnTo>
+            </a:path>
+          </a:pathLst>
+        </a:custGeom>
+        <a:noFill/>
+        <a:ln w="22225" cap="rnd" cmpd="sng" algn="ctr">
+          <a:solidFill>
+            <a:schemeClr val="accent5">
+              <a:hueOff val="0"/>
+              <a:satOff val="0"/>
+              <a:lumOff val="0"/>
+              <a:alphaOff val="0"/>
+            </a:schemeClr>
+          </a:solidFill>
+          <a:prstDash val="solid"/>
+        </a:ln>
+        <a:effectLst/>
+      </dsp:spPr>
+      <dsp:style>
+        <a:lnRef idx="2">
+          <a:scrgbClr r="0" g="0" b="0"/>
+        </a:lnRef>
+        <a:fillRef idx="0">
+          <a:scrgbClr r="0" g="0" b="0"/>
+        </a:fillRef>
+        <a:effectRef idx="0">
+          <a:scrgbClr r="0" g="0" b="0"/>
+        </a:effectRef>
+        <a:fontRef idx="minor"/>
+      </dsp:style>
+    </dsp:sp>
+    <dsp:sp modelId="{DC134CFD-70C8-493F-B08B-9A68E1207F02}">
+      <dsp:nvSpPr>
+        <dsp:cNvPr id="0" name=""/>
+        <dsp:cNvSpPr/>
+      </dsp:nvSpPr>
+      <dsp:spPr>
+        <a:xfrm>
+          <a:off x="5401580" y="1743867"/>
+          <a:ext cx="984265" cy="190502"/>
+        </a:xfrm>
+        <a:custGeom>
+          <a:avLst/>
+          <a:gdLst/>
+          <a:ahLst/>
+          <a:cxnLst/>
+          <a:rect l="0" t="0" r="0" b="0"/>
+          <a:pathLst>
+            <a:path>
+              <a:moveTo>
+                <a:pt x="0" y="0"/>
+              </a:moveTo>
+              <a:lnTo>
+                <a:pt x="0" y="95251"/>
+              </a:lnTo>
+              <a:lnTo>
+                <a:pt x="984265" y="95251"/>
+              </a:lnTo>
+              <a:lnTo>
+                <a:pt x="984265" y="190502"/>
+              </a:lnTo>
+            </a:path>
+          </a:pathLst>
+        </a:custGeom>
+        <a:noFill/>
+        <a:ln w="22225" cap="rnd" cmpd="sng" algn="ctr">
+          <a:solidFill>
+            <a:schemeClr val="accent4">
+              <a:hueOff val="0"/>
+              <a:satOff val="0"/>
+              <a:lumOff val="0"/>
+              <a:alphaOff val="0"/>
+            </a:schemeClr>
+          </a:solidFill>
+          <a:prstDash val="solid"/>
+        </a:ln>
+        <a:effectLst/>
+      </dsp:spPr>
+      <dsp:style>
+        <a:lnRef idx="2">
+          <a:scrgbClr r="0" g="0" b="0"/>
+        </a:lnRef>
+        <a:fillRef idx="0">
+          <a:scrgbClr r="0" g="0" b="0"/>
+        </a:fillRef>
+        <a:effectRef idx="0">
+          <a:scrgbClr r="0" g="0" b="0"/>
+        </a:effectRef>
+        <a:fontRef idx="minor"/>
+      </dsp:style>
+    </dsp:sp>
+    <dsp:sp modelId="{B1D59FDA-E916-4438-A620-F76BD2D5B663}">
+      <dsp:nvSpPr>
+        <dsp:cNvPr id="0" name=""/>
+        <dsp:cNvSpPr/>
+      </dsp:nvSpPr>
+      <dsp:spPr>
+        <a:xfrm>
+          <a:off x="5288185" y="1743867"/>
+          <a:ext cx="113394" cy="190502"/>
+        </a:xfrm>
+        <a:custGeom>
+          <a:avLst/>
+          <a:gdLst/>
+          <a:ahLst/>
+          <a:cxnLst/>
+          <a:rect l="0" t="0" r="0" b="0"/>
+          <a:pathLst>
+            <a:path>
+              <a:moveTo>
+                <a:pt x="113394" y="0"/>
+              </a:moveTo>
+              <a:lnTo>
+                <a:pt x="113394" y="95251"/>
+              </a:lnTo>
+              <a:lnTo>
+                <a:pt x="0" y="95251"/>
+              </a:lnTo>
+              <a:lnTo>
+                <a:pt x="0" y="190502"/>
+              </a:lnTo>
+            </a:path>
+          </a:pathLst>
+        </a:custGeom>
+        <a:noFill/>
+        <a:ln w="22225" cap="rnd" cmpd="sng" algn="ctr">
+          <a:solidFill>
+            <a:schemeClr val="accent4">
+              <a:hueOff val="0"/>
+              <a:satOff val="0"/>
+              <a:lumOff val="0"/>
+              <a:alphaOff val="0"/>
+            </a:schemeClr>
+          </a:solidFill>
+          <a:prstDash val="solid"/>
+        </a:ln>
+        <a:effectLst/>
+      </dsp:spPr>
+      <dsp:style>
+        <a:lnRef idx="2">
+          <a:scrgbClr r="0" g="0" b="0"/>
+        </a:lnRef>
+        <a:fillRef idx="0">
+          <a:scrgbClr r="0" g="0" b="0"/>
+        </a:fillRef>
+        <a:effectRef idx="0">
+          <a:scrgbClr r="0" g="0" b="0"/>
+        </a:effectRef>
+        <a:fontRef idx="minor"/>
+      </dsp:style>
+    </dsp:sp>
+    <dsp:sp modelId="{6752E9BC-B054-48C2-9D0B-1E3113BC6454}">
+      <dsp:nvSpPr>
+        <dsp:cNvPr id="0" name=""/>
+        <dsp:cNvSpPr/>
+      </dsp:nvSpPr>
+      <dsp:spPr>
+        <a:xfrm>
+          <a:off x="4190526" y="1743867"/>
+          <a:ext cx="1211054" cy="190502"/>
+        </a:xfrm>
+        <a:custGeom>
+          <a:avLst/>
+          <a:gdLst/>
+          <a:ahLst/>
+          <a:cxnLst/>
+          <a:rect l="0" t="0" r="0" b="0"/>
+          <a:pathLst>
+            <a:path>
+              <a:moveTo>
+                <a:pt x="1211054" y="0"/>
+              </a:moveTo>
+              <a:lnTo>
+                <a:pt x="1211054" y="95251"/>
+              </a:lnTo>
+              <a:lnTo>
+                <a:pt x="0" y="95251"/>
+              </a:lnTo>
+              <a:lnTo>
+                <a:pt x="0" y="190502"/>
+              </a:lnTo>
+            </a:path>
+          </a:pathLst>
+        </a:custGeom>
+        <a:noFill/>
+        <a:ln w="22225" cap="rnd" cmpd="sng" algn="ctr">
+          <a:solidFill>
+            <a:schemeClr val="accent4">
+              <a:hueOff val="0"/>
+              <a:satOff val="0"/>
+              <a:lumOff val="0"/>
+              <a:alphaOff val="0"/>
+            </a:schemeClr>
+          </a:solidFill>
+          <a:prstDash val="solid"/>
+        </a:ln>
+        <a:effectLst/>
+      </dsp:spPr>
+      <dsp:style>
+        <a:lnRef idx="2">
+          <a:scrgbClr r="0" g="0" b="0"/>
+        </a:lnRef>
+        <a:fillRef idx="0">
+          <a:scrgbClr r="0" g="0" b="0"/>
+        </a:fillRef>
+        <a:effectRef idx="0">
+          <a:scrgbClr r="0" g="0" b="0"/>
+        </a:effectRef>
+        <a:fontRef idx="minor"/>
+      </dsp:style>
+    </dsp:sp>
+    <dsp:sp modelId="{DC9B311F-F045-4EBA-8063-2CF1E95914E2}">
+      <dsp:nvSpPr>
+        <dsp:cNvPr id="0" name=""/>
+        <dsp:cNvSpPr/>
+      </dsp:nvSpPr>
+      <dsp:spPr>
+        <a:xfrm>
+          <a:off x="3092866" y="1743867"/>
+          <a:ext cx="2308714" cy="190502"/>
+        </a:xfrm>
+        <a:custGeom>
+          <a:avLst/>
+          <a:gdLst/>
+          <a:ahLst/>
+          <a:cxnLst/>
+          <a:rect l="0" t="0" r="0" b="0"/>
+          <a:pathLst>
+            <a:path>
+              <a:moveTo>
+                <a:pt x="2308714" y="0"/>
+              </a:moveTo>
+              <a:lnTo>
+                <a:pt x="2308714" y="95251"/>
+              </a:lnTo>
+              <a:lnTo>
+                <a:pt x="0" y="95251"/>
+              </a:lnTo>
+              <a:lnTo>
+                <a:pt x="0" y="190502"/>
+              </a:lnTo>
+            </a:path>
+          </a:pathLst>
+        </a:custGeom>
+        <a:noFill/>
+        <a:ln w="22225" cap="rnd" cmpd="sng" algn="ctr">
+          <a:solidFill>
+            <a:schemeClr val="accent4">
+              <a:hueOff val="0"/>
+              <a:satOff val="0"/>
+              <a:lumOff val="0"/>
+              <a:alphaOff val="0"/>
+            </a:schemeClr>
+          </a:solidFill>
+          <a:prstDash val="solid"/>
+        </a:ln>
+        <a:effectLst/>
+      </dsp:spPr>
+      <dsp:style>
+        <a:lnRef idx="2">
+          <a:scrgbClr r="0" g="0" b="0"/>
+        </a:lnRef>
+        <a:fillRef idx="0">
+          <a:scrgbClr r="0" g="0" b="0"/>
+        </a:fillRef>
+        <a:effectRef idx="0">
+          <a:scrgbClr r="0" g="0" b="0"/>
+        </a:effectRef>
+        <a:fontRef idx="minor"/>
+      </dsp:style>
+    </dsp:sp>
+    <dsp:sp modelId="{53E7E37D-DF81-4972-B978-5E8CFAA53D76}">
+      <dsp:nvSpPr>
+        <dsp:cNvPr id="0" name=""/>
+        <dsp:cNvSpPr/>
+      </dsp:nvSpPr>
+      <dsp:spPr>
+        <a:xfrm>
+          <a:off x="1995206" y="1743867"/>
+          <a:ext cx="3406373" cy="190502"/>
+        </a:xfrm>
+        <a:custGeom>
+          <a:avLst/>
+          <a:gdLst/>
+          <a:ahLst/>
+          <a:cxnLst/>
+          <a:rect l="0" t="0" r="0" b="0"/>
+          <a:pathLst>
+            <a:path>
+              <a:moveTo>
+                <a:pt x="3406373" y="0"/>
+              </a:moveTo>
+              <a:lnTo>
+                <a:pt x="3406373" y="95251"/>
+              </a:lnTo>
+              <a:lnTo>
+                <a:pt x="0" y="95251"/>
+              </a:lnTo>
+              <a:lnTo>
+                <a:pt x="0" y="190502"/>
+              </a:lnTo>
+            </a:path>
+          </a:pathLst>
+        </a:custGeom>
+        <a:noFill/>
+        <a:ln w="22225" cap="rnd" cmpd="sng" algn="ctr">
+          <a:solidFill>
+            <a:schemeClr val="accent4">
+              <a:hueOff val="0"/>
+              <a:satOff val="0"/>
+              <a:lumOff val="0"/>
+              <a:alphaOff val="0"/>
+            </a:schemeClr>
+          </a:solidFill>
+          <a:prstDash val="solid"/>
+        </a:ln>
+        <a:effectLst/>
+      </dsp:spPr>
+      <dsp:style>
+        <a:lnRef idx="2">
+          <a:scrgbClr r="0" g="0" b="0"/>
+        </a:lnRef>
+        <a:fillRef idx="0">
+          <a:scrgbClr r="0" g="0" b="0"/>
+        </a:fillRef>
+        <a:effectRef idx="0">
+          <a:scrgbClr r="0" g="0" b="0"/>
+        </a:effectRef>
+        <a:fontRef idx="minor"/>
+      </dsp:style>
+    </dsp:sp>
+    <dsp:sp modelId="{1117475F-632D-49EF-B441-24A4B807194C}">
+      <dsp:nvSpPr>
+        <dsp:cNvPr id="0" name=""/>
+        <dsp:cNvSpPr/>
+      </dsp:nvSpPr>
+      <dsp:spPr>
+        <a:xfrm>
+          <a:off x="5401580" y="455704"/>
+          <a:ext cx="1097659" cy="834584"/>
+        </a:xfrm>
+        <a:custGeom>
+          <a:avLst/>
+          <a:gdLst/>
+          <a:ahLst/>
+          <a:cxnLst/>
+          <a:rect l="0" t="0" r="0" b="0"/>
+          <a:pathLst>
+            <a:path>
+              <a:moveTo>
+                <a:pt x="1097659" y="0"/>
+              </a:moveTo>
+              <a:lnTo>
+                <a:pt x="1097659" y="739332"/>
+              </a:lnTo>
+              <a:lnTo>
+                <a:pt x="0" y="739332"/>
+              </a:lnTo>
+              <a:lnTo>
+                <a:pt x="0" y="834584"/>
+              </a:lnTo>
+            </a:path>
+          </a:pathLst>
+        </a:custGeom>
+        <a:noFill/>
+        <a:ln w="22225" cap="rnd" cmpd="sng" algn="ctr">
+          <a:solidFill>
+            <a:schemeClr val="accent3">
+              <a:hueOff val="0"/>
+              <a:satOff val="0"/>
+              <a:lumOff val="0"/>
+              <a:alphaOff val="0"/>
+            </a:schemeClr>
+          </a:solidFill>
+          <a:prstDash val="solid"/>
+        </a:ln>
+        <a:effectLst/>
+      </dsp:spPr>
+      <dsp:style>
+        <a:lnRef idx="2">
+          <a:scrgbClr r="0" g="0" b="0"/>
+        </a:lnRef>
+        <a:fillRef idx="0">
+          <a:scrgbClr r="0" g="0" b="0"/>
+        </a:fillRef>
+        <a:effectRef idx="0">
+          <a:scrgbClr r="0" g="0" b="0"/>
+        </a:effectRef>
+        <a:fontRef idx="minor"/>
+      </dsp:style>
+    </dsp:sp>
+    <dsp:sp modelId="{0E4E52BD-8BAA-4284-BF28-77ECBE4AE85E}">
+      <dsp:nvSpPr>
+        <dsp:cNvPr id="0" name=""/>
+        <dsp:cNvSpPr/>
+      </dsp:nvSpPr>
+      <dsp:spPr>
+        <a:xfrm>
+          <a:off x="6045661" y="2126"/>
+          <a:ext cx="907156" cy="453578"/>
+        </a:xfrm>
+        <a:prstGeom prst="rect">
+          <a:avLst/>
+        </a:prstGeom>
+        <a:solidFill>
+          <a:schemeClr val="accent1">
+            <a:hueOff val="0"/>
+            <a:satOff val="0"/>
+            <a:lumOff val="0"/>
+            <a:alphaOff val="0"/>
+          </a:schemeClr>
+        </a:solidFill>
+        <a:ln w="22225" cap="rnd" cmpd="sng" algn="ctr">
+          <a:solidFill>
+            <a:schemeClr val="lt1">
+              <a:hueOff val="0"/>
+              <a:satOff val="0"/>
+              <a:lumOff val="0"/>
+              <a:alphaOff val="0"/>
+            </a:schemeClr>
+          </a:solidFill>
+          <a:prstDash val="solid"/>
+        </a:ln>
+        <a:effectLst/>
+      </dsp:spPr>
+      <dsp:style>
+        <a:lnRef idx="2">
+          <a:scrgbClr r="0" g="0" b="0"/>
+        </a:lnRef>
+        <a:fillRef idx="1">
+          <a:scrgbClr r="0" g="0" b="0"/>
+        </a:fillRef>
+        <a:effectRef idx="0">
+          <a:scrgbClr r="0" g="0" b="0"/>
+        </a:effectRef>
+        <a:fontRef idx="minor">
+          <a:schemeClr val="lt1"/>
+        </a:fontRef>
+      </dsp:style>
+      <dsp:txBody>
+        <a:bodyPr spcFirstLastPara="0" vert="horz" wrap="square" lIns="7620" tIns="7620" rIns="7620" bIns="7620" numCol="1" spcCol="1270" anchor="ctr" anchorCtr="0">
+          <a:noAutofit/>
+        </a:bodyPr>
+        <a:lstStyle/>
+        <a:p>
+          <a:pPr lvl="0" algn="ctr" defTabSz="533400">
+            <a:lnSpc>
+              <a:spcPct val="90000"/>
+            </a:lnSpc>
+            <a:spcBef>
+              <a:spcPct val="0"/>
+            </a:spcBef>
+            <a:spcAft>
+              <a:spcPct val="35000"/>
+            </a:spcAft>
+          </a:pPr>
+          <a:r>
+            <a:rPr lang="es-ES" sz="1200" kern="1200" dirty="0" smtClean="0"/>
+            <a:t>Servidor</a:t>
+          </a:r>
+          <a:endParaRPr lang="es-ES" sz="1200" kern="1200" dirty="0"/>
+        </a:p>
+      </dsp:txBody>
+      <dsp:txXfrm>
+        <a:off x="6045661" y="2126"/>
+        <a:ext cx="907156" cy="453578"/>
+      </dsp:txXfrm>
+    </dsp:sp>
+    <dsp:sp modelId="{5C1861FB-1094-4A68-9040-7B0CF63231E1}">
+      <dsp:nvSpPr>
+        <dsp:cNvPr id="0" name=""/>
+        <dsp:cNvSpPr/>
+      </dsp:nvSpPr>
+      <dsp:spPr>
+        <a:xfrm>
+          <a:off x="4948001" y="1290289"/>
+          <a:ext cx="907156" cy="453578"/>
+        </a:xfrm>
+        <a:prstGeom prst="rect">
+          <a:avLst/>
+        </a:prstGeom>
+        <a:solidFill>
+          <a:schemeClr val="accent3">
+            <a:hueOff val="0"/>
+            <a:satOff val="0"/>
+            <a:lumOff val="0"/>
+            <a:alphaOff val="0"/>
+          </a:schemeClr>
+        </a:solidFill>
+        <a:ln w="22225" cap="rnd" cmpd="sng" algn="ctr">
+          <a:solidFill>
+            <a:schemeClr val="lt1">
+              <a:hueOff val="0"/>
+              <a:satOff val="0"/>
+              <a:lumOff val="0"/>
+              <a:alphaOff val="0"/>
+            </a:schemeClr>
+          </a:solidFill>
+          <a:prstDash val="solid"/>
+        </a:ln>
+        <a:effectLst/>
+      </dsp:spPr>
+      <dsp:style>
+        <a:lnRef idx="2">
+          <a:scrgbClr r="0" g="0" b="0"/>
+        </a:lnRef>
+        <a:fillRef idx="1">
+          <a:scrgbClr r="0" g="0" b="0"/>
+        </a:fillRef>
+        <a:effectRef idx="0">
+          <a:scrgbClr r="0" g="0" b="0"/>
+        </a:effectRef>
+        <a:fontRef idx="minor">
+          <a:schemeClr val="lt1"/>
+        </a:fontRef>
+      </dsp:style>
+      <dsp:txBody>
+        <a:bodyPr spcFirstLastPara="0" vert="horz" wrap="square" lIns="7620" tIns="7620" rIns="7620" bIns="7620" numCol="1" spcCol="1270" anchor="ctr" anchorCtr="0">
+          <a:noAutofit/>
+        </a:bodyPr>
+        <a:lstStyle/>
+        <a:p>
+          <a:pPr lvl="0" algn="ctr" defTabSz="533400">
+            <a:lnSpc>
+              <a:spcPct val="90000"/>
+            </a:lnSpc>
+            <a:spcBef>
+              <a:spcPct val="0"/>
+            </a:spcBef>
+            <a:spcAft>
+              <a:spcPct val="35000"/>
+            </a:spcAft>
+          </a:pPr>
+          <a:r>
+            <a:rPr lang="es-ES" sz="1200" kern="1200" dirty="0" err="1" smtClean="0"/>
+            <a:t>Flask</a:t>
+          </a:r>
+          <a:endParaRPr lang="es-ES" sz="1200" kern="1200" dirty="0"/>
+        </a:p>
+      </dsp:txBody>
+      <dsp:txXfrm>
+        <a:off x="4948001" y="1290289"/>
+        <a:ext cx="907156" cy="453578"/>
+      </dsp:txXfrm>
+    </dsp:sp>
+    <dsp:sp modelId="{2261EF7B-87C8-45D3-A747-BA39879D8A98}">
+      <dsp:nvSpPr>
+        <dsp:cNvPr id="0" name=""/>
+        <dsp:cNvSpPr/>
+      </dsp:nvSpPr>
+      <dsp:spPr>
+        <a:xfrm>
+          <a:off x="1541628" y="1934370"/>
+          <a:ext cx="907156" cy="453578"/>
+        </a:xfrm>
+        <a:prstGeom prst="rect">
+          <a:avLst/>
+        </a:prstGeom>
+        <a:solidFill>
+          <a:schemeClr val="accent4">
+            <a:hueOff val="0"/>
+            <a:satOff val="0"/>
+            <a:lumOff val="0"/>
+            <a:alphaOff val="0"/>
+          </a:schemeClr>
+        </a:solidFill>
+        <a:ln w="22225" cap="rnd" cmpd="sng" algn="ctr">
+          <a:solidFill>
+            <a:schemeClr val="lt1">
+              <a:hueOff val="0"/>
+              <a:satOff val="0"/>
+              <a:lumOff val="0"/>
+              <a:alphaOff val="0"/>
+            </a:schemeClr>
+          </a:solidFill>
+          <a:prstDash val="solid"/>
+        </a:ln>
+        <a:effectLst/>
+      </dsp:spPr>
+      <dsp:style>
+        <a:lnRef idx="2">
+          <a:scrgbClr r="0" g="0" b="0"/>
+        </a:lnRef>
+        <a:fillRef idx="1">
+          <a:scrgbClr r="0" g="0" b="0"/>
+        </a:fillRef>
+        <a:effectRef idx="0">
+          <a:scrgbClr r="0" g="0" b="0"/>
+        </a:effectRef>
+        <a:fontRef idx="minor">
+          <a:schemeClr val="lt1"/>
+        </a:fontRef>
+      </dsp:style>
+      <dsp:txBody>
+        <a:bodyPr spcFirstLastPara="0" vert="horz" wrap="square" lIns="7620" tIns="7620" rIns="7620" bIns="7620" numCol="1" spcCol="1270" anchor="ctr" anchorCtr="0">
+          <a:noAutofit/>
+        </a:bodyPr>
+        <a:lstStyle/>
+        <a:p>
+          <a:pPr lvl="0" algn="ctr" defTabSz="533400">
+            <a:lnSpc>
+              <a:spcPct val="90000"/>
+            </a:lnSpc>
+            <a:spcBef>
+              <a:spcPct val="0"/>
+            </a:spcBef>
+            <a:spcAft>
+              <a:spcPct val="35000"/>
+            </a:spcAft>
+          </a:pPr>
+          <a:r>
+            <a:rPr lang="es-ES" sz="1200" kern="1200" dirty="0" err="1" smtClean="0"/>
+            <a:t>Flask</a:t>
+          </a:r>
+          <a:r>
+            <a:rPr lang="es-ES" sz="1200" kern="1200" dirty="0" smtClean="0"/>
+            <a:t>-Security</a:t>
+          </a:r>
+          <a:endParaRPr lang="es-ES" sz="1200" kern="1200" dirty="0"/>
+        </a:p>
+      </dsp:txBody>
+      <dsp:txXfrm>
+        <a:off x="1541628" y="1934370"/>
+        <a:ext cx="907156" cy="453578"/>
+      </dsp:txXfrm>
+    </dsp:sp>
+    <dsp:sp modelId="{1726DBB0-33E6-414E-9210-775EE3A835C1}">
+      <dsp:nvSpPr>
+        <dsp:cNvPr id="0" name=""/>
+        <dsp:cNvSpPr/>
+      </dsp:nvSpPr>
+      <dsp:spPr>
+        <a:xfrm>
+          <a:off x="2639287" y="1934370"/>
+          <a:ext cx="907156" cy="453578"/>
+        </a:xfrm>
+        <a:prstGeom prst="rect">
+          <a:avLst/>
+        </a:prstGeom>
+        <a:solidFill>
+          <a:schemeClr val="accent4">
+            <a:hueOff val="0"/>
+            <a:satOff val="0"/>
+            <a:lumOff val="0"/>
+            <a:alphaOff val="0"/>
+          </a:schemeClr>
+        </a:solidFill>
+        <a:ln w="22225" cap="rnd" cmpd="sng" algn="ctr">
+          <a:solidFill>
+            <a:schemeClr val="lt1">
+              <a:hueOff val="0"/>
+              <a:satOff val="0"/>
+              <a:lumOff val="0"/>
+              <a:alphaOff val="0"/>
+            </a:schemeClr>
+          </a:solidFill>
+          <a:prstDash val="solid"/>
+        </a:ln>
+        <a:effectLst/>
+      </dsp:spPr>
+      <dsp:style>
+        <a:lnRef idx="2">
+          <a:scrgbClr r="0" g="0" b="0"/>
+        </a:lnRef>
+        <a:fillRef idx="1">
+          <a:scrgbClr r="0" g="0" b="0"/>
+        </a:fillRef>
+        <a:effectRef idx="0">
+          <a:scrgbClr r="0" g="0" b="0"/>
+        </a:effectRef>
+        <a:fontRef idx="minor">
+          <a:schemeClr val="lt1"/>
+        </a:fontRef>
+      </dsp:style>
+      <dsp:txBody>
+        <a:bodyPr spcFirstLastPara="0" vert="horz" wrap="square" lIns="7620" tIns="7620" rIns="7620" bIns="7620" numCol="1" spcCol="1270" anchor="ctr" anchorCtr="0">
+          <a:noAutofit/>
+        </a:bodyPr>
+        <a:lstStyle/>
+        <a:p>
+          <a:pPr lvl="0" algn="ctr" defTabSz="533400">
+            <a:lnSpc>
+              <a:spcPct val="90000"/>
+            </a:lnSpc>
+            <a:spcBef>
+              <a:spcPct val="0"/>
+            </a:spcBef>
+            <a:spcAft>
+              <a:spcPct val="35000"/>
+            </a:spcAft>
+          </a:pPr>
+          <a:r>
+            <a:rPr lang="es-ES" sz="1200" kern="1200" dirty="0" err="1" smtClean="0"/>
+            <a:t>Flask</a:t>
+          </a:r>
+          <a:r>
+            <a:rPr lang="es-ES" sz="1200" kern="1200" dirty="0" smtClean="0"/>
+            <a:t>-Email</a:t>
+          </a:r>
+          <a:endParaRPr lang="es-ES" sz="1200" kern="1200" dirty="0"/>
+        </a:p>
+      </dsp:txBody>
+      <dsp:txXfrm>
+        <a:off x="2639287" y="1934370"/>
+        <a:ext cx="907156" cy="453578"/>
+      </dsp:txXfrm>
+    </dsp:sp>
+    <dsp:sp modelId="{CBFEF9A1-C07B-414B-A5AC-0FF66C09868D}">
+      <dsp:nvSpPr>
+        <dsp:cNvPr id="0" name=""/>
+        <dsp:cNvSpPr/>
+      </dsp:nvSpPr>
+      <dsp:spPr>
+        <a:xfrm>
+          <a:off x="3736947" y="1934370"/>
+          <a:ext cx="907156" cy="453578"/>
+        </a:xfrm>
+        <a:prstGeom prst="rect">
+          <a:avLst/>
+        </a:prstGeom>
+        <a:solidFill>
+          <a:schemeClr val="accent4">
+            <a:hueOff val="0"/>
+            <a:satOff val="0"/>
+            <a:lumOff val="0"/>
+            <a:alphaOff val="0"/>
+          </a:schemeClr>
+        </a:solidFill>
+        <a:ln w="22225" cap="rnd" cmpd="sng" algn="ctr">
+          <a:solidFill>
+            <a:schemeClr val="lt1">
+              <a:hueOff val="0"/>
+              <a:satOff val="0"/>
+              <a:lumOff val="0"/>
+              <a:alphaOff val="0"/>
+            </a:schemeClr>
+          </a:solidFill>
+          <a:prstDash val="solid"/>
+        </a:ln>
+        <a:effectLst/>
+      </dsp:spPr>
+      <dsp:style>
+        <a:lnRef idx="2">
+          <a:scrgbClr r="0" g="0" b="0"/>
+        </a:lnRef>
+        <a:fillRef idx="1">
+          <a:scrgbClr r="0" g="0" b="0"/>
+        </a:fillRef>
+        <a:effectRef idx="0">
+          <a:scrgbClr r="0" g="0" b="0"/>
+        </a:effectRef>
+        <a:fontRef idx="minor">
+          <a:schemeClr val="lt1"/>
+        </a:fontRef>
+      </dsp:style>
+      <dsp:txBody>
+        <a:bodyPr spcFirstLastPara="0" vert="horz" wrap="square" lIns="7620" tIns="7620" rIns="7620" bIns="7620" numCol="1" spcCol="1270" anchor="ctr" anchorCtr="0">
+          <a:noAutofit/>
+        </a:bodyPr>
+        <a:lstStyle/>
+        <a:p>
+          <a:pPr lvl="0" algn="ctr" defTabSz="533400">
+            <a:lnSpc>
+              <a:spcPct val="90000"/>
+            </a:lnSpc>
+            <a:spcBef>
+              <a:spcPct val="0"/>
+            </a:spcBef>
+            <a:spcAft>
+              <a:spcPct val="35000"/>
+            </a:spcAft>
+          </a:pPr>
+          <a:r>
+            <a:rPr lang="es-ES" sz="1200" kern="1200" dirty="0" err="1" smtClean="0"/>
+            <a:t>Flask</a:t>
+          </a:r>
+          <a:r>
+            <a:rPr lang="es-ES" sz="1200" kern="1200" dirty="0" smtClean="0"/>
+            <a:t>-Excel</a:t>
+          </a:r>
+          <a:endParaRPr lang="es-ES" sz="1200" kern="1200" dirty="0"/>
+        </a:p>
+      </dsp:txBody>
+      <dsp:txXfrm>
+        <a:off x="3736947" y="1934370"/>
+        <a:ext cx="907156" cy="453578"/>
+      </dsp:txXfrm>
+    </dsp:sp>
+    <dsp:sp modelId="{BC2ECD11-8C29-48BA-944A-4FDCE40A4E0C}">
+      <dsp:nvSpPr>
+        <dsp:cNvPr id="0" name=""/>
+        <dsp:cNvSpPr/>
+      </dsp:nvSpPr>
+      <dsp:spPr>
+        <a:xfrm>
+          <a:off x="4834607" y="1934370"/>
+          <a:ext cx="907156" cy="453578"/>
+        </a:xfrm>
+        <a:prstGeom prst="rect">
+          <a:avLst/>
+        </a:prstGeom>
+        <a:solidFill>
+          <a:schemeClr val="accent4">
+            <a:hueOff val="0"/>
+            <a:satOff val="0"/>
+            <a:lumOff val="0"/>
+            <a:alphaOff val="0"/>
+          </a:schemeClr>
+        </a:solidFill>
+        <a:ln w="22225" cap="rnd" cmpd="sng" algn="ctr">
+          <a:solidFill>
+            <a:schemeClr val="lt1">
+              <a:hueOff val="0"/>
+              <a:satOff val="0"/>
+              <a:lumOff val="0"/>
+              <a:alphaOff val="0"/>
+            </a:schemeClr>
+          </a:solidFill>
+          <a:prstDash val="solid"/>
+        </a:ln>
+        <a:effectLst/>
+      </dsp:spPr>
+      <dsp:style>
+        <a:lnRef idx="2">
+          <a:scrgbClr r="0" g="0" b="0"/>
+        </a:lnRef>
+        <a:fillRef idx="1">
+          <a:scrgbClr r="0" g="0" b="0"/>
+        </a:fillRef>
+        <a:effectRef idx="0">
+          <a:scrgbClr r="0" g="0" b="0"/>
+        </a:effectRef>
+        <a:fontRef idx="minor">
+          <a:schemeClr val="lt1"/>
+        </a:fontRef>
+      </dsp:style>
+      <dsp:txBody>
+        <a:bodyPr spcFirstLastPara="0" vert="horz" wrap="square" lIns="7620" tIns="7620" rIns="7620" bIns="7620" numCol="1" spcCol="1270" anchor="ctr" anchorCtr="0">
+          <a:noAutofit/>
+        </a:bodyPr>
+        <a:lstStyle/>
+        <a:p>
+          <a:pPr lvl="0" algn="ctr" defTabSz="533400">
+            <a:lnSpc>
+              <a:spcPct val="90000"/>
+            </a:lnSpc>
+            <a:spcBef>
+              <a:spcPct val="0"/>
+            </a:spcBef>
+            <a:spcAft>
+              <a:spcPct val="35000"/>
+            </a:spcAft>
+          </a:pPr>
+          <a:r>
+            <a:rPr lang="es-ES" sz="1200" kern="1200" dirty="0" err="1" smtClean="0"/>
+            <a:t>Flask-DebugToolbar</a:t>
+          </a:r>
+          <a:endParaRPr lang="es-ES" sz="1200" kern="1200" dirty="0"/>
+        </a:p>
+      </dsp:txBody>
+      <dsp:txXfrm>
+        <a:off x="4834607" y="1934370"/>
+        <a:ext cx="907156" cy="453578"/>
+      </dsp:txXfrm>
+    </dsp:sp>
+    <dsp:sp modelId="{C0C31A33-FE46-473D-ABE6-ECAF81959D3A}">
+      <dsp:nvSpPr>
+        <dsp:cNvPr id="0" name=""/>
+        <dsp:cNvSpPr/>
+      </dsp:nvSpPr>
+      <dsp:spPr>
+        <a:xfrm>
+          <a:off x="5932267" y="1934370"/>
+          <a:ext cx="907156" cy="453578"/>
+        </a:xfrm>
+        <a:prstGeom prst="rect">
+          <a:avLst/>
+        </a:prstGeom>
+        <a:solidFill>
+          <a:schemeClr val="accent4">
+            <a:hueOff val="0"/>
+            <a:satOff val="0"/>
+            <a:lumOff val="0"/>
+            <a:alphaOff val="0"/>
+          </a:schemeClr>
+        </a:solidFill>
+        <a:ln w="22225" cap="rnd" cmpd="sng" algn="ctr">
+          <a:solidFill>
+            <a:schemeClr val="lt1">
+              <a:hueOff val="0"/>
+              <a:satOff val="0"/>
+              <a:lumOff val="0"/>
+              <a:alphaOff val="0"/>
+            </a:schemeClr>
+          </a:solidFill>
+          <a:prstDash val="solid"/>
+        </a:ln>
+        <a:effectLst/>
+      </dsp:spPr>
+      <dsp:style>
+        <a:lnRef idx="2">
+          <a:scrgbClr r="0" g="0" b="0"/>
+        </a:lnRef>
+        <a:fillRef idx="1">
+          <a:scrgbClr r="0" g="0" b="0"/>
+        </a:fillRef>
+        <a:effectRef idx="0">
+          <a:scrgbClr r="0" g="0" b="0"/>
+        </a:effectRef>
+        <a:fontRef idx="minor">
+          <a:schemeClr val="lt1"/>
+        </a:fontRef>
+      </dsp:style>
+      <dsp:txBody>
+        <a:bodyPr spcFirstLastPara="0" vert="horz" wrap="square" lIns="7620" tIns="7620" rIns="7620" bIns="7620" numCol="1" spcCol="1270" anchor="ctr" anchorCtr="0">
+          <a:noAutofit/>
+        </a:bodyPr>
+        <a:lstStyle/>
+        <a:p>
+          <a:pPr lvl="0" algn="ctr" defTabSz="533400">
+            <a:lnSpc>
+              <a:spcPct val="90000"/>
+            </a:lnSpc>
+            <a:spcBef>
+              <a:spcPct val="0"/>
+            </a:spcBef>
+            <a:spcAft>
+              <a:spcPct val="35000"/>
+            </a:spcAft>
+          </a:pPr>
+          <a:r>
+            <a:rPr lang="es-ES" sz="1200" kern="1200" dirty="0" err="1" smtClean="0"/>
+            <a:t>Flask</a:t>
+          </a:r>
+          <a:r>
+            <a:rPr lang="es-ES" sz="1200" kern="1200" dirty="0" smtClean="0"/>
+            <a:t>-WTF</a:t>
+          </a:r>
+          <a:endParaRPr lang="es-ES" sz="1200" kern="1200" dirty="0"/>
+        </a:p>
+      </dsp:txBody>
+      <dsp:txXfrm>
+        <a:off x="5932267" y="1934370"/>
+        <a:ext cx="907156" cy="453578"/>
+      </dsp:txXfrm>
+    </dsp:sp>
+    <dsp:sp modelId="{502CB1BF-308A-4029-BBF4-DB2A8C2A198C}">
+      <dsp:nvSpPr>
+        <dsp:cNvPr id="0" name=""/>
+        <dsp:cNvSpPr/>
+      </dsp:nvSpPr>
+      <dsp:spPr>
+        <a:xfrm>
+          <a:off x="6159056" y="2578451"/>
+          <a:ext cx="907156" cy="453578"/>
+        </a:xfrm>
+        <a:prstGeom prst="rect">
+          <a:avLst/>
+        </a:prstGeom>
+        <a:solidFill>
+          <a:schemeClr val="accent5">
+            <a:hueOff val="0"/>
+            <a:satOff val="0"/>
+            <a:lumOff val="0"/>
+            <a:alphaOff val="0"/>
+          </a:schemeClr>
+        </a:solidFill>
+        <a:ln w="22225" cap="rnd" cmpd="sng" algn="ctr">
+          <a:solidFill>
+            <a:schemeClr val="lt1">
+              <a:hueOff val="0"/>
+              <a:satOff val="0"/>
+              <a:lumOff val="0"/>
+              <a:alphaOff val="0"/>
+            </a:schemeClr>
+          </a:solidFill>
+          <a:prstDash val="solid"/>
+        </a:ln>
+        <a:effectLst/>
+      </dsp:spPr>
+      <dsp:style>
+        <a:lnRef idx="2">
+          <a:scrgbClr r="0" g="0" b="0"/>
+        </a:lnRef>
+        <a:fillRef idx="1">
+          <a:scrgbClr r="0" g="0" b="0"/>
+        </a:fillRef>
+        <a:effectRef idx="0">
+          <a:scrgbClr r="0" g="0" b="0"/>
+        </a:effectRef>
+        <a:fontRef idx="minor">
+          <a:schemeClr val="lt1"/>
+        </a:fontRef>
+      </dsp:style>
+      <dsp:txBody>
+        <a:bodyPr spcFirstLastPara="0" vert="horz" wrap="square" lIns="7620" tIns="7620" rIns="7620" bIns="7620" numCol="1" spcCol="1270" anchor="ctr" anchorCtr="0">
+          <a:noAutofit/>
+        </a:bodyPr>
+        <a:lstStyle/>
+        <a:p>
+          <a:pPr lvl="0" algn="ctr" defTabSz="533400">
+            <a:lnSpc>
+              <a:spcPct val="90000"/>
+            </a:lnSpc>
+            <a:spcBef>
+              <a:spcPct val="0"/>
+            </a:spcBef>
+            <a:spcAft>
+              <a:spcPct val="35000"/>
+            </a:spcAft>
+          </a:pPr>
+          <a:r>
+            <a:rPr lang="es-ES" sz="1200" kern="1200" dirty="0" err="1" smtClean="0"/>
+            <a:t>Flask-Bootstrap</a:t>
+          </a:r>
+          <a:endParaRPr lang="es-ES" sz="1200" kern="1200" dirty="0"/>
+        </a:p>
+      </dsp:txBody>
+      <dsp:txXfrm>
+        <a:off x="6159056" y="2578451"/>
+        <a:ext cx="907156" cy="453578"/>
+      </dsp:txXfrm>
+    </dsp:sp>
+    <dsp:sp modelId="{2F4AD85C-F0F7-4C55-BCC9-5B4E1037ACD4}">
+      <dsp:nvSpPr>
+        <dsp:cNvPr id="0" name=""/>
+        <dsp:cNvSpPr/>
+      </dsp:nvSpPr>
+      <dsp:spPr>
+        <a:xfrm>
+          <a:off x="6159056" y="3222533"/>
+          <a:ext cx="907156" cy="453578"/>
+        </a:xfrm>
+        <a:prstGeom prst="rect">
+          <a:avLst/>
+        </a:prstGeom>
+        <a:solidFill>
+          <a:schemeClr val="accent5">
+            <a:hueOff val="0"/>
+            <a:satOff val="0"/>
+            <a:lumOff val="0"/>
+            <a:alphaOff val="0"/>
+          </a:schemeClr>
+        </a:solidFill>
+        <a:ln w="22225" cap="rnd" cmpd="sng" algn="ctr">
+          <a:solidFill>
+            <a:schemeClr val="lt1">
+              <a:hueOff val="0"/>
+              <a:satOff val="0"/>
+              <a:lumOff val="0"/>
+              <a:alphaOff val="0"/>
+            </a:schemeClr>
+          </a:solidFill>
+          <a:prstDash val="solid"/>
+        </a:ln>
+        <a:effectLst/>
+      </dsp:spPr>
+      <dsp:style>
+        <a:lnRef idx="2">
+          <a:scrgbClr r="0" g="0" b="0"/>
+        </a:lnRef>
+        <a:fillRef idx="1">
+          <a:scrgbClr r="0" g="0" b="0"/>
+        </a:fillRef>
+        <a:effectRef idx="0">
+          <a:scrgbClr r="0" g="0" b="0"/>
+        </a:effectRef>
+        <a:fontRef idx="minor">
+          <a:schemeClr val="lt1"/>
+        </a:fontRef>
+      </dsp:style>
+      <dsp:txBody>
+        <a:bodyPr spcFirstLastPara="0" vert="horz" wrap="square" lIns="7620" tIns="7620" rIns="7620" bIns="7620" numCol="1" spcCol="1270" anchor="ctr" anchorCtr="0">
+          <a:noAutofit/>
+        </a:bodyPr>
+        <a:lstStyle/>
+        <a:p>
+          <a:pPr lvl="0" algn="ctr" defTabSz="533400">
+            <a:lnSpc>
+              <a:spcPct val="90000"/>
+            </a:lnSpc>
+            <a:spcBef>
+              <a:spcPct val="0"/>
+            </a:spcBef>
+            <a:spcAft>
+              <a:spcPct val="35000"/>
+            </a:spcAft>
+          </a:pPr>
+          <a:r>
+            <a:rPr lang="es-ES" sz="1200" kern="1200" dirty="0" err="1" smtClean="0"/>
+            <a:t>WTForms</a:t>
+          </a:r>
+          <a:endParaRPr lang="es-ES" sz="1200" kern="1200" dirty="0"/>
+        </a:p>
+      </dsp:txBody>
+      <dsp:txXfrm>
+        <a:off x="6159056" y="3222533"/>
+        <a:ext cx="907156" cy="453578"/>
+      </dsp:txXfrm>
+    </dsp:sp>
+    <dsp:sp modelId="{6A427A9C-53C2-4298-96BF-6D8F283FB113}">
+      <dsp:nvSpPr>
+        <dsp:cNvPr id="0" name=""/>
+        <dsp:cNvSpPr/>
+      </dsp:nvSpPr>
+      <dsp:spPr>
+        <a:xfrm>
+          <a:off x="7256716" y="1934370"/>
+          <a:ext cx="907156" cy="453578"/>
+        </a:xfrm>
+        <a:prstGeom prst="rect">
+          <a:avLst/>
+        </a:prstGeom>
+        <a:solidFill>
+          <a:schemeClr val="accent4">
+            <a:hueOff val="0"/>
+            <a:satOff val="0"/>
+            <a:lumOff val="0"/>
+            <a:alphaOff val="0"/>
+          </a:schemeClr>
+        </a:solidFill>
+        <a:ln w="22225" cap="rnd" cmpd="sng" algn="ctr">
+          <a:solidFill>
+            <a:schemeClr val="lt1">
+              <a:hueOff val="0"/>
+              <a:satOff val="0"/>
+              <a:lumOff val="0"/>
+              <a:alphaOff val="0"/>
+            </a:schemeClr>
+          </a:solidFill>
+          <a:prstDash val="solid"/>
+        </a:ln>
+        <a:effectLst/>
+      </dsp:spPr>
+      <dsp:style>
+        <a:lnRef idx="2">
+          <a:scrgbClr r="0" g="0" b="0"/>
+        </a:lnRef>
+        <a:fillRef idx="1">
+          <a:scrgbClr r="0" g="0" b="0"/>
+        </a:fillRef>
+        <a:effectRef idx="0">
+          <a:scrgbClr r="0" g="0" b="0"/>
+        </a:effectRef>
+        <a:fontRef idx="minor">
+          <a:schemeClr val="lt1"/>
+        </a:fontRef>
+      </dsp:style>
+      <dsp:txBody>
+        <a:bodyPr spcFirstLastPara="0" vert="horz" wrap="square" lIns="7620" tIns="7620" rIns="7620" bIns="7620" numCol="1" spcCol="1270" anchor="ctr" anchorCtr="0">
+          <a:noAutofit/>
+        </a:bodyPr>
+        <a:lstStyle/>
+        <a:p>
+          <a:pPr lvl="0" algn="ctr" defTabSz="533400">
+            <a:lnSpc>
+              <a:spcPct val="90000"/>
+            </a:lnSpc>
+            <a:spcBef>
+              <a:spcPct val="0"/>
+            </a:spcBef>
+            <a:spcAft>
+              <a:spcPct val="35000"/>
+            </a:spcAft>
+          </a:pPr>
+          <a:r>
+            <a:rPr lang="es-ES" sz="1200" kern="1200" dirty="0" err="1" smtClean="0"/>
+            <a:t>Flask-SQLAlchemy</a:t>
+          </a:r>
+          <a:endParaRPr lang="es-ES" sz="1200" kern="1200" dirty="0"/>
+        </a:p>
+      </dsp:txBody>
+      <dsp:txXfrm>
+        <a:off x="7256716" y="1934370"/>
+        <a:ext cx="907156" cy="453578"/>
+      </dsp:txXfrm>
+    </dsp:sp>
+    <dsp:sp modelId="{9A62DB25-B503-4BA8-8884-C59DCFB36AB7}">
+      <dsp:nvSpPr>
+        <dsp:cNvPr id="0" name=""/>
+        <dsp:cNvSpPr/>
+      </dsp:nvSpPr>
+      <dsp:spPr>
+        <a:xfrm>
+          <a:off x="7256716" y="2578451"/>
+          <a:ext cx="907156" cy="453578"/>
+        </a:xfrm>
+        <a:prstGeom prst="rect">
+          <a:avLst/>
+        </a:prstGeom>
+        <a:solidFill>
+          <a:schemeClr val="accent5">
+            <a:hueOff val="0"/>
+            <a:satOff val="0"/>
+            <a:lumOff val="0"/>
+            <a:alphaOff val="0"/>
+          </a:schemeClr>
+        </a:solidFill>
+        <a:ln w="22225" cap="rnd" cmpd="sng" algn="ctr">
+          <a:solidFill>
+            <a:schemeClr val="lt1">
+              <a:hueOff val="0"/>
+              <a:satOff val="0"/>
+              <a:lumOff val="0"/>
+              <a:alphaOff val="0"/>
+            </a:schemeClr>
+          </a:solidFill>
+          <a:prstDash val="solid"/>
+        </a:ln>
+        <a:effectLst/>
+      </dsp:spPr>
+      <dsp:style>
+        <a:lnRef idx="2">
+          <a:scrgbClr r="0" g="0" b="0"/>
+        </a:lnRef>
+        <a:fillRef idx="1">
+          <a:scrgbClr r="0" g="0" b="0"/>
+        </a:fillRef>
+        <a:effectRef idx="0">
+          <a:scrgbClr r="0" g="0" b="0"/>
+        </a:effectRef>
+        <a:fontRef idx="minor">
+          <a:schemeClr val="lt1"/>
+        </a:fontRef>
+      </dsp:style>
+      <dsp:txBody>
+        <a:bodyPr spcFirstLastPara="0" vert="horz" wrap="square" lIns="7620" tIns="7620" rIns="7620" bIns="7620" numCol="1" spcCol="1270" anchor="ctr" anchorCtr="0">
+          <a:noAutofit/>
+        </a:bodyPr>
+        <a:lstStyle/>
+        <a:p>
+          <a:pPr lvl="0" algn="ctr" defTabSz="533400">
+            <a:lnSpc>
+              <a:spcPct val="90000"/>
+            </a:lnSpc>
+            <a:spcBef>
+              <a:spcPct val="0"/>
+            </a:spcBef>
+            <a:spcAft>
+              <a:spcPct val="35000"/>
+            </a:spcAft>
+          </a:pPr>
+          <a:r>
+            <a:rPr lang="es-ES" sz="1200" kern="1200" dirty="0" err="1" smtClean="0"/>
+            <a:t>SQLAlchemy</a:t>
+          </a:r>
+          <a:endParaRPr lang="es-ES" sz="1200" kern="1200" dirty="0"/>
+        </a:p>
+      </dsp:txBody>
+      <dsp:txXfrm>
+        <a:off x="7256716" y="2578451"/>
+        <a:ext cx="907156" cy="453578"/>
+      </dsp:txXfrm>
+    </dsp:sp>
+    <dsp:sp modelId="{68435ED8-277E-4B03-AE89-FF05AEB8EF8C}">
+      <dsp:nvSpPr>
+        <dsp:cNvPr id="0" name=""/>
+        <dsp:cNvSpPr/>
+      </dsp:nvSpPr>
+      <dsp:spPr>
+        <a:xfrm>
+          <a:off x="7483505" y="3222533"/>
+          <a:ext cx="907156" cy="453578"/>
+        </a:xfrm>
+        <a:prstGeom prst="rect">
+          <a:avLst/>
+        </a:prstGeom>
+        <a:solidFill>
+          <a:srgbClr val="768AD4"/>
+        </a:solidFill>
+        <a:ln w="22225" cap="rnd" cmpd="sng" algn="ctr">
+          <a:solidFill>
+            <a:schemeClr val="lt1">
+              <a:hueOff val="0"/>
+              <a:satOff val="0"/>
+              <a:lumOff val="0"/>
+              <a:alphaOff val="0"/>
+            </a:schemeClr>
+          </a:solidFill>
+          <a:prstDash val="solid"/>
+        </a:ln>
+        <a:effectLst/>
+      </dsp:spPr>
+      <dsp:style>
+        <a:lnRef idx="2">
+          <a:scrgbClr r="0" g="0" b="0"/>
+        </a:lnRef>
+        <a:fillRef idx="1">
+          <a:scrgbClr r="0" g="0" b="0"/>
+        </a:fillRef>
+        <a:effectRef idx="0">
+          <a:scrgbClr r="0" g="0" b="0"/>
+        </a:effectRef>
+        <a:fontRef idx="minor">
+          <a:schemeClr val="lt1"/>
+        </a:fontRef>
+      </dsp:style>
+      <dsp:txBody>
+        <a:bodyPr spcFirstLastPara="0" vert="horz" wrap="square" lIns="7620" tIns="7620" rIns="7620" bIns="7620" numCol="1" spcCol="1270" anchor="ctr" anchorCtr="0">
+          <a:noAutofit/>
+        </a:bodyPr>
+        <a:lstStyle/>
+        <a:p>
+          <a:pPr lvl="0" algn="ctr" defTabSz="533400">
+            <a:lnSpc>
+              <a:spcPct val="90000"/>
+            </a:lnSpc>
+            <a:spcBef>
+              <a:spcPct val="0"/>
+            </a:spcBef>
+            <a:spcAft>
+              <a:spcPct val="35000"/>
+            </a:spcAft>
+          </a:pPr>
+          <a:r>
+            <a:rPr lang="es-ES" sz="1200" kern="1200" dirty="0" err="1" smtClean="0"/>
+            <a:t>MySQL</a:t>
+          </a:r>
+          <a:endParaRPr lang="es-ES" sz="1200" kern="1200" dirty="0"/>
+        </a:p>
+      </dsp:txBody>
+      <dsp:txXfrm>
+        <a:off x="7483505" y="3222533"/>
+        <a:ext cx="907156" cy="453578"/>
+      </dsp:txXfrm>
+    </dsp:sp>
+    <dsp:sp modelId="{9BC7BD13-6D6A-4679-8EC2-1EADDBCD2FF3}">
+      <dsp:nvSpPr>
+        <dsp:cNvPr id="0" name=""/>
+        <dsp:cNvSpPr/>
+      </dsp:nvSpPr>
+      <dsp:spPr>
+        <a:xfrm>
+          <a:off x="8354375" y="1934370"/>
+          <a:ext cx="907156" cy="453578"/>
+        </a:xfrm>
+        <a:prstGeom prst="rect">
+          <a:avLst/>
+        </a:prstGeom>
+        <a:solidFill>
+          <a:schemeClr val="accent4">
+            <a:hueOff val="0"/>
+            <a:satOff val="0"/>
+            <a:lumOff val="0"/>
+            <a:alphaOff val="0"/>
+          </a:schemeClr>
+        </a:solidFill>
+        <a:ln w="22225" cap="rnd" cmpd="sng" algn="ctr">
+          <a:solidFill>
+            <a:schemeClr val="lt1">
+              <a:hueOff val="0"/>
+              <a:satOff val="0"/>
+              <a:lumOff val="0"/>
+              <a:alphaOff val="0"/>
+            </a:schemeClr>
+          </a:solidFill>
+          <a:prstDash val="solid"/>
+        </a:ln>
+        <a:effectLst/>
+      </dsp:spPr>
+      <dsp:style>
+        <a:lnRef idx="2">
+          <a:scrgbClr r="0" g="0" b="0"/>
+        </a:lnRef>
+        <a:fillRef idx="1">
+          <a:scrgbClr r="0" g="0" b="0"/>
+        </a:fillRef>
+        <a:effectRef idx="0">
+          <a:scrgbClr r="0" g="0" b="0"/>
+        </a:effectRef>
+        <a:fontRef idx="minor">
+          <a:schemeClr val="lt1"/>
+        </a:fontRef>
+      </dsp:style>
+      <dsp:txBody>
+        <a:bodyPr spcFirstLastPara="0" vert="horz" wrap="square" lIns="7620" tIns="7620" rIns="7620" bIns="7620" numCol="1" spcCol="1270" anchor="ctr" anchorCtr="0">
+          <a:noAutofit/>
+        </a:bodyPr>
+        <a:lstStyle/>
+        <a:p>
+          <a:pPr lvl="0" algn="ctr" defTabSz="533400">
+            <a:lnSpc>
+              <a:spcPct val="90000"/>
+            </a:lnSpc>
+            <a:spcBef>
+              <a:spcPct val="0"/>
+            </a:spcBef>
+            <a:spcAft>
+              <a:spcPct val="35000"/>
+            </a:spcAft>
+          </a:pPr>
+          <a:r>
+            <a:rPr lang="es-ES" sz="1200" kern="1200" dirty="0" err="1" smtClean="0"/>
+            <a:t>Blueprints</a:t>
+          </a:r>
+          <a:endParaRPr lang="es-ES" sz="1200" kern="1200" dirty="0"/>
+        </a:p>
+      </dsp:txBody>
+      <dsp:txXfrm>
+        <a:off x="8354375" y="1934370"/>
+        <a:ext cx="907156" cy="453578"/>
+      </dsp:txXfrm>
+    </dsp:sp>
+    <dsp:sp modelId="{DA6F7D4D-30DA-4928-BF66-B25E98D74C05}">
+      <dsp:nvSpPr>
+        <dsp:cNvPr id="0" name=""/>
+        <dsp:cNvSpPr/>
+      </dsp:nvSpPr>
+      <dsp:spPr>
+        <a:xfrm>
+          <a:off x="8581165" y="2578451"/>
+          <a:ext cx="907156" cy="453578"/>
+        </a:xfrm>
+        <a:prstGeom prst="rect">
+          <a:avLst/>
+        </a:prstGeom>
+        <a:solidFill>
+          <a:schemeClr val="accent5">
+            <a:hueOff val="0"/>
+            <a:satOff val="0"/>
+            <a:lumOff val="0"/>
+            <a:alphaOff val="0"/>
+          </a:schemeClr>
+        </a:solidFill>
+        <a:ln w="22225" cap="rnd" cmpd="sng" algn="ctr">
+          <a:solidFill>
+            <a:schemeClr val="lt1">
+              <a:hueOff val="0"/>
+              <a:satOff val="0"/>
+              <a:lumOff val="0"/>
+              <a:alphaOff val="0"/>
+            </a:schemeClr>
+          </a:solidFill>
+          <a:prstDash val="solid"/>
+        </a:ln>
+        <a:effectLst/>
+      </dsp:spPr>
+      <dsp:style>
+        <a:lnRef idx="2">
+          <a:scrgbClr r="0" g="0" b="0"/>
+        </a:lnRef>
+        <a:fillRef idx="1">
+          <a:scrgbClr r="0" g="0" b="0"/>
+        </a:fillRef>
+        <a:effectRef idx="0">
+          <a:scrgbClr r="0" g="0" b="0"/>
+        </a:effectRef>
+        <a:fontRef idx="minor">
+          <a:schemeClr val="lt1"/>
+        </a:fontRef>
+      </dsp:style>
+      <dsp:txBody>
+        <a:bodyPr spcFirstLastPara="0" vert="horz" wrap="square" lIns="7620" tIns="7620" rIns="7620" bIns="7620" numCol="1" spcCol="1270" anchor="ctr" anchorCtr="0">
+          <a:noAutofit/>
+        </a:bodyPr>
+        <a:lstStyle/>
+        <a:p>
+          <a:pPr lvl="0" algn="ctr" defTabSz="533400">
+            <a:lnSpc>
+              <a:spcPct val="90000"/>
+            </a:lnSpc>
+            <a:spcBef>
+              <a:spcPct val="0"/>
+            </a:spcBef>
+            <a:spcAft>
+              <a:spcPct val="35000"/>
+            </a:spcAft>
+          </a:pPr>
+          <a:r>
+            <a:rPr lang="es-ES" sz="1200" kern="1200" dirty="0" smtClean="0"/>
+            <a:t>Mobile</a:t>
+          </a:r>
+          <a:endParaRPr lang="es-ES" sz="1200" kern="1200" dirty="0"/>
+        </a:p>
+      </dsp:txBody>
+      <dsp:txXfrm>
+        <a:off x="8581165" y="2578451"/>
+        <a:ext cx="907156" cy="453578"/>
+      </dsp:txXfrm>
+    </dsp:sp>
+    <dsp:sp modelId="{E9DBA74E-99D9-47B9-80C0-88E84ADE1D4D}">
+      <dsp:nvSpPr>
+        <dsp:cNvPr id="0" name=""/>
+        <dsp:cNvSpPr/>
+      </dsp:nvSpPr>
+      <dsp:spPr>
+        <a:xfrm>
+          <a:off x="8581165" y="3222533"/>
+          <a:ext cx="907156" cy="453578"/>
+        </a:xfrm>
+        <a:prstGeom prst="rect">
+          <a:avLst/>
+        </a:prstGeom>
+        <a:solidFill>
+          <a:schemeClr val="accent5">
+            <a:hueOff val="0"/>
+            <a:satOff val="0"/>
+            <a:lumOff val="0"/>
+            <a:alphaOff val="0"/>
+          </a:schemeClr>
+        </a:solidFill>
+        <a:ln w="22225" cap="rnd" cmpd="sng" algn="ctr">
+          <a:solidFill>
+            <a:schemeClr val="lt1">
+              <a:hueOff val="0"/>
+              <a:satOff val="0"/>
+              <a:lumOff val="0"/>
+              <a:alphaOff val="0"/>
+            </a:schemeClr>
+          </a:solidFill>
+          <a:prstDash val="solid"/>
+        </a:ln>
+        <a:effectLst/>
+      </dsp:spPr>
+      <dsp:style>
+        <a:lnRef idx="2">
+          <a:scrgbClr r="0" g="0" b="0"/>
+        </a:lnRef>
+        <a:fillRef idx="1">
+          <a:scrgbClr r="0" g="0" b="0"/>
+        </a:fillRef>
+        <a:effectRef idx="0">
+          <a:scrgbClr r="0" g="0" b="0"/>
+        </a:effectRef>
+        <a:fontRef idx="minor">
+          <a:schemeClr val="lt1"/>
+        </a:fontRef>
+      </dsp:style>
+      <dsp:txBody>
+        <a:bodyPr spcFirstLastPara="0" vert="horz" wrap="square" lIns="7620" tIns="7620" rIns="7620" bIns="7620" numCol="1" spcCol="1270" anchor="ctr" anchorCtr="0">
+          <a:noAutofit/>
+        </a:bodyPr>
+        <a:lstStyle/>
+        <a:p>
+          <a:pPr lvl="0" algn="ctr" defTabSz="533400">
+            <a:lnSpc>
+              <a:spcPct val="90000"/>
+            </a:lnSpc>
+            <a:spcBef>
+              <a:spcPct val="0"/>
+            </a:spcBef>
+            <a:spcAft>
+              <a:spcPct val="35000"/>
+            </a:spcAft>
+          </a:pPr>
+          <a:r>
+            <a:rPr lang="es-ES" sz="1200" kern="1200" dirty="0" err="1" smtClean="0"/>
+            <a:t>Users</a:t>
+          </a:r>
+          <a:endParaRPr lang="es-ES" sz="1200" kern="1200" dirty="0"/>
+        </a:p>
+      </dsp:txBody>
+      <dsp:txXfrm>
+        <a:off x="8581165" y="3222533"/>
+        <a:ext cx="907156" cy="453578"/>
+      </dsp:txXfrm>
+    </dsp:sp>
+    <dsp:sp modelId="{A512733F-0E72-4526-88C9-4FE03B14B3C4}">
+      <dsp:nvSpPr>
+        <dsp:cNvPr id="0" name=""/>
+        <dsp:cNvSpPr/>
+      </dsp:nvSpPr>
+      <dsp:spPr>
+        <a:xfrm>
+          <a:off x="6045661" y="1290289"/>
+          <a:ext cx="907156" cy="453578"/>
+        </a:xfrm>
+        <a:prstGeom prst="rect">
+          <a:avLst/>
+        </a:prstGeom>
+        <a:solidFill>
+          <a:schemeClr val="accent3">
+            <a:hueOff val="0"/>
+            <a:satOff val="0"/>
+            <a:lumOff val="0"/>
+            <a:alphaOff val="0"/>
+          </a:schemeClr>
+        </a:solidFill>
+        <a:ln w="22225" cap="rnd" cmpd="sng" algn="ctr">
+          <a:solidFill>
+            <a:schemeClr val="lt1">
+              <a:hueOff val="0"/>
+              <a:satOff val="0"/>
+              <a:lumOff val="0"/>
+              <a:alphaOff val="0"/>
+            </a:schemeClr>
+          </a:solidFill>
+          <a:prstDash val="solid"/>
+        </a:ln>
+        <a:effectLst/>
+      </dsp:spPr>
+      <dsp:style>
+        <a:lnRef idx="2">
+          <a:scrgbClr r="0" g="0" b="0"/>
+        </a:lnRef>
+        <a:fillRef idx="1">
+          <a:scrgbClr r="0" g="0" b="0"/>
+        </a:fillRef>
+        <a:effectRef idx="0">
+          <a:scrgbClr r="0" g="0" b="0"/>
+        </a:effectRef>
+        <a:fontRef idx="minor">
+          <a:schemeClr val="lt1"/>
+        </a:fontRef>
+      </dsp:style>
+      <dsp:txBody>
+        <a:bodyPr spcFirstLastPara="0" vert="horz" wrap="square" lIns="7620" tIns="7620" rIns="7620" bIns="7620" numCol="1" spcCol="1270" anchor="ctr" anchorCtr="0">
+          <a:noAutofit/>
+        </a:bodyPr>
+        <a:lstStyle/>
+        <a:p>
+          <a:pPr lvl="0" algn="ctr" defTabSz="533400">
+            <a:lnSpc>
+              <a:spcPct val="90000"/>
+            </a:lnSpc>
+            <a:spcBef>
+              <a:spcPct val="0"/>
+            </a:spcBef>
+            <a:spcAft>
+              <a:spcPct val="35000"/>
+            </a:spcAft>
+          </a:pPr>
+          <a:r>
+            <a:rPr lang="es-ES" sz="1200" kern="1200" dirty="0" err="1" smtClean="0"/>
+            <a:t>Bootstrap</a:t>
+          </a:r>
+          <a:endParaRPr lang="es-ES" sz="1200" kern="1200" dirty="0"/>
+        </a:p>
+      </dsp:txBody>
+      <dsp:txXfrm>
+        <a:off x="6045661" y="1290289"/>
+        <a:ext cx="907156" cy="453578"/>
+      </dsp:txXfrm>
+    </dsp:sp>
+    <dsp:sp modelId="{CB33DD07-36D7-4BEB-BF41-C5B9C9FE8AF3}">
+      <dsp:nvSpPr>
+        <dsp:cNvPr id="0" name=""/>
+        <dsp:cNvSpPr/>
+      </dsp:nvSpPr>
+      <dsp:spPr>
+        <a:xfrm>
+          <a:off x="7143321" y="1290289"/>
+          <a:ext cx="907156" cy="453578"/>
+        </a:xfrm>
+        <a:prstGeom prst="rect">
+          <a:avLst/>
+        </a:prstGeom>
+        <a:solidFill>
+          <a:schemeClr val="accent3">
+            <a:hueOff val="0"/>
+            <a:satOff val="0"/>
+            <a:lumOff val="0"/>
+            <a:alphaOff val="0"/>
+          </a:schemeClr>
+        </a:solidFill>
+        <a:ln w="22225" cap="rnd" cmpd="sng" algn="ctr">
+          <a:solidFill>
+            <a:schemeClr val="lt1">
+              <a:hueOff val="0"/>
+              <a:satOff val="0"/>
+              <a:lumOff val="0"/>
+              <a:alphaOff val="0"/>
+            </a:schemeClr>
+          </a:solidFill>
+          <a:prstDash val="solid"/>
+        </a:ln>
+        <a:effectLst/>
+      </dsp:spPr>
+      <dsp:style>
+        <a:lnRef idx="2">
+          <a:scrgbClr r="0" g="0" b="0"/>
+        </a:lnRef>
+        <a:fillRef idx="1">
+          <a:scrgbClr r="0" g="0" b="0"/>
+        </a:fillRef>
+        <a:effectRef idx="0">
+          <a:scrgbClr r="0" g="0" b="0"/>
+        </a:effectRef>
+        <a:fontRef idx="minor">
+          <a:schemeClr val="lt1"/>
+        </a:fontRef>
+      </dsp:style>
+      <dsp:txBody>
+        <a:bodyPr spcFirstLastPara="0" vert="horz" wrap="square" lIns="7620" tIns="7620" rIns="7620" bIns="7620" numCol="1" spcCol="1270" anchor="ctr" anchorCtr="0">
+          <a:noAutofit/>
+        </a:bodyPr>
+        <a:lstStyle/>
+        <a:p>
+          <a:pPr lvl="0" algn="ctr" defTabSz="533400">
+            <a:lnSpc>
+              <a:spcPct val="90000"/>
+            </a:lnSpc>
+            <a:spcBef>
+              <a:spcPct val="0"/>
+            </a:spcBef>
+            <a:spcAft>
+              <a:spcPct val="35000"/>
+            </a:spcAft>
+          </a:pPr>
+          <a:r>
+            <a:rPr lang="es-ES" sz="1200" kern="1200" dirty="0" err="1" smtClean="0"/>
+            <a:t>PyJWT</a:t>
+          </a:r>
+          <a:endParaRPr lang="es-ES" sz="1200" kern="1200" dirty="0"/>
+        </a:p>
+      </dsp:txBody>
+      <dsp:txXfrm>
+        <a:off x="7143321" y="1290289"/>
+        <a:ext cx="907156" cy="453578"/>
+      </dsp:txXfrm>
+    </dsp:sp>
+    <dsp:sp modelId="{942DFDCF-76D8-4178-BC41-02C30F94D25E}">
+      <dsp:nvSpPr>
+        <dsp:cNvPr id="0" name=""/>
+        <dsp:cNvSpPr/>
+      </dsp:nvSpPr>
+      <dsp:spPr>
+        <a:xfrm>
+          <a:off x="5496831" y="646207"/>
+          <a:ext cx="907156" cy="453578"/>
+        </a:xfrm>
+        <a:prstGeom prst="rect">
+          <a:avLst/>
+        </a:prstGeom>
+        <a:solidFill>
+          <a:srgbClr val="5ECCF3"/>
+        </a:solidFill>
+        <a:ln w="22225" cap="rnd" cmpd="sng" algn="ctr">
+          <a:solidFill>
+            <a:schemeClr val="lt1">
+              <a:shade val="80000"/>
+              <a:hueOff val="0"/>
+              <a:satOff val="0"/>
+              <a:lumOff val="0"/>
+              <a:alphaOff val="0"/>
+            </a:schemeClr>
+          </a:solidFill>
+          <a:prstDash val="solid"/>
+        </a:ln>
+        <a:effectLst/>
+      </dsp:spPr>
+      <dsp:style>
+        <a:lnRef idx="2">
+          <a:scrgbClr r="0" g="0" b="0"/>
+        </a:lnRef>
+        <a:fillRef idx="1">
+          <a:scrgbClr r="0" g="0" b="0"/>
+        </a:fillRef>
+        <a:effectRef idx="0">
+          <a:scrgbClr r="0" g="0" b="0"/>
+        </a:effectRef>
+        <a:fontRef idx="minor">
+          <a:schemeClr val="lt1"/>
+        </a:fontRef>
+      </dsp:style>
+      <dsp:txBody>
+        <a:bodyPr spcFirstLastPara="0" vert="horz" wrap="square" lIns="7620" tIns="7620" rIns="7620" bIns="7620" numCol="1" spcCol="1270" anchor="ctr" anchorCtr="0">
+          <a:noAutofit/>
+        </a:bodyPr>
+        <a:lstStyle/>
+        <a:p>
+          <a:pPr lvl="0" algn="ctr" defTabSz="533400">
+            <a:lnSpc>
+              <a:spcPct val="90000"/>
+            </a:lnSpc>
+            <a:spcBef>
+              <a:spcPct val="0"/>
+            </a:spcBef>
+            <a:spcAft>
+              <a:spcPct val="35000"/>
+            </a:spcAft>
+          </a:pPr>
+          <a:r>
+            <a:rPr lang="es-ES" sz="1200" kern="1200" dirty="0" smtClean="0"/>
+            <a:t>Visual Studio</a:t>
+          </a:r>
+          <a:endParaRPr lang="es-ES" sz="1200" kern="1200" dirty="0"/>
+        </a:p>
+      </dsp:txBody>
+      <dsp:txXfrm>
+        <a:off x="5496831" y="646207"/>
+        <a:ext cx="907156" cy="453578"/>
+      </dsp:txXfrm>
+    </dsp:sp>
+    <dsp:sp modelId="{1D2F2AC9-3025-44BB-A8E2-37EE2E37C69B}">
+      <dsp:nvSpPr>
+        <dsp:cNvPr id="0" name=""/>
+        <dsp:cNvSpPr/>
+      </dsp:nvSpPr>
+      <dsp:spPr>
+        <a:xfrm>
+          <a:off x="6594491" y="646207"/>
+          <a:ext cx="907156" cy="453578"/>
+        </a:xfrm>
+        <a:prstGeom prst="rect">
+          <a:avLst/>
+        </a:prstGeom>
+        <a:solidFill>
+          <a:srgbClr val="5ECCF3"/>
+        </a:solidFill>
+        <a:ln w="22225" cap="rnd" cmpd="sng" algn="ctr">
+          <a:solidFill>
+            <a:schemeClr val="lt1">
+              <a:shade val="80000"/>
+              <a:hueOff val="0"/>
+              <a:satOff val="0"/>
+              <a:lumOff val="0"/>
+              <a:alphaOff val="0"/>
+            </a:schemeClr>
+          </a:solidFill>
+          <a:prstDash val="solid"/>
+        </a:ln>
+        <a:effectLst/>
+      </dsp:spPr>
+      <dsp:style>
+        <a:lnRef idx="2">
+          <a:scrgbClr r="0" g="0" b="0"/>
+        </a:lnRef>
+        <a:fillRef idx="1">
+          <a:scrgbClr r="0" g="0" b="0"/>
+        </a:fillRef>
+        <a:effectRef idx="0">
+          <a:scrgbClr r="0" g="0" b="0"/>
+        </a:effectRef>
+        <a:fontRef idx="minor">
+          <a:schemeClr val="lt1"/>
+        </a:fontRef>
+      </dsp:style>
+      <dsp:txBody>
+        <a:bodyPr spcFirstLastPara="0" vert="horz" wrap="square" lIns="7620" tIns="7620" rIns="7620" bIns="7620" numCol="1" spcCol="1270" anchor="ctr" anchorCtr="0">
+          <a:noAutofit/>
+        </a:bodyPr>
+        <a:lstStyle/>
+        <a:p>
+          <a:pPr lvl="0" algn="ctr" defTabSz="533400">
+            <a:lnSpc>
+              <a:spcPct val="90000"/>
+            </a:lnSpc>
+            <a:spcBef>
+              <a:spcPct val="0"/>
+            </a:spcBef>
+            <a:spcAft>
+              <a:spcPct val="35000"/>
+            </a:spcAft>
+          </a:pPr>
+          <a:r>
+            <a:rPr lang="es-ES" sz="1200" kern="1200" dirty="0" smtClean="0"/>
+            <a:t>Python</a:t>
+          </a:r>
+          <a:endParaRPr lang="es-ES" sz="1200" kern="1200" dirty="0"/>
+        </a:p>
+      </dsp:txBody>
+      <dsp:txXfrm>
+        <a:off x="6594491" y="646207"/>
+        <a:ext cx="907156" cy="453578"/>
+      </dsp:txXfrm>
+    </dsp:sp>
   </dsp:spTree>
 </dsp:drawing>
 </file>
@@ -9219,6 +11728,1151 @@
       <dsp:cNvGrpSpPr/>
     </dsp:nvGrpSpPr>
     <dsp:grpSpPr/>
+    <dsp:sp modelId="{980912E7-B113-4E2B-B918-09ED297E7280}">
+      <dsp:nvSpPr>
+        <dsp:cNvPr id="0" name=""/>
+        <dsp:cNvSpPr/>
+      </dsp:nvSpPr>
+      <dsp:spPr>
+        <a:xfrm>
+          <a:off x="5514975" y="700628"/>
+          <a:ext cx="146676" cy="642583"/>
+        </a:xfrm>
+        <a:custGeom>
+          <a:avLst/>
+          <a:gdLst/>
+          <a:ahLst/>
+          <a:cxnLst/>
+          <a:rect l="0" t="0" r="0" b="0"/>
+          <a:pathLst>
+            <a:path>
+              <a:moveTo>
+                <a:pt x="0" y="0"/>
+              </a:moveTo>
+              <a:lnTo>
+                <a:pt x="0" y="642583"/>
+              </a:lnTo>
+              <a:lnTo>
+                <a:pt x="146676" y="642583"/>
+              </a:lnTo>
+            </a:path>
+          </a:pathLst>
+        </a:custGeom>
+        <a:noFill/>
+        <a:ln w="22225" cap="rnd" cmpd="sng" algn="ctr">
+          <a:solidFill>
+            <a:schemeClr val="accent3">
+              <a:hueOff val="0"/>
+              <a:satOff val="0"/>
+              <a:lumOff val="0"/>
+              <a:alphaOff val="0"/>
+            </a:schemeClr>
+          </a:solidFill>
+          <a:prstDash val="solid"/>
+        </a:ln>
+        <a:effectLst/>
+      </dsp:spPr>
+      <dsp:style>
+        <a:lnRef idx="2">
+          <a:scrgbClr r="0" g="0" b="0"/>
+        </a:lnRef>
+        <a:fillRef idx="0">
+          <a:scrgbClr r="0" g="0" b="0"/>
+        </a:fillRef>
+        <a:effectRef idx="0">
+          <a:scrgbClr r="0" g="0" b="0"/>
+        </a:effectRef>
+        <a:fontRef idx="minor"/>
+      </dsp:style>
+    </dsp:sp>
+    <dsp:sp modelId="{523AEA75-BBBD-479E-ADE2-D08F54CFD5FD}">
+      <dsp:nvSpPr>
+        <dsp:cNvPr id="0" name=""/>
+        <dsp:cNvSpPr/>
+      </dsp:nvSpPr>
+      <dsp:spPr>
+        <a:xfrm>
+          <a:off x="5368298" y="700628"/>
+          <a:ext cx="146676" cy="642583"/>
+        </a:xfrm>
+        <a:custGeom>
+          <a:avLst/>
+          <a:gdLst/>
+          <a:ahLst/>
+          <a:cxnLst/>
+          <a:rect l="0" t="0" r="0" b="0"/>
+          <a:pathLst>
+            <a:path>
+              <a:moveTo>
+                <a:pt x="146676" y="0"/>
+              </a:moveTo>
+              <a:lnTo>
+                <a:pt x="146676" y="642583"/>
+              </a:lnTo>
+              <a:lnTo>
+                <a:pt x="0" y="642583"/>
+              </a:lnTo>
+            </a:path>
+          </a:pathLst>
+        </a:custGeom>
+        <a:noFill/>
+        <a:ln w="22225" cap="rnd" cmpd="sng" algn="ctr">
+          <a:solidFill>
+            <a:schemeClr val="accent3">
+              <a:hueOff val="0"/>
+              <a:satOff val="0"/>
+              <a:lumOff val="0"/>
+              <a:alphaOff val="0"/>
+            </a:schemeClr>
+          </a:solidFill>
+          <a:prstDash val="solid"/>
+        </a:ln>
+        <a:effectLst/>
+      </dsp:spPr>
+      <dsp:style>
+        <a:lnRef idx="2">
+          <a:scrgbClr r="0" g="0" b="0"/>
+        </a:lnRef>
+        <a:fillRef idx="0">
+          <a:scrgbClr r="0" g="0" b="0"/>
+        </a:fillRef>
+        <a:effectRef idx="0">
+          <a:scrgbClr r="0" g="0" b="0"/>
+        </a:effectRef>
+        <a:fontRef idx="minor"/>
+      </dsp:style>
+    </dsp:sp>
+    <dsp:sp modelId="{E5B297A3-56D0-4B18-9938-B9039B6579E6}">
+      <dsp:nvSpPr>
+        <dsp:cNvPr id="0" name=""/>
+        <dsp:cNvSpPr/>
+      </dsp:nvSpPr>
+      <dsp:spPr>
+        <a:xfrm>
+          <a:off x="5514975" y="700628"/>
+          <a:ext cx="3380547" cy="1285166"/>
+        </a:xfrm>
+        <a:custGeom>
+          <a:avLst/>
+          <a:gdLst/>
+          <a:ahLst/>
+          <a:cxnLst/>
+          <a:rect l="0" t="0" r="0" b="0"/>
+          <a:pathLst>
+            <a:path>
+              <a:moveTo>
+                <a:pt x="0" y="0"/>
+              </a:moveTo>
+              <a:lnTo>
+                <a:pt x="0" y="1138490"/>
+              </a:lnTo>
+              <a:lnTo>
+                <a:pt x="3380547" y="1138490"/>
+              </a:lnTo>
+              <a:lnTo>
+                <a:pt x="3380547" y="1285166"/>
+              </a:lnTo>
+            </a:path>
+          </a:pathLst>
+        </a:custGeom>
+        <a:noFill/>
+        <a:ln w="22225" cap="rnd" cmpd="sng" algn="ctr">
+          <a:solidFill>
+            <a:schemeClr val="accent3">
+              <a:hueOff val="0"/>
+              <a:satOff val="0"/>
+              <a:lumOff val="0"/>
+              <a:alphaOff val="0"/>
+            </a:schemeClr>
+          </a:solidFill>
+          <a:prstDash val="solid"/>
+        </a:ln>
+        <a:effectLst/>
+      </dsp:spPr>
+      <dsp:style>
+        <a:lnRef idx="2">
+          <a:scrgbClr r="0" g="0" b="0"/>
+        </a:lnRef>
+        <a:fillRef idx="0">
+          <a:scrgbClr r="0" g="0" b="0"/>
+        </a:fillRef>
+        <a:effectRef idx="0">
+          <a:scrgbClr r="0" g="0" b="0"/>
+        </a:effectRef>
+        <a:fontRef idx="minor"/>
+      </dsp:style>
+    </dsp:sp>
+    <dsp:sp modelId="{29DA5AD8-FCC5-4A30-B799-14FA6B03F68A}">
+      <dsp:nvSpPr>
+        <dsp:cNvPr id="0" name=""/>
+        <dsp:cNvSpPr/>
+      </dsp:nvSpPr>
+      <dsp:spPr>
+        <a:xfrm>
+          <a:off x="5514975" y="700628"/>
+          <a:ext cx="1690273" cy="1285166"/>
+        </a:xfrm>
+        <a:custGeom>
+          <a:avLst/>
+          <a:gdLst/>
+          <a:ahLst/>
+          <a:cxnLst/>
+          <a:rect l="0" t="0" r="0" b="0"/>
+          <a:pathLst>
+            <a:path>
+              <a:moveTo>
+                <a:pt x="0" y="0"/>
+              </a:moveTo>
+              <a:lnTo>
+                <a:pt x="0" y="1138490"/>
+              </a:lnTo>
+              <a:lnTo>
+                <a:pt x="1690273" y="1138490"/>
+              </a:lnTo>
+              <a:lnTo>
+                <a:pt x="1690273" y="1285166"/>
+              </a:lnTo>
+            </a:path>
+          </a:pathLst>
+        </a:custGeom>
+        <a:noFill/>
+        <a:ln w="22225" cap="rnd" cmpd="sng" algn="ctr">
+          <a:solidFill>
+            <a:schemeClr val="accent3">
+              <a:hueOff val="0"/>
+              <a:satOff val="0"/>
+              <a:lumOff val="0"/>
+              <a:alphaOff val="0"/>
+            </a:schemeClr>
+          </a:solidFill>
+          <a:prstDash val="solid"/>
+        </a:ln>
+        <a:effectLst/>
+      </dsp:spPr>
+      <dsp:style>
+        <a:lnRef idx="2">
+          <a:scrgbClr r="0" g="0" b="0"/>
+        </a:lnRef>
+        <a:fillRef idx="0">
+          <a:scrgbClr r="0" g="0" b="0"/>
+        </a:fillRef>
+        <a:effectRef idx="0">
+          <a:scrgbClr r="0" g="0" b="0"/>
+        </a:effectRef>
+        <a:fontRef idx="minor"/>
+      </dsp:style>
+    </dsp:sp>
+    <dsp:sp modelId="{A7C7B1F8-61CA-40B4-9EB8-20A011BF2ED5}">
+      <dsp:nvSpPr>
+        <dsp:cNvPr id="0" name=""/>
+        <dsp:cNvSpPr/>
+      </dsp:nvSpPr>
+      <dsp:spPr>
+        <a:xfrm>
+          <a:off x="5469254" y="700628"/>
+          <a:ext cx="91440" cy="1285166"/>
+        </a:xfrm>
+        <a:custGeom>
+          <a:avLst/>
+          <a:gdLst/>
+          <a:ahLst/>
+          <a:cxnLst/>
+          <a:rect l="0" t="0" r="0" b="0"/>
+          <a:pathLst>
+            <a:path>
+              <a:moveTo>
+                <a:pt x="45720" y="0"/>
+              </a:moveTo>
+              <a:lnTo>
+                <a:pt x="45720" y="1285166"/>
+              </a:lnTo>
+            </a:path>
+          </a:pathLst>
+        </a:custGeom>
+        <a:noFill/>
+        <a:ln w="22225" cap="rnd" cmpd="sng" algn="ctr">
+          <a:solidFill>
+            <a:schemeClr val="accent3">
+              <a:hueOff val="0"/>
+              <a:satOff val="0"/>
+              <a:lumOff val="0"/>
+              <a:alphaOff val="0"/>
+            </a:schemeClr>
+          </a:solidFill>
+          <a:prstDash val="solid"/>
+        </a:ln>
+        <a:effectLst/>
+      </dsp:spPr>
+      <dsp:style>
+        <a:lnRef idx="2">
+          <a:scrgbClr r="0" g="0" b="0"/>
+        </a:lnRef>
+        <a:fillRef idx="0">
+          <a:scrgbClr r="0" g="0" b="0"/>
+        </a:fillRef>
+        <a:effectRef idx="0">
+          <a:scrgbClr r="0" g="0" b="0"/>
+        </a:effectRef>
+        <a:fontRef idx="minor"/>
+      </dsp:style>
+    </dsp:sp>
+    <dsp:sp modelId="{F2DC483B-56AE-4115-AA4E-3BE7CCEF0C7D}">
+      <dsp:nvSpPr>
+        <dsp:cNvPr id="0" name=""/>
+        <dsp:cNvSpPr/>
+      </dsp:nvSpPr>
+      <dsp:spPr>
+        <a:xfrm>
+          <a:off x="3824701" y="700628"/>
+          <a:ext cx="1690273" cy="1285166"/>
+        </a:xfrm>
+        <a:custGeom>
+          <a:avLst/>
+          <a:gdLst/>
+          <a:ahLst/>
+          <a:cxnLst/>
+          <a:rect l="0" t="0" r="0" b="0"/>
+          <a:pathLst>
+            <a:path>
+              <a:moveTo>
+                <a:pt x="1690273" y="0"/>
+              </a:moveTo>
+              <a:lnTo>
+                <a:pt x="1690273" y="1138490"/>
+              </a:lnTo>
+              <a:lnTo>
+                <a:pt x="0" y="1138490"/>
+              </a:lnTo>
+              <a:lnTo>
+                <a:pt x="0" y="1285166"/>
+              </a:lnTo>
+            </a:path>
+          </a:pathLst>
+        </a:custGeom>
+        <a:noFill/>
+        <a:ln w="22225" cap="rnd" cmpd="sng" algn="ctr">
+          <a:solidFill>
+            <a:schemeClr val="accent3">
+              <a:hueOff val="0"/>
+              <a:satOff val="0"/>
+              <a:lumOff val="0"/>
+              <a:alphaOff val="0"/>
+            </a:schemeClr>
+          </a:solidFill>
+          <a:prstDash val="solid"/>
+        </a:ln>
+        <a:effectLst/>
+      </dsp:spPr>
+      <dsp:style>
+        <a:lnRef idx="2">
+          <a:scrgbClr r="0" g="0" b="0"/>
+        </a:lnRef>
+        <a:fillRef idx="0">
+          <a:scrgbClr r="0" g="0" b="0"/>
+        </a:fillRef>
+        <a:effectRef idx="0">
+          <a:scrgbClr r="0" g="0" b="0"/>
+        </a:effectRef>
+        <a:fontRef idx="minor"/>
+      </dsp:style>
+    </dsp:sp>
+    <dsp:sp modelId="{250FD262-7B8B-4C7B-9E35-D43B60238308}">
+      <dsp:nvSpPr>
+        <dsp:cNvPr id="0" name=""/>
+        <dsp:cNvSpPr/>
+      </dsp:nvSpPr>
+      <dsp:spPr>
+        <a:xfrm>
+          <a:off x="1575659" y="2684255"/>
+          <a:ext cx="209538" cy="642583"/>
+        </a:xfrm>
+        <a:custGeom>
+          <a:avLst/>
+          <a:gdLst/>
+          <a:ahLst/>
+          <a:cxnLst/>
+          <a:rect l="0" t="0" r="0" b="0"/>
+          <a:pathLst>
+            <a:path>
+              <a:moveTo>
+                <a:pt x="0" y="0"/>
+              </a:moveTo>
+              <a:lnTo>
+                <a:pt x="0" y="642583"/>
+              </a:lnTo>
+              <a:lnTo>
+                <a:pt x="209538" y="642583"/>
+              </a:lnTo>
+            </a:path>
+          </a:pathLst>
+        </a:custGeom>
+        <a:noFill/>
+        <a:ln w="22225" cap="rnd" cmpd="sng" algn="ctr">
+          <a:solidFill>
+            <a:schemeClr val="accent4">
+              <a:hueOff val="0"/>
+              <a:satOff val="0"/>
+              <a:lumOff val="0"/>
+              <a:alphaOff val="0"/>
+            </a:schemeClr>
+          </a:solidFill>
+          <a:prstDash val="solid"/>
+        </a:ln>
+        <a:effectLst/>
+      </dsp:spPr>
+      <dsp:style>
+        <a:lnRef idx="2">
+          <a:scrgbClr r="0" g="0" b="0"/>
+        </a:lnRef>
+        <a:fillRef idx="0">
+          <a:scrgbClr r="0" g="0" b="0"/>
+        </a:fillRef>
+        <a:effectRef idx="0">
+          <a:scrgbClr r="0" g="0" b="0"/>
+        </a:effectRef>
+        <a:fontRef idx="minor"/>
+      </dsp:style>
+    </dsp:sp>
+    <dsp:sp modelId="{3E5C1D25-A28B-4431-8B14-87D3FFD91522}">
+      <dsp:nvSpPr>
+        <dsp:cNvPr id="0" name=""/>
+        <dsp:cNvSpPr/>
+      </dsp:nvSpPr>
+      <dsp:spPr>
+        <a:xfrm>
+          <a:off x="2134427" y="700628"/>
+          <a:ext cx="3380547" cy="1285166"/>
+        </a:xfrm>
+        <a:custGeom>
+          <a:avLst/>
+          <a:gdLst/>
+          <a:ahLst/>
+          <a:cxnLst/>
+          <a:rect l="0" t="0" r="0" b="0"/>
+          <a:pathLst>
+            <a:path>
+              <a:moveTo>
+                <a:pt x="3380547" y="0"/>
+              </a:moveTo>
+              <a:lnTo>
+                <a:pt x="3380547" y="1138490"/>
+              </a:lnTo>
+              <a:lnTo>
+                <a:pt x="0" y="1138490"/>
+              </a:lnTo>
+              <a:lnTo>
+                <a:pt x="0" y="1285166"/>
+              </a:lnTo>
+            </a:path>
+          </a:pathLst>
+        </a:custGeom>
+        <a:noFill/>
+        <a:ln w="22225" cap="rnd" cmpd="sng" algn="ctr">
+          <a:solidFill>
+            <a:schemeClr val="accent3">
+              <a:hueOff val="0"/>
+              <a:satOff val="0"/>
+              <a:lumOff val="0"/>
+              <a:alphaOff val="0"/>
+            </a:schemeClr>
+          </a:solidFill>
+          <a:prstDash val="solid"/>
+        </a:ln>
+        <a:effectLst/>
+      </dsp:spPr>
+      <dsp:style>
+        <a:lnRef idx="2">
+          <a:scrgbClr r="0" g="0" b="0"/>
+        </a:lnRef>
+        <a:fillRef idx="0">
+          <a:scrgbClr r="0" g="0" b="0"/>
+        </a:fillRef>
+        <a:effectRef idx="0">
+          <a:scrgbClr r="0" g="0" b="0"/>
+        </a:effectRef>
+        <a:fontRef idx="minor"/>
+      </dsp:style>
+    </dsp:sp>
+    <dsp:sp modelId="{028BC8A1-2EC2-41AE-A6E1-475B2E3F9473}">
+      <dsp:nvSpPr>
+        <dsp:cNvPr id="0" name=""/>
+        <dsp:cNvSpPr/>
+      </dsp:nvSpPr>
+      <dsp:spPr>
+        <a:xfrm>
+          <a:off x="4816514" y="2168"/>
+          <a:ext cx="1396920" cy="698460"/>
+        </a:xfrm>
+        <a:prstGeom prst="rect">
+          <a:avLst/>
+        </a:prstGeom>
+        <a:solidFill>
+          <a:schemeClr val="accent1">
+            <a:hueOff val="0"/>
+            <a:satOff val="0"/>
+            <a:lumOff val="0"/>
+            <a:alphaOff val="0"/>
+          </a:schemeClr>
+        </a:solidFill>
+        <a:ln w="22225" cap="rnd" cmpd="sng" algn="ctr">
+          <a:solidFill>
+            <a:schemeClr val="lt1">
+              <a:hueOff val="0"/>
+              <a:satOff val="0"/>
+              <a:lumOff val="0"/>
+              <a:alphaOff val="0"/>
+            </a:schemeClr>
+          </a:solidFill>
+          <a:prstDash val="solid"/>
+        </a:ln>
+        <a:effectLst/>
+      </dsp:spPr>
+      <dsp:style>
+        <a:lnRef idx="2">
+          <a:scrgbClr r="0" g="0" b="0"/>
+        </a:lnRef>
+        <a:fillRef idx="1">
+          <a:scrgbClr r="0" g="0" b="0"/>
+        </a:fillRef>
+        <a:effectRef idx="0">
+          <a:scrgbClr r="0" g="0" b="0"/>
+        </a:effectRef>
+        <a:fontRef idx="minor">
+          <a:schemeClr val="lt1"/>
+        </a:fontRef>
+      </dsp:style>
+      <dsp:txBody>
+        <a:bodyPr spcFirstLastPara="0" vert="horz" wrap="square" lIns="8890" tIns="8890" rIns="8890" bIns="8890" numCol="1" spcCol="1270" anchor="ctr" anchorCtr="0">
+          <a:noAutofit/>
+        </a:bodyPr>
+        <a:lstStyle/>
+        <a:p>
+          <a:pPr lvl="0" algn="ctr" defTabSz="622300">
+            <a:lnSpc>
+              <a:spcPct val="90000"/>
+            </a:lnSpc>
+            <a:spcBef>
+              <a:spcPct val="0"/>
+            </a:spcBef>
+            <a:spcAft>
+              <a:spcPct val="35000"/>
+            </a:spcAft>
+          </a:pPr>
+          <a:r>
+            <a:rPr lang="es-ES" sz="1400" kern="1200" dirty="0" err="1" smtClean="0"/>
+            <a:t>Client</a:t>
+          </a:r>
+          <a:endParaRPr lang="es-ES" sz="1400" kern="1200" dirty="0"/>
+        </a:p>
+      </dsp:txBody>
+      <dsp:txXfrm>
+        <a:off x="4816514" y="2168"/>
+        <a:ext cx="1396920" cy="698460"/>
+      </dsp:txXfrm>
+    </dsp:sp>
+    <dsp:sp modelId="{B31CD543-357E-411C-B215-AB2244EB839D}">
+      <dsp:nvSpPr>
+        <dsp:cNvPr id="0" name=""/>
+        <dsp:cNvSpPr/>
+      </dsp:nvSpPr>
+      <dsp:spPr>
+        <a:xfrm>
+          <a:off x="1435967" y="1985795"/>
+          <a:ext cx="1396920" cy="698460"/>
+        </a:xfrm>
+        <a:prstGeom prst="rect">
+          <a:avLst/>
+        </a:prstGeom>
+        <a:solidFill>
+          <a:schemeClr val="accent3">
+            <a:hueOff val="0"/>
+            <a:satOff val="0"/>
+            <a:lumOff val="0"/>
+            <a:alphaOff val="0"/>
+          </a:schemeClr>
+        </a:solidFill>
+        <a:ln w="22225" cap="rnd" cmpd="sng" algn="ctr">
+          <a:solidFill>
+            <a:schemeClr val="lt1">
+              <a:hueOff val="0"/>
+              <a:satOff val="0"/>
+              <a:lumOff val="0"/>
+              <a:alphaOff val="0"/>
+            </a:schemeClr>
+          </a:solidFill>
+          <a:prstDash val="solid"/>
+        </a:ln>
+        <a:effectLst/>
+      </dsp:spPr>
+      <dsp:style>
+        <a:lnRef idx="2">
+          <a:scrgbClr r="0" g="0" b="0"/>
+        </a:lnRef>
+        <a:fillRef idx="1">
+          <a:scrgbClr r="0" g="0" b="0"/>
+        </a:fillRef>
+        <a:effectRef idx="0">
+          <a:scrgbClr r="0" g="0" b="0"/>
+        </a:effectRef>
+        <a:fontRef idx="minor">
+          <a:schemeClr val="lt1"/>
+        </a:fontRef>
+      </dsp:style>
+      <dsp:txBody>
+        <a:bodyPr spcFirstLastPara="0" vert="horz" wrap="square" lIns="8890" tIns="8890" rIns="8890" bIns="8890" numCol="1" spcCol="1270" anchor="ctr" anchorCtr="0">
+          <a:noAutofit/>
+        </a:bodyPr>
+        <a:lstStyle/>
+        <a:p>
+          <a:pPr lvl="0" algn="ctr" defTabSz="622300">
+            <a:lnSpc>
+              <a:spcPct val="90000"/>
+            </a:lnSpc>
+            <a:spcBef>
+              <a:spcPct val="0"/>
+            </a:spcBef>
+            <a:spcAft>
+              <a:spcPct val="35000"/>
+            </a:spcAft>
+          </a:pPr>
+          <a:r>
+            <a:rPr lang="es-ES" sz="1400" kern="1200" dirty="0" err="1" smtClean="0"/>
+            <a:t>Activitats</a:t>
+          </a:r>
+          <a:endParaRPr lang="es-ES" sz="1400" kern="1200" dirty="0"/>
+        </a:p>
+      </dsp:txBody>
+      <dsp:txXfrm>
+        <a:off x="1435967" y="1985795"/>
+        <a:ext cx="1396920" cy="698460"/>
+      </dsp:txXfrm>
+    </dsp:sp>
+    <dsp:sp modelId="{A418CF7A-2834-4A17-8F95-135612C77FAD}">
+      <dsp:nvSpPr>
+        <dsp:cNvPr id="0" name=""/>
+        <dsp:cNvSpPr/>
+      </dsp:nvSpPr>
+      <dsp:spPr>
+        <a:xfrm>
+          <a:off x="1785197" y="2977609"/>
+          <a:ext cx="1396920" cy="698460"/>
+        </a:xfrm>
+        <a:prstGeom prst="rect">
+          <a:avLst/>
+        </a:prstGeom>
+        <a:solidFill>
+          <a:schemeClr val="accent4">
+            <a:hueOff val="0"/>
+            <a:satOff val="0"/>
+            <a:lumOff val="0"/>
+            <a:alphaOff val="0"/>
+          </a:schemeClr>
+        </a:solidFill>
+        <a:ln w="22225" cap="rnd" cmpd="sng" algn="ctr">
+          <a:solidFill>
+            <a:schemeClr val="lt1">
+              <a:hueOff val="0"/>
+              <a:satOff val="0"/>
+              <a:lumOff val="0"/>
+              <a:alphaOff val="0"/>
+            </a:schemeClr>
+          </a:solidFill>
+          <a:prstDash val="solid"/>
+        </a:ln>
+        <a:effectLst/>
+      </dsp:spPr>
+      <dsp:style>
+        <a:lnRef idx="2">
+          <a:scrgbClr r="0" g="0" b="0"/>
+        </a:lnRef>
+        <a:fillRef idx="1">
+          <a:scrgbClr r="0" g="0" b="0"/>
+        </a:fillRef>
+        <a:effectRef idx="0">
+          <a:scrgbClr r="0" g="0" b="0"/>
+        </a:effectRef>
+        <a:fontRef idx="minor">
+          <a:schemeClr val="lt1"/>
+        </a:fontRef>
+      </dsp:style>
+      <dsp:txBody>
+        <a:bodyPr spcFirstLastPara="0" vert="horz" wrap="square" lIns="8890" tIns="8890" rIns="8890" bIns="8890" numCol="1" spcCol="1270" anchor="ctr" anchorCtr="0">
+          <a:noAutofit/>
+        </a:bodyPr>
+        <a:lstStyle/>
+        <a:p>
+          <a:pPr lvl="0" algn="ctr" defTabSz="622300">
+            <a:lnSpc>
+              <a:spcPct val="90000"/>
+            </a:lnSpc>
+            <a:spcBef>
+              <a:spcPct val="0"/>
+            </a:spcBef>
+            <a:spcAft>
+              <a:spcPct val="35000"/>
+            </a:spcAft>
+          </a:pPr>
+          <a:r>
+            <a:rPr lang="es-ES" sz="1400" kern="1200" dirty="0" smtClean="0"/>
+            <a:t>XML</a:t>
+          </a:r>
+          <a:endParaRPr lang="es-ES" sz="1400" kern="1200" dirty="0"/>
+        </a:p>
+      </dsp:txBody>
+      <dsp:txXfrm>
+        <a:off x="1785197" y="2977609"/>
+        <a:ext cx="1396920" cy="698460"/>
+      </dsp:txXfrm>
+    </dsp:sp>
+    <dsp:sp modelId="{9E013435-F9CE-4E20-9716-C09004A6E32E}">
+      <dsp:nvSpPr>
+        <dsp:cNvPr id="0" name=""/>
+        <dsp:cNvSpPr/>
+      </dsp:nvSpPr>
+      <dsp:spPr>
+        <a:xfrm>
+          <a:off x="3126240" y="1985795"/>
+          <a:ext cx="1396920" cy="698460"/>
+        </a:xfrm>
+        <a:prstGeom prst="rect">
+          <a:avLst/>
+        </a:prstGeom>
+        <a:solidFill>
+          <a:schemeClr val="accent3">
+            <a:hueOff val="0"/>
+            <a:satOff val="0"/>
+            <a:lumOff val="0"/>
+            <a:alphaOff val="0"/>
+          </a:schemeClr>
+        </a:solidFill>
+        <a:ln w="22225" cap="rnd" cmpd="sng" algn="ctr">
+          <a:solidFill>
+            <a:schemeClr val="lt1">
+              <a:hueOff val="0"/>
+              <a:satOff val="0"/>
+              <a:lumOff val="0"/>
+              <a:alphaOff val="0"/>
+            </a:schemeClr>
+          </a:solidFill>
+          <a:prstDash val="solid"/>
+        </a:ln>
+        <a:effectLst/>
+      </dsp:spPr>
+      <dsp:style>
+        <a:lnRef idx="2">
+          <a:scrgbClr r="0" g="0" b="0"/>
+        </a:lnRef>
+        <a:fillRef idx="1">
+          <a:scrgbClr r="0" g="0" b="0"/>
+        </a:fillRef>
+        <a:effectRef idx="0">
+          <a:scrgbClr r="0" g="0" b="0"/>
+        </a:effectRef>
+        <a:fontRef idx="minor">
+          <a:schemeClr val="lt1"/>
+        </a:fontRef>
+      </dsp:style>
+      <dsp:txBody>
+        <a:bodyPr spcFirstLastPara="0" vert="horz" wrap="square" lIns="8890" tIns="8890" rIns="8890" bIns="8890" numCol="1" spcCol="1270" anchor="ctr" anchorCtr="0">
+          <a:noAutofit/>
+        </a:bodyPr>
+        <a:lstStyle/>
+        <a:p>
+          <a:pPr lvl="0" algn="ctr" defTabSz="622300">
+            <a:lnSpc>
+              <a:spcPct val="90000"/>
+            </a:lnSpc>
+            <a:spcBef>
+              <a:spcPct val="0"/>
+            </a:spcBef>
+            <a:spcAft>
+              <a:spcPct val="35000"/>
+            </a:spcAft>
+          </a:pPr>
+          <a:r>
+            <a:rPr lang="es-ES" sz="1400" kern="1200" dirty="0" err="1" smtClean="0"/>
+            <a:t>Volley</a:t>
+          </a:r>
+          <a:endParaRPr lang="es-ES" sz="1400" kern="1200" dirty="0"/>
+        </a:p>
+      </dsp:txBody>
+      <dsp:txXfrm>
+        <a:off x="3126240" y="1985795"/>
+        <a:ext cx="1396920" cy="698460"/>
+      </dsp:txXfrm>
+    </dsp:sp>
+    <dsp:sp modelId="{A95915B4-D8BA-4998-A2B0-2FFA811BDFBC}">
+      <dsp:nvSpPr>
+        <dsp:cNvPr id="0" name=""/>
+        <dsp:cNvSpPr/>
+      </dsp:nvSpPr>
+      <dsp:spPr>
+        <a:xfrm>
+          <a:off x="4816514" y="1985795"/>
+          <a:ext cx="1396920" cy="698460"/>
+        </a:xfrm>
+        <a:prstGeom prst="rect">
+          <a:avLst/>
+        </a:prstGeom>
+        <a:solidFill>
+          <a:schemeClr val="accent3">
+            <a:hueOff val="0"/>
+            <a:satOff val="0"/>
+            <a:lumOff val="0"/>
+            <a:alphaOff val="0"/>
+          </a:schemeClr>
+        </a:solidFill>
+        <a:ln w="22225" cap="rnd" cmpd="sng" algn="ctr">
+          <a:solidFill>
+            <a:schemeClr val="lt1">
+              <a:hueOff val="0"/>
+              <a:satOff val="0"/>
+              <a:lumOff val="0"/>
+              <a:alphaOff val="0"/>
+            </a:schemeClr>
+          </a:solidFill>
+          <a:prstDash val="solid"/>
+        </a:ln>
+        <a:effectLst/>
+      </dsp:spPr>
+      <dsp:style>
+        <a:lnRef idx="2">
+          <a:scrgbClr r="0" g="0" b="0"/>
+        </a:lnRef>
+        <a:fillRef idx="1">
+          <a:scrgbClr r="0" g="0" b="0"/>
+        </a:fillRef>
+        <a:effectRef idx="0">
+          <a:scrgbClr r="0" g="0" b="0"/>
+        </a:effectRef>
+        <a:fontRef idx="minor">
+          <a:schemeClr val="lt1"/>
+        </a:fontRef>
+      </dsp:style>
+      <dsp:txBody>
+        <a:bodyPr spcFirstLastPara="0" vert="horz" wrap="square" lIns="8890" tIns="8890" rIns="8890" bIns="8890" numCol="1" spcCol="1270" anchor="ctr" anchorCtr="0">
+          <a:noAutofit/>
+        </a:bodyPr>
+        <a:lstStyle/>
+        <a:p>
+          <a:pPr lvl="0" algn="ctr" defTabSz="622300">
+            <a:lnSpc>
+              <a:spcPct val="90000"/>
+            </a:lnSpc>
+            <a:spcBef>
+              <a:spcPct val="0"/>
+            </a:spcBef>
+            <a:spcAft>
+              <a:spcPct val="35000"/>
+            </a:spcAft>
+          </a:pPr>
+          <a:r>
+            <a:rPr lang="es-ES" sz="1400" kern="1200" dirty="0" err="1" smtClean="0"/>
+            <a:t>SharedPreferences</a:t>
+          </a:r>
+          <a:endParaRPr lang="es-ES" sz="1400" kern="1200" dirty="0"/>
+        </a:p>
+      </dsp:txBody>
+      <dsp:txXfrm>
+        <a:off x="4816514" y="1985795"/>
+        <a:ext cx="1396920" cy="698460"/>
+      </dsp:txXfrm>
+    </dsp:sp>
+    <dsp:sp modelId="{42DFF3D1-9462-4DB5-A34B-43CAA0A33B14}">
+      <dsp:nvSpPr>
+        <dsp:cNvPr id="0" name=""/>
+        <dsp:cNvSpPr/>
+      </dsp:nvSpPr>
+      <dsp:spPr>
+        <a:xfrm>
+          <a:off x="6506788" y="1985795"/>
+          <a:ext cx="1396920" cy="698460"/>
+        </a:xfrm>
+        <a:prstGeom prst="rect">
+          <a:avLst/>
+        </a:prstGeom>
+        <a:solidFill>
+          <a:schemeClr val="accent3">
+            <a:hueOff val="0"/>
+            <a:satOff val="0"/>
+            <a:lumOff val="0"/>
+            <a:alphaOff val="0"/>
+          </a:schemeClr>
+        </a:solidFill>
+        <a:ln w="22225" cap="rnd" cmpd="sng" algn="ctr">
+          <a:solidFill>
+            <a:schemeClr val="lt1">
+              <a:hueOff val="0"/>
+              <a:satOff val="0"/>
+              <a:lumOff val="0"/>
+              <a:alphaOff val="0"/>
+            </a:schemeClr>
+          </a:solidFill>
+          <a:prstDash val="solid"/>
+        </a:ln>
+        <a:effectLst/>
+      </dsp:spPr>
+      <dsp:style>
+        <a:lnRef idx="2">
+          <a:scrgbClr r="0" g="0" b="0"/>
+        </a:lnRef>
+        <a:fillRef idx="1">
+          <a:scrgbClr r="0" g="0" b="0"/>
+        </a:fillRef>
+        <a:effectRef idx="0">
+          <a:scrgbClr r="0" g="0" b="0"/>
+        </a:effectRef>
+        <a:fontRef idx="minor">
+          <a:schemeClr val="lt1"/>
+        </a:fontRef>
+      </dsp:style>
+      <dsp:txBody>
+        <a:bodyPr spcFirstLastPara="0" vert="horz" wrap="square" lIns="8890" tIns="8890" rIns="8890" bIns="8890" numCol="1" spcCol="1270" anchor="ctr" anchorCtr="0">
+          <a:noAutofit/>
+        </a:bodyPr>
+        <a:lstStyle/>
+        <a:p>
+          <a:pPr lvl="0" algn="ctr" defTabSz="622300">
+            <a:lnSpc>
+              <a:spcPct val="90000"/>
+            </a:lnSpc>
+            <a:spcBef>
+              <a:spcPct val="0"/>
+            </a:spcBef>
+            <a:spcAft>
+              <a:spcPct val="35000"/>
+            </a:spcAft>
+          </a:pPr>
+          <a:r>
+            <a:rPr lang="es-ES" sz="1400" kern="1200" dirty="0" err="1" smtClean="0"/>
+            <a:t>AlertDialog</a:t>
+          </a:r>
+          <a:endParaRPr lang="es-ES" sz="1400" kern="1200" dirty="0"/>
+        </a:p>
+      </dsp:txBody>
+      <dsp:txXfrm>
+        <a:off x="6506788" y="1985795"/>
+        <a:ext cx="1396920" cy="698460"/>
+      </dsp:txXfrm>
+    </dsp:sp>
+    <dsp:sp modelId="{410E88F5-B1FF-49AA-A0F0-1E18E5826B7E}">
+      <dsp:nvSpPr>
+        <dsp:cNvPr id="0" name=""/>
+        <dsp:cNvSpPr/>
+      </dsp:nvSpPr>
+      <dsp:spPr>
+        <a:xfrm>
+          <a:off x="8197062" y="1985795"/>
+          <a:ext cx="1396920" cy="698460"/>
+        </a:xfrm>
+        <a:prstGeom prst="rect">
+          <a:avLst/>
+        </a:prstGeom>
+        <a:solidFill>
+          <a:srgbClr val="990099"/>
+        </a:solidFill>
+        <a:ln w="22225" cap="rnd" cmpd="sng" algn="ctr">
+          <a:solidFill>
+            <a:schemeClr val="lt1">
+              <a:hueOff val="0"/>
+              <a:satOff val="0"/>
+              <a:lumOff val="0"/>
+              <a:alphaOff val="0"/>
+            </a:schemeClr>
+          </a:solidFill>
+          <a:prstDash val="solid"/>
+        </a:ln>
+        <a:effectLst/>
+      </dsp:spPr>
+      <dsp:style>
+        <a:lnRef idx="2">
+          <a:scrgbClr r="0" g="0" b="0"/>
+        </a:lnRef>
+        <a:fillRef idx="1">
+          <a:scrgbClr r="0" g="0" b="0"/>
+        </a:fillRef>
+        <a:effectRef idx="0">
+          <a:scrgbClr r="0" g="0" b="0"/>
+        </a:effectRef>
+        <a:fontRef idx="minor">
+          <a:schemeClr val="lt1"/>
+        </a:fontRef>
+      </dsp:style>
+      <dsp:txBody>
+        <a:bodyPr spcFirstLastPara="0" vert="horz" wrap="square" lIns="8890" tIns="8890" rIns="8890" bIns="8890" numCol="1" spcCol="1270" anchor="ctr" anchorCtr="0">
+          <a:noAutofit/>
+        </a:bodyPr>
+        <a:lstStyle/>
+        <a:p>
+          <a:pPr lvl="0" algn="ctr" defTabSz="622300">
+            <a:lnSpc>
+              <a:spcPct val="90000"/>
+            </a:lnSpc>
+            <a:spcBef>
+              <a:spcPct val="0"/>
+            </a:spcBef>
+            <a:spcAft>
+              <a:spcPct val="35000"/>
+            </a:spcAft>
+          </a:pPr>
+          <a:r>
+            <a:rPr lang="es-ES" sz="1400" kern="1200" dirty="0" err="1" smtClean="0"/>
+            <a:t>SQLite</a:t>
+          </a:r>
+          <a:endParaRPr lang="es-ES" sz="1400" kern="1200" dirty="0"/>
+        </a:p>
+      </dsp:txBody>
+      <dsp:txXfrm>
+        <a:off x="8197062" y="1985795"/>
+        <a:ext cx="1396920" cy="698460"/>
+      </dsp:txXfrm>
+    </dsp:sp>
+    <dsp:sp modelId="{4AF5806A-6F1A-46F6-9A96-2A090232BEC3}">
+      <dsp:nvSpPr>
+        <dsp:cNvPr id="0" name=""/>
+        <dsp:cNvSpPr/>
+      </dsp:nvSpPr>
+      <dsp:spPr>
+        <a:xfrm>
+          <a:off x="3971377" y="993982"/>
+          <a:ext cx="1396920" cy="698460"/>
+        </a:xfrm>
+        <a:prstGeom prst="rect">
+          <a:avLst/>
+        </a:prstGeom>
+        <a:solidFill>
+          <a:srgbClr val="5ECCF3"/>
+        </a:solidFill>
+        <a:ln w="22225" cap="rnd" cmpd="sng" algn="ctr">
+          <a:solidFill>
+            <a:schemeClr val="lt1">
+              <a:shade val="80000"/>
+              <a:hueOff val="0"/>
+              <a:satOff val="0"/>
+              <a:lumOff val="0"/>
+              <a:alphaOff val="0"/>
+            </a:schemeClr>
+          </a:solidFill>
+          <a:prstDash val="solid"/>
+        </a:ln>
+        <a:effectLst/>
+      </dsp:spPr>
+      <dsp:style>
+        <a:lnRef idx="2">
+          <a:scrgbClr r="0" g="0" b="0"/>
+        </a:lnRef>
+        <a:fillRef idx="1">
+          <a:scrgbClr r="0" g="0" b="0"/>
+        </a:fillRef>
+        <a:effectRef idx="0">
+          <a:scrgbClr r="0" g="0" b="0"/>
+        </a:effectRef>
+        <a:fontRef idx="minor">
+          <a:schemeClr val="lt1"/>
+        </a:fontRef>
+      </dsp:style>
+      <dsp:txBody>
+        <a:bodyPr spcFirstLastPara="0" vert="horz" wrap="square" lIns="8890" tIns="8890" rIns="8890" bIns="8890" numCol="1" spcCol="1270" anchor="ctr" anchorCtr="0">
+          <a:noAutofit/>
+        </a:bodyPr>
+        <a:lstStyle/>
+        <a:p>
+          <a:pPr lvl="0" algn="ctr" defTabSz="622300">
+            <a:lnSpc>
+              <a:spcPct val="90000"/>
+            </a:lnSpc>
+            <a:spcBef>
+              <a:spcPct val="0"/>
+            </a:spcBef>
+            <a:spcAft>
+              <a:spcPct val="35000"/>
+            </a:spcAft>
+          </a:pPr>
+          <a:r>
+            <a:rPr lang="es-ES" sz="1400" kern="1200" dirty="0" smtClean="0"/>
+            <a:t>Android Studio</a:t>
+          </a:r>
+          <a:endParaRPr lang="es-ES" sz="1400" kern="1200" dirty="0"/>
+        </a:p>
+      </dsp:txBody>
+      <dsp:txXfrm>
+        <a:off x="3971377" y="993982"/>
+        <a:ext cx="1396920" cy="698460"/>
+      </dsp:txXfrm>
+    </dsp:sp>
+    <dsp:sp modelId="{6C8052B8-5129-403D-9CD3-5645577E5FA2}">
+      <dsp:nvSpPr>
+        <dsp:cNvPr id="0" name=""/>
+        <dsp:cNvSpPr/>
+      </dsp:nvSpPr>
+      <dsp:spPr>
+        <a:xfrm>
+          <a:off x="5661651" y="993982"/>
+          <a:ext cx="1396920" cy="698460"/>
+        </a:xfrm>
+        <a:prstGeom prst="rect">
+          <a:avLst/>
+        </a:prstGeom>
+        <a:solidFill>
+          <a:srgbClr val="5ECCF3"/>
+        </a:solidFill>
+        <a:ln w="22225" cap="rnd" cmpd="sng" algn="ctr">
+          <a:solidFill>
+            <a:schemeClr val="lt1">
+              <a:shade val="80000"/>
+              <a:hueOff val="0"/>
+              <a:satOff val="0"/>
+              <a:lumOff val="0"/>
+              <a:alphaOff val="0"/>
+            </a:schemeClr>
+          </a:solidFill>
+          <a:prstDash val="solid"/>
+        </a:ln>
+        <a:effectLst/>
+      </dsp:spPr>
+      <dsp:style>
+        <a:lnRef idx="2">
+          <a:scrgbClr r="0" g="0" b="0"/>
+        </a:lnRef>
+        <a:fillRef idx="1">
+          <a:scrgbClr r="0" g="0" b="0"/>
+        </a:fillRef>
+        <a:effectRef idx="0">
+          <a:scrgbClr r="0" g="0" b="0"/>
+        </a:effectRef>
+        <a:fontRef idx="minor">
+          <a:schemeClr val="lt1"/>
+        </a:fontRef>
+      </dsp:style>
+      <dsp:txBody>
+        <a:bodyPr spcFirstLastPara="0" vert="horz" wrap="square" lIns="8890" tIns="8890" rIns="8890" bIns="8890" numCol="1" spcCol="1270" anchor="ctr" anchorCtr="0">
+          <a:noAutofit/>
+        </a:bodyPr>
+        <a:lstStyle/>
+        <a:p>
+          <a:pPr lvl="0" algn="ctr" defTabSz="622300">
+            <a:lnSpc>
+              <a:spcPct val="90000"/>
+            </a:lnSpc>
+            <a:spcBef>
+              <a:spcPct val="0"/>
+            </a:spcBef>
+            <a:spcAft>
+              <a:spcPct val="35000"/>
+            </a:spcAft>
+          </a:pPr>
+          <a:r>
+            <a:rPr lang="es-ES" sz="1400" kern="1200" dirty="0" smtClean="0"/>
+            <a:t>Java</a:t>
+          </a:r>
+          <a:endParaRPr lang="es-ES" sz="1400" kern="1200" dirty="0"/>
+        </a:p>
+      </dsp:txBody>
+      <dsp:txXfrm>
+        <a:off x="5661651" y="993982"/>
+        <a:ext cx="1396920" cy="698460"/>
+      </dsp:txXfrm>
+    </dsp:sp>
   </dsp:spTree>
 </dsp:drawing>
 </file>
@@ -16287,7 +19941,7 @@
           <a:p>
             <a:fld id="{48A72CDC-B66D-4F7C-81D5-D9554618F5EA}" type="datetimeFigureOut">
               <a:rPr lang="ca-ES" smtClean="0"/>
-              <a:t>17/1/2020</a:t>
+              <a:t>22/1/2020</a:t>
             </a:fld>
             <a:endParaRPr lang="ca-ES"/>
           </a:p>
@@ -16800,7 +20454,7 @@
           <a:p>
             <a:fld id="{0BBB4F42-6AD2-4763-95BD-31AD1CD045D9}" type="datetime1">
               <a:rPr lang="ca-ES" smtClean="0"/>
-              <a:t>17/1/2020</a:t>
+              <a:t>22/1/2020</a:t>
             </a:fld>
             <a:endParaRPr lang="ca-ES"/>
           </a:p>
@@ -17063,7 +20717,7 @@
           <a:p>
             <a:fld id="{76EB001A-7D6D-4244-904E-2F12C21DCADA}" type="datetime1">
               <a:rPr lang="ca-ES" smtClean="0"/>
-              <a:t>17/1/2020</a:t>
+              <a:t>22/1/2020</a:t>
             </a:fld>
             <a:endParaRPr lang="ca-ES"/>
           </a:p>
@@ -17298,7 +20952,7 @@
           <a:p>
             <a:fld id="{B9EDF53F-45FA-47CF-989C-BECC3CC4A6FA}" type="datetime1">
               <a:rPr lang="ca-ES" smtClean="0"/>
-              <a:t>17/1/2020</a:t>
+              <a:t>22/1/2020</a:t>
             </a:fld>
             <a:endParaRPr lang="ca-ES"/>
           </a:p>
@@ -17538,7 +21192,7 @@
           <a:p>
             <a:fld id="{28691B5E-530A-4578-A88A-EE5F8129B80D}" type="datetime1">
               <a:rPr lang="ca-ES" smtClean="0"/>
-              <a:t>17/1/2020</a:t>
+              <a:t>22/1/2020</a:t>
             </a:fld>
             <a:endParaRPr lang="ca-ES"/>
           </a:p>
@@ -17886,7 +21540,7 @@
           <a:p>
             <a:fld id="{734979E8-4746-4A6E-9ECA-821FCB65AC50}" type="datetime1">
               <a:rPr lang="ca-ES" smtClean="0"/>
-              <a:t>17/1/2020</a:t>
+              <a:t>22/1/2020</a:t>
             </a:fld>
             <a:endParaRPr lang="ca-ES"/>
           </a:p>
@@ -18195,7 +21849,7 @@
           <a:p>
             <a:fld id="{CCD70EE2-F9E8-4773-8F78-2AD436C1326C}" type="datetime1">
               <a:rPr lang="ca-ES" smtClean="0"/>
-              <a:t>17/1/2020</a:t>
+              <a:t>22/1/2020</a:t>
             </a:fld>
             <a:endParaRPr lang="ca-ES"/>
           </a:p>
@@ -18624,7 +22278,7 @@
           <a:p>
             <a:fld id="{B0303F1D-DFA8-4039-AB39-7797D6C98C06}" type="datetime1">
               <a:rPr lang="ca-ES" smtClean="0"/>
-              <a:t>17/1/2020</a:t>
+              <a:t>22/1/2020</a:t>
             </a:fld>
             <a:endParaRPr lang="ca-ES"/>
           </a:p>
@@ -18726,7 +22380,7 @@
           <a:p>
             <a:fld id="{11D08794-904D-4712-B67A-5F06D671CBCB}" type="datetime1">
               <a:rPr lang="ca-ES" smtClean="0"/>
-              <a:t>17/1/2020</a:t>
+              <a:t>22/1/2020</a:t>
             </a:fld>
             <a:endParaRPr lang="ca-ES"/>
           </a:p>
@@ -18895,7 +22549,7 @@
           <a:p>
             <a:fld id="{29921BD1-FCB0-4298-99B0-740715082644}" type="datetime1">
               <a:rPr lang="ca-ES" smtClean="0"/>
-              <a:t>17/1/2020</a:t>
+              <a:t>22/1/2020</a:t>
             </a:fld>
             <a:endParaRPr lang="ca-ES"/>
           </a:p>
@@ -19273,7 +22927,7 @@
           <a:p>
             <a:fld id="{7ABA9C88-BE0B-4A67-86B8-1C281E9C438E}" type="datetime1">
               <a:rPr lang="ca-ES" smtClean="0"/>
-              <a:t>17/1/2020</a:t>
+              <a:t>22/1/2020</a:t>
             </a:fld>
             <a:endParaRPr lang="ca-ES"/>
           </a:p>
@@ -19562,7 +23216,7 @@
           <a:p>
             <a:fld id="{A04CCCF5-5A85-4415-AA58-796941352A24}" type="datetime1">
               <a:rPr lang="ca-ES" smtClean="0"/>
-              <a:t>17/1/2020</a:t>
+              <a:t>22/1/2020</a:t>
             </a:fld>
             <a:endParaRPr lang="ca-ES"/>
           </a:p>
@@ -19773,7 +23427,7 @@
           <a:p>
             <a:fld id="{5ABAFB43-88C3-4E66-905C-AD8295BD58CE}" type="datetime1">
               <a:rPr lang="ca-ES" smtClean="0"/>
-              <a:t>17/1/2020</a:t>
+              <a:t>22/1/2020</a:t>
             </a:fld>
             <a:endParaRPr lang="ca-ES"/>
           </a:p>
@@ -20404,7 +24058,7 @@
         </p:nvSpPr>
         <p:spPr>
           <a:xfrm>
-            <a:off x="1524000" y="1604749"/>
+            <a:off x="1524000" y="2310977"/>
             <a:ext cx="9144000" cy="2387600"/>
           </a:xfrm>
         </p:spPr>
@@ -20414,15 +24068,39 @@
           </a:bodyPr>
           <a:lstStyle/>
           <a:p>
-            <a:r>
-              <a:rPr lang="ca-ES" dirty="0" smtClean="0">
+            <a:pPr algn="ctr"/>
+            <a:r>
+              <a:rPr lang="es-ES" sz="3200" dirty="0">
                 <a:solidFill>
                   <a:schemeClr val="bg1"/>
                 </a:solidFill>
               </a:rPr>
-              <a:t>Creació d’un qüestionari gamificat</a:t>
-            </a:r>
-            <a:endParaRPr lang="ca-ES" dirty="0">
+              <a:t/>
+            </a:r>
+            <a:br>
+              <a:rPr lang="es-ES" sz="3200" dirty="0">
+                <a:solidFill>
+                  <a:schemeClr val="bg1"/>
+                </a:solidFill>
+              </a:rPr>
+            </a:br>
+            <a:r>
+              <a:rPr lang="en-US" sz="3200" dirty="0">
+                <a:solidFill>
+                  <a:schemeClr val="bg1"/>
+                </a:solidFill>
+              </a:rPr>
+              <a:t> </a:t>
+            </a:r>
+            <a:r>
+              <a:rPr lang="en-US" sz="3200" b="1" dirty="0">
+                <a:solidFill>
+                  <a:schemeClr val="bg1"/>
+                </a:solidFill>
+              </a:rPr>
+              <a:t>Development of a computer-based tool to manage via web the teaching assignment </a:t>
+            </a:r>
+            <a:endParaRPr lang="ca-ES" sz="3200" dirty="0">
               <a:solidFill>
                 <a:schemeClr val="bg1"/>
               </a:solidFill>
@@ -20442,7 +24120,7 @@
         </p:nvSpPr>
         <p:spPr>
           <a:xfrm>
-            <a:off x="1524000" y="4059238"/>
+            <a:off x="1524000" y="4351846"/>
             <a:ext cx="9144000" cy="1655762"/>
           </a:xfrm>
         </p:spPr>
@@ -20679,316 +24357,6 @@
             </a:r>
             <a:r>
               <a:rPr lang="es-ES" dirty="0" smtClean="0"/>
-              <a:t> del servidor</a:t>
-            </a:r>
-            <a:endParaRPr lang="ca-ES" dirty="0"/>
-          </a:p>
-        </p:txBody>
-      </p:sp>
-      <p:sp>
-        <p:nvSpPr>
-          <p:cNvPr id="6" name="Marcador de contenido 5"/>
-          <p:cNvSpPr>
-            <a:spLocks noGrp="1"/>
-          </p:cNvSpPr>
-          <p:nvPr>
-            <p:ph idx="1"/>
-          </p:nvPr>
-        </p:nvSpPr>
-        <p:spPr/>
-        <p:txBody>
-          <a:bodyPr>
-            <a:normAutofit/>
-          </a:bodyPr>
-          <a:lstStyle/>
-          <a:p>
-            <a:pPr marL="0" indent="0">
-              <a:buNone/>
-            </a:pPr>
-            <a:r>
-              <a:rPr lang="es-ES" dirty="0" err="1"/>
-              <a:t>Ús</a:t>
-            </a:r>
-            <a:r>
-              <a:rPr lang="es-ES" dirty="0"/>
-              <a:t> per </a:t>
-            </a:r>
-            <a:r>
-              <a:rPr lang="es-ES" dirty="0" err="1"/>
-              <a:t>part</a:t>
-            </a:r>
-            <a:r>
-              <a:rPr lang="es-ES" dirty="0"/>
-              <a:t> </a:t>
-            </a:r>
-            <a:r>
-              <a:rPr lang="es-ES" dirty="0" err="1"/>
-              <a:t>dels</a:t>
-            </a:r>
-            <a:r>
-              <a:rPr lang="es-ES" dirty="0"/>
-              <a:t> </a:t>
-            </a:r>
-            <a:r>
-              <a:rPr lang="es-ES" dirty="0" err="1" smtClean="0"/>
-              <a:t>administradors</a:t>
-            </a:r>
-            <a:endParaRPr lang="es-ES" dirty="0" smtClean="0"/>
-          </a:p>
-          <a:p>
-            <a:pPr marL="0" indent="0">
-              <a:buNone/>
-            </a:pPr>
-            <a:endParaRPr lang="es-ES" dirty="0" smtClean="0"/>
-          </a:p>
-          <a:p>
-            <a:r>
-              <a:rPr lang="es-ES" dirty="0" err="1" smtClean="0"/>
-              <a:t>Gestió</a:t>
-            </a:r>
-            <a:r>
-              <a:rPr lang="es-ES" dirty="0" smtClean="0"/>
-              <a:t> </a:t>
-            </a:r>
-            <a:r>
-              <a:rPr lang="es-ES" dirty="0" err="1" smtClean="0"/>
-              <a:t>d’administradors</a:t>
-            </a:r>
-            <a:r>
-              <a:rPr lang="es-ES" dirty="0" smtClean="0"/>
-              <a:t> (</a:t>
-            </a:r>
-            <a:r>
-              <a:rPr lang="es-ES" dirty="0" err="1" smtClean="0"/>
-              <a:t>psicòlegs</a:t>
-            </a:r>
-            <a:r>
-              <a:rPr lang="es-ES" dirty="0" smtClean="0"/>
-              <a:t>)</a:t>
-            </a:r>
-          </a:p>
-          <a:p>
-            <a:r>
-              <a:rPr lang="es-ES" dirty="0" err="1" smtClean="0"/>
-              <a:t>Gestió</a:t>
-            </a:r>
-            <a:r>
-              <a:rPr lang="es-ES" dirty="0" smtClean="0"/>
-              <a:t> </a:t>
-            </a:r>
-            <a:r>
-              <a:rPr lang="es-ES" dirty="0" err="1"/>
-              <a:t>d’usuaris</a:t>
-            </a:r>
-            <a:r>
-              <a:rPr lang="es-ES" dirty="0"/>
-              <a:t> (</a:t>
-            </a:r>
-            <a:r>
-              <a:rPr lang="es-ES" dirty="0" err="1"/>
-              <a:t>pacients</a:t>
-            </a:r>
-            <a:r>
-              <a:rPr lang="es-ES" dirty="0"/>
-              <a:t>)</a:t>
-            </a:r>
-          </a:p>
-          <a:p>
-            <a:r>
-              <a:rPr lang="es-ES" dirty="0" err="1" smtClean="0"/>
-              <a:t>Gestió</a:t>
-            </a:r>
-            <a:r>
-              <a:rPr lang="es-ES" dirty="0" smtClean="0"/>
-              <a:t> de </a:t>
-            </a:r>
-            <a:r>
-              <a:rPr lang="es-ES" dirty="0" err="1" smtClean="0"/>
-              <a:t>qüestionaris</a:t>
-            </a:r>
-            <a:r>
-              <a:rPr lang="es-ES" dirty="0" smtClean="0"/>
-              <a:t> </a:t>
-            </a:r>
-            <a:r>
-              <a:rPr lang="es-ES" dirty="0" err="1" smtClean="0"/>
-              <a:t>rebuts</a:t>
-            </a:r>
-            <a:endParaRPr lang="es-ES" dirty="0" smtClean="0"/>
-          </a:p>
-          <a:p>
-            <a:r>
-              <a:rPr lang="es-ES" dirty="0" err="1" smtClean="0"/>
-              <a:t>Exportació</a:t>
-            </a:r>
-            <a:r>
-              <a:rPr lang="es-ES" dirty="0" smtClean="0"/>
-              <a:t> de </a:t>
-            </a:r>
-            <a:r>
-              <a:rPr lang="es-ES" dirty="0" err="1" smtClean="0"/>
-              <a:t>qüestionaris</a:t>
-            </a:r>
-            <a:r>
-              <a:rPr lang="es-ES" dirty="0" smtClean="0"/>
-              <a:t> i </a:t>
-            </a:r>
-            <a:r>
-              <a:rPr lang="es-ES" dirty="0" err="1" smtClean="0"/>
-              <a:t>respostes</a:t>
-            </a:r>
-            <a:endParaRPr lang="es-ES" dirty="0" smtClean="0"/>
-          </a:p>
-          <a:p>
-            <a:r>
-              <a:rPr lang="es-ES" dirty="0" smtClean="0"/>
-              <a:t>Multilingüe</a:t>
-            </a:r>
-          </a:p>
-        </p:txBody>
-      </p:sp>
-      <p:sp>
-        <p:nvSpPr>
-          <p:cNvPr id="10" name="Rectángulo 9"/>
-          <p:cNvSpPr/>
-          <p:nvPr/>
-        </p:nvSpPr>
-        <p:spPr>
-          <a:xfrm>
-            <a:off x="581192" y="2652764"/>
-            <a:ext cx="3115597" cy="391886"/>
-          </a:xfrm>
-          <a:prstGeom prst="rect">
-            <a:avLst/>
-          </a:prstGeom>
-          <a:noFill/>
-          <a:ln w="28575">
-            <a:solidFill>
-              <a:srgbClr val="5ECCF3"/>
-            </a:solidFill>
-          </a:ln>
-        </p:spPr>
-        <p:style>
-          <a:lnRef idx="2">
-            <a:schemeClr val="accent1">
-              <a:shade val="50000"/>
-            </a:schemeClr>
-          </a:lnRef>
-          <a:fillRef idx="1">
-            <a:schemeClr val="accent1"/>
-          </a:fillRef>
-          <a:effectRef idx="0">
-            <a:schemeClr val="accent1"/>
-          </a:effectRef>
-          <a:fontRef idx="minor">
-            <a:schemeClr val="lt1"/>
-          </a:fontRef>
-        </p:style>
-        <p:txBody>
-          <a:bodyPr rtlCol="0" anchor="ctr"/>
-          <a:lstStyle/>
-          <a:p>
-            <a:pPr algn="ctr"/>
-            <a:endParaRPr lang="ca-ES"/>
-          </a:p>
-        </p:txBody>
-      </p:sp>
-      <p:sp>
-        <p:nvSpPr>
-          <p:cNvPr id="3" name="Marcador de número de diapositiva 2"/>
-          <p:cNvSpPr>
-            <a:spLocks noGrp="1"/>
-          </p:cNvSpPr>
-          <p:nvPr>
-            <p:ph type="sldNum" sz="quarter" idx="12"/>
-          </p:nvPr>
-        </p:nvSpPr>
-        <p:spPr/>
-        <p:txBody>
-          <a:bodyPr/>
-          <a:lstStyle/>
-          <a:p>
-            <a:fld id="{4F4CC500-C254-4A01-A1E9-3631BD4DF40D}" type="slidenum">
-              <a:rPr lang="ca-ES" smtClean="0"/>
-              <a:pPr/>
-              <a:t>10</a:t>
-            </a:fld>
-            <a:r>
-              <a:rPr lang="ca-ES" smtClean="0"/>
-              <a:t>/22</a:t>
-            </a:r>
-            <a:endParaRPr lang="ca-ES" dirty="0"/>
-          </a:p>
-        </p:txBody>
-      </p:sp>
-    </p:spTree>
-    <p:extLst>
-      <p:ext uri="{BB962C8B-B14F-4D97-AF65-F5344CB8AC3E}">
-        <p14:creationId xmlns:p14="http://schemas.microsoft.com/office/powerpoint/2010/main" val="723141527"/>
-      </p:ext>
-    </p:extLst>
-  </p:cSld>
-  <p:clrMapOvr>
-    <a:masterClrMapping/>
-  </p:clrMapOvr>
-  <p:timing>
-    <p:tnLst>
-      <p:par>
-        <p:cTn id="1" dur="indefinite" restart="never" nodeType="tmRoot"/>
-      </p:par>
-    </p:tnLst>
-  </p:timing>
-</p:sld>
-</file>
-
-<file path=ppt/slides/slide11.xml><?xml version="1.0" encoding="utf-8"?>
-<p:sld xmlns:a="http://schemas.openxmlformats.org/drawingml/2006/main" xmlns:r="http://schemas.openxmlformats.org/officeDocument/2006/relationships" xmlns:p="http://schemas.openxmlformats.org/presentationml/2006/main">
-  <p:cSld>
-    <p:spTree>
-      <p:nvGrpSpPr>
-        <p:cNvPr id="1" name=""/>
-        <p:cNvGrpSpPr/>
-        <p:nvPr/>
-      </p:nvGrpSpPr>
-      <p:grpSpPr>
-        <a:xfrm>
-          <a:off x="0" y="0"/>
-          <a:ext cx="0" cy="0"/>
-          <a:chOff x="0" y="0"/>
-          <a:chExt cx="0" cy="0"/>
-        </a:xfrm>
-      </p:grpSpPr>
-      <p:sp>
-        <p:nvSpPr>
-          <p:cNvPr id="2" name="Título 1"/>
-          <p:cNvSpPr>
-            <a:spLocks noGrp="1"/>
-          </p:cNvSpPr>
-          <p:nvPr>
-            <p:ph type="title"/>
-          </p:nvPr>
-        </p:nvSpPr>
-        <p:spPr/>
-        <p:txBody>
-          <a:bodyPr>
-            <a:normAutofit/>
-          </a:bodyPr>
-          <a:lstStyle/>
-          <a:p>
-            <a:r>
-              <a:rPr lang="es-ES" dirty="0" err="1" smtClean="0"/>
-              <a:t>Requeriments</a:t>
-            </a:r>
-            <a:r>
-              <a:rPr lang="es-ES" dirty="0" smtClean="0"/>
-              <a:t> </a:t>
-            </a:r>
-            <a:r>
-              <a:rPr lang="es-ES" dirty="0" err="1" smtClean="0"/>
-              <a:t>principals</a:t>
-            </a:r>
-            <a:r>
-              <a:rPr lang="es-ES" dirty="0" smtClean="0"/>
               <a:t> del </a:t>
             </a:r>
             <a:r>
@@ -21135,7 +24503,7 @@
             <a:fld id="{4F4CC500-C254-4A01-A1E9-3631BD4DF40D}" type="slidenum">
               <a:rPr lang="ca-ES" smtClean="0"/>
               <a:pPr/>
-              <a:t>11</a:t>
+              <a:t>10</a:t>
             </a:fld>
             <a:r>
               <a:rPr lang="ca-ES" smtClean="0"/>
@@ -21165,7 +24533,7 @@
 </p:sld>
 </file>
 
-<file path=ppt/slides/slide12.xml><?xml version="1.0" encoding="utf-8"?>
+<file path=ppt/slides/slide11.xml><?xml version="1.0" encoding="utf-8"?>
 <p:sld xmlns:a="http://schemas.openxmlformats.org/drawingml/2006/main" xmlns:r="http://schemas.openxmlformats.org/officeDocument/2006/relationships" xmlns:p="http://schemas.openxmlformats.org/presentationml/2006/main">
   <p:cSld>
     <p:spTree>
@@ -21292,7 +24660,7 @@
             <a:fld id="{4F4CC500-C254-4A01-A1E9-3631BD4DF40D}" type="slidenum">
               <a:rPr lang="ca-ES" smtClean="0"/>
               <a:pPr/>
-              <a:t>12</a:t>
+              <a:t>11</a:t>
             </a:fld>
             <a:r>
               <a:rPr lang="ca-ES" smtClean="0"/>
@@ -21306,6 +24674,123 @@
     <p:extLst>
       <p:ext uri="{BB962C8B-B14F-4D97-AF65-F5344CB8AC3E}">
         <p14:creationId xmlns:p14="http://schemas.microsoft.com/office/powerpoint/2010/main" val="2410747244"/>
+      </p:ext>
+    </p:extLst>
+  </p:cSld>
+  <p:clrMapOvr>
+    <a:masterClrMapping/>
+  </p:clrMapOvr>
+  <p:timing>
+    <p:tnLst>
+      <p:par>
+        <p:cTn id="1" dur="indefinite" restart="never" nodeType="tmRoot"/>
+      </p:par>
+    </p:tnLst>
+  </p:timing>
+</p:sld>
+</file>
+
+<file path=ppt/slides/slide12.xml><?xml version="1.0" encoding="utf-8"?>
+<p:sld xmlns:a="http://schemas.openxmlformats.org/drawingml/2006/main" xmlns:r="http://schemas.openxmlformats.org/officeDocument/2006/relationships" xmlns:p="http://schemas.openxmlformats.org/presentationml/2006/main">
+  <p:cSld>
+    <p:spTree>
+      <p:nvGrpSpPr>
+        <p:cNvPr id="1" name=""/>
+        <p:cNvGrpSpPr/>
+        <p:nvPr/>
+      </p:nvGrpSpPr>
+      <p:grpSpPr>
+        <a:xfrm>
+          <a:off x="0" y="0"/>
+          <a:ext cx="0" cy="0"/>
+          <a:chOff x="0" y="0"/>
+          <a:chExt cx="0" cy="0"/>
+        </a:xfrm>
+      </p:grpSpPr>
+      <p:sp>
+        <p:nvSpPr>
+          <p:cNvPr id="2" name="Título 1"/>
+          <p:cNvSpPr>
+            <a:spLocks noGrp="1"/>
+          </p:cNvSpPr>
+          <p:nvPr>
+            <p:ph type="title"/>
+          </p:nvPr>
+        </p:nvSpPr>
+        <p:spPr/>
+        <p:txBody>
+          <a:bodyPr/>
+          <a:lstStyle/>
+          <a:p>
+            <a:r>
+              <a:rPr lang="es-ES" dirty="0" err="1" smtClean="0"/>
+              <a:t>Implementació</a:t>
+            </a:r>
+            <a:r>
+              <a:rPr lang="es-ES" dirty="0" smtClean="0"/>
+              <a:t> - servidor</a:t>
+            </a:r>
+            <a:endParaRPr lang="ca-ES" dirty="0"/>
+          </a:p>
+        </p:txBody>
+      </p:sp>
+      <p:graphicFrame>
+        <p:nvGraphicFramePr>
+          <p:cNvPr id="5" name="Marcador de contenido 4"/>
+          <p:cNvGraphicFramePr>
+            <a:graphicFrameLocks noGrp="1"/>
+          </p:cNvGraphicFramePr>
+          <p:nvPr>
+            <p:ph idx="1"/>
+            <p:extLst>
+              <p:ext uri="{D42A27DB-BD31-4B8C-83A1-F6EECF244321}">
+                <p14:modId xmlns:p14="http://schemas.microsoft.com/office/powerpoint/2010/main" val="799884620"/>
+              </p:ext>
+            </p:extLst>
+          </p:nvPr>
+        </p:nvGraphicFramePr>
+        <p:xfrm>
+          <a:off x="581025" y="2181225"/>
+          <a:ext cx="11029950" cy="3678238"/>
+        </p:xfrm>
+        <a:graphic>
+          <a:graphicData uri="http://schemas.openxmlformats.org/drawingml/2006/diagram">
+            <dgm:relIds xmlns:dgm="http://schemas.openxmlformats.org/drawingml/2006/diagram" xmlns:r="http://schemas.openxmlformats.org/officeDocument/2006/relationships" r:dm="rId2" r:lo="rId3" r:qs="rId4" r:cs="rId5"/>
+          </a:graphicData>
+        </a:graphic>
+      </p:graphicFrame>
+      <p:sp>
+        <p:nvSpPr>
+          <p:cNvPr id="3" name="Marcador de número de diapositiva 2"/>
+          <p:cNvSpPr>
+            <a:spLocks noGrp="1"/>
+          </p:cNvSpPr>
+          <p:nvPr>
+            <p:ph type="sldNum" sz="quarter" idx="12"/>
+          </p:nvPr>
+        </p:nvSpPr>
+        <p:spPr/>
+        <p:txBody>
+          <a:bodyPr/>
+          <a:lstStyle/>
+          <a:p>
+            <a:fld id="{4F4CC500-C254-4A01-A1E9-3631BD4DF40D}" type="slidenum">
+              <a:rPr lang="ca-ES" smtClean="0"/>
+              <a:pPr/>
+              <a:t>12</a:t>
+            </a:fld>
+            <a:r>
+              <a:rPr lang="ca-ES" smtClean="0"/>
+              <a:t>/22</a:t>
+            </a:r>
+            <a:endParaRPr lang="ca-ES" dirty="0"/>
+          </a:p>
+        </p:txBody>
+      </p:sp>
+    </p:spTree>
+    <p:extLst>
+      <p:ext uri="{BB962C8B-B14F-4D97-AF65-F5344CB8AC3E}">
+        <p14:creationId xmlns:p14="http://schemas.microsoft.com/office/powerpoint/2010/main" val="823566114"/>
       </p:ext>
     </p:extLst>
   </p:cSld>
@@ -21360,7 +24845,11 @@
             </a:r>
             <a:r>
               <a:rPr lang="es-ES" dirty="0" smtClean="0"/>
-              <a:t> - servidor</a:t>
+              <a:t> - </a:t>
+            </a:r>
+            <a:r>
+              <a:rPr lang="es-ES" dirty="0" err="1" smtClean="0"/>
+              <a:t>client</a:t>
             </a:r>
             <a:endParaRPr lang="ca-ES" dirty="0"/>
           </a:p>
@@ -21368,7 +24857,7 @@
       </p:sp>
       <p:graphicFrame>
         <p:nvGraphicFramePr>
-          <p:cNvPr id="5" name="Marcador de contenido 4"/>
+          <p:cNvPr id="4" name="Marcador de contenido 3"/>
           <p:cNvGraphicFramePr>
             <a:graphicFrameLocks noGrp="1"/>
           </p:cNvGraphicFramePr>
@@ -21376,7 +24865,7 @@
             <p:ph idx="1"/>
             <p:extLst>
               <p:ext uri="{D42A27DB-BD31-4B8C-83A1-F6EECF244321}">
-                <p14:modId xmlns:p14="http://schemas.microsoft.com/office/powerpoint/2010/main" val="799884620"/>
+                <p14:modId xmlns:p14="http://schemas.microsoft.com/office/powerpoint/2010/main" val="3825554064"/>
               </p:ext>
             </p:extLst>
           </p:nvPr>
@@ -21422,7 +24911,7 @@
     </p:spTree>
     <p:extLst>
       <p:ext uri="{BB962C8B-B14F-4D97-AF65-F5344CB8AC3E}">
-        <p14:creationId xmlns:p14="http://schemas.microsoft.com/office/powerpoint/2010/main" val="823566114"/>
+        <p14:creationId xmlns:p14="http://schemas.microsoft.com/office/powerpoint/2010/main" val="1146784114"/>
       </p:ext>
     </p:extLst>
   </p:cSld>
@@ -21473,127 +24962,6 @@
           <a:p>
             <a:r>
               <a:rPr lang="es-ES" dirty="0" err="1" smtClean="0"/>
-              <a:t>Implementació</a:t>
-            </a:r>
-            <a:r>
-              <a:rPr lang="es-ES" dirty="0" smtClean="0"/>
-              <a:t> - </a:t>
-            </a:r>
-            <a:r>
-              <a:rPr lang="es-ES" dirty="0" err="1" smtClean="0"/>
-              <a:t>client</a:t>
-            </a:r>
-            <a:endParaRPr lang="ca-ES" dirty="0"/>
-          </a:p>
-        </p:txBody>
-      </p:sp>
-      <p:graphicFrame>
-        <p:nvGraphicFramePr>
-          <p:cNvPr id="4" name="Marcador de contenido 3"/>
-          <p:cNvGraphicFramePr>
-            <a:graphicFrameLocks noGrp="1"/>
-          </p:cNvGraphicFramePr>
-          <p:nvPr>
-            <p:ph idx="1"/>
-            <p:extLst>
-              <p:ext uri="{D42A27DB-BD31-4B8C-83A1-F6EECF244321}">
-                <p14:modId xmlns:p14="http://schemas.microsoft.com/office/powerpoint/2010/main" val="3825554064"/>
-              </p:ext>
-            </p:extLst>
-          </p:nvPr>
-        </p:nvGraphicFramePr>
-        <p:xfrm>
-          <a:off x="581025" y="2181225"/>
-          <a:ext cx="11029950" cy="3678238"/>
-        </p:xfrm>
-        <a:graphic>
-          <a:graphicData uri="http://schemas.openxmlformats.org/drawingml/2006/diagram">
-            <dgm:relIds xmlns:dgm="http://schemas.openxmlformats.org/drawingml/2006/diagram" xmlns:r="http://schemas.openxmlformats.org/officeDocument/2006/relationships" r:dm="rId2" r:lo="rId3" r:qs="rId4" r:cs="rId5"/>
-          </a:graphicData>
-        </a:graphic>
-      </p:graphicFrame>
-      <p:sp>
-        <p:nvSpPr>
-          <p:cNvPr id="3" name="Marcador de número de diapositiva 2"/>
-          <p:cNvSpPr>
-            <a:spLocks noGrp="1"/>
-          </p:cNvSpPr>
-          <p:nvPr>
-            <p:ph type="sldNum" sz="quarter" idx="12"/>
-          </p:nvPr>
-        </p:nvSpPr>
-        <p:spPr/>
-        <p:txBody>
-          <a:bodyPr/>
-          <a:lstStyle/>
-          <a:p>
-            <a:fld id="{4F4CC500-C254-4A01-A1E9-3631BD4DF40D}" type="slidenum">
-              <a:rPr lang="ca-ES" smtClean="0"/>
-              <a:pPr/>
-              <a:t>14</a:t>
-            </a:fld>
-            <a:r>
-              <a:rPr lang="ca-ES" smtClean="0"/>
-              <a:t>/22</a:t>
-            </a:r>
-            <a:endParaRPr lang="ca-ES" dirty="0"/>
-          </a:p>
-        </p:txBody>
-      </p:sp>
-    </p:spTree>
-    <p:extLst>
-      <p:ext uri="{BB962C8B-B14F-4D97-AF65-F5344CB8AC3E}">
-        <p14:creationId xmlns:p14="http://schemas.microsoft.com/office/powerpoint/2010/main" val="1146784114"/>
-      </p:ext>
-    </p:extLst>
-  </p:cSld>
-  <p:clrMapOvr>
-    <a:masterClrMapping/>
-  </p:clrMapOvr>
-  <p:timing>
-    <p:tnLst>
-      <p:par>
-        <p:cTn id="1" dur="indefinite" restart="never" nodeType="tmRoot"/>
-      </p:par>
-    </p:tnLst>
-  </p:timing>
-</p:sld>
-</file>
-
-<file path=ppt/slides/slide15.xml><?xml version="1.0" encoding="utf-8"?>
-<p:sld xmlns:a="http://schemas.openxmlformats.org/drawingml/2006/main" xmlns:r="http://schemas.openxmlformats.org/officeDocument/2006/relationships" xmlns:p="http://schemas.openxmlformats.org/presentationml/2006/main">
-  <p:cSld>
-    <p:spTree>
-      <p:nvGrpSpPr>
-        <p:cNvPr id="1" name=""/>
-        <p:cNvGrpSpPr/>
-        <p:nvPr/>
-      </p:nvGrpSpPr>
-      <p:grpSpPr>
-        <a:xfrm>
-          <a:off x="0" y="0"/>
-          <a:ext cx="0" cy="0"/>
-          <a:chOff x="0" y="0"/>
-          <a:chExt cx="0" cy="0"/>
-        </a:xfrm>
-      </p:grpSpPr>
-      <p:sp>
-        <p:nvSpPr>
-          <p:cNvPr id="2" name="Título 1"/>
-          <p:cNvSpPr>
-            <a:spLocks noGrp="1"/>
-          </p:cNvSpPr>
-          <p:nvPr>
-            <p:ph type="title"/>
-          </p:nvPr>
-        </p:nvSpPr>
-        <p:spPr/>
-        <p:txBody>
-          <a:bodyPr/>
-          <a:lstStyle/>
-          <a:p>
-            <a:r>
-              <a:rPr lang="es-ES" dirty="0" err="1" smtClean="0"/>
               <a:t>Alternatives</a:t>
             </a:r>
             <a:r>
@@ -21637,28 +25005,28 @@
                 <a:gridCol w="1319667">
                   <a:extLst>
                     <a:ext uri="{9D8B030D-6E8A-4147-A177-3AD203B41FA5}">
-                      <a16:colId xmlns="" xmlns:a16="http://schemas.microsoft.com/office/drawing/2014/main" val="1577121605"/>
+                      <a16:colId xmlns:a16="http://schemas.microsoft.com/office/drawing/2014/main" xmlns="" val="1577121605"/>
                     </a:ext>
                   </a:extLst>
                 </a:gridCol>
                 <a:gridCol w="1804252">
                   <a:extLst>
                     <a:ext uri="{9D8B030D-6E8A-4147-A177-3AD203B41FA5}">
-                      <a16:colId xmlns="" xmlns:a16="http://schemas.microsoft.com/office/drawing/2014/main" val="3549258335"/>
+                      <a16:colId xmlns:a16="http://schemas.microsoft.com/office/drawing/2014/main" xmlns="" val="3549258335"/>
                     </a:ext>
                   </a:extLst>
                 </a:gridCol>
                 <a:gridCol w="2285442">
                   <a:extLst>
                     <a:ext uri="{9D8B030D-6E8A-4147-A177-3AD203B41FA5}">
-                      <a16:colId xmlns="" xmlns:a16="http://schemas.microsoft.com/office/drawing/2014/main" val="874317829"/>
+                      <a16:colId xmlns:a16="http://schemas.microsoft.com/office/drawing/2014/main" xmlns="" val="874317829"/>
                     </a:ext>
                   </a:extLst>
                 </a:gridCol>
                 <a:gridCol w="1799160">
                   <a:extLst>
                     <a:ext uri="{9D8B030D-6E8A-4147-A177-3AD203B41FA5}">
-                      <a16:colId xmlns="" xmlns:a16="http://schemas.microsoft.com/office/drawing/2014/main" val="777370248"/>
+                      <a16:colId xmlns:a16="http://schemas.microsoft.com/office/drawing/2014/main" xmlns="" val="777370248"/>
                     </a:ext>
                   </a:extLst>
                 </a:gridCol>
@@ -21790,7 +25158,7 @@
                 </a:tc>
                 <a:extLst>
                   <a:ext uri="{0D108BD9-81ED-4DB2-BD59-A6C34878D82A}">
-                    <a16:rowId xmlns="" xmlns:a16="http://schemas.microsoft.com/office/drawing/2014/main" val="2189281332"/>
+                    <a16:rowId xmlns:a16="http://schemas.microsoft.com/office/drawing/2014/main" xmlns="" val="2189281332"/>
                   </a:ext>
                 </a:extLst>
               </a:tr>
@@ -21957,7 +25325,7 @@
                 </a:tc>
                 <a:extLst>
                   <a:ext uri="{0D108BD9-81ED-4DB2-BD59-A6C34878D82A}">
-                    <a16:rowId xmlns="" xmlns:a16="http://schemas.microsoft.com/office/drawing/2014/main" val="3653743880"/>
+                    <a16:rowId xmlns:a16="http://schemas.microsoft.com/office/drawing/2014/main" xmlns="" val="3653743880"/>
                   </a:ext>
                 </a:extLst>
               </a:tr>
@@ -22159,7 +25527,7 @@
                 </a:tc>
                 <a:extLst>
                   <a:ext uri="{0D108BD9-81ED-4DB2-BD59-A6C34878D82A}">
-                    <a16:rowId xmlns="" xmlns:a16="http://schemas.microsoft.com/office/drawing/2014/main" val="3857991373"/>
+                    <a16:rowId xmlns:a16="http://schemas.microsoft.com/office/drawing/2014/main" xmlns="" val="3857991373"/>
                   </a:ext>
                 </a:extLst>
               </a:tr>
@@ -22331,7 +25699,7 @@
                 </a:tc>
                 <a:extLst>
                   <a:ext uri="{0D108BD9-81ED-4DB2-BD59-A6C34878D82A}">
-                    <a16:rowId xmlns="" xmlns:a16="http://schemas.microsoft.com/office/drawing/2014/main" val="2213796767"/>
+                    <a16:rowId xmlns:a16="http://schemas.microsoft.com/office/drawing/2014/main" xmlns="" val="2213796767"/>
                   </a:ext>
                 </a:extLst>
               </a:tr>
@@ -22357,7 +25725,7 @@
             <a:fld id="{4F4CC500-C254-4A01-A1E9-3631BD4DF40D}" type="slidenum">
               <a:rPr lang="ca-ES" smtClean="0"/>
               <a:pPr/>
-              <a:t>15</a:t>
+              <a:t>14</a:t>
             </a:fld>
             <a:r>
               <a:rPr lang="ca-ES" smtClean="0"/>
@@ -22387,7 +25755,7 @@
 </p:sld>
 </file>
 
-<file path=ppt/slides/slide16.xml><?xml version="1.0" encoding="utf-8"?>
+<file path=ppt/slides/slide15.xml><?xml version="1.0" encoding="utf-8"?>
 <p:sld xmlns:a="http://schemas.openxmlformats.org/drawingml/2006/main" xmlns:r="http://schemas.openxmlformats.org/officeDocument/2006/relationships" xmlns:p="http://schemas.openxmlformats.org/presentationml/2006/main">
   <p:cSld>
     <p:spTree>
@@ -23464,7 +26832,7 @@
             <a:fld id="{4F4CC500-C254-4A01-A1E9-3631BD4DF40D}" type="slidenum">
               <a:rPr lang="ca-ES" smtClean="0"/>
               <a:pPr/>
-              <a:t>16</a:t>
+              <a:t>15</a:t>
             </a:fld>
             <a:r>
               <a:rPr lang="ca-ES" smtClean="0"/>
@@ -23494,7 +26862,7 @@
 </p:sld>
 </file>
 
-<file path=ppt/slides/slide17.xml><?xml version="1.0" encoding="utf-8"?>
+<file path=ppt/slides/slide16.xml><?xml version="1.0" encoding="utf-8"?>
 <p:sld xmlns:a="http://schemas.openxmlformats.org/drawingml/2006/main" xmlns:r="http://schemas.openxmlformats.org/officeDocument/2006/relationships" xmlns:p="http://schemas.openxmlformats.org/presentationml/2006/main">
   <p:cSld>
     <p:spTree>
@@ -24027,7 +27395,7 @@
             <a:fld id="{4F4CC500-C254-4A01-A1E9-3631BD4DF40D}" type="slidenum">
               <a:rPr lang="ca-ES" smtClean="0"/>
               <a:pPr/>
-              <a:t>17</a:t>
+              <a:t>16</a:t>
             </a:fld>
             <a:r>
               <a:rPr lang="ca-ES" smtClean="0"/>
@@ -24057,7 +27425,7 @@
 </p:sld>
 </file>
 
-<file path=ppt/slides/slide18.xml><?xml version="1.0" encoding="utf-8"?>
+<file path=ppt/slides/slide17.xml><?xml version="1.0" encoding="utf-8"?>
 <p:sld xmlns:a="http://schemas.openxmlformats.org/drawingml/2006/main" xmlns:r="http://schemas.openxmlformats.org/officeDocument/2006/relationships" xmlns:p="http://schemas.openxmlformats.org/presentationml/2006/main">
   <p:cSld>
     <p:spTree>
@@ -24185,7 +27553,7 @@
             <a:fld id="{4F4CC500-C254-4A01-A1E9-3631BD4DF40D}" type="slidenum">
               <a:rPr lang="ca-ES" smtClean="0"/>
               <a:pPr/>
-              <a:t>18</a:t>
+              <a:t>17</a:t>
             </a:fld>
             <a:r>
               <a:rPr lang="ca-ES" smtClean="0"/>
@@ -24215,7 +27583,7 @@
 </p:sld>
 </file>
 
-<file path=ppt/slides/slide19.xml><?xml version="1.0" encoding="utf-8"?>
+<file path=ppt/slides/slide18.xml><?xml version="1.0" encoding="utf-8"?>
 <p:sld xmlns:a="http://schemas.openxmlformats.org/drawingml/2006/main" xmlns:r="http://schemas.openxmlformats.org/officeDocument/2006/relationships" xmlns:p="http://schemas.openxmlformats.org/presentationml/2006/main">
   <p:cSld>
     <p:spTree>
@@ -24276,7 +27644,7 @@
           <a:p>
             <a:r>
               <a:rPr lang="es-ES" dirty="0" smtClean="0"/>
-              <a:t>12 </a:t>
+              <a:t>10 </a:t>
             </a:r>
             <a:r>
               <a:rPr lang="es-ES" dirty="0" err="1" smtClean="0"/>
@@ -24707,7 +28075,7 @@
             <a:fld id="{4F4CC500-C254-4A01-A1E9-3631BD4DF40D}" type="slidenum">
               <a:rPr lang="ca-ES" smtClean="0"/>
               <a:pPr/>
-              <a:t>19</a:t>
+              <a:t>18</a:t>
             </a:fld>
             <a:r>
               <a:rPr lang="ca-ES" smtClean="0"/>
@@ -24737,162 +28105,7 @@
 </p:sld>
 </file>
 
-<file path=ppt/slides/slide2.xml><?xml version="1.0" encoding="utf-8"?>
-<p:sld xmlns:a="http://schemas.openxmlformats.org/drawingml/2006/main" xmlns:r="http://schemas.openxmlformats.org/officeDocument/2006/relationships" xmlns:p="http://schemas.openxmlformats.org/presentationml/2006/main">
-  <p:cSld>
-    <p:spTree>
-      <p:nvGrpSpPr>
-        <p:cNvPr id="1" name=""/>
-        <p:cNvGrpSpPr/>
-        <p:nvPr/>
-      </p:nvGrpSpPr>
-      <p:grpSpPr>
-        <a:xfrm>
-          <a:off x="0" y="0"/>
-          <a:ext cx="0" cy="0"/>
-          <a:chOff x="0" y="0"/>
-          <a:chExt cx="0" cy="0"/>
-        </a:xfrm>
-      </p:grpSpPr>
-      <p:sp>
-        <p:nvSpPr>
-          <p:cNvPr id="2" name="Título 1"/>
-          <p:cNvSpPr>
-            <a:spLocks noGrp="1"/>
-          </p:cNvSpPr>
-          <p:nvPr>
-            <p:ph type="title"/>
-          </p:nvPr>
-        </p:nvSpPr>
-        <p:spPr/>
-        <p:txBody>
-          <a:bodyPr/>
-          <a:lstStyle/>
-          <a:p>
-            <a:r>
-              <a:rPr lang="es-ES" dirty="0" err="1" smtClean="0"/>
-              <a:t>Continguts</a:t>
-            </a:r>
-            <a:endParaRPr lang="ca-ES" dirty="0"/>
-          </a:p>
-        </p:txBody>
-      </p:sp>
-      <p:sp>
-        <p:nvSpPr>
-          <p:cNvPr id="3" name="Marcador de contenido 2"/>
-          <p:cNvSpPr>
-            <a:spLocks noGrp="1"/>
-          </p:cNvSpPr>
-          <p:nvPr>
-            <p:ph idx="1"/>
-          </p:nvPr>
-        </p:nvSpPr>
-        <p:spPr/>
-        <p:txBody>
-          <a:bodyPr>
-            <a:normAutofit/>
-          </a:bodyPr>
-          <a:lstStyle/>
-          <a:p>
-            <a:r>
-              <a:rPr lang="es-ES" dirty="0" err="1" smtClean="0"/>
-              <a:t>Antecedents</a:t>
-            </a:r>
-            <a:endParaRPr lang="es-ES" dirty="0" smtClean="0"/>
-          </a:p>
-          <a:p>
-            <a:r>
-              <a:rPr lang="es-ES" dirty="0" err="1" smtClean="0"/>
-              <a:t>Objectius</a:t>
-            </a:r>
-            <a:endParaRPr lang="es-ES" dirty="0" smtClean="0"/>
-          </a:p>
-          <a:p>
-            <a:r>
-              <a:rPr lang="es-ES" dirty="0" err="1" smtClean="0"/>
-              <a:t>Disseny</a:t>
-            </a:r>
-            <a:endParaRPr lang="es-ES" dirty="0" smtClean="0"/>
-          </a:p>
-          <a:p>
-            <a:r>
-              <a:rPr lang="es-ES" dirty="0" err="1" smtClean="0"/>
-              <a:t>Implementació</a:t>
-            </a:r>
-            <a:endParaRPr lang="es-ES" dirty="0" smtClean="0"/>
-          </a:p>
-          <a:p>
-            <a:r>
-              <a:rPr lang="es-ES" dirty="0" smtClean="0"/>
-              <a:t>Demo</a:t>
-            </a:r>
-            <a:endParaRPr lang="ca-ES" dirty="0" smtClean="0"/>
-          </a:p>
-          <a:p>
-            <a:r>
-              <a:rPr lang="es-ES" dirty="0" err="1" smtClean="0"/>
-              <a:t>Resultats</a:t>
-            </a:r>
-            <a:endParaRPr lang="ca-ES" dirty="0" smtClean="0"/>
-          </a:p>
-          <a:p>
-            <a:r>
-              <a:rPr lang="es-ES" dirty="0" err="1" smtClean="0"/>
-              <a:t>Conclusions</a:t>
-            </a:r>
-            <a:endParaRPr lang="es-ES" dirty="0" smtClean="0"/>
-          </a:p>
-        </p:txBody>
-      </p:sp>
-      <p:sp>
-        <p:nvSpPr>
-          <p:cNvPr id="4" name="Marcador de número de diapositiva 3"/>
-          <p:cNvSpPr>
-            <a:spLocks noGrp="1"/>
-          </p:cNvSpPr>
-          <p:nvPr>
-            <p:ph type="sldNum" sz="quarter" idx="12"/>
-          </p:nvPr>
-        </p:nvSpPr>
-        <p:spPr/>
-        <p:txBody>
-          <a:bodyPr/>
-          <a:lstStyle/>
-          <a:p>
-            <a:fld id="{4F4CC500-C254-4A01-A1E9-3631BD4DF40D}" type="slidenum">
-              <a:rPr lang="ca-ES" smtClean="0"/>
-              <a:pPr/>
-              <a:t>2</a:t>
-            </a:fld>
-            <a:r>
-              <a:rPr lang="ca-ES" smtClean="0"/>
-              <a:t>/22</a:t>
-            </a:r>
-            <a:endParaRPr lang="ca-ES" dirty="0"/>
-          </a:p>
-        </p:txBody>
-      </p:sp>
-    </p:spTree>
-    <p:extLst>
-      <p:ext uri="{BB962C8B-B14F-4D97-AF65-F5344CB8AC3E}">
-        <p14:creationId xmlns:p14="http://schemas.microsoft.com/office/powerpoint/2010/main" val="422068893"/>
-      </p:ext>
-    </p:extLst>
-  </p:cSld>
-  <p:clrMapOvr>
-    <a:masterClrMapping/>
-  </p:clrMapOvr>
-  <p:timing>
-    <p:tnLst>
-      <p:par>
-        <p:cTn id="1" dur="indefinite" restart="never" nodeType="tmRoot"/>
-      </p:par>
-    </p:tnLst>
-  </p:timing>
-</p:sld>
-</file>
-
-<file path=ppt/slides/slide20.xml><?xml version="1.0" encoding="utf-8"?>
+<file path=ppt/slides/slide19.xml><?xml version="1.0" encoding="utf-8"?>
 <p:sld xmlns:a="http://schemas.openxmlformats.org/drawingml/2006/main" xmlns:r="http://schemas.openxmlformats.org/officeDocument/2006/relationships" xmlns:p="http://schemas.openxmlformats.org/presentationml/2006/main">
   <p:cSld>
     <p:spTree>
@@ -24963,7 +28176,7 @@
           <p:cNvPr id="4" name="Gráfico 3">
             <a:extLst>
               <a:ext uri="{FF2B5EF4-FFF2-40B4-BE49-F238E27FC236}">
-                <a16:creationId xmlns="" xmlns:a16="http://schemas.microsoft.com/office/drawing/2014/main" id="{C211C191-CAC5-43EA-BB6B-634EAA3EA4D7}"/>
+                <a16:creationId xmlns:a16="http://schemas.microsoft.com/office/drawing/2014/main" xmlns="" id="{C211C191-CAC5-43EA-BB6B-634EAA3EA4D7}"/>
               </a:ext>
             </a:extLst>
           </p:cNvPr>
@@ -25026,7 +28239,7 @@
             <a:fld id="{4F4CC500-C254-4A01-A1E9-3631BD4DF40D}" type="slidenum">
               <a:rPr lang="ca-ES" smtClean="0"/>
               <a:pPr/>
-              <a:t>20</a:t>
+              <a:t>19</a:t>
             </a:fld>
             <a:r>
               <a:rPr lang="ca-ES" smtClean="0"/>
@@ -25056,7 +28269,186 @@
 </p:sld>
 </file>
 
-<file path=ppt/slides/slide21.xml><?xml version="1.0" encoding="utf-8"?>
+<file path=ppt/slides/slide2.xml><?xml version="1.0" encoding="utf-8"?>
+<p:sld xmlns:a="http://schemas.openxmlformats.org/drawingml/2006/main" xmlns:r="http://schemas.openxmlformats.org/officeDocument/2006/relationships" xmlns:p="http://schemas.openxmlformats.org/presentationml/2006/main">
+  <p:cSld>
+    <p:spTree>
+      <p:nvGrpSpPr>
+        <p:cNvPr id="1" name=""/>
+        <p:cNvGrpSpPr/>
+        <p:nvPr/>
+      </p:nvGrpSpPr>
+      <p:grpSpPr>
+        <a:xfrm>
+          <a:off x="0" y="0"/>
+          <a:ext cx="0" cy="0"/>
+          <a:chOff x="0" y="0"/>
+          <a:chExt cx="0" cy="0"/>
+        </a:xfrm>
+      </p:grpSpPr>
+      <p:sp>
+        <p:nvSpPr>
+          <p:cNvPr id="2" name="Título 1"/>
+          <p:cNvSpPr>
+            <a:spLocks noGrp="1"/>
+          </p:cNvSpPr>
+          <p:nvPr>
+            <p:ph type="title"/>
+          </p:nvPr>
+        </p:nvSpPr>
+        <p:spPr/>
+        <p:txBody>
+          <a:bodyPr/>
+          <a:lstStyle/>
+          <a:p>
+            <a:r>
+              <a:rPr lang="es-ES" dirty="0" err="1" smtClean="0"/>
+              <a:t>Continguts</a:t>
+            </a:r>
+            <a:endParaRPr lang="ca-ES" dirty="0"/>
+          </a:p>
+        </p:txBody>
+      </p:sp>
+      <p:sp>
+        <p:nvSpPr>
+          <p:cNvPr id="3" name="Marcador de contenido 2"/>
+          <p:cNvSpPr>
+            <a:spLocks noGrp="1"/>
+          </p:cNvSpPr>
+          <p:nvPr>
+            <p:ph idx="1"/>
+          </p:nvPr>
+        </p:nvSpPr>
+        <p:spPr/>
+        <p:txBody>
+          <a:bodyPr>
+            <a:normAutofit fontScale="92500" lnSpcReduction="20000"/>
+          </a:bodyPr>
+          <a:lstStyle/>
+          <a:p>
+            <a:r>
+              <a:rPr lang="es-ES" dirty="0" smtClean="0"/>
+              <a:t>Origen del proyecto</a:t>
+            </a:r>
+          </a:p>
+          <a:p>
+            <a:r>
+              <a:rPr lang="es-ES" dirty="0" smtClean="0"/>
+              <a:t>Requerimientos previos</a:t>
+            </a:r>
+          </a:p>
+          <a:p>
+            <a:r>
+              <a:rPr lang="es-ES" dirty="0" smtClean="0"/>
+              <a:t>Alcance</a:t>
+            </a:r>
+            <a:endParaRPr lang="es-ES" dirty="0" smtClean="0"/>
+          </a:p>
+          <a:p>
+            <a:r>
+              <a:rPr lang="es-ES" dirty="0" smtClean="0"/>
+              <a:t>Objetivos</a:t>
+            </a:r>
+            <a:endParaRPr lang="es-ES" dirty="0" smtClean="0"/>
+          </a:p>
+          <a:p>
+            <a:r>
+              <a:rPr lang="es-ES" dirty="0" smtClean="0"/>
+              <a:t>Alternativas</a:t>
+            </a:r>
+          </a:p>
+          <a:p>
+            <a:r>
+              <a:rPr lang="es-ES" dirty="0" smtClean="0"/>
+              <a:t>Solución</a:t>
+            </a:r>
+            <a:endParaRPr lang="es-ES" dirty="0" smtClean="0"/>
+          </a:p>
+          <a:p>
+            <a:r>
+              <a:rPr lang="es-ES" dirty="0" smtClean="0"/>
+              <a:t>Desarrollo</a:t>
+            </a:r>
+            <a:endParaRPr lang="es-ES" dirty="0" smtClean="0"/>
+          </a:p>
+          <a:p>
+            <a:r>
+              <a:rPr lang="es-ES" dirty="0" smtClean="0"/>
+              <a:t>Demo</a:t>
+            </a:r>
+          </a:p>
+          <a:p>
+            <a:r>
+              <a:rPr lang="es-ES" dirty="0" smtClean="0"/>
+              <a:t>Validación</a:t>
+            </a:r>
+            <a:endParaRPr lang="ca-ES" dirty="0" smtClean="0"/>
+          </a:p>
+          <a:p>
+            <a:r>
+              <a:rPr lang="es-ES" dirty="0" smtClean="0"/>
+              <a:t>Resultados</a:t>
+            </a:r>
+            <a:endParaRPr lang="ca-ES" dirty="0" smtClean="0"/>
+          </a:p>
+          <a:p>
+            <a:r>
+              <a:rPr lang="es-ES" dirty="0" smtClean="0"/>
+              <a:t>Conclusiones</a:t>
+            </a:r>
+            <a:endParaRPr lang="es-ES" dirty="0" smtClean="0"/>
+          </a:p>
+        </p:txBody>
+      </p:sp>
+      <p:sp>
+        <p:nvSpPr>
+          <p:cNvPr id="4" name="Marcador de número de diapositiva 3"/>
+          <p:cNvSpPr>
+            <a:spLocks noGrp="1"/>
+          </p:cNvSpPr>
+          <p:nvPr>
+            <p:ph type="sldNum" sz="quarter" idx="12"/>
+          </p:nvPr>
+        </p:nvSpPr>
+        <p:spPr/>
+        <p:txBody>
+          <a:bodyPr/>
+          <a:lstStyle/>
+          <a:p>
+            <a:fld id="{4F4CC500-C254-4A01-A1E9-3631BD4DF40D}" type="slidenum">
+              <a:rPr lang="ca-ES" smtClean="0"/>
+              <a:pPr/>
+              <a:t>2</a:t>
+            </a:fld>
+            <a:r>
+              <a:rPr lang="ca-ES" smtClean="0"/>
+              <a:t>/22</a:t>
+            </a:r>
+            <a:endParaRPr lang="ca-ES" dirty="0"/>
+          </a:p>
+        </p:txBody>
+      </p:sp>
+    </p:spTree>
+    <p:extLst>
+      <p:ext uri="{BB962C8B-B14F-4D97-AF65-F5344CB8AC3E}">
+        <p14:creationId xmlns:p14="http://schemas.microsoft.com/office/powerpoint/2010/main" val="422068893"/>
+      </p:ext>
+    </p:extLst>
+  </p:cSld>
+  <p:clrMapOvr>
+    <a:masterClrMapping/>
+  </p:clrMapOvr>
+  <p:timing>
+    <p:tnLst>
+      <p:par>
+        <p:cTn id="1" dur="indefinite" restart="never" nodeType="tmRoot"/>
+      </p:par>
+    </p:tnLst>
+  </p:timing>
+</p:sld>
+</file>
+
+<file path=ppt/slides/slide20.xml><?xml version="1.0" encoding="utf-8"?>
 <p:sld xmlns:a="http://schemas.openxmlformats.org/drawingml/2006/main" xmlns:r="http://schemas.openxmlformats.org/officeDocument/2006/relationships" xmlns:p="http://schemas.openxmlformats.org/presentationml/2006/main">
   <p:cSld>
     <p:spTree>
@@ -25341,7 +28733,7 @@
             <a:fld id="{4F4CC500-C254-4A01-A1E9-3631BD4DF40D}" type="slidenum">
               <a:rPr lang="ca-ES" smtClean="0"/>
               <a:pPr/>
-              <a:t>21</a:t>
+              <a:t>20</a:t>
             </a:fld>
             <a:r>
               <a:rPr lang="ca-ES" smtClean="0"/>
@@ -25404,258 +28796,8 @@
           <a:lstStyle/>
           <a:p>
             <a:r>
-              <a:rPr lang="ca-ES" dirty="0" smtClean="0"/>
-              <a:t>MARC</a:t>
-            </a:r>
-            <a:endParaRPr lang="ca-ES" dirty="0"/>
-          </a:p>
-        </p:txBody>
-      </p:sp>
-      <p:sp>
-        <p:nvSpPr>
-          <p:cNvPr id="3" name="Marcador de contenido 2"/>
-          <p:cNvSpPr>
-            <a:spLocks noGrp="1"/>
-          </p:cNvSpPr>
-          <p:nvPr>
-            <p:ph idx="1"/>
-          </p:nvPr>
-        </p:nvSpPr>
-        <p:spPr/>
-        <p:txBody>
-          <a:bodyPr/>
-          <a:lstStyle/>
-          <a:p>
-            <a:r>
-              <a:rPr lang="ca-ES" dirty="0" smtClean="0"/>
-              <a:t>Col·laboració CREB – PSSJD</a:t>
-            </a:r>
-          </a:p>
-          <a:p>
-            <a:r>
-              <a:rPr lang="ca-ES" dirty="0" smtClean="0"/>
-              <a:t>Qüestionaris d’avaluació psicològica digitals i més amens</a:t>
-            </a:r>
-          </a:p>
-          <a:p>
-            <a:endParaRPr lang="ca-ES" dirty="0" smtClean="0"/>
-          </a:p>
-          <a:p>
-            <a:pPr marL="0" indent="0">
-              <a:buNone/>
-            </a:pPr>
-            <a:endParaRPr lang="ca-ES" dirty="0" smtClean="0"/>
-          </a:p>
-          <a:p>
-            <a:endParaRPr lang="ca-ES" dirty="0" smtClean="0"/>
-          </a:p>
-        </p:txBody>
-      </p:sp>
-      <p:sp>
-        <p:nvSpPr>
-          <p:cNvPr id="5" name="Elipse 4"/>
-          <p:cNvSpPr/>
-          <p:nvPr/>
-        </p:nvSpPr>
-        <p:spPr>
-          <a:xfrm>
-            <a:off x="2152567" y="4369335"/>
-            <a:ext cx="2326341" cy="766482"/>
-          </a:xfrm>
-          <a:prstGeom prst="ellipse">
-            <a:avLst/>
-          </a:prstGeom>
-        </p:spPr>
-        <p:style>
-          <a:lnRef idx="2">
-            <a:schemeClr val="accent1">
-              <a:shade val="50000"/>
-            </a:schemeClr>
-          </a:lnRef>
-          <a:fillRef idx="1">
-            <a:schemeClr val="accent1"/>
-          </a:fillRef>
-          <a:effectRef idx="0">
-            <a:schemeClr val="accent1"/>
-          </a:effectRef>
-          <a:fontRef idx="minor">
-            <a:schemeClr val="lt1"/>
-          </a:fontRef>
-        </p:style>
-        <p:txBody>
-          <a:bodyPr rtlCol="0" anchor="ctr"/>
-          <a:lstStyle/>
-          <a:p>
-            <a:pPr algn="ctr"/>
-            <a:r>
-              <a:rPr lang="ca-ES" dirty="0" smtClean="0"/>
-              <a:t>TECNOLOGIA</a:t>
-            </a:r>
-            <a:endParaRPr lang="ca-ES" dirty="0"/>
-          </a:p>
-        </p:txBody>
-      </p:sp>
-      <p:sp>
-        <p:nvSpPr>
-          <p:cNvPr id="6" name="Elipse 5"/>
-          <p:cNvSpPr/>
-          <p:nvPr/>
-        </p:nvSpPr>
-        <p:spPr>
-          <a:xfrm>
-            <a:off x="7497043" y="4369335"/>
-            <a:ext cx="2326341" cy="766482"/>
-          </a:xfrm>
-          <a:prstGeom prst="ellipse">
-            <a:avLst/>
-          </a:prstGeom>
-        </p:spPr>
-        <p:style>
-          <a:lnRef idx="2">
-            <a:schemeClr val="accent1">
-              <a:shade val="50000"/>
-            </a:schemeClr>
-          </a:lnRef>
-          <a:fillRef idx="1">
-            <a:schemeClr val="accent1"/>
-          </a:fillRef>
-          <a:effectRef idx="0">
-            <a:schemeClr val="accent1"/>
-          </a:effectRef>
-          <a:fontRef idx="minor">
-            <a:schemeClr val="lt1"/>
-          </a:fontRef>
-        </p:style>
-        <p:txBody>
-          <a:bodyPr rtlCol="0" anchor="ctr"/>
-          <a:lstStyle/>
-          <a:p>
-            <a:pPr algn="ctr"/>
-            <a:r>
-              <a:rPr lang="ca-ES" dirty="0" smtClean="0"/>
-              <a:t>PSICOLOGIA</a:t>
-            </a:r>
-            <a:endParaRPr lang="ca-ES" dirty="0"/>
-          </a:p>
-        </p:txBody>
-      </p:sp>
-      <p:cxnSp>
-        <p:nvCxnSpPr>
-          <p:cNvPr id="8" name="Conector recto de flecha 7"/>
-          <p:cNvCxnSpPr/>
-          <p:nvPr/>
-        </p:nvCxnSpPr>
-        <p:spPr>
-          <a:xfrm>
-            <a:off x="4918934" y="4752576"/>
-            <a:ext cx="2097741" cy="0"/>
-          </a:xfrm>
-          <a:prstGeom prst="straightConnector1">
-            <a:avLst/>
-          </a:prstGeom>
-          <a:ln>
-            <a:headEnd type="triangle"/>
-            <a:tailEnd type="triangle"/>
-          </a:ln>
-        </p:spPr>
-        <p:style>
-          <a:lnRef idx="1">
-            <a:schemeClr val="accent1"/>
-          </a:lnRef>
-          <a:fillRef idx="0">
-            <a:schemeClr val="accent1"/>
-          </a:fillRef>
-          <a:effectRef idx="0">
-            <a:schemeClr val="accent1"/>
-          </a:effectRef>
-          <a:fontRef idx="minor">
-            <a:schemeClr val="tx1"/>
-          </a:fontRef>
-        </p:style>
-      </p:cxnSp>
-      <p:sp>
-        <p:nvSpPr>
-          <p:cNvPr id="9" name="Marcador de número de diapositiva 8"/>
-          <p:cNvSpPr>
-            <a:spLocks noGrp="1"/>
-          </p:cNvSpPr>
-          <p:nvPr>
-            <p:ph type="sldNum" sz="quarter" idx="12"/>
-          </p:nvPr>
-        </p:nvSpPr>
-        <p:spPr/>
-        <p:txBody>
-          <a:bodyPr/>
-          <a:lstStyle/>
-          <a:p>
-            <a:fld id="{4F4CC500-C254-4A01-A1E9-3631BD4DF40D}" type="slidenum">
-              <a:rPr lang="ca-ES" smtClean="0"/>
-              <a:pPr/>
-              <a:t>3</a:t>
-            </a:fld>
-            <a:r>
-              <a:rPr lang="ca-ES" smtClean="0"/>
-              <a:t>/22</a:t>
-            </a:r>
-            <a:endParaRPr lang="ca-ES" dirty="0"/>
-          </a:p>
-        </p:txBody>
-      </p:sp>
-    </p:spTree>
-    <p:extLst>
-      <p:ext uri="{BB962C8B-B14F-4D97-AF65-F5344CB8AC3E}">
-        <p14:creationId xmlns:p14="http://schemas.microsoft.com/office/powerpoint/2010/main" val="2650755617"/>
-      </p:ext>
-    </p:extLst>
-  </p:cSld>
-  <p:clrMapOvr>
-    <a:masterClrMapping/>
-  </p:clrMapOvr>
-  <p:timing>
-    <p:tnLst>
-      <p:par>
-        <p:cTn id="1" dur="indefinite" restart="never" nodeType="tmRoot"/>
-      </p:par>
-    </p:tnLst>
-  </p:timing>
-</p:sld>
-</file>
-
-<file path=ppt/slides/slide4.xml><?xml version="1.0" encoding="utf-8"?>
-<p:sld xmlns:a="http://schemas.openxmlformats.org/drawingml/2006/main" xmlns:r="http://schemas.openxmlformats.org/officeDocument/2006/relationships" xmlns:p="http://schemas.openxmlformats.org/presentationml/2006/main">
-  <p:cSld>
-    <p:spTree>
-      <p:nvGrpSpPr>
-        <p:cNvPr id="1" name=""/>
-        <p:cNvGrpSpPr/>
-        <p:nvPr/>
-      </p:nvGrpSpPr>
-      <p:grpSpPr>
-        <a:xfrm>
-          <a:off x="0" y="0"/>
-          <a:ext cx="0" cy="0"/>
-          <a:chOff x="0" y="0"/>
-          <a:chExt cx="0" cy="0"/>
-        </a:xfrm>
-      </p:grpSpPr>
-      <p:sp>
-        <p:nvSpPr>
-          <p:cNvPr id="2" name="Título 1"/>
-          <p:cNvSpPr>
-            <a:spLocks noGrp="1"/>
-          </p:cNvSpPr>
-          <p:nvPr>
-            <p:ph type="title"/>
-          </p:nvPr>
-        </p:nvSpPr>
-        <p:spPr/>
-        <p:txBody>
-          <a:bodyPr/>
-          <a:lstStyle/>
-          <a:p>
-            <a:r>
-              <a:rPr lang="es-ES" dirty="0" err="1" smtClean="0"/>
-              <a:t>Antecedents</a:t>
+              <a:rPr lang="es-ES" dirty="0" smtClean="0"/>
+              <a:t>ORIGEN DEL PROYECTO</a:t>
             </a:r>
             <a:endParaRPr lang="ca-ES" dirty="0"/>
           </a:p>
@@ -26416,7 +29558,7 @@
             <a:fld id="{4F4CC500-C254-4A01-A1E9-3631BD4DF40D}" type="slidenum">
               <a:rPr lang="ca-ES" smtClean="0"/>
               <a:pPr/>
-              <a:t>4</a:t>
+              <a:t>3</a:t>
             </a:fld>
             <a:r>
               <a:rPr lang="ca-ES" smtClean="0"/>
@@ -26446,7 +29588,7 @@
 </p:sld>
 </file>
 
-<file path=ppt/slides/slide5.xml><?xml version="1.0" encoding="utf-8"?>
+<file path=ppt/slides/slide4.xml><?xml version="1.0" encoding="utf-8"?>
 <p:sld xmlns:a="http://schemas.openxmlformats.org/drawingml/2006/main" xmlns:r="http://schemas.openxmlformats.org/officeDocument/2006/relationships" xmlns:p="http://schemas.openxmlformats.org/presentationml/2006/main">
   <p:cSld>
     <p:spTree>
@@ -26485,7 +29627,7 @@
           <a:p>
             <a:r>
               <a:rPr lang="es-ES" dirty="0" smtClean="0"/>
-              <a:t>IPSAQ</a:t>
+              <a:t>REQUERIMENTOS PREVIOS </a:t>
             </a:r>
             <a:endParaRPr lang="ca-ES" dirty="0"/>
           </a:p>
@@ -26669,7 +29811,7 @@
             <a:fld id="{4F4CC500-C254-4A01-A1E9-3631BD4DF40D}" type="slidenum">
               <a:rPr lang="ca-ES" smtClean="0"/>
               <a:pPr/>
-              <a:t>5</a:t>
+              <a:t>4</a:t>
             </a:fld>
             <a:r>
               <a:rPr lang="ca-ES" smtClean="0"/>
@@ -26683,6 +29825,123 @@
     <p:extLst>
       <p:ext uri="{BB962C8B-B14F-4D97-AF65-F5344CB8AC3E}">
         <p14:creationId xmlns:p14="http://schemas.microsoft.com/office/powerpoint/2010/main" val="2850338055"/>
+      </p:ext>
+    </p:extLst>
+  </p:cSld>
+  <p:clrMapOvr>
+    <a:masterClrMapping/>
+  </p:clrMapOvr>
+  <p:timing>
+    <p:tnLst>
+      <p:par>
+        <p:cTn id="1" dur="indefinite" restart="never" nodeType="tmRoot"/>
+      </p:par>
+    </p:tnLst>
+  </p:timing>
+</p:sld>
+</file>
+
+<file path=ppt/slides/slide5.xml><?xml version="1.0" encoding="utf-8"?>
+<p:sld xmlns:a="http://schemas.openxmlformats.org/drawingml/2006/main" xmlns:r="http://schemas.openxmlformats.org/officeDocument/2006/relationships" xmlns:p="http://schemas.openxmlformats.org/presentationml/2006/main">
+  <p:cSld>
+    <p:spTree>
+      <p:nvGrpSpPr>
+        <p:cNvPr id="1" name=""/>
+        <p:cNvGrpSpPr/>
+        <p:nvPr/>
+      </p:nvGrpSpPr>
+      <p:grpSpPr>
+        <a:xfrm>
+          <a:off x="0" y="0"/>
+          <a:ext cx="0" cy="0"/>
+          <a:chOff x="0" y="0"/>
+          <a:chExt cx="0" cy="0"/>
+        </a:xfrm>
+      </p:grpSpPr>
+      <p:sp>
+        <p:nvSpPr>
+          <p:cNvPr id="2" name="Título 1"/>
+          <p:cNvSpPr>
+            <a:spLocks noGrp="1"/>
+          </p:cNvSpPr>
+          <p:nvPr>
+            <p:ph type="title"/>
+          </p:nvPr>
+        </p:nvSpPr>
+        <p:spPr/>
+        <p:txBody>
+          <a:bodyPr/>
+          <a:lstStyle/>
+          <a:p>
+            <a:r>
+              <a:rPr lang="es-ES" dirty="0" err="1" smtClean="0"/>
+              <a:t>Problem</a:t>
+            </a:r>
+            <a:r>
+              <a:rPr lang="ca-ES" dirty="0" err="1" smtClean="0"/>
+              <a:t>àticA</a:t>
+            </a:r>
+            <a:endParaRPr lang="ca-ES" dirty="0"/>
+          </a:p>
+        </p:txBody>
+      </p:sp>
+      <p:graphicFrame>
+        <p:nvGraphicFramePr>
+          <p:cNvPr id="5" name="Marcador de contenido 4"/>
+          <p:cNvGraphicFramePr>
+            <a:graphicFrameLocks noGrp="1"/>
+          </p:cNvGraphicFramePr>
+          <p:nvPr>
+            <p:ph idx="1"/>
+            <p:extLst>
+              <p:ext uri="{D42A27DB-BD31-4B8C-83A1-F6EECF244321}">
+                <p14:modId xmlns:p14="http://schemas.microsoft.com/office/powerpoint/2010/main" val="436868861"/>
+              </p:ext>
+            </p:extLst>
+          </p:nvPr>
+        </p:nvGraphicFramePr>
+        <p:xfrm>
+          <a:off x="580858" y="2181225"/>
+          <a:ext cx="11029950" cy="3678238"/>
+        </p:xfrm>
+        <a:graphic>
+          <a:graphicData uri="http://schemas.openxmlformats.org/drawingml/2006/diagram">
+            <dgm:relIds xmlns:dgm="http://schemas.openxmlformats.org/drawingml/2006/diagram" xmlns:r="http://schemas.openxmlformats.org/officeDocument/2006/relationships" r:dm="rId2" r:lo="rId3" r:qs="rId4" r:cs="rId5"/>
+          </a:graphicData>
+        </a:graphic>
+      </p:graphicFrame>
+      <p:sp>
+        <p:nvSpPr>
+          <p:cNvPr id="3" name="Marcador de número de diapositiva 2"/>
+          <p:cNvSpPr>
+            <a:spLocks noGrp="1"/>
+          </p:cNvSpPr>
+          <p:nvPr>
+            <p:ph type="sldNum" sz="quarter" idx="12"/>
+          </p:nvPr>
+        </p:nvSpPr>
+        <p:spPr/>
+        <p:txBody>
+          <a:bodyPr/>
+          <a:lstStyle/>
+          <a:p>
+            <a:fld id="{4F4CC500-C254-4A01-A1E9-3631BD4DF40D}" type="slidenum">
+              <a:rPr lang="ca-ES" smtClean="0"/>
+              <a:pPr/>
+              <a:t>5</a:t>
+            </a:fld>
+            <a:r>
+              <a:rPr lang="ca-ES" smtClean="0"/>
+              <a:t>/22</a:t>
+            </a:r>
+            <a:endParaRPr lang="ca-ES" dirty="0"/>
+          </a:p>
+        </p:txBody>
+      </p:sp>
+    </p:spTree>
+    <p:extLst>
+      <p:ext uri="{BB962C8B-B14F-4D97-AF65-F5344CB8AC3E}">
+        <p14:creationId xmlns:p14="http://schemas.microsoft.com/office/powerpoint/2010/main" val="286477785"/>
       </p:ext>
     </p:extLst>
   </p:cSld>
@@ -26732,123 +29991,6 @@
           <a:lstStyle/>
           <a:p>
             <a:r>
-              <a:rPr lang="es-ES" dirty="0" err="1" smtClean="0"/>
-              <a:t>Problem</a:t>
-            </a:r>
-            <a:r>
-              <a:rPr lang="ca-ES" dirty="0" err="1" smtClean="0"/>
-              <a:t>àticA</a:t>
-            </a:r>
-            <a:endParaRPr lang="ca-ES" dirty="0"/>
-          </a:p>
-        </p:txBody>
-      </p:sp>
-      <p:graphicFrame>
-        <p:nvGraphicFramePr>
-          <p:cNvPr id="5" name="Marcador de contenido 4"/>
-          <p:cNvGraphicFramePr>
-            <a:graphicFrameLocks noGrp="1"/>
-          </p:cNvGraphicFramePr>
-          <p:nvPr>
-            <p:ph idx="1"/>
-            <p:extLst>
-              <p:ext uri="{D42A27DB-BD31-4B8C-83A1-F6EECF244321}">
-                <p14:modId xmlns:p14="http://schemas.microsoft.com/office/powerpoint/2010/main" val="436868861"/>
-              </p:ext>
-            </p:extLst>
-          </p:nvPr>
-        </p:nvGraphicFramePr>
-        <p:xfrm>
-          <a:off x="580858" y="2181225"/>
-          <a:ext cx="11029950" cy="3678238"/>
-        </p:xfrm>
-        <a:graphic>
-          <a:graphicData uri="http://schemas.openxmlformats.org/drawingml/2006/diagram">
-            <dgm:relIds xmlns:dgm="http://schemas.openxmlformats.org/drawingml/2006/diagram" xmlns:r="http://schemas.openxmlformats.org/officeDocument/2006/relationships" r:dm="rId2" r:lo="rId3" r:qs="rId4" r:cs="rId5"/>
-          </a:graphicData>
-        </a:graphic>
-      </p:graphicFrame>
-      <p:sp>
-        <p:nvSpPr>
-          <p:cNvPr id="3" name="Marcador de número de diapositiva 2"/>
-          <p:cNvSpPr>
-            <a:spLocks noGrp="1"/>
-          </p:cNvSpPr>
-          <p:nvPr>
-            <p:ph type="sldNum" sz="quarter" idx="12"/>
-          </p:nvPr>
-        </p:nvSpPr>
-        <p:spPr/>
-        <p:txBody>
-          <a:bodyPr/>
-          <a:lstStyle/>
-          <a:p>
-            <a:fld id="{4F4CC500-C254-4A01-A1E9-3631BD4DF40D}" type="slidenum">
-              <a:rPr lang="ca-ES" smtClean="0"/>
-              <a:pPr/>
-              <a:t>6</a:t>
-            </a:fld>
-            <a:r>
-              <a:rPr lang="ca-ES" smtClean="0"/>
-              <a:t>/22</a:t>
-            </a:r>
-            <a:endParaRPr lang="ca-ES" dirty="0"/>
-          </a:p>
-        </p:txBody>
-      </p:sp>
-    </p:spTree>
-    <p:extLst>
-      <p:ext uri="{BB962C8B-B14F-4D97-AF65-F5344CB8AC3E}">
-        <p14:creationId xmlns:p14="http://schemas.microsoft.com/office/powerpoint/2010/main" val="286477785"/>
-      </p:ext>
-    </p:extLst>
-  </p:cSld>
-  <p:clrMapOvr>
-    <a:masterClrMapping/>
-  </p:clrMapOvr>
-  <p:timing>
-    <p:tnLst>
-      <p:par>
-        <p:cTn id="1" dur="indefinite" restart="never" nodeType="tmRoot"/>
-      </p:par>
-    </p:tnLst>
-  </p:timing>
-</p:sld>
-</file>
-
-<file path=ppt/slides/slide7.xml><?xml version="1.0" encoding="utf-8"?>
-<p:sld xmlns:a="http://schemas.openxmlformats.org/drawingml/2006/main" xmlns:r="http://schemas.openxmlformats.org/officeDocument/2006/relationships" xmlns:p="http://schemas.openxmlformats.org/presentationml/2006/main">
-  <p:cSld>
-    <p:spTree>
-      <p:nvGrpSpPr>
-        <p:cNvPr id="1" name=""/>
-        <p:cNvGrpSpPr/>
-        <p:nvPr/>
-      </p:nvGrpSpPr>
-      <p:grpSpPr>
-        <a:xfrm>
-          <a:off x="0" y="0"/>
-          <a:ext cx="0" cy="0"/>
-          <a:chOff x="0" y="0"/>
-          <a:chExt cx="0" cy="0"/>
-        </a:xfrm>
-      </p:grpSpPr>
-      <p:sp>
-        <p:nvSpPr>
-          <p:cNvPr id="2" name="Título 1"/>
-          <p:cNvSpPr>
-            <a:spLocks noGrp="1"/>
-          </p:cNvSpPr>
-          <p:nvPr>
-            <p:ph type="title"/>
-          </p:nvPr>
-        </p:nvSpPr>
-        <p:spPr/>
-        <p:txBody>
-          <a:bodyPr/>
-          <a:lstStyle/>
-          <a:p>
-            <a:r>
               <a:rPr lang="es-ES" dirty="0" smtClean="0"/>
               <a:t>SOLUCIÓ</a:t>
             </a:r>
@@ -26899,7 +30041,7 @@
             <a:fld id="{4F4CC500-C254-4A01-A1E9-3631BD4DF40D}" type="slidenum">
               <a:rPr lang="ca-ES" smtClean="0"/>
               <a:pPr/>
-              <a:t>7</a:t>
+              <a:t>6</a:t>
             </a:fld>
             <a:r>
               <a:rPr lang="ca-ES" smtClean="0"/>
@@ -26929,7 +30071,7 @@
 </p:sld>
 </file>
 
-<file path=ppt/slides/slide8.xml><?xml version="1.0" encoding="utf-8"?>
+<file path=ppt/slides/slide7.xml><?xml version="1.0" encoding="utf-8"?>
 <p:sld xmlns:a="http://schemas.openxmlformats.org/drawingml/2006/main" xmlns:r="http://schemas.openxmlformats.org/officeDocument/2006/relationships" xmlns:p="http://schemas.openxmlformats.org/presentationml/2006/main">
   <p:cSld>
     <p:spTree>
@@ -27172,7 +30314,7 @@
             <a:fld id="{4F4CC500-C254-4A01-A1E9-3631BD4DF40D}" type="slidenum">
               <a:rPr lang="ca-ES" smtClean="0"/>
               <a:pPr/>
-              <a:t>8</a:t>
+              <a:t>7</a:t>
             </a:fld>
             <a:r>
               <a:rPr lang="ca-ES" smtClean="0"/>
@@ -27202,7 +30344,7 @@
 </p:sld>
 </file>
 
-<file path=ppt/slides/slide9.xml><?xml version="1.0" encoding="utf-8"?>
+<file path=ppt/slides/slide8.xml><?xml version="1.0" encoding="utf-8"?>
 <p:sld xmlns:a="http://schemas.openxmlformats.org/drawingml/2006/main" xmlns:r="http://schemas.openxmlformats.org/officeDocument/2006/relationships" xmlns:p="http://schemas.openxmlformats.org/presentationml/2006/main">
   <p:cSld>
     <p:spTree>
@@ -27289,7 +30431,7 @@
             <a:fld id="{4F4CC500-C254-4A01-A1E9-3631BD4DF40D}" type="slidenum">
               <a:rPr lang="ca-ES" smtClean="0"/>
               <a:pPr/>
-              <a:t>9</a:t>
+              <a:t>8</a:t>
             </a:fld>
             <a:r>
               <a:rPr lang="ca-ES" smtClean="0"/>
@@ -27303,6 +30445,316 @@
     <p:extLst>
       <p:ext uri="{BB962C8B-B14F-4D97-AF65-F5344CB8AC3E}">
         <p14:creationId xmlns:p14="http://schemas.microsoft.com/office/powerpoint/2010/main" val="80976682"/>
+      </p:ext>
+    </p:extLst>
+  </p:cSld>
+  <p:clrMapOvr>
+    <a:masterClrMapping/>
+  </p:clrMapOvr>
+  <p:timing>
+    <p:tnLst>
+      <p:par>
+        <p:cTn id="1" dur="indefinite" restart="never" nodeType="tmRoot"/>
+      </p:par>
+    </p:tnLst>
+  </p:timing>
+</p:sld>
+</file>
+
+<file path=ppt/slides/slide9.xml><?xml version="1.0" encoding="utf-8"?>
+<p:sld xmlns:a="http://schemas.openxmlformats.org/drawingml/2006/main" xmlns:r="http://schemas.openxmlformats.org/officeDocument/2006/relationships" xmlns:p="http://schemas.openxmlformats.org/presentationml/2006/main">
+  <p:cSld>
+    <p:spTree>
+      <p:nvGrpSpPr>
+        <p:cNvPr id="1" name=""/>
+        <p:cNvGrpSpPr/>
+        <p:nvPr/>
+      </p:nvGrpSpPr>
+      <p:grpSpPr>
+        <a:xfrm>
+          <a:off x="0" y="0"/>
+          <a:ext cx="0" cy="0"/>
+          <a:chOff x="0" y="0"/>
+          <a:chExt cx="0" cy="0"/>
+        </a:xfrm>
+      </p:grpSpPr>
+      <p:sp>
+        <p:nvSpPr>
+          <p:cNvPr id="2" name="Título 1"/>
+          <p:cNvSpPr>
+            <a:spLocks noGrp="1"/>
+          </p:cNvSpPr>
+          <p:nvPr>
+            <p:ph type="title"/>
+          </p:nvPr>
+        </p:nvSpPr>
+        <p:spPr/>
+        <p:txBody>
+          <a:bodyPr>
+            <a:normAutofit/>
+          </a:bodyPr>
+          <a:lstStyle/>
+          <a:p>
+            <a:r>
+              <a:rPr lang="es-ES" dirty="0" err="1" smtClean="0"/>
+              <a:t>Requeriments</a:t>
+            </a:r>
+            <a:r>
+              <a:rPr lang="es-ES" dirty="0" smtClean="0"/>
+              <a:t> </a:t>
+            </a:r>
+            <a:r>
+              <a:rPr lang="es-ES" dirty="0" err="1" smtClean="0"/>
+              <a:t>principals</a:t>
+            </a:r>
+            <a:r>
+              <a:rPr lang="es-ES" dirty="0" smtClean="0"/>
+              <a:t> del servidor</a:t>
+            </a:r>
+            <a:endParaRPr lang="ca-ES" dirty="0"/>
+          </a:p>
+        </p:txBody>
+      </p:sp>
+      <p:sp>
+        <p:nvSpPr>
+          <p:cNvPr id="6" name="Marcador de contenido 5"/>
+          <p:cNvSpPr>
+            <a:spLocks noGrp="1"/>
+          </p:cNvSpPr>
+          <p:nvPr>
+            <p:ph idx="1"/>
+          </p:nvPr>
+        </p:nvSpPr>
+        <p:spPr/>
+        <p:txBody>
+          <a:bodyPr>
+            <a:normAutofit/>
+          </a:bodyPr>
+          <a:lstStyle/>
+          <a:p>
+            <a:pPr marL="0" indent="0">
+              <a:buNone/>
+            </a:pPr>
+            <a:r>
+              <a:rPr lang="es-ES" dirty="0" err="1"/>
+              <a:t>Ús</a:t>
+            </a:r>
+            <a:r>
+              <a:rPr lang="es-ES" dirty="0"/>
+              <a:t> per </a:t>
+            </a:r>
+            <a:r>
+              <a:rPr lang="es-ES" dirty="0" err="1"/>
+              <a:t>part</a:t>
+            </a:r>
+            <a:r>
+              <a:rPr lang="es-ES" dirty="0"/>
+              <a:t> </a:t>
+            </a:r>
+            <a:r>
+              <a:rPr lang="es-ES" dirty="0" err="1"/>
+              <a:t>dels</a:t>
+            </a:r>
+            <a:r>
+              <a:rPr lang="es-ES" dirty="0"/>
+              <a:t> </a:t>
+            </a:r>
+            <a:r>
+              <a:rPr lang="es-ES" dirty="0" err="1" smtClean="0"/>
+              <a:t>administradors</a:t>
+            </a:r>
+            <a:endParaRPr lang="es-ES" dirty="0" smtClean="0"/>
+          </a:p>
+          <a:p>
+            <a:pPr marL="0" indent="0">
+              <a:buNone/>
+            </a:pPr>
+            <a:endParaRPr lang="es-ES" dirty="0" smtClean="0"/>
+          </a:p>
+          <a:p>
+            <a:r>
+              <a:rPr lang="es-ES" dirty="0" err="1" smtClean="0"/>
+              <a:t>Gestió</a:t>
+            </a:r>
+            <a:r>
+              <a:rPr lang="es-ES" dirty="0" smtClean="0"/>
+              <a:t> </a:t>
+            </a:r>
+            <a:r>
+              <a:rPr lang="es-ES" dirty="0" err="1" smtClean="0"/>
+              <a:t>d’administradors</a:t>
+            </a:r>
+            <a:r>
+              <a:rPr lang="es-ES" dirty="0" smtClean="0"/>
+              <a:t> (</a:t>
+            </a:r>
+            <a:r>
+              <a:rPr lang="es-ES" dirty="0" err="1" smtClean="0"/>
+              <a:t>psicòlegs</a:t>
+            </a:r>
+            <a:r>
+              <a:rPr lang="es-ES" dirty="0" smtClean="0"/>
+              <a:t>)</a:t>
+            </a:r>
+          </a:p>
+          <a:p>
+            <a:r>
+              <a:rPr lang="es-ES" dirty="0" err="1" smtClean="0"/>
+              <a:t>Gestió</a:t>
+            </a:r>
+            <a:r>
+              <a:rPr lang="es-ES" dirty="0" smtClean="0"/>
+              <a:t> </a:t>
+            </a:r>
+            <a:r>
+              <a:rPr lang="es-ES" dirty="0" err="1"/>
+              <a:t>d’usuaris</a:t>
+            </a:r>
+            <a:r>
+              <a:rPr lang="es-ES" dirty="0"/>
+              <a:t> (</a:t>
+            </a:r>
+            <a:r>
+              <a:rPr lang="es-ES" dirty="0" err="1"/>
+              <a:t>pacients</a:t>
+            </a:r>
+            <a:r>
+              <a:rPr lang="es-ES" dirty="0"/>
+              <a:t>)</a:t>
+            </a:r>
+          </a:p>
+          <a:p>
+            <a:r>
+              <a:rPr lang="es-ES" dirty="0" err="1" smtClean="0"/>
+              <a:t>Gestió</a:t>
+            </a:r>
+            <a:r>
+              <a:rPr lang="es-ES" dirty="0" smtClean="0"/>
+              <a:t> de </a:t>
+            </a:r>
+            <a:r>
+              <a:rPr lang="es-ES" dirty="0" err="1" smtClean="0"/>
+              <a:t>qüestionaris</a:t>
+            </a:r>
+            <a:r>
+              <a:rPr lang="es-ES" dirty="0" smtClean="0"/>
+              <a:t> </a:t>
+            </a:r>
+            <a:r>
+              <a:rPr lang="es-ES" dirty="0" err="1" smtClean="0"/>
+              <a:t>rebuts</a:t>
+            </a:r>
+            <a:endParaRPr lang="es-ES" dirty="0" smtClean="0"/>
+          </a:p>
+          <a:p>
+            <a:r>
+              <a:rPr lang="es-ES" dirty="0" err="1" smtClean="0"/>
+              <a:t>Exportació</a:t>
+            </a:r>
+            <a:r>
+              <a:rPr lang="es-ES" dirty="0" smtClean="0"/>
+              <a:t> de </a:t>
+            </a:r>
+            <a:r>
+              <a:rPr lang="es-ES" dirty="0" err="1" smtClean="0"/>
+              <a:t>qüestionaris</a:t>
+            </a:r>
+            <a:r>
+              <a:rPr lang="es-ES" dirty="0" smtClean="0"/>
+              <a:t> i </a:t>
+            </a:r>
+            <a:r>
+              <a:rPr lang="es-ES" dirty="0" err="1" smtClean="0"/>
+              <a:t>respostes</a:t>
+            </a:r>
+            <a:endParaRPr lang="es-ES" dirty="0" smtClean="0"/>
+          </a:p>
+          <a:p>
+            <a:r>
+              <a:rPr lang="es-ES" dirty="0" smtClean="0"/>
+              <a:t>Multilingüe</a:t>
+            </a:r>
+          </a:p>
+        </p:txBody>
+      </p:sp>
+      <p:sp>
+        <p:nvSpPr>
+          <p:cNvPr id="10" name="Rectángulo 9"/>
+          <p:cNvSpPr/>
+          <p:nvPr/>
+        </p:nvSpPr>
+        <p:spPr>
+          <a:xfrm>
+            <a:off x="581192" y="2652764"/>
+            <a:ext cx="3115597" cy="391886"/>
+          </a:xfrm>
+          <a:prstGeom prst="rect">
+            <a:avLst/>
+          </a:prstGeom>
+          <a:noFill/>
+          <a:ln w="28575">
+            <a:solidFill>
+              <a:srgbClr val="5ECCF3"/>
+            </a:solidFill>
+          </a:ln>
+        </p:spPr>
+        <p:style>
+          <a:lnRef idx="2">
+            <a:schemeClr val="accent1">
+              <a:shade val="50000"/>
+            </a:schemeClr>
+          </a:lnRef>
+          <a:fillRef idx="1">
+            <a:schemeClr val="accent1"/>
+          </a:fillRef>
+          <a:effectRef idx="0">
+            <a:schemeClr val="accent1"/>
+          </a:effectRef>
+          <a:fontRef idx="minor">
+            <a:schemeClr val="lt1"/>
+          </a:fontRef>
+        </p:style>
+        <p:txBody>
+          <a:bodyPr rtlCol="0" anchor="ctr"/>
+          <a:lstStyle/>
+          <a:p>
+            <a:pPr algn="ctr"/>
+            <a:endParaRPr lang="ca-ES"/>
+          </a:p>
+        </p:txBody>
+      </p:sp>
+      <p:sp>
+        <p:nvSpPr>
+          <p:cNvPr id="3" name="Marcador de número de diapositiva 2"/>
+          <p:cNvSpPr>
+            <a:spLocks noGrp="1"/>
+          </p:cNvSpPr>
+          <p:nvPr>
+            <p:ph type="sldNum" sz="quarter" idx="12"/>
+          </p:nvPr>
+        </p:nvSpPr>
+        <p:spPr/>
+        <p:txBody>
+          <a:bodyPr/>
+          <a:lstStyle/>
+          <a:p>
+            <a:fld id="{4F4CC500-C254-4A01-A1E9-3631BD4DF40D}" type="slidenum">
+              <a:rPr lang="ca-ES" smtClean="0"/>
+              <a:pPr/>
+              <a:t>9</a:t>
+            </a:fld>
+            <a:r>
+              <a:rPr lang="ca-ES" smtClean="0"/>
+              <a:t>/22</a:t>
+            </a:r>
+            <a:endParaRPr lang="ca-ES" dirty="0"/>
+          </a:p>
+        </p:txBody>
+      </p:sp>
+    </p:spTree>
+    <p:extLst>
+      <p:ext uri="{BB962C8B-B14F-4D97-AF65-F5344CB8AC3E}">
+        <p14:creationId xmlns:p14="http://schemas.microsoft.com/office/powerpoint/2010/main" val="723141527"/>
       </p:ext>
     </p:extLst>
   </p:cSld>

--- a/tfg_presentacio.pptx
+++ b/tfg_presentacio.pptx
@@ -13,9 +13,9 @@
     <p:sldId id="258" r:id="rId4"/>
     <p:sldId id="259" r:id="rId5"/>
     <p:sldId id="262" r:id="rId6"/>
-    <p:sldId id="280" r:id="rId7"/>
-    <p:sldId id="263" r:id="rId8"/>
-    <p:sldId id="281" r:id="rId9"/>
+    <p:sldId id="263" r:id="rId7"/>
+    <p:sldId id="281" r:id="rId8"/>
+    <p:sldId id="280" r:id="rId9"/>
     <p:sldId id="264" r:id="rId10"/>
     <p:sldId id="279" r:id="rId11"/>
     <p:sldId id="278" r:id="rId12"/>
@@ -394,11 +394,11 @@
           <c:showBubbleSize val="0"/>
         </c:dLbls>
         <c:gapWidth val="219"/>
-        <c:axId val="114049144"/>
-        <c:axId val="114049928"/>
+        <c:axId val="137717216"/>
+        <c:axId val="137718784"/>
       </c:barChart>
       <c:catAx>
-        <c:axId val="114049144"/>
+        <c:axId val="137717216"/>
         <c:scaling>
           <c:orientation val="minMax"/>
         </c:scaling>
@@ -441,7 +441,7 @@
             <a:endParaRPr lang="es-ES"/>
           </a:p>
         </c:txPr>
-        <c:crossAx val="114049928"/>
+        <c:crossAx val="137718784"/>
         <c:crosses val="autoZero"/>
         <c:auto val="1"/>
         <c:lblAlgn val="ctr"/>
@@ -449,7 +449,7 @@
         <c:noMultiLvlLbl val="0"/>
       </c:catAx>
       <c:valAx>
-        <c:axId val="114049928"/>
+        <c:axId val="137718784"/>
         <c:scaling>
           <c:orientation val="minMax"/>
         </c:scaling>
@@ -500,7 +500,7 @@
             <a:endParaRPr lang="es-ES"/>
           </a:p>
         </c:txPr>
-        <c:crossAx val="114049144"/>
+        <c:crossAx val="137717216"/>
         <c:crosses val="autoZero"/>
         <c:crossBetween val="between"/>
       </c:valAx>
@@ -19941,7 +19941,7 @@
           <a:p>
             <a:fld id="{48A72CDC-B66D-4F7C-81D5-D9554618F5EA}" type="datetimeFigureOut">
               <a:rPr lang="ca-ES" smtClean="0"/>
-              <a:t>22/1/2020</a:t>
+              <a:t>23/1/2020</a:t>
             </a:fld>
             <a:endParaRPr lang="ca-ES"/>
           </a:p>
@@ -20454,7 +20454,7 @@
           <a:p>
             <a:fld id="{0BBB4F42-6AD2-4763-95BD-31AD1CD045D9}" type="datetime1">
               <a:rPr lang="ca-ES" smtClean="0"/>
-              <a:t>22/1/2020</a:t>
+              <a:t>23/1/2020</a:t>
             </a:fld>
             <a:endParaRPr lang="ca-ES"/>
           </a:p>
@@ -20549,6 +20549,273 @@
 </file>
 
 <file path=ppt/slideLayouts/slideLayout10.xml><?xml version="1.0" encoding="utf-8"?>
+<p:sldLayout xmlns:a="http://schemas.openxmlformats.org/drawingml/2006/main" xmlns:r="http://schemas.openxmlformats.org/officeDocument/2006/relationships" xmlns:p="http://schemas.openxmlformats.org/presentationml/2006/main" type="picTx" preserve="1">
+  <p:cSld name="Imagen con título">
+    <p:spTree>
+      <p:nvGrpSpPr>
+        <p:cNvPr id="1" name=""/>
+        <p:cNvGrpSpPr/>
+        <p:nvPr/>
+      </p:nvGrpSpPr>
+      <p:grpSpPr>
+        <a:xfrm>
+          <a:off x="0" y="0"/>
+          <a:ext cx="0" cy="0"/>
+          <a:chOff x="0" y="0"/>
+          <a:chExt cx="0" cy="0"/>
+        </a:xfrm>
+      </p:grpSpPr>
+      <p:sp>
+        <p:nvSpPr>
+          <p:cNvPr id="2" name="Title 1"/>
+          <p:cNvSpPr>
+            <a:spLocks noGrp="1"/>
+          </p:cNvSpPr>
+          <p:nvPr>
+            <p:ph type="title"/>
+          </p:nvPr>
+        </p:nvSpPr>
+        <p:spPr>
+          <a:xfrm>
+            <a:off x="581193" y="4693389"/>
+            <a:ext cx="11029616" cy="566738"/>
+          </a:xfrm>
+        </p:spPr>
+        <p:txBody>
+          <a:bodyPr anchor="b">
+            <a:normAutofit/>
+          </a:bodyPr>
+          <a:lstStyle>
+            <a:lvl1pPr algn="l">
+              <a:defRPr sz="2400" b="0">
+                <a:solidFill>
+                  <a:schemeClr val="accent1"/>
+                </a:solidFill>
+              </a:defRPr>
+            </a:lvl1pPr>
+          </a:lstStyle>
+          <a:p>
+            <a:r>
+              <a:rPr lang="es-ES" smtClean="0"/>
+              <a:t>Haga clic para modificar el estilo de título del patrón</a:t>
+            </a:r>
+            <a:endParaRPr lang="en-US" dirty="0"/>
+          </a:p>
+        </p:txBody>
+      </p:sp>
+      <p:sp>
+        <p:nvSpPr>
+          <p:cNvPr id="3" name="Picture Placeholder 2"/>
+          <p:cNvSpPr>
+            <a:spLocks noGrp="1" noChangeAspect="1"/>
+          </p:cNvSpPr>
+          <p:nvPr>
+            <p:ph type="pic" idx="1"/>
+          </p:nvPr>
+        </p:nvSpPr>
+        <p:spPr>
+          <a:xfrm>
+            <a:off x="447817" y="599725"/>
+            <a:ext cx="11290859" cy="3557252"/>
+          </a:xfrm>
+        </p:spPr>
+        <p:txBody>
+          <a:bodyPr anchor="t">
+            <a:normAutofit/>
+          </a:bodyPr>
+          <a:lstStyle>
+            <a:lvl1pPr marL="0" indent="0" algn="ctr">
+              <a:buNone/>
+              <a:defRPr sz="1600"/>
+            </a:lvl1pPr>
+            <a:lvl2pPr marL="457200" indent="0">
+              <a:buNone/>
+              <a:defRPr sz="1600"/>
+            </a:lvl2pPr>
+            <a:lvl3pPr marL="914400" indent="0">
+              <a:buNone/>
+              <a:defRPr sz="1600"/>
+            </a:lvl3pPr>
+            <a:lvl4pPr marL="1371600" indent="0">
+              <a:buNone/>
+              <a:defRPr sz="1600"/>
+            </a:lvl4pPr>
+            <a:lvl5pPr marL="1828800" indent="0">
+              <a:buNone/>
+              <a:defRPr sz="1600"/>
+            </a:lvl5pPr>
+            <a:lvl6pPr marL="2286000" indent="0">
+              <a:buNone/>
+              <a:defRPr sz="1600"/>
+            </a:lvl6pPr>
+            <a:lvl7pPr marL="2743200" indent="0">
+              <a:buNone/>
+              <a:defRPr sz="1600"/>
+            </a:lvl7pPr>
+            <a:lvl8pPr marL="3200400" indent="0">
+              <a:buNone/>
+              <a:defRPr sz="1600"/>
+            </a:lvl8pPr>
+            <a:lvl9pPr marL="3657600" indent="0">
+              <a:buNone/>
+              <a:defRPr sz="1600"/>
+            </a:lvl9pPr>
+          </a:lstStyle>
+          <a:p>
+            <a:r>
+              <a:rPr lang="es-ES" smtClean="0"/>
+              <a:t>Haga clic en el icono para agregar una imagen</a:t>
+            </a:r>
+            <a:endParaRPr lang="en-US" dirty="0"/>
+          </a:p>
+        </p:txBody>
+      </p:sp>
+      <p:sp>
+        <p:nvSpPr>
+          <p:cNvPr id="4" name="Text Placeholder 3"/>
+          <p:cNvSpPr>
+            <a:spLocks noGrp="1"/>
+          </p:cNvSpPr>
+          <p:nvPr>
+            <p:ph type="body" sz="half" idx="2"/>
+          </p:nvPr>
+        </p:nvSpPr>
+        <p:spPr>
+          <a:xfrm>
+            <a:off x="581192" y="5260127"/>
+            <a:ext cx="11029617" cy="598671"/>
+          </a:xfrm>
+        </p:spPr>
+        <p:txBody>
+          <a:bodyPr>
+            <a:normAutofit/>
+          </a:bodyPr>
+          <a:lstStyle>
+            <a:lvl1pPr marL="0" indent="0">
+              <a:buNone/>
+              <a:defRPr sz="1200"/>
+            </a:lvl1pPr>
+            <a:lvl2pPr marL="457200" indent="0">
+              <a:buNone/>
+              <a:defRPr sz="1200"/>
+            </a:lvl2pPr>
+            <a:lvl3pPr marL="914400" indent="0">
+              <a:buNone/>
+              <a:defRPr sz="1000"/>
+            </a:lvl3pPr>
+            <a:lvl4pPr marL="1371600" indent="0">
+              <a:buNone/>
+              <a:defRPr sz="900"/>
+            </a:lvl4pPr>
+            <a:lvl5pPr marL="1828800" indent="0">
+              <a:buNone/>
+              <a:defRPr sz="900"/>
+            </a:lvl5pPr>
+            <a:lvl6pPr marL="2286000" indent="0">
+              <a:buNone/>
+              <a:defRPr sz="900"/>
+            </a:lvl6pPr>
+            <a:lvl7pPr marL="2743200" indent="0">
+              <a:buNone/>
+              <a:defRPr sz="900"/>
+            </a:lvl7pPr>
+            <a:lvl8pPr marL="3200400" indent="0">
+              <a:buNone/>
+              <a:defRPr sz="900"/>
+            </a:lvl8pPr>
+            <a:lvl9pPr marL="3657600" indent="0">
+              <a:buNone/>
+              <a:defRPr sz="900"/>
+            </a:lvl9pPr>
+          </a:lstStyle>
+          <a:p>
+            <a:pPr lvl="0"/>
+            <a:r>
+              <a:rPr lang="es-ES" smtClean="0"/>
+              <a:t>Editar el estilo de texto del patrón</a:t>
+            </a:r>
+          </a:p>
+        </p:txBody>
+      </p:sp>
+      <p:sp>
+        <p:nvSpPr>
+          <p:cNvPr id="5" name="Date Placeholder 4"/>
+          <p:cNvSpPr>
+            <a:spLocks noGrp="1"/>
+          </p:cNvSpPr>
+          <p:nvPr>
+            <p:ph type="dt" sz="half" idx="10"/>
+          </p:nvPr>
+        </p:nvSpPr>
+        <p:spPr/>
+        <p:txBody>
+          <a:bodyPr/>
+          <a:lstStyle/>
+          <a:p>
+            <a:fld id="{A04CCCF5-5A85-4415-AA58-796941352A24}" type="datetime1">
+              <a:rPr lang="ca-ES" smtClean="0"/>
+              <a:t>23/1/2020</a:t>
+            </a:fld>
+            <a:endParaRPr lang="ca-ES"/>
+          </a:p>
+        </p:txBody>
+      </p:sp>
+      <p:sp>
+        <p:nvSpPr>
+          <p:cNvPr id="6" name="Footer Placeholder 5"/>
+          <p:cNvSpPr>
+            <a:spLocks noGrp="1"/>
+          </p:cNvSpPr>
+          <p:nvPr>
+            <p:ph type="ftr" sz="quarter" idx="11"/>
+          </p:nvPr>
+        </p:nvSpPr>
+        <p:spPr/>
+        <p:txBody>
+          <a:bodyPr/>
+          <a:lstStyle/>
+          <a:p>
+            <a:endParaRPr lang="ca-ES"/>
+          </a:p>
+        </p:txBody>
+      </p:sp>
+      <p:sp>
+        <p:nvSpPr>
+          <p:cNvPr id="7" name="Slide Number Placeholder 6"/>
+          <p:cNvSpPr>
+            <a:spLocks noGrp="1"/>
+          </p:cNvSpPr>
+          <p:nvPr>
+            <p:ph type="sldNum" sz="quarter" idx="12"/>
+          </p:nvPr>
+        </p:nvSpPr>
+        <p:spPr/>
+        <p:txBody>
+          <a:bodyPr/>
+          <a:lstStyle/>
+          <a:p>
+            <a:fld id="{4F4CC500-C254-4A01-A1E9-3631BD4DF40D}" type="slidenum">
+              <a:rPr lang="ca-ES" smtClean="0"/>
+              <a:t>‹#›</a:t>
+            </a:fld>
+            <a:endParaRPr lang="ca-ES" dirty="0"/>
+          </a:p>
+        </p:txBody>
+      </p:sp>
+    </p:spTree>
+    <p:extLst>
+      <p:ext uri="{BB962C8B-B14F-4D97-AF65-F5344CB8AC3E}">
+        <p14:creationId xmlns:p14="http://schemas.microsoft.com/office/powerpoint/2010/main" val="2331873485"/>
+      </p:ext>
+    </p:extLst>
+  </p:cSld>
+  <p:clrMapOvr>
+    <a:masterClrMapping/>
+  </p:clrMapOvr>
+</p:sldLayout>
+</file>
+
+<file path=ppt/slideLayouts/slideLayout11.xml><?xml version="1.0" encoding="utf-8"?>
 <p:sldLayout xmlns:a="http://schemas.openxmlformats.org/drawingml/2006/main" xmlns:r="http://schemas.openxmlformats.org/officeDocument/2006/relationships" xmlns:p="http://schemas.openxmlformats.org/presentationml/2006/main" type="vertTx" preserve="1">
   <p:cSld name="Título y texto vertical">
     <p:spTree>
@@ -20717,7 +20984,7 @@
           <a:p>
             <a:fld id="{76EB001A-7D6D-4244-904E-2F12C21DCADA}" type="datetime1">
               <a:rPr lang="ca-ES" smtClean="0"/>
-              <a:t>22/1/2020</a:t>
+              <a:t>23/1/2020</a:t>
             </a:fld>
             <a:endParaRPr lang="ca-ES"/>
           </a:p>
@@ -20778,7 +21045,7 @@
 </p:sldLayout>
 </file>
 
-<file path=ppt/slideLayouts/slideLayout11.xml><?xml version="1.0" encoding="utf-8"?>
+<file path=ppt/slideLayouts/slideLayout12.xml><?xml version="1.0" encoding="utf-8"?>
 <p:sldLayout xmlns:a="http://schemas.openxmlformats.org/drawingml/2006/main" xmlns:r="http://schemas.openxmlformats.org/officeDocument/2006/relationships" xmlns:p="http://schemas.openxmlformats.org/presentationml/2006/main" type="vertTitleAndTx" preserve="1">
   <p:cSld name="Título vertical y texto">
     <p:spTree>
@@ -20952,7 +21219,7 @@
           <a:p>
             <a:fld id="{B9EDF53F-45FA-47CF-989C-BECC3CC4A6FA}" type="datetime1">
               <a:rPr lang="ca-ES" smtClean="0"/>
-              <a:t>22/1/2020</a:t>
+              <a:t>23/1/2020</a:t>
             </a:fld>
             <a:endParaRPr lang="ca-ES"/>
           </a:p>
@@ -21192,7 +21459,7 @@
           <a:p>
             <a:fld id="{28691B5E-530A-4578-A88A-EE5F8129B80D}" type="datetime1">
               <a:rPr lang="ca-ES" smtClean="0"/>
-              <a:t>22/1/2020</a:t>
+              <a:t>23/1/2020</a:t>
             </a:fld>
             <a:endParaRPr lang="ca-ES"/>
           </a:p>
@@ -21249,36 +21516,6 @@
           </a:p>
         </p:txBody>
       </p:sp>
-      <p:pic>
-        <p:nvPicPr>
-          <p:cNvPr id="16" name="Imagen 15"/>
-          <p:cNvPicPr>
-            <a:picLocks noChangeAspect="1"/>
-          </p:cNvPicPr>
-          <p:nvPr userDrawn="1"/>
-        </p:nvPicPr>
-        <p:blipFill>
-          <a:blip r:embed="rId2" cstate="print">
-            <a:extLst>
-              <a:ext uri="{28A0092B-C50C-407E-A947-70E740481C1C}">
-                <a14:useLocalDpi xmlns:a14="http://schemas.microsoft.com/office/drawing/2010/main" val="0"/>
-              </a:ext>
-            </a:extLst>
-          </a:blip>
-          <a:stretch>
-            <a:fillRect/>
-          </a:stretch>
-        </p:blipFill>
-        <p:spPr>
-          <a:xfrm>
-            <a:off x="10231807" y="5883038"/>
-            <a:ext cx="1035622" cy="705104"/>
-          </a:xfrm>
-          <a:prstGeom prst="rect">
-            <a:avLst/>
-          </a:prstGeom>
-        </p:spPr>
-      </p:pic>
     </p:spTree>
     <p:extLst>
       <p:ext uri="{BB962C8B-B14F-4D97-AF65-F5344CB8AC3E}">
@@ -21540,7 +21777,7 @@
           <a:p>
             <a:fld id="{734979E8-4746-4A6E-9ECA-821FCB65AC50}" type="datetime1">
               <a:rPr lang="ca-ES" smtClean="0"/>
-              <a:t>22/1/2020</a:t>
+              <a:t>23/1/2020</a:t>
             </a:fld>
             <a:endParaRPr lang="ca-ES"/>
           </a:p>
@@ -21849,7 +22086,7 @@
           <a:p>
             <a:fld id="{CCD70EE2-F9E8-4773-8F78-2AD436C1326C}" type="datetime1">
               <a:rPr lang="ca-ES" smtClean="0"/>
-              <a:t>22/1/2020</a:t>
+              <a:t>23/1/2020</a:t>
             </a:fld>
             <a:endParaRPr lang="ca-ES"/>
           </a:p>
@@ -22278,7 +22515,7 @@
           <a:p>
             <a:fld id="{B0303F1D-DFA8-4039-AB39-7797D6C98C06}" type="datetime1">
               <a:rPr lang="ca-ES" smtClean="0"/>
-              <a:t>22/1/2020</a:t>
+              <a:t>23/1/2020</a:t>
             </a:fld>
             <a:endParaRPr lang="ca-ES"/>
           </a:p>
@@ -22347,6 +22584,136 @@
 </file>
 
 <file path=ppt/slideLayouts/slideLayout6.xml><?xml version="1.0" encoding="utf-8"?>
+<p:sldLayout xmlns:a="http://schemas.openxmlformats.org/drawingml/2006/main" xmlns:r="http://schemas.openxmlformats.org/officeDocument/2006/relationships" xmlns:p="http://schemas.openxmlformats.org/presentationml/2006/main" preserve="1" userDrawn="1">
+  <p:cSld name="Custom Layout">
+    <p:spTree>
+      <p:nvGrpSpPr>
+        <p:cNvPr id="1" name=""/>
+        <p:cNvGrpSpPr/>
+        <p:nvPr/>
+      </p:nvGrpSpPr>
+      <p:grpSpPr>
+        <a:xfrm>
+          <a:off x="0" y="0"/>
+          <a:ext cx="0" cy="0"/>
+          <a:chOff x="0" y="0"/>
+          <a:chExt cx="0" cy="0"/>
+        </a:xfrm>
+      </p:grpSpPr>
+      <p:sp>
+        <p:nvSpPr>
+          <p:cNvPr id="2" name="Title 1"/>
+          <p:cNvSpPr>
+            <a:spLocks noGrp="1"/>
+          </p:cNvSpPr>
+          <p:nvPr>
+            <p:ph type="title"/>
+          </p:nvPr>
+        </p:nvSpPr>
+        <p:spPr/>
+        <p:txBody>
+          <a:bodyPr/>
+          <a:lstStyle/>
+          <a:p>
+            <a:r>
+              <a:rPr lang="en-US" smtClean="0"/>
+              <a:t>Click to edit Master title style</a:t>
+            </a:r>
+            <a:endParaRPr lang="es-ES"/>
+          </a:p>
+        </p:txBody>
+      </p:sp>
+      <p:sp>
+        <p:nvSpPr>
+          <p:cNvPr id="3" name="Date Placeholder 2"/>
+          <p:cNvSpPr>
+            <a:spLocks noGrp="1"/>
+          </p:cNvSpPr>
+          <p:nvPr>
+            <p:ph type="dt" sz="half" idx="10"/>
+          </p:nvPr>
+        </p:nvSpPr>
+        <p:spPr/>
+        <p:txBody>
+          <a:bodyPr/>
+          <a:lstStyle/>
+          <a:p>
+            <a:fld id="{5ABAFB43-88C3-4E66-905C-AD8295BD58CE}" type="datetime1">
+              <a:rPr lang="ca-ES" smtClean="0"/>
+              <a:t>23/1/2020</a:t>
+            </a:fld>
+            <a:endParaRPr lang="ca-ES"/>
+          </a:p>
+        </p:txBody>
+      </p:sp>
+      <p:sp>
+        <p:nvSpPr>
+          <p:cNvPr id="4" name="Footer Placeholder 3"/>
+          <p:cNvSpPr>
+            <a:spLocks noGrp="1"/>
+          </p:cNvSpPr>
+          <p:nvPr>
+            <p:ph type="ftr" sz="quarter" idx="11"/>
+          </p:nvPr>
+        </p:nvSpPr>
+        <p:spPr/>
+        <p:txBody>
+          <a:bodyPr/>
+          <a:lstStyle/>
+          <a:p>
+            <a:endParaRPr lang="ca-ES"/>
+          </a:p>
+        </p:txBody>
+      </p:sp>
+      <p:sp>
+        <p:nvSpPr>
+          <p:cNvPr id="5" name="Slide Number Placeholder 4"/>
+          <p:cNvSpPr>
+            <a:spLocks noGrp="1"/>
+          </p:cNvSpPr>
+          <p:nvPr>
+            <p:ph type="sldNum" sz="quarter" idx="12"/>
+          </p:nvPr>
+        </p:nvSpPr>
+        <p:spPr/>
+        <p:txBody>
+          <a:bodyPr/>
+          <a:lstStyle/>
+          <a:p>
+            <a:fld id="{4F4CC500-C254-4A01-A1E9-3631BD4DF40D}" type="slidenum">
+              <a:rPr lang="ca-ES" smtClean="0"/>
+              <a:pPr/>
+              <a:t>‹#›</a:t>
+            </a:fld>
+            <a:r>
+              <a:rPr lang="ca-ES" smtClean="0"/>
+              <a:t>/22</a:t>
+            </a:r>
+            <a:endParaRPr lang="ca-ES" dirty="0"/>
+          </a:p>
+        </p:txBody>
+      </p:sp>
+    </p:spTree>
+    <p:extLst>
+      <p:ext uri="{BB962C8B-B14F-4D97-AF65-F5344CB8AC3E}">
+        <p14:creationId xmlns:p14="http://schemas.microsoft.com/office/powerpoint/2010/main" val="2301456047"/>
+      </p:ext>
+    </p:extLst>
+  </p:cSld>
+  <p:clrMapOvr>
+    <a:masterClrMapping/>
+  </p:clrMapOvr>
+  <p:timing>
+    <p:tnLst>
+      <p:par>
+        <p:cTn id="1" dur="indefinite" restart="never" nodeType="tmRoot"/>
+      </p:par>
+    </p:tnLst>
+  </p:timing>
+</p:sldLayout>
+</file>
+
+<file path=ppt/slideLayouts/slideLayout7.xml><?xml version="1.0" encoding="utf-8"?>
 <p:sldLayout xmlns:a="http://schemas.openxmlformats.org/drawingml/2006/main" xmlns:r="http://schemas.openxmlformats.org/officeDocument/2006/relationships" xmlns:p="http://schemas.openxmlformats.org/presentationml/2006/main" type="titleOnly" preserve="1">
   <p:cSld name="Solo el título">
     <p:spTree>
@@ -22380,7 +22747,7 @@
           <a:p>
             <a:fld id="{11D08794-904D-4712-B67A-5F06D671CBCB}" type="datetime1">
               <a:rPr lang="ca-ES" smtClean="0"/>
-              <a:t>22/1/2020</a:t>
+              <a:t>23/1/2020</a:t>
             </a:fld>
             <a:endParaRPr lang="ca-ES"/>
           </a:p>
@@ -22515,7 +22882,7 @@
 </p:sldLayout>
 </file>
 
-<file path=ppt/slideLayouts/slideLayout7.xml><?xml version="1.0" encoding="utf-8"?>
+<file path=ppt/slideLayouts/slideLayout8.xml><?xml version="1.0" encoding="utf-8"?>
 <p:sldLayout xmlns:a="http://schemas.openxmlformats.org/drawingml/2006/main" xmlns:r="http://schemas.openxmlformats.org/officeDocument/2006/relationships" xmlns:p="http://schemas.openxmlformats.org/presentationml/2006/main" type="blank" preserve="1">
   <p:cSld name="En blanco">
     <p:spTree>
@@ -22549,7 +22916,7 @@
           <a:p>
             <a:fld id="{29921BD1-FCB0-4298-99B0-740715082644}" type="datetime1">
               <a:rPr lang="ca-ES" smtClean="0"/>
-              <a:t>22/1/2020</a:t>
+              <a:t>23/1/2020</a:t>
             </a:fld>
             <a:endParaRPr lang="ca-ES"/>
           </a:p>
@@ -22610,7 +22977,7 @@
 </p:sldLayout>
 </file>
 
-<file path=ppt/slideLayouts/slideLayout8.xml><?xml version="1.0" encoding="utf-8"?>
+<file path=ppt/slideLayouts/slideLayout9.xml><?xml version="1.0" encoding="utf-8"?>
 <p:sldLayout xmlns:a="http://schemas.openxmlformats.org/drawingml/2006/main" xmlns:r="http://schemas.openxmlformats.org/officeDocument/2006/relationships" xmlns:p="http://schemas.openxmlformats.org/presentationml/2006/main" type="objTx" preserve="1">
   <p:cSld name="Contenido con título">
     <p:spTree>
@@ -22927,7 +23294,7 @@
           <a:p>
             <a:fld id="{7ABA9C88-BE0B-4A67-86B8-1C281E9C438E}" type="datetime1">
               <a:rPr lang="ca-ES" smtClean="0"/>
-              <a:t>22/1/2020</a:t>
+              <a:t>23/1/2020</a:t>
             </a:fld>
             <a:endParaRPr lang="ca-ES"/>
           </a:p>
@@ -23001,273 +23368,6 @@
     <p:extLst>
       <p:ext uri="{BB962C8B-B14F-4D97-AF65-F5344CB8AC3E}">
         <p14:creationId xmlns:p14="http://schemas.microsoft.com/office/powerpoint/2010/main" val="1274991833"/>
-      </p:ext>
-    </p:extLst>
-  </p:cSld>
-  <p:clrMapOvr>
-    <a:masterClrMapping/>
-  </p:clrMapOvr>
-</p:sldLayout>
-</file>
-
-<file path=ppt/slideLayouts/slideLayout9.xml><?xml version="1.0" encoding="utf-8"?>
-<p:sldLayout xmlns:a="http://schemas.openxmlformats.org/drawingml/2006/main" xmlns:r="http://schemas.openxmlformats.org/officeDocument/2006/relationships" xmlns:p="http://schemas.openxmlformats.org/presentationml/2006/main" type="picTx" preserve="1">
-  <p:cSld name="Imagen con título">
-    <p:spTree>
-      <p:nvGrpSpPr>
-        <p:cNvPr id="1" name=""/>
-        <p:cNvGrpSpPr/>
-        <p:nvPr/>
-      </p:nvGrpSpPr>
-      <p:grpSpPr>
-        <a:xfrm>
-          <a:off x="0" y="0"/>
-          <a:ext cx="0" cy="0"/>
-          <a:chOff x="0" y="0"/>
-          <a:chExt cx="0" cy="0"/>
-        </a:xfrm>
-      </p:grpSpPr>
-      <p:sp>
-        <p:nvSpPr>
-          <p:cNvPr id="2" name="Title 1"/>
-          <p:cNvSpPr>
-            <a:spLocks noGrp="1"/>
-          </p:cNvSpPr>
-          <p:nvPr>
-            <p:ph type="title"/>
-          </p:nvPr>
-        </p:nvSpPr>
-        <p:spPr>
-          <a:xfrm>
-            <a:off x="581193" y="4693389"/>
-            <a:ext cx="11029616" cy="566738"/>
-          </a:xfrm>
-        </p:spPr>
-        <p:txBody>
-          <a:bodyPr anchor="b">
-            <a:normAutofit/>
-          </a:bodyPr>
-          <a:lstStyle>
-            <a:lvl1pPr algn="l">
-              <a:defRPr sz="2400" b="0">
-                <a:solidFill>
-                  <a:schemeClr val="accent1"/>
-                </a:solidFill>
-              </a:defRPr>
-            </a:lvl1pPr>
-          </a:lstStyle>
-          <a:p>
-            <a:r>
-              <a:rPr lang="es-ES" smtClean="0"/>
-              <a:t>Haga clic para modificar el estilo de título del patrón</a:t>
-            </a:r>
-            <a:endParaRPr lang="en-US" dirty="0"/>
-          </a:p>
-        </p:txBody>
-      </p:sp>
-      <p:sp>
-        <p:nvSpPr>
-          <p:cNvPr id="3" name="Picture Placeholder 2"/>
-          <p:cNvSpPr>
-            <a:spLocks noGrp="1" noChangeAspect="1"/>
-          </p:cNvSpPr>
-          <p:nvPr>
-            <p:ph type="pic" idx="1"/>
-          </p:nvPr>
-        </p:nvSpPr>
-        <p:spPr>
-          <a:xfrm>
-            <a:off x="447817" y="599725"/>
-            <a:ext cx="11290859" cy="3557252"/>
-          </a:xfrm>
-        </p:spPr>
-        <p:txBody>
-          <a:bodyPr anchor="t">
-            <a:normAutofit/>
-          </a:bodyPr>
-          <a:lstStyle>
-            <a:lvl1pPr marL="0" indent="0" algn="ctr">
-              <a:buNone/>
-              <a:defRPr sz="1600"/>
-            </a:lvl1pPr>
-            <a:lvl2pPr marL="457200" indent="0">
-              <a:buNone/>
-              <a:defRPr sz="1600"/>
-            </a:lvl2pPr>
-            <a:lvl3pPr marL="914400" indent="0">
-              <a:buNone/>
-              <a:defRPr sz="1600"/>
-            </a:lvl3pPr>
-            <a:lvl4pPr marL="1371600" indent="0">
-              <a:buNone/>
-              <a:defRPr sz="1600"/>
-            </a:lvl4pPr>
-            <a:lvl5pPr marL="1828800" indent="0">
-              <a:buNone/>
-              <a:defRPr sz="1600"/>
-            </a:lvl5pPr>
-            <a:lvl6pPr marL="2286000" indent="0">
-              <a:buNone/>
-              <a:defRPr sz="1600"/>
-            </a:lvl6pPr>
-            <a:lvl7pPr marL="2743200" indent="0">
-              <a:buNone/>
-              <a:defRPr sz="1600"/>
-            </a:lvl7pPr>
-            <a:lvl8pPr marL="3200400" indent="0">
-              <a:buNone/>
-              <a:defRPr sz="1600"/>
-            </a:lvl8pPr>
-            <a:lvl9pPr marL="3657600" indent="0">
-              <a:buNone/>
-              <a:defRPr sz="1600"/>
-            </a:lvl9pPr>
-          </a:lstStyle>
-          <a:p>
-            <a:r>
-              <a:rPr lang="es-ES" smtClean="0"/>
-              <a:t>Haga clic en el icono para agregar una imagen</a:t>
-            </a:r>
-            <a:endParaRPr lang="en-US" dirty="0"/>
-          </a:p>
-        </p:txBody>
-      </p:sp>
-      <p:sp>
-        <p:nvSpPr>
-          <p:cNvPr id="4" name="Text Placeholder 3"/>
-          <p:cNvSpPr>
-            <a:spLocks noGrp="1"/>
-          </p:cNvSpPr>
-          <p:nvPr>
-            <p:ph type="body" sz="half" idx="2"/>
-          </p:nvPr>
-        </p:nvSpPr>
-        <p:spPr>
-          <a:xfrm>
-            <a:off x="581192" y="5260127"/>
-            <a:ext cx="11029617" cy="598671"/>
-          </a:xfrm>
-        </p:spPr>
-        <p:txBody>
-          <a:bodyPr>
-            <a:normAutofit/>
-          </a:bodyPr>
-          <a:lstStyle>
-            <a:lvl1pPr marL="0" indent="0">
-              <a:buNone/>
-              <a:defRPr sz="1200"/>
-            </a:lvl1pPr>
-            <a:lvl2pPr marL="457200" indent="0">
-              <a:buNone/>
-              <a:defRPr sz="1200"/>
-            </a:lvl2pPr>
-            <a:lvl3pPr marL="914400" indent="0">
-              <a:buNone/>
-              <a:defRPr sz="1000"/>
-            </a:lvl3pPr>
-            <a:lvl4pPr marL="1371600" indent="0">
-              <a:buNone/>
-              <a:defRPr sz="900"/>
-            </a:lvl4pPr>
-            <a:lvl5pPr marL="1828800" indent="0">
-              <a:buNone/>
-              <a:defRPr sz="900"/>
-            </a:lvl5pPr>
-            <a:lvl6pPr marL="2286000" indent="0">
-              <a:buNone/>
-              <a:defRPr sz="900"/>
-            </a:lvl6pPr>
-            <a:lvl7pPr marL="2743200" indent="0">
-              <a:buNone/>
-              <a:defRPr sz="900"/>
-            </a:lvl7pPr>
-            <a:lvl8pPr marL="3200400" indent="0">
-              <a:buNone/>
-              <a:defRPr sz="900"/>
-            </a:lvl8pPr>
-            <a:lvl9pPr marL="3657600" indent="0">
-              <a:buNone/>
-              <a:defRPr sz="900"/>
-            </a:lvl9pPr>
-          </a:lstStyle>
-          <a:p>
-            <a:pPr lvl="0"/>
-            <a:r>
-              <a:rPr lang="es-ES" smtClean="0"/>
-              <a:t>Editar el estilo de texto del patrón</a:t>
-            </a:r>
-          </a:p>
-        </p:txBody>
-      </p:sp>
-      <p:sp>
-        <p:nvSpPr>
-          <p:cNvPr id="5" name="Date Placeholder 4"/>
-          <p:cNvSpPr>
-            <a:spLocks noGrp="1"/>
-          </p:cNvSpPr>
-          <p:nvPr>
-            <p:ph type="dt" sz="half" idx="10"/>
-          </p:nvPr>
-        </p:nvSpPr>
-        <p:spPr/>
-        <p:txBody>
-          <a:bodyPr/>
-          <a:lstStyle/>
-          <a:p>
-            <a:fld id="{A04CCCF5-5A85-4415-AA58-796941352A24}" type="datetime1">
-              <a:rPr lang="ca-ES" smtClean="0"/>
-              <a:t>22/1/2020</a:t>
-            </a:fld>
-            <a:endParaRPr lang="ca-ES"/>
-          </a:p>
-        </p:txBody>
-      </p:sp>
-      <p:sp>
-        <p:nvSpPr>
-          <p:cNvPr id="6" name="Footer Placeholder 5"/>
-          <p:cNvSpPr>
-            <a:spLocks noGrp="1"/>
-          </p:cNvSpPr>
-          <p:nvPr>
-            <p:ph type="ftr" sz="quarter" idx="11"/>
-          </p:nvPr>
-        </p:nvSpPr>
-        <p:spPr/>
-        <p:txBody>
-          <a:bodyPr/>
-          <a:lstStyle/>
-          <a:p>
-            <a:endParaRPr lang="ca-ES"/>
-          </a:p>
-        </p:txBody>
-      </p:sp>
-      <p:sp>
-        <p:nvSpPr>
-          <p:cNvPr id="7" name="Slide Number Placeholder 6"/>
-          <p:cNvSpPr>
-            <a:spLocks noGrp="1"/>
-          </p:cNvSpPr>
-          <p:nvPr>
-            <p:ph type="sldNum" sz="quarter" idx="12"/>
-          </p:nvPr>
-        </p:nvSpPr>
-        <p:spPr/>
-        <p:txBody>
-          <a:bodyPr/>
-          <a:lstStyle/>
-          <a:p>
-            <a:fld id="{4F4CC500-C254-4A01-A1E9-3631BD4DF40D}" type="slidenum">
-              <a:rPr lang="ca-ES" smtClean="0"/>
-              <a:t>‹#›</a:t>
-            </a:fld>
-            <a:endParaRPr lang="ca-ES" dirty="0"/>
-          </a:p>
-        </p:txBody>
-      </p:sp>
-    </p:spTree>
-    <p:extLst>
-      <p:ext uri="{BB962C8B-B14F-4D97-AF65-F5344CB8AC3E}">
-        <p14:creationId xmlns:p14="http://schemas.microsoft.com/office/powerpoint/2010/main" val="2331873485"/>
       </p:ext>
     </p:extLst>
   </p:cSld>
@@ -23427,7 +23527,7 @@
           <a:p>
             <a:fld id="{5ABAFB43-88C3-4E66-905C-AD8295BD58CE}" type="datetime1">
               <a:rPr lang="ca-ES" smtClean="0"/>
-              <a:t>22/1/2020</a:t>
+              <a:t>23/1/2020</a:t>
             </a:fld>
             <a:endParaRPr lang="ca-ES"/>
           </a:p>
@@ -23637,12 +23737,13 @@
     <p:sldLayoutId id="2147484035" r:id="rId3"/>
     <p:sldLayoutId id="2147484036" r:id="rId4"/>
     <p:sldLayoutId id="2147484037" r:id="rId5"/>
-    <p:sldLayoutId id="2147484038" r:id="rId6"/>
-    <p:sldLayoutId id="2147484039" r:id="rId7"/>
-    <p:sldLayoutId id="2147484040" r:id="rId8"/>
-    <p:sldLayoutId id="2147484041" r:id="rId9"/>
-    <p:sldLayoutId id="2147484042" r:id="rId10"/>
-    <p:sldLayoutId id="2147484043" r:id="rId11"/>
+    <p:sldLayoutId id="2147484044" r:id="rId6"/>
+    <p:sldLayoutId id="2147484038" r:id="rId7"/>
+    <p:sldLayoutId id="2147484039" r:id="rId8"/>
+    <p:sldLayoutId id="2147484040" r:id="rId9"/>
+    <p:sldLayoutId id="2147484041" r:id="rId10"/>
+    <p:sldLayoutId id="2147484042" r:id="rId11"/>
+    <p:sldLayoutId id="2147484043" r:id="rId12"/>
   </p:sldLayoutIdLst>
   <p:timing>
     <p:tnLst>
@@ -25005,28 +25106,28 @@
                 <a:gridCol w="1319667">
                   <a:extLst>
                     <a:ext uri="{9D8B030D-6E8A-4147-A177-3AD203B41FA5}">
-                      <a16:colId xmlns:a16="http://schemas.microsoft.com/office/drawing/2014/main" xmlns="" val="1577121605"/>
+                      <a16:colId xmlns="" xmlns:a16="http://schemas.microsoft.com/office/drawing/2014/main" val="1577121605"/>
                     </a:ext>
                   </a:extLst>
                 </a:gridCol>
                 <a:gridCol w="1804252">
                   <a:extLst>
                     <a:ext uri="{9D8B030D-6E8A-4147-A177-3AD203B41FA5}">
-                      <a16:colId xmlns:a16="http://schemas.microsoft.com/office/drawing/2014/main" xmlns="" val="3549258335"/>
+                      <a16:colId xmlns="" xmlns:a16="http://schemas.microsoft.com/office/drawing/2014/main" val="3549258335"/>
                     </a:ext>
                   </a:extLst>
                 </a:gridCol>
                 <a:gridCol w="2285442">
                   <a:extLst>
                     <a:ext uri="{9D8B030D-6E8A-4147-A177-3AD203B41FA5}">
-                      <a16:colId xmlns:a16="http://schemas.microsoft.com/office/drawing/2014/main" xmlns="" val="874317829"/>
+                      <a16:colId xmlns="" xmlns:a16="http://schemas.microsoft.com/office/drawing/2014/main" val="874317829"/>
                     </a:ext>
                   </a:extLst>
                 </a:gridCol>
                 <a:gridCol w="1799160">
                   <a:extLst>
                     <a:ext uri="{9D8B030D-6E8A-4147-A177-3AD203B41FA5}">
-                      <a16:colId xmlns:a16="http://schemas.microsoft.com/office/drawing/2014/main" xmlns="" val="777370248"/>
+                      <a16:colId xmlns="" xmlns:a16="http://schemas.microsoft.com/office/drawing/2014/main" val="777370248"/>
                     </a:ext>
                   </a:extLst>
                 </a:gridCol>
@@ -25158,7 +25259,7 @@
                 </a:tc>
                 <a:extLst>
                   <a:ext uri="{0D108BD9-81ED-4DB2-BD59-A6C34878D82A}">
-                    <a16:rowId xmlns:a16="http://schemas.microsoft.com/office/drawing/2014/main" xmlns="" val="2189281332"/>
+                    <a16:rowId xmlns="" xmlns:a16="http://schemas.microsoft.com/office/drawing/2014/main" val="2189281332"/>
                   </a:ext>
                 </a:extLst>
               </a:tr>
@@ -25325,7 +25426,7 @@
                 </a:tc>
                 <a:extLst>
                   <a:ext uri="{0D108BD9-81ED-4DB2-BD59-A6C34878D82A}">
-                    <a16:rowId xmlns:a16="http://schemas.microsoft.com/office/drawing/2014/main" xmlns="" val="3653743880"/>
+                    <a16:rowId xmlns="" xmlns:a16="http://schemas.microsoft.com/office/drawing/2014/main" val="3653743880"/>
                   </a:ext>
                 </a:extLst>
               </a:tr>
@@ -25527,7 +25628,7 @@
                 </a:tc>
                 <a:extLst>
                   <a:ext uri="{0D108BD9-81ED-4DB2-BD59-A6C34878D82A}">
-                    <a16:rowId xmlns:a16="http://schemas.microsoft.com/office/drawing/2014/main" xmlns="" val="3857991373"/>
+                    <a16:rowId xmlns="" xmlns:a16="http://schemas.microsoft.com/office/drawing/2014/main" val="3857991373"/>
                   </a:ext>
                 </a:extLst>
               </a:tr>
@@ -25699,7 +25800,7 @@
                 </a:tc>
                 <a:extLst>
                   <a:ext uri="{0D108BD9-81ED-4DB2-BD59-A6C34878D82A}">
-                    <a16:rowId xmlns:a16="http://schemas.microsoft.com/office/drawing/2014/main" xmlns="" val="2213796767"/>
+                    <a16:rowId xmlns="" xmlns:a16="http://schemas.microsoft.com/office/drawing/2014/main" val="2213796767"/>
                   </a:ext>
                 </a:extLst>
               </a:tr>
@@ -28176,7 +28277,7 @@
           <p:cNvPr id="4" name="Gráfico 3">
             <a:extLst>
               <a:ext uri="{FF2B5EF4-FFF2-40B4-BE49-F238E27FC236}">
-                <a16:creationId xmlns:a16="http://schemas.microsoft.com/office/drawing/2014/main" xmlns="" id="{C211C191-CAC5-43EA-BB6B-634EAA3EA4D7}"/>
+                <a16:creationId xmlns="" xmlns:a16="http://schemas.microsoft.com/office/drawing/2014/main" id="{C211C191-CAC5-43EA-BB6B-634EAA3EA4D7}"/>
               </a:ext>
             </a:extLst>
           </p:cNvPr>
@@ -28303,7 +28404,7 @@
           <a:p>
             <a:r>
               <a:rPr lang="es-ES" dirty="0" err="1" smtClean="0"/>
-              <a:t>Continguts</a:t>
+              <a:t>ContENIDO</a:t>
             </a:r>
             <a:endParaRPr lang="ca-ES" dirty="0"/>
           </a:p>
@@ -28342,14 +28443,12 @@
               <a:rPr lang="es-ES" dirty="0" smtClean="0"/>
               <a:t>Alcance</a:t>
             </a:r>
-            <a:endParaRPr lang="es-ES" dirty="0" smtClean="0"/>
           </a:p>
           <a:p>
             <a:r>
               <a:rPr lang="es-ES" dirty="0" smtClean="0"/>
               <a:t>Objetivos</a:t>
             </a:r>
-            <a:endParaRPr lang="es-ES" dirty="0" smtClean="0"/>
           </a:p>
           <a:p>
             <a:r>
@@ -28362,14 +28461,12 @@
               <a:rPr lang="es-ES" dirty="0" smtClean="0"/>
               <a:t>Solución</a:t>
             </a:r>
-            <a:endParaRPr lang="es-ES" dirty="0" smtClean="0"/>
           </a:p>
           <a:p>
             <a:r>
               <a:rPr lang="es-ES" dirty="0" smtClean="0"/>
               <a:t>Desarrollo</a:t>
             </a:r>
-            <a:endParaRPr lang="es-ES" dirty="0" smtClean="0"/>
           </a:p>
           <a:p>
             <a:r>
@@ -28396,7 +28493,6 @@
               <a:rPr lang="es-ES" dirty="0" smtClean="0"/>
               <a:t>Conclusiones</a:t>
             </a:r>
-            <a:endParaRPr lang="es-ES" dirty="0" smtClean="0"/>
           </a:p>
         </p:txBody>
       </p:sp>
@@ -28410,7 +28506,12 @@
             <p:ph type="sldNum" sz="quarter" idx="12"/>
           </p:nvPr>
         </p:nvSpPr>
-        <p:spPr/>
+        <p:spPr>
+          <a:xfrm>
+            <a:off x="10558297" y="5956137"/>
+            <a:ext cx="1052510" cy="365125"/>
+          </a:xfrm>
+        </p:spPr>
         <p:txBody>
           <a:bodyPr/>
           <a:lstStyle/>
@@ -28421,7 +28522,7 @@
               <a:t>2</a:t>
             </a:fld>
             <a:r>
-              <a:rPr lang="ca-ES" smtClean="0"/>
+              <a:rPr lang="ca-ES" dirty="0" smtClean="0"/>
               <a:t>/22</a:t>
             </a:r>
             <a:endParaRPr lang="ca-ES" dirty="0"/>
@@ -28813,118 +28914,26 @@
             <p:ph idx="1"/>
           </p:nvPr>
         </p:nvSpPr>
-        <p:spPr/>
+        <p:spPr>
+          <a:xfrm>
+            <a:off x="710973" y="1715956"/>
+            <a:ext cx="11029615" cy="3678303"/>
+          </a:xfrm>
+        </p:spPr>
         <p:txBody>
           <a:bodyPr/>
           <a:lstStyle/>
           <a:p>
             <a:r>
               <a:rPr lang="ca-ES" dirty="0" smtClean="0"/>
-              <a:t>Avaluació </a:t>
+              <a:t>Hasta ahora: Distribución encargo docente</a:t>
             </a:r>
-            <a:r>
-              <a:rPr lang="ca-ES" dirty="0" err="1" smtClean="0"/>
-              <a:t>neuropsicològica</a:t>
-            </a:r>
-            <a:r>
-              <a:rPr lang="ca-ES" dirty="0" smtClean="0"/>
-              <a:t> basada en tests</a:t>
-            </a:r>
+            <a:endParaRPr lang="ca-ES" dirty="0" smtClean="0"/>
           </a:p>
           <a:p>
             <a:r>
               <a:rPr lang="es-ES" dirty="0" smtClean="0"/>
-              <a:t>El </a:t>
-            </a:r>
-            <a:r>
-              <a:rPr lang="es-ES" dirty="0" err="1" smtClean="0"/>
-              <a:t>qüestionari</a:t>
-            </a:r>
-            <a:r>
-              <a:rPr lang="es-ES" dirty="0" smtClean="0"/>
-              <a:t> IPSAQ </a:t>
-            </a:r>
-            <a:r>
-              <a:rPr lang="es-ES" dirty="0" err="1" smtClean="0">
-                <a:sym typeface="Wingdings" panose="05000000000000000000" pitchFamily="2" charset="2"/>
-              </a:rPr>
-              <a:t>avalua</a:t>
-            </a:r>
-            <a:r>
-              <a:rPr lang="es-ES" dirty="0" smtClean="0">
-                <a:sym typeface="Wingdings" panose="05000000000000000000" pitchFamily="2" charset="2"/>
-              </a:rPr>
-              <a:t> el </a:t>
-            </a:r>
-            <a:r>
-              <a:rPr lang="es-ES" dirty="0">
-                <a:sym typeface="Wingdings" panose="05000000000000000000" pitchFamily="2" charset="2"/>
-              </a:rPr>
-              <a:t>p</a:t>
-            </a:r>
-            <a:r>
-              <a:rPr lang="es-ES" dirty="0" smtClean="0">
-                <a:sym typeface="Wingdings" panose="05000000000000000000" pitchFamily="2" charset="2"/>
-              </a:rPr>
-              <a:t>erfil </a:t>
-            </a:r>
-            <a:r>
-              <a:rPr lang="es-ES" dirty="0" err="1" smtClean="0">
-                <a:sym typeface="Wingdings" panose="05000000000000000000" pitchFamily="2" charset="2"/>
-              </a:rPr>
-              <a:t>atributiu</a:t>
-            </a:r>
-            <a:r>
-              <a:rPr lang="es-ES" dirty="0" smtClean="0">
-                <a:sym typeface="Wingdings" panose="05000000000000000000" pitchFamily="2" charset="2"/>
-              </a:rPr>
-              <a:t>.</a:t>
-            </a:r>
-          </a:p>
-          <a:p>
-            <a:endParaRPr lang="es-ES" dirty="0" smtClean="0">
-              <a:sym typeface="Wingdings" panose="05000000000000000000" pitchFamily="2" charset="2"/>
-            </a:endParaRPr>
-          </a:p>
-          <a:p>
-            <a:r>
-              <a:rPr lang="es-ES" dirty="0" err="1" smtClean="0">
-                <a:sym typeface="Wingdings" panose="05000000000000000000" pitchFamily="2" charset="2"/>
-              </a:rPr>
-              <a:t>Tipus</a:t>
-            </a:r>
-            <a:r>
-              <a:rPr lang="es-ES" dirty="0" smtClean="0">
-                <a:sym typeface="Wingdings" panose="05000000000000000000" pitchFamily="2" charset="2"/>
-              </a:rPr>
-              <a:t> </a:t>
-            </a:r>
-            <a:r>
-              <a:rPr lang="es-ES" dirty="0" err="1" smtClean="0">
-                <a:sym typeface="Wingdings" panose="05000000000000000000" pitchFamily="2" charset="2"/>
-              </a:rPr>
-              <a:t>d’atribucions</a:t>
-            </a:r>
-            <a:r>
-              <a:rPr lang="es-ES" dirty="0" smtClean="0">
-                <a:sym typeface="Wingdings" panose="05000000000000000000" pitchFamily="2" charset="2"/>
-              </a:rPr>
-              <a:t>:</a:t>
-            </a:r>
-          </a:p>
-          <a:p>
-            <a:pPr lvl="1"/>
-            <a:r>
-              <a:rPr lang="es-ES" dirty="0" smtClean="0">
-                <a:sym typeface="Wingdings" panose="05000000000000000000" pitchFamily="2" charset="2"/>
-              </a:rPr>
-              <a:t>Interna  Propi </a:t>
-            </a:r>
-            <a:r>
-              <a:rPr lang="es-ES" dirty="0" err="1" smtClean="0">
-                <a:sym typeface="Wingdings" panose="05000000000000000000" pitchFamily="2" charset="2"/>
-              </a:rPr>
-              <a:t>subjecte</a:t>
+              <a:t>Método:</a:t>
             </a:r>
             <a:endParaRPr lang="es-ES" dirty="0" smtClean="0">
               <a:sym typeface="Wingdings" panose="05000000000000000000" pitchFamily="2" charset="2"/>
@@ -28936,20 +28945,35 @@
               <a:rPr lang="es-ES" dirty="0" smtClean="0">
                 <a:sym typeface="Wingdings" panose="05000000000000000000" pitchFamily="2" charset="2"/>
               </a:rPr>
-              <a:t>Externa personal  </a:t>
-            </a:r>
-            <a:r>
-              <a:rPr lang="es-ES" dirty="0" err="1" smtClean="0">
-                <a:sym typeface="Wingdings" panose="05000000000000000000" pitchFamily="2" charset="2"/>
-              </a:rPr>
-              <a:t>Altres</a:t>
+              <a:t>Poco eficiente</a:t>
             </a:r>
             <a:r>
               <a:rPr lang="es-ES" dirty="0" smtClean="0">
                 <a:sym typeface="Wingdings" panose="05000000000000000000" pitchFamily="2" charset="2"/>
               </a:rPr>
-              <a:t> persones</a:t>
+              <a:t> </a:t>
             </a:r>
+            <a:r>
+              <a:rPr lang="es-ES" dirty="0" smtClean="0">
+                <a:sym typeface="Wingdings" panose="05000000000000000000" pitchFamily="2" charset="2"/>
+              </a:rPr>
+              <a:t> </a:t>
+            </a:r>
+            <a:r>
+              <a:rPr lang="es-ES" dirty="0" smtClean="0">
+                <a:sym typeface="Wingdings" panose="05000000000000000000" pitchFamily="2" charset="2"/>
+              </a:rPr>
+              <a:t>lento, profesore</a:t>
+            </a:r>
+            <a:r>
+              <a:rPr lang="es-ES" dirty="0" smtClean="0">
+                <a:sym typeface="Wingdings" panose="05000000000000000000" pitchFamily="2" charset="2"/>
+              </a:rPr>
+              <a:t>s no pueden ir viendo situación actual</a:t>
+            </a:r>
+            <a:endParaRPr lang="es-ES" dirty="0" smtClean="0">
+              <a:sym typeface="Wingdings" panose="05000000000000000000" pitchFamily="2" charset="2"/>
+            </a:endParaRPr>
           </a:p>
           <a:p>
             <a:pPr lvl="1"/>
@@ -28957,27 +28981,49 @@
               <a:rPr lang="es-ES" dirty="0" smtClean="0">
                 <a:sym typeface="Wingdings" panose="05000000000000000000" pitchFamily="2" charset="2"/>
               </a:rPr>
-              <a:t>Externa situacional  </a:t>
-            </a:r>
-            <a:r>
-              <a:rPr lang="es-ES" dirty="0" err="1" smtClean="0">
-                <a:sym typeface="Wingdings" panose="05000000000000000000" pitchFamily="2" charset="2"/>
-              </a:rPr>
-              <a:t>Circumstàncies</a:t>
+              <a:t>Gran c</a:t>
             </a:r>
             <a:r>
               <a:rPr lang="es-ES" dirty="0" smtClean="0">
                 <a:sym typeface="Wingdings" panose="05000000000000000000" pitchFamily="2" charset="2"/>
               </a:rPr>
-              <a:t>, </a:t>
+              <a:t>arga de trabajo para el responsable controlar que se rellene bien y enviarlo manualmente siguiendo el orden </a:t>
+            </a:r>
+          </a:p>
+          <a:p>
+            <a:pPr lvl="1"/>
+            <a:r>
+              <a:rPr lang="es-ES" dirty="0" smtClean="0">
+                <a:solidFill>
+                  <a:srgbClr val="FF0000"/>
+                </a:solidFill>
+                <a:sym typeface="Wingdings" panose="05000000000000000000" pitchFamily="2" charset="2"/>
+              </a:rPr>
+              <a:t>Externa </a:t>
             </a:r>
             <a:r>
-              <a:rPr lang="es-ES" dirty="0" err="1" smtClean="0">
+              <a:rPr lang="es-ES" dirty="0" smtClean="0">
+                <a:solidFill>
+                  <a:srgbClr val="FF0000"/>
+                </a:solidFill>
                 <a:sym typeface="Wingdings" panose="05000000000000000000" pitchFamily="2" charset="2"/>
               </a:rPr>
-              <a:t>atzar</a:t>
+              <a:t>situacional </a:t>
             </a:r>
-            <a:endParaRPr lang="ca-ES" dirty="0"/>
+            <a:r>
+              <a:rPr lang="es-ES" dirty="0" smtClean="0">
+                <a:solidFill>
+                  <a:srgbClr val="FF0000"/>
+                </a:solidFill>
+                <a:sym typeface="Wingdings" panose="05000000000000000000" pitchFamily="2" charset="2"/>
+              </a:rPr>
+              <a:t></a:t>
+            </a:r>
+            <a:endParaRPr lang="ca-ES" dirty="0">
+              <a:solidFill>
+                <a:srgbClr val="FF0000"/>
+              </a:solidFill>
+            </a:endParaRPr>
           </a:p>
         </p:txBody>
       </p:sp>
@@ -28989,7 +29035,7 @@
         </p:nvCxnSpPr>
         <p:spPr>
           <a:xfrm>
-            <a:off x="5055326" y="2843608"/>
+            <a:off x="5169530" y="2826857"/>
             <a:ext cx="404948" cy="0"/>
           </a:xfrm>
           <a:prstGeom prst="straightConnector1">
@@ -29022,8 +29068,8 @@
         </p:nvSpPr>
         <p:spPr>
           <a:xfrm flipH="1">
-            <a:off x="5681253" y="2658942"/>
-            <a:ext cx="829492" cy="369332"/>
+            <a:off x="5740167" y="2642191"/>
+            <a:ext cx="971226" cy="369332"/>
           </a:xfrm>
           <a:prstGeom prst="rect">
             <a:avLst/>
@@ -29043,12 +29089,12 @@
           <a:p>
             <a:pPr algn="ctr"/>
             <a:r>
-              <a:rPr lang="es-ES" dirty="0">
+              <a:rPr lang="es-ES" dirty="0" smtClean="0">
                 <a:solidFill>
                   <a:schemeClr val="tx2"/>
                 </a:solidFill>
               </a:rPr>
-              <a:t>IPSAQ</a:t>
+              <a:t>EXCEL</a:t>
             </a:r>
             <a:endParaRPr lang="ca-ES" dirty="0">
               <a:solidFill>
@@ -29058,488 +29104,6 @@
           </a:p>
         </p:txBody>
       </p:sp>
-      <p:pic>
-        <p:nvPicPr>
-          <p:cNvPr id="4098" name="Picture 2" descr="Resultado de imagen de person icon"/>
-          <p:cNvPicPr>
-            <a:picLocks noChangeAspect="1" noChangeArrowheads="1"/>
-          </p:cNvPicPr>
-          <p:nvPr/>
-        </p:nvPicPr>
-        <p:blipFill>
-          <a:blip r:embed="rId2">
-            <a:extLst>
-              <a:ext uri="{28A0092B-C50C-407E-A947-70E740481C1C}">
-                <a14:useLocalDpi xmlns:a14="http://schemas.microsoft.com/office/drawing/2010/main" val="0"/>
-              </a:ext>
-            </a:extLst>
-          </a:blip>
-          <a:srcRect/>
-          <a:stretch>
-            <a:fillRect/>
-          </a:stretch>
-        </p:blipFill>
-        <p:spPr bwMode="auto">
-          <a:xfrm>
-            <a:off x="5234938" y="3964069"/>
-            <a:ext cx="1074421" cy="1074421"/>
-          </a:xfrm>
-          <a:prstGeom prst="rect">
-            <a:avLst/>
-          </a:prstGeom>
-          <a:noFill/>
-          <a:extLst>
-            <a:ext uri="{909E8E84-426E-40DD-AFC4-6F175D3DCCD1}">
-              <a14:hiddenFill xmlns:a14="http://schemas.microsoft.com/office/drawing/2010/main">
-                <a:solidFill>
-                  <a:srgbClr val="FFFFFF"/>
-                </a:solidFill>
-              </a14:hiddenFill>
-            </a:ext>
-          </a:extLst>
-        </p:spPr>
-      </p:pic>
-      <p:sp>
-        <p:nvSpPr>
-          <p:cNvPr id="10" name="Flecha curvada hacia la izquierda 9"/>
-          <p:cNvSpPr/>
-          <p:nvPr/>
-        </p:nvSpPr>
-        <p:spPr>
-          <a:xfrm>
-            <a:off x="6191794" y="4276577"/>
-            <a:ext cx="418012" cy="431074"/>
-          </a:xfrm>
-          <a:prstGeom prst="curvedLeftArrow">
-            <a:avLst/>
-          </a:prstGeom>
-        </p:spPr>
-        <p:style>
-          <a:lnRef idx="2">
-            <a:schemeClr val="accent1">
-              <a:shade val="50000"/>
-            </a:schemeClr>
-          </a:lnRef>
-          <a:fillRef idx="1">
-            <a:schemeClr val="accent1"/>
-          </a:fillRef>
-          <a:effectRef idx="0">
-            <a:schemeClr val="accent1"/>
-          </a:effectRef>
-          <a:fontRef idx="minor">
-            <a:schemeClr val="lt1"/>
-          </a:fontRef>
-        </p:style>
-        <p:txBody>
-          <a:bodyPr rtlCol="0" anchor="ctr"/>
-          <a:lstStyle/>
-          <a:p>
-            <a:pPr algn="ctr"/>
-            <a:endParaRPr lang="ca-ES">
-              <a:solidFill>
-                <a:schemeClr val="tx1"/>
-              </a:solidFill>
-            </a:endParaRPr>
-          </a:p>
-        </p:txBody>
-      </p:sp>
-      <p:pic>
-        <p:nvPicPr>
-          <p:cNvPr id="12" name="Picture 2" descr="Resultado de imagen de person icon"/>
-          <p:cNvPicPr>
-            <a:picLocks noChangeAspect="1" noChangeArrowheads="1"/>
-          </p:cNvPicPr>
-          <p:nvPr/>
-        </p:nvPicPr>
-        <p:blipFill>
-          <a:blip r:embed="rId2">
-            <a:extLst>
-              <a:ext uri="{28A0092B-C50C-407E-A947-70E740481C1C}">
-                <a14:useLocalDpi xmlns:a14="http://schemas.microsoft.com/office/drawing/2010/main" val="0"/>
-              </a:ext>
-            </a:extLst>
-          </a:blip>
-          <a:srcRect/>
-          <a:stretch>
-            <a:fillRect/>
-          </a:stretch>
-        </p:blipFill>
-        <p:spPr bwMode="auto">
-          <a:xfrm>
-            <a:off x="6916533" y="3950371"/>
-            <a:ext cx="1074421" cy="1074421"/>
-          </a:xfrm>
-          <a:prstGeom prst="rect">
-            <a:avLst/>
-          </a:prstGeom>
-          <a:noFill/>
-          <a:extLst>
-            <a:ext uri="{909E8E84-426E-40DD-AFC4-6F175D3DCCD1}">
-              <a14:hiddenFill xmlns:a14="http://schemas.microsoft.com/office/drawing/2010/main">
-                <a:solidFill>
-                  <a:srgbClr val="FFFFFF"/>
-                </a:solidFill>
-              </a14:hiddenFill>
-            </a:ext>
-          </a:extLst>
-        </p:spPr>
-      </p:pic>
-      <p:sp>
-        <p:nvSpPr>
-          <p:cNvPr id="11" name="Flecha derecha 10"/>
-          <p:cNvSpPr/>
-          <p:nvPr/>
-        </p:nvSpPr>
-        <p:spPr>
-          <a:xfrm>
-            <a:off x="7908966" y="4334726"/>
-            <a:ext cx="352697" cy="215536"/>
-          </a:xfrm>
-          <a:prstGeom prst="rightArrow">
-            <a:avLst/>
-          </a:prstGeom>
-        </p:spPr>
-        <p:style>
-          <a:lnRef idx="2">
-            <a:schemeClr val="accent1">
-              <a:shade val="50000"/>
-            </a:schemeClr>
-          </a:lnRef>
-          <a:fillRef idx="1">
-            <a:schemeClr val="accent1"/>
-          </a:fillRef>
-          <a:effectRef idx="0">
-            <a:schemeClr val="accent1"/>
-          </a:effectRef>
-          <a:fontRef idx="minor">
-            <a:schemeClr val="lt1"/>
-          </a:fontRef>
-        </p:style>
-        <p:txBody>
-          <a:bodyPr rtlCol="0" anchor="ctr"/>
-          <a:lstStyle/>
-          <a:p>
-            <a:pPr algn="ctr"/>
-            <a:endParaRPr lang="ca-ES"/>
-          </a:p>
-        </p:txBody>
-      </p:sp>
-      <p:pic>
-        <p:nvPicPr>
-          <p:cNvPr id="14" name="Picture 2" descr="Resultado de imagen de person icon"/>
-          <p:cNvPicPr>
-            <a:picLocks noChangeAspect="1" noChangeArrowheads="1"/>
-          </p:cNvPicPr>
-          <p:nvPr/>
-        </p:nvPicPr>
-        <p:blipFill>
-          <a:blip r:embed="rId2">
-            <a:extLst>
-              <a:ext uri="{28A0092B-C50C-407E-A947-70E740481C1C}">
-                <a14:useLocalDpi xmlns:a14="http://schemas.microsoft.com/office/drawing/2010/main" val="0"/>
-              </a:ext>
-            </a:extLst>
-          </a:blip>
-          <a:srcRect/>
-          <a:stretch>
-            <a:fillRect/>
-          </a:stretch>
-        </p:blipFill>
-        <p:spPr bwMode="auto">
-          <a:xfrm>
-            <a:off x="9612651" y="3876883"/>
-            <a:ext cx="1074421" cy="1074421"/>
-          </a:xfrm>
-          <a:prstGeom prst="rect">
-            <a:avLst/>
-          </a:prstGeom>
-          <a:noFill/>
-          <a:extLst>
-            <a:ext uri="{909E8E84-426E-40DD-AFC4-6F175D3DCCD1}">
-              <a14:hiddenFill xmlns:a14="http://schemas.microsoft.com/office/drawing/2010/main">
-                <a:solidFill>
-                  <a:srgbClr val="FFFFFF"/>
-                </a:solidFill>
-              </a14:hiddenFill>
-            </a:ext>
-          </a:extLst>
-        </p:spPr>
-      </p:pic>
-      <p:pic>
-        <p:nvPicPr>
-          <p:cNvPr id="4102" name="Picture 6" descr="Resultado de imagen de person icon"/>
-          <p:cNvPicPr>
-            <a:picLocks noChangeAspect="1" noChangeArrowheads="1"/>
-          </p:cNvPicPr>
-          <p:nvPr/>
-        </p:nvPicPr>
-        <p:blipFill>
-          <a:blip r:embed="rId3" cstate="print">
-            <a:extLst>
-              <a:ext uri="{28A0092B-C50C-407E-A947-70E740481C1C}">
-                <a14:useLocalDpi xmlns:a14="http://schemas.microsoft.com/office/drawing/2010/main" val="0"/>
-              </a:ext>
-            </a:extLst>
-          </a:blip>
-          <a:srcRect/>
-          <a:stretch>
-            <a:fillRect/>
-          </a:stretch>
-        </p:blipFill>
-        <p:spPr bwMode="auto">
-          <a:xfrm>
-            <a:off x="8276861" y="3874904"/>
-            <a:ext cx="906554" cy="1076400"/>
-          </a:xfrm>
-          <a:prstGeom prst="rect">
-            <a:avLst/>
-          </a:prstGeom>
-          <a:noFill/>
-          <a:extLst>
-            <a:ext uri="{909E8E84-426E-40DD-AFC4-6F175D3DCCD1}">
-              <a14:hiddenFill xmlns:a14="http://schemas.microsoft.com/office/drawing/2010/main">
-                <a:solidFill>
-                  <a:srgbClr val="FFFFFF"/>
-                </a:solidFill>
-              </a14:hiddenFill>
-            </a:ext>
-          </a:extLst>
-        </p:spPr>
-      </p:pic>
-      <p:sp>
-        <p:nvSpPr>
-          <p:cNvPr id="13" name="Llamada de nube 12"/>
-          <p:cNvSpPr/>
-          <p:nvPr/>
-        </p:nvSpPr>
-        <p:spPr>
-          <a:xfrm>
-            <a:off x="10250462" y="3096206"/>
-            <a:ext cx="1136785" cy="902338"/>
-          </a:xfrm>
-          <a:prstGeom prst="cloudCallout">
-            <a:avLst/>
-          </a:prstGeom>
-          <a:noFill/>
-        </p:spPr>
-        <p:style>
-          <a:lnRef idx="2">
-            <a:schemeClr val="accent1">
-              <a:shade val="50000"/>
-            </a:schemeClr>
-          </a:lnRef>
-          <a:fillRef idx="1">
-            <a:schemeClr val="accent1"/>
-          </a:fillRef>
-          <a:effectRef idx="0">
-            <a:schemeClr val="accent1"/>
-          </a:effectRef>
-          <a:fontRef idx="minor">
-            <a:schemeClr val="lt1"/>
-          </a:fontRef>
-        </p:style>
-        <p:txBody>
-          <a:bodyPr rtlCol="0" anchor="ctr"/>
-          <a:lstStyle/>
-          <a:p>
-            <a:pPr algn="ctr"/>
-            <a:r>
-              <a:rPr lang="es-ES" dirty="0" smtClean="0">
-                <a:solidFill>
-                  <a:schemeClr val="tx1"/>
-                </a:solidFill>
-              </a:rPr>
-              <a:t>. . .</a:t>
-            </a:r>
-            <a:endParaRPr lang="ca-ES" dirty="0">
-              <a:solidFill>
-                <a:schemeClr val="tx1"/>
-              </a:solidFill>
-            </a:endParaRPr>
-          </a:p>
-        </p:txBody>
-      </p:sp>
-      <p:sp>
-        <p:nvSpPr>
-          <p:cNvPr id="17" name="CuadroTexto 16"/>
-          <p:cNvSpPr txBox="1"/>
-          <p:nvPr/>
-        </p:nvSpPr>
-        <p:spPr>
-          <a:xfrm>
-            <a:off x="5257800" y="5071193"/>
-            <a:ext cx="1352255" cy="584775"/>
-          </a:xfrm>
-          <a:prstGeom prst="rect">
-            <a:avLst/>
-          </a:prstGeom>
-          <a:noFill/>
-        </p:spPr>
-        <p:txBody>
-          <a:bodyPr wrap="square" rtlCol="0">
-            <a:spAutoFit/>
-          </a:bodyPr>
-          <a:lstStyle/>
-          <a:p>
-            <a:pPr algn="ctr"/>
-            <a:r>
-              <a:rPr lang="es-ES" sz="1600" dirty="0" err="1">
-                <a:solidFill>
-                  <a:schemeClr val="tx2"/>
-                </a:solidFill>
-              </a:rPr>
-              <a:t>Atribució</a:t>
-            </a:r>
-            <a:r>
-              <a:rPr lang="es-ES" sz="1600" dirty="0">
-                <a:solidFill>
-                  <a:schemeClr val="tx2"/>
-                </a:solidFill>
-              </a:rPr>
-              <a:t> interna</a:t>
-            </a:r>
-            <a:endParaRPr lang="ca-ES" sz="1600" dirty="0">
-              <a:solidFill>
-                <a:schemeClr val="tx2"/>
-              </a:solidFill>
-            </a:endParaRPr>
-          </a:p>
-        </p:txBody>
-      </p:sp>
-      <p:sp>
-        <p:nvSpPr>
-          <p:cNvPr id="24" name="CuadroTexto 23"/>
-          <p:cNvSpPr txBox="1"/>
-          <p:nvPr/>
-        </p:nvSpPr>
-        <p:spPr>
-          <a:xfrm>
-            <a:off x="7220478" y="5038490"/>
-            <a:ext cx="1729672" cy="584775"/>
-          </a:xfrm>
-          <a:prstGeom prst="rect">
-            <a:avLst/>
-          </a:prstGeom>
-          <a:noFill/>
-        </p:spPr>
-        <p:txBody>
-          <a:bodyPr wrap="square" rtlCol="0">
-            <a:spAutoFit/>
-          </a:bodyPr>
-          <a:lstStyle/>
-          <a:p>
-            <a:pPr algn="ctr"/>
-            <a:r>
-              <a:rPr lang="es-ES" sz="1600" dirty="0" err="1">
-                <a:solidFill>
-                  <a:schemeClr val="tx2"/>
-                </a:solidFill>
-              </a:rPr>
-              <a:t>Atribució</a:t>
-            </a:r>
-            <a:r>
-              <a:rPr lang="es-ES" sz="1600" dirty="0">
-                <a:solidFill>
-                  <a:schemeClr val="tx2"/>
-                </a:solidFill>
-              </a:rPr>
-              <a:t> </a:t>
-            </a:r>
-            <a:r>
-              <a:rPr lang="es-ES" sz="1600" dirty="0" smtClean="0">
-                <a:solidFill>
-                  <a:schemeClr val="tx2"/>
-                </a:solidFill>
-              </a:rPr>
-              <a:t>externa personal</a:t>
-            </a:r>
-            <a:endParaRPr lang="ca-ES" sz="1600" dirty="0">
-              <a:solidFill>
-                <a:schemeClr val="tx2"/>
-              </a:solidFill>
-            </a:endParaRPr>
-          </a:p>
-        </p:txBody>
-      </p:sp>
-      <p:sp>
-        <p:nvSpPr>
-          <p:cNvPr id="25" name="CuadroTexto 24"/>
-          <p:cNvSpPr txBox="1"/>
-          <p:nvPr/>
-        </p:nvSpPr>
-        <p:spPr>
-          <a:xfrm>
-            <a:off x="9722353" y="5020158"/>
-            <a:ext cx="1793584" cy="584775"/>
-          </a:xfrm>
-          <a:prstGeom prst="rect">
-            <a:avLst/>
-          </a:prstGeom>
-          <a:noFill/>
-        </p:spPr>
-        <p:txBody>
-          <a:bodyPr wrap="square" rtlCol="0">
-            <a:spAutoFit/>
-          </a:bodyPr>
-          <a:lstStyle/>
-          <a:p>
-            <a:pPr algn="ctr"/>
-            <a:r>
-              <a:rPr lang="es-ES" sz="1600" dirty="0" err="1">
-                <a:solidFill>
-                  <a:schemeClr val="tx2"/>
-                </a:solidFill>
-              </a:rPr>
-              <a:t>Atribució</a:t>
-            </a:r>
-            <a:r>
-              <a:rPr lang="es-ES" sz="1600" dirty="0">
-                <a:solidFill>
-                  <a:schemeClr val="tx2"/>
-                </a:solidFill>
-              </a:rPr>
-              <a:t> </a:t>
-            </a:r>
-            <a:r>
-              <a:rPr lang="es-ES" sz="1600" dirty="0" smtClean="0">
-                <a:solidFill>
-                  <a:schemeClr val="tx2"/>
-                </a:solidFill>
-              </a:rPr>
-              <a:t>externa situacional</a:t>
-            </a:r>
-            <a:endParaRPr lang="ca-ES" sz="1600" dirty="0">
-              <a:solidFill>
-                <a:schemeClr val="tx2"/>
-              </a:solidFill>
-            </a:endParaRPr>
-          </a:p>
-        </p:txBody>
-      </p:sp>
-      <p:pic>
-        <p:nvPicPr>
-          <p:cNvPr id="4" name="Imagen 3"/>
-          <p:cNvPicPr>
-            <a:picLocks noChangeAspect="1"/>
-          </p:cNvPicPr>
-          <p:nvPr/>
-        </p:nvPicPr>
-        <p:blipFill>
-          <a:blip r:embed="rId4"/>
-          <a:stretch>
-            <a:fillRect/>
-          </a:stretch>
-        </p:blipFill>
-        <p:spPr>
-          <a:xfrm>
-            <a:off x="801844" y="3491412"/>
-            <a:ext cx="6407970" cy="401125"/>
-          </a:xfrm>
-          <a:prstGeom prst="rect">
-            <a:avLst/>
-          </a:prstGeom>
-        </p:spPr>
-      </p:pic>
       <p:sp>
         <p:nvSpPr>
           <p:cNvPr id="5" name="Marcador de número de diapositiva 4"/>
@@ -29568,6 +29132,60 @@
           </a:p>
         </p:txBody>
       </p:sp>
+      <p:pic>
+        <p:nvPicPr>
+          <p:cNvPr id="1026" name="Picture 1"/>
+          <p:cNvPicPr>
+            <a:picLocks noChangeAspect="1" noChangeArrowheads="1"/>
+          </p:cNvPicPr>
+          <p:nvPr/>
+        </p:nvPicPr>
+        <p:blipFill>
+          <a:blip r:embed="rId2">
+            <a:extLst>
+              <a:ext uri="{28A0092B-C50C-407E-A947-70E740481C1C}">
+                <a14:useLocalDpi xmlns:a14="http://schemas.microsoft.com/office/drawing/2010/main" val="0"/>
+              </a:ext>
+            </a:extLst>
+          </a:blip>
+          <a:srcRect/>
+          <a:stretch>
+            <a:fillRect/>
+          </a:stretch>
+        </p:blipFill>
+        <p:spPr bwMode="auto">
+          <a:xfrm>
+            <a:off x="5169227" y="4482685"/>
+            <a:ext cx="5915025" cy="2022475"/>
+          </a:xfrm>
+          <a:prstGeom prst="rect">
+            <a:avLst/>
+          </a:prstGeom>
+          <a:noFill/>
+          <a:ln>
+            <a:noFill/>
+          </a:ln>
+          <a:extLst>
+            <a:ext uri="{909E8E84-426E-40DD-AFC4-6F175D3DCCD1}">
+              <a14:hiddenFill xmlns:a14="http://schemas.microsoft.com/office/drawing/2010/main">
+                <a:solidFill>
+                  <a:srgbClr val="FFFFFF"/>
+                </a:solidFill>
+              </a14:hiddenFill>
+            </a:ext>
+            <a:ext uri="{91240B29-F687-4F45-9708-019B960494DF}">
+              <a14:hiddenLine xmlns:a14="http://schemas.microsoft.com/office/drawing/2010/main" w="9525">
+                <a:solidFill>
+                  <a:srgbClr val="000000"/>
+                </a:solidFill>
+                <a:miter lim="800000"/>
+                <a:headEnd/>
+                <a:tailEnd/>
+              </a14:hiddenLine>
+            </a:ext>
+          </a:extLst>
+        </p:spPr>
+      </p:pic>
     </p:spTree>
     <p:extLst>
       <p:ext uri="{BB962C8B-B14F-4D97-AF65-F5344CB8AC3E}">
@@ -29643,33 +29261,48 @@
             <p:ph idx="1"/>
           </p:nvPr>
         </p:nvSpPr>
-        <p:spPr/>
+        <p:spPr>
+          <a:xfrm>
+            <a:off x="581193" y="2399953"/>
+            <a:ext cx="11029617" cy="2958432"/>
+          </a:xfrm>
+        </p:spPr>
         <p:txBody>
-          <a:bodyPr/>
+          <a:bodyPr numCol="2"/>
           <a:lstStyle/>
           <a:p>
             <a:r>
-              <a:rPr lang="es-ES" dirty="0" smtClean="0"/>
-              <a:t>32 preguntes</a:t>
+              <a:rPr lang="es-ES" dirty="0"/>
+              <a:t>Cada asignatura: créditos ECTS asignados</a:t>
+            </a:r>
+            <a:endParaRPr lang="ca-ES" dirty="0"/>
+          </a:p>
+          <a:p>
+            <a:pPr lvl="1"/>
+            <a:r>
+              <a:rPr lang="ca-ES" dirty="0"/>
+              <a:t>Grado: </a:t>
             </a:r>
           </a:p>
           <a:p>
             <a:pPr lvl="1"/>
             <a:r>
+              <a:rPr lang="ca-ES" dirty="0"/>
+              <a:t>Máster:</a:t>
+            </a:r>
+          </a:p>
+          <a:p>
+            <a:r>
               <a:rPr lang="es-ES" dirty="0" smtClean="0"/>
-              <a:t>16 </a:t>
+              <a:t>Cada profesor: </a:t>
             </a:r>
             <a:r>
               <a:rPr lang="es-ES" dirty="0" err="1" smtClean="0"/>
-              <a:t>esdeveniments</a:t>
+              <a:t>PADs</a:t>
             </a:r>
             <a:r>
               <a:rPr lang="es-ES" dirty="0" smtClean="0"/>
-              <a:t> </a:t>
-            </a:r>
-            <a:r>
-              <a:rPr lang="es-ES" dirty="0" err="1" smtClean="0"/>
-              <a:t>positius</a:t>
+              <a:t> contratados</a:t>
             </a:r>
             <a:endParaRPr lang="es-ES" dirty="0" smtClean="0"/>
           </a:p>
@@ -29677,122 +29310,33 @@
             <a:pPr lvl="1"/>
             <a:r>
               <a:rPr lang="es-ES" dirty="0" smtClean="0"/>
-              <a:t>16 </a:t>
+              <a:t>3 PAD = 1 crédito ECTS</a:t>
             </a:r>
-            <a:r>
-              <a:rPr lang="es-ES" dirty="0" err="1" smtClean="0"/>
-              <a:t>esdeveniments</a:t>
-            </a:r>
-            <a:r>
-              <a:rPr lang="es-ES" dirty="0" smtClean="0"/>
-              <a:t> </a:t>
-            </a:r>
-            <a:r>
-              <a:rPr lang="es-ES" dirty="0" err="1" smtClean="0"/>
-              <a:t>negatius</a:t>
-            </a:r>
+          </a:p>
+          <a:p>
+            <a:pPr lvl="1"/>
             <a:endParaRPr lang="es-ES" dirty="0"/>
           </a:p>
           <a:p>
+            <a:pPr lvl="1"/>
+            <a:endParaRPr lang="es-ES" dirty="0" smtClean="0"/>
+          </a:p>
+          <a:p>
+            <a:pPr lvl="1"/>
             <a:r>
               <a:rPr lang="es-ES" dirty="0"/>
-              <a:t>3 </a:t>
-            </a:r>
-            <a:r>
-              <a:rPr lang="es-ES" dirty="0" err="1"/>
-              <a:t>perfils</a:t>
-            </a:r>
-            <a:r>
-              <a:rPr lang="es-ES" dirty="0"/>
-              <a:t> </a:t>
-            </a:r>
-            <a:r>
-              <a:rPr lang="es-ES" dirty="0" err="1"/>
-              <a:t>atributius</a:t>
-            </a:r>
-            <a:r>
-              <a:rPr lang="es-ES" dirty="0"/>
-              <a:t>:</a:t>
+              <a:t>Útil conocimientos previos programación</a:t>
             </a:r>
             <a:endParaRPr lang="ca-ES" dirty="0"/>
           </a:p>
           <a:p>
-            <a:pPr lvl="1"/>
-            <a:r>
-              <a:rPr lang="ca-ES" dirty="0"/>
-              <a:t>Atribuïdor intern: m</a:t>
-            </a:r>
-            <a:r>
-              <a:rPr lang="ca-ES" dirty="0" smtClean="0"/>
-              <a:t>al </a:t>
-            </a:r>
-            <a:r>
-              <a:rPr lang="ca-ES" dirty="0"/>
-              <a:t>humor, depressió</a:t>
-            </a:r>
-          </a:p>
-          <a:p>
-            <a:pPr lvl="1"/>
-            <a:r>
-              <a:rPr lang="ca-ES" dirty="0"/>
-              <a:t>Atribuïdor personal: i</a:t>
-            </a:r>
-            <a:r>
-              <a:rPr lang="ca-ES" dirty="0" smtClean="0"/>
-              <a:t>deacions </a:t>
-            </a:r>
-            <a:r>
-              <a:rPr lang="ca-ES" dirty="0"/>
-              <a:t>paranoiques</a:t>
-            </a:r>
-          </a:p>
-          <a:p>
-            <a:pPr lvl="1"/>
-            <a:r>
-              <a:rPr lang="ca-ES" dirty="0" smtClean="0"/>
-              <a:t>Atribuïdor </a:t>
-            </a:r>
-            <a:r>
-              <a:rPr lang="ca-ES" dirty="0" err="1" smtClean="0"/>
-              <a:t>situacional</a:t>
-            </a:r>
-            <a:r>
-              <a:rPr lang="ca-ES" dirty="0" smtClean="0"/>
-              <a:t>: psicològicament benigne</a:t>
-            </a:r>
-            <a:endParaRPr lang="ca-ES" dirty="0"/>
+            <a:pPr marL="324000" lvl="1" indent="0">
+              <a:buNone/>
+            </a:pPr>
+            <a:endParaRPr lang="es-ES" dirty="0"/>
           </a:p>
         </p:txBody>
       </p:sp>
-      <p:pic>
-        <p:nvPicPr>
-          <p:cNvPr id="4" name="Imagen 3"/>
-          <p:cNvPicPr>
-            <a:picLocks noChangeAspect="1"/>
-          </p:cNvPicPr>
-          <p:nvPr/>
-        </p:nvPicPr>
-        <p:blipFill>
-          <a:blip r:embed="rId2"/>
-          <a:stretch>
-            <a:fillRect/>
-          </a:stretch>
-        </p:blipFill>
-        <p:spPr>
-          <a:xfrm>
-            <a:off x="5843703" y="2562982"/>
-            <a:ext cx="5406470" cy="2730449"/>
-          </a:xfrm>
-          <a:prstGeom prst="rect">
-            <a:avLst/>
-          </a:prstGeom>
-          <a:ln w="28575">
-            <a:solidFill>
-              <a:schemeClr val="tx1"/>
-            </a:solidFill>
-          </a:ln>
-        </p:spPr>
-      </p:pic>
       <p:sp>
         <p:nvSpPr>
           <p:cNvPr id="5" name="Marcador de número de diapositiva 4"/>
@@ -29874,12 +29418,8 @@
           <a:lstStyle/>
           <a:p>
             <a:r>
-              <a:rPr lang="es-ES" dirty="0" err="1" smtClean="0"/>
-              <a:t>Problem</a:t>
-            </a:r>
-            <a:r>
-              <a:rPr lang="ca-ES" dirty="0" err="1" smtClean="0"/>
-              <a:t>àticA</a:t>
+              <a:rPr lang="es-ES" dirty="0" smtClean="0"/>
+              <a:t>ALCANCE</a:t>
             </a:r>
             <a:endParaRPr lang="ca-ES" dirty="0"/>
           </a:p>
@@ -29959,119 +29499,6 @@
 </file>
 
 <file path=ppt/slides/slide6.xml><?xml version="1.0" encoding="utf-8"?>
-<p:sld xmlns:a="http://schemas.openxmlformats.org/drawingml/2006/main" xmlns:r="http://schemas.openxmlformats.org/officeDocument/2006/relationships" xmlns:p="http://schemas.openxmlformats.org/presentationml/2006/main">
-  <p:cSld>
-    <p:spTree>
-      <p:nvGrpSpPr>
-        <p:cNvPr id="1" name=""/>
-        <p:cNvGrpSpPr/>
-        <p:nvPr/>
-      </p:nvGrpSpPr>
-      <p:grpSpPr>
-        <a:xfrm>
-          <a:off x="0" y="0"/>
-          <a:ext cx="0" cy="0"/>
-          <a:chOff x="0" y="0"/>
-          <a:chExt cx="0" cy="0"/>
-        </a:xfrm>
-      </p:grpSpPr>
-      <p:sp>
-        <p:nvSpPr>
-          <p:cNvPr id="2" name="Título 1"/>
-          <p:cNvSpPr>
-            <a:spLocks noGrp="1"/>
-          </p:cNvSpPr>
-          <p:nvPr>
-            <p:ph type="title"/>
-          </p:nvPr>
-        </p:nvSpPr>
-        <p:spPr/>
-        <p:txBody>
-          <a:bodyPr/>
-          <a:lstStyle/>
-          <a:p>
-            <a:r>
-              <a:rPr lang="es-ES" dirty="0" smtClean="0"/>
-              <a:t>SOLUCIÓ</a:t>
-            </a:r>
-            <a:endParaRPr lang="ca-ES" dirty="0"/>
-          </a:p>
-        </p:txBody>
-      </p:sp>
-      <p:graphicFrame>
-        <p:nvGraphicFramePr>
-          <p:cNvPr id="5" name="Marcador de contenido 4"/>
-          <p:cNvGraphicFramePr>
-            <a:graphicFrameLocks noGrp="1"/>
-          </p:cNvGraphicFramePr>
-          <p:nvPr>
-            <p:ph idx="1"/>
-            <p:extLst>
-              <p:ext uri="{D42A27DB-BD31-4B8C-83A1-F6EECF244321}">
-                <p14:modId xmlns:p14="http://schemas.microsoft.com/office/powerpoint/2010/main" val="3411606542"/>
-              </p:ext>
-            </p:extLst>
-          </p:nvPr>
-        </p:nvGraphicFramePr>
-        <p:xfrm>
-          <a:off x="581025" y="2181225"/>
-          <a:ext cx="11029950" cy="3678238"/>
-        </p:xfrm>
-        <a:graphic>
-          <a:graphicData uri="http://schemas.openxmlformats.org/drawingml/2006/diagram">
-            <dgm:relIds xmlns:dgm="http://schemas.openxmlformats.org/drawingml/2006/diagram" xmlns:r="http://schemas.openxmlformats.org/officeDocument/2006/relationships" r:dm="rId2" r:lo="rId3" r:qs="rId4" r:cs="rId5"/>
-          </a:graphicData>
-        </a:graphic>
-      </p:graphicFrame>
-      <p:sp>
-        <p:nvSpPr>
-          <p:cNvPr id="3" name="Marcador de número de diapositiva 2"/>
-          <p:cNvSpPr>
-            <a:spLocks noGrp="1"/>
-          </p:cNvSpPr>
-          <p:nvPr>
-            <p:ph type="sldNum" sz="quarter" idx="12"/>
-          </p:nvPr>
-        </p:nvSpPr>
-        <p:spPr/>
-        <p:txBody>
-          <a:bodyPr/>
-          <a:lstStyle/>
-          <a:p>
-            <a:fld id="{4F4CC500-C254-4A01-A1E9-3631BD4DF40D}" type="slidenum">
-              <a:rPr lang="ca-ES" smtClean="0"/>
-              <a:pPr/>
-              <a:t>6</a:t>
-            </a:fld>
-            <a:r>
-              <a:rPr lang="ca-ES" smtClean="0"/>
-              <a:t>/22</a:t>
-            </a:r>
-            <a:endParaRPr lang="ca-ES" dirty="0"/>
-          </a:p>
-        </p:txBody>
-      </p:sp>
-    </p:spTree>
-    <p:extLst>
-      <p:ext uri="{BB962C8B-B14F-4D97-AF65-F5344CB8AC3E}">
-        <p14:creationId xmlns:p14="http://schemas.microsoft.com/office/powerpoint/2010/main" val="3238082567"/>
-      </p:ext>
-    </p:extLst>
-  </p:cSld>
-  <p:clrMapOvr>
-    <a:masterClrMapping/>
-  </p:clrMapOvr>
-  <p:timing>
-    <p:tnLst>
-      <p:par>
-        <p:cTn id="1" dur="indefinite" restart="never" nodeType="tmRoot"/>
-      </p:par>
-    </p:tnLst>
-  </p:timing>
-</p:sld>
-</file>
-
-<file path=ppt/slides/slide7.xml><?xml version="1.0" encoding="utf-8"?>
 <p:sld xmlns:a="http://schemas.openxmlformats.org/drawingml/2006/main" xmlns:r="http://schemas.openxmlformats.org/officeDocument/2006/relationships" xmlns:p="http://schemas.openxmlformats.org/presentationml/2006/main">
   <p:cSld>
     <p:spTree>
@@ -30314,7 +29741,7 @@
             <a:fld id="{4F4CC500-C254-4A01-A1E9-3631BD4DF40D}" type="slidenum">
               <a:rPr lang="ca-ES" smtClean="0"/>
               <a:pPr/>
-              <a:t>7</a:t>
+              <a:t>6</a:t>
             </a:fld>
             <a:r>
               <a:rPr lang="ca-ES" smtClean="0"/>
@@ -30344,7 +29771,7 @@
 </p:sld>
 </file>
 
-<file path=ppt/slides/slide8.xml><?xml version="1.0" encoding="utf-8"?>
+<file path=ppt/slides/slide7.xml><?xml version="1.0" encoding="utf-8"?>
 <p:sld xmlns:a="http://schemas.openxmlformats.org/drawingml/2006/main" xmlns:r="http://schemas.openxmlformats.org/officeDocument/2006/relationships" xmlns:p="http://schemas.openxmlformats.org/presentationml/2006/main">
   <p:cSld>
     <p:spTree>
@@ -30378,7 +29805,7 @@
           <a:p>
             <a:r>
               <a:rPr lang="es-ES" dirty="0" smtClean="0"/>
-              <a:t>Arquitectura</a:t>
+              <a:t>ALTERNATIVAS</a:t>
             </a:r>
             <a:endParaRPr lang="ca-ES" dirty="0"/>
           </a:p>
@@ -30431,6 +29858,119 @@
             <a:fld id="{4F4CC500-C254-4A01-A1E9-3631BD4DF40D}" type="slidenum">
               <a:rPr lang="ca-ES" smtClean="0"/>
               <a:pPr/>
+              <a:t>7</a:t>
+            </a:fld>
+            <a:r>
+              <a:rPr lang="ca-ES" smtClean="0"/>
+              <a:t>/22</a:t>
+            </a:r>
+            <a:endParaRPr lang="ca-ES" dirty="0"/>
+          </a:p>
+        </p:txBody>
+      </p:sp>
+    </p:spTree>
+    <p:extLst>
+      <p:ext uri="{BB962C8B-B14F-4D97-AF65-F5344CB8AC3E}">
+        <p14:creationId xmlns:p14="http://schemas.microsoft.com/office/powerpoint/2010/main" val="80976682"/>
+      </p:ext>
+    </p:extLst>
+  </p:cSld>
+  <p:clrMapOvr>
+    <a:masterClrMapping/>
+  </p:clrMapOvr>
+  <p:timing>
+    <p:tnLst>
+      <p:par>
+        <p:cTn id="1" dur="indefinite" restart="never" nodeType="tmRoot"/>
+      </p:par>
+    </p:tnLst>
+  </p:timing>
+</p:sld>
+</file>
+
+<file path=ppt/slides/slide8.xml><?xml version="1.0" encoding="utf-8"?>
+<p:sld xmlns:a="http://schemas.openxmlformats.org/drawingml/2006/main" xmlns:r="http://schemas.openxmlformats.org/officeDocument/2006/relationships" xmlns:p="http://schemas.openxmlformats.org/presentationml/2006/main">
+  <p:cSld>
+    <p:spTree>
+      <p:nvGrpSpPr>
+        <p:cNvPr id="1" name=""/>
+        <p:cNvGrpSpPr/>
+        <p:nvPr/>
+      </p:nvGrpSpPr>
+      <p:grpSpPr>
+        <a:xfrm>
+          <a:off x="0" y="0"/>
+          <a:ext cx="0" cy="0"/>
+          <a:chOff x="0" y="0"/>
+          <a:chExt cx="0" cy="0"/>
+        </a:xfrm>
+      </p:grpSpPr>
+      <p:sp>
+        <p:nvSpPr>
+          <p:cNvPr id="2" name="Título 1"/>
+          <p:cNvSpPr>
+            <a:spLocks noGrp="1"/>
+          </p:cNvSpPr>
+          <p:nvPr>
+            <p:ph type="title"/>
+          </p:nvPr>
+        </p:nvSpPr>
+        <p:spPr/>
+        <p:txBody>
+          <a:bodyPr/>
+          <a:lstStyle/>
+          <a:p>
+            <a:r>
+              <a:rPr lang="es-ES" dirty="0" smtClean="0"/>
+              <a:t>SOLUCIÓN</a:t>
+            </a:r>
+            <a:endParaRPr lang="ca-ES" dirty="0"/>
+          </a:p>
+        </p:txBody>
+      </p:sp>
+      <p:graphicFrame>
+        <p:nvGraphicFramePr>
+          <p:cNvPr id="5" name="Marcador de contenido 4"/>
+          <p:cNvGraphicFramePr>
+            <a:graphicFrameLocks noGrp="1"/>
+          </p:cNvGraphicFramePr>
+          <p:nvPr>
+            <p:ph idx="1"/>
+            <p:extLst>
+              <p:ext uri="{D42A27DB-BD31-4B8C-83A1-F6EECF244321}">
+                <p14:modId xmlns:p14="http://schemas.microsoft.com/office/powerpoint/2010/main" val="3411606542"/>
+              </p:ext>
+            </p:extLst>
+          </p:nvPr>
+        </p:nvGraphicFramePr>
+        <p:xfrm>
+          <a:off x="581025" y="2181225"/>
+          <a:ext cx="11029950" cy="3678238"/>
+        </p:xfrm>
+        <a:graphic>
+          <a:graphicData uri="http://schemas.openxmlformats.org/drawingml/2006/diagram">
+            <dgm:relIds xmlns:dgm="http://schemas.openxmlformats.org/drawingml/2006/diagram" xmlns:r="http://schemas.openxmlformats.org/officeDocument/2006/relationships" r:dm="rId2" r:lo="rId3" r:qs="rId4" r:cs="rId5"/>
+          </a:graphicData>
+        </a:graphic>
+      </p:graphicFrame>
+      <p:sp>
+        <p:nvSpPr>
+          <p:cNvPr id="3" name="Marcador de número de diapositiva 2"/>
+          <p:cNvSpPr>
+            <a:spLocks noGrp="1"/>
+          </p:cNvSpPr>
+          <p:nvPr>
+            <p:ph type="sldNum" sz="quarter" idx="12"/>
+          </p:nvPr>
+        </p:nvSpPr>
+        <p:spPr/>
+        <p:txBody>
+          <a:bodyPr/>
+          <a:lstStyle/>
+          <a:p>
+            <a:fld id="{4F4CC500-C254-4A01-A1E9-3631BD4DF40D}" type="slidenum">
+              <a:rPr lang="ca-ES" smtClean="0"/>
+              <a:pPr/>
               <a:t>8</a:t>
             </a:fld>
             <a:r>
@@ -30444,7 +29984,7 @@
     </p:spTree>
     <p:extLst>
       <p:ext uri="{BB962C8B-B14F-4D97-AF65-F5344CB8AC3E}">
-        <p14:creationId xmlns:p14="http://schemas.microsoft.com/office/powerpoint/2010/main" val="80976682"/>
+        <p14:creationId xmlns:p14="http://schemas.microsoft.com/office/powerpoint/2010/main" val="3238082567"/>
       </p:ext>
     </p:extLst>
   </p:cSld>
@@ -30496,20 +30036,8 @@
           <a:lstStyle/>
           <a:p>
             <a:r>
-              <a:rPr lang="es-ES" dirty="0" err="1" smtClean="0"/>
-              <a:t>Requeriments</a:t>
-            </a:r>
-            <a:r>
               <a:rPr lang="es-ES" dirty="0" smtClean="0"/>
-              <a:t> </a:t>
-            </a:r>
-            <a:r>
-              <a:rPr lang="es-ES" dirty="0" err="1" smtClean="0"/>
-              <a:t>principals</a:t>
-            </a:r>
-            <a:r>
-              <a:rPr lang="es-ES" dirty="0" smtClean="0"/>
-              <a:t> del servidor</a:t>
+              <a:t>desarrollo</a:t>
             </a:r>
             <a:endParaRPr lang="ca-ES" dirty="0"/>
           </a:p>

--- a/tfg_presentacio.pptx
+++ b/tfg_presentacio.pptx
@@ -5,29 +5,31 @@
     <p:sldMasterId id="2147484032" r:id="rId1"/>
   </p:sldMasterIdLst>
   <p:notesMasterIdLst>
-    <p:notesMasterId r:id="rId22"/>
+    <p:notesMasterId r:id="rId24"/>
   </p:notesMasterIdLst>
   <p:sldIdLst>
     <p:sldId id="256" r:id="rId2"/>
     <p:sldId id="257" r:id="rId3"/>
     <p:sldId id="258" r:id="rId4"/>
     <p:sldId id="259" r:id="rId5"/>
-    <p:sldId id="262" r:id="rId6"/>
-    <p:sldId id="263" r:id="rId7"/>
+    <p:sldId id="263" r:id="rId6"/>
+    <p:sldId id="262" r:id="rId7"/>
     <p:sldId id="281" r:id="rId8"/>
     <p:sldId id="280" r:id="rId9"/>
-    <p:sldId id="264" r:id="rId10"/>
-    <p:sldId id="279" r:id="rId11"/>
-    <p:sldId id="278" r:id="rId12"/>
-    <p:sldId id="266" r:id="rId13"/>
-    <p:sldId id="267" r:id="rId14"/>
-    <p:sldId id="268" r:id="rId15"/>
-    <p:sldId id="287" r:id="rId16"/>
-    <p:sldId id="269" r:id="rId17"/>
-    <p:sldId id="270" r:id="rId18"/>
-    <p:sldId id="271" r:id="rId19"/>
-    <p:sldId id="274" r:id="rId20"/>
-    <p:sldId id="272" r:id="rId21"/>
+    <p:sldId id="288" r:id="rId10"/>
+    <p:sldId id="289" r:id="rId11"/>
+    <p:sldId id="264" r:id="rId12"/>
+    <p:sldId id="290" r:id="rId13"/>
+    <p:sldId id="278" r:id="rId14"/>
+    <p:sldId id="266" r:id="rId15"/>
+    <p:sldId id="267" r:id="rId16"/>
+    <p:sldId id="268" r:id="rId17"/>
+    <p:sldId id="287" r:id="rId18"/>
+    <p:sldId id="269" r:id="rId19"/>
+    <p:sldId id="270" r:id="rId20"/>
+    <p:sldId id="271" r:id="rId21"/>
+    <p:sldId id="274" r:id="rId22"/>
+    <p:sldId id="272" r:id="rId23"/>
   </p:sldIdLst>
   <p:sldSz cx="12192000" cy="6858000"/>
   <p:notesSz cx="6858000" cy="9144000"/>
@@ -394,11 +396,11 @@
           <c:showBubbleSize val="0"/>
         </c:dLbls>
         <c:gapWidth val="219"/>
-        <c:axId val="137717216"/>
-        <c:axId val="137718784"/>
+        <c:axId val="103760456"/>
+        <c:axId val="103761632"/>
       </c:barChart>
       <c:catAx>
-        <c:axId val="137717216"/>
+        <c:axId val="103760456"/>
         <c:scaling>
           <c:orientation val="minMax"/>
         </c:scaling>
@@ -441,7 +443,7 @@
             <a:endParaRPr lang="es-ES"/>
           </a:p>
         </c:txPr>
-        <c:crossAx val="137718784"/>
+        <c:crossAx val="103761632"/>
         <c:crosses val="autoZero"/>
         <c:auto val="1"/>
         <c:lblAlgn val="ctr"/>
@@ -449,7 +451,7 @@
         <c:noMultiLvlLbl val="0"/>
       </c:catAx>
       <c:valAx>
-        <c:axId val="137718784"/>
+        <c:axId val="103761632"/>
         <c:scaling>
           <c:orientation val="minMax"/>
         </c:scaling>
@@ -500,7 +502,7 @@
             <a:endParaRPr lang="es-ES"/>
           </a:p>
         </c:txPr>
-        <c:crossAx val="137717216"/>
+        <c:crossAx val="103760456"/>
         <c:crosses val="autoZero"/>
         <c:crossBetween val="between"/>
       </c:valAx>
@@ -1862,753 +1864,6 @@
 </file>
 
 <file path=ppt/diagrams/colors2.xml><?xml version="1.0" encoding="utf-8"?>
-<dgm:colorsDef xmlns:dgm="http://schemas.openxmlformats.org/drawingml/2006/diagram" xmlns:a="http://schemas.openxmlformats.org/drawingml/2006/main" uniqueId="urn:microsoft.com/office/officeart/2005/8/colors/accent1_2">
-  <dgm:title val=""/>
-  <dgm:desc val=""/>
-  <dgm:catLst>
-    <dgm:cat type="accent1" pri="11200"/>
-  </dgm:catLst>
-  <dgm:styleLbl name="node0">
-    <dgm:fillClrLst meth="repeat">
-      <a:schemeClr val="accent1"/>
-    </dgm:fillClrLst>
-    <dgm:linClrLst meth="repeat">
-      <a:schemeClr val="lt1"/>
-    </dgm:linClrLst>
-    <dgm:effectClrLst/>
-    <dgm:txLinClrLst/>
-    <dgm:txFillClrLst/>
-    <dgm:txEffectClrLst/>
-  </dgm:styleLbl>
-  <dgm:styleLbl name="alignNode1">
-    <dgm:fillClrLst meth="repeat">
-      <a:schemeClr val="accent1"/>
-    </dgm:fillClrLst>
-    <dgm:linClrLst meth="repeat">
-      <a:schemeClr val="accent1"/>
-    </dgm:linClrLst>
-    <dgm:effectClrLst/>
-    <dgm:txLinClrLst/>
-    <dgm:txFillClrLst/>
-    <dgm:txEffectClrLst/>
-  </dgm:styleLbl>
-  <dgm:styleLbl name="node1">
-    <dgm:fillClrLst meth="repeat">
-      <a:schemeClr val="accent1"/>
-    </dgm:fillClrLst>
-    <dgm:linClrLst meth="repeat">
-      <a:schemeClr val="lt1"/>
-    </dgm:linClrLst>
-    <dgm:effectClrLst/>
-    <dgm:txLinClrLst/>
-    <dgm:txFillClrLst/>
-    <dgm:txEffectClrLst/>
-  </dgm:styleLbl>
-  <dgm:styleLbl name="lnNode1">
-    <dgm:fillClrLst meth="repeat">
-      <a:schemeClr val="accent1"/>
-    </dgm:fillClrLst>
-    <dgm:linClrLst meth="repeat">
-      <a:schemeClr val="lt1"/>
-    </dgm:linClrLst>
-    <dgm:effectClrLst/>
-    <dgm:txLinClrLst/>
-    <dgm:txFillClrLst/>
-    <dgm:txEffectClrLst/>
-  </dgm:styleLbl>
-  <dgm:styleLbl name="vennNode1">
-    <dgm:fillClrLst meth="repeat">
-      <a:schemeClr val="accent1">
-        <a:alpha val="50000"/>
-      </a:schemeClr>
-    </dgm:fillClrLst>
-    <dgm:linClrLst meth="repeat">
-      <a:schemeClr val="lt1"/>
-    </dgm:linClrLst>
-    <dgm:effectClrLst/>
-    <dgm:txLinClrLst/>
-    <dgm:txFillClrLst/>
-    <dgm:txEffectClrLst/>
-  </dgm:styleLbl>
-  <dgm:styleLbl name="node2">
-    <dgm:fillClrLst meth="repeat">
-      <a:schemeClr val="accent1"/>
-    </dgm:fillClrLst>
-    <dgm:linClrLst meth="repeat">
-      <a:schemeClr val="lt1"/>
-    </dgm:linClrLst>
-    <dgm:effectClrLst/>
-    <dgm:txLinClrLst/>
-    <dgm:txFillClrLst/>
-    <dgm:txEffectClrLst/>
-  </dgm:styleLbl>
-  <dgm:styleLbl name="node3">
-    <dgm:fillClrLst meth="repeat">
-      <a:schemeClr val="accent1"/>
-    </dgm:fillClrLst>
-    <dgm:linClrLst meth="repeat">
-      <a:schemeClr val="lt1"/>
-    </dgm:linClrLst>
-    <dgm:effectClrLst/>
-    <dgm:txLinClrLst/>
-    <dgm:txFillClrLst/>
-    <dgm:txEffectClrLst/>
-  </dgm:styleLbl>
-  <dgm:styleLbl name="node4">
-    <dgm:fillClrLst meth="repeat">
-      <a:schemeClr val="accent1"/>
-    </dgm:fillClrLst>
-    <dgm:linClrLst meth="repeat">
-      <a:schemeClr val="lt1"/>
-    </dgm:linClrLst>
-    <dgm:effectClrLst/>
-    <dgm:txLinClrLst/>
-    <dgm:txFillClrLst/>
-    <dgm:txEffectClrLst/>
-  </dgm:styleLbl>
-  <dgm:styleLbl name="fgImgPlace1">
-    <dgm:fillClrLst meth="repeat">
-      <a:schemeClr val="accent1">
-        <a:tint val="50000"/>
-      </a:schemeClr>
-    </dgm:fillClrLst>
-    <dgm:linClrLst meth="repeat">
-      <a:schemeClr val="lt1"/>
-    </dgm:linClrLst>
-    <dgm:effectClrLst/>
-    <dgm:txLinClrLst/>
-    <dgm:txFillClrLst meth="repeat">
-      <a:schemeClr val="lt1"/>
-    </dgm:txFillClrLst>
-    <dgm:txEffectClrLst/>
-  </dgm:styleLbl>
-  <dgm:styleLbl name="alignImgPlace1">
-    <dgm:fillClrLst meth="repeat">
-      <a:schemeClr val="accent1">
-        <a:tint val="50000"/>
-      </a:schemeClr>
-    </dgm:fillClrLst>
-    <dgm:linClrLst meth="repeat">
-      <a:schemeClr val="lt1"/>
-    </dgm:linClrLst>
-    <dgm:effectClrLst/>
-    <dgm:txLinClrLst/>
-    <dgm:txFillClrLst meth="repeat">
-      <a:schemeClr val="lt1"/>
-    </dgm:txFillClrLst>
-    <dgm:txEffectClrLst/>
-  </dgm:styleLbl>
-  <dgm:styleLbl name="bgImgPlace1">
-    <dgm:fillClrLst meth="repeat">
-      <a:schemeClr val="accent1">
-        <a:tint val="50000"/>
-      </a:schemeClr>
-    </dgm:fillClrLst>
-    <dgm:linClrLst meth="repeat">
-      <a:schemeClr val="lt1"/>
-    </dgm:linClrLst>
-    <dgm:effectClrLst/>
-    <dgm:txLinClrLst/>
-    <dgm:txFillClrLst meth="repeat">
-      <a:schemeClr val="lt1"/>
-    </dgm:txFillClrLst>
-    <dgm:txEffectClrLst/>
-  </dgm:styleLbl>
-  <dgm:styleLbl name="sibTrans2D1">
-    <dgm:fillClrLst meth="repeat">
-      <a:schemeClr val="accent1">
-        <a:tint val="60000"/>
-      </a:schemeClr>
-    </dgm:fillClrLst>
-    <dgm:linClrLst meth="repeat">
-      <a:schemeClr val="accent1">
-        <a:tint val="60000"/>
-      </a:schemeClr>
-    </dgm:linClrLst>
-    <dgm:effectClrLst/>
-    <dgm:txLinClrLst/>
-    <dgm:txFillClrLst/>
-    <dgm:txEffectClrLst/>
-  </dgm:styleLbl>
-  <dgm:styleLbl name="fgSibTrans2D1">
-    <dgm:fillClrLst meth="repeat">
-      <a:schemeClr val="accent1">
-        <a:tint val="60000"/>
-      </a:schemeClr>
-    </dgm:fillClrLst>
-    <dgm:linClrLst meth="repeat">
-      <a:schemeClr val="accent1">
-        <a:tint val="60000"/>
-      </a:schemeClr>
-    </dgm:linClrLst>
-    <dgm:effectClrLst/>
-    <dgm:txLinClrLst/>
-    <dgm:txFillClrLst/>
-    <dgm:txEffectClrLst/>
-  </dgm:styleLbl>
-  <dgm:styleLbl name="bgSibTrans2D1">
-    <dgm:fillClrLst meth="repeat">
-      <a:schemeClr val="accent1">
-        <a:tint val="60000"/>
-      </a:schemeClr>
-    </dgm:fillClrLst>
-    <dgm:linClrLst meth="repeat">
-      <a:schemeClr val="accent1">
-        <a:tint val="60000"/>
-      </a:schemeClr>
-    </dgm:linClrLst>
-    <dgm:effectClrLst/>
-    <dgm:txLinClrLst/>
-    <dgm:txFillClrLst/>
-    <dgm:txEffectClrLst/>
-  </dgm:styleLbl>
-  <dgm:styleLbl name="sibTrans1D1">
-    <dgm:fillClrLst meth="repeat">
-      <a:schemeClr val="accent1"/>
-    </dgm:fillClrLst>
-    <dgm:linClrLst meth="repeat">
-      <a:schemeClr val="accent1"/>
-    </dgm:linClrLst>
-    <dgm:effectClrLst/>
-    <dgm:txLinClrLst/>
-    <dgm:txFillClrLst meth="repeat">
-      <a:schemeClr val="tx1"/>
-    </dgm:txFillClrLst>
-    <dgm:txEffectClrLst/>
-  </dgm:styleLbl>
-  <dgm:styleLbl name="callout">
-    <dgm:fillClrLst meth="repeat">
-      <a:schemeClr val="accent1"/>
-    </dgm:fillClrLst>
-    <dgm:linClrLst meth="repeat">
-      <a:schemeClr val="accent1">
-        <a:tint val="50000"/>
-      </a:schemeClr>
-    </dgm:linClrLst>
-    <dgm:effectClrLst/>
-    <dgm:txLinClrLst/>
-    <dgm:txFillClrLst meth="repeat">
-      <a:schemeClr val="tx1"/>
-    </dgm:txFillClrLst>
-    <dgm:txEffectClrLst/>
-  </dgm:styleLbl>
-  <dgm:styleLbl name="asst0">
-    <dgm:fillClrLst meth="repeat">
-      <a:schemeClr val="accent1"/>
-    </dgm:fillClrLst>
-    <dgm:linClrLst meth="repeat">
-      <a:schemeClr val="lt1"/>
-    </dgm:linClrLst>
-    <dgm:effectClrLst/>
-    <dgm:txLinClrLst/>
-    <dgm:txFillClrLst/>
-    <dgm:txEffectClrLst/>
-  </dgm:styleLbl>
-  <dgm:styleLbl name="asst1">
-    <dgm:fillClrLst meth="repeat">
-      <a:schemeClr val="accent1"/>
-    </dgm:fillClrLst>
-    <dgm:linClrLst meth="repeat">
-      <a:schemeClr val="lt1"/>
-    </dgm:linClrLst>
-    <dgm:effectClrLst/>
-    <dgm:txLinClrLst/>
-    <dgm:txFillClrLst/>
-    <dgm:txEffectClrLst/>
-  </dgm:styleLbl>
-  <dgm:styleLbl name="asst2">
-    <dgm:fillClrLst meth="repeat">
-      <a:schemeClr val="accent1"/>
-    </dgm:fillClrLst>
-    <dgm:linClrLst meth="repeat">
-      <a:schemeClr val="lt1"/>
-    </dgm:linClrLst>
-    <dgm:effectClrLst/>
-    <dgm:txLinClrLst/>
-    <dgm:txFillClrLst/>
-    <dgm:txEffectClrLst/>
-  </dgm:styleLbl>
-  <dgm:styleLbl name="asst3">
-    <dgm:fillClrLst meth="repeat">
-      <a:schemeClr val="accent1"/>
-    </dgm:fillClrLst>
-    <dgm:linClrLst meth="repeat">
-      <a:schemeClr val="lt1"/>
-    </dgm:linClrLst>
-    <dgm:effectClrLst/>
-    <dgm:txLinClrLst/>
-    <dgm:txFillClrLst/>
-    <dgm:txEffectClrLst/>
-  </dgm:styleLbl>
-  <dgm:styleLbl name="asst4">
-    <dgm:fillClrLst meth="repeat">
-      <a:schemeClr val="accent1"/>
-    </dgm:fillClrLst>
-    <dgm:linClrLst meth="repeat">
-      <a:schemeClr val="lt1"/>
-    </dgm:linClrLst>
-    <dgm:effectClrLst/>
-    <dgm:txLinClrLst/>
-    <dgm:txFillClrLst/>
-    <dgm:txEffectClrLst/>
-  </dgm:styleLbl>
-  <dgm:styleLbl name="parChTrans2D1">
-    <dgm:fillClrLst meth="repeat">
-      <a:schemeClr val="accent1">
-        <a:tint val="60000"/>
-      </a:schemeClr>
-    </dgm:fillClrLst>
-    <dgm:linClrLst meth="repeat">
-      <a:schemeClr val="accent1">
-        <a:tint val="60000"/>
-      </a:schemeClr>
-    </dgm:linClrLst>
-    <dgm:effectClrLst/>
-    <dgm:txLinClrLst/>
-    <dgm:txFillClrLst meth="repeat">
-      <a:schemeClr val="lt1"/>
-    </dgm:txFillClrLst>
-    <dgm:txEffectClrLst/>
-  </dgm:styleLbl>
-  <dgm:styleLbl name="parChTrans2D2">
-    <dgm:fillClrLst meth="repeat">
-      <a:schemeClr val="accent1"/>
-    </dgm:fillClrLst>
-    <dgm:linClrLst meth="repeat">
-      <a:schemeClr val="accent1"/>
-    </dgm:linClrLst>
-    <dgm:effectClrLst/>
-    <dgm:txLinClrLst/>
-    <dgm:txFillClrLst meth="repeat">
-      <a:schemeClr val="lt1"/>
-    </dgm:txFillClrLst>
-    <dgm:txEffectClrLst/>
-  </dgm:styleLbl>
-  <dgm:styleLbl name="parChTrans2D3">
-    <dgm:fillClrLst meth="repeat">
-      <a:schemeClr val="accent1"/>
-    </dgm:fillClrLst>
-    <dgm:linClrLst meth="repeat">
-      <a:schemeClr val="accent1"/>
-    </dgm:linClrLst>
-    <dgm:effectClrLst/>
-    <dgm:txLinClrLst/>
-    <dgm:txFillClrLst meth="repeat">
-      <a:schemeClr val="lt1"/>
-    </dgm:txFillClrLst>
-    <dgm:txEffectClrLst/>
-  </dgm:styleLbl>
-  <dgm:styleLbl name="parChTrans2D4">
-    <dgm:fillClrLst meth="repeat">
-      <a:schemeClr val="accent1"/>
-    </dgm:fillClrLst>
-    <dgm:linClrLst meth="repeat">
-      <a:schemeClr val="accent1"/>
-    </dgm:linClrLst>
-    <dgm:effectClrLst/>
-    <dgm:txLinClrLst/>
-    <dgm:txFillClrLst meth="repeat">
-      <a:schemeClr val="lt1"/>
-    </dgm:txFillClrLst>
-    <dgm:txEffectClrLst/>
-  </dgm:styleLbl>
-  <dgm:styleLbl name="parChTrans1D1">
-    <dgm:fillClrLst meth="repeat">
-      <a:schemeClr val="accent1"/>
-    </dgm:fillClrLst>
-    <dgm:linClrLst meth="repeat">
-      <a:schemeClr val="accent1">
-        <a:shade val="60000"/>
-      </a:schemeClr>
-    </dgm:linClrLst>
-    <dgm:effectClrLst/>
-    <dgm:txLinClrLst/>
-    <dgm:txFillClrLst meth="repeat">
-      <a:schemeClr val="tx1"/>
-    </dgm:txFillClrLst>
-    <dgm:txEffectClrLst/>
-  </dgm:styleLbl>
-  <dgm:styleLbl name="parChTrans1D2">
-    <dgm:fillClrLst meth="repeat">
-      <a:schemeClr val="accent1"/>
-    </dgm:fillClrLst>
-    <dgm:linClrLst meth="repeat">
-      <a:schemeClr val="accent1">
-        <a:shade val="60000"/>
-      </a:schemeClr>
-    </dgm:linClrLst>
-    <dgm:effectClrLst/>
-    <dgm:txLinClrLst/>
-    <dgm:txFillClrLst meth="repeat">
-      <a:schemeClr val="tx1"/>
-    </dgm:txFillClrLst>
-    <dgm:txEffectClrLst/>
-  </dgm:styleLbl>
-  <dgm:styleLbl name="parChTrans1D3">
-    <dgm:fillClrLst meth="repeat">
-      <a:schemeClr val="accent1"/>
-    </dgm:fillClrLst>
-    <dgm:linClrLst meth="repeat">
-      <a:schemeClr val="accent1">
-        <a:shade val="80000"/>
-      </a:schemeClr>
-    </dgm:linClrLst>
-    <dgm:effectClrLst/>
-    <dgm:txLinClrLst/>
-    <dgm:txFillClrLst meth="repeat">
-      <a:schemeClr val="tx1"/>
-    </dgm:txFillClrLst>
-    <dgm:txEffectClrLst/>
-  </dgm:styleLbl>
-  <dgm:styleLbl name="parChTrans1D4">
-    <dgm:fillClrLst meth="repeat">
-      <a:schemeClr val="accent1"/>
-    </dgm:fillClrLst>
-    <dgm:linClrLst meth="repeat">
-      <a:schemeClr val="accent1">
-        <a:shade val="80000"/>
-      </a:schemeClr>
-    </dgm:linClrLst>
-    <dgm:effectClrLst/>
-    <dgm:txLinClrLst/>
-    <dgm:txFillClrLst meth="repeat">
-      <a:schemeClr val="tx1"/>
-    </dgm:txFillClrLst>
-    <dgm:txEffectClrLst/>
-  </dgm:styleLbl>
-  <dgm:styleLbl name="fgAcc1">
-    <dgm:fillClrLst meth="repeat">
-      <a:schemeClr val="lt1">
-        <a:alpha val="90000"/>
-      </a:schemeClr>
-    </dgm:fillClrLst>
-    <dgm:linClrLst meth="repeat">
-      <a:schemeClr val="accent1"/>
-    </dgm:linClrLst>
-    <dgm:effectClrLst/>
-    <dgm:txLinClrLst/>
-    <dgm:txFillClrLst meth="repeat">
-      <a:schemeClr val="dk1"/>
-    </dgm:txFillClrLst>
-    <dgm:txEffectClrLst/>
-  </dgm:styleLbl>
-  <dgm:styleLbl name="conFgAcc1">
-    <dgm:fillClrLst meth="repeat">
-      <a:schemeClr val="lt1">
-        <a:alpha val="90000"/>
-      </a:schemeClr>
-    </dgm:fillClrLst>
-    <dgm:linClrLst meth="repeat">
-      <a:schemeClr val="accent1"/>
-    </dgm:linClrLst>
-    <dgm:effectClrLst/>
-    <dgm:txLinClrLst/>
-    <dgm:txFillClrLst meth="repeat">
-      <a:schemeClr val="dk1"/>
-    </dgm:txFillClrLst>
-    <dgm:txEffectClrLst/>
-  </dgm:styleLbl>
-  <dgm:styleLbl name="alignAcc1">
-    <dgm:fillClrLst meth="repeat">
-      <a:schemeClr val="lt1">
-        <a:alpha val="90000"/>
-      </a:schemeClr>
-    </dgm:fillClrLst>
-    <dgm:linClrLst meth="repeat">
-      <a:schemeClr val="accent1"/>
-    </dgm:linClrLst>
-    <dgm:effectClrLst/>
-    <dgm:txLinClrLst/>
-    <dgm:txFillClrLst meth="repeat">
-      <a:schemeClr val="dk1"/>
-    </dgm:txFillClrLst>
-    <dgm:txEffectClrLst/>
-  </dgm:styleLbl>
-  <dgm:styleLbl name="trAlignAcc1">
-    <dgm:fillClrLst meth="repeat">
-      <a:schemeClr val="lt1">
-        <a:alpha val="40000"/>
-      </a:schemeClr>
-    </dgm:fillClrLst>
-    <dgm:linClrLst meth="repeat">
-      <a:schemeClr val="accent1"/>
-    </dgm:linClrLst>
-    <dgm:effectClrLst/>
-    <dgm:txLinClrLst/>
-    <dgm:txFillClrLst meth="repeat">
-      <a:schemeClr val="dk1"/>
-    </dgm:txFillClrLst>
-    <dgm:txEffectClrLst/>
-  </dgm:styleLbl>
-  <dgm:styleLbl name="bgAcc1">
-    <dgm:fillClrLst meth="repeat">
-      <a:schemeClr val="lt1">
-        <a:alpha val="90000"/>
-      </a:schemeClr>
-    </dgm:fillClrLst>
-    <dgm:linClrLst meth="repeat">
-      <a:schemeClr val="accent1"/>
-    </dgm:linClrLst>
-    <dgm:effectClrLst/>
-    <dgm:txLinClrLst/>
-    <dgm:txFillClrLst meth="repeat">
-      <a:schemeClr val="dk1"/>
-    </dgm:txFillClrLst>
-    <dgm:txEffectClrLst/>
-  </dgm:styleLbl>
-  <dgm:styleLbl name="solidFgAcc1">
-    <dgm:fillClrLst meth="repeat">
-      <a:schemeClr val="lt1"/>
-    </dgm:fillClrLst>
-    <dgm:linClrLst meth="repeat">
-      <a:schemeClr val="accent1"/>
-    </dgm:linClrLst>
-    <dgm:effectClrLst/>
-    <dgm:txLinClrLst/>
-    <dgm:txFillClrLst meth="repeat">
-      <a:schemeClr val="dk1"/>
-    </dgm:txFillClrLst>
-    <dgm:txEffectClrLst/>
-  </dgm:styleLbl>
-  <dgm:styleLbl name="solidAlignAcc1">
-    <dgm:fillClrLst meth="repeat">
-      <a:schemeClr val="lt1"/>
-    </dgm:fillClrLst>
-    <dgm:linClrLst meth="repeat">
-      <a:schemeClr val="accent1"/>
-    </dgm:linClrLst>
-    <dgm:effectClrLst/>
-    <dgm:txLinClrLst/>
-    <dgm:txFillClrLst meth="repeat">
-      <a:schemeClr val="dk1"/>
-    </dgm:txFillClrLst>
-    <dgm:txEffectClrLst/>
-  </dgm:styleLbl>
-  <dgm:styleLbl name="solidBgAcc1">
-    <dgm:fillClrLst meth="repeat">
-      <a:schemeClr val="lt1"/>
-    </dgm:fillClrLst>
-    <dgm:linClrLst meth="repeat">
-      <a:schemeClr val="accent1"/>
-    </dgm:linClrLst>
-    <dgm:effectClrLst/>
-    <dgm:txLinClrLst/>
-    <dgm:txFillClrLst meth="repeat">
-      <a:schemeClr val="dk1"/>
-    </dgm:txFillClrLst>
-    <dgm:txEffectClrLst/>
-  </dgm:styleLbl>
-  <dgm:styleLbl name="fgAccFollowNode1">
-    <dgm:fillClrLst meth="repeat">
-      <a:schemeClr val="accent1">
-        <a:alpha val="90000"/>
-        <a:tint val="40000"/>
-      </a:schemeClr>
-    </dgm:fillClrLst>
-    <dgm:linClrLst meth="repeat">
-      <a:schemeClr val="accent1">
-        <a:alpha val="90000"/>
-        <a:tint val="40000"/>
-      </a:schemeClr>
-    </dgm:linClrLst>
-    <dgm:effectClrLst/>
-    <dgm:txLinClrLst/>
-    <dgm:txFillClrLst meth="repeat">
-      <a:schemeClr val="dk1"/>
-    </dgm:txFillClrLst>
-    <dgm:txEffectClrLst/>
-  </dgm:styleLbl>
-  <dgm:styleLbl name="alignAccFollowNode1">
-    <dgm:fillClrLst meth="repeat">
-      <a:schemeClr val="accent1">
-        <a:alpha val="90000"/>
-        <a:tint val="40000"/>
-      </a:schemeClr>
-    </dgm:fillClrLst>
-    <dgm:linClrLst meth="repeat">
-      <a:schemeClr val="accent1">
-        <a:alpha val="90000"/>
-        <a:tint val="40000"/>
-      </a:schemeClr>
-    </dgm:linClrLst>
-    <dgm:effectClrLst/>
-    <dgm:txLinClrLst/>
-    <dgm:txFillClrLst meth="repeat">
-      <a:schemeClr val="dk1"/>
-    </dgm:txFillClrLst>
-    <dgm:txEffectClrLst/>
-  </dgm:styleLbl>
-  <dgm:styleLbl name="bgAccFollowNode1">
-    <dgm:fillClrLst meth="repeat">
-      <a:schemeClr val="accent1">
-        <a:alpha val="90000"/>
-        <a:tint val="40000"/>
-      </a:schemeClr>
-    </dgm:fillClrLst>
-    <dgm:linClrLst meth="repeat">
-      <a:schemeClr val="accent1">
-        <a:alpha val="90000"/>
-        <a:tint val="40000"/>
-      </a:schemeClr>
-    </dgm:linClrLst>
-    <dgm:effectClrLst/>
-    <dgm:txLinClrLst/>
-    <dgm:txFillClrLst meth="repeat">
-      <a:schemeClr val="dk1"/>
-    </dgm:txFillClrLst>
-    <dgm:txEffectClrLst/>
-  </dgm:styleLbl>
-  <dgm:styleLbl name="fgAcc0">
-    <dgm:fillClrLst meth="repeat">
-      <a:schemeClr val="lt1">
-        <a:alpha val="90000"/>
-      </a:schemeClr>
-    </dgm:fillClrLst>
-    <dgm:linClrLst meth="repeat">
-      <a:schemeClr val="accent1"/>
-    </dgm:linClrLst>
-    <dgm:effectClrLst/>
-    <dgm:txLinClrLst/>
-    <dgm:txFillClrLst meth="repeat">
-      <a:schemeClr val="dk1"/>
-    </dgm:txFillClrLst>
-    <dgm:txEffectClrLst/>
-  </dgm:styleLbl>
-  <dgm:styleLbl name="fgAcc2">
-    <dgm:fillClrLst meth="repeat">
-      <a:schemeClr val="lt1">
-        <a:alpha val="90000"/>
-      </a:schemeClr>
-    </dgm:fillClrLst>
-    <dgm:linClrLst meth="repeat">
-      <a:schemeClr val="accent1"/>
-    </dgm:linClrLst>
-    <dgm:effectClrLst/>
-    <dgm:txLinClrLst/>
-    <dgm:txFillClrLst meth="repeat">
-      <a:schemeClr val="dk1"/>
-    </dgm:txFillClrLst>
-    <dgm:txEffectClrLst/>
-  </dgm:styleLbl>
-  <dgm:styleLbl name="fgAcc3">
-    <dgm:fillClrLst meth="repeat">
-      <a:schemeClr val="lt1">
-        <a:alpha val="90000"/>
-      </a:schemeClr>
-    </dgm:fillClrLst>
-    <dgm:linClrLst meth="repeat">
-      <a:schemeClr val="accent1"/>
-    </dgm:linClrLst>
-    <dgm:effectClrLst/>
-    <dgm:txLinClrLst/>
-    <dgm:txFillClrLst meth="repeat">
-      <a:schemeClr val="dk1"/>
-    </dgm:txFillClrLst>
-    <dgm:txEffectClrLst/>
-  </dgm:styleLbl>
-  <dgm:styleLbl name="fgAcc4">
-    <dgm:fillClrLst meth="repeat">
-      <a:schemeClr val="lt1">
-        <a:alpha val="90000"/>
-      </a:schemeClr>
-    </dgm:fillClrLst>
-    <dgm:linClrLst meth="repeat">
-      <a:schemeClr val="accent1"/>
-    </dgm:linClrLst>
-    <dgm:effectClrLst/>
-    <dgm:txLinClrLst/>
-    <dgm:txFillClrLst meth="repeat">
-      <a:schemeClr val="dk1"/>
-    </dgm:txFillClrLst>
-    <dgm:txEffectClrLst/>
-  </dgm:styleLbl>
-  <dgm:styleLbl name="bgShp">
-    <dgm:fillClrLst meth="repeat">
-      <a:schemeClr val="accent1">
-        <a:tint val="40000"/>
-      </a:schemeClr>
-    </dgm:fillClrLst>
-    <dgm:linClrLst meth="repeat">
-      <a:schemeClr val="accent1"/>
-    </dgm:linClrLst>
-    <dgm:effectClrLst/>
-    <dgm:txLinClrLst/>
-    <dgm:txFillClrLst meth="repeat">
-      <a:schemeClr val="dk1"/>
-    </dgm:txFillClrLst>
-    <dgm:txEffectClrLst/>
-  </dgm:styleLbl>
-  <dgm:styleLbl name="dkBgShp">
-    <dgm:fillClrLst meth="repeat">
-      <a:schemeClr val="accent1">
-        <a:shade val="80000"/>
-      </a:schemeClr>
-    </dgm:fillClrLst>
-    <dgm:linClrLst meth="repeat">
-      <a:schemeClr val="accent1"/>
-    </dgm:linClrLst>
-    <dgm:effectClrLst/>
-    <dgm:txLinClrLst/>
-    <dgm:txFillClrLst meth="repeat">
-      <a:schemeClr val="lt1"/>
-    </dgm:txFillClrLst>
-    <dgm:txEffectClrLst/>
-  </dgm:styleLbl>
-  <dgm:styleLbl name="trBgShp">
-    <dgm:fillClrLst meth="repeat">
-      <a:schemeClr val="accent1">
-        <a:tint val="50000"/>
-        <a:alpha val="40000"/>
-      </a:schemeClr>
-    </dgm:fillClrLst>
-    <dgm:linClrLst meth="repeat">
-      <a:schemeClr val="accent1"/>
-    </dgm:linClrLst>
-    <dgm:effectClrLst/>
-    <dgm:txLinClrLst/>
-    <dgm:txFillClrLst meth="repeat">
-      <a:schemeClr val="lt1"/>
-    </dgm:txFillClrLst>
-    <dgm:txEffectClrLst/>
-  </dgm:styleLbl>
-  <dgm:styleLbl name="fgShp">
-    <dgm:fillClrLst meth="repeat">
-      <a:schemeClr val="accent1">
-        <a:tint val="60000"/>
-      </a:schemeClr>
-    </dgm:fillClrLst>
-    <dgm:linClrLst meth="repeat">
-      <a:schemeClr val="lt1"/>
-    </dgm:linClrLst>
-    <dgm:effectClrLst/>
-    <dgm:txLinClrLst/>
-    <dgm:txFillClrLst meth="repeat">
-      <a:schemeClr val="dk1"/>
-    </dgm:txFillClrLst>
-    <dgm:txEffectClrLst/>
-  </dgm:styleLbl>
-  <dgm:styleLbl name="revTx">
-    <dgm:fillClrLst meth="repeat">
-      <a:schemeClr val="lt1">
-        <a:alpha val="0"/>
-      </a:schemeClr>
-    </dgm:fillClrLst>
-    <dgm:linClrLst meth="repeat">
-      <a:schemeClr val="dk1">
-        <a:alpha val="0"/>
-      </a:schemeClr>
-    </dgm:linClrLst>
-    <dgm:effectClrLst/>
-    <dgm:txLinClrLst/>
-    <dgm:txFillClrLst meth="repeat">
-      <a:schemeClr val="tx1"/>
-    </dgm:txFillClrLst>
-    <dgm:txEffectClrLst/>
-  </dgm:styleLbl>
-</dgm:colorsDef>
-</file>
-
-<file path=ppt/diagrams/colors3.xml><?xml version="1.0" encoding="utf-8"?>
 <dgm:colorsDef xmlns:dgm="http://schemas.openxmlformats.org/drawingml/2006/diagram" xmlns:a="http://schemas.openxmlformats.org/drawingml/2006/main" uniqueId="urn:microsoft.com/office/officeart/2005/8/colors/colorful2">
   <dgm:title val=""/>
   <dgm:desc val=""/>
@@ -3390,7 +2645,7 @@
 </dgm:colorsDef>
 </file>
 
-<file path=ppt/diagrams/colors4.xml><?xml version="1.0" encoding="utf-8"?>
+<file path=ppt/diagrams/colors3.xml><?xml version="1.0" encoding="utf-8"?>
 <dgm:colorsDef xmlns:dgm="http://schemas.openxmlformats.org/drawingml/2006/diagram" xmlns:a="http://schemas.openxmlformats.org/drawingml/2006/main" uniqueId="urn:microsoft.com/office/officeart/2005/8/colors/colorful2">
   <dgm:title val=""/>
   <dgm:desc val=""/>
@@ -4175,8 +3430,8 @@
 <file path=ppt/diagrams/data1.xml><?xml version="1.0" encoding="utf-8"?>
 <dgm:dataModel xmlns:dgm="http://schemas.openxmlformats.org/drawingml/2006/diagram" xmlns:a="http://schemas.openxmlformats.org/drawingml/2006/main">
   <dgm:ptLst>
-    <dgm:pt modelId="{03F1DD3A-A20D-4BE8-86D2-97347B38561A}" type="doc">
-      <dgm:prSet loTypeId="urn:microsoft.com/office/officeart/2005/8/layout/radial4" loCatId="relationship" qsTypeId="urn:microsoft.com/office/officeart/2005/8/quickstyle/simple1" qsCatId="simple" csTypeId="urn:microsoft.com/office/officeart/2005/8/colors/accent1_2" csCatId="accent1" phldr="1"/>
+    <dgm:pt modelId="{8CFA3F15-CDB4-4E87-8C55-796BC5BC2ACE}" type="doc">
+      <dgm:prSet loTypeId="urn:microsoft.com/office/officeart/2005/8/layout/hProcess6" loCatId="process" qsTypeId="urn:microsoft.com/office/officeart/2005/8/quickstyle/simple1" qsCatId="simple" csTypeId="urn:microsoft.com/office/officeart/2005/8/colors/accent1_2" csCatId="accent1" phldr="1"/>
       <dgm:spPr/>
       <dgm:t>
         <a:bodyPr/>
@@ -4186,37 +3441,22 @@
         </a:p>
       </dgm:t>
     </dgm:pt>
-    <dgm:pt modelId="{C664BBAF-76A2-4380-B8F1-6562315915E9}">
-      <dgm:prSet phldrT="[Texto]" custT="1"/>
+    <dgm:pt modelId="{1B0363D8-0367-4F48-AB19-B0D674DCBDFD}">
+      <dgm:prSet phldrT="[Texto]"/>
       <dgm:spPr/>
       <dgm:t>
         <a:bodyPr/>
         <a:lstStyle/>
         <a:p>
           <a:r>
-            <a:rPr lang="es-ES" sz="2300" dirty="0" err="1" smtClean="0"/>
-            <a:t>Desistiment</a:t>
+            <a:rPr lang="es-ES" dirty="0" smtClean="0"/>
+            <a:t>Aplicación web</a:t>
           </a:r>
-          <a:endParaRPr lang="es-ES" sz="2300" dirty="0" smtClean="0"/>
-        </a:p>
-        <a:p>
-          <a:r>
-            <a:rPr lang="es-ES" sz="2300" dirty="0" err="1" smtClean="0"/>
-            <a:t>Respostes</a:t>
-          </a:r>
-          <a:r>
-            <a:rPr lang="es-ES" sz="2300" dirty="0" smtClean="0"/>
-            <a:t> no </a:t>
-          </a:r>
-          <a:r>
-            <a:rPr lang="es-ES" sz="2300" dirty="0" err="1" smtClean="0"/>
-            <a:t>meditades</a:t>
-          </a:r>
-          <a:endParaRPr lang="es-ES" sz="2300" dirty="0"/>
+          <a:endParaRPr lang="es-ES" dirty="0"/>
         </a:p>
       </dgm:t>
     </dgm:pt>
-    <dgm:pt modelId="{76710425-D6B9-4AC3-B5BB-28F31A8E731C}" type="parTrans" cxnId="{5CC385B7-8CE6-4725-A8B7-3902D7D1B815}">
+    <dgm:pt modelId="{AC984062-FED2-446B-9345-AE1FC5C0DF38}" type="parTrans" cxnId="{0192BC3B-3D76-40CB-9486-FC8A36592C3E}">
       <dgm:prSet/>
       <dgm:spPr/>
       <dgm:t>
@@ -4227,7 +3467,7 @@
         </a:p>
       </dgm:t>
     </dgm:pt>
-    <dgm:pt modelId="{8C7A3447-5360-47D2-AE64-D42C2CB9F681}" type="sibTrans" cxnId="{5CC385B7-8CE6-4725-A8B7-3902D7D1B815}">
+    <dgm:pt modelId="{A296782E-A11C-4918-A49A-70940DC2FD1C}" type="sibTrans" cxnId="{0192BC3B-3D76-40CB-9486-FC8A36592C3E}">
       <dgm:prSet/>
       <dgm:spPr/>
       <dgm:t>
@@ -4238,26 +3478,22 @@
         </a:p>
       </dgm:t>
     </dgm:pt>
-    <dgm:pt modelId="{52267F40-0F4E-4270-9340-2F8F212E0631}">
-      <dgm:prSet phldrT="[Texto]" custT="1"/>
+    <dgm:pt modelId="{7839A93D-C4F4-4C0B-975E-7898EEA1093D}">
+      <dgm:prSet phldrT="[Texto]"/>
       <dgm:spPr/>
       <dgm:t>
         <a:bodyPr/>
         <a:lstStyle/>
         <a:p>
           <a:r>
-            <a:rPr lang="es-ES" sz="2000" dirty="0" smtClean="0"/>
-            <a:t>Preguntes </a:t>
+            <a:rPr lang="es-ES" dirty="0" smtClean="0"/>
+            <a:t>Rápido</a:t>
           </a:r>
-          <a:r>
-            <a:rPr lang="es-ES" sz="2000" dirty="0" err="1" smtClean="0"/>
-            <a:t>repetitives</a:t>
-          </a:r>
-          <a:endParaRPr lang="es-ES" sz="2000" dirty="0"/>
+          <a:endParaRPr lang="es-ES" dirty="0"/>
         </a:p>
       </dgm:t>
     </dgm:pt>
-    <dgm:pt modelId="{CD562BD3-0D08-4D3E-93B5-CB42324DB731}" type="parTrans" cxnId="{CFC2BD40-4877-40F7-A60D-4DEF2C5A10DB}">
+    <dgm:pt modelId="{52C6D2CE-61A0-4C52-AEF1-F3D81A751664}" type="parTrans" cxnId="{6768F2BA-9F47-4C9A-B172-3A9FF06DBB2D}">
       <dgm:prSet/>
       <dgm:spPr/>
       <dgm:t>
@@ -4268,7 +3504,7 @@
         </a:p>
       </dgm:t>
     </dgm:pt>
-    <dgm:pt modelId="{06510D62-FB90-40DB-A156-0ED163A5FA18}" type="sibTrans" cxnId="{CFC2BD40-4877-40F7-A60D-4DEF2C5A10DB}">
+    <dgm:pt modelId="{30731B15-C810-4AE0-B11E-00AA438E4042}" type="sibTrans" cxnId="{6768F2BA-9F47-4C9A-B172-3A9FF06DBB2D}">
       <dgm:prSet/>
       <dgm:spPr/>
       <dgm:t>
@@ -4279,30 +3515,22 @@
         </a:p>
       </dgm:t>
     </dgm:pt>
-    <dgm:pt modelId="{2D342D99-AC00-4933-BFB9-6E2CF695DD26}">
-      <dgm:prSet phldrT="[Texto]" custT="1"/>
+    <dgm:pt modelId="{301F2220-A48B-4EE8-B86A-728339E365F3}">
+      <dgm:prSet phldrT="[Texto]"/>
       <dgm:spPr/>
       <dgm:t>
         <a:bodyPr/>
         <a:lstStyle/>
         <a:p>
           <a:r>
-            <a:rPr lang="es-ES" sz="2000" dirty="0" err="1" smtClean="0"/>
-            <a:t>Avorrit</a:t>
+            <a:rPr lang="es-ES" dirty="0" smtClean="0"/>
+            <a:t>Visión global situación</a:t>
           </a:r>
-          <a:r>
-            <a:rPr lang="es-ES" sz="2000" dirty="0" smtClean="0"/>
-            <a:t>, </a:t>
-          </a:r>
-          <a:r>
-            <a:rPr lang="es-ES" sz="2000" dirty="0" err="1" smtClean="0"/>
-            <a:t>pesat</a:t>
-          </a:r>
-          <a:endParaRPr lang="es-ES" sz="2000" dirty="0"/>
+          <a:endParaRPr lang="es-ES" dirty="0"/>
         </a:p>
       </dgm:t>
     </dgm:pt>
-    <dgm:pt modelId="{3DF00506-479A-48BF-95D4-0AEC3E98141D}" type="parTrans" cxnId="{DA991643-B46B-4462-A1DE-727E7D847866}">
+    <dgm:pt modelId="{70C99F6C-E755-456F-B49D-02EC45016A4D}" type="parTrans" cxnId="{27FADA3E-5163-497D-ABA3-2BD98D95C714}">
       <dgm:prSet/>
       <dgm:spPr/>
       <dgm:t>
@@ -4313,7 +3541,7 @@
         </a:p>
       </dgm:t>
     </dgm:pt>
-    <dgm:pt modelId="{B72A4401-C76E-4048-9D83-609E3D2D8C65}" type="sibTrans" cxnId="{DA991643-B46B-4462-A1DE-727E7D847866}">
+    <dgm:pt modelId="{080682DF-4572-4030-961F-E679A8343956}" type="sibTrans" cxnId="{27FADA3E-5163-497D-ABA3-2BD98D95C714}">
       <dgm:prSet/>
       <dgm:spPr/>
       <dgm:t>
@@ -4324,30 +3552,22 @@
         </a:p>
       </dgm:t>
     </dgm:pt>
-    <dgm:pt modelId="{E297AC86-A861-4905-9D14-A73E268DA495}">
-      <dgm:prSet phldrT="[Texto]" custT="1"/>
+    <dgm:pt modelId="{C2C0682B-492B-4354-BD03-E1EA6DA555E8}">
+      <dgm:prSet phldrT="[Texto]"/>
       <dgm:spPr/>
       <dgm:t>
         <a:bodyPr/>
         <a:lstStyle/>
         <a:p>
           <a:r>
-            <a:rPr lang="es-ES" sz="2000" dirty="0" err="1" smtClean="0"/>
-            <a:t>Qüestionari</a:t>
+            <a:rPr lang="es-ES" dirty="0" smtClean="0"/>
+            <a:t>Fácil seguir orden de prioridad y de gestionar</a:t>
           </a:r>
-          <a:r>
-            <a:rPr lang="es-ES" sz="2000" dirty="0" smtClean="0"/>
-            <a:t> </a:t>
-          </a:r>
-          <a:r>
-            <a:rPr lang="es-ES" sz="2000" dirty="0" err="1" smtClean="0"/>
-            <a:t>llarg</a:t>
-          </a:r>
-          <a:endParaRPr lang="es-ES" sz="2000" dirty="0"/>
+          <a:endParaRPr lang="es-ES" dirty="0"/>
         </a:p>
       </dgm:t>
     </dgm:pt>
-    <dgm:pt modelId="{832B61E2-991E-4FDF-849A-9A0A23E42E9F}" type="parTrans" cxnId="{79E50363-EF78-4D41-9D81-5C757477CFCF}">
+    <dgm:pt modelId="{67A2491E-F9C5-4351-B80F-84E9656D565F}" type="parTrans" cxnId="{192427F5-871E-443B-93F2-55ECBA4CB858}">
       <dgm:prSet/>
       <dgm:spPr/>
       <dgm:t>
@@ -4358,7 +3578,7 @@
         </a:p>
       </dgm:t>
     </dgm:pt>
-    <dgm:pt modelId="{000198B0-A9A6-438C-B6AF-81E2977541FE}" type="sibTrans" cxnId="{79E50363-EF78-4D41-9D81-5C757477CFCF}">
+    <dgm:pt modelId="{957C5811-416D-4E0B-BF02-A352885BC917}" type="sibTrans" cxnId="{192427F5-871E-443B-93F2-55ECBA4CB858}">
       <dgm:prSet/>
       <dgm:spPr/>
       <dgm:t>
@@ -4369,27 +3589,14 @@
         </a:p>
       </dgm:t>
     </dgm:pt>
-    <dgm:pt modelId="{F086F0CB-2311-46B0-B1F8-A529D22BDFEE}">
-      <dgm:prSet phldrT="[Texto]" custT="1"/>
-      <dgm:spPr/>
-      <dgm:t>
-        <a:bodyPr/>
-        <a:lstStyle/>
-        <a:p>
-          <a:r>
-            <a:rPr lang="es-ES" sz="2000" dirty="0" smtClean="0"/>
-            <a:t>Preguntes </a:t>
-          </a:r>
-          <a:r>
-            <a:rPr lang="es-ES" sz="2000" dirty="0" err="1" smtClean="0"/>
-            <a:t>complexes</a:t>
-          </a:r>
-          <a:endParaRPr lang="es-ES" sz="2000" dirty="0"/>
-        </a:p>
-      </dgm:t>
-    </dgm:pt>
-    <dgm:pt modelId="{446F8565-9303-425F-9CC6-11AA11C683B7}" type="parTrans" cxnId="{C8CECA95-9098-497C-9E76-5AD21C6B0E06}">
-      <dgm:prSet/>
+    <dgm:pt modelId="{D8C8F20A-58BC-4560-8401-C5EB3186DAFF}" type="pres">
+      <dgm:prSet presAssocID="{8CFA3F15-CDB4-4E87-8C55-796BC5BC2ACE}" presName="theList" presStyleCnt="0">
+        <dgm:presLayoutVars>
+          <dgm:dir/>
+          <dgm:animLvl val="lvl"/>
+          <dgm:resizeHandles val="exact"/>
+        </dgm:presLayoutVars>
+      </dgm:prSet>
       <dgm:spPr/>
       <dgm:t>
         <a:bodyPr/>
@@ -4399,8 +3606,20 @@
         </a:p>
       </dgm:t>
     </dgm:pt>
-    <dgm:pt modelId="{B55C8AF5-CC58-4627-974C-980A9DE174C7}" type="sibTrans" cxnId="{C8CECA95-9098-497C-9E76-5AD21C6B0E06}">
-      <dgm:prSet/>
+    <dgm:pt modelId="{9CDB8CE9-970D-4AE0-A1DF-2C7E56965002}" type="pres">
+      <dgm:prSet presAssocID="{1B0363D8-0367-4F48-AB19-B0D674DCBDFD}" presName="compNode" presStyleCnt="0"/>
+      <dgm:spPr/>
+    </dgm:pt>
+    <dgm:pt modelId="{7A84F4C7-3A45-467C-B0B2-6AD99C65961A}" type="pres">
+      <dgm:prSet presAssocID="{1B0363D8-0367-4F48-AB19-B0D674DCBDFD}" presName="noGeometry" presStyleCnt="0"/>
+      <dgm:spPr/>
+    </dgm:pt>
+    <dgm:pt modelId="{457D56E9-BABF-4DAA-B00A-0413EC3B98F0}" type="pres">
+      <dgm:prSet presAssocID="{1B0363D8-0367-4F48-AB19-B0D674DCBDFD}" presName="childTextVisible" presStyleLbl="bgAccFollowNode1" presStyleIdx="0" presStyleCnt="1" custScaleX="115700">
+        <dgm:presLayoutVars>
+          <dgm:bulletEnabled val="1"/>
+        </dgm:presLayoutVars>
+      </dgm:prSet>
       <dgm:spPr/>
       <dgm:t>
         <a:bodyPr/>
@@ -4410,15 +3629,8 @@
         </a:p>
       </dgm:t>
     </dgm:pt>
-    <dgm:pt modelId="{19724530-439E-43AE-A815-941695CEAB58}" type="pres">
-      <dgm:prSet presAssocID="{03F1DD3A-A20D-4BE8-86D2-97347B38561A}" presName="cycle" presStyleCnt="0">
-        <dgm:presLayoutVars>
-          <dgm:chMax val="1"/>
-          <dgm:dir/>
-          <dgm:animLvl val="ctr"/>
-          <dgm:resizeHandles val="exact"/>
-        </dgm:presLayoutVars>
-      </dgm:prSet>
+    <dgm:pt modelId="{049AFD20-6B73-47B9-AC83-32D61B685470}" type="pres">
+      <dgm:prSet presAssocID="{1B0363D8-0367-4F48-AB19-B0D674DCBDFD}" presName="childTextHidden" presStyleLbl="bgAccFollowNode1" presStyleIdx="0" presStyleCnt="1"/>
       <dgm:spPr/>
       <dgm:t>
         <a:bodyPr/>
@@ -4428,8 +3640,13 @@
         </a:p>
       </dgm:t>
     </dgm:pt>
-    <dgm:pt modelId="{5C73E24C-331D-4A02-83DD-4A12C85D8F52}" type="pres">
-      <dgm:prSet presAssocID="{C664BBAF-76A2-4380-B8F1-6562315915E9}" presName="centerShape" presStyleLbl="node0" presStyleIdx="0" presStyleCnt="1" custScaleX="137279" custScaleY="132446" custLinFactNeighborX="72" custLinFactNeighborY="3650"/>
+    <dgm:pt modelId="{ABD3C4A2-111C-4AE8-98A9-E78ACB0A510B}" type="pres">
+      <dgm:prSet presAssocID="{1B0363D8-0367-4F48-AB19-B0D674DCBDFD}" presName="parentText" presStyleLbl="node1" presStyleIdx="0" presStyleCnt="1">
+        <dgm:presLayoutVars>
+          <dgm:chMax val="1"/>
+          <dgm:bulletEnabled val="1"/>
+        </dgm:presLayoutVars>
+      </dgm:prSet>
       <dgm:spPr/>
       <dgm:t>
         <a:bodyPr/>
@@ -4439,136 +3656,25 @@
         </a:p>
       </dgm:t>
     </dgm:pt>
-    <dgm:pt modelId="{785DC403-E75D-4CFE-95B8-70F037A495E0}" type="pres">
-      <dgm:prSet presAssocID="{832B61E2-991E-4FDF-849A-9A0A23E42E9F}" presName="parTrans" presStyleLbl="bgSibTrans2D1" presStyleIdx="0" presStyleCnt="4"/>
-      <dgm:spPr/>
-      <dgm:t>
-        <a:bodyPr/>
-        <a:lstStyle/>
-        <a:p>
-          <a:endParaRPr lang="es-ES"/>
-        </a:p>
-      </dgm:t>
-    </dgm:pt>
-    <dgm:pt modelId="{5C3E18D3-6B39-487E-A80C-030DF3DDB9B3}" type="pres">
-      <dgm:prSet presAssocID="{E297AC86-A861-4905-9D14-A73E268DA495}" presName="node" presStyleLbl="node1" presStyleIdx="0" presStyleCnt="4" custScaleX="92404" custScaleY="92404" custRadScaleRad="117354" custRadScaleInc="-3495">
-        <dgm:presLayoutVars>
-          <dgm:bulletEnabled val="1"/>
-        </dgm:presLayoutVars>
-      </dgm:prSet>
-      <dgm:spPr/>
-      <dgm:t>
-        <a:bodyPr/>
-        <a:lstStyle/>
-        <a:p>
-          <a:endParaRPr lang="es-ES"/>
-        </a:p>
-      </dgm:t>
-    </dgm:pt>
-    <dgm:pt modelId="{338A42F3-91DC-467F-869B-F64820FD51F7}" type="pres">
-      <dgm:prSet presAssocID="{446F8565-9303-425F-9CC6-11AA11C683B7}" presName="parTrans" presStyleLbl="bgSibTrans2D1" presStyleIdx="1" presStyleCnt="4"/>
-      <dgm:spPr/>
-      <dgm:t>
-        <a:bodyPr/>
-        <a:lstStyle/>
-        <a:p>
-          <a:endParaRPr lang="es-ES"/>
-        </a:p>
-      </dgm:t>
-    </dgm:pt>
-    <dgm:pt modelId="{7E5697A9-1D9F-4DEF-8E9C-3D6CCFF6396C}" type="pres">
-      <dgm:prSet presAssocID="{F086F0CB-2311-46B0-B1F8-A529D22BDFEE}" presName="node" presStyleLbl="node1" presStyleIdx="1" presStyleCnt="4" custScaleX="94239" custScaleY="92644" custRadScaleRad="110647" custRadScaleInc="-21758">
-        <dgm:presLayoutVars>
-          <dgm:bulletEnabled val="1"/>
-        </dgm:presLayoutVars>
-      </dgm:prSet>
-      <dgm:spPr/>
-      <dgm:t>
-        <a:bodyPr/>
-        <a:lstStyle/>
-        <a:p>
-          <a:endParaRPr lang="es-ES"/>
-        </a:p>
-      </dgm:t>
-    </dgm:pt>
-    <dgm:pt modelId="{93232F0D-1782-43E9-8D9F-6270FFD1239A}" type="pres">
-      <dgm:prSet presAssocID="{CD562BD3-0D08-4D3E-93B5-CB42324DB731}" presName="parTrans" presStyleLbl="bgSibTrans2D1" presStyleIdx="2" presStyleCnt="4"/>
-      <dgm:spPr/>
-      <dgm:t>
-        <a:bodyPr/>
-        <a:lstStyle/>
-        <a:p>
-          <a:endParaRPr lang="es-ES"/>
-        </a:p>
-      </dgm:t>
-    </dgm:pt>
-    <dgm:pt modelId="{F2B1A8DD-5274-46FD-A3BD-E5257C5826B5}" type="pres">
-      <dgm:prSet presAssocID="{52267F40-0F4E-4270-9340-2F8F212E0631}" presName="node" presStyleLbl="node1" presStyleIdx="2" presStyleCnt="4" custScaleX="97577" custScaleY="90290" custRadScaleRad="114535" custRadScaleInc="22574">
-        <dgm:presLayoutVars>
-          <dgm:bulletEnabled val="1"/>
-        </dgm:presLayoutVars>
-      </dgm:prSet>
-      <dgm:spPr/>
-      <dgm:t>
-        <a:bodyPr/>
-        <a:lstStyle/>
-        <a:p>
-          <a:endParaRPr lang="es-ES"/>
-        </a:p>
-      </dgm:t>
-    </dgm:pt>
-    <dgm:pt modelId="{31625253-1474-4F87-B865-10E72B68590A}" type="pres">
-      <dgm:prSet presAssocID="{3DF00506-479A-48BF-95D4-0AEC3E98141D}" presName="parTrans" presStyleLbl="bgSibTrans2D1" presStyleIdx="3" presStyleCnt="4"/>
-      <dgm:spPr/>
-      <dgm:t>
-        <a:bodyPr/>
-        <a:lstStyle/>
-        <a:p>
-          <a:endParaRPr lang="es-ES"/>
-        </a:p>
-      </dgm:t>
-    </dgm:pt>
-    <dgm:pt modelId="{466C2ABE-109B-4EBD-97B7-D29EC8BB0630}" type="pres">
-      <dgm:prSet presAssocID="{2D342D99-AC00-4933-BFB9-6E2CF695DD26}" presName="node" presStyleLbl="node1" presStyleIdx="3" presStyleCnt="4" custScaleX="93147" custScaleY="93147" custRadScaleRad="121271" custRadScaleInc="4291">
-        <dgm:presLayoutVars>
-          <dgm:bulletEnabled val="1"/>
-        </dgm:presLayoutVars>
-      </dgm:prSet>
-      <dgm:spPr/>
-      <dgm:t>
-        <a:bodyPr/>
-        <a:lstStyle/>
-        <a:p>
-          <a:endParaRPr lang="es-ES"/>
-        </a:p>
-      </dgm:t>
-    </dgm:pt>
   </dgm:ptLst>
   <dgm:cxnLst>
-    <dgm:cxn modelId="{FB45B7E8-161E-4E5E-A6EC-3A5DBB8C1EC7}" type="presOf" srcId="{C664BBAF-76A2-4380-B8F1-6562315915E9}" destId="{5C73E24C-331D-4A02-83DD-4A12C85D8F52}" srcOrd="0" destOrd="0" presId="urn:microsoft.com/office/officeart/2005/8/layout/radial4"/>
-    <dgm:cxn modelId="{A9C7C3FA-3321-4E82-8BA3-FF72734489DB}" type="presOf" srcId="{F086F0CB-2311-46B0-B1F8-A529D22BDFEE}" destId="{7E5697A9-1D9F-4DEF-8E9C-3D6CCFF6396C}" srcOrd="0" destOrd="0" presId="urn:microsoft.com/office/officeart/2005/8/layout/radial4"/>
-    <dgm:cxn modelId="{B177493F-87AF-450A-8015-A1D5790F5810}" type="presOf" srcId="{446F8565-9303-425F-9CC6-11AA11C683B7}" destId="{338A42F3-91DC-467F-869B-F64820FD51F7}" srcOrd="0" destOrd="0" presId="urn:microsoft.com/office/officeart/2005/8/layout/radial4"/>
-    <dgm:cxn modelId="{F33DB838-1298-4E3E-B291-11B3703636E4}" type="presOf" srcId="{2D342D99-AC00-4933-BFB9-6E2CF695DD26}" destId="{466C2ABE-109B-4EBD-97B7-D29EC8BB0630}" srcOrd="0" destOrd="0" presId="urn:microsoft.com/office/officeart/2005/8/layout/radial4"/>
-    <dgm:cxn modelId="{ECA479B3-8593-42CB-B7CD-E674D9C9E7AE}" type="presOf" srcId="{E297AC86-A861-4905-9D14-A73E268DA495}" destId="{5C3E18D3-6B39-487E-A80C-030DF3DDB9B3}" srcOrd="0" destOrd="0" presId="urn:microsoft.com/office/officeart/2005/8/layout/radial4"/>
-    <dgm:cxn modelId="{13735415-2868-4456-967B-50F9B248B2BA}" type="presOf" srcId="{832B61E2-991E-4FDF-849A-9A0A23E42E9F}" destId="{785DC403-E75D-4CFE-95B8-70F037A495E0}" srcOrd="0" destOrd="0" presId="urn:microsoft.com/office/officeart/2005/8/layout/radial4"/>
-    <dgm:cxn modelId="{BD25B377-4CAF-444A-AAA1-507AF985AFB0}" type="presOf" srcId="{3DF00506-479A-48BF-95D4-0AEC3E98141D}" destId="{31625253-1474-4F87-B865-10E72B68590A}" srcOrd="0" destOrd="0" presId="urn:microsoft.com/office/officeart/2005/8/layout/radial4"/>
-    <dgm:cxn modelId="{C89055D0-A1A8-409E-BD4F-2F88F77DF1D2}" type="presOf" srcId="{52267F40-0F4E-4270-9340-2F8F212E0631}" destId="{F2B1A8DD-5274-46FD-A3BD-E5257C5826B5}" srcOrd="0" destOrd="0" presId="urn:microsoft.com/office/officeart/2005/8/layout/radial4"/>
-    <dgm:cxn modelId="{1F5DAA44-4225-4D71-B9B5-D8149E81B148}" type="presOf" srcId="{03F1DD3A-A20D-4BE8-86D2-97347B38561A}" destId="{19724530-439E-43AE-A815-941695CEAB58}" srcOrd="0" destOrd="0" presId="urn:microsoft.com/office/officeart/2005/8/layout/radial4"/>
-    <dgm:cxn modelId="{70DF2239-C9B4-4EFA-A439-9D5AEA0A4A93}" type="presOf" srcId="{CD562BD3-0D08-4D3E-93B5-CB42324DB731}" destId="{93232F0D-1782-43E9-8D9F-6270FFD1239A}" srcOrd="0" destOrd="0" presId="urn:microsoft.com/office/officeart/2005/8/layout/radial4"/>
-    <dgm:cxn modelId="{CFC2BD40-4877-40F7-A60D-4DEF2C5A10DB}" srcId="{C664BBAF-76A2-4380-B8F1-6562315915E9}" destId="{52267F40-0F4E-4270-9340-2F8F212E0631}" srcOrd="2" destOrd="0" parTransId="{CD562BD3-0D08-4D3E-93B5-CB42324DB731}" sibTransId="{06510D62-FB90-40DB-A156-0ED163A5FA18}"/>
-    <dgm:cxn modelId="{79E50363-EF78-4D41-9D81-5C757477CFCF}" srcId="{C664BBAF-76A2-4380-B8F1-6562315915E9}" destId="{E297AC86-A861-4905-9D14-A73E268DA495}" srcOrd="0" destOrd="0" parTransId="{832B61E2-991E-4FDF-849A-9A0A23E42E9F}" sibTransId="{000198B0-A9A6-438C-B6AF-81E2977541FE}"/>
-    <dgm:cxn modelId="{DA991643-B46B-4462-A1DE-727E7D847866}" srcId="{C664BBAF-76A2-4380-B8F1-6562315915E9}" destId="{2D342D99-AC00-4933-BFB9-6E2CF695DD26}" srcOrd="3" destOrd="0" parTransId="{3DF00506-479A-48BF-95D4-0AEC3E98141D}" sibTransId="{B72A4401-C76E-4048-9D83-609E3D2D8C65}"/>
-    <dgm:cxn modelId="{C8CECA95-9098-497C-9E76-5AD21C6B0E06}" srcId="{C664BBAF-76A2-4380-B8F1-6562315915E9}" destId="{F086F0CB-2311-46B0-B1F8-A529D22BDFEE}" srcOrd="1" destOrd="0" parTransId="{446F8565-9303-425F-9CC6-11AA11C683B7}" sibTransId="{B55C8AF5-CC58-4627-974C-980A9DE174C7}"/>
-    <dgm:cxn modelId="{5CC385B7-8CE6-4725-A8B7-3902D7D1B815}" srcId="{03F1DD3A-A20D-4BE8-86D2-97347B38561A}" destId="{C664BBAF-76A2-4380-B8F1-6562315915E9}" srcOrd="0" destOrd="0" parTransId="{76710425-D6B9-4AC3-B5BB-28F31A8E731C}" sibTransId="{8C7A3447-5360-47D2-AE64-D42C2CB9F681}"/>
-    <dgm:cxn modelId="{08E245B8-964E-4FF7-A141-296AEBEE5798}" type="presParOf" srcId="{19724530-439E-43AE-A815-941695CEAB58}" destId="{5C73E24C-331D-4A02-83DD-4A12C85D8F52}" srcOrd="0" destOrd="0" presId="urn:microsoft.com/office/officeart/2005/8/layout/radial4"/>
-    <dgm:cxn modelId="{461874D3-8B42-4985-A271-005F535BE69D}" type="presParOf" srcId="{19724530-439E-43AE-A815-941695CEAB58}" destId="{785DC403-E75D-4CFE-95B8-70F037A495E0}" srcOrd="1" destOrd="0" presId="urn:microsoft.com/office/officeart/2005/8/layout/radial4"/>
-    <dgm:cxn modelId="{8352E635-3253-444A-BF0F-F7A21826ECD2}" type="presParOf" srcId="{19724530-439E-43AE-A815-941695CEAB58}" destId="{5C3E18D3-6B39-487E-A80C-030DF3DDB9B3}" srcOrd="2" destOrd="0" presId="urn:microsoft.com/office/officeart/2005/8/layout/radial4"/>
-    <dgm:cxn modelId="{C8105AA4-F898-4D67-B71E-E4741AEFDA89}" type="presParOf" srcId="{19724530-439E-43AE-A815-941695CEAB58}" destId="{338A42F3-91DC-467F-869B-F64820FD51F7}" srcOrd="3" destOrd="0" presId="urn:microsoft.com/office/officeart/2005/8/layout/radial4"/>
-    <dgm:cxn modelId="{94A68F9F-D031-447F-B8FD-8ECD0C2676E5}" type="presParOf" srcId="{19724530-439E-43AE-A815-941695CEAB58}" destId="{7E5697A9-1D9F-4DEF-8E9C-3D6CCFF6396C}" srcOrd="4" destOrd="0" presId="urn:microsoft.com/office/officeart/2005/8/layout/radial4"/>
-    <dgm:cxn modelId="{C3C43DA6-A682-4B6C-A83C-9553979E3F5C}" type="presParOf" srcId="{19724530-439E-43AE-A815-941695CEAB58}" destId="{93232F0D-1782-43E9-8D9F-6270FFD1239A}" srcOrd="5" destOrd="0" presId="urn:microsoft.com/office/officeart/2005/8/layout/radial4"/>
-    <dgm:cxn modelId="{4F1E9B74-E980-4D1F-B88A-F89F6F2E051E}" type="presParOf" srcId="{19724530-439E-43AE-A815-941695CEAB58}" destId="{F2B1A8DD-5274-46FD-A3BD-E5257C5826B5}" srcOrd="6" destOrd="0" presId="urn:microsoft.com/office/officeart/2005/8/layout/radial4"/>
-    <dgm:cxn modelId="{2C02DC50-C42F-4C06-821C-A7B701A3B7CD}" type="presParOf" srcId="{19724530-439E-43AE-A815-941695CEAB58}" destId="{31625253-1474-4F87-B865-10E72B68590A}" srcOrd="7" destOrd="0" presId="urn:microsoft.com/office/officeart/2005/8/layout/radial4"/>
-    <dgm:cxn modelId="{A4BEDFD3-7C61-483B-ABAA-964A245655D6}" type="presParOf" srcId="{19724530-439E-43AE-A815-941695CEAB58}" destId="{466C2ABE-109B-4EBD-97B7-D29EC8BB0630}" srcOrd="8" destOrd="0" presId="urn:microsoft.com/office/officeart/2005/8/layout/radial4"/>
+    <dgm:cxn modelId="{692A4DEC-21F5-42B6-B79A-2D60FDF97423}" type="presOf" srcId="{7839A93D-C4F4-4C0B-975E-7898EEA1093D}" destId="{049AFD20-6B73-47B9-AC83-32D61B685470}" srcOrd="1" destOrd="0" presId="urn:microsoft.com/office/officeart/2005/8/layout/hProcess6"/>
+    <dgm:cxn modelId="{A7E289DE-95CB-41C9-988C-64DB30688CD0}" type="presOf" srcId="{1B0363D8-0367-4F48-AB19-B0D674DCBDFD}" destId="{ABD3C4A2-111C-4AE8-98A9-E78ACB0A510B}" srcOrd="0" destOrd="0" presId="urn:microsoft.com/office/officeart/2005/8/layout/hProcess6"/>
+    <dgm:cxn modelId="{192427F5-871E-443B-93F2-55ECBA4CB858}" srcId="{1B0363D8-0367-4F48-AB19-B0D674DCBDFD}" destId="{C2C0682B-492B-4354-BD03-E1EA6DA555E8}" srcOrd="2" destOrd="0" parTransId="{67A2491E-F9C5-4351-B80F-84E9656D565F}" sibTransId="{957C5811-416D-4E0B-BF02-A352885BC917}"/>
+    <dgm:cxn modelId="{41B6446F-B455-48ED-8E76-ED1F0E8A138C}" type="presOf" srcId="{C2C0682B-492B-4354-BD03-E1EA6DA555E8}" destId="{457D56E9-BABF-4DAA-B00A-0413EC3B98F0}" srcOrd="0" destOrd="2" presId="urn:microsoft.com/office/officeart/2005/8/layout/hProcess6"/>
+    <dgm:cxn modelId="{6768F2BA-9F47-4C9A-B172-3A9FF06DBB2D}" srcId="{1B0363D8-0367-4F48-AB19-B0D674DCBDFD}" destId="{7839A93D-C4F4-4C0B-975E-7898EEA1093D}" srcOrd="0" destOrd="0" parTransId="{52C6D2CE-61A0-4C52-AEF1-F3D81A751664}" sibTransId="{30731B15-C810-4AE0-B11E-00AA438E4042}"/>
+    <dgm:cxn modelId="{9DA822CB-5DC0-4615-A74A-7361C42345BE}" type="presOf" srcId="{7839A93D-C4F4-4C0B-975E-7898EEA1093D}" destId="{457D56E9-BABF-4DAA-B00A-0413EC3B98F0}" srcOrd="0" destOrd="0" presId="urn:microsoft.com/office/officeart/2005/8/layout/hProcess6"/>
+    <dgm:cxn modelId="{1AD7A617-7584-4D9C-A99B-2A9E1734FF74}" type="presOf" srcId="{301F2220-A48B-4EE8-B86A-728339E365F3}" destId="{049AFD20-6B73-47B9-AC83-32D61B685470}" srcOrd="1" destOrd="1" presId="urn:microsoft.com/office/officeart/2005/8/layout/hProcess6"/>
+    <dgm:cxn modelId="{0192BC3B-3D76-40CB-9486-FC8A36592C3E}" srcId="{8CFA3F15-CDB4-4E87-8C55-796BC5BC2ACE}" destId="{1B0363D8-0367-4F48-AB19-B0D674DCBDFD}" srcOrd="0" destOrd="0" parTransId="{AC984062-FED2-446B-9345-AE1FC5C0DF38}" sibTransId="{A296782E-A11C-4918-A49A-70940DC2FD1C}"/>
+    <dgm:cxn modelId="{A0AFFE47-4587-4345-B3AB-6067EA3E67B2}" type="presOf" srcId="{C2C0682B-492B-4354-BD03-E1EA6DA555E8}" destId="{049AFD20-6B73-47B9-AC83-32D61B685470}" srcOrd="1" destOrd="2" presId="urn:microsoft.com/office/officeart/2005/8/layout/hProcess6"/>
+    <dgm:cxn modelId="{1D4D93EA-01AA-4B26-AAE0-65094AC07F3A}" type="presOf" srcId="{8CFA3F15-CDB4-4E87-8C55-796BC5BC2ACE}" destId="{D8C8F20A-58BC-4560-8401-C5EB3186DAFF}" srcOrd="0" destOrd="0" presId="urn:microsoft.com/office/officeart/2005/8/layout/hProcess6"/>
+    <dgm:cxn modelId="{27FADA3E-5163-497D-ABA3-2BD98D95C714}" srcId="{1B0363D8-0367-4F48-AB19-B0D674DCBDFD}" destId="{301F2220-A48B-4EE8-B86A-728339E365F3}" srcOrd="1" destOrd="0" parTransId="{70C99F6C-E755-456F-B49D-02EC45016A4D}" sibTransId="{080682DF-4572-4030-961F-E679A8343956}"/>
+    <dgm:cxn modelId="{C165C8B3-8DC5-4978-AB69-53851A6C7EC6}" type="presOf" srcId="{301F2220-A48B-4EE8-B86A-728339E365F3}" destId="{457D56E9-BABF-4DAA-B00A-0413EC3B98F0}" srcOrd="0" destOrd="1" presId="urn:microsoft.com/office/officeart/2005/8/layout/hProcess6"/>
+    <dgm:cxn modelId="{EE68230C-F14F-47E8-81B5-B891E14EDDAB}" type="presParOf" srcId="{D8C8F20A-58BC-4560-8401-C5EB3186DAFF}" destId="{9CDB8CE9-970D-4AE0-A1DF-2C7E56965002}" srcOrd="0" destOrd="0" presId="urn:microsoft.com/office/officeart/2005/8/layout/hProcess6"/>
+    <dgm:cxn modelId="{FA3F609F-8449-41FA-9A4F-EF910B56AF75}" type="presParOf" srcId="{9CDB8CE9-970D-4AE0-A1DF-2C7E56965002}" destId="{7A84F4C7-3A45-467C-B0B2-6AD99C65961A}" srcOrd="0" destOrd="0" presId="urn:microsoft.com/office/officeart/2005/8/layout/hProcess6"/>
+    <dgm:cxn modelId="{2239C11D-D862-4AC7-A696-D0C1EDB8907D}" type="presParOf" srcId="{9CDB8CE9-970D-4AE0-A1DF-2C7E56965002}" destId="{457D56E9-BABF-4DAA-B00A-0413EC3B98F0}" srcOrd="1" destOrd="0" presId="urn:microsoft.com/office/officeart/2005/8/layout/hProcess6"/>
+    <dgm:cxn modelId="{C7A3BCBB-27EC-451B-B0B3-BB1BB6ACB49F}" type="presParOf" srcId="{9CDB8CE9-970D-4AE0-A1DF-2C7E56965002}" destId="{049AFD20-6B73-47B9-AC83-32D61B685470}" srcOrd="2" destOrd="0" presId="urn:microsoft.com/office/officeart/2005/8/layout/hProcess6"/>
+    <dgm:cxn modelId="{4C4B14FE-F1E1-4523-8C4F-10594C778A36}" type="presParOf" srcId="{9CDB8CE9-970D-4AE0-A1DF-2C7E56965002}" destId="{ABD3C4A2-111C-4AE8-98A9-E78ACB0A510B}" srcOrd="3" destOrd="0" presId="urn:microsoft.com/office/officeart/2005/8/layout/hProcess6"/>
   </dgm:cxnLst>
   <dgm:bg/>
   <dgm:whole/>
@@ -4581,504 +3687,6 @@
 </file>
 
 <file path=ppt/diagrams/data2.xml><?xml version="1.0" encoding="utf-8"?>
-<dgm:dataModel xmlns:dgm="http://schemas.openxmlformats.org/drawingml/2006/diagram" xmlns:a="http://schemas.openxmlformats.org/drawingml/2006/main">
-  <dgm:ptLst>
-    <dgm:pt modelId="{8CFA3F15-CDB4-4E87-8C55-796BC5BC2ACE}" type="doc">
-      <dgm:prSet loTypeId="urn:microsoft.com/office/officeart/2005/8/layout/hProcess6" loCatId="process" qsTypeId="urn:microsoft.com/office/officeart/2005/8/quickstyle/simple1" qsCatId="simple" csTypeId="urn:microsoft.com/office/officeart/2005/8/colors/accent1_2" csCatId="accent1" phldr="1"/>
-      <dgm:spPr/>
-      <dgm:t>
-        <a:bodyPr/>
-        <a:lstStyle/>
-        <a:p>
-          <a:endParaRPr lang="es-ES"/>
-        </a:p>
-      </dgm:t>
-    </dgm:pt>
-    <dgm:pt modelId="{1B0363D8-0367-4F48-AB19-B0D674DCBDFD}">
-      <dgm:prSet phldrT="[Texto]"/>
-      <dgm:spPr/>
-      <dgm:t>
-        <a:bodyPr/>
-        <a:lstStyle/>
-        <a:p>
-          <a:r>
-            <a:rPr lang="es-ES" smtClean="0"/>
-            <a:t>Convertir el qüestionari en una app</a:t>
-          </a:r>
-          <a:endParaRPr lang="es-ES"/>
-        </a:p>
-      </dgm:t>
-    </dgm:pt>
-    <dgm:pt modelId="{AC984062-FED2-446B-9345-AE1FC5C0DF38}" type="parTrans" cxnId="{0192BC3B-3D76-40CB-9486-FC8A36592C3E}">
-      <dgm:prSet/>
-      <dgm:spPr/>
-      <dgm:t>
-        <a:bodyPr/>
-        <a:lstStyle/>
-        <a:p>
-          <a:endParaRPr lang="es-ES"/>
-        </a:p>
-      </dgm:t>
-    </dgm:pt>
-    <dgm:pt modelId="{A296782E-A11C-4918-A49A-70940DC2FD1C}" type="sibTrans" cxnId="{0192BC3B-3D76-40CB-9486-FC8A36592C3E}">
-      <dgm:prSet/>
-      <dgm:spPr/>
-      <dgm:t>
-        <a:bodyPr/>
-        <a:lstStyle/>
-        <a:p>
-          <a:endParaRPr lang="es-ES"/>
-        </a:p>
-      </dgm:t>
-    </dgm:pt>
-    <dgm:pt modelId="{7839A93D-C4F4-4C0B-975E-7898EEA1093D}">
-      <dgm:prSet phldrT="[Texto]"/>
-      <dgm:spPr/>
-      <dgm:t>
-        <a:bodyPr/>
-        <a:lstStyle/>
-        <a:p>
-          <a:r>
-            <a:rPr lang="es-ES" dirty="0" err="1" smtClean="0"/>
-            <a:t>Disponibilitat</a:t>
-          </a:r>
-          <a:endParaRPr lang="es-ES" dirty="0"/>
-        </a:p>
-      </dgm:t>
-    </dgm:pt>
-    <dgm:pt modelId="{52C6D2CE-61A0-4C52-AEF1-F3D81A751664}" type="parTrans" cxnId="{6768F2BA-9F47-4C9A-B172-3A9FF06DBB2D}">
-      <dgm:prSet/>
-      <dgm:spPr/>
-      <dgm:t>
-        <a:bodyPr/>
-        <a:lstStyle/>
-        <a:p>
-          <a:endParaRPr lang="es-ES"/>
-        </a:p>
-      </dgm:t>
-    </dgm:pt>
-    <dgm:pt modelId="{30731B15-C810-4AE0-B11E-00AA438E4042}" type="sibTrans" cxnId="{6768F2BA-9F47-4C9A-B172-3A9FF06DBB2D}">
-      <dgm:prSet/>
-      <dgm:spPr/>
-      <dgm:t>
-        <a:bodyPr/>
-        <a:lstStyle/>
-        <a:p>
-          <a:endParaRPr lang="es-ES"/>
-        </a:p>
-      </dgm:t>
-    </dgm:pt>
-    <dgm:pt modelId="{301F2220-A48B-4EE8-B86A-728339E365F3}">
-      <dgm:prSet phldrT="[Texto]"/>
-      <dgm:spPr/>
-      <dgm:t>
-        <a:bodyPr/>
-        <a:lstStyle/>
-        <a:p>
-          <a:r>
-            <a:rPr lang="es-ES" dirty="0" err="1" smtClean="0"/>
-            <a:t>Facilitat</a:t>
-          </a:r>
-          <a:endParaRPr lang="es-ES" dirty="0"/>
-        </a:p>
-      </dgm:t>
-    </dgm:pt>
-    <dgm:pt modelId="{70C99F6C-E755-456F-B49D-02EC45016A4D}" type="parTrans" cxnId="{27FADA3E-5163-497D-ABA3-2BD98D95C714}">
-      <dgm:prSet/>
-      <dgm:spPr/>
-      <dgm:t>
-        <a:bodyPr/>
-        <a:lstStyle/>
-        <a:p>
-          <a:endParaRPr lang="es-ES"/>
-        </a:p>
-      </dgm:t>
-    </dgm:pt>
-    <dgm:pt modelId="{080682DF-4572-4030-961F-E679A8343956}" type="sibTrans" cxnId="{27FADA3E-5163-497D-ABA3-2BD98D95C714}">
-      <dgm:prSet/>
-      <dgm:spPr/>
-      <dgm:t>
-        <a:bodyPr/>
-        <a:lstStyle/>
-        <a:p>
-          <a:endParaRPr lang="es-ES"/>
-        </a:p>
-      </dgm:t>
-    </dgm:pt>
-    <dgm:pt modelId="{C2C0682B-492B-4354-BD03-E1EA6DA555E8}">
-      <dgm:prSet phldrT="[Texto]"/>
-      <dgm:spPr/>
-      <dgm:t>
-        <a:bodyPr/>
-        <a:lstStyle/>
-        <a:p>
-          <a:r>
-            <a:rPr lang="es-ES" dirty="0" err="1" smtClean="0"/>
-            <a:t>Llibertat</a:t>
-          </a:r>
-          <a:endParaRPr lang="es-ES" dirty="0"/>
-        </a:p>
-      </dgm:t>
-    </dgm:pt>
-    <dgm:pt modelId="{67A2491E-F9C5-4351-B80F-84E9656D565F}" type="parTrans" cxnId="{192427F5-871E-443B-93F2-55ECBA4CB858}">
-      <dgm:prSet/>
-      <dgm:spPr/>
-      <dgm:t>
-        <a:bodyPr/>
-        <a:lstStyle/>
-        <a:p>
-          <a:endParaRPr lang="es-ES"/>
-        </a:p>
-      </dgm:t>
-    </dgm:pt>
-    <dgm:pt modelId="{957C5811-416D-4E0B-BF02-A352885BC917}" type="sibTrans" cxnId="{192427F5-871E-443B-93F2-55ECBA4CB858}">
-      <dgm:prSet/>
-      <dgm:spPr/>
-      <dgm:t>
-        <a:bodyPr/>
-        <a:lstStyle/>
-        <a:p>
-          <a:endParaRPr lang="es-ES"/>
-        </a:p>
-      </dgm:t>
-    </dgm:pt>
-    <dgm:pt modelId="{C1A666B7-1592-4D1C-91A2-2513E2079F0A}">
-      <dgm:prSet phldrT="[Texto]"/>
-      <dgm:spPr/>
-      <dgm:t>
-        <a:bodyPr/>
-        <a:lstStyle/>
-        <a:p>
-          <a:r>
-            <a:rPr lang="es-ES" dirty="0" err="1" smtClean="0"/>
-            <a:t>Gamificar</a:t>
-          </a:r>
-          <a:r>
-            <a:rPr lang="es-ES" dirty="0" smtClean="0"/>
-            <a:t> </a:t>
-          </a:r>
-          <a:r>
-            <a:rPr lang="es-ES" dirty="0" err="1" smtClean="0"/>
-            <a:t>l’app</a:t>
-          </a:r>
-          <a:r>
-            <a:rPr lang="es-ES" dirty="0" smtClean="0"/>
-            <a:t> del </a:t>
-          </a:r>
-          <a:r>
-            <a:rPr lang="es-ES" dirty="0" err="1" smtClean="0"/>
-            <a:t>qüestionari</a:t>
-          </a:r>
-          <a:endParaRPr lang="es-ES" dirty="0"/>
-        </a:p>
-      </dgm:t>
-    </dgm:pt>
-    <dgm:pt modelId="{0DEC7D26-C9AF-4625-80D3-FF4C6A51A6A9}" type="parTrans" cxnId="{E52E644F-4233-44E0-86B4-20F982E95E2F}">
-      <dgm:prSet/>
-      <dgm:spPr/>
-      <dgm:t>
-        <a:bodyPr/>
-        <a:lstStyle/>
-        <a:p>
-          <a:endParaRPr lang="es-ES"/>
-        </a:p>
-      </dgm:t>
-    </dgm:pt>
-    <dgm:pt modelId="{BCD2FB37-A775-4266-990A-5359CDEE2508}" type="sibTrans" cxnId="{E52E644F-4233-44E0-86B4-20F982E95E2F}">
-      <dgm:prSet/>
-      <dgm:spPr/>
-      <dgm:t>
-        <a:bodyPr/>
-        <a:lstStyle/>
-        <a:p>
-          <a:endParaRPr lang="es-ES"/>
-        </a:p>
-      </dgm:t>
-    </dgm:pt>
-    <dgm:pt modelId="{E3AED74B-6BA9-484F-B754-8C8A6D9487C7}">
-      <dgm:prSet phldrT="[Texto]"/>
-      <dgm:spPr/>
-      <dgm:t>
-        <a:bodyPr/>
-        <a:lstStyle/>
-        <a:p>
-          <a:r>
-            <a:rPr lang="es-ES" dirty="0" err="1" smtClean="0"/>
-            <a:t>Amenització</a:t>
-          </a:r>
-          <a:endParaRPr lang="es-ES" dirty="0"/>
-        </a:p>
-      </dgm:t>
-    </dgm:pt>
-    <dgm:pt modelId="{294B35F8-D523-464F-8306-8426BF7E47A5}" type="parTrans" cxnId="{B4B8274A-192B-468C-8809-F9713FB5F184}">
-      <dgm:prSet/>
-      <dgm:spPr/>
-      <dgm:t>
-        <a:bodyPr/>
-        <a:lstStyle/>
-        <a:p>
-          <a:endParaRPr lang="es-ES"/>
-        </a:p>
-      </dgm:t>
-    </dgm:pt>
-    <dgm:pt modelId="{F619B34A-B9BC-4CAD-94E5-2580841B2035}" type="sibTrans" cxnId="{B4B8274A-192B-468C-8809-F9713FB5F184}">
-      <dgm:prSet/>
-      <dgm:spPr/>
-      <dgm:t>
-        <a:bodyPr/>
-        <a:lstStyle/>
-        <a:p>
-          <a:endParaRPr lang="es-ES"/>
-        </a:p>
-      </dgm:t>
-    </dgm:pt>
-    <dgm:pt modelId="{9A70C89D-5FB2-48CA-9D74-2026CB1790B5}">
-      <dgm:prSet phldrT="[Texto]"/>
-      <dgm:spPr/>
-      <dgm:t>
-        <a:bodyPr/>
-        <a:lstStyle/>
-        <a:p>
-          <a:r>
-            <a:rPr lang="es-ES" dirty="0" err="1" smtClean="0"/>
-            <a:t>Motivació</a:t>
-          </a:r>
-          <a:endParaRPr lang="es-ES" dirty="0"/>
-        </a:p>
-      </dgm:t>
-    </dgm:pt>
-    <dgm:pt modelId="{7508CA98-8915-4E42-81F4-C57C3877433B}" type="parTrans" cxnId="{CF53DE66-EF75-4A74-A508-F526B8BFE2A3}">
-      <dgm:prSet/>
-      <dgm:spPr/>
-      <dgm:t>
-        <a:bodyPr/>
-        <a:lstStyle/>
-        <a:p>
-          <a:endParaRPr lang="es-ES"/>
-        </a:p>
-      </dgm:t>
-    </dgm:pt>
-    <dgm:pt modelId="{577DAAA9-43EA-4AD4-97B1-5E09537F1341}" type="sibTrans" cxnId="{CF53DE66-EF75-4A74-A508-F526B8BFE2A3}">
-      <dgm:prSet/>
-      <dgm:spPr/>
-      <dgm:t>
-        <a:bodyPr/>
-        <a:lstStyle/>
-        <a:p>
-          <a:endParaRPr lang="es-ES"/>
-        </a:p>
-      </dgm:t>
-    </dgm:pt>
-    <dgm:pt modelId="{1EEC1F3E-44ED-4583-82ED-47F893A785BD}">
-      <dgm:prSet phldrT="[Texto]"/>
-      <dgm:spPr/>
-      <dgm:t>
-        <a:bodyPr/>
-        <a:lstStyle/>
-        <a:p>
-          <a:r>
-            <a:rPr lang="es-ES" dirty="0" err="1" smtClean="0"/>
-            <a:t>Incentiu</a:t>
-          </a:r>
-          <a:r>
-            <a:rPr lang="es-ES" dirty="0" smtClean="0"/>
-            <a:t> per acabar</a:t>
-          </a:r>
-          <a:endParaRPr lang="es-ES" dirty="0"/>
-        </a:p>
-      </dgm:t>
-    </dgm:pt>
-    <dgm:pt modelId="{C53C0339-468E-4F47-81B0-6A4BD2B6EE4F}" type="parTrans" cxnId="{A7847445-DCC5-42CA-BAB7-6BBA5388A075}">
-      <dgm:prSet/>
-      <dgm:spPr/>
-      <dgm:t>
-        <a:bodyPr/>
-        <a:lstStyle/>
-        <a:p>
-          <a:endParaRPr lang="es-ES"/>
-        </a:p>
-      </dgm:t>
-    </dgm:pt>
-    <dgm:pt modelId="{B487FB06-F045-4383-A26F-36C1D8480CA0}" type="sibTrans" cxnId="{A7847445-DCC5-42CA-BAB7-6BBA5388A075}">
-      <dgm:prSet/>
-      <dgm:spPr/>
-      <dgm:t>
-        <a:bodyPr/>
-        <a:lstStyle/>
-        <a:p>
-          <a:endParaRPr lang="es-ES"/>
-        </a:p>
-      </dgm:t>
-    </dgm:pt>
-    <dgm:pt modelId="{D8C8F20A-58BC-4560-8401-C5EB3186DAFF}" type="pres">
-      <dgm:prSet presAssocID="{8CFA3F15-CDB4-4E87-8C55-796BC5BC2ACE}" presName="theList" presStyleCnt="0">
-        <dgm:presLayoutVars>
-          <dgm:dir/>
-          <dgm:animLvl val="lvl"/>
-          <dgm:resizeHandles val="exact"/>
-        </dgm:presLayoutVars>
-      </dgm:prSet>
-      <dgm:spPr/>
-      <dgm:t>
-        <a:bodyPr/>
-        <a:lstStyle/>
-        <a:p>
-          <a:endParaRPr lang="es-ES"/>
-        </a:p>
-      </dgm:t>
-    </dgm:pt>
-    <dgm:pt modelId="{9CDB8CE9-970D-4AE0-A1DF-2C7E56965002}" type="pres">
-      <dgm:prSet presAssocID="{1B0363D8-0367-4F48-AB19-B0D674DCBDFD}" presName="compNode" presStyleCnt="0"/>
-      <dgm:spPr/>
-    </dgm:pt>
-    <dgm:pt modelId="{7A84F4C7-3A45-467C-B0B2-6AD99C65961A}" type="pres">
-      <dgm:prSet presAssocID="{1B0363D8-0367-4F48-AB19-B0D674DCBDFD}" presName="noGeometry" presStyleCnt="0"/>
-      <dgm:spPr/>
-    </dgm:pt>
-    <dgm:pt modelId="{457D56E9-BABF-4DAA-B00A-0413EC3B98F0}" type="pres">
-      <dgm:prSet presAssocID="{1B0363D8-0367-4F48-AB19-B0D674DCBDFD}" presName="childTextVisible" presStyleLbl="bgAccFollowNode1" presStyleIdx="0" presStyleCnt="2">
-        <dgm:presLayoutVars>
-          <dgm:bulletEnabled val="1"/>
-        </dgm:presLayoutVars>
-      </dgm:prSet>
-      <dgm:spPr/>
-      <dgm:t>
-        <a:bodyPr/>
-        <a:lstStyle/>
-        <a:p>
-          <a:endParaRPr lang="es-ES"/>
-        </a:p>
-      </dgm:t>
-    </dgm:pt>
-    <dgm:pt modelId="{049AFD20-6B73-47B9-AC83-32D61B685470}" type="pres">
-      <dgm:prSet presAssocID="{1B0363D8-0367-4F48-AB19-B0D674DCBDFD}" presName="childTextHidden" presStyleLbl="bgAccFollowNode1" presStyleIdx="0" presStyleCnt="2"/>
-      <dgm:spPr/>
-      <dgm:t>
-        <a:bodyPr/>
-        <a:lstStyle/>
-        <a:p>
-          <a:endParaRPr lang="es-ES"/>
-        </a:p>
-      </dgm:t>
-    </dgm:pt>
-    <dgm:pt modelId="{ABD3C4A2-111C-4AE8-98A9-E78ACB0A510B}" type="pres">
-      <dgm:prSet presAssocID="{1B0363D8-0367-4F48-AB19-B0D674DCBDFD}" presName="parentText" presStyleLbl="node1" presStyleIdx="0" presStyleCnt="2">
-        <dgm:presLayoutVars>
-          <dgm:chMax val="1"/>
-          <dgm:bulletEnabled val="1"/>
-        </dgm:presLayoutVars>
-      </dgm:prSet>
-      <dgm:spPr/>
-      <dgm:t>
-        <a:bodyPr/>
-        <a:lstStyle/>
-        <a:p>
-          <a:endParaRPr lang="es-ES"/>
-        </a:p>
-      </dgm:t>
-    </dgm:pt>
-    <dgm:pt modelId="{A815A7A9-FE2E-48DF-9DB8-DC9D5510C24F}" type="pres">
-      <dgm:prSet presAssocID="{1B0363D8-0367-4F48-AB19-B0D674DCBDFD}" presName="aSpace" presStyleCnt="0"/>
-      <dgm:spPr/>
-    </dgm:pt>
-    <dgm:pt modelId="{54A8A954-1941-4B13-A381-FB71103FED5A}" type="pres">
-      <dgm:prSet presAssocID="{C1A666B7-1592-4D1C-91A2-2513E2079F0A}" presName="compNode" presStyleCnt="0"/>
-      <dgm:spPr/>
-    </dgm:pt>
-    <dgm:pt modelId="{4488ED4D-EB71-474A-9A0B-15A81B42707F}" type="pres">
-      <dgm:prSet presAssocID="{C1A666B7-1592-4D1C-91A2-2513E2079F0A}" presName="noGeometry" presStyleCnt="0"/>
-      <dgm:spPr/>
-    </dgm:pt>
-    <dgm:pt modelId="{848967BD-4557-4B56-9A41-D9DDF085041D}" type="pres">
-      <dgm:prSet presAssocID="{C1A666B7-1592-4D1C-91A2-2513E2079F0A}" presName="childTextVisible" presStyleLbl="bgAccFollowNode1" presStyleIdx="1" presStyleCnt="2">
-        <dgm:presLayoutVars>
-          <dgm:bulletEnabled val="1"/>
-        </dgm:presLayoutVars>
-      </dgm:prSet>
-      <dgm:spPr/>
-      <dgm:t>
-        <a:bodyPr/>
-        <a:lstStyle/>
-        <a:p>
-          <a:endParaRPr lang="es-ES"/>
-        </a:p>
-      </dgm:t>
-    </dgm:pt>
-    <dgm:pt modelId="{E489659D-A32E-4578-85BB-A9B92CF0D21D}" type="pres">
-      <dgm:prSet presAssocID="{C1A666B7-1592-4D1C-91A2-2513E2079F0A}" presName="childTextHidden" presStyleLbl="bgAccFollowNode1" presStyleIdx="1" presStyleCnt="2"/>
-      <dgm:spPr/>
-      <dgm:t>
-        <a:bodyPr/>
-        <a:lstStyle/>
-        <a:p>
-          <a:endParaRPr lang="es-ES"/>
-        </a:p>
-      </dgm:t>
-    </dgm:pt>
-    <dgm:pt modelId="{6774F73C-4113-4451-8653-E0D27E133E29}" type="pres">
-      <dgm:prSet presAssocID="{C1A666B7-1592-4D1C-91A2-2513E2079F0A}" presName="parentText" presStyleLbl="node1" presStyleIdx="1" presStyleCnt="2">
-        <dgm:presLayoutVars>
-          <dgm:chMax val="1"/>
-          <dgm:bulletEnabled val="1"/>
-        </dgm:presLayoutVars>
-      </dgm:prSet>
-      <dgm:spPr/>
-      <dgm:t>
-        <a:bodyPr/>
-        <a:lstStyle/>
-        <a:p>
-          <a:endParaRPr lang="es-ES"/>
-        </a:p>
-      </dgm:t>
-    </dgm:pt>
-  </dgm:ptLst>
-  <dgm:cxnLst>
-    <dgm:cxn modelId="{0192BC3B-3D76-40CB-9486-FC8A36592C3E}" srcId="{8CFA3F15-CDB4-4E87-8C55-796BC5BC2ACE}" destId="{1B0363D8-0367-4F48-AB19-B0D674DCBDFD}" srcOrd="0" destOrd="0" parTransId="{AC984062-FED2-446B-9345-AE1FC5C0DF38}" sibTransId="{A296782E-A11C-4918-A49A-70940DC2FD1C}"/>
-    <dgm:cxn modelId="{7245DEBC-5AD9-493E-91B6-7D3D5EA9B2E7}" type="presOf" srcId="{E3AED74B-6BA9-484F-B754-8C8A6D9487C7}" destId="{848967BD-4557-4B56-9A41-D9DDF085041D}" srcOrd="0" destOrd="0" presId="urn:microsoft.com/office/officeart/2005/8/layout/hProcess6"/>
-    <dgm:cxn modelId="{41B6446F-B455-48ED-8E76-ED1F0E8A138C}" type="presOf" srcId="{C2C0682B-492B-4354-BD03-E1EA6DA555E8}" destId="{457D56E9-BABF-4DAA-B00A-0413EC3B98F0}" srcOrd="0" destOrd="2" presId="urn:microsoft.com/office/officeart/2005/8/layout/hProcess6"/>
-    <dgm:cxn modelId="{CF53DE66-EF75-4A74-A508-F526B8BFE2A3}" srcId="{C1A666B7-1592-4D1C-91A2-2513E2079F0A}" destId="{9A70C89D-5FB2-48CA-9D74-2026CB1790B5}" srcOrd="1" destOrd="0" parTransId="{7508CA98-8915-4E42-81F4-C57C3877433B}" sibTransId="{577DAAA9-43EA-4AD4-97B1-5E09537F1341}"/>
-    <dgm:cxn modelId="{692A4DEC-21F5-42B6-B79A-2D60FDF97423}" type="presOf" srcId="{7839A93D-C4F4-4C0B-975E-7898EEA1093D}" destId="{049AFD20-6B73-47B9-AC83-32D61B685470}" srcOrd="1" destOrd="0" presId="urn:microsoft.com/office/officeart/2005/8/layout/hProcess6"/>
-    <dgm:cxn modelId="{73DE0F20-2603-41BF-AB0B-6D6799D1CC3E}" type="presOf" srcId="{1EEC1F3E-44ED-4583-82ED-47F893A785BD}" destId="{848967BD-4557-4B56-9A41-D9DDF085041D}" srcOrd="0" destOrd="2" presId="urn:microsoft.com/office/officeart/2005/8/layout/hProcess6"/>
-    <dgm:cxn modelId="{27FADA3E-5163-497D-ABA3-2BD98D95C714}" srcId="{1B0363D8-0367-4F48-AB19-B0D674DCBDFD}" destId="{301F2220-A48B-4EE8-B86A-728339E365F3}" srcOrd="1" destOrd="0" parTransId="{70C99F6C-E755-456F-B49D-02EC45016A4D}" sibTransId="{080682DF-4572-4030-961F-E679A8343956}"/>
-    <dgm:cxn modelId="{6C045429-0161-433D-BA07-1203029A99A4}" type="presOf" srcId="{9A70C89D-5FB2-48CA-9D74-2026CB1790B5}" destId="{848967BD-4557-4B56-9A41-D9DDF085041D}" srcOrd="0" destOrd="1" presId="urn:microsoft.com/office/officeart/2005/8/layout/hProcess6"/>
-    <dgm:cxn modelId="{A0AFFE47-4587-4345-B3AB-6067EA3E67B2}" type="presOf" srcId="{C2C0682B-492B-4354-BD03-E1EA6DA555E8}" destId="{049AFD20-6B73-47B9-AC83-32D61B685470}" srcOrd="1" destOrd="2" presId="urn:microsoft.com/office/officeart/2005/8/layout/hProcess6"/>
-    <dgm:cxn modelId="{C165C8B3-8DC5-4978-AB69-53851A6C7EC6}" type="presOf" srcId="{301F2220-A48B-4EE8-B86A-728339E365F3}" destId="{457D56E9-BABF-4DAA-B00A-0413EC3B98F0}" srcOrd="0" destOrd="1" presId="urn:microsoft.com/office/officeart/2005/8/layout/hProcess6"/>
-    <dgm:cxn modelId="{1D4D93EA-01AA-4B26-AAE0-65094AC07F3A}" type="presOf" srcId="{8CFA3F15-CDB4-4E87-8C55-796BC5BC2ACE}" destId="{D8C8F20A-58BC-4560-8401-C5EB3186DAFF}" srcOrd="0" destOrd="0" presId="urn:microsoft.com/office/officeart/2005/8/layout/hProcess6"/>
-    <dgm:cxn modelId="{A7847445-DCC5-42CA-BAB7-6BBA5388A075}" srcId="{C1A666B7-1592-4D1C-91A2-2513E2079F0A}" destId="{1EEC1F3E-44ED-4583-82ED-47F893A785BD}" srcOrd="2" destOrd="0" parTransId="{C53C0339-468E-4F47-81B0-6A4BD2B6EE4F}" sibTransId="{B487FB06-F045-4383-A26F-36C1D8480CA0}"/>
-    <dgm:cxn modelId="{B4B8274A-192B-468C-8809-F9713FB5F184}" srcId="{C1A666B7-1592-4D1C-91A2-2513E2079F0A}" destId="{E3AED74B-6BA9-484F-B754-8C8A6D9487C7}" srcOrd="0" destOrd="0" parTransId="{294B35F8-D523-464F-8306-8426BF7E47A5}" sibTransId="{F619B34A-B9BC-4CAD-94E5-2580841B2035}"/>
-    <dgm:cxn modelId="{9DA822CB-5DC0-4615-A74A-7361C42345BE}" type="presOf" srcId="{7839A93D-C4F4-4C0B-975E-7898EEA1093D}" destId="{457D56E9-BABF-4DAA-B00A-0413EC3B98F0}" srcOrd="0" destOrd="0" presId="urn:microsoft.com/office/officeart/2005/8/layout/hProcess6"/>
-    <dgm:cxn modelId="{192427F5-871E-443B-93F2-55ECBA4CB858}" srcId="{1B0363D8-0367-4F48-AB19-B0D674DCBDFD}" destId="{C2C0682B-492B-4354-BD03-E1EA6DA555E8}" srcOrd="2" destOrd="0" parTransId="{67A2491E-F9C5-4351-B80F-84E9656D565F}" sibTransId="{957C5811-416D-4E0B-BF02-A352885BC917}"/>
-    <dgm:cxn modelId="{C9F68231-9423-4F3E-BFA6-52EF1F58ECD3}" type="presOf" srcId="{9A70C89D-5FB2-48CA-9D74-2026CB1790B5}" destId="{E489659D-A32E-4578-85BB-A9B92CF0D21D}" srcOrd="1" destOrd="1" presId="urn:microsoft.com/office/officeart/2005/8/layout/hProcess6"/>
-    <dgm:cxn modelId="{6768F2BA-9F47-4C9A-B172-3A9FF06DBB2D}" srcId="{1B0363D8-0367-4F48-AB19-B0D674DCBDFD}" destId="{7839A93D-C4F4-4C0B-975E-7898EEA1093D}" srcOrd="0" destOrd="0" parTransId="{52C6D2CE-61A0-4C52-AEF1-F3D81A751664}" sibTransId="{30731B15-C810-4AE0-B11E-00AA438E4042}"/>
-    <dgm:cxn modelId="{4E65DFDB-82F3-48D1-A709-90FBB91C23E8}" type="presOf" srcId="{C1A666B7-1592-4D1C-91A2-2513E2079F0A}" destId="{6774F73C-4113-4451-8653-E0D27E133E29}" srcOrd="0" destOrd="0" presId="urn:microsoft.com/office/officeart/2005/8/layout/hProcess6"/>
-    <dgm:cxn modelId="{6B66AD88-7DC9-40BC-81D7-710DCA20DB4A}" type="presOf" srcId="{E3AED74B-6BA9-484F-B754-8C8A6D9487C7}" destId="{E489659D-A32E-4578-85BB-A9B92CF0D21D}" srcOrd="1" destOrd="0" presId="urn:microsoft.com/office/officeart/2005/8/layout/hProcess6"/>
-    <dgm:cxn modelId="{A7E289DE-95CB-41C9-988C-64DB30688CD0}" type="presOf" srcId="{1B0363D8-0367-4F48-AB19-B0D674DCBDFD}" destId="{ABD3C4A2-111C-4AE8-98A9-E78ACB0A510B}" srcOrd="0" destOrd="0" presId="urn:microsoft.com/office/officeart/2005/8/layout/hProcess6"/>
-    <dgm:cxn modelId="{E52E644F-4233-44E0-86B4-20F982E95E2F}" srcId="{8CFA3F15-CDB4-4E87-8C55-796BC5BC2ACE}" destId="{C1A666B7-1592-4D1C-91A2-2513E2079F0A}" srcOrd="1" destOrd="0" parTransId="{0DEC7D26-C9AF-4625-80D3-FF4C6A51A6A9}" sibTransId="{BCD2FB37-A775-4266-990A-5359CDEE2508}"/>
-    <dgm:cxn modelId="{E1A04EEF-1AC7-4020-8A20-FF9EDBD693B8}" type="presOf" srcId="{1EEC1F3E-44ED-4583-82ED-47F893A785BD}" destId="{E489659D-A32E-4578-85BB-A9B92CF0D21D}" srcOrd="1" destOrd="2" presId="urn:microsoft.com/office/officeart/2005/8/layout/hProcess6"/>
-    <dgm:cxn modelId="{1AD7A617-7584-4D9C-A99B-2A9E1734FF74}" type="presOf" srcId="{301F2220-A48B-4EE8-B86A-728339E365F3}" destId="{049AFD20-6B73-47B9-AC83-32D61B685470}" srcOrd="1" destOrd="1" presId="urn:microsoft.com/office/officeart/2005/8/layout/hProcess6"/>
-    <dgm:cxn modelId="{EE68230C-F14F-47E8-81B5-B891E14EDDAB}" type="presParOf" srcId="{D8C8F20A-58BC-4560-8401-C5EB3186DAFF}" destId="{9CDB8CE9-970D-4AE0-A1DF-2C7E56965002}" srcOrd="0" destOrd="0" presId="urn:microsoft.com/office/officeart/2005/8/layout/hProcess6"/>
-    <dgm:cxn modelId="{FA3F609F-8449-41FA-9A4F-EF910B56AF75}" type="presParOf" srcId="{9CDB8CE9-970D-4AE0-A1DF-2C7E56965002}" destId="{7A84F4C7-3A45-467C-B0B2-6AD99C65961A}" srcOrd="0" destOrd="0" presId="urn:microsoft.com/office/officeart/2005/8/layout/hProcess6"/>
-    <dgm:cxn modelId="{2239C11D-D862-4AC7-A696-D0C1EDB8907D}" type="presParOf" srcId="{9CDB8CE9-970D-4AE0-A1DF-2C7E56965002}" destId="{457D56E9-BABF-4DAA-B00A-0413EC3B98F0}" srcOrd="1" destOrd="0" presId="urn:microsoft.com/office/officeart/2005/8/layout/hProcess6"/>
-    <dgm:cxn modelId="{C7A3BCBB-27EC-451B-B0B3-BB1BB6ACB49F}" type="presParOf" srcId="{9CDB8CE9-970D-4AE0-A1DF-2C7E56965002}" destId="{049AFD20-6B73-47B9-AC83-32D61B685470}" srcOrd="2" destOrd="0" presId="urn:microsoft.com/office/officeart/2005/8/layout/hProcess6"/>
-    <dgm:cxn modelId="{4C4B14FE-F1E1-4523-8C4F-10594C778A36}" type="presParOf" srcId="{9CDB8CE9-970D-4AE0-A1DF-2C7E56965002}" destId="{ABD3C4A2-111C-4AE8-98A9-E78ACB0A510B}" srcOrd="3" destOrd="0" presId="urn:microsoft.com/office/officeart/2005/8/layout/hProcess6"/>
-    <dgm:cxn modelId="{EF3EB058-2B55-4D2F-95C2-4FC0F0210D64}" type="presParOf" srcId="{D8C8F20A-58BC-4560-8401-C5EB3186DAFF}" destId="{A815A7A9-FE2E-48DF-9DB8-DC9D5510C24F}" srcOrd="1" destOrd="0" presId="urn:microsoft.com/office/officeart/2005/8/layout/hProcess6"/>
-    <dgm:cxn modelId="{7C121809-F2E0-41DB-90BC-3994900FC8E1}" type="presParOf" srcId="{D8C8F20A-58BC-4560-8401-C5EB3186DAFF}" destId="{54A8A954-1941-4B13-A381-FB71103FED5A}" srcOrd="2" destOrd="0" presId="urn:microsoft.com/office/officeart/2005/8/layout/hProcess6"/>
-    <dgm:cxn modelId="{3B6CDAB0-F565-4639-9373-F324409FBB8B}" type="presParOf" srcId="{54A8A954-1941-4B13-A381-FB71103FED5A}" destId="{4488ED4D-EB71-474A-9A0B-15A81B42707F}" srcOrd="0" destOrd="0" presId="urn:microsoft.com/office/officeart/2005/8/layout/hProcess6"/>
-    <dgm:cxn modelId="{C9721A85-12C5-4F1F-AF12-0A56E5EDBBBD}" type="presParOf" srcId="{54A8A954-1941-4B13-A381-FB71103FED5A}" destId="{848967BD-4557-4B56-9A41-D9DDF085041D}" srcOrd="1" destOrd="0" presId="urn:microsoft.com/office/officeart/2005/8/layout/hProcess6"/>
-    <dgm:cxn modelId="{65631AEE-0367-47C8-B034-02D25CD64F93}" type="presParOf" srcId="{54A8A954-1941-4B13-A381-FB71103FED5A}" destId="{E489659D-A32E-4578-85BB-A9B92CF0D21D}" srcOrd="2" destOrd="0" presId="urn:microsoft.com/office/officeart/2005/8/layout/hProcess6"/>
-    <dgm:cxn modelId="{DBA75BF3-BF0E-472C-A5C6-14BA792A6424}" type="presParOf" srcId="{54A8A954-1941-4B13-A381-FB71103FED5A}" destId="{6774F73C-4113-4451-8653-E0D27E133E29}" srcOrd="3" destOrd="0" presId="urn:microsoft.com/office/officeart/2005/8/layout/hProcess6"/>
-  </dgm:cxnLst>
-  <dgm:bg/>
-  <dgm:whole/>
-  <dgm:extLst>
-    <a:ext uri="http://schemas.microsoft.com/office/drawing/2008/diagram">
-      <dsp:dataModelExt xmlns:dsp="http://schemas.microsoft.com/office/drawing/2008/diagram" relId="rId6" minVer="http://schemas.openxmlformats.org/drawingml/2006/diagram"/>
-    </a:ext>
-  </dgm:extLst>
-</dgm:dataModel>
-</file>
-
-<file path=ppt/diagrams/data3.xml><?xml version="1.0" encoding="utf-8"?>
 <dgm:dataModel xmlns:dgm="http://schemas.openxmlformats.org/drawingml/2006/diagram" xmlns:a="http://schemas.openxmlformats.org/drawingml/2006/main">
   <dgm:ptLst>
     <dgm:pt modelId="{25F046C1-1400-49D9-864F-4886E87F22D2}" type="doc">
@@ -7145,7 +5753,7 @@
 </dgm:dataModel>
 </file>
 
-<file path=ppt/diagrams/data4.xml><?xml version="1.0" encoding="utf-8"?>
+<file path=ppt/diagrams/data3.xml><?xml version="1.0" encoding="utf-8"?>
 <dgm:dataModel xmlns:dgm="http://schemas.openxmlformats.org/drawingml/2006/diagram" xmlns:a="http://schemas.openxmlformats.org/drawingml/2006/main">
   <dgm:ptLst>
     <dgm:pt modelId="{FFEBBB17-CE08-476F-BD2A-6C9E39492D7B}" type="doc">
@@ -8145,641 +6753,6 @@
       <dsp:cNvGrpSpPr/>
     </dsp:nvGrpSpPr>
     <dsp:grpSpPr/>
-    <dsp:sp modelId="{5C73E24C-331D-4A02-83DD-4A12C85D8F52}">
-      <dsp:nvSpPr>
-        <dsp:cNvPr id="0" name=""/>
-        <dsp:cNvSpPr/>
-      </dsp:nvSpPr>
-      <dsp:spPr>
-        <a:xfrm>
-          <a:off x="4283466" y="1421888"/>
-          <a:ext cx="2463352" cy="2376628"/>
-        </a:xfrm>
-        <a:prstGeom prst="ellipse">
-          <a:avLst/>
-        </a:prstGeom>
-        <a:solidFill>
-          <a:schemeClr val="accent1">
-            <a:hueOff val="0"/>
-            <a:satOff val="0"/>
-            <a:lumOff val="0"/>
-            <a:alphaOff val="0"/>
-          </a:schemeClr>
-        </a:solidFill>
-        <a:ln w="22225" cap="rnd" cmpd="sng" algn="ctr">
-          <a:solidFill>
-            <a:schemeClr val="lt1">
-              <a:hueOff val="0"/>
-              <a:satOff val="0"/>
-              <a:lumOff val="0"/>
-              <a:alphaOff val="0"/>
-            </a:schemeClr>
-          </a:solidFill>
-          <a:prstDash val="solid"/>
-        </a:ln>
-        <a:effectLst/>
-      </dsp:spPr>
-      <dsp:style>
-        <a:lnRef idx="2">
-          <a:scrgbClr r="0" g="0" b="0"/>
-        </a:lnRef>
-        <a:fillRef idx="1">
-          <a:scrgbClr r="0" g="0" b="0"/>
-        </a:fillRef>
-        <a:effectRef idx="0">
-          <a:scrgbClr r="0" g="0" b="0"/>
-        </a:effectRef>
-        <a:fontRef idx="minor">
-          <a:schemeClr val="lt1"/>
-        </a:fontRef>
-      </dsp:style>
-      <dsp:txBody>
-        <a:bodyPr spcFirstLastPara="0" vert="horz" wrap="square" lIns="14605" tIns="14605" rIns="14605" bIns="14605" numCol="1" spcCol="1270" anchor="ctr" anchorCtr="0">
-          <a:noAutofit/>
-        </a:bodyPr>
-        <a:lstStyle/>
-        <a:p>
-          <a:pPr lvl="0" algn="ctr" defTabSz="1022350">
-            <a:lnSpc>
-              <a:spcPct val="90000"/>
-            </a:lnSpc>
-            <a:spcBef>
-              <a:spcPct val="0"/>
-            </a:spcBef>
-            <a:spcAft>
-              <a:spcPct val="35000"/>
-            </a:spcAft>
-          </a:pPr>
-          <a:r>
-            <a:rPr lang="es-ES" sz="2300" kern="1200" dirty="0" err="1" smtClean="0"/>
-            <a:t>Desistiment</a:t>
-          </a:r>
-          <a:endParaRPr lang="es-ES" sz="2300" kern="1200" dirty="0" smtClean="0"/>
-        </a:p>
-        <a:p>
-          <a:pPr lvl="0" algn="ctr" defTabSz="1022350">
-            <a:lnSpc>
-              <a:spcPct val="90000"/>
-            </a:lnSpc>
-            <a:spcBef>
-              <a:spcPct val="0"/>
-            </a:spcBef>
-            <a:spcAft>
-              <a:spcPct val="35000"/>
-            </a:spcAft>
-          </a:pPr>
-          <a:r>
-            <a:rPr lang="es-ES" sz="2300" kern="1200" dirty="0" err="1" smtClean="0"/>
-            <a:t>Respostes</a:t>
-          </a:r>
-          <a:r>
-            <a:rPr lang="es-ES" sz="2300" kern="1200" dirty="0" smtClean="0"/>
-            <a:t> no </a:t>
-          </a:r>
-          <a:r>
-            <a:rPr lang="es-ES" sz="2300" kern="1200" dirty="0" err="1" smtClean="0"/>
-            <a:t>meditades</a:t>
-          </a:r>
-          <a:endParaRPr lang="es-ES" sz="2300" kern="1200" dirty="0"/>
-        </a:p>
-      </dsp:txBody>
-      <dsp:txXfrm>
-        <a:off x="4644216" y="1769937"/>
-        <a:ext cx="1741852" cy="1680530"/>
-      </dsp:txXfrm>
-    </dsp:sp>
-    <dsp:sp modelId="{785DC403-E75D-4CFE-95B8-70F037A495E0}">
-      <dsp:nvSpPr>
-        <dsp:cNvPr id="0" name=""/>
-        <dsp:cNvSpPr/>
-      </dsp:nvSpPr>
-      <dsp:spPr>
-        <a:xfrm rot="11604657">
-          <a:off x="2849272" y="1886908"/>
-          <a:ext cx="1409584" cy="511407"/>
-        </a:xfrm>
-        <a:prstGeom prst="leftArrow">
-          <a:avLst>
-            <a:gd name="adj1" fmla="val 60000"/>
-            <a:gd name="adj2" fmla="val 50000"/>
-          </a:avLst>
-        </a:prstGeom>
-        <a:solidFill>
-          <a:schemeClr val="accent1">
-            <a:tint val="60000"/>
-            <a:hueOff val="0"/>
-            <a:satOff val="0"/>
-            <a:lumOff val="0"/>
-            <a:alphaOff val="0"/>
-          </a:schemeClr>
-        </a:solidFill>
-        <a:ln>
-          <a:noFill/>
-        </a:ln>
-        <a:effectLst/>
-      </dsp:spPr>
-      <dsp:style>
-        <a:lnRef idx="0">
-          <a:scrgbClr r="0" g="0" b="0"/>
-        </a:lnRef>
-        <a:fillRef idx="1">
-          <a:scrgbClr r="0" g="0" b="0"/>
-        </a:fillRef>
-        <a:effectRef idx="0">
-          <a:scrgbClr r="0" g="0" b="0"/>
-        </a:effectRef>
-        <a:fontRef idx="minor">
-          <a:schemeClr val="lt1"/>
-        </a:fontRef>
-      </dsp:style>
-    </dsp:sp>
-    <dsp:sp modelId="{5C3E18D3-6B39-487E-A80C-030DF3DDB9B3}">
-      <dsp:nvSpPr>
-        <dsp:cNvPr id="0" name=""/>
-        <dsp:cNvSpPr/>
-      </dsp:nvSpPr>
-      <dsp:spPr>
-        <a:xfrm>
-          <a:off x="2080888" y="1349065"/>
-          <a:ext cx="1575204" cy="1260163"/>
-        </a:xfrm>
-        <a:prstGeom prst="roundRect">
-          <a:avLst>
-            <a:gd name="adj" fmla="val 10000"/>
-          </a:avLst>
-        </a:prstGeom>
-        <a:solidFill>
-          <a:schemeClr val="accent1">
-            <a:hueOff val="0"/>
-            <a:satOff val="0"/>
-            <a:lumOff val="0"/>
-            <a:alphaOff val="0"/>
-          </a:schemeClr>
-        </a:solidFill>
-        <a:ln w="22225" cap="rnd" cmpd="sng" algn="ctr">
-          <a:solidFill>
-            <a:schemeClr val="lt1">
-              <a:hueOff val="0"/>
-              <a:satOff val="0"/>
-              <a:lumOff val="0"/>
-              <a:alphaOff val="0"/>
-            </a:schemeClr>
-          </a:solidFill>
-          <a:prstDash val="solid"/>
-        </a:ln>
-        <a:effectLst/>
-      </dsp:spPr>
-      <dsp:style>
-        <a:lnRef idx="2">
-          <a:scrgbClr r="0" g="0" b="0"/>
-        </a:lnRef>
-        <a:fillRef idx="1">
-          <a:scrgbClr r="0" g="0" b="0"/>
-        </a:fillRef>
-        <a:effectRef idx="0">
-          <a:scrgbClr r="0" g="0" b="0"/>
-        </a:effectRef>
-        <a:fontRef idx="minor">
-          <a:schemeClr val="lt1"/>
-        </a:fontRef>
-      </dsp:style>
-      <dsp:txBody>
-        <a:bodyPr spcFirstLastPara="0" vert="horz" wrap="square" lIns="38100" tIns="38100" rIns="38100" bIns="38100" numCol="1" spcCol="1270" anchor="ctr" anchorCtr="0">
-          <a:noAutofit/>
-        </a:bodyPr>
-        <a:lstStyle/>
-        <a:p>
-          <a:pPr lvl="0" algn="ctr" defTabSz="889000">
-            <a:lnSpc>
-              <a:spcPct val="90000"/>
-            </a:lnSpc>
-            <a:spcBef>
-              <a:spcPct val="0"/>
-            </a:spcBef>
-            <a:spcAft>
-              <a:spcPct val="35000"/>
-            </a:spcAft>
-          </a:pPr>
-          <a:r>
-            <a:rPr lang="es-ES" sz="2000" kern="1200" dirty="0" err="1" smtClean="0"/>
-            <a:t>Qüestionari</a:t>
-          </a:r>
-          <a:r>
-            <a:rPr lang="es-ES" sz="2000" kern="1200" dirty="0" smtClean="0"/>
-            <a:t> </a:t>
-          </a:r>
-          <a:r>
-            <a:rPr lang="es-ES" sz="2000" kern="1200" dirty="0" err="1" smtClean="0"/>
-            <a:t>llarg</a:t>
-          </a:r>
-          <a:endParaRPr lang="es-ES" sz="2000" kern="1200" dirty="0"/>
-        </a:p>
-      </dsp:txBody>
-      <dsp:txXfrm>
-        <a:off x="2117797" y="1385974"/>
-        <a:ext cx="1501386" cy="1186345"/>
-      </dsp:txXfrm>
-    </dsp:sp>
-    <dsp:sp modelId="{338A42F3-91DC-467F-869B-F64820FD51F7}">
-      <dsp:nvSpPr>
-        <dsp:cNvPr id="0" name=""/>
-        <dsp:cNvSpPr/>
-      </dsp:nvSpPr>
-      <dsp:spPr>
-        <a:xfrm rot="14104655">
-          <a:off x="3775540" y="781720"/>
-          <a:ext cx="1283004" cy="511407"/>
-        </a:xfrm>
-        <a:prstGeom prst="leftArrow">
-          <a:avLst>
-            <a:gd name="adj1" fmla="val 60000"/>
-            <a:gd name="adj2" fmla="val 50000"/>
-          </a:avLst>
-        </a:prstGeom>
-        <a:solidFill>
-          <a:schemeClr val="accent1">
-            <a:tint val="60000"/>
-            <a:hueOff val="0"/>
-            <a:satOff val="0"/>
-            <a:lumOff val="0"/>
-            <a:alphaOff val="0"/>
-          </a:schemeClr>
-        </a:solidFill>
-        <a:ln>
-          <a:noFill/>
-        </a:ln>
-        <a:effectLst/>
-      </dsp:spPr>
-      <dsp:style>
-        <a:lnRef idx="0">
-          <a:scrgbClr r="0" g="0" b="0"/>
-        </a:lnRef>
-        <a:fillRef idx="1">
-          <a:scrgbClr r="0" g="0" b="0"/>
-        </a:fillRef>
-        <a:effectRef idx="0">
-          <a:scrgbClr r="0" g="0" b="0"/>
-        </a:effectRef>
-        <a:fontRef idx="minor">
-          <a:schemeClr val="lt1"/>
-        </a:fontRef>
-      </dsp:style>
-    </dsp:sp>
-    <dsp:sp modelId="{7E5697A9-1D9F-4DEF-8E9C-3D6CCFF6396C}">
-      <dsp:nvSpPr>
-        <dsp:cNvPr id="0" name=""/>
-        <dsp:cNvSpPr/>
-      </dsp:nvSpPr>
-      <dsp:spPr>
-        <a:xfrm>
-          <a:off x="3246561" y="-120279"/>
-          <a:ext cx="1606485" cy="1263436"/>
-        </a:xfrm>
-        <a:prstGeom prst="roundRect">
-          <a:avLst>
-            <a:gd name="adj" fmla="val 10000"/>
-          </a:avLst>
-        </a:prstGeom>
-        <a:solidFill>
-          <a:schemeClr val="accent1">
-            <a:hueOff val="0"/>
-            <a:satOff val="0"/>
-            <a:lumOff val="0"/>
-            <a:alphaOff val="0"/>
-          </a:schemeClr>
-        </a:solidFill>
-        <a:ln w="22225" cap="rnd" cmpd="sng" algn="ctr">
-          <a:solidFill>
-            <a:schemeClr val="lt1">
-              <a:hueOff val="0"/>
-              <a:satOff val="0"/>
-              <a:lumOff val="0"/>
-              <a:alphaOff val="0"/>
-            </a:schemeClr>
-          </a:solidFill>
-          <a:prstDash val="solid"/>
-        </a:ln>
-        <a:effectLst/>
-      </dsp:spPr>
-      <dsp:style>
-        <a:lnRef idx="2">
-          <a:scrgbClr r="0" g="0" b="0"/>
-        </a:lnRef>
-        <a:fillRef idx="1">
-          <a:scrgbClr r="0" g="0" b="0"/>
-        </a:fillRef>
-        <a:effectRef idx="0">
-          <a:scrgbClr r="0" g="0" b="0"/>
-        </a:effectRef>
-        <a:fontRef idx="minor">
-          <a:schemeClr val="lt1"/>
-        </a:fontRef>
-      </dsp:style>
-      <dsp:txBody>
-        <a:bodyPr spcFirstLastPara="0" vert="horz" wrap="square" lIns="38100" tIns="38100" rIns="38100" bIns="38100" numCol="1" spcCol="1270" anchor="ctr" anchorCtr="0">
-          <a:noAutofit/>
-        </a:bodyPr>
-        <a:lstStyle/>
-        <a:p>
-          <a:pPr lvl="0" algn="ctr" defTabSz="889000">
-            <a:lnSpc>
-              <a:spcPct val="90000"/>
-            </a:lnSpc>
-            <a:spcBef>
-              <a:spcPct val="0"/>
-            </a:spcBef>
-            <a:spcAft>
-              <a:spcPct val="35000"/>
-            </a:spcAft>
-          </a:pPr>
-          <a:r>
-            <a:rPr lang="es-ES" sz="2000" kern="1200" dirty="0" smtClean="0"/>
-            <a:t>Preguntes </a:t>
-          </a:r>
-          <a:r>
-            <a:rPr lang="es-ES" sz="2000" kern="1200" dirty="0" err="1" smtClean="0"/>
-            <a:t>complexes</a:t>
-          </a:r>
-          <a:endParaRPr lang="es-ES" sz="2000" kern="1200" dirty="0"/>
-        </a:p>
-      </dsp:txBody>
-      <dsp:txXfrm>
-        <a:off x="3283566" y="-83274"/>
-        <a:ext cx="1532475" cy="1189426"/>
-      </dsp:txXfrm>
-    </dsp:sp>
-    <dsp:sp modelId="{93232F0D-1782-43E9-8D9F-6270FFD1239A}">
-      <dsp:nvSpPr>
-        <dsp:cNvPr id="0" name=""/>
-        <dsp:cNvSpPr/>
-      </dsp:nvSpPr>
-      <dsp:spPr>
-        <a:xfrm rot="18359067">
-          <a:off x="5995734" y="787541"/>
-          <a:ext cx="1314439" cy="511407"/>
-        </a:xfrm>
-        <a:prstGeom prst="leftArrow">
-          <a:avLst>
-            <a:gd name="adj1" fmla="val 60000"/>
-            <a:gd name="adj2" fmla="val 50000"/>
-          </a:avLst>
-        </a:prstGeom>
-        <a:solidFill>
-          <a:schemeClr val="accent1">
-            <a:tint val="60000"/>
-            <a:hueOff val="0"/>
-            <a:satOff val="0"/>
-            <a:lumOff val="0"/>
-            <a:alphaOff val="0"/>
-          </a:schemeClr>
-        </a:solidFill>
-        <a:ln>
-          <a:noFill/>
-        </a:ln>
-        <a:effectLst/>
-      </dsp:spPr>
-      <dsp:style>
-        <a:lnRef idx="0">
-          <a:scrgbClr r="0" g="0" b="0"/>
-        </a:lnRef>
-        <a:fillRef idx="1">
-          <a:scrgbClr r="0" g="0" b="0"/>
-        </a:fillRef>
-        <a:effectRef idx="0">
-          <a:scrgbClr r="0" g="0" b="0"/>
-        </a:effectRef>
-        <a:fontRef idx="minor">
-          <a:schemeClr val="lt1"/>
-        </a:fontRef>
-      </dsp:style>
-    </dsp:sp>
-    <dsp:sp modelId="{F2B1A8DD-5274-46FD-A3BD-E5257C5826B5}">
-      <dsp:nvSpPr>
-        <dsp:cNvPr id="0" name=""/>
-        <dsp:cNvSpPr/>
-      </dsp:nvSpPr>
-      <dsp:spPr>
-        <a:xfrm>
-          <a:off x="6207420" y="-104228"/>
-          <a:ext cx="1663388" cy="1231333"/>
-        </a:xfrm>
-        <a:prstGeom prst="roundRect">
-          <a:avLst>
-            <a:gd name="adj" fmla="val 10000"/>
-          </a:avLst>
-        </a:prstGeom>
-        <a:solidFill>
-          <a:schemeClr val="accent1">
-            <a:hueOff val="0"/>
-            <a:satOff val="0"/>
-            <a:lumOff val="0"/>
-            <a:alphaOff val="0"/>
-          </a:schemeClr>
-        </a:solidFill>
-        <a:ln w="22225" cap="rnd" cmpd="sng" algn="ctr">
-          <a:solidFill>
-            <a:schemeClr val="lt1">
-              <a:hueOff val="0"/>
-              <a:satOff val="0"/>
-              <a:lumOff val="0"/>
-              <a:alphaOff val="0"/>
-            </a:schemeClr>
-          </a:solidFill>
-          <a:prstDash val="solid"/>
-        </a:ln>
-        <a:effectLst/>
-      </dsp:spPr>
-      <dsp:style>
-        <a:lnRef idx="2">
-          <a:scrgbClr r="0" g="0" b="0"/>
-        </a:lnRef>
-        <a:fillRef idx="1">
-          <a:scrgbClr r="0" g="0" b="0"/>
-        </a:fillRef>
-        <a:effectRef idx="0">
-          <a:scrgbClr r="0" g="0" b="0"/>
-        </a:effectRef>
-        <a:fontRef idx="minor">
-          <a:schemeClr val="lt1"/>
-        </a:fontRef>
-      </dsp:style>
-      <dsp:txBody>
-        <a:bodyPr spcFirstLastPara="0" vert="horz" wrap="square" lIns="38100" tIns="38100" rIns="38100" bIns="38100" numCol="1" spcCol="1270" anchor="ctr" anchorCtr="0">
-          <a:noAutofit/>
-        </a:bodyPr>
-        <a:lstStyle/>
-        <a:p>
-          <a:pPr lvl="0" algn="ctr" defTabSz="889000">
-            <a:lnSpc>
-              <a:spcPct val="90000"/>
-            </a:lnSpc>
-            <a:spcBef>
-              <a:spcPct val="0"/>
-            </a:spcBef>
-            <a:spcAft>
-              <a:spcPct val="35000"/>
-            </a:spcAft>
-          </a:pPr>
-          <a:r>
-            <a:rPr lang="es-ES" sz="2000" kern="1200" dirty="0" smtClean="0"/>
-            <a:t>Preguntes </a:t>
-          </a:r>
-          <a:r>
-            <a:rPr lang="es-ES" sz="2000" kern="1200" dirty="0" err="1" smtClean="0"/>
-            <a:t>repetitives</a:t>
-          </a:r>
-          <a:endParaRPr lang="es-ES" sz="2000" kern="1200" dirty="0"/>
-        </a:p>
-      </dsp:txBody>
-      <dsp:txXfrm>
-        <a:off x="6243485" y="-68163"/>
-        <a:ext cx="1591258" cy="1159203"/>
-      </dsp:txXfrm>
-    </dsp:sp>
-    <dsp:sp modelId="{31625253-1474-4F87-B865-10E72B68590A}">
-      <dsp:nvSpPr>
-        <dsp:cNvPr id="0" name=""/>
-        <dsp:cNvSpPr/>
-      </dsp:nvSpPr>
-      <dsp:spPr>
-        <a:xfrm rot="20814933">
-          <a:off x="6777648" y="1888021"/>
-          <a:ext cx="1489058" cy="511407"/>
-        </a:xfrm>
-        <a:prstGeom prst="leftArrow">
-          <a:avLst>
-            <a:gd name="adj1" fmla="val 60000"/>
-            <a:gd name="adj2" fmla="val 50000"/>
-          </a:avLst>
-        </a:prstGeom>
-        <a:solidFill>
-          <a:schemeClr val="accent1">
-            <a:tint val="60000"/>
-            <a:hueOff val="0"/>
-            <a:satOff val="0"/>
-            <a:lumOff val="0"/>
-            <a:alphaOff val="0"/>
-          </a:schemeClr>
-        </a:solidFill>
-        <a:ln>
-          <a:noFill/>
-        </a:ln>
-        <a:effectLst/>
-      </dsp:spPr>
-      <dsp:style>
-        <a:lnRef idx="0">
-          <a:scrgbClr r="0" g="0" b="0"/>
-        </a:lnRef>
-        <a:fillRef idx="1">
-          <a:scrgbClr r="0" g="0" b="0"/>
-        </a:fillRef>
-        <a:effectRef idx="0">
-          <a:scrgbClr r="0" g="0" b="0"/>
-        </a:effectRef>
-        <a:fontRef idx="minor">
-          <a:schemeClr val="lt1"/>
-        </a:fontRef>
-      </dsp:style>
-    </dsp:sp>
-    <dsp:sp modelId="{466C2ABE-109B-4EBD-97B7-D29EC8BB0630}">
-      <dsp:nvSpPr>
-        <dsp:cNvPr id="0" name=""/>
-        <dsp:cNvSpPr/>
-      </dsp:nvSpPr>
-      <dsp:spPr>
-        <a:xfrm>
-          <a:off x="7453442" y="1340025"/>
-          <a:ext cx="1587870" cy="1270296"/>
-        </a:xfrm>
-        <a:prstGeom prst="roundRect">
-          <a:avLst>
-            <a:gd name="adj" fmla="val 10000"/>
-          </a:avLst>
-        </a:prstGeom>
-        <a:solidFill>
-          <a:schemeClr val="accent1">
-            <a:hueOff val="0"/>
-            <a:satOff val="0"/>
-            <a:lumOff val="0"/>
-            <a:alphaOff val="0"/>
-          </a:schemeClr>
-        </a:solidFill>
-        <a:ln w="22225" cap="rnd" cmpd="sng" algn="ctr">
-          <a:solidFill>
-            <a:schemeClr val="lt1">
-              <a:hueOff val="0"/>
-              <a:satOff val="0"/>
-              <a:lumOff val="0"/>
-              <a:alphaOff val="0"/>
-            </a:schemeClr>
-          </a:solidFill>
-          <a:prstDash val="solid"/>
-        </a:ln>
-        <a:effectLst/>
-      </dsp:spPr>
-      <dsp:style>
-        <a:lnRef idx="2">
-          <a:scrgbClr r="0" g="0" b="0"/>
-        </a:lnRef>
-        <a:fillRef idx="1">
-          <a:scrgbClr r="0" g="0" b="0"/>
-        </a:fillRef>
-        <a:effectRef idx="0">
-          <a:scrgbClr r="0" g="0" b="0"/>
-        </a:effectRef>
-        <a:fontRef idx="minor">
-          <a:schemeClr val="lt1"/>
-        </a:fontRef>
-      </dsp:style>
-      <dsp:txBody>
-        <a:bodyPr spcFirstLastPara="0" vert="horz" wrap="square" lIns="38100" tIns="38100" rIns="38100" bIns="38100" numCol="1" spcCol="1270" anchor="ctr" anchorCtr="0">
-          <a:noAutofit/>
-        </a:bodyPr>
-        <a:lstStyle/>
-        <a:p>
-          <a:pPr lvl="0" algn="ctr" defTabSz="889000">
-            <a:lnSpc>
-              <a:spcPct val="90000"/>
-            </a:lnSpc>
-            <a:spcBef>
-              <a:spcPct val="0"/>
-            </a:spcBef>
-            <a:spcAft>
-              <a:spcPct val="35000"/>
-            </a:spcAft>
-          </a:pPr>
-          <a:r>
-            <a:rPr lang="es-ES" sz="2000" kern="1200" dirty="0" err="1" smtClean="0"/>
-            <a:t>Avorrit</a:t>
-          </a:r>
-          <a:r>
-            <a:rPr lang="es-ES" sz="2000" kern="1200" dirty="0" smtClean="0"/>
-            <a:t>, </a:t>
-          </a:r>
-          <a:r>
-            <a:rPr lang="es-ES" sz="2000" kern="1200" dirty="0" err="1" smtClean="0"/>
-            <a:t>pesat</a:t>
-          </a:r>
-          <a:endParaRPr lang="es-ES" sz="2000" kern="1200" dirty="0"/>
-        </a:p>
-      </dsp:txBody>
-      <dsp:txXfrm>
-        <a:off x="7490648" y="1377231"/>
-        <a:ext cx="1513458" cy="1195884"/>
-      </dsp:txXfrm>
-    </dsp:sp>
-  </dsp:spTree>
-</dsp:drawing>
-</file>
-
-<file path=ppt/diagrams/drawing2.xml><?xml version="1.0" encoding="utf-8"?>
-<dsp:drawing xmlns:dgm="http://schemas.openxmlformats.org/drawingml/2006/diagram" xmlns:dsp="http://schemas.microsoft.com/office/drawing/2008/diagram" xmlns:a="http://schemas.openxmlformats.org/drawingml/2006/main">
-  <dsp:spTree>
-    <dsp:nvGrpSpPr>
-      <dsp:cNvPr id="0" name=""/>
-      <dsp:cNvGrpSpPr/>
-    </dsp:nvGrpSpPr>
-    <dsp:grpSpPr/>
     <dsp:sp modelId="{457D56E9-BABF-4DAA-B00A-0413EC3B98F0}">
       <dsp:nvSpPr>
         <dsp:cNvPr id="0" name=""/>
@@ -8787,8 +6760,8 @@
       </dsp:nvSpPr>
       <dsp:spPr>
         <a:xfrm>
-          <a:off x="1172562" y="0"/>
-          <a:ext cx="4207904" cy="3678238"/>
+          <a:off x="1581678" y="0"/>
+          <a:ext cx="4868545" cy="3678238"/>
         </a:xfrm>
         <a:prstGeom prst="rightArrow">
           <a:avLst>
@@ -8834,12 +6807,12 @@
         <a:fontRef idx="minor"/>
       </dsp:style>
       <dsp:txBody>
-        <a:bodyPr spcFirstLastPara="0" vert="horz" wrap="square" lIns="63500" tIns="15875" rIns="31750" bIns="15875" numCol="1" spcCol="1270" anchor="ctr" anchorCtr="0">
+        <a:bodyPr spcFirstLastPara="0" vert="horz" wrap="square" lIns="66040" tIns="16510" rIns="33020" bIns="16510" numCol="1" spcCol="1270" anchor="ctr" anchorCtr="0">
           <a:noAutofit/>
         </a:bodyPr>
         <a:lstStyle/>
         <a:p>
-          <a:pPr marL="228600" lvl="1" indent="-228600" algn="l" defTabSz="1111250">
+          <a:pPr marL="228600" lvl="1" indent="-228600" algn="l" defTabSz="1155700">
             <a:lnSpc>
               <a:spcPct val="90000"/>
             </a:lnSpc>
@@ -8852,13 +6825,13 @@
             <a:buChar char="••"/>
           </a:pPr>
           <a:r>
-            <a:rPr lang="es-ES" sz="2500" kern="1200" dirty="0" err="1" smtClean="0"/>
-            <a:t>Disponibilitat</a:t>
+            <a:rPr lang="es-ES" sz="2600" kern="1200" dirty="0" smtClean="0"/>
+            <a:t>Rápido</a:t>
           </a:r>
-          <a:endParaRPr lang="es-ES" sz="2500" kern="1200" dirty="0"/>
+          <a:endParaRPr lang="es-ES" sz="2600" kern="1200" dirty="0"/>
         </a:p>
         <a:p>
-          <a:pPr marL="228600" lvl="1" indent="-228600" algn="l" defTabSz="1111250">
+          <a:pPr marL="228600" lvl="1" indent="-228600" algn="l" defTabSz="1155700">
             <a:lnSpc>
               <a:spcPct val="90000"/>
             </a:lnSpc>
@@ -8871,13 +6844,13 @@
             <a:buChar char="••"/>
           </a:pPr>
           <a:r>
-            <a:rPr lang="es-ES" sz="2500" kern="1200" dirty="0" err="1" smtClean="0"/>
-            <a:t>Facilitat</a:t>
+            <a:rPr lang="es-ES" sz="2600" kern="1200" dirty="0" smtClean="0"/>
+            <a:t>Visión global situación</a:t>
           </a:r>
-          <a:endParaRPr lang="es-ES" sz="2500" kern="1200" dirty="0"/>
+          <a:endParaRPr lang="es-ES" sz="2600" kern="1200" dirty="0"/>
         </a:p>
         <a:p>
-          <a:pPr marL="228600" lvl="1" indent="-228600" algn="l" defTabSz="1111250">
+          <a:pPr marL="228600" lvl="1" indent="-228600" algn="l" defTabSz="1155700">
             <a:lnSpc>
               <a:spcPct val="90000"/>
             </a:lnSpc>
@@ -8890,15 +6863,15 @@
             <a:buChar char="••"/>
           </a:pPr>
           <a:r>
-            <a:rPr lang="es-ES" sz="2500" kern="1200" dirty="0" err="1" smtClean="0"/>
-            <a:t>Llibertat</a:t>
+            <a:rPr lang="es-ES" sz="2600" kern="1200" dirty="0" smtClean="0"/>
+            <a:t>Fácil seguir orden de prioridad y de gestionar</a:t>
           </a:r>
-          <a:endParaRPr lang="es-ES" sz="2500" kern="1200" dirty="0"/>
+          <a:endParaRPr lang="es-ES" sz="2600" kern="1200" dirty="0"/>
         </a:p>
       </dsp:txBody>
       <dsp:txXfrm>
-        <a:off x="2224538" y="551736"/>
-        <a:ext cx="2051353" cy="2574766"/>
+        <a:off x="2798814" y="551736"/>
+        <a:ext cx="2373415" cy="2574766"/>
       </dsp:txXfrm>
     </dsp:sp>
     <dsp:sp modelId="{ABD3C4A2-111C-4AE8-98A9-E78ACB0A510B}">
@@ -8908,7 +6881,7 @@
       </dsp:nvSpPr>
       <dsp:spPr>
         <a:xfrm>
-          <a:off x="120586" y="787142"/>
+          <a:off x="860023" y="787142"/>
           <a:ext cx="2103952" cy="2103952"/>
         </a:xfrm>
         <a:prstGeom prst="ellipse">
@@ -8950,12 +6923,12 @@
         </a:fontRef>
       </dsp:style>
       <dsp:txBody>
-        <a:bodyPr spcFirstLastPara="0" vert="horz" wrap="square" lIns="15875" tIns="15875" rIns="15875" bIns="15875" numCol="1" spcCol="1270" anchor="ctr" anchorCtr="0">
+        <a:bodyPr spcFirstLastPara="0" vert="horz" wrap="square" lIns="17145" tIns="17145" rIns="17145" bIns="17145" numCol="1" spcCol="1270" anchor="ctr" anchorCtr="0">
           <a:noAutofit/>
         </a:bodyPr>
         <a:lstStyle/>
         <a:p>
-          <a:pPr lvl="0" algn="ctr" defTabSz="1111250">
+          <a:pPr lvl="0" algn="ctr" defTabSz="1200150">
             <a:lnSpc>
               <a:spcPct val="90000"/>
             </a:lnSpc>
@@ -8967,232 +6940,14 @@
             </a:spcAft>
           </a:pPr>
           <a:r>
-            <a:rPr lang="es-ES" sz="2500" kern="1200" smtClean="0"/>
-            <a:t>Convertir el qüestionari en una app</a:t>
+            <a:rPr lang="es-ES" sz="2700" kern="1200" dirty="0" smtClean="0"/>
+            <a:t>Aplicación web</a:t>
           </a:r>
-          <a:endParaRPr lang="es-ES" sz="2500" kern="1200"/>
+          <a:endParaRPr lang="es-ES" sz="2700" kern="1200" dirty="0"/>
         </a:p>
       </dsp:txBody>
       <dsp:txXfrm>
-        <a:off x="428703" y="1095259"/>
-        <a:ext cx="1487718" cy="1487718"/>
-      </dsp:txXfrm>
-    </dsp:sp>
-    <dsp:sp modelId="{848967BD-4557-4B56-9A41-D9DDF085041D}">
-      <dsp:nvSpPr>
-        <dsp:cNvPr id="0" name=""/>
-        <dsp:cNvSpPr/>
-      </dsp:nvSpPr>
-      <dsp:spPr>
-        <a:xfrm>
-          <a:off x="6701459" y="0"/>
-          <a:ext cx="4207904" cy="3678238"/>
-        </a:xfrm>
-        <a:prstGeom prst="rightArrow">
-          <a:avLst>
-            <a:gd name="adj1" fmla="val 70000"/>
-            <a:gd name="adj2" fmla="val 50000"/>
-          </a:avLst>
-        </a:prstGeom>
-        <a:solidFill>
-          <a:schemeClr val="accent1">
-            <a:alpha val="90000"/>
-            <a:tint val="40000"/>
-            <a:hueOff val="0"/>
-            <a:satOff val="0"/>
-            <a:lumOff val="0"/>
-            <a:alphaOff val="0"/>
-          </a:schemeClr>
-        </a:solidFill>
-        <a:ln w="22225" cap="rnd" cmpd="sng" algn="ctr">
-          <a:solidFill>
-            <a:schemeClr val="accent1">
-              <a:alpha val="90000"/>
-              <a:tint val="40000"/>
-              <a:hueOff val="0"/>
-              <a:satOff val="0"/>
-              <a:lumOff val="0"/>
-              <a:alphaOff val="0"/>
-            </a:schemeClr>
-          </a:solidFill>
-          <a:prstDash val="solid"/>
-        </a:ln>
-        <a:effectLst/>
-      </dsp:spPr>
-      <dsp:style>
-        <a:lnRef idx="2">
-          <a:scrgbClr r="0" g="0" b="0"/>
-        </a:lnRef>
-        <a:fillRef idx="1">
-          <a:scrgbClr r="0" g="0" b="0"/>
-        </a:fillRef>
-        <a:effectRef idx="0">
-          <a:scrgbClr r="0" g="0" b="0"/>
-        </a:effectRef>
-        <a:fontRef idx="minor"/>
-      </dsp:style>
-      <dsp:txBody>
-        <a:bodyPr spcFirstLastPara="0" vert="horz" wrap="square" lIns="63500" tIns="15875" rIns="31750" bIns="15875" numCol="1" spcCol="1270" anchor="ctr" anchorCtr="0">
-          <a:noAutofit/>
-        </a:bodyPr>
-        <a:lstStyle/>
-        <a:p>
-          <a:pPr marL="228600" lvl="1" indent="-228600" algn="l" defTabSz="1111250">
-            <a:lnSpc>
-              <a:spcPct val="90000"/>
-            </a:lnSpc>
-            <a:spcBef>
-              <a:spcPct val="0"/>
-            </a:spcBef>
-            <a:spcAft>
-              <a:spcPct val="15000"/>
-            </a:spcAft>
-            <a:buChar char="••"/>
-          </a:pPr>
-          <a:r>
-            <a:rPr lang="es-ES" sz="2500" kern="1200" dirty="0" err="1" smtClean="0"/>
-            <a:t>Amenització</a:t>
-          </a:r>
-          <a:endParaRPr lang="es-ES" sz="2500" kern="1200" dirty="0"/>
-        </a:p>
-        <a:p>
-          <a:pPr marL="228600" lvl="1" indent="-228600" algn="l" defTabSz="1111250">
-            <a:lnSpc>
-              <a:spcPct val="90000"/>
-            </a:lnSpc>
-            <a:spcBef>
-              <a:spcPct val="0"/>
-            </a:spcBef>
-            <a:spcAft>
-              <a:spcPct val="15000"/>
-            </a:spcAft>
-            <a:buChar char="••"/>
-          </a:pPr>
-          <a:r>
-            <a:rPr lang="es-ES" sz="2500" kern="1200" dirty="0" err="1" smtClean="0"/>
-            <a:t>Motivació</a:t>
-          </a:r>
-          <a:endParaRPr lang="es-ES" sz="2500" kern="1200" dirty="0"/>
-        </a:p>
-        <a:p>
-          <a:pPr marL="228600" lvl="1" indent="-228600" algn="l" defTabSz="1111250">
-            <a:lnSpc>
-              <a:spcPct val="90000"/>
-            </a:lnSpc>
-            <a:spcBef>
-              <a:spcPct val="0"/>
-            </a:spcBef>
-            <a:spcAft>
-              <a:spcPct val="15000"/>
-            </a:spcAft>
-            <a:buChar char="••"/>
-          </a:pPr>
-          <a:r>
-            <a:rPr lang="es-ES" sz="2500" kern="1200" dirty="0" err="1" smtClean="0"/>
-            <a:t>Incentiu</a:t>
-          </a:r>
-          <a:r>
-            <a:rPr lang="es-ES" sz="2500" kern="1200" dirty="0" smtClean="0"/>
-            <a:t> per acabar</a:t>
-          </a:r>
-          <a:endParaRPr lang="es-ES" sz="2500" kern="1200" dirty="0"/>
-        </a:p>
-      </dsp:txBody>
-      <dsp:txXfrm>
-        <a:off x="7753435" y="551736"/>
-        <a:ext cx="2051353" cy="2574766"/>
-      </dsp:txXfrm>
-    </dsp:sp>
-    <dsp:sp modelId="{6774F73C-4113-4451-8653-E0D27E133E29}">
-      <dsp:nvSpPr>
-        <dsp:cNvPr id="0" name=""/>
-        <dsp:cNvSpPr/>
-      </dsp:nvSpPr>
-      <dsp:spPr>
-        <a:xfrm>
-          <a:off x="5649483" y="787142"/>
-          <a:ext cx="2103952" cy="2103952"/>
-        </a:xfrm>
-        <a:prstGeom prst="ellipse">
-          <a:avLst/>
-        </a:prstGeom>
-        <a:solidFill>
-          <a:schemeClr val="accent1">
-            <a:hueOff val="0"/>
-            <a:satOff val="0"/>
-            <a:lumOff val="0"/>
-            <a:alphaOff val="0"/>
-          </a:schemeClr>
-        </a:solidFill>
-        <a:ln w="22225" cap="rnd" cmpd="sng" algn="ctr">
-          <a:solidFill>
-            <a:schemeClr val="lt1">
-              <a:hueOff val="0"/>
-              <a:satOff val="0"/>
-              <a:lumOff val="0"/>
-              <a:alphaOff val="0"/>
-            </a:schemeClr>
-          </a:solidFill>
-          <a:prstDash val="solid"/>
-        </a:ln>
-        <a:effectLst/>
-      </dsp:spPr>
-      <dsp:style>
-        <a:lnRef idx="2">
-          <a:scrgbClr r="0" g="0" b="0"/>
-        </a:lnRef>
-        <a:fillRef idx="1">
-          <a:scrgbClr r="0" g="0" b="0"/>
-        </a:fillRef>
-        <a:effectRef idx="0">
-          <a:scrgbClr r="0" g="0" b="0"/>
-        </a:effectRef>
-        <a:fontRef idx="minor">
-          <a:schemeClr val="lt1"/>
-        </a:fontRef>
-      </dsp:style>
-      <dsp:txBody>
-        <a:bodyPr spcFirstLastPara="0" vert="horz" wrap="square" lIns="15875" tIns="15875" rIns="15875" bIns="15875" numCol="1" spcCol="1270" anchor="ctr" anchorCtr="0">
-          <a:noAutofit/>
-        </a:bodyPr>
-        <a:lstStyle/>
-        <a:p>
-          <a:pPr lvl="0" algn="ctr" defTabSz="1111250">
-            <a:lnSpc>
-              <a:spcPct val="90000"/>
-            </a:lnSpc>
-            <a:spcBef>
-              <a:spcPct val="0"/>
-            </a:spcBef>
-            <a:spcAft>
-              <a:spcPct val="35000"/>
-            </a:spcAft>
-          </a:pPr>
-          <a:r>
-            <a:rPr lang="es-ES" sz="2500" kern="1200" dirty="0" err="1" smtClean="0"/>
-            <a:t>Gamificar</a:t>
-          </a:r>
-          <a:r>
-            <a:rPr lang="es-ES" sz="2500" kern="1200" dirty="0" smtClean="0"/>
-            <a:t> </a:t>
-          </a:r>
-          <a:r>
-            <a:rPr lang="es-ES" sz="2500" kern="1200" dirty="0" err="1" smtClean="0"/>
-            <a:t>l’app</a:t>
-          </a:r>
-          <a:r>
-            <a:rPr lang="es-ES" sz="2500" kern="1200" dirty="0" smtClean="0"/>
-            <a:t> del </a:t>
-          </a:r>
-          <a:r>
-            <a:rPr lang="es-ES" sz="2500" kern="1200" dirty="0" err="1" smtClean="0"/>
-            <a:t>qüestionari</a:t>
-          </a:r>
-          <a:endParaRPr lang="es-ES" sz="2500" kern="1200" dirty="0"/>
-        </a:p>
-      </dsp:txBody>
-      <dsp:txXfrm>
-        <a:off x="5957600" y="1095259"/>
+        <a:off x="1168140" y="1095259"/>
         <a:ext cx="1487718" cy="1487718"/>
       </dsp:txXfrm>
     </dsp:sp>
@@ -9200,7 +6955,7 @@
 </dsp:drawing>
 </file>
 
-<file path=ppt/diagrams/drawing3.xml><?xml version="1.0" encoding="utf-8"?>
+<file path=ppt/diagrams/drawing2.xml><?xml version="1.0" encoding="utf-8"?>
 <dsp:drawing xmlns:dgm="http://schemas.openxmlformats.org/drawingml/2006/diagram" xmlns:dsp="http://schemas.microsoft.com/office/drawing/2008/diagram" xmlns:a="http://schemas.openxmlformats.org/drawingml/2006/main">
   <dsp:spTree>
     <dsp:nvGrpSpPr>
@@ -11720,7 +9475,7 @@
 </dsp:drawing>
 </file>
 
-<file path=ppt/diagrams/drawing4.xml><?xml version="1.0" encoding="utf-8"?>
+<file path=ppt/diagrams/drawing3.xml><?xml version="1.0" encoding="utf-8"?>
 <dsp:drawing xmlns:dgm="http://schemas.openxmlformats.org/drawingml/2006/diagram" xmlns:dsp="http://schemas.microsoft.com/office/drawing/2008/diagram" xmlns:a="http://schemas.openxmlformats.org/drawingml/2006/main">
   <dsp:spTree>
     <dsp:nvGrpSpPr>
@@ -12878,266 +10633,6 @@
 </file>
 
 <file path=ppt/diagrams/layout1.xml><?xml version="1.0" encoding="utf-8"?>
-<dgm:layoutDef xmlns:dgm="http://schemas.openxmlformats.org/drawingml/2006/diagram" xmlns:a="http://schemas.openxmlformats.org/drawingml/2006/main" uniqueId="urn:microsoft.com/office/officeart/2005/8/layout/radial4">
-  <dgm:title val=""/>
-  <dgm:desc val=""/>
-  <dgm:catLst>
-    <dgm:cat type="relationship" pri="19000"/>
-  </dgm:catLst>
-  <dgm:sampData>
-    <dgm:dataModel>
-      <dgm:ptLst>
-        <dgm:pt modelId="0" type="doc"/>
-        <dgm:pt modelId="1">
-          <dgm:prSet phldr="1"/>
-        </dgm:pt>
-        <dgm:pt modelId="11">
-          <dgm:prSet phldr="1"/>
-        </dgm:pt>
-        <dgm:pt modelId="12">
-          <dgm:prSet phldr="1"/>
-        </dgm:pt>
-        <dgm:pt modelId="13">
-          <dgm:prSet phldr="1"/>
-        </dgm:pt>
-      </dgm:ptLst>
-      <dgm:cxnLst>
-        <dgm:cxn modelId="2" srcId="0" destId="1" srcOrd="0" destOrd="0"/>
-        <dgm:cxn modelId="3" srcId="1" destId="11" srcOrd="0" destOrd="0"/>
-        <dgm:cxn modelId="4" srcId="1" destId="12" srcOrd="1" destOrd="0"/>
-        <dgm:cxn modelId="5" srcId="1" destId="13" srcOrd="2" destOrd="0"/>
-      </dgm:cxnLst>
-      <dgm:bg/>
-      <dgm:whole/>
-    </dgm:dataModel>
-  </dgm:sampData>
-  <dgm:styleData>
-    <dgm:dataModel>
-      <dgm:ptLst>
-        <dgm:pt modelId="0" type="doc"/>
-        <dgm:pt modelId="1"/>
-        <dgm:pt modelId="11"/>
-        <dgm:pt modelId="12"/>
-      </dgm:ptLst>
-      <dgm:cxnLst>
-        <dgm:cxn modelId="2" srcId="0" destId="1" srcOrd="0" destOrd="0"/>
-        <dgm:cxn modelId="15" srcId="1" destId="11" srcOrd="0" destOrd="0"/>
-        <dgm:cxn modelId="16" srcId="1" destId="12" srcOrd="1" destOrd="0"/>
-      </dgm:cxnLst>
-      <dgm:bg/>
-      <dgm:whole/>
-    </dgm:dataModel>
-  </dgm:styleData>
-  <dgm:clrData>
-    <dgm:dataModel>
-      <dgm:ptLst>
-        <dgm:pt modelId="0" type="doc"/>
-        <dgm:pt modelId="1"/>
-        <dgm:pt modelId="11"/>
-        <dgm:pt modelId="12"/>
-        <dgm:pt modelId="13"/>
-        <dgm:pt modelId="14"/>
-        <dgm:pt modelId="15"/>
-        <dgm:pt modelId="16"/>
-      </dgm:ptLst>
-      <dgm:cxnLst>
-        <dgm:cxn modelId="2" srcId="0" destId="1" srcOrd="0" destOrd="0"/>
-        <dgm:cxn modelId="16" srcId="1" destId="11" srcOrd="0" destOrd="0"/>
-        <dgm:cxn modelId="17" srcId="1" destId="12" srcOrd="1" destOrd="0"/>
-        <dgm:cxn modelId="18" srcId="1" destId="13" srcOrd="2" destOrd="0"/>
-        <dgm:cxn modelId="19" srcId="1" destId="14" srcOrd="3" destOrd="0"/>
-        <dgm:cxn modelId="20" srcId="1" destId="15" srcOrd="4" destOrd="0"/>
-        <dgm:cxn modelId="21" srcId="1" destId="16" srcOrd="5" destOrd="0"/>
-      </dgm:cxnLst>
-      <dgm:bg/>
-      <dgm:whole/>
-    </dgm:dataModel>
-  </dgm:clrData>
-  <dgm:layoutNode name="cycle">
-    <dgm:varLst>
-      <dgm:chMax val="1"/>
-      <dgm:dir/>
-      <dgm:animLvl val="ctr"/>
-      <dgm:resizeHandles val="exact"/>
-    </dgm:varLst>
-    <dgm:choose name="Name0">
-      <dgm:if name="Name1" func="var" arg="dir" op="equ" val="norm">
-        <dgm:choose name="Name2">
-          <dgm:if name="Name3" axis="ch ch" ptType="node node" st="1 1" cnt="1 0" func="cnt" op="lte" val="1">
-            <dgm:alg type="cycle">
-              <dgm:param type="stAng" val="0"/>
-              <dgm:param type="spanAng" val="360"/>
-              <dgm:param type="ctrShpMap" val="fNode"/>
-            </dgm:alg>
-          </dgm:if>
-          <dgm:else name="Name4">
-            <dgm:choose name="Name5">
-              <dgm:if name="Name6" axis="ch ch" ptType="node node" st="1 1" cnt="1 0" func="cnt" op="lte" val="3">
-                <dgm:alg type="cycle">
-                  <dgm:param type="stAng" val="-55"/>
-                  <dgm:param type="spanAng" val="110"/>
-                  <dgm:param type="ctrShpMap" val="fNode"/>
-                </dgm:alg>
-              </dgm:if>
-              <dgm:else name="Name7">
-                <dgm:choose name="Name8">
-                  <dgm:if name="Name9" axis="ch ch" ptType="node node" st="1 1" cnt="1 0" func="cnt" op="equ" val="4">
-                    <dgm:alg type="cycle">
-                      <dgm:param type="stAng" val="-75"/>
-                      <dgm:param type="spanAng" val="150"/>
-                      <dgm:param type="ctrShpMap" val="fNode"/>
-                    </dgm:alg>
-                  </dgm:if>
-                  <dgm:else name="Name10">
-                    <dgm:alg type="cycle">
-                      <dgm:param type="stAng" val="-90"/>
-                      <dgm:param type="spanAng" val="180"/>
-                      <dgm:param type="ctrShpMap" val="fNode"/>
-                    </dgm:alg>
-                  </dgm:else>
-                </dgm:choose>
-              </dgm:else>
-            </dgm:choose>
-          </dgm:else>
-        </dgm:choose>
-      </dgm:if>
-      <dgm:else name="Name11">
-        <dgm:choose name="Name12">
-          <dgm:if name="Name13" axis="ch ch" ptType="node node" st="1 1" cnt="1 0" func="cnt" op="lte" val="1">
-            <dgm:alg type="cycle">
-              <dgm:param type="stAng" val="0"/>
-              <dgm:param type="spanAng" val="-360"/>
-              <dgm:param type="ctrShpMap" val="fNode"/>
-            </dgm:alg>
-          </dgm:if>
-          <dgm:else name="Name14">
-            <dgm:choose name="Name15">
-              <dgm:if name="Name16" axis="ch ch" ptType="node node" st="1 1" cnt="1 0" func="cnt" op="lte" val="3">
-                <dgm:alg type="cycle">
-                  <dgm:param type="stAng" val="55"/>
-                  <dgm:param type="spanAng" val="-110"/>
-                  <dgm:param type="ctrShpMap" val="fNode"/>
-                </dgm:alg>
-              </dgm:if>
-              <dgm:else name="Name17">
-                <dgm:choose name="Name18">
-                  <dgm:if name="Name19" axis="ch ch" ptType="node node" st="1 1" cnt="1 0" func="cnt" op="equ" val="4">
-                    <dgm:alg type="cycle">
-                      <dgm:param type="stAng" val="75"/>
-                      <dgm:param type="spanAng" val="-150"/>
-                      <dgm:param type="ctrShpMap" val="fNode"/>
-                    </dgm:alg>
-                  </dgm:if>
-                  <dgm:else name="Name20">
-                    <dgm:alg type="cycle">
-                      <dgm:param type="stAng" val="90"/>
-                      <dgm:param type="spanAng" val="-180"/>
-                      <dgm:param type="ctrShpMap" val="fNode"/>
-                    </dgm:alg>
-                  </dgm:else>
-                </dgm:choose>
-              </dgm:else>
-            </dgm:choose>
-          </dgm:else>
-        </dgm:choose>
-      </dgm:else>
-    </dgm:choose>
-    <dgm:shape xmlns:r="http://schemas.openxmlformats.org/officeDocument/2006/relationships" r:blip="">
-      <dgm:adjLst/>
-    </dgm:shape>
-    <dgm:presOf/>
-    <dgm:constrLst>
-      <dgm:constr type="w" for="ch" forName="centerShape" refType="w"/>
-      <dgm:constr type="w" for="ch" forName="node" refType="w" refFor="ch" refForName="centerShape" fact="0.95"/>
-      <dgm:constr type="h" for="ch" forName="parTrans" refType="w" refFor="ch" refForName="centerShape" fact="0.285"/>
-      <dgm:constr type="sp" refType="w" refFor="ch" refForName="centerShape" op="equ" fact="0.23"/>
-      <dgm:constr type="sibSp" refType="w" refFor="ch" refForName="node" fact="0.1"/>
-      <dgm:constr type="primFontSz" for="ch" forName="node" op="equ"/>
-    </dgm:constrLst>
-    <dgm:choose name="Name21">
-      <dgm:if name="Name22" axis="ch ch" ptType="node node" st="1 1" cnt="1 0" func="cnt" op="lte" val="5">
-        <dgm:ruleLst>
-          <dgm:rule type="w" for="ch" forName="centerShape" val="NaN" fact="0.27" max="NaN"/>
-        </dgm:ruleLst>
-      </dgm:if>
-      <dgm:else name="Name23">
-        <dgm:ruleLst>
-          <dgm:rule type="w" for="ch" forName="centerShape" val="NaN" fact="0.27" max="NaN"/>
-          <dgm:rule type="w" for="ch" forName="node" val="NaN" fact="0.7" max="NaN"/>
-        </dgm:ruleLst>
-      </dgm:else>
-    </dgm:choose>
-    <dgm:forEach name="Name24" axis="ch" ptType="node" cnt="1">
-      <dgm:layoutNode name="centerShape" styleLbl="node0">
-        <dgm:alg type="tx"/>
-        <dgm:shape xmlns:r="http://schemas.openxmlformats.org/officeDocument/2006/relationships" type="ellipse" r:blip="">
-          <dgm:adjLst/>
-        </dgm:shape>
-        <dgm:presOf axis="self"/>
-        <dgm:constrLst>
-          <dgm:constr type="tMarg" refType="primFontSz" fact="0.05"/>
-          <dgm:constr type="bMarg" refType="primFontSz" fact="0.05"/>
-          <dgm:constr type="lMarg" refType="primFontSz" fact="0.05"/>
-          <dgm:constr type="rMarg" refType="primFontSz" fact="0.05"/>
-          <dgm:constr type="primFontSz" val="65"/>
-          <dgm:constr type="h" refType="w"/>
-        </dgm:constrLst>
-        <dgm:ruleLst>
-          <dgm:rule type="primFontSz" val="5" fact="NaN" max="NaN"/>
-        </dgm:ruleLst>
-      </dgm:layoutNode>
-      <dgm:forEach name="Name25" axis="ch">
-        <dgm:forEach name="Name26" axis="self" ptType="parTrans">
-          <dgm:layoutNode name="parTrans" styleLbl="bgSibTrans2D1">
-            <dgm:alg type="conn">
-              <dgm:param type="begPts" val="auto"/>
-              <dgm:param type="endPts" val="ctr"/>
-              <dgm:param type="endSty" val="noArr"/>
-              <dgm:param type="begSty" val="arr"/>
-            </dgm:alg>
-            <dgm:shape xmlns:r="http://schemas.openxmlformats.org/officeDocument/2006/relationships" type="conn" r:blip="">
-              <dgm:adjLst/>
-            </dgm:shape>
-            <dgm:presOf axis="self"/>
-            <dgm:constrLst>
-              <dgm:constr type="begPad" refType="connDist" fact="0.055"/>
-              <dgm:constr type="endPad"/>
-            </dgm:constrLst>
-            <dgm:ruleLst/>
-          </dgm:layoutNode>
-        </dgm:forEach>
-        <dgm:forEach name="Name27" axis="self" ptType="node">
-          <dgm:layoutNode name="node" styleLbl="node1">
-            <dgm:varLst>
-              <dgm:bulletEnabled val="1"/>
-            </dgm:varLst>
-            <dgm:alg type="tx"/>
-            <dgm:shape xmlns:r="http://schemas.openxmlformats.org/officeDocument/2006/relationships" type="roundRect" r:blip="">
-              <dgm:adjLst>
-                <dgm:adj idx="1" val="0.1"/>
-              </dgm:adjLst>
-            </dgm:shape>
-            <dgm:presOf axis="desOrSelf" ptType="node"/>
-            <dgm:constrLst>
-              <dgm:constr type="primFontSz" val="65"/>
-              <dgm:constr type="h" refType="w" fact="0.8"/>
-              <dgm:constr type="tMarg" refType="primFontSz" fact="0.15"/>
-              <dgm:constr type="bMarg" refType="primFontSz" fact="0.15"/>
-              <dgm:constr type="lMarg" refType="primFontSz" fact="0.15"/>
-              <dgm:constr type="rMarg" refType="primFontSz" fact="0.15"/>
-            </dgm:constrLst>
-            <dgm:ruleLst>
-              <dgm:rule type="primFontSz" val="5" fact="NaN" max="NaN"/>
-            </dgm:ruleLst>
-          </dgm:layoutNode>
-        </dgm:forEach>
-      </dgm:forEach>
-    </dgm:forEach>
-  </dgm:layoutNode>
-</dgm:layoutDef>
-</file>
-
-<file path=ppt/diagrams/layout2.xml><?xml version="1.0" encoding="utf-8"?>
 <dgm:layoutDef xmlns:dgm="http://schemas.openxmlformats.org/drawingml/2006/diagram" xmlns:a="http://schemas.openxmlformats.org/drawingml/2006/main" uniqueId="urn:microsoft.com/office/officeart/2005/8/layout/hProcess6">
   <dgm:title val=""/>
   <dgm:desc val=""/>
@@ -13431,7 +10926,7 @@
 </dgm:layoutDef>
 </file>
 
-<file path=ppt/diagrams/layout3.xml><?xml version="1.0" encoding="utf-8"?>
+<file path=ppt/diagrams/layout2.xml><?xml version="1.0" encoding="utf-8"?>
 <dgm:layoutDef xmlns:dgm="http://schemas.openxmlformats.org/drawingml/2006/diagram" xmlns:a="http://schemas.openxmlformats.org/drawingml/2006/main" uniqueId="urn:microsoft.com/office/officeart/2005/8/layout/orgChart1">
   <dgm:title val=""/>
   <dgm:desc val=""/>
@@ -14577,7 +12072,7 @@
 </dgm:layoutDef>
 </file>
 
-<file path=ppt/diagrams/layout4.xml><?xml version="1.0" encoding="utf-8"?>
+<file path=ppt/diagrams/layout3.xml><?xml version="1.0" encoding="utf-8"?>
 <dgm:layoutDef xmlns:dgm="http://schemas.openxmlformats.org/drawingml/2006/diagram" xmlns:a="http://schemas.openxmlformats.org/drawingml/2006/main" uniqueId="urn:microsoft.com/office/officeart/2005/8/layout/orgChart1">
   <dgm:title val=""/>
   <dgm:desc val=""/>
@@ -18825,1040 +16320,6 @@
 </dgm:styleDef>
 </file>
 
-<file path=ppt/diagrams/quickStyle4.xml><?xml version="1.0" encoding="utf-8"?>
-<dgm:styleDef xmlns:dgm="http://schemas.openxmlformats.org/drawingml/2006/diagram" xmlns:a="http://schemas.openxmlformats.org/drawingml/2006/main" uniqueId="urn:microsoft.com/office/officeart/2005/8/quickstyle/simple1">
-  <dgm:title val=""/>
-  <dgm:desc val=""/>
-  <dgm:catLst>
-    <dgm:cat type="simple" pri="10100"/>
-  </dgm:catLst>
-  <dgm:scene3d>
-    <a:camera prst="orthographicFront"/>
-    <a:lightRig rig="threePt" dir="t"/>
-  </dgm:scene3d>
-  <dgm:styleLbl name="node0">
-    <dgm:scene3d>
-      <a:camera prst="orthographicFront"/>
-      <a:lightRig rig="threePt" dir="t"/>
-    </dgm:scene3d>
-    <dgm:sp3d/>
-    <dgm:txPr/>
-    <dgm:style>
-      <a:lnRef idx="2">
-        <a:scrgbClr r="0" g="0" b="0"/>
-      </a:lnRef>
-      <a:fillRef idx="1">
-        <a:scrgbClr r="0" g="0" b="0"/>
-      </a:fillRef>
-      <a:effectRef idx="0">
-        <a:scrgbClr r="0" g="0" b="0"/>
-      </a:effectRef>
-      <a:fontRef idx="minor">
-        <a:schemeClr val="lt1"/>
-      </a:fontRef>
-    </dgm:style>
-  </dgm:styleLbl>
-  <dgm:styleLbl name="lnNode1">
-    <dgm:scene3d>
-      <a:camera prst="orthographicFront"/>
-      <a:lightRig rig="threePt" dir="t"/>
-    </dgm:scene3d>
-    <dgm:sp3d/>
-    <dgm:txPr/>
-    <dgm:style>
-      <a:lnRef idx="2">
-        <a:scrgbClr r="0" g="0" b="0"/>
-      </a:lnRef>
-      <a:fillRef idx="1">
-        <a:scrgbClr r="0" g="0" b="0"/>
-      </a:fillRef>
-      <a:effectRef idx="0">
-        <a:scrgbClr r="0" g="0" b="0"/>
-      </a:effectRef>
-      <a:fontRef idx="minor">
-        <a:schemeClr val="lt1"/>
-      </a:fontRef>
-    </dgm:style>
-  </dgm:styleLbl>
-  <dgm:styleLbl name="vennNode1">
-    <dgm:scene3d>
-      <a:camera prst="orthographicFront"/>
-      <a:lightRig rig="threePt" dir="t"/>
-    </dgm:scene3d>
-    <dgm:sp3d/>
-    <dgm:txPr/>
-    <dgm:style>
-      <a:lnRef idx="2">
-        <a:scrgbClr r="0" g="0" b="0"/>
-      </a:lnRef>
-      <a:fillRef idx="1">
-        <a:scrgbClr r="0" g="0" b="0"/>
-      </a:fillRef>
-      <a:effectRef idx="0">
-        <a:scrgbClr r="0" g="0" b="0"/>
-      </a:effectRef>
-      <a:fontRef idx="minor">
-        <a:schemeClr val="tx1"/>
-      </a:fontRef>
-    </dgm:style>
-  </dgm:styleLbl>
-  <dgm:styleLbl name="alignNode1">
-    <dgm:scene3d>
-      <a:camera prst="orthographicFront"/>
-      <a:lightRig rig="threePt" dir="t"/>
-    </dgm:scene3d>
-    <dgm:sp3d/>
-    <dgm:txPr/>
-    <dgm:style>
-      <a:lnRef idx="2">
-        <a:scrgbClr r="0" g="0" b="0"/>
-      </a:lnRef>
-      <a:fillRef idx="1">
-        <a:scrgbClr r="0" g="0" b="0"/>
-      </a:fillRef>
-      <a:effectRef idx="0">
-        <a:scrgbClr r="0" g="0" b="0"/>
-      </a:effectRef>
-      <a:fontRef idx="minor">
-        <a:schemeClr val="lt1"/>
-      </a:fontRef>
-    </dgm:style>
-  </dgm:styleLbl>
-  <dgm:styleLbl name="node1">
-    <dgm:scene3d>
-      <a:camera prst="orthographicFront"/>
-      <a:lightRig rig="threePt" dir="t"/>
-    </dgm:scene3d>
-    <dgm:sp3d/>
-    <dgm:txPr/>
-    <dgm:style>
-      <a:lnRef idx="2">
-        <a:scrgbClr r="0" g="0" b="0"/>
-      </a:lnRef>
-      <a:fillRef idx="1">
-        <a:scrgbClr r="0" g="0" b="0"/>
-      </a:fillRef>
-      <a:effectRef idx="0">
-        <a:scrgbClr r="0" g="0" b="0"/>
-      </a:effectRef>
-      <a:fontRef idx="minor">
-        <a:schemeClr val="lt1"/>
-      </a:fontRef>
-    </dgm:style>
-  </dgm:styleLbl>
-  <dgm:styleLbl name="node2">
-    <dgm:scene3d>
-      <a:camera prst="orthographicFront"/>
-      <a:lightRig rig="threePt" dir="t"/>
-    </dgm:scene3d>
-    <dgm:sp3d/>
-    <dgm:txPr/>
-    <dgm:style>
-      <a:lnRef idx="2">
-        <a:scrgbClr r="0" g="0" b="0"/>
-      </a:lnRef>
-      <a:fillRef idx="1">
-        <a:scrgbClr r="0" g="0" b="0"/>
-      </a:fillRef>
-      <a:effectRef idx="0">
-        <a:scrgbClr r="0" g="0" b="0"/>
-      </a:effectRef>
-      <a:fontRef idx="minor">
-        <a:schemeClr val="lt1"/>
-      </a:fontRef>
-    </dgm:style>
-  </dgm:styleLbl>
-  <dgm:styleLbl name="node3">
-    <dgm:scene3d>
-      <a:camera prst="orthographicFront"/>
-      <a:lightRig rig="threePt" dir="t"/>
-    </dgm:scene3d>
-    <dgm:sp3d/>
-    <dgm:txPr/>
-    <dgm:style>
-      <a:lnRef idx="2">
-        <a:scrgbClr r="0" g="0" b="0"/>
-      </a:lnRef>
-      <a:fillRef idx="1">
-        <a:scrgbClr r="0" g="0" b="0"/>
-      </a:fillRef>
-      <a:effectRef idx="0">
-        <a:scrgbClr r="0" g="0" b="0"/>
-      </a:effectRef>
-      <a:fontRef idx="minor">
-        <a:schemeClr val="lt1"/>
-      </a:fontRef>
-    </dgm:style>
-  </dgm:styleLbl>
-  <dgm:styleLbl name="node4">
-    <dgm:scene3d>
-      <a:camera prst="orthographicFront"/>
-      <a:lightRig rig="threePt" dir="t"/>
-    </dgm:scene3d>
-    <dgm:sp3d/>
-    <dgm:txPr/>
-    <dgm:style>
-      <a:lnRef idx="2">
-        <a:scrgbClr r="0" g="0" b="0"/>
-      </a:lnRef>
-      <a:fillRef idx="1">
-        <a:scrgbClr r="0" g="0" b="0"/>
-      </a:fillRef>
-      <a:effectRef idx="0">
-        <a:scrgbClr r="0" g="0" b="0"/>
-      </a:effectRef>
-      <a:fontRef idx="minor">
-        <a:schemeClr val="lt1"/>
-      </a:fontRef>
-    </dgm:style>
-  </dgm:styleLbl>
-  <dgm:styleLbl name="fgImgPlace1">
-    <dgm:scene3d>
-      <a:camera prst="orthographicFront"/>
-      <a:lightRig rig="threePt" dir="t"/>
-    </dgm:scene3d>
-    <dgm:sp3d/>
-    <dgm:txPr/>
-    <dgm:style>
-      <a:lnRef idx="2">
-        <a:scrgbClr r="0" g="0" b="0"/>
-      </a:lnRef>
-      <a:fillRef idx="1">
-        <a:scrgbClr r="0" g="0" b="0"/>
-      </a:fillRef>
-      <a:effectRef idx="0">
-        <a:scrgbClr r="0" g="0" b="0"/>
-      </a:effectRef>
-      <a:fontRef idx="minor"/>
-    </dgm:style>
-  </dgm:styleLbl>
-  <dgm:styleLbl name="alignImgPlace1">
-    <dgm:scene3d>
-      <a:camera prst="orthographicFront"/>
-      <a:lightRig rig="threePt" dir="t"/>
-    </dgm:scene3d>
-    <dgm:sp3d/>
-    <dgm:txPr/>
-    <dgm:style>
-      <a:lnRef idx="2">
-        <a:scrgbClr r="0" g="0" b="0"/>
-      </a:lnRef>
-      <a:fillRef idx="1">
-        <a:scrgbClr r="0" g="0" b="0"/>
-      </a:fillRef>
-      <a:effectRef idx="0">
-        <a:scrgbClr r="0" g="0" b="0"/>
-      </a:effectRef>
-      <a:fontRef idx="minor"/>
-    </dgm:style>
-  </dgm:styleLbl>
-  <dgm:styleLbl name="bgImgPlace1">
-    <dgm:scene3d>
-      <a:camera prst="orthographicFront"/>
-      <a:lightRig rig="threePt" dir="t"/>
-    </dgm:scene3d>
-    <dgm:sp3d/>
-    <dgm:txPr/>
-    <dgm:style>
-      <a:lnRef idx="2">
-        <a:scrgbClr r="0" g="0" b="0"/>
-      </a:lnRef>
-      <a:fillRef idx="1">
-        <a:scrgbClr r="0" g="0" b="0"/>
-      </a:fillRef>
-      <a:effectRef idx="0">
-        <a:scrgbClr r="0" g="0" b="0"/>
-      </a:effectRef>
-      <a:fontRef idx="minor"/>
-    </dgm:style>
-  </dgm:styleLbl>
-  <dgm:styleLbl name="sibTrans2D1">
-    <dgm:scene3d>
-      <a:camera prst="orthographicFront"/>
-      <a:lightRig rig="threePt" dir="t"/>
-    </dgm:scene3d>
-    <dgm:sp3d/>
-    <dgm:txPr/>
-    <dgm:style>
-      <a:lnRef idx="0">
-        <a:scrgbClr r="0" g="0" b="0"/>
-      </a:lnRef>
-      <a:fillRef idx="1">
-        <a:scrgbClr r="0" g="0" b="0"/>
-      </a:fillRef>
-      <a:effectRef idx="0">
-        <a:scrgbClr r="0" g="0" b="0"/>
-      </a:effectRef>
-      <a:fontRef idx="minor">
-        <a:schemeClr val="lt1"/>
-      </a:fontRef>
-    </dgm:style>
-  </dgm:styleLbl>
-  <dgm:styleLbl name="fgSibTrans2D1">
-    <dgm:scene3d>
-      <a:camera prst="orthographicFront"/>
-      <a:lightRig rig="threePt" dir="t"/>
-    </dgm:scene3d>
-    <dgm:sp3d/>
-    <dgm:txPr/>
-    <dgm:style>
-      <a:lnRef idx="0">
-        <a:scrgbClr r="0" g="0" b="0"/>
-      </a:lnRef>
-      <a:fillRef idx="1">
-        <a:scrgbClr r="0" g="0" b="0"/>
-      </a:fillRef>
-      <a:effectRef idx="0">
-        <a:scrgbClr r="0" g="0" b="0"/>
-      </a:effectRef>
-      <a:fontRef idx="minor">
-        <a:schemeClr val="lt1"/>
-      </a:fontRef>
-    </dgm:style>
-  </dgm:styleLbl>
-  <dgm:styleLbl name="bgSibTrans2D1">
-    <dgm:scene3d>
-      <a:camera prst="orthographicFront"/>
-      <a:lightRig rig="threePt" dir="t"/>
-    </dgm:scene3d>
-    <dgm:sp3d/>
-    <dgm:txPr/>
-    <dgm:style>
-      <a:lnRef idx="0">
-        <a:scrgbClr r="0" g="0" b="0"/>
-      </a:lnRef>
-      <a:fillRef idx="1">
-        <a:scrgbClr r="0" g="0" b="0"/>
-      </a:fillRef>
-      <a:effectRef idx="0">
-        <a:scrgbClr r="0" g="0" b="0"/>
-      </a:effectRef>
-      <a:fontRef idx="minor">
-        <a:schemeClr val="lt1"/>
-      </a:fontRef>
-    </dgm:style>
-  </dgm:styleLbl>
-  <dgm:styleLbl name="sibTrans1D1">
-    <dgm:scene3d>
-      <a:camera prst="orthographicFront"/>
-      <a:lightRig rig="threePt" dir="t"/>
-    </dgm:scene3d>
-    <dgm:sp3d/>
-    <dgm:txPr/>
-    <dgm:style>
-      <a:lnRef idx="1">
-        <a:scrgbClr r="0" g="0" b="0"/>
-      </a:lnRef>
-      <a:fillRef idx="0">
-        <a:scrgbClr r="0" g="0" b="0"/>
-      </a:fillRef>
-      <a:effectRef idx="0">
-        <a:scrgbClr r="0" g="0" b="0"/>
-      </a:effectRef>
-      <a:fontRef idx="minor"/>
-    </dgm:style>
-  </dgm:styleLbl>
-  <dgm:styleLbl name="callout">
-    <dgm:scene3d>
-      <a:camera prst="orthographicFront"/>
-      <a:lightRig rig="threePt" dir="t"/>
-    </dgm:scene3d>
-    <dgm:sp3d/>
-    <dgm:txPr/>
-    <dgm:style>
-      <a:lnRef idx="2">
-        <a:scrgbClr r="0" g="0" b="0"/>
-      </a:lnRef>
-      <a:fillRef idx="1">
-        <a:scrgbClr r="0" g="0" b="0"/>
-      </a:fillRef>
-      <a:effectRef idx="0">
-        <a:scrgbClr r="0" g="0" b="0"/>
-      </a:effectRef>
-      <a:fontRef idx="minor"/>
-    </dgm:style>
-  </dgm:styleLbl>
-  <dgm:styleLbl name="asst0">
-    <dgm:scene3d>
-      <a:camera prst="orthographicFront"/>
-      <a:lightRig rig="threePt" dir="t"/>
-    </dgm:scene3d>
-    <dgm:sp3d/>
-    <dgm:txPr/>
-    <dgm:style>
-      <a:lnRef idx="2">
-        <a:scrgbClr r="0" g="0" b="0"/>
-      </a:lnRef>
-      <a:fillRef idx="1">
-        <a:scrgbClr r="0" g="0" b="0"/>
-      </a:fillRef>
-      <a:effectRef idx="0">
-        <a:scrgbClr r="0" g="0" b="0"/>
-      </a:effectRef>
-      <a:fontRef idx="minor">
-        <a:schemeClr val="lt1"/>
-      </a:fontRef>
-    </dgm:style>
-  </dgm:styleLbl>
-  <dgm:styleLbl name="asst1">
-    <dgm:scene3d>
-      <a:camera prst="orthographicFront"/>
-      <a:lightRig rig="threePt" dir="t"/>
-    </dgm:scene3d>
-    <dgm:sp3d/>
-    <dgm:txPr/>
-    <dgm:style>
-      <a:lnRef idx="2">
-        <a:scrgbClr r="0" g="0" b="0"/>
-      </a:lnRef>
-      <a:fillRef idx="1">
-        <a:scrgbClr r="0" g="0" b="0"/>
-      </a:fillRef>
-      <a:effectRef idx="0">
-        <a:scrgbClr r="0" g="0" b="0"/>
-      </a:effectRef>
-      <a:fontRef idx="minor">
-        <a:schemeClr val="lt1"/>
-      </a:fontRef>
-    </dgm:style>
-  </dgm:styleLbl>
-  <dgm:styleLbl name="asst2">
-    <dgm:scene3d>
-      <a:camera prst="orthographicFront"/>
-      <a:lightRig rig="threePt" dir="t"/>
-    </dgm:scene3d>
-    <dgm:sp3d/>
-    <dgm:txPr/>
-    <dgm:style>
-      <a:lnRef idx="2">
-        <a:scrgbClr r="0" g="0" b="0"/>
-      </a:lnRef>
-      <a:fillRef idx="1">
-        <a:scrgbClr r="0" g="0" b="0"/>
-      </a:fillRef>
-      <a:effectRef idx="0">
-        <a:scrgbClr r="0" g="0" b="0"/>
-      </a:effectRef>
-      <a:fontRef idx="minor">
-        <a:schemeClr val="lt1"/>
-      </a:fontRef>
-    </dgm:style>
-  </dgm:styleLbl>
-  <dgm:styleLbl name="asst3">
-    <dgm:scene3d>
-      <a:camera prst="orthographicFront"/>
-      <a:lightRig rig="threePt" dir="t"/>
-    </dgm:scene3d>
-    <dgm:sp3d/>
-    <dgm:txPr/>
-    <dgm:style>
-      <a:lnRef idx="2">
-        <a:scrgbClr r="0" g="0" b="0"/>
-      </a:lnRef>
-      <a:fillRef idx="1">
-        <a:scrgbClr r="0" g="0" b="0"/>
-      </a:fillRef>
-      <a:effectRef idx="0">
-        <a:scrgbClr r="0" g="0" b="0"/>
-      </a:effectRef>
-      <a:fontRef idx="minor">
-        <a:schemeClr val="lt1"/>
-      </a:fontRef>
-    </dgm:style>
-  </dgm:styleLbl>
-  <dgm:styleLbl name="asst4">
-    <dgm:scene3d>
-      <a:camera prst="orthographicFront"/>
-      <a:lightRig rig="threePt" dir="t"/>
-    </dgm:scene3d>
-    <dgm:sp3d/>
-    <dgm:txPr/>
-    <dgm:style>
-      <a:lnRef idx="2">
-        <a:scrgbClr r="0" g="0" b="0"/>
-      </a:lnRef>
-      <a:fillRef idx="1">
-        <a:scrgbClr r="0" g="0" b="0"/>
-      </a:fillRef>
-      <a:effectRef idx="0">
-        <a:scrgbClr r="0" g="0" b="0"/>
-      </a:effectRef>
-      <a:fontRef idx="minor">
-        <a:schemeClr val="lt1"/>
-      </a:fontRef>
-    </dgm:style>
-  </dgm:styleLbl>
-  <dgm:styleLbl name="parChTrans2D1">
-    <dgm:scene3d>
-      <a:camera prst="orthographicFront"/>
-      <a:lightRig rig="threePt" dir="t"/>
-    </dgm:scene3d>
-    <dgm:sp3d/>
-    <dgm:txPr/>
-    <dgm:style>
-      <a:lnRef idx="2">
-        <a:scrgbClr r="0" g="0" b="0"/>
-      </a:lnRef>
-      <a:fillRef idx="1">
-        <a:scrgbClr r="0" g="0" b="0"/>
-      </a:fillRef>
-      <a:effectRef idx="0">
-        <a:scrgbClr r="0" g="0" b="0"/>
-      </a:effectRef>
-      <a:fontRef idx="minor">
-        <a:schemeClr val="lt1"/>
-      </a:fontRef>
-    </dgm:style>
-  </dgm:styleLbl>
-  <dgm:styleLbl name="parChTrans2D2">
-    <dgm:scene3d>
-      <a:camera prst="orthographicFront"/>
-      <a:lightRig rig="threePt" dir="t"/>
-    </dgm:scene3d>
-    <dgm:sp3d/>
-    <dgm:txPr/>
-    <dgm:style>
-      <a:lnRef idx="2">
-        <a:scrgbClr r="0" g="0" b="0"/>
-      </a:lnRef>
-      <a:fillRef idx="1">
-        <a:scrgbClr r="0" g="0" b="0"/>
-      </a:fillRef>
-      <a:effectRef idx="0">
-        <a:scrgbClr r="0" g="0" b="0"/>
-      </a:effectRef>
-      <a:fontRef idx="minor">
-        <a:schemeClr val="lt1"/>
-      </a:fontRef>
-    </dgm:style>
-  </dgm:styleLbl>
-  <dgm:styleLbl name="parChTrans2D3">
-    <dgm:scene3d>
-      <a:camera prst="orthographicFront"/>
-      <a:lightRig rig="threePt" dir="t"/>
-    </dgm:scene3d>
-    <dgm:sp3d/>
-    <dgm:txPr/>
-    <dgm:style>
-      <a:lnRef idx="2">
-        <a:scrgbClr r="0" g="0" b="0"/>
-      </a:lnRef>
-      <a:fillRef idx="1">
-        <a:scrgbClr r="0" g="0" b="0"/>
-      </a:fillRef>
-      <a:effectRef idx="0">
-        <a:scrgbClr r="0" g="0" b="0"/>
-      </a:effectRef>
-      <a:fontRef idx="minor">
-        <a:schemeClr val="lt1"/>
-      </a:fontRef>
-    </dgm:style>
-  </dgm:styleLbl>
-  <dgm:styleLbl name="parChTrans2D4">
-    <dgm:scene3d>
-      <a:camera prst="orthographicFront"/>
-      <a:lightRig rig="threePt" dir="t"/>
-    </dgm:scene3d>
-    <dgm:sp3d/>
-    <dgm:txPr/>
-    <dgm:style>
-      <a:lnRef idx="2">
-        <a:scrgbClr r="0" g="0" b="0"/>
-      </a:lnRef>
-      <a:fillRef idx="1">
-        <a:scrgbClr r="0" g="0" b="0"/>
-      </a:fillRef>
-      <a:effectRef idx="0">
-        <a:scrgbClr r="0" g="0" b="0"/>
-      </a:effectRef>
-      <a:fontRef idx="minor">
-        <a:schemeClr val="lt1"/>
-      </a:fontRef>
-    </dgm:style>
-  </dgm:styleLbl>
-  <dgm:styleLbl name="parChTrans1D1">
-    <dgm:scene3d>
-      <a:camera prst="orthographicFront"/>
-      <a:lightRig rig="threePt" dir="t"/>
-    </dgm:scene3d>
-    <dgm:sp3d/>
-    <dgm:txPr/>
-    <dgm:style>
-      <a:lnRef idx="2">
-        <a:scrgbClr r="0" g="0" b="0"/>
-      </a:lnRef>
-      <a:fillRef idx="0">
-        <a:scrgbClr r="0" g="0" b="0"/>
-      </a:fillRef>
-      <a:effectRef idx="0">
-        <a:scrgbClr r="0" g="0" b="0"/>
-      </a:effectRef>
-      <a:fontRef idx="minor"/>
-    </dgm:style>
-  </dgm:styleLbl>
-  <dgm:styleLbl name="parChTrans1D2">
-    <dgm:scene3d>
-      <a:camera prst="orthographicFront"/>
-      <a:lightRig rig="threePt" dir="t"/>
-    </dgm:scene3d>
-    <dgm:sp3d/>
-    <dgm:txPr/>
-    <dgm:style>
-      <a:lnRef idx="2">
-        <a:scrgbClr r="0" g="0" b="0"/>
-      </a:lnRef>
-      <a:fillRef idx="0">
-        <a:scrgbClr r="0" g="0" b="0"/>
-      </a:fillRef>
-      <a:effectRef idx="0">
-        <a:scrgbClr r="0" g="0" b="0"/>
-      </a:effectRef>
-      <a:fontRef idx="minor"/>
-    </dgm:style>
-  </dgm:styleLbl>
-  <dgm:styleLbl name="parChTrans1D3">
-    <dgm:scene3d>
-      <a:camera prst="orthographicFront"/>
-      <a:lightRig rig="threePt" dir="t"/>
-    </dgm:scene3d>
-    <dgm:sp3d/>
-    <dgm:txPr/>
-    <dgm:style>
-      <a:lnRef idx="2">
-        <a:scrgbClr r="0" g="0" b="0"/>
-      </a:lnRef>
-      <a:fillRef idx="0">
-        <a:scrgbClr r="0" g="0" b="0"/>
-      </a:fillRef>
-      <a:effectRef idx="0">
-        <a:scrgbClr r="0" g="0" b="0"/>
-      </a:effectRef>
-      <a:fontRef idx="minor"/>
-    </dgm:style>
-  </dgm:styleLbl>
-  <dgm:styleLbl name="parChTrans1D4">
-    <dgm:scene3d>
-      <a:camera prst="orthographicFront"/>
-      <a:lightRig rig="threePt" dir="t"/>
-    </dgm:scene3d>
-    <dgm:sp3d/>
-    <dgm:txPr/>
-    <dgm:style>
-      <a:lnRef idx="2">
-        <a:scrgbClr r="0" g="0" b="0"/>
-      </a:lnRef>
-      <a:fillRef idx="0">
-        <a:scrgbClr r="0" g="0" b="0"/>
-      </a:fillRef>
-      <a:effectRef idx="0">
-        <a:scrgbClr r="0" g="0" b="0"/>
-      </a:effectRef>
-      <a:fontRef idx="minor"/>
-    </dgm:style>
-  </dgm:styleLbl>
-  <dgm:styleLbl name="fgAcc1">
-    <dgm:scene3d>
-      <a:camera prst="orthographicFront"/>
-      <a:lightRig rig="threePt" dir="t"/>
-    </dgm:scene3d>
-    <dgm:sp3d/>
-    <dgm:txPr/>
-    <dgm:style>
-      <a:lnRef idx="2">
-        <a:scrgbClr r="0" g="0" b="0"/>
-      </a:lnRef>
-      <a:fillRef idx="1">
-        <a:scrgbClr r="0" g="0" b="0"/>
-      </a:fillRef>
-      <a:effectRef idx="0">
-        <a:scrgbClr r="0" g="0" b="0"/>
-      </a:effectRef>
-      <a:fontRef idx="minor"/>
-    </dgm:style>
-  </dgm:styleLbl>
-  <dgm:styleLbl name="conFgAcc1">
-    <dgm:scene3d>
-      <a:camera prst="orthographicFront"/>
-      <a:lightRig rig="threePt" dir="t"/>
-    </dgm:scene3d>
-    <dgm:sp3d/>
-    <dgm:txPr/>
-    <dgm:style>
-      <a:lnRef idx="2">
-        <a:scrgbClr r="0" g="0" b="0"/>
-      </a:lnRef>
-      <a:fillRef idx="1">
-        <a:scrgbClr r="0" g="0" b="0"/>
-      </a:fillRef>
-      <a:effectRef idx="0">
-        <a:scrgbClr r="0" g="0" b="0"/>
-      </a:effectRef>
-      <a:fontRef idx="minor"/>
-    </dgm:style>
-  </dgm:styleLbl>
-  <dgm:styleLbl name="alignAcc1">
-    <dgm:scene3d>
-      <a:camera prst="orthographicFront"/>
-      <a:lightRig rig="threePt" dir="t"/>
-    </dgm:scene3d>
-    <dgm:sp3d/>
-    <dgm:txPr/>
-    <dgm:style>
-      <a:lnRef idx="2">
-        <a:scrgbClr r="0" g="0" b="0"/>
-      </a:lnRef>
-      <a:fillRef idx="1">
-        <a:scrgbClr r="0" g="0" b="0"/>
-      </a:fillRef>
-      <a:effectRef idx="0">
-        <a:scrgbClr r="0" g="0" b="0"/>
-      </a:effectRef>
-      <a:fontRef idx="minor"/>
-    </dgm:style>
-  </dgm:styleLbl>
-  <dgm:styleLbl name="trAlignAcc1">
-    <dgm:scene3d>
-      <a:camera prst="orthographicFront"/>
-      <a:lightRig rig="threePt" dir="t"/>
-    </dgm:scene3d>
-    <dgm:sp3d/>
-    <dgm:txPr/>
-    <dgm:style>
-      <a:lnRef idx="1">
-        <a:scrgbClr r="0" g="0" b="0"/>
-      </a:lnRef>
-      <a:fillRef idx="1">
-        <a:scrgbClr r="0" g="0" b="0"/>
-      </a:fillRef>
-      <a:effectRef idx="0">
-        <a:scrgbClr r="0" g="0" b="0"/>
-      </a:effectRef>
-      <a:fontRef idx="minor"/>
-    </dgm:style>
-  </dgm:styleLbl>
-  <dgm:styleLbl name="bgAcc1">
-    <dgm:scene3d>
-      <a:camera prst="orthographicFront"/>
-      <a:lightRig rig="threePt" dir="t"/>
-    </dgm:scene3d>
-    <dgm:sp3d/>
-    <dgm:txPr/>
-    <dgm:style>
-      <a:lnRef idx="2">
-        <a:scrgbClr r="0" g="0" b="0"/>
-      </a:lnRef>
-      <a:fillRef idx="1">
-        <a:scrgbClr r="0" g="0" b="0"/>
-      </a:fillRef>
-      <a:effectRef idx="0">
-        <a:scrgbClr r="0" g="0" b="0"/>
-      </a:effectRef>
-      <a:fontRef idx="minor"/>
-    </dgm:style>
-  </dgm:styleLbl>
-  <dgm:styleLbl name="solidFgAcc1">
-    <dgm:scene3d>
-      <a:camera prst="orthographicFront"/>
-      <a:lightRig rig="threePt" dir="t"/>
-    </dgm:scene3d>
-    <dgm:sp3d/>
-    <dgm:txPr/>
-    <dgm:style>
-      <a:lnRef idx="2">
-        <a:scrgbClr r="0" g="0" b="0"/>
-      </a:lnRef>
-      <a:fillRef idx="1">
-        <a:scrgbClr r="0" g="0" b="0"/>
-      </a:fillRef>
-      <a:effectRef idx="0">
-        <a:scrgbClr r="0" g="0" b="0"/>
-      </a:effectRef>
-      <a:fontRef idx="minor"/>
-    </dgm:style>
-  </dgm:styleLbl>
-  <dgm:styleLbl name="solidAlignAcc1">
-    <dgm:scene3d>
-      <a:camera prst="orthographicFront"/>
-      <a:lightRig rig="threePt" dir="t"/>
-    </dgm:scene3d>
-    <dgm:sp3d/>
-    <dgm:txPr/>
-    <dgm:style>
-      <a:lnRef idx="2">
-        <a:scrgbClr r="0" g="0" b="0"/>
-      </a:lnRef>
-      <a:fillRef idx="1">
-        <a:scrgbClr r="0" g="0" b="0"/>
-      </a:fillRef>
-      <a:effectRef idx="0">
-        <a:scrgbClr r="0" g="0" b="0"/>
-      </a:effectRef>
-      <a:fontRef idx="minor"/>
-    </dgm:style>
-  </dgm:styleLbl>
-  <dgm:styleLbl name="solidBgAcc1">
-    <dgm:scene3d>
-      <a:camera prst="orthographicFront"/>
-      <a:lightRig rig="threePt" dir="t"/>
-    </dgm:scene3d>
-    <dgm:sp3d/>
-    <dgm:txPr/>
-    <dgm:style>
-      <a:lnRef idx="2">
-        <a:scrgbClr r="0" g="0" b="0"/>
-      </a:lnRef>
-      <a:fillRef idx="1">
-        <a:scrgbClr r="0" g="0" b="0"/>
-      </a:fillRef>
-      <a:effectRef idx="0">
-        <a:scrgbClr r="0" g="0" b="0"/>
-      </a:effectRef>
-      <a:fontRef idx="minor"/>
-    </dgm:style>
-  </dgm:styleLbl>
-  <dgm:styleLbl name="fgAccFollowNode1">
-    <dgm:scene3d>
-      <a:camera prst="orthographicFront"/>
-      <a:lightRig rig="threePt" dir="t"/>
-    </dgm:scene3d>
-    <dgm:sp3d/>
-    <dgm:txPr/>
-    <dgm:style>
-      <a:lnRef idx="2">
-        <a:scrgbClr r="0" g="0" b="0"/>
-      </a:lnRef>
-      <a:fillRef idx="1">
-        <a:scrgbClr r="0" g="0" b="0"/>
-      </a:fillRef>
-      <a:effectRef idx="0">
-        <a:scrgbClr r="0" g="0" b="0"/>
-      </a:effectRef>
-      <a:fontRef idx="minor"/>
-    </dgm:style>
-  </dgm:styleLbl>
-  <dgm:styleLbl name="alignAccFollowNode1">
-    <dgm:scene3d>
-      <a:camera prst="orthographicFront"/>
-      <a:lightRig rig="threePt" dir="t"/>
-    </dgm:scene3d>
-    <dgm:sp3d/>
-    <dgm:txPr/>
-    <dgm:style>
-      <a:lnRef idx="2">
-        <a:scrgbClr r="0" g="0" b="0"/>
-      </a:lnRef>
-      <a:fillRef idx="1">
-        <a:scrgbClr r="0" g="0" b="0"/>
-      </a:fillRef>
-      <a:effectRef idx="0">
-        <a:scrgbClr r="0" g="0" b="0"/>
-      </a:effectRef>
-      <a:fontRef idx="minor"/>
-    </dgm:style>
-  </dgm:styleLbl>
-  <dgm:styleLbl name="bgAccFollowNode1">
-    <dgm:scene3d>
-      <a:camera prst="orthographicFront"/>
-      <a:lightRig rig="threePt" dir="t"/>
-    </dgm:scene3d>
-    <dgm:sp3d/>
-    <dgm:txPr/>
-    <dgm:style>
-      <a:lnRef idx="2">
-        <a:scrgbClr r="0" g="0" b="0"/>
-      </a:lnRef>
-      <a:fillRef idx="1">
-        <a:scrgbClr r="0" g="0" b="0"/>
-      </a:fillRef>
-      <a:effectRef idx="0">
-        <a:scrgbClr r="0" g="0" b="0"/>
-      </a:effectRef>
-      <a:fontRef idx="minor"/>
-    </dgm:style>
-  </dgm:styleLbl>
-  <dgm:styleLbl name="fgAcc0">
-    <dgm:scene3d>
-      <a:camera prst="orthographicFront"/>
-      <a:lightRig rig="threePt" dir="t"/>
-    </dgm:scene3d>
-    <dgm:sp3d/>
-    <dgm:txPr/>
-    <dgm:style>
-      <a:lnRef idx="2">
-        <a:scrgbClr r="0" g="0" b="0"/>
-      </a:lnRef>
-      <a:fillRef idx="1">
-        <a:scrgbClr r="0" g="0" b="0"/>
-      </a:fillRef>
-      <a:effectRef idx="0">
-        <a:scrgbClr r="0" g="0" b="0"/>
-      </a:effectRef>
-      <a:fontRef idx="minor"/>
-    </dgm:style>
-  </dgm:styleLbl>
-  <dgm:styleLbl name="fgAcc2">
-    <dgm:scene3d>
-      <a:camera prst="orthographicFront"/>
-      <a:lightRig rig="threePt" dir="t"/>
-    </dgm:scene3d>
-    <dgm:sp3d/>
-    <dgm:txPr/>
-    <dgm:style>
-      <a:lnRef idx="2">
-        <a:scrgbClr r="0" g="0" b="0"/>
-      </a:lnRef>
-      <a:fillRef idx="1">
-        <a:scrgbClr r="0" g="0" b="0"/>
-      </a:fillRef>
-      <a:effectRef idx="0">
-        <a:scrgbClr r="0" g="0" b="0"/>
-      </a:effectRef>
-      <a:fontRef idx="minor"/>
-    </dgm:style>
-  </dgm:styleLbl>
-  <dgm:styleLbl name="fgAcc3">
-    <dgm:scene3d>
-      <a:camera prst="orthographicFront"/>
-      <a:lightRig rig="threePt" dir="t"/>
-    </dgm:scene3d>
-    <dgm:sp3d/>
-    <dgm:txPr/>
-    <dgm:style>
-      <a:lnRef idx="2">
-        <a:scrgbClr r="0" g="0" b="0"/>
-      </a:lnRef>
-      <a:fillRef idx="1">
-        <a:scrgbClr r="0" g="0" b="0"/>
-      </a:fillRef>
-      <a:effectRef idx="0">
-        <a:scrgbClr r="0" g="0" b="0"/>
-      </a:effectRef>
-      <a:fontRef idx="minor"/>
-    </dgm:style>
-  </dgm:styleLbl>
-  <dgm:styleLbl name="fgAcc4">
-    <dgm:scene3d>
-      <a:camera prst="orthographicFront"/>
-      <a:lightRig rig="threePt" dir="t"/>
-    </dgm:scene3d>
-    <dgm:sp3d/>
-    <dgm:txPr/>
-    <dgm:style>
-      <a:lnRef idx="2">
-        <a:scrgbClr r="0" g="0" b="0"/>
-      </a:lnRef>
-      <a:fillRef idx="1">
-        <a:scrgbClr r="0" g="0" b="0"/>
-      </a:fillRef>
-      <a:effectRef idx="0">
-        <a:scrgbClr r="0" g="0" b="0"/>
-      </a:effectRef>
-      <a:fontRef idx="minor"/>
-    </dgm:style>
-  </dgm:styleLbl>
-  <dgm:styleLbl name="bgShp">
-    <dgm:scene3d>
-      <a:camera prst="orthographicFront"/>
-      <a:lightRig rig="threePt" dir="t"/>
-    </dgm:scene3d>
-    <dgm:sp3d/>
-    <dgm:txPr/>
-    <dgm:style>
-      <a:lnRef idx="0">
-        <a:scrgbClr r="0" g="0" b="0"/>
-      </a:lnRef>
-      <a:fillRef idx="1">
-        <a:scrgbClr r="0" g="0" b="0"/>
-      </a:fillRef>
-      <a:effectRef idx="0">
-        <a:scrgbClr r="0" g="0" b="0"/>
-      </a:effectRef>
-      <a:fontRef idx="minor"/>
-    </dgm:style>
-  </dgm:styleLbl>
-  <dgm:styleLbl name="dkBgShp">
-    <dgm:scene3d>
-      <a:camera prst="orthographicFront"/>
-      <a:lightRig rig="threePt" dir="t"/>
-    </dgm:scene3d>
-    <dgm:sp3d/>
-    <dgm:txPr/>
-    <dgm:style>
-      <a:lnRef idx="0">
-        <a:scrgbClr r="0" g="0" b="0"/>
-      </a:lnRef>
-      <a:fillRef idx="1">
-        <a:scrgbClr r="0" g="0" b="0"/>
-      </a:fillRef>
-      <a:effectRef idx="0">
-        <a:scrgbClr r="0" g="0" b="0"/>
-      </a:effectRef>
-      <a:fontRef idx="minor"/>
-    </dgm:style>
-  </dgm:styleLbl>
-  <dgm:styleLbl name="trBgShp">
-    <dgm:scene3d>
-      <a:camera prst="orthographicFront"/>
-      <a:lightRig rig="threePt" dir="t"/>
-    </dgm:scene3d>
-    <dgm:sp3d/>
-    <dgm:txPr/>
-    <dgm:style>
-      <a:lnRef idx="0">
-        <a:scrgbClr r="0" g="0" b="0"/>
-      </a:lnRef>
-      <a:fillRef idx="1">
-        <a:scrgbClr r="0" g="0" b="0"/>
-      </a:fillRef>
-      <a:effectRef idx="0">
-        <a:scrgbClr r="0" g="0" b="0"/>
-      </a:effectRef>
-      <a:fontRef idx="minor"/>
-    </dgm:style>
-  </dgm:styleLbl>
-  <dgm:styleLbl name="fgShp">
-    <dgm:scene3d>
-      <a:camera prst="orthographicFront"/>
-      <a:lightRig rig="threePt" dir="t"/>
-    </dgm:scene3d>
-    <dgm:sp3d/>
-    <dgm:txPr/>
-    <dgm:style>
-      <a:lnRef idx="2">
-        <a:scrgbClr r="0" g="0" b="0"/>
-      </a:lnRef>
-      <a:fillRef idx="1">
-        <a:scrgbClr r="0" g="0" b="0"/>
-      </a:fillRef>
-      <a:effectRef idx="0">
-        <a:scrgbClr r="0" g="0" b="0"/>
-      </a:effectRef>
-      <a:fontRef idx="minor"/>
-    </dgm:style>
-  </dgm:styleLbl>
-  <dgm:styleLbl name="revTx">
-    <dgm:scene3d>
-      <a:camera prst="orthographicFront"/>
-      <a:lightRig rig="threePt" dir="t"/>
-    </dgm:scene3d>
-    <dgm:sp3d/>
-    <dgm:txPr/>
-    <dgm:style>
-      <a:lnRef idx="0">
-        <a:scrgbClr r="0" g="0" b="0"/>
-      </a:lnRef>
-      <a:fillRef idx="0">
-        <a:scrgbClr r="0" g="0" b="0"/>
-      </a:fillRef>
-      <a:effectRef idx="0">
-        <a:scrgbClr r="0" g="0" b="0"/>
-      </a:effectRef>
-      <a:fontRef idx="minor"/>
-    </dgm:style>
-  </dgm:styleLbl>
-</dgm:styleDef>
-</file>
-
 <file path=ppt/notesMasters/notesMaster1.xml><?xml version="1.0" encoding="utf-8"?>
 <p:notesMaster xmlns:a="http://schemas.openxmlformats.org/drawingml/2006/main" xmlns:r="http://schemas.openxmlformats.org/officeDocument/2006/relationships" xmlns:p="http://schemas.openxmlformats.org/presentationml/2006/main">
   <p:cSld>
@@ -19941,7 +16402,7 @@
           <a:p>
             <a:fld id="{48A72CDC-B66D-4F7C-81D5-D9554618F5EA}" type="datetimeFigureOut">
               <a:rPr lang="ca-ES" smtClean="0"/>
-              <a:t>23/1/2020</a:t>
+              <a:t>24/1/2020</a:t>
             </a:fld>
             <a:endParaRPr lang="ca-ES"/>
           </a:p>
@@ -20454,7 +16915,7 @@
           <a:p>
             <a:fld id="{0BBB4F42-6AD2-4763-95BD-31AD1CD045D9}" type="datetime1">
               <a:rPr lang="ca-ES" smtClean="0"/>
-              <a:t>23/1/2020</a:t>
+              <a:t>24/1/2020</a:t>
             </a:fld>
             <a:endParaRPr lang="ca-ES"/>
           </a:p>
@@ -20754,7 +17215,7 @@
           <a:p>
             <a:fld id="{A04CCCF5-5A85-4415-AA58-796941352A24}" type="datetime1">
               <a:rPr lang="ca-ES" smtClean="0"/>
-              <a:t>23/1/2020</a:t>
+              <a:t>24/1/2020</a:t>
             </a:fld>
             <a:endParaRPr lang="ca-ES"/>
           </a:p>
@@ -20984,7 +17445,7 @@
           <a:p>
             <a:fld id="{76EB001A-7D6D-4244-904E-2F12C21DCADA}" type="datetime1">
               <a:rPr lang="ca-ES" smtClean="0"/>
-              <a:t>23/1/2020</a:t>
+              <a:t>24/1/2020</a:t>
             </a:fld>
             <a:endParaRPr lang="ca-ES"/>
           </a:p>
@@ -21219,7 +17680,7 @@
           <a:p>
             <a:fld id="{B9EDF53F-45FA-47CF-989C-BECC3CC4A6FA}" type="datetime1">
               <a:rPr lang="ca-ES" smtClean="0"/>
-              <a:t>23/1/2020</a:t>
+              <a:t>24/1/2020</a:t>
             </a:fld>
             <a:endParaRPr lang="ca-ES"/>
           </a:p>
@@ -21459,7 +17920,7 @@
           <a:p>
             <a:fld id="{28691B5E-530A-4578-A88A-EE5F8129B80D}" type="datetime1">
               <a:rPr lang="ca-ES" smtClean="0"/>
-              <a:t>23/1/2020</a:t>
+              <a:t>24/1/2020</a:t>
             </a:fld>
             <a:endParaRPr lang="ca-ES"/>
           </a:p>
@@ -21777,7 +18238,7 @@
           <a:p>
             <a:fld id="{734979E8-4746-4A6E-9ECA-821FCB65AC50}" type="datetime1">
               <a:rPr lang="ca-ES" smtClean="0"/>
-              <a:t>23/1/2020</a:t>
+              <a:t>24/1/2020</a:t>
             </a:fld>
             <a:endParaRPr lang="ca-ES"/>
           </a:p>
@@ -22086,7 +18547,7 @@
           <a:p>
             <a:fld id="{CCD70EE2-F9E8-4773-8F78-2AD436C1326C}" type="datetime1">
               <a:rPr lang="ca-ES" smtClean="0"/>
-              <a:t>23/1/2020</a:t>
+              <a:t>24/1/2020</a:t>
             </a:fld>
             <a:endParaRPr lang="ca-ES"/>
           </a:p>
@@ -22515,7 +18976,7 @@
           <a:p>
             <a:fld id="{B0303F1D-DFA8-4039-AB39-7797D6C98C06}" type="datetime1">
               <a:rPr lang="ca-ES" smtClean="0"/>
-              <a:t>23/1/2020</a:t>
+              <a:t>24/1/2020</a:t>
             </a:fld>
             <a:endParaRPr lang="ca-ES"/>
           </a:p>
@@ -22640,7 +19101,7 @@
           <a:p>
             <a:fld id="{5ABAFB43-88C3-4E66-905C-AD8295BD58CE}" type="datetime1">
               <a:rPr lang="ca-ES" smtClean="0"/>
-              <a:t>23/1/2020</a:t>
+              <a:t>24/1/2020</a:t>
             </a:fld>
             <a:endParaRPr lang="ca-ES"/>
           </a:p>
@@ -22747,7 +19208,7 @@
           <a:p>
             <a:fld id="{11D08794-904D-4712-B67A-5F06D671CBCB}" type="datetime1">
               <a:rPr lang="ca-ES" smtClean="0"/>
-              <a:t>23/1/2020</a:t>
+              <a:t>24/1/2020</a:t>
             </a:fld>
             <a:endParaRPr lang="ca-ES"/>
           </a:p>
@@ -22916,7 +19377,7 @@
           <a:p>
             <a:fld id="{29921BD1-FCB0-4298-99B0-740715082644}" type="datetime1">
               <a:rPr lang="ca-ES" smtClean="0"/>
-              <a:t>23/1/2020</a:t>
+              <a:t>24/1/2020</a:t>
             </a:fld>
             <a:endParaRPr lang="ca-ES"/>
           </a:p>
@@ -23294,7 +19755,7 @@
           <a:p>
             <a:fld id="{7ABA9C88-BE0B-4A67-86B8-1C281E9C438E}" type="datetime1">
               <a:rPr lang="ca-ES" smtClean="0"/>
-              <a:t>23/1/2020</a:t>
+              <a:t>24/1/2020</a:t>
             </a:fld>
             <a:endParaRPr lang="ca-ES"/>
           </a:p>
@@ -23527,7 +19988,7 @@
           <a:p>
             <a:fld id="{5ABAFB43-88C3-4E66-905C-AD8295BD58CE}" type="datetime1">
               <a:rPr lang="ca-ES" smtClean="0"/>
-              <a:t>23/1/2020</a:t>
+              <a:t>24/1/2020</a:t>
             </a:fld>
             <a:endParaRPr lang="ca-ES"/>
           </a:p>
@@ -24354,7 +20815,7 @@
           <a:p>
             <a:pPr algn="ctr"/>
             <a:r>
-              <a:rPr lang="ca-ES" b="1" dirty="0">
+              <a:rPr lang="ca-ES" b="1" dirty="0" smtClean="0">
                 <a:solidFill>
                   <a:srgbClr val="000000"/>
                 </a:solidFill>
@@ -24439,30 +20900,12 @@
         </p:nvSpPr>
         <p:spPr/>
         <p:txBody>
-          <a:bodyPr>
-            <a:normAutofit/>
-          </a:bodyPr>
+          <a:bodyPr/>
           <a:lstStyle/>
           <a:p>
             <a:r>
-              <a:rPr lang="es-ES" dirty="0" err="1" smtClean="0"/>
-              <a:t>Requeriments</a:t>
-            </a:r>
-            <a:r>
               <a:rPr lang="es-ES" dirty="0" smtClean="0"/>
-              <a:t> </a:t>
-            </a:r>
-            <a:r>
-              <a:rPr lang="es-ES" dirty="0" err="1" smtClean="0"/>
-              <a:t>principals</a:t>
-            </a:r>
-            <a:r>
-              <a:rPr lang="es-ES" dirty="0" smtClean="0"/>
-              <a:t> del </a:t>
-            </a:r>
-            <a:r>
-              <a:rPr lang="es-ES" dirty="0" err="1" smtClean="0"/>
-              <a:t>client</a:t>
+              <a:t>ESPECIFICACIONES</a:t>
             </a:r>
             <a:endParaRPr lang="ca-ES" dirty="0"/>
           </a:p>
@@ -24470,125 +20913,7 @@
       </p:sp>
       <p:sp>
         <p:nvSpPr>
-          <p:cNvPr id="3" name="Marcador de contenido 2"/>
-          <p:cNvSpPr>
-            <a:spLocks noGrp="1"/>
-          </p:cNvSpPr>
-          <p:nvPr>
-            <p:ph idx="1"/>
-          </p:nvPr>
-        </p:nvSpPr>
-        <p:spPr/>
-        <p:txBody>
-          <a:bodyPr>
-            <a:normAutofit/>
-          </a:bodyPr>
-          <a:lstStyle/>
-          <a:p>
-            <a:pPr marL="0" indent="0">
-              <a:buNone/>
-            </a:pPr>
-            <a:r>
-              <a:rPr lang="ca-ES" dirty="0" smtClean="0"/>
-              <a:t>El client és una aplicació mòbil emprada pels usuaris</a:t>
-            </a:r>
-          </a:p>
-          <a:p>
-            <a:pPr marL="0" indent="0">
-              <a:buNone/>
-            </a:pPr>
-            <a:endParaRPr lang="ca-ES" dirty="0" smtClean="0"/>
-          </a:p>
-          <a:p>
-            <a:r>
-              <a:rPr lang="ca-ES" dirty="0" smtClean="0"/>
-              <a:t>Autenticació dels pacients</a:t>
-            </a:r>
-          </a:p>
-          <a:p>
-            <a:r>
-              <a:rPr lang="es-ES" dirty="0" err="1" smtClean="0"/>
-              <a:t>Aplicació</a:t>
-            </a:r>
-            <a:r>
-              <a:rPr lang="es-ES" dirty="0" smtClean="0"/>
-              <a:t> </a:t>
-            </a:r>
-            <a:r>
-              <a:rPr lang="es-ES" dirty="0" err="1" smtClean="0"/>
-              <a:t>gamificada</a:t>
-            </a:r>
-            <a:endParaRPr lang="ca-ES" dirty="0" smtClean="0"/>
-          </a:p>
-          <a:p>
-            <a:r>
-              <a:rPr lang="ca-ES" dirty="0" smtClean="0"/>
-              <a:t>Que el pacient vegi els resultats del seu qüestionari</a:t>
-            </a:r>
-          </a:p>
-          <a:p>
-            <a:r>
-              <a:rPr lang="ca-ES" dirty="0" smtClean="0"/>
-              <a:t>Comunicació amb el servidor per emmagatzemar permanentment els qüestionaris</a:t>
-            </a:r>
-          </a:p>
-          <a:p>
-            <a:r>
-              <a:rPr lang="ca-ES" dirty="0" smtClean="0"/>
-              <a:t>Multilingüe</a:t>
-            </a:r>
-          </a:p>
-        </p:txBody>
-      </p:sp>
-      <p:sp>
-        <p:nvSpPr>
-          <p:cNvPr id="5" name="Rectángulo 4"/>
-          <p:cNvSpPr/>
-          <p:nvPr/>
-        </p:nvSpPr>
-        <p:spPr>
-          <a:xfrm>
-            <a:off x="581192" y="2610562"/>
-            <a:ext cx="5009711" cy="404949"/>
-          </a:xfrm>
-          <a:prstGeom prst="rect">
-            <a:avLst/>
-          </a:prstGeom>
-          <a:noFill/>
-          <a:ln w="28575">
-            <a:solidFill>
-              <a:srgbClr val="5ECCF3"/>
-            </a:solidFill>
-          </a:ln>
-        </p:spPr>
-        <p:style>
-          <a:lnRef idx="2">
-            <a:schemeClr val="accent1">
-              <a:shade val="50000"/>
-            </a:schemeClr>
-          </a:lnRef>
-          <a:fillRef idx="1">
-            <a:schemeClr val="accent1"/>
-          </a:fillRef>
-          <a:effectRef idx="0">
-            <a:schemeClr val="accent1"/>
-          </a:effectRef>
-          <a:fontRef idx="minor">
-            <a:schemeClr val="lt1"/>
-          </a:fontRef>
-        </p:style>
-        <p:txBody>
-          <a:bodyPr rtlCol="0" anchor="ctr"/>
-          <a:lstStyle/>
-          <a:p>
-            <a:pPr algn="ctr"/>
-            <a:endParaRPr lang="ca-ES"/>
-          </a:p>
-        </p:txBody>
-      </p:sp>
-      <p:sp>
-        <p:nvSpPr>
-          <p:cNvPr id="4" name="Marcador de número de diapositiva 3"/>
+          <p:cNvPr id="3" name="Marcador de número de diapositiva 2"/>
           <p:cNvSpPr>
             <a:spLocks noGrp="1"/>
           </p:cNvSpPr>
@@ -24614,10 +20939,105 @@
           </a:p>
         </p:txBody>
       </p:sp>
+      <p:sp>
+        <p:nvSpPr>
+          <p:cNvPr id="4" name="Content Placeholder 3"/>
+          <p:cNvSpPr>
+            <a:spLocks noGrp="1"/>
+          </p:cNvSpPr>
+          <p:nvPr>
+            <p:ph idx="1"/>
+          </p:nvPr>
+        </p:nvSpPr>
+        <p:spPr>
+          <a:xfrm>
+            <a:off x="672633" y="2266504"/>
+            <a:ext cx="11029615" cy="3678303"/>
+          </a:xfrm>
+        </p:spPr>
+        <p:txBody>
+          <a:bodyPr>
+            <a:normAutofit fontScale="62500" lnSpcReduction="20000"/>
+          </a:bodyPr>
+          <a:lstStyle/>
+          <a:p>
+            <a:r>
+              <a:rPr lang="en-US" dirty="0"/>
+              <a:t>Allow the professors to log in with their corresponding credentials. The idea is that all the professors of the department can log in with their email and DNI number, which will be their password. </a:t>
+            </a:r>
+          </a:p>
+          <a:p>
+            <a:r>
+              <a:rPr lang="en-US" dirty="0"/>
+              <a:t>- Have an administrator user that can manage the web tool. This person has to be able to create, edit and delete users and subjects. </a:t>
+            </a:r>
+          </a:p>
+          <a:p>
+            <a:r>
+              <a:rPr lang="en-US" dirty="0"/>
+              <a:t>- Upload the files with the needed information of the professors and subjects in order to create a database. The file has to be in CSV format (comma-separated values file, each line of the file is a data record. Each record consists of one or more fields, Development of a computer-based tool to manage via web the teaching assignment </a:t>
+            </a:r>
+            <a:r>
+              <a:rPr lang="en-US" dirty="0" err="1"/>
+              <a:t>Pag</a:t>
+            </a:r>
+            <a:r>
+              <a:rPr lang="en-US" dirty="0"/>
+              <a:t>. 17 </a:t>
+            </a:r>
+          </a:p>
+          <a:p>
+            <a:endParaRPr lang="es-ES" dirty="0"/>
+          </a:p>
+          <a:p>
+            <a:r>
+              <a:rPr lang="en-US" dirty="0"/>
+              <a:t>separated by commas) with a determined number of columns specified in the web page. </a:t>
+            </a:r>
+          </a:p>
+          <a:p>
+            <a:r>
+              <a:rPr lang="en-US" dirty="0"/>
+              <a:t>- Allow the teaching staff to choose their teaching groups for the next academic year. </a:t>
+            </a:r>
+          </a:p>
+          <a:p>
+            <a:r>
+              <a:rPr lang="en-US" dirty="0"/>
+              <a:t>- Show the current situation of group occupation. The users have to be able to check if there are available groups for all the subjects in every moment and which groups they have selected. </a:t>
+            </a:r>
+          </a:p>
+          <a:p>
+            <a:r>
+              <a:rPr lang="en-US" dirty="0"/>
+              <a:t>- Show the group distribution. The professors have to be able to check what the other professors have chosen. </a:t>
+            </a:r>
+          </a:p>
+          <a:p>
+            <a:r>
+              <a:rPr lang="en-US" dirty="0"/>
+              <a:t>- Take into account the established criteria for choosing according to the seniority in the school. The administrator has to be able to change the order if needed. </a:t>
+            </a:r>
+          </a:p>
+          <a:p>
+            <a:r>
+              <a:rPr lang="en-US" dirty="0"/>
+              <a:t>- Send automatic emails to let the professors know when they can start choosing their academic preferences. </a:t>
+            </a:r>
+          </a:p>
+          <a:p>
+            <a:r>
+              <a:rPr lang="en-US" dirty="0"/>
+              <a:t>- Download the information in Microsoft Excel format in order to see more clearly the information and distribute it if needed. </a:t>
+            </a:r>
+            <a:endParaRPr lang="es-ES" dirty="0"/>
+          </a:p>
+        </p:txBody>
+      </p:sp>
     </p:spTree>
     <p:extLst>
       <p:ext uri="{BB962C8B-B14F-4D97-AF65-F5344CB8AC3E}">
-        <p14:creationId xmlns:p14="http://schemas.microsoft.com/office/powerpoint/2010/main" val="2355924725"/>
+        <p14:creationId xmlns:p14="http://schemas.microsoft.com/office/powerpoint/2010/main" val="2344334353"/>
       </p:ext>
     </p:extLst>
   </p:cSld>
@@ -24663,86 +21083,117 @@
         </p:nvSpPr>
         <p:spPr/>
         <p:txBody>
-          <a:bodyPr/>
+          <a:bodyPr>
+            <a:normAutofit/>
+          </a:bodyPr>
           <a:lstStyle/>
           <a:p>
             <a:r>
               <a:rPr lang="es-ES" dirty="0" smtClean="0"/>
-              <a:t>Casos </a:t>
-            </a:r>
-            <a:r>
-              <a:rPr lang="es-ES" dirty="0" err="1" smtClean="0"/>
-              <a:t>d’ús</a:t>
+              <a:t>Desarrollo - Herramientas</a:t>
             </a:r>
             <a:endParaRPr lang="ca-ES" dirty="0"/>
           </a:p>
         </p:txBody>
       </p:sp>
-      <p:pic>
-        <p:nvPicPr>
-          <p:cNvPr id="4" name="Marcador de contenido 3" descr="casosdusservidor5"/>
-          <p:cNvPicPr>
-            <a:picLocks noGrp="1"/>
-          </p:cNvPicPr>
+      <p:sp>
+        <p:nvSpPr>
+          <p:cNvPr id="6" name="Marcador de contenido 5"/>
+          <p:cNvSpPr>
+            <a:spLocks noGrp="1"/>
+          </p:cNvSpPr>
           <p:nvPr>
             <p:ph idx="1"/>
           </p:nvPr>
-        </p:nvPicPr>
-        <p:blipFill>
-          <a:blip r:embed="rId2" cstate="print">
-            <a:extLst>
-              <a:ext uri="{28A0092B-C50C-407E-A947-70E740481C1C}">
-                <a14:useLocalDpi xmlns:a14="http://schemas.microsoft.com/office/drawing/2010/main" val="0"/>
-              </a:ext>
-            </a:extLst>
-          </a:blip>
-          <a:srcRect/>
-          <a:stretch>
-            <a:fillRect/>
-          </a:stretch>
-        </p:blipFill>
-        <p:spPr bwMode="auto">
-          <a:xfrm>
-            <a:off x="976003" y="2625450"/>
-            <a:ext cx="5399377" cy="3337721"/>
-          </a:xfrm>
-          <a:prstGeom prst="rect">
-            <a:avLst/>
-          </a:prstGeom>
-          <a:noFill/>
-          <a:ln>
-            <a:noFill/>
-          </a:ln>
-        </p:spPr>
-      </p:pic>
-      <p:pic>
-        <p:nvPicPr>
-          <p:cNvPr id="5" name="Imagen 4"/>
-          <p:cNvPicPr/>
-          <p:nvPr/>
-        </p:nvPicPr>
-        <p:blipFill>
-          <a:blip r:embed="rId3" cstate="print">
-            <a:extLst>
-              <a:ext uri="{28A0092B-C50C-407E-A947-70E740481C1C}">
-                <a14:useLocalDpi xmlns:a14="http://schemas.microsoft.com/office/drawing/2010/main" val="0"/>
-              </a:ext>
-            </a:extLst>
-          </a:blip>
-          <a:stretch>
-            <a:fillRect/>
-          </a:stretch>
-        </p:blipFill>
-        <p:spPr>
-          <a:xfrm>
-            <a:off x="6953069" y="2005862"/>
-            <a:ext cx="3850640" cy="4263390"/>
-          </a:xfrm>
-          <a:prstGeom prst="rect">
-            <a:avLst/>
-          </a:prstGeom>
-        </p:spPr>
-      </p:pic>
+        </p:nvSpPr>
+        <p:spPr/>
+        <p:txBody>
+          <a:bodyPr>
+            <a:normAutofit/>
+          </a:bodyPr>
+          <a:lstStyle/>
+          <a:p>
+            <a:r>
+              <a:rPr lang="en-US" b="1" dirty="0" err="1" smtClean="0"/>
+              <a:t>Netbeans</a:t>
+            </a:r>
+            <a:r>
+              <a:rPr lang="en-US" b="1" dirty="0" smtClean="0"/>
+              <a:t> </a:t>
+            </a:r>
+            <a:endParaRPr lang="en-US" dirty="0"/>
+          </a:p>
+          <a:p>
+            <a:r>
+              <a:rPr lang="en-US" b="1" dirty="0" smtClean="0"/>
+              <a:t>XAMPP </a:t>
+            </a:r>
+            <a:endParaRPr lang="en-US" dirty="0"/>
+          </a:p>
+          <a:p>
+            <a:r>
+              <a:rPr lang="en-US" b="1" dirty="0" smtClean="0"/>
+              <a:t>Bootstrap </a:t>
+            </a:r>
+          </a:p>
+          <a:p>
+            <a:r>
+              <a:rPr lang="en-US" b="1" dirty="0" smtClean="0"/>
+              <a:t>Java </a:t>
+            </a:r>
+            <a:r>
+              <a:rPr lang="en-US" b="1" dirty="0"/>
+              <a:t>SDK </a:t>
+            </a:r>
+            <a:endParaRPr lang="en-US" b="1" dirty="0" smtClean="0"/>
+          </a:p>
+          <a:p>
+            <a:r>
+              <a:rPr lang="en-US" b="1" dirty="0" err="1" smtClean="0"/>
+              <a:t>PHPMailer</a:t>
+            </a:r>
+            <a:endParaRPr lang="en-US" dirty="0"/>
+          </a:p>
+          <a:p>
+            <a:r>
+              <a:rPr lang="en-US" b="1" dirty="0" err="1" smtClean="0"/>
+              <a:t>PHPSpreadsheets</a:t>
+            </a:r>
+            <a:r>
+              <a:rPr lang="en-US" b="1" dirty="0" smtClean="0"/>
+              <a:t> </a:t>
+            </a:r>
+            <a:endParaRPr lang="en-US" dirty="0"/>
+          </a:p>
+          <a:p>
+            <a:r>
+              <a:rPr lang="en-US" dirty="0" smtClean="0"/>
+              <a:t> </a:t>
+            </a:r>
+            <a:r>
+              <a:rPr lang="en-US" b="1" dirty="0" err="1"/>
+              <a:t>Github</a:t>
+            </a:r>
+            <a:r>
+              <a:rPr lang="en-US" b="1" dirty="0"/>
+              <a:t> Desktop </a:t>
+            </a:r>
+            <a:r>
+              <a:rPr lang="en-US" b="1" dirty="0" smtClean="0"/>
+              <a:t> </a:t>
+            </a:r>
+            <a:r>
+              <a:rPr lang="en-US" dirty="0" smtClean="0"/>
+              <a:t>https</a:t>
+            </a:r>
+            <a:r>
+              <a:rPr lang="en-US" dirty="0"/>
+              <a:t>://github.com/mdlunag/tfg. </a:t>
+            </a:r>
+            <a:endParaRPr lang="es-ES" dirty="0" smtClean="0"/>
+          </a:p>
+        </p:txBody>
+      </p:sp>
       <p:sp>
         <p:nvSpPr>
           <p:cNvPr id="3" name="Marcador de número de diapositiva 2"/>
@@ -24774,7 +21225,7 @@
     </p:spTree>
     <p:extLst>
       <p:ext uri="{BB962C8B-B14F-4D97-AF65-F5344CB8AC3E}">
-        <p14:creationId xmlns:p14="http://schemas.microsoft.com/office/powerpoint/2010/main" val="2410747244"/>
+        <p14:creationId xmlns:p14="http://schemas.microsoft.com/office/powerpoint/2010/main" val="723141527"/>
       </p:ext>
     </p:extLst>
   </p:cSld>
@@ -24820,46 +21271,45 @@
         </p:nvSpPr>
         <p:spPr/>
         <p:txBody>
-          <a:bodyPr/>
+          <a:bodyPr>
+            <a:normAutofit/>
+          </a:bodyPr>
           <a:lstStyle/>
           <a:p>
             <a:r>
-              <a:rPr lang="es-ES" dirty="0" err="1" smtClean="0"/>
-              <a:t>Implementació</a:t>
-            </a:r>
-            <a:r>
               <a:rPr lang="es-ES" dirty="0" smtClean="0"/>
-              <a:t> - servidor</a:t>
+              <a:t>Desarrollo – Base de datos</a:t>
             </a:r>
             <a:endParaRPr lang="ca-ES" dirty="0"/>
           </a:p>
         </p:txBody>
       </p:sp>
-      <p:graphicFrame>
-        <p:nvGraphicFramePr>
-          <p:cNvPr id="5" name="Marcador de contenido 4"/>
-          <p:cNvGraphicFramePr>
-            <a:graphicFrameLocks noGrp="1"/>
-          </p:cNvGraphicFramePr>
+      <p:pic>
+        <p:nvPicPr>
+          <p:cNvPr id="4" name="Content Placeholder 3"/>
+          <p:cNvPicPr>
+            <a:picLocks noGrp="1" noChangeAspect="1"/>
+          </p:cNvPicPr>
           <p:nvPr>
             <p:ph idx="1"/>
-            <p:extLst>
-              <p:ext uri="{D42A27DB-BD31-4B8C-83A1-F6EECF244321}">
-                <p14:modId xmlns:p14="http://schemas.microsoft.com/office/powerpoint/2010/main" val="799884620"/>
-              </p:ext>
-            </p:extLst>
           </p:nvPr>
-        </p:nvGraphicFramePr>
-        <p:xfrm>
-          <a:off x="581025" y="2181225"/>
-          <a:ext cx="11029950" cy="3678238"/>
-        </p:xfrm>
-        <a:graphic>
-          <a:graphicData uri="http://schemas.openxmlformats.org/drawingml/2006/diagram">
-            <dgm:relIds xmlns:dgm="http://schemas.openxmlformats.org/drawingml/2006/diagram" xmlns:r="http://schemas.openxmlformats.org/officeDocument/2006/relationships" r:dm="rId2" r:lo="rId3" r:qs="rId4" r:cs="rId5"/>
-          </a:graphicData>
-        </a:graphic>
-      </p:graphicFrame>
+        </p:nvPicPr>
+        <p:blipFill>
+          <a:blip r:embed="rId2"/>
+          <a:stretch>
+            <a:fillRect/>
+          </a:stretch>
+        </p:blipFill>
+        <p:spPr>
+          <a:xfrm>
+            <a:off x="2817844" y="3080871"/>
+            <a:ext cx="7068376" cy="1897233"/>
+          </a:xfrm>
+          <a:prstGeom prst="rect">
+            <a:avLst/>
+          </a:prstGeom>
+        </p:spPr>
+      </p:pic>
       <p:sp>
         <p:nvSpPr>
           <p:cNvPr id="3" name="Marcador de número de diapositiva 2"/>
@@ -24891,7 +21341,7 @@
     </p:spTree>
     <p:extLst>
       <p:ext uri="{BB962C8B-B14F-4D97-AF65-F5344CB8AC3E}">
-        <p14:creationId xmlns:p14="http://schemas.microsoft.com/office/powerpoint/2010/main" val="823566114"/>
+        <p14:creationId xmlns:p14="http://schemas.microsoft.com/office/powerpoint/2010/main" val="1379157688"/>
       </p:ext>
     </p:extLst>
   </p:cSld>
@@ -24941,46 +21391,17 @@
           <a:lstStyle/>
           <a:p>
             <a:r>
-              <a:rPr lang="es-ES" dirty="0" err="1" smtClean="0"/>
-              <a:t>Implementació</a:t>
-            </a:r>
-            <a:r>
               <a:rPr lang="es-ES" dirty="0" smtClean="0"/>
-              <a:t> - </a:t>
-            </a:r>
-            <a:r>
-              <a:rPr lang="es-ES" dirty="0" err="1" smtClean="0"/>
-              <a:t>client</a:t>
+              <a:t>Casos </a:t>
+            </a:r>
+            <a:r>
+              <a:rPr lang="es-ES" dirty="0" smtClean="0"/>
+              <a:t>De uso</a:t>
             </a:r>
             <a:endParaRPr lang="ca-ES" dirty="0"/>
           </a:p>
         </p:txBody>
       </p:sp>
-      <p:graphicFrame>
-        <p:nvGraphicFramePr>
-          <p:cNvPr id="4" name="Marcador de contenido 3"/>
-          <p:cNvGraphicFramePr>
-            <a:graphicFrameLocks noGrp="1"/>
-          </p:cNvGraphicFramePr>
-          <p:nvPr>
-            <p:ph idx="1"/>
-            <p:extLst>
-              <p:ext uri="{D42A27DB-BD31-4B8C-83A1-F6EECF244321}">
-                <p14:modId xmlns:p14="http://schemas.microsoft.com/office/powerpoint/2010/main" val="3825554064"/>
-              </p:ext>
-            </p:extLst>
-          </p:nvPr>
-        </p:nvGraphicFramePr>
-        <p:xfrm>
-          <a:off x="581025" y="2181225"/>
-          <a:ext cx="11029950" cy="3678238"/>
-        </p:xfrm>
-        <a:graphic>
-          <a:graphicData uri="http://schemas.openxmlformats.org/drawingml/2006/diagram">
-            <dgm:relIds xmlns:dgm="http://schemas.openxmlformats.org/drawingml/2006/diagram" xmlns:r="http://schemas.openxmlformats.org/officeDocument/2006/relationships" r:dm="rId2" r:lo="rId3" r:qs="rId4" r:cs="rId5"/>
-          </a:graphicData>
-        </a:graphic>
-      </p:graphicFrame>
       <p:sp>
         <p:nvSpPr>
           <p:cNvPr id="3" name="Marcador de número de diapositiva 2"/>
@@ -25009,10 +21430,53 @@
           </a:p>
         </p:txBody>
       </p:sp>
+      <p:sp>
+        <p:nvSpPr>
+          <p:cNvPr id="6" name="Content Placeholder 5"/>
+          <p:cNvSpPr>
+            <a:spLocks noGrp="1"/>
+          </p:cNvSpPr>
+          <p:nvPr>
+            <p:ph idx="1"/>
+          </p:nvPr>
+        </p:nvSpPr>
+        <p:spPr/>
+        <p:txBody>
+          <a:bodyPr/>
+          <a:lstStyle/>
+          <a:p>
+            <a:endParaRPr lang="es-ES" dirty="0"/>
+          </a:p>
+        </p:txBody>
+      </p:sp>
+      <p:pic>
+        <p:nvPicPr>
+          <p:cNvPr id="7" name="Picture 6"/>
+          <p:cNvPicPr>
+            <a:picLocks noChangeAspect="1"/>
+          </p:cNvPicPr>
+          <p:nvPr/>
+        </p:nvPicPr>
+        <p:blipFill>
+          <a:blip r:embed="rId2"/>
+          <a:stretch>
+            <a:fillRect/>
+          </a:stretch>
+        </p:blipFill>
+        <p:spPr>
+          <a:xfrm>
+            <a:off x="4381049" y="1911732"/>
+            <a:ext cx="3429900" cy="4226967"/>
+          </a:xfrm>
+          <a:prstGeom prst="rect">
+            <a:avLst/>
+          </a:prstGeom>
+        </p:spPr>
+      </p:pic>
     </p:spTree>
     <p:extLst>
       <p:ext uri="{BB962C8B-B14F-4D97-AF65-F5344CB8AC3E}">
-        <p14:creationId xmlns:p14="http://schemas.microsoft.com/office/powerpoint/2010/main" val="1146784114"/>
+        <p14:creationId xmlns:p14="http://schemas.microsoft.com/office/powerpoint/2010/main" val="2410747244"/>
       </p:ext>
     </p:extLst>
   </p:cSld>
@@ -25063,6 +21527,244 @@
           <a:p>
             <a:r>
               <a:rPr lang="es-ES" dirty="0" err="1" smtClean="0"/>
+              <a:t>Implementació</a:t>
+            </a:r>
+            <a:r>
+              <a:rPr lang="es-ES" dirty="0" smtClean="0"/>
+              <a:t> - servidor</a:t>
+            </a:r>
+            <a:endParaRPr lang="ca-ES" dirty="0"/>
+          </a:p>
+        </p:txBody>
+      </p:sp>
+      <p:graphicFrame>
+        <p:nvGraphicFramePr>
+          <p:cNvPr id="5" name="Marcador de contenido 4"/>
+          <p:cNvGraphicFramePr>
+            <a:graphicFrameLocks noGrp="1"/>
+          </p:cNvGraphicFramePr>
+          <p:nvPr>
+            <p:ph idx="1"/>
+            <p:extLst>
+              <p:ext uri="{D42A27DB-BD31-4B8C-83A1-F6EECF244321}">
+                <p14:modId xmlns:p14="http://schemas.microsoft.com/office/powerpoint/2010/main" val="799884620"/>
+              </p:ext>
+            </p:extLst>
+          </p:nvPr>
+        </p:nvGraphicFramePr>
+        <p:xfrm>
+          <a:off x="581025" y="2181225"/>
+          <a:ext cx="11029950" cy="3678238"/>
+        </p:xfrm>
+        <a:graphic>
+          <a:graphicData uri="http://schemas.openxmlformats.org/drawingml/2006/diagram">
+            <dgm:relIds xmlns:dgm="http://schemas.openxmlformats.org/drawingml/2006/diagram" xmlns:r="http://schemas.openxmlformats.org/officeDocument/2006/relationships" r:dm="rId2" r:lo="rId3" r:qs="rId4" r:cs="rId5"/>
+          </a:graphicData>
+        </a:graphic>
+      </p:graphicFrame>
+      <p:sp>
+        <p:nvSpPr>
+          <p:cNvPr id="3" name="Marcador de número de diapositiva 2"/>
+          <p:cNvSpPr>
+            <a:spLocks noGrp="1"/>
+          </p:cNvSpPr>
+          <p:nvPr>
+            <p:ph type="sldNum" sz="quarter" idx="12"/>
+          </p:nvPr>
+        </p:nvSpPr>
+        <p:spPr/>
+        <p:txBody>
+          <a:bodyPr/>
+          <a:lstStyle/>
+          <a:p>
+            <a:fld id="{4F4CC500-C254-4A01-A1E9-3631BD4DF40D}" type="slidenum">
+              <a:rPr lang="ca-ES" smtClean="0"/>
+              <a:pPr/>
+              <a:t>14</a:t>
+            </a:fld>
+            <a:r>
+              <a:rPr lang="ca-ES" smtClean="0"/>
+              <a:t>/22</a:t>
+            </a:r>
+            <a:endParaRPr lang="ca-ES" dirty="0"/>
+          </a:p>
+        </p:txBody>
+      </p:sp>
+    </p:spTree>
+    <p:extLst>
+      <p:ext uri="{BB962C8B-B14F-4D97-AF65-F5344CB8AC3E}">
+        <p14:creationId xmlns:p14="http://schemas.microsoft.com/office/powerpoint/2010/main" val="823566114"/>
+      </p:ext>
+    </p:extLst>
+  </p:cSld>
+  <p:clrMapOvr>
+    <a:masterClrMapping/>
+  </p:clrMapOvr>
+  <p:timing>
+    <p:tnLst>
+      <p:par>
+        <p:cTn id="1" dur="indefinite" restart="never" nodeType="tmRoot"/>
+      </p:par>
+    </p:tnLst>
+  </p:timing>
+</p:sld>
+</file>
+
+<file path=ppt/slides/slide15.xml><?xml version="1.0" encoding="utf-8"?>
+<p:sld xmlns:a="http://schemas.openxmlformats.org/drawingml/2006/main" xmlns:r="http://schemas.openxmlformats.org/officeDocument/2006/relationships" xmlns:p="http://schemas.openxmlformats.org/presentationml/2006/main">
+  <p:cSld>
+    <p:spTree>
+      <p:nvGrpSpPr>
+        <p:cNvPr id="1" name=""/>
+        <p:cNvGrpSpPr/>
+        <p:nvPr/>
+      </p:nvGrpSpPr>
+      <p:grpSpPr>
+        <a:xfrm>
+          <a:off x="0" y="0"/>
+          <a:ext cx="0" cy="0"/>
+          <a:chOff x="0" y="0"/>
+          <a:chExt cx="0" cy="0"/>
+        </a:xfrm>
+      </p:grpSpPr>
+      <p:sp>
+        <p:nvSpPr>
+          <p:cNvPr id="2" name="Título 1"/>
+          <p:cNvSpPr>
+            <a:spLocks noGrp="1"/>
+          </p:cNvSpPr>
+          <p:nvPr>
+            <p:ph type="title"/>
+          </p:nvPr>
+        </p:nvSpPr>
+        <p:spPr/>
+        <p:txBody>
+          <a:bodyPr/>
+          <a:lstStyle/>
+          <a:p>
+            <a:r>
+              <a:rPr lang="es-ES" dirty="0" err="1" smtClean="0"/>
+              <a:t>Implementació</a:t>
+            </a:r>
+            <a:r>
+              <a:rPr lang="es-ES" dirty="0" smtClean="0"/>
+              <a:t> - </a:t>
+            </a:r>
+            <a:r>
+              <a:rPr lang="es-ES" dirty="0" err="1" smtClean="0"/>
+              <a:t>client</a:t>
+            </a:r>
+            <a:endParaRPr lang="ca-ES" dirty="0"/>
+          </a:p>
+        </p:txBody>
+      </p:sp>
+      <p:graphicFrame>
+        <p:nvGraphicFramePr>
+          <p:cNvPr id="4" name="Marcador de contenido 3"/>
+          <p:cNvGraphicFramePr>
+            <a:graphicFrameLocks noGrp="1"/>
+          </p:cNvGraphicFramePr>
+          <p:nvPr>
+            <p:ph idx="1"/>
+            <p:extLst>
+              <p:ext uri="{D42A27DB-BD31-4B8C-83A1-F6EECF244321}">
+                <p14:modId xmlns:p14="http://schemas.microsoft.com/office/powerpoint/2010/main" val="3825554064"/>
+              </p:ext>
+            </p:extLst>
+          </p:nvPr>
+        </p:nvGraphicFramePr>
+        <p:xfrm>
+          <a:off x="581025" y="2181225"/>
+          <a:ext cx="11029950" cy="3678238"/>
+        </p:xfrm>
+        <a:graphic>
+          <a:graphicData uri="http://schemas.openxmlformats.org/drawingml/2006/diagram">
+            <dgm:relIds xmlns:dgm="http://schemas.openxmlformats.org/drawingml/2006/diagram" xmlns:r="http://schemas.openxmlformats.org/officeDocument/2006/relationships" r:dm="rId2" r:lo="rId3" r:qs="rId4" r:cs="rId5"/>
+          </a:graphicData>
+        </a:graphic>
+      </p:graphicFrame>
+      <p:sp>
+        <p:nvSpPr>
+          <p:cNvPr id="3" name="Marcador de número de diapositiva 2"/>
+          <p:cNvSpPr>
+            <a:spLocks noGrp="1"/>
+          </p:cNvSpPr>
+          <p:nvPr>
+            <p:ph type="sldNum" sz="quarter" idx="12"/>
+          </p:nvPr>
+        </p:nvSpPr>
+        <p:spPr/>
+        <p:txBody>
+          <a:bodyPr/>
+          <a:lstStyle/>
+          <a:p>
+            <a:fld id="{4F4CC500-C254-4A01-A1E9-3631BD4DF40D}" type="slidenum">
+              <a:rPr lang="ca-ES" smtClean="0"/>
+              <a:pPr/>
+              <a:t>15</a:t>
+            </a:fld>
+            <a:r>
+              <a:rPr lang="ca-ES" smtClean="0"/>
+              <a:t>/22</a:t>
+            </a:r>
+            <a:endParaRPr lang="ca-ES" dirty="0"/>
+          </a:p>
+        </p:txBody>
+      </p:sp>
+    </p:spTree>
+    <p:extLst>
+      <p:ext uri="{BB962C8B-B14F-4D97-AF65-F5344CB8AC3E}">
+        <p14:creationId xmlns:p14="http://schemas.microsoft.com/office/powerpoint/2010/main" val="1146784114"/>
+      </p:ext>
+    </p:extLst>
+  </p:cSld>
+  <p:clrMapOvr>
+    <a:masterClrMapping/>
+  </p:clrMapOvr>
+  <p:timing>
+    <p:tnLst>
+      <p:par>
+        <p:cTn id="1" dur="indefinite" restart="never" nodeType="tmRoot"/>
+      </p:par>
+    </p:tnLst>
+  </p:timing>
+</p:sld>
+</file>
+
+<file path=ppt/slides/slide16.xml><?xml version="1.0" encoding="utf-8"?>
+<p:sld xmlns:a="http://schemas.openxmlformats.org/drawingml/2006/main" xmlns:r="http://schemas.openxmlformats.org/officeDocument/2006/relationships" xmlns:p="http://schemas.openxmlformats.org/presentationml/2006/main">
+  <p:cSld>
+    <p:spTree>
+      <p:nvGrpSpPr>
+        <p:cNvPr id="1" name=""/>
+        <p:cNvGrpSpPr/>
+        <p:nvPr/>
+      </p:nvGrpSpPr>
+      <p:grpSpPr>
+        <a:xfrm>
+          <a:off x="0" y="0"/>
+          <a:ext cx="0" cy="0"/>
+          <a:chOff x="0" y="0"/>
+          <a:chExt cx="0" cy="0"/>
+        </a:xfrm>
+      </p:grpSpPr>
+      <p:sp>
+        <p:nvSpPr>
+          <p:cNvPr id="2" name="Título 1"/>
+          <p:cNvSpPr>
+            <a:spLocks noGrp="1"/>
+          </p:cNvSpPr>
+          <p:nvPr>
+            <p:ph type="title"/>
+          </p:nvPr>
+        </p:nvSpPr>
+        <p:spPr/>
+        <p:txBody>
+          <a:bodyPr/>
+          <a:lstStyle/>
+          <a:p>
+            <a:r>
+              <a:rPr lang="es-ES" dirty="0" err="1" smtClean="0"/>
               <a:t>Alternatives</a:t>
             </a:r>
             <a:r>
@@ -25106,28 +21808,28 @@
                 <a:gridCol w="1319667">
                   <a:extLst>
                     <a:ext uri="{9D8B030D-6E8A-4147-A177-3AD203B41FA5}">
-                      <a16:colId xmlns="" xmlns:a16="http://schemas.microsoft.com/office/drawing/2014/main" val="1577121605"/>
+                      <a16:colId xmlns:a16="http://schemas.microsoft.com/office/drawing/2014/main" xmlns="" val="1577121605"/>
                     </a:ext>
                   </a:extLst>
                 </a:gridCol>
                 <a:gridCol w="1804252">
                   <a:extLst>
                     <a:ext uri="{9D8B030D-6E8A-4147-A177-3AD203B41FA5}">
-                      <a16:colId xmlns="" xmlns:a16="http://schemas.microsoft.com/office/drawing/2014/main" val="3549258335"/>
+                      <a16:colId xmlns:a16="http://schemas.microsoft.com/office/drawing/2014/main" xmlns="" val="3549258335"/>
                     </a:ext>
                   </a:extLst>
                 </a:gridCol>
                 <a:gridCol w="2285442">
                   <a:extLst>
                     <a:ext uri="{9D8B030D-6E8A-4147-A177-3AD203B41FA5}">
-                      <a16:colId xmlns="" xmlns:a16="http://schemas.microsoft.com/office/drawing/2014/main" val="874317829"/>
+                      <a16:colId xmlns:a16="http://schemas.microsoft.com/office/drawing/2014/main" xmlns="" val="874317829"/>
                     </a:ext>
                   </a:extLst>
                 </a:gridCol>
                 <a:gridCol w="1799160">
                   <a:extLst>
                     <a:ext uri="{9D8B030D-6E8A-4147-A177-3AD203B41FA5}">
-                      <a16:colId xmlns="" xmlns:a16="http://schemas.microsoft.com/office/drawing/2014/main" val="777370248"/>
+                      <a16:colId xmlns:a16="http://schemas.microsoft.com/office/drawing/2014/main" xmlns="" val="777370248"/>
                     </a:ext>
                   </a:extLst>
                 </a:gridCol>
@@ -25259,7 +21961,7 @@
                 </a:tc>
                 <a:extLst>
                   <a:ext uri="{0D108BD9-81ED-4DB2-BD59-A6C34878D82A}">
-                    <a16:rowId xmlns="" xmlns:a16="http://schemas.microsoft.com/office/drawing/2014/main" val="2189281332"/>
+                    <a16:rowId xmlns:a16="http://schemas.microsoft.com/office/drawing/2014/main" xmlns="" val="2189281332"/>
                   </a:ext>
                 </a:extLst>
               </a:tr>
@@ -25426,7 +22128,7 @@
                 </a:tc>
                 <a:extLst>
                   <a:ext uri="{0D108BD9-81ED-4DB2-BD59-A6C34878D82A}">
-                    <a16:rowId xmlns="" xmlns:a16="http://schemas.microsoft.com/office/drawing/2014/main" val="3653743880"/>
+                    <a16:rowId xmlns:a16="http://schemas.microsoft.com/office/drawing/2014/main" xmlns="" val="3653743880"/>
                   </a:ext>
                 </a:extLst>
               </a:tr>
@@ -25628,7 +22330,7 @@
                 </a:tc>
                 <a:extLst>
                   <a:ext uri="{0D108BD9-81ED-4DB2-BD59-A6C34878D82A}">
-                    <a16:rowId xmlns="" xmlns:a16="http://schemas.microsoft.com/office/drawing/2014/main" val="3857991373"/>
+                    <a16:rowId xmlns:a16="http://schemas.microsoft.com/office/drawing/2014/main" xmlns="" val="3857991373"/>
                   </a:ext>
                 </a:extLst>
               </a:tr>
@@ -25800,7 +22502,7 @@
                 </a:tc>
                 <a:extLst>
                   <a:ext uri="{0D108BD9-81ED-4DB2-BD59-A6C34878D82A}">
-                    <a16:rowId xmlns="" xmlns:a16="http://schemas.microsoft.com/office/drawing/2014/main" val="2213796767"/>
+                    <a16:rowId xmlns:a16="http://schemas.microsoft.com/office/drawing/2014/main" xmlns="" val="2213796767"/>
                   </a:ext>
                 </a:extLst>
               </a:tr>
@@ -25826,7 +22528,7 @@
             <a:fld id="{4F4CC500-C254-4A01-A1E9-3631BD4DF40D}" type="slidenum">
               <a:rPr lang="ca-ES" smtClean="0"/>
               <a:pPr/>
-              <a:t>14</a:t>
+              <a:t>16</a:t>
             </a:fld>
             <a:r>
               <a:rPr lang="ca-ES" smtClean="0"/>
@@ -25856,7 +22558,7 @@
 </p:sld>
 </file>
 
-<file path=ppt/slides/slide15.xml><?xml version="1.0" encoding="utf-8"?>
+<file path=ppt/slides/slide17.xml><?xml version="1.0" encoding="utf-8"?>
 <p:sld xmlns:a="http://schemas.openxmlformats.org/drawingml/2006/main" xmlns:r="http://schemas.openxmlformats.org/officeDocument/2006/relationships" xmlns:p="http://schemas.openxmlformats.org/presentationml/2006/main">
   <p:cSld>
     <p:spTree>
@@ -26933,7 +23635,7 @@
             <a:fld id="{4F4CC500-C254-4A01-A1E9-3631BD4DF40D}" type="slidenum">
               <a:rPr lang="ca-ES" smtClean="0"/>
               <a:pPr/>
-              <a:t>15</a:t>
+              <a:t>17</a:t>
             </a:fld>
             <a:r>
               <a:rPr lang="ca-ES" smtClean="0"/>
@@ -26963,7 +23665,7 @@
 </p:sld>
 </file>
 
-<file path=ppt/slides/slide16.xml><?xml version="1.0" encoding="utf-8"?>
+<file path=ppt/slides/slide18.xml><?xml version="1.0" encoding="utf-8"?>
 <p:sld xmlns:a="http://schemas.openxmlformats.org/drawingml/2006/main" xmlns:r="http://schemas.openxmlformats.org/officeDocument/2006/relationships" xmlns:p="http://schemas.openxmlformats.org/presentationml/2006/main">
   <p:cSld>
     <p:spTree>
@@ -27496,7 +24198,7 @@
             <a:fld id="{4F4CC500-C254-4A01-A1E9-3631BD4DF40D}" type="slidenum">
               <a:rPr lang="ca-ES" smtClean="0"/>
               <a:pPr/>
-              <a:t>16</a:t>
+              <a:t>18</a:t>
             </a:fld>
             <a:r>
               <a:rPr lang="ca-ES" smtClean="0"/>
@@ -27526,7 +24228,7 @@
 </p:sld>
 </file>
 
-<file path=ppt/slides/slide17.xml><?xml version="1.0" encoding="utf-8"?>
+<file path=ppt/slides/slide19.xml><?xml version="1.0" encoding="utf-8"?>
 <p:sld xmlns:a="http://schemas.openxmlformats.org/drawingml/2006/main" xmlns:r="http://schemas.openxmlformats.org/officeDocument/2006/relationships" xmlns:p="http://schemas.openxmlformats.org/presentationml/2006/main">
   <p:cSld>
     <p:spTree>
@@ -27654,7 +24356,7 @@
             <a:fld id="{4F4CC500-C254-4A01-A1E9-3631BD4DF40D}" type="slidenum">
               <a:rPr lang="ca-ES" smtClean="0"/>
               <a:pPr/>
-              <a:t>17</a:t>
+              <a:t>19</a:t>
             </a:fld>
             <a:r>
               <a:rPr lang="ca-ES" smtClean="0"/>
@@ -27684,7 +24386,7 @@
 </p:sld>
 </file>
 
-<file path=ppt/slides/slide18.xml><?xml version="1.0" encoding="utf-8"?>
+<file path=ppt/slides/slide2.xml><?xml version="1.0" encoding="utf-8"?>
 <p:sld xmlns:a="http://schemas.openxmlformats.org/drawingml/2006/main" xmlns:r="http://schemas.openxmlformats.org/officeDocument/2006/relationships" xmlns:p="http://schemas.openxmlformats.org/presentationml/2006/main">
   <p:cSld>
     <p:spTree>
@@ -27718,6 +24420,193 @@
           <a:p>
             <a:r>
               <a:rPr lang="es-ES" dirty="0" err="1" smtClean="0"/>
+              <a:t>ContENIDO</a:t>
+            </a:r>
+            <a:endParaRPr lang="ca-ES" dirty="0"/>
+          </a:p>
+        </p:txBody>
+      </p:sp>
+      <p:sp>
+        <p:nvSpPr>
+          <p:cNvPr id="3" name="Marcador de contenido 2"/>
+          <p:cNvSpPr>
+            <a:spLocks noGrp="1"/>
+          </p:cNvSpPr>
+          <p:nvPr>
+            <p:ph idx="1"/>
+          </p:nvPr>
+        </p:nvSpPr>
+        <p:spPr/>
+        <p:txBody>
+          <a:bodyPr>
+            <a:normAutofit fontScale="85000" lnSpcReduction="20000"/>
+          </a:bodyPr>
+          <a:lstStyle/>
+          <a:p>
+            <a:r>
+              <a:rPr lang="es-ES" dirty="0" smtClean="0"/>
+              <a:t>Origen del proyecto</a:t>
+            </a:r>
+          </a:p>
+          <a:p>
+            <a:r>
+              <a:rPr lang="es-ES" dirty="0" smtClean="0"/>
+              <a:t>Requerimientos previos</a:t>
+            </a:r>
+          </a:p>
+          <a:p>
+            <a:r>
+              <a:rPr lang="es-ES" dirty="0" smtClean="0"/>
+              <a:t>Objetivos</a:t>
+            </a:r>
+          </a:p>
+          <a:p>
+            <a:r>
+              <a:rPr lang="es-ES" dirty="0"/>
+              <a:t>Alcance</a:t>
+            </a:r>
+          </a:p>
+          <a:p>
+            <a:r>
+              <a:rPr lang="es-ES" dirty="0" smtClean="0"/>
+              <a:t>Alternativas</a:t>
+            </a:r>
+            <a:endParaRPr lang="es-ES" dirty="0" smtClean="0"/>
+          </a:p>
+          <a:p>
+            <a:r>
+              <a:rPr lang="es-ES" dirty="0" smtClean="0"/>
+              <a:t>Solución</a:t>
+            </a:r>
+          </a:p>
+          <a:p>
+            <a:r>
+              <a:rPr lang="es-ES" dirty="0" smtClean="0"/>
+              <a:t>Especificaciones</a:t>
+            </a:r>
+            <a:endParaRPr lang="es-ES" dirty="0" smtClean="0"/>
+          </a:p>
+          <a:p>
+            <a:r>
+              <a:rPr lang="es-ES" dirty="0" smtClean="0"/>
+              <a:t>Desarrollo</a:t>
+            </a:r>
+          </a:p>
+          <a:p>
+            <a:r>
+              <a:rPr lang="es-ES" dirty="0" smtClean="0"/>
+              <a:t>Demo</a:t>
+            </a:r>
+          </a:p>
+          <a:p>
+            <a:r>
+              <a:rPr lang="es-ES" dirty="0" smtClean="0"/>
+              <a:t>Validación</a:t>
+            </a:r>
+            <a:endParaRPr lang="ca-ES" dirty="0" smtClean="0"/>
+          </a:p>
+          <a:p>
+            <a:r>
+              <a:rPr lang="es-ES" dirty="0" smtClean="0"/>
+              <a:t>Resultados</a:t>
+            </a:r>
+            <a:endParaRPr lang="ca-ES" dirty="0" smtClean="0"/>
+          </a:p>
+          <a:p>
+            <a:r>
+              <a:rPr lang="es-ES" dirty="0" smtClean="0"/>
+              <a:t>Conclusiones</a:t>
+            </a:r>
+          </a:p>
+        </p:txBody>
+      </p:sp>
+      <p:sp>
+        <p:nvSpPr>
+          <p:cNvPr id="4" name="Marcador de número de diapositiva 3"/>
+          <p:cNvSpPr>
+            <a:spLocks noGrp="1"/>
+          </p:cNvSpPr>
+          <p:nvPr>
+            <p:ph type="sldNum" sz="quarter" idx="12"/>
+          </p:nvPr>
+        </p:nvSpPr>
+        <p:spPr>
+          <a:xfrm>
+            <a:off x="10558297" y="5956137"/>
+            <a:ext cx="1052510" cy="365125"/>
+          </a:xfrm>
+        </p:spPr>
+        <p:txBody>
+          <a:bodyPr/>
+          <a:lstStyle/>
+          <a:p>
+            <a:fld id="{4F4CC500-C254-4A01-A1E9-3631BD4DF40D}" type="slidenum">
+              <a:rPr lang="ca-ES" smtClean="0"/>
+              <a:pPr/>
+              <a:t>2</a:t>
+            </a:fld>
+            <a:r>
+              <a:rPr lang="ca-ES" dirty="0" smtClean="0"/>
+              <a:t>/22</a:t>
+            </a:r>
+            <a:endParaRPr lang="ca-ES" dirty="0"/>
+          </a:p>
+        </p:txBody>
+      </p:sp>
+    </p:spTree>
+    <p:extLst>
+      <p:ext uri="{BB962C8B-B14F-4D97-AF65-F5344CB8AC3E}">
+        <p14:creationId xmlns:p14="http://schemas.microsoft.com/office/powerpoint/2010/main" val="422068893"/>
+      </p:ext>
+    </p:extLst>
+  </p:cSld>
+  <p:clrMapOvr>
+    <a:masterClrMapping/>
+  </p:clrMapOvr>
+  <p:timing>
+    <p:tnLst>
+      <p:par>
+        <p:cTn id="1" dur="indefinite" restart="never" nodeType="tmRoot"/>
+      </p:par>
+    </p:tnLst>
+  </p:timing>
+</p:sld>
+</file>
+
+<file path=ppt/slides/slide20.xml><?xml version="1.0" encoding="utf-8"?>
+<p:sld xmlns:a="http://schemas.openxmlformats.org/drawingml/2006/main" xmlns:r="http://schemas.openxmlformats.org/officeDocument/2006/relationships" xmlns:p="http://schemas.openxmlformats.org/presentationml/2006/main">
+  <p:cSld>
+    <p:spTree>
+      <p:nvGrpSpPr>
+        <p:cNvPr id="1" name=""/>
+        <p:cNvGrpSpPr/>
+        <p:nvPr/>
+      </p:nvGrpSpPr>
+      <p:grpSpPr>
+        <a:xfrm>
+          <a:off x="0" y="0"/>
+          <a:ext cx="0" cy="0"/>
+          <a:chOff x="0" y="0"/>
+          <a:chExt cx="0" cy="0"/>
+        </a:xfrm>
+      </p:grpSpPr>
+      <p:sp>
+        <p:nvSpPr>
+          <p:cNvPr id="2" name="Título 1"/>
+          <p:cNvSpPr>
+            <a:spLocks noGrp="1"/>
+          </p:cNvSpPr>
+          <p:nvPr>
+            <p:ph type="title"/>
+          </p:nvPr>
+        </p:nvSpPr>
+        <p:spPr/>
+        <p:txBody>
+          <a:bodyPr/>
+          <a:lstStyle/>
+          <a:p>
+            <a:r>
+              <a:rPr lang="es-ES" dirty="0" err="1" smtClean="0"/>
               <a:t>Validació</a:t>
             </a:r>
             <a:r>
@@ -27748,413 +24637,22 @@
               <a:t>10 </a:t>
             </a:r>
             <a:r>
-              <a:rPr lang="es-ES" dirty="0" err="1" smtClean="0"/>
-              <a:t>subjectes</a:t>
-            </a:r>
-            <a:r>
               <a:rPr lang="es-ES" dirty="0" smtClean="0"/>
-              <a:t> </a:t>
-            </a:r>
-            <a:r>
-              <a:rPr lang="es-ES" dirty="0" err="1" smtClean="0"/>
-              <a:t>escollits</a:t>
+              <a:t>sujetos </a:t>
+            </a:r>
+          </a:p>
+          <a:p>
+            <a:r>
+              <a:rPr lang="es-ES" dirty="0" smtClean="0"/>
+              <a:t>3 preguntas</a:t>
             </a:r>
             <a:endParaRPr lang="es-ES" dirty="0" smtClean="0"/>
           </a:p>
           <a:p>
-            <a:pPr lvl="1"/>
-            <a:r>
-              <a:rPr lang="es-ES" dirty="0" smtClean="0"/>
-              <a:t>6 </a:t>
-            </a:r>
-            <a:r>
-              <a:rPr lang="es-ES" dirty="0" smtClean="0">
-                <a:sym typeface="Wingdings" panose="05000000000000000000" pitchFamily="2" charset="2"/>
-              </a:rPr>
-              <a:t>per a la </a:t>
-            </a:r>
-            <a:r>
-              <a:rPr lang="es-ES" dirty="0" err="1" smtClean="0"/>
-              <a:t>versió</a:t>
-            </a:r>
-            <a:r>
-              <a:rPr lang="es-ES" dirty="0" smtClean="0"/>
-              <a:t> </a:t>
-            </a:r>
-            <a:r>
-              <a:rPr lang="es-ES" dirty="0" err="1" smtClean="0"/>
-              <a:t>gamificada</a:t>
-            </a:r>
+            <a:pPr marL="324000" lvl="1" indent="0">
+              <a:buNone/>
+            </a:pPr>
             <a:endParaRPr lang="es-ES" dirty="0" smtClean="0"/>
-          </a:p>
-          <a:p>
-            <a:pPr lvl="1"/>
-            <a:r>
-              <a:rPr lang="es-ES" dirty="0" smtClean="0"/>
-              <a:t>6 </a:t>
-            </a:r>
-            <a:r>
-              <a:rPr lang="es-ES" dirty="0" smtClean="0">
-                <a:sym typeface="Wingdings" panose="05000000000000000000" pitchFamily="2" charset="2"/>
-              </a:rPr>
-              <a:t>per a la </a:t>
-            </a:r>
-            <a:r>
-              <a:rPr lang="es-ES" dirty="0" err="1" smtClean="0"/>
-              <a:t>versió</a:t>
-            </a:r>
-            <a:r>
-              <a:rPr lang="es-ES" dirty="0" smtClean="0"/>
-              <a:t> no </a:t>
-            </a:r>
-            <a:r>
-              <a:rPr lang="es-ES" dirty="0" err="1" smtClean="0"/>
-              <a:t>gamificada</a:t>
-            </a:r>
-            <a:endParaRPr lang="es-ES" dirty="0" smtClean="0"/>
-          </a:p>
-          <a:p>
-            <a:r>
-              <a:rPr lang="es-ES" dirty="0" err="1" smtClean="0"/>
-              <a:t>Enquesta</a:t>
-            </a:r>
-            <a:r>
-              <a:rPr lang="es-ES" dirty="0" smtClean="0"/>
-              <a:t> </a:t>
-            </a:r>
-            <a:r>
-              <a:rPr lang="es-ES" dirty="0" err="1" smtClean="0"/>
-              <a:t>d’usabilitat</a:t>
-            </a:r>
-            <a:r>
-              <a:rPr lang="es-ES" dirty="0" smtClean="0"/>
-              <a:t> i </a:t>
-            </a:r>
-            <a:r>
-              <a:rPr lang="es-ES" dirty="0" err="1" smtClean="0"/>
-              <a:t>acceptació</a:t>
-            </a:r>
-            <a:endParaRPr lang="es-ES" dirty="0" smtClean="0"/>
-          </a:p>
-          <a:p>
-            <a:pPr lvl="1"/>
-            <a:r>
-              <a:rPr lang="es-ES" dirty="0" smtClean="0"/>
-              <a:t>Preguntes del </a:t>
-            </a:r>
-            <a:r>
-              <a:rPr lang="es-ES" dirty="0" err="1" smtClean="0"/>
-              <a:t>System</a:t>
-            </a:r>
-            <a:r>
-              <a:rPr lang="es-ES" dirty="0" smtClean="0"/>
-              <a:t> </a:t>
-            </a:r>
-            <a:r>
-              <a:rPr lang="es-ES" dirty="0" err="1" smtClean="0"/>
-              <a:t>Usability</a:t>
-            </a:r>
-            <a:r>
-              <a:rPr lang="es-ES" dirty="0" smtClean="0"/>
-              <a:t> </a:t>
-            </a:r>
-            <a:r>
-              <a:rPr lang="es-ES" dirty="0" err="1" smtClean="0"/>
-              <a:t>Scale</a:t>
-            </a:r>
-            <a:endParaRPr lang="es-ES" dirty="0" smtClean="0"/>
-          </a:p>
-          <a:p>
-            <a:pPr lvl="1"/>
-            <a:r>
-              <a:rPr lang="es-ES" dirty="0" err="1" smtClean="0"/>
-              <a:t>Altres</a:t>
-            </a:r>
-            <a:r>
-              <a:rPr lang="es-ES" dirty="0"/>
-              <a:t> </a:t>
-            </a:r>
-            <a:r>
-              <a:rPr lang="es-ES" dirty="0" err="1" smtClean="0"/>
-              <a:t>específiques</a:t>
-            </a:r>
-            <a:endParaRPr lang="es-ES" dirty="0"/>
-          </a:p>
-        </p:txBody>
-      </p:sp>
-      <p:pic>
-        <p:nvPicPr>
-          <p:cNvPr id="6" name="Imagen 5"/>
-          <p:cNvPicPr/>
-          <p:nvPr/>
-        </p:nvPicPr>
-        <p:blipFill>
-          <a:blip r:embed="rId2" cstate="print">
-            <a:extLst>
-              <a:ext uri="{28A0092B-C50C-407E-A947-70E740481C1C}">
-                <a14:useLocalDpi xmlns:a14="http://schemas.microsoft.com/office/drawing/2010/main" val="0"/>
-              </a:ext>
-            </a:extLst>
-          </a:blip>
-          <a:stretch>
-            <a:fillRect/>
-          </a:stretch>
-        </p:blipFill>
-        <p:spPr>
-          <a:xfrm>
-            <a:off x="4621840" y="2574481"/>
-            <a:ext cx="1847501" cy="3284318"/>
-          </a:xfrm>
-          <a:prstGeom prst="rect">
-            <a:avLst/>
-          </a:prstGeom>
-        </p:spPr>
-      </p:pic>
-      <p:pic>
-        <p:nvPicPr>
-          <p:cNvPr id="7" name="Imagen 6"/>
-          <p:cNvPicPr/>
-          <p:nvPr/>
-        </p:nvPicPr>
-        <p:blipFill rotWithShape="1">
-          <a:blip r:embed="rId3"/>
-          <a:srcRect l="26282" t="14149" r="27505" b="67210"/>
-          <a:stretch/>
-        </p:blipFill>
-        <p:spPr bwMode="auto">
-          <a:xfrm>
-            <a:off x="6993485" y="2574481"/>
-            <a:ext cx="3275330" cy="742315"/>
-          </a:xfrm>
-          <a:prstGeom prst="rect">
-            <a:avLst/>
-          </a:prstGeom>
-          <a:ln>
-            <a:noFill/>
-          </a:ln>
-          <a:extLst>
-            <a:ext uri="{53640926-AAD7-44D8-BBD7-CCE9431645EC}">
-              <a14:shadowObscured xmlns:a14="http://schemas.microsoft.com/office/drawing/2010/main"/>
-            </a:ext>
-          </a:extLst>
-        </p:spPr>
-      </p:pic>
-      <p:pic>
-        <p:nvPicPr>
-          <p:cNvPr id="8" name="Imagen 7"/>
-          <p:cNvPicPr/>
-          <p:nvPr/>
-        </p:nvPicPr>
-        <p:blipFill rotWithShape="1">
-          <a:blip r:embed="rId3"/>
-          <a:srcRect l="26282" t="34702" r="27505" b="47608"/>
-          <a:stretch/>
-        </p:blipFill>
-        <p:spPr bwMode="auto">
-          <a:xfrm>
-            <a:off x="6993485" y="3358356"/>
-            <a:ext cx="3275330" cy="704850"/>
-          </a:xfrm>
-          <a:prstGeom prst="rect">
-            <a:avLst/>
-          </a:prstGeom>
-          <a:ln>
-            <a:noFill/>
-          </a:ln>
-          <a:extLst>
-            <a:ext uri="{53640926-AAD7-44D8-BBD7-CCE9431645EC}">
-              <a14:shadowObscured xmlns:a14="http://schemas.microsoft.com/office/drawing/2010/main"/>
-            </a:ext>
-          </a:extLst>
-        </p:spPr>
-      </p:pic>
-      <p:pic>
-        <p:nvPicPr>
-          <p:cNvPr id="9" name="Imagen 8"/>
-          <p:cNvPicPr/>
-          <p:nvPr/>
-        </p:nvPicPr>
-        <p:blipFill rotWithShape="1">
-          <a:blip r:embed="rId4"/>
-          <a:srcRect l="26105" t="52982" r="27329" b="28471"/>
-          <a:stretch/>
-        </p:blipFill>
-        <p:spPr bwMode="auto">
-          <a:xfrm>
-            <a:off x="6993485" y="4126697"/>
-            <a:ext cx="3275330" cy="733425"/>
-          </a:xfrm>
-          <a:prstGeom prst="rect">
-            <a:avLst/>
-          </a:prstGeom>
-          <a:ln>
-            <a:noFill/>
-          </a:ln>
-          <a:extLst>
-            <a:ext uri="{53640926-AAD7-44D8-BBD7-CCE9431645EC}">
-              <a14:shadowObscured xmlns:a14="http://schemas.microsoft.com/office/drawing/2010/main"/>
-            </a:ext>
-          </a:extLst>
-        </p:spPr>
-      </p:pic>
-      <p:pic>
-        <p:nvPicPr>
-          <p:cNvPr id="10" name="Imagen 9"/>
-          <p:cNvPicPr/>
-          <p:nvPr/>
-        </p:nvPicPr>
-        <p:blipFill rotWithShape="1">
-          <a:blip r:embed="rId5"/>
-          <a:srcRect l="26282" t="31100" r="27681" b="50131"/>
-          <a:stretch/>
-        </p:blipFill>
-        <p:spPr bwMode="auto">
-          <a:xfrm>
-            <a:off x="6993485" y="4948424"/>
-            <a:ext cx="3282315" cy="752475"/>
-          </a:xfrm>
-          <a:prstGeom prst="rect">
-            <a:avLst/>
-          </a:prstGeom>
-          <a:ln>
-            <a:noFill/>
-          </a:ln>
-          <a:extLst>
-            <a:ext uri="{53640926-AAD7-44D8-BBD7-CCE9431645EC}">
-              <a14:shadowObscured xmlns:a14="http://schemas.microsoft.com/office/drawing/2010/main"/>
-            </a:ext>
-          </a:extLst>
-        </p:spPr>
-      </p:pic>
-      <p:sp>
-        <p:nvSpPr>
-          <p:cNvPr id="11" name="CuadroTexto 10"/>
-          <p:cNvSpPr txBox="1"/>
-          <p:nvPr/>
-        </p:nvSpPr>
-        <p:spPr>
-          <a:xfrm>
-            <a:off x="4504580" y="5810640"/>
-            <a:ext cx="2082019" cy="307777"/>
-          </a:xfrm>
-          <a:prstGeom prst="rect">
-            <a:avLst/>
-          </a:prstGeom>
-          <a:noFill/>
-        </p:spPr>
-        <p:txBody>
-          <a:bodyPr wrap="square" rtlCol="0">
-            <a:spAutoFit/>
-          </a:bodyPr>
-          <a:lstStyle/>
-          <a:p>
-            <a:pPr algn="ctr" defTabSz="457200">
-              <a:spcBef>
-                <a:spcPct val="20000"/>
-              </a:spcBef>
-              <a:spcAft>
-                <a:spcPts val="600"/>
-              </a:spcAft>
-              <a:buClr>
-                <a:schemeClr val="accent2"/>
-              </a:buClr>
-              <a:buSzPct val="92000"/>
-            </a:pPr>
-            <a:r>
-              <a:rPr lang="es-ES" sz="1400" dirty="0" err="1">
-                <a:solidFill>
-                  <a:schemeClr val="tx2"/>
-                </a:solidFill>
-              </a:rPr>
-              <a:t>Versió</a:t>
-            </a:r>
-            <a:r>
-              <a:rPr lang="es-ES" sz="1400" dirty="0">
-                <a:solidFill>
-                  <a:schemeClr val="tx2"/>
-                </a:solidFill>
-              </a:rPr>
-              <a:t> no </a:t>
-            </a:r>
-            <a:r>
-              <a:rPr lang="es-ES" sz="1400" dirty="0" err="1">
-                <a:solidFill>
-                  <a:schemeClr val="tx2"/>
-                </a:solidFill>
-              </a:rPr>
-              <a:t>gamificada</a:t>
-            </a:r>
-            <a:endParaRPr lang="ca-ES" sz="1400" dirty="0">
-              <a:solidFill>
-                <a:schemeClr val="tx2"/>
-              </a:solidFill>
-            </a:endParaRPr>
-          </a:p>
-        </p:txBody>
-      </p:sp>
-      <p:sp>
-        <p:nvSpPr>
-          <p:cNvPr id="12" name="CuadroTexto 11"/>
-          <p:cNvSpPr txBox="1"/>
-          <p:nvPr/>
-        </p:nvSpPr>
-        <p:spPr>
-          <a:xfrm>
-            <a:off x="7132321" y="5810640"/>
-            <a:ext cx="3265124" cy="307777"/>
-          </a:xfrm>
-          <a:prstGeom prst="rect">
-            <a:avLst/>
-          </a:prstGeom>
-          <a:noFill/>
-        </p:spPr>
-        <p:txBody>
-          <a:bodyPr wrap="square" rtlCol="0">
-            <a:spAutoFit/>
-          </a:bodyPr>
-          <a:lstStyle/>
-          <a:p>
-            <a:pPr algn="ctr" defTabSz="457200">
-              <a:spcBef>
-                <a:spcPct val="20000"/>
-              </a:spcBef>
-              <a:spcAft>
-                <a:spcPts val="600"/>
-              </a:spcAft>
-              <a:buClr>
-                <a:schemeClr val="accent2"/>
-              </a:buClr>
-              <a:buSzPct val="92000"/>
-            </a:pPr>
-            <a:r>
-              <a:rPr lang="es-ES" sz="1400" dirty="0" err="1" smtClean="0">
-                <a:solidFill>
-                  <a:schemeClr val="tx2"/>
-                </a:solidFill>
-              </a:rPr>
-              <a:t>Algunes</a:t>
-            </a:r>
-            <a:r>
-              <a:rPr lang="es-ES" sz="1400" dirty="0" smtClean="0">
-                <a:solidFill>
-                  <a:schemeClr val="tx2"/>
-                </a:solidFill>
-              </a:rPr>
-              <a:t> preguntes de </a:t>
-            </a:r>
-            <a:r>
-              <a:rPr lang="es-ES" sz="1400" dirty="0" err="1" smtClean="0">
-                <a:solidFill>
-                  <a:schemeClr val="tx2"/>
-                </a:solidFill>
-              </a:rPr>
-              <a:t>l’enquesta</a:t>
-            </a:r>
-            <a:endParaRPr lang="ca-ES" sz="1400" dirty="0">
-              <a:solidFill>
-                <a:schemeClr val="tx2"/>
-              </a:solidFill>
-            </a:endParaRPr>
           </a:p>
         </p:txBody>
       </p:sp>
@@ -28176,7 +24674,7 @@
             <a:fld id="{4F4CC500-C254-4A01-A1E9-3631BD4DF40D}" type="slidenum">
               <a:rPr lang="ca-ES" smtClean="0"/>
               <a:pPr/>
-              <a:t>18</a:t>
+              <a:t>20</a:t>
             </a:fld>
             <a:r>
               <a:rPr lang="ca-ES" smtClean="0"/>
@@ -28186,6 +24684,54 @@
           </a:p>
         </p:txBody>
       </p:sp>
+      <p:pic>
+        <p:nvPicPr>
+          <p:cNvPr id="5" name="Picture 4"/>
+          <p:cNvPicPr>
+            <a:picLocks noChangeAspect="1"/>
+          </p:cNvPicPr>
+          <p:nvPr/>
+        </p:nvPicPr>
+        <p:blipFill>
+          <a:blip r:embed="rId2"/>
+          <a:stretch>
+            <a:fillRect/>
+          </a:stretch>
+        </p:blipFill>
+        <p:spPr>
+          <a:xfrm>
+            <a:off x="3974396" y="1903280"/>
+            <a:ext cx="3847050" cy="2116367"/>
+          </a:xfrm>
+          <a:prstGeom prst="rect">
+            <a:avLst/>
+          </a:prstGeom>
+        </p:spPr>
+      </p:pic>
+      <p:pic>
+        <p:nvPicPr>
+          <p:cNvPr id="13" name="Picture 12"/>
+          <p:cNvPicPr>
+            <a:picLocks noChangeAspect="1"/>
+          </p:cNvPicPr>
+          <p:nvPr/>
+        </p:nvPicPr>
+        <p:blipFill>
+          <a:blip r:embed="rId3"/>
+          <a:stretch>
+            <a:fillRect/>
+          </a:stretch>
+        </p:blipFill>
+        <p:spPr>
+          <a:xfrm>
+            <a:off x="3974396" y="4019647"/>
+            <a:ext cx="3847050" cy="2750700"/>
+          </a:xfrm>
+          <a:prstGeom prst="rect">
+            <a:avLst/>
+          </a:prstGeom>
+        </p:spPr>
+      </p:pic>
     </p:spTree>
     <p:extLst>
       <p:ext uri="{BB962C8B-B14F-4D97-AF65-F5344CB8AC3E}">
@@ -28206,7 +24752,7 @@
 </p:sld>
 </file>
 
-<file path=ppt/slides/slide19.xml><?xml version="1.0" encoding="utf-8"?>
+<file path=ppt/slides/slide21.xml><?xml version="1.0" encoding="utf-8"?>
 <p:sld xmlns:a="http://schemas.openxmlformats.org/drawingml/2006/main" xmlns:r="http://schemas.openxmlformats.org/officeDocument/2006/relationships" xmlns:p="http://schemas.openxmlformats.org/presentationml/2006/main">
   <p:cSld>
     <p:spTree>
@@ -28277,7 +24823,7 @@
           <p:cNvPr id="4" name="Gráfico 3">
             <a:extLst>
               <a:ext uri="{FF2B5EF4-FFF2-40B4-BE49-F238E27FC236}">
-                <a16:creationId xmlns="" xmlns:a16="http://schemas.microsoft.com/office/drawing/2014/main" id="{C211C191-CAC5-43EA-BB6B-634EAA3EA4D7}"/>
+                <a16:creationId xmlns:a16="http://schemas.microsoft.com/office/drawing/2014/main" xmlns="" id="{C211C191-CAC5-43EA-BB6B-634EAA3EA4D7}"/>
               </a:ext>
             </a:extLst>
           </p:cNvPr>
@@ -28340,7 +24886,7 @@
             <a:fld id="{4F4CC500-C254-4A01-A1E9-3631BD4DF40D}" type="slidenum">
               <a:rPr lang="ca-ES" smtClean="0"/>
               <a:pPr/>
-              <a:t>19</a:t>
+              <a:t>21</a:t>
             </a:fld>
             <a:r>
               <a:rPr lang="ca-ES" smtClean="0"/>
@@ -28370,186 +24916,7 @@
 </p:sld>
 </file>
 
-<file path=ppt/slides/slide2.xml><?xml version="1.0" encoding="utf-8"?>
-<p:sld xmlns:a="http://schemas.openxmlformats.org/drawingml/2006/main" xmlns:r="http://schemas.openxmlformats.org/officeDocument/2006/relationships" xmlns:p="http://schemas.openxmlformats.org/presentationml/2006/main">
-  <p:cSld>
-    <p:spTree>
-      <p:nvGrpSpPr>
-        <p:cNvPr id="1" name=""/>
-        <p:cNvGrpSpPr/>
-        <p:nvPr/>
-      </p:nvGrpSpPr>
-      <p:grpSpPr>
-        <a:xfrm>
-          <a:off x="0" y="0"/>
-          <a:ext cx="0" cy="0"/>
-          <a:chOff x="0" y="0"/>
-          <a:chExt cx="0" cy="0"/>
-        </a:xfrm>
-      </p:grpSpPr>
-      <p:sp>
-        <p:nvSpPr>
-          <p:cNvPr id="2" name="Título 1"/>
-          <p:cNvSpPr>
-            <a:spLocks noGrp="1"/>
-          </p:cNvSpPr>
-          <p:nvPr>
-            <p:ph type="title"/>
-          </p:nvPr>
-        </p:nvSpPr>
-        <p:spPr/>
-        <p:txBody>
-          <a:bodyPr/>
-          <a:lstStyle/>
-          <a:p>
-            <a:r>
-              <a:rPr lang="es-ES" dirty="0" err="1" smtClean="0"/>
-              <a:t>ContENIDO</a:t>
-            </a:r>
-            <a:endParaRPr lang="ca-ES" dirty="0"/>
-          </a:p>
-        </p:txBody>
-      </p:sp>
-      <p:sp>
-        <p:nvSpPr>
-          <p:cNvPr id="3" name="Marcador de contenido 2"/>
-          <p:cNvSpPr>
-            <a:spLocks noGrp="1"/>
-          </p:cNvSpPr>
-          <p:nvPr>
-            <p:ph idx="1"/>
-          </p:nvPr>
-        </p:nvSpPr>
-        <p:spPr/>
-        <p:txBody>
-          <a:bodyPr>
-            <a:normAutofit fontScale="92500" lnSpcReduction="20000"/>
-          </a:bodyPr>
-          <a:lstStyle/>
-          <a:p>
-            <a:r>
-              <a:rPr lang="es-ES" dirty="0" smtClean="0"/>
-              <a:t>Origen del proyecto</a:t>
-            </a:r>
-          </a:p>
-          <a:p>
-            <a:r>
-              <a:rPr lang="es-ES" dirty="0" smtClean="0"/>
-              <a:t>Requerimientos previos</a:t>
-            </a:r>
-          </a:p>
-          <a:p>
-            <a:r>
-              <a:rPr lang="es-ES" dirty="0" smtClean="0"/>
-              <a:t>Alcance</a:t>
-            </a:r>
-          </a:p>
-          <a:p>
-            <a:r>
-              <a:rPr lang="es-ES" dirty="0" smtClean="0"/>
-              <a:t>Objetivos</a:t>
-            </a:r>
-          </a:p>
-          <a:p>
-            <a:r>
-              <a:rPr lang="es-ES" dirty="0" smtClean="0"/>
-              <a:t>Alternativas</a:t>
-            </a:r>
-          </a:p>
-          <a:p>
-            <a:r>
-              <a:rPr lang="es-ES" dirty="0" smtClean="0"/>
-              <a:t>Solución</a:t>
-            </a:r>
-          </a:p>
-          <a:p>
-            <a:r>
-              <a:rPr lang="es-ES" dirty="0" smtClean="0"/>
-              <a:t>Desarrollo</a:t>
-            </a:r>
-          </a:p>
-          <a:p>
-            <a:r>
-              <a:rPr lang="es-ES" dirty="0" smtClean="0"/>
-              <a:t>Demo</a:t>
-            </a:r>
-          </a:p>
-          <a:p>
-            <a:r>
-              <a:rPr lang="es-ES" dirty="0" smtClean="0"/>
-              <a:t>Validación</a:t>
-            </a:r>
-            <a:endParaRPr lang="ca-ES" dirty="0" smtClean="0"/>
-          </a:p>
-          <a:p>
-            <a:r>
-              <a:rPr lang="es-ES" dirty="0" smtClean="0"/>
-              <a:t>Resultados</a:t>
-            </a:r>
-            <a:endParaRPr lang="ca-ES" dirty="0" smtClean="0"/>
-          </a:p>
-          <a:p>
-            <a:r>
-              <a:rPr lang="es-ES" dirty="0" smtClean="0"/>
-              <a:t>Conclusiones</a:t>
-            </a:r>
-          </a:p>
-        </p:txBody>
-      </p:sp>
-      <p:sp>
-        <p:nvSpPr>
-          <p:cNvPr id="4" name="Marcador de número de diapositiva 3"/>
-          <p:cNvSpPr>
-            <a:spLocks noGrp="1"/>
-          </p:cNvSpPr>
-          <p:nvPr>
-            <p:ph type="sldNum" sz="quarter" idx="12"/>
-          </p:nvPr>
-        </p:nvSpPr>
-        <p:spPr>
-          <a:xfrm>
-            <a:off x="10558297" y="5956137"/>
-            <a:ext cx="1052510" cy="365125"/>
-          </a:xfrm>
-        </p:spPr>
-        <p:txBody>
-          <a:bodyPr/>
-          <a:lstStyle/>
-          <a:p>
-            <a:fld id="{4F4CC500-C254-4A01-A1E9-3631BD4DF40D}" type="slidenum">
-              <a:rPr lang="ca-ES" smtClean="0"/>
-              <a:pPr/>
-              <a:t>2</a:t>
-            </a:fld>
-            <a:r>
-              <a:rPr lang="ca-ES" dirty="0" smtClean="0"/>
-              <a:t>/22</a:t>
-            </a:r>
-            <a:endParaRPr lang="ca-ES" dirty="0"/>
-          </a:p>
-        </p:txBody>
-      </p:sp>
-    </p:spTree>
-    <p:extLst>
-      <p:ext uri="{BB962C8B-B14F-4D97-AF65-F5344CB8AC3E}">
-        <p14:creationId xmlns:p14="http://schemas.microsoft.com/office/powerpoint/2010/main" val="422068893"/>
-      </p:ext>
-    </p:extLst>
-  </p:cSld>
-  <p:clrMapOvr>
-    <a:masterClrMapping/>
-  </p:clrMapOvr>
-  <p:timing>
-    <p:tnLst>
-      <p:par>
-        <p:cTn id="1" dur="indefinite" restart="never" nodeType="tmRoot"/>
-      </p:par>
-    </p:tnLst>
-  </p:timing>
-</p:sld>
-</file>
-
-<file path=ppt/slides/slide20.xml><?xml version="1.0" encoding="utf-8"?>
+<file path=ppt/slides/slide22.xml><?xml version="1.0" encoding="utf-8"?>
 <p:sld xmlns:a="http://schemas.openxmlformats.org/drawingml/2006/main" xmlns:r="http://schemas.openxmlformats.org/officeDocument/2006/relationships" xmlns:p="http://schemas.openxmlformats.org/presentationml/2006/main">
   <p:cSld>
     <p:spTree>
@@ -28834,7 +25201,7 @@
             <a:fld id="{4F4CC500-C254-4A01-A1E9-3631BD4DF40D}" type="slidenum">
               <a:rPr lang="ca-ES" smtClean="0"/>
               <a:pPr/>
-              <a:t>20</a:t>
+              <a:t>22</a:t>
             </a:fld>
             <a:r>
               <a:rPr lang="ca-ES" smtClean="0"/>
@@ -28928,7 +25295,6 @@
               <a:rPr lang="ca-ES" dirty="0" smtClean="0"/>
               <a:t>Hasta ahora: Distribución encargo docente</a:t>
             </a:r>
-            <a:endParaRPr lang="ca-ES" dirty="0" smtClean="0"/>
           </a:p>
           <a:p>
             <a:r>
@@ -28945,49 +25311,28 @@
               <a:rPr lang="es-ES" dirty="0" smtClean="0">
                 <a:sym typeface="Wingdings" panose="05000000000000000000" pitchFamily="2" charset="2"/>
               </a:rPr>
-              <a:t>Poco eficiente</a:t>
+              <a:t>Poco eficiente  lento, profesores no </a:t>
             </a:r>
             <a:r>
               <a:rPr lang="es-ES" dirty="0" smtClean="0">
                 <a:sym typeface="Wingdings" panose="05000000000000000000" pitchFamily="2" charset="2"/>
               </a:rPr>
-              <a:t> </a:t>
+              <a:t>pueden ver </a:t>
             </a:r>
             <a:r>
               <a:rPr lang="es-ES" dirty="0" smtClean="0">
                 <a:sym typeface="Wingdings" panose="05000000000000000000" pitchFamily="2" charset="2"/>
               </a:rPr>
-              <a:t> </a:t>
-            </a:r>
+              <a:t>situación actual</a:t>
+            </a:r>
+          </a:p>
+          <a:p>
+            <a:pPr lvl="1"/>
             <a:r>
               <a:rPr lang="es-ES" dirty="0" smtClean="0">
                 <a:sym typeface="Wingdings" panose="05000000000000000000" pitchFamily="2" charset="2"/>
               </a:rPr>
-              <a:t>lento, profesore</a:t>
-            </a:r>
-            <a:r>
-              <a:rPr lang="es-ES" dirty="0" smtClean="0">
-                <a:sym typeface="Wingdings" panose="05000000000000000000" pitchFamily="2" charset="2"/>
-              </a:rPr>
-              <a:t>s no pueden ir viendo situación actual</a:t>
-            </a:r>
-            <a:endParaRPr lang="es-ES" dirty="0" smtClean="0">
-              <a:sym typeface="Wingdings" panose="05000000000000000000" pitchFamily="2" charset="2"/>
-            </a:endParaRPr>
-          </a:p>
-          <a:p>
-            <a:pPr lvl="1"/>
-            <a:r>
-              <a:rPr lang="es-ES" dirty="0" smtClean="0">
-                <a:sym typeface="Wingdings" panose="05000000000000000000" pitchFamily="2" charset="2"/>
-              </a:rPr>
-              <a:t>Gran c</a:t>
-            </a:r>
-            <a:r>
-              <a:rPr lang="es-ES" dirty="0" smtClean="0">
-                <a:sym typeface="Wingdings" panose="05000000000000000000" pitchFamily="2" charset="2"/>
-              </a:rPr>
-              <a:t>arga de trabajo para el responsable controlar que se rellene bien y enviarlo manualmente siguiendo el orden </a:t>
+              <a:t>Gran carga de trabajo para el responsable controlar que se rellene bien y enviarlo manualmente siguiendo el orden </a:t>
             </a:r>
           </a:p>
           <a:p>
@@ -28999,25 +25344,7 @@
                 </a:solidFill>
                 <a:sym typeface="Wingdings" panose="05000000000000000000" pitchFamily="2" charset="2"/>
               </a:rPr>
-              <a:t>Externa </a:t>
-            </a:r>
-            <a:r>
-              <a:rPr lang="es-ES" dirty="0" smtClean="0">
-                <a:solidFill>
-                  <a:srgbClr val="FF0000"/>
-                </a:solidFill>
-                <a:sym typeface="Wingdings" panose="05000000000000000000" pitchFamily="2" charset="2"/>
-              </a:rPr>
-              <a:t>situacional </a:t>
-            </a:r>
-            <a:r>
-              <a:rPr lang="es-ES" dirty="0" smtClean="0">
-                <a:solidFill>
-                  <a:srgbClr val="FF0000"/>
-                </a:solidFill>
-                <a:sym typeface="Wingdings" panose="05000000000000000000" pitchFamily="2" charset="2"/>
-              </a:rPr>
-              <a:t></a:t>
+              <a:t>Externa situacional </a:t>
             </a:r>
             <a:endParaRPr lang="ca-ES" dirty="0">
               <a:solidFill>
@@ -29273,23 +25600,62 @@
           <a:p>
             <a:r>
               <a:rPr lang="es-ES" dirty="0"/>
-              <a:t>Cada asignatura: créditos ECTS asignados</a:t>
+              <a:t>Cada asignatura: créditos ECTS </a:t>
+            </a:r>
+            <a:r>
+              <a:rPr lang="es-ES" dirty="0" smtClean="0"/>
+              <a:t>asignados</a:t>
+            </a:r>
+          </a:p>
+          <a:p>
+            <a:pPr lvl="1"/>
+            <a:r>
+              <a:rPr lang="es-ES" dirty="0"/>
+              <a:t>A</a:t>
+            </a:r>
+            <a:r>
+              <a:rPr lang="es-ES" dirty="0" smtClean="0"/>
+              <a:t>lumno: 25/30 horas de dedicación</a:t>
             </a:r>
             <a:endParaRPr lang="ca-ES" dirty="0"/>
           </a:p>
           <a:p>
             <a:pPr lvl="1"/>
             <a:r>
+              <a:rPr lang="ca-ES" dirty="0" smtClean="0"/>
+              <a:t>Profesor:</a:t>
+            </a:r>
+          </a:p>
+          <a:p>
+            <a:pPr lvl="2"/>
+            <a:r>
+              <a:rPr lang="ca-ES" dirty="0" smtClean="0"/>
+              <a:t>Grado</a:t>
+            </a:r>
+            <a:r>
               <a:rPr lang="ca-ES" dirty="0"/>
-              <a:t>Grado: </a:t>
+              <a:t>: </a:t>
+            </a:r>
+            <a:r>
+              <a:rPr lang="ca-ES" dirty="0" smtClean="0"/>
+              <a:t>10 horas de enseñanza</a:t>
+            </a:r>
+            <a:endParaRPr lang="ca-ES" dirty="0"/>
+          </a:p>
+          <a:p>
+            <a:pPr lvl="2"/>
+            <a:r>
+              <a:rPr lang="ca-ES" dirty="0"/>
+              <a:t>Máster</a:t>
+            </a:r>
+            <a:r>
+              <a:rPr lang="ca-ES" dirty="0" smtClean="0"/>
+              <a:t>: 9 horas de enseñanza</a:t>
             </a:r>
           </a:p>
           <a:p>
             <a:pPr lvl="1"/>
-            <a:r>
-              <a:rPr lang="ca-ES" dirty="0"/>
-              <a:t>Máster:</a:t>
-            </a:r>
+            <a:endParaRPr lang="ca-ES" dirty="0"/>
           </a:p>
           <a:p>
             <a:r>
@@ -29303,22 +25669,32 @@
             <a:r>
               <a:rPr lang="es-ES" dirty="0" smtClean="0"/>
               <a:t> contratados</a:t>
+            </a:r>
+          </a:p>
+          <a:p>
+            <a:pPr lvl="1"/>
+            <a:r>
+              <a:rPr lang="es-ES" dirty="0" smtClean="0"/>
+              <a:t>1 </a:t>
+            </a:r>
+            <a:r>
+              <a:rPr lang="es-ES" dirty="0" smtClean="0"/>
+              <a:t>crédito </a:t>
+            </a:r>
+            <a:r>
+              <a:rPr lang="es-ES" dirty="0" smtClean="0"/>
+              <a:t>ECTS = 3 </a:t>
+            </a:r>
+            <a:r>
+              <a:rPr lang="es-ES" dirty="0" err="1" smtClean="0"/>
+              <a:t>PADs</a:t>
             </a:r>
             <a:endParaRPr lang="es-ES" dirty="0" smtClean="0"/>
           </a:p>
           <a:p>
-            <a:pPr lvl="1"/>
-            <a:r>
-              <a:rPr lang="es-ES" dirty="0" smtClean="0"/>
-              <a:t>3 PAD = 1 crédito ECTS</a:t>
-            </a:r>
-          </a:p>
-          <a:p>
-            <a:pPr lvl="1"/>
-            <a:endParaRPr lang="es-ES" dirty="0"/>
-          </a:p>
-          <a:p>
-            <a:pPr lvl="1"/>
+            <a:pPr marL="324000" lvl="1" indent="0">
+              <a:buNone/>
+            </a:pPr>
             <a:endParaRPr lang="es-ES" dirty="0" smtClean="0"/>
           </a:p>
           <a:p>
@@ -29418,41 +25794,213 @@
           <a:lstStyle/>
           <a:p>
             <a:r>
-              <a:rPr lang="es-ES" dirty="0" smtClean="0"/>
-              <a:t>ALCANCE</a:t>
+              <a:rPr lang="es-ES" dirty="0" err="1" smtClean="0"/>
+              <a:t>ObjetiVOs</a:t>
             </a:r>
             <a:endParaRPr lang="ca-ES" dirty="0"/>
           </a:p>
         </p:txBody>
       </p:sp>
-      <p:graphicFrame>
-        <p:nvGraphicFramePr>
-          <p:cNvPr id="5" name="Marcador de contenido 4"/>
-          <p:cNvGraphicFramePr>
-            <a:graphicFrameLocks noGrp="1"/>
-          </p:cNvGraphicFramePr>
+      <p:sp>
+        <p:nvSpPr>
+          <p:cNvPr id="3" name="Marcador de contenido 2"/>
+          <p:cNvSpPr>
+            <a:spLocks noGrp="1"/>
+          </p:cNvSpPr>
           <p:nvPr>
             <p:ph idx="1"/>
-            <p:extLst>
-              <p:ext uri="{D42A27DB-BD31-4B8C-83A1-F6EECF244321}">
-                <p14:modId xmlns:p14="http://schemas.microsoft.com/office/powerpoint/2010/main" val="436868861"/>
-              </p:ext>
-            </p:extLst>
           </p:nvPr>
-        </p:nvGraphicFramePr>
-        <p:xfrm>
-          <a:off x="580858" y="2181225"/>
-          <a:ext cx="11029950" cy="3678238"/>
-        </p:xfrm>
-        <a:graphic>
-          <a:graphicData uri="http://schemas.openxmlformats.org/drawingml/2006/diagram">
-            <dgm:relIds xmlns:dgm="http://schemas.openxmlformats.org/drawingml/2006/diagram" xmlns:r="http://schemas.openxmlformats.org/officeDocument/2006/relationships" r:dm="rId2" r:lo="rId3" r:qs="rId4" r:cs="rId5"/>
-          </a:graphicData>
-        </a:graphic>
-      </p:graphicFrame>
+        </p:nvSpPr>
+        <p:spPr>
+          <a:xfrm>
+            <a:off x="581192" y="2180496"/>
+            <a:ext cx="11123128" cy="3678303"/>
+          </a:xfrm>
+        </p:spPr>
+        <p:txBody>
+          <a:bodyPr>
+            <a:normAutofit/>
+          </a:bodyPr>
+          <a:lstStyle/>
+          <a:p>
+            <a:pPr marL="0" indent="0">
+              <a:buNone/>
+            </a:pPr>
+            <a:endParaRPr lang="en-US" dirty="0"/>
+          </a:p>
+          <a:p>
+            <a:r>
+              <a:rPr lang="en-US" dirty="0" err="1" smtClean="0"/>
+              <a:t>Conseguir</a:t>
+            </a:r>
+            <a:r>
+              <a:rPr lang="en-US" dirty="0" smtClean="0"/>
+              <a:t> </a:t>
+            </a:r>
+            <a:r>
+              <a:rPr lang="en-US" dirty="0" err="1" smtClean="0"/>
+              <a:t>una</a:t>
+            </a:r>
+            <a:r>
+              <a:rPr lang="en-US" dirty="0" smtClean="0"/>
+              <a:t> </a:t>
+            </a:r>
+            <a:r>
+              <a:rPr lang="en-US" dirty="0" err="1" smtClean="0"/>
+              <a:t>aplicación</a:t>
+            </a:r>
+            <a:r>
+              <a:rPr lang="en-US" dirty="0" smtClean="0"/>
+              <a:t> </a:t>
+            </a:r>
+            <a:r>
+              <a:rPr lang="en-US" dirty="0"/>
+              <a:t> web </a:t>
+            </a:r>
+            <a:r>
+              <a:rPr lang="en-US" dirty="0" smtClean="0"/>
+              <a:t> </a:t>
+            </a:r>
+            <a:r>
+              <a:rPr lang="en-US" dirty="0" err="1" smtClean="0"/>
+              <a:t>intuitiva</a:t>
+            </a:r>
+            <a:r>
+              <a:rPr lang="en-US" dirty="0" smtClean="0"/>
+              <a:t> </a:t>
+            </a:r>
+            <a:r>
+              <a:rPr lang="en-US" dirty="0" err="1" smtClean="0"/>
+              <a:t>que</a:t>
+            </a:r>
+            <a:r>
+              <a:rPr lang="en-US" dirty="0" smtClean="0"/>
+              <a:t> </a:t>
+            </a:r>
+            <a:r>
+              <a:rPr lang="en-US" dirty="0" err="1" smtClean="0"/>
+              <a:t>haga</a:t>
+            </a:r>
+            <a:r>
+              <a:rPr lang="en-US" dirty="0" smtClean="0"/>
+              <a:t> el </a:t>
+            </a:r>
+            <a:r>
+              <a:rPr lang="en-US" dirty="0" err="1" smtClean="0"/>
+              <a:t>proceso</a:t>
+            </a:r>
+            <a:r>
+              <a:rPr lang="en-US" dirty="0" smtClean="0"/>
+              <a:t> </a:t>
+            </a:r>
+            <a:r>
+              <a:rPr lang="en-US" dirty="0" err="1" smtClean="0"/>
+              <a:t>más</a:t>
+            </a:r>
+            <a:r>
+              <a:rPr lang="en-US" dirty="0" smtClean="0"/>
+              <a:t> </a:t>
+            </a:r>
+            <a:r>
+              <a:rPr lang="en-US" dirty="0" err="1" smtClean="0"/>
+              <a:t>facil</a:t>
+            </a:r>
+            <a:r>
+              <a:rPr lang="en-US" dirty="0" smtClean="0"/>
+              <a:t> y </a:t>
+            </a:r>
+            <a:r>
+              <a:rPr lang="en-US" dirty="0" err="1" smtClean="0"/>
+              <a:t>rápido</a:t>
+            </a:r>
+            <a:r>
+              <a:rPr lang="en-US" dirty="0" smtClean="0"/>
+              <a:t>.</a:t>
+            </a:r>
+            <a:endParaRPr lang="ca-ES" dirty="0" smtClean="0"/>
+          </a:p>
+        </p:txBody>
+      </p:sp>
       <p:sp>
         <p:nvSpPr>
-          <p:cNvPr id="3" name="Marcador de número de diapositiva 2"/>
+          <p:cNvPr id="5" name="CuadroTexto 4"/>
+          <p:cNvSpPr txBox="1"/>
+          <p:nvPr/>
+        </p:nvSpPr>
+        <p:spPr>
+          <a:xfrm>
+            <a:off x="1265536" y="2325126"/>
+            <a:ext cx="9754439" cy="769441"/>
+          </a:xfrm>
+          <a:prstGeom prst="rect">
+            <a:avLst/>
+          </a:prstGeom>
+          <a:ln w="28575">
+            <a:solidFill>
+              <a:srgbClr val="5ECCF3"/>
+            </a:solidFill>
+          </a:ln>
+        </p:spPr>
+        <p:style>
+          <a:lnRef idx="1">
+            <a:schemeClr val="accent1"/>
+          </a:lnRef>
+          <a:fillRef idx="1002">
+            <a:schemeClr val="lt1"/>
+          </a:fillRef>
+          <a:effectRef idx="1">
+            <a:schemeClr val="accent1"/>
+          </a:effectRef>
+          <a:fontRef idx="minor">
+            <a:schemeClr val="dk1"/>
+          </a:fontRef>
+        </p:style>
+        <p:txBody>
+          <a:bodyPr wrap="square" rtlCol="0">
+            <a:spAutoFit/>
+          </a:bodyPr>
+          <a:lstStyle/>
+          <a:p>
+            <a:pPr defTabSz="457200">
+              <a:spcBef>
+                <a:spcPct val="20000"/>
+              </a:spcBef>
+              <a:spcAft>
+                <a:spcPts val="600"/>
+              </a:spcAft>
+              <a:buClr>
+                <a:schemeClr val="accent2"/>
+              </a:buClr>
+              <a:buSzPct val="92000"/>
+            </a:pPr>
+            <a:r>
+              <a:rPr lang="ca-ES" sz="2200" dirty="0" smtClean="0">
+                <a:solidFill>
+                  <a:schemeClr val="tx2"/>
+                </a:solidFill>
+              </a:rPr>
+              <a:t>Creación de una herramienta web que satisfaga una necesidad en el departamento de electrónica en la ETSEIB para </a:t>
+            </a:r>
+            <a:r>
+              <a:rPr lang="ca-ES" sz="2200" dirty="0" smtClean="0">
+                <a:solidFill>
+                  <a:schemeClr val="tx2"/>
+                </a:solidFill>
+                <a:sym typeface="Wingdings" panose="05000000000000000000" pitchFamily="2" charset="2"/>
+              </a:rPr>
+              <a:t>la gestión del encargo docente</a:t>
+            </a:r>
+            <a:endParaRPr lang="ca-ES" sz="2200" dirty="0">
+              <a:solidFill>
+                <a:schemeClr val="tx2"/>
+              </a:solidFill>
+            </a:endParaRPr>
+          </a:p>
+        </p:txBody>
+      </p:sp>
+      <p:sp>
+        <p:nvSpPr>
+          <p:cNvPr id="4" name="Marcador de número de diapositiva 3"/>
           <p:cNvSpPr>
             <a:spLocks noGrp="1"/>
           </p:cNvSpPr>
@@ -29481,7 +26029,7 @@
     </p:spTree>
     <p:extLst>
       <p:ext uri="{BB962C8B-B14F-4D97-AF65-F5344CB8AC3E}">
-        <p14:creationId xmlns:p14="http://schemas.microsoft.com/office/powerpoint/2010/main" val="286477785"/>
+        <p14:creationId xmlns:p14="http://schemas.microsoft.com/office/powerpoint/2010/main" val="2090342008"/>
       </p:ext>
     </p:extLst>
   </p:cSld>
@@ -29531,8 +26079,8 @@
           <a:lstStyle/>
           <a:p>
             <a:r>
-              <a:rPr lang="es-ES" dirty="0" err="1" smtClean="0"/>
-              <a:t>Objectius</a:t>
+              <a:rPr lang="es-ES" dirty="0" smtClean="0"/>
+              <a:t>ALCANCE</a:t>
             </a:r>
             <a:endParaRPr lang="ca-ES" dirty="0"/>
           </a:p>
@@ -29540,192 +26088,7 @@
       </p:sp>
       <p:sp>
         <p:nvSpPr>
-          <p:cNvPr id="3" name="Marcador de contenido 2"/>
-          <p:cNvSpPr>
-            <a:spLocks noGrp="1"/>
-          </p:cNvSpPr>
-          <p:nvPr>
-            <p:ph idx="1"/>
-          </p:nvPr>
-        </p:nvSpPr>
-        <p:spPr>
-          <a:xfrm>
-            <a:off x="581192" y="2180496"/>
-            <a:ext cx="11123128" cy="3678303"/>
-          </a:xfrm>
-        </p:spPr>
-        <p:txBody>
-          <a:bodyPr>
-            <a:normAutofit/>
-          </a:bodyPr>
-          <a:lstStyle/>
-          <a:p>
-            <a:endParaRPr lang="ca-ES" dirty="0" smtClean="0"/>
-          </a:p>
-          <a:p>
-            <a:r>
-              <a:rPr lang="ca-ES" dirty="0" smtClean="0"/>
-              <a:t>Disseny, implementació i validació preliminar d’una </a:t>
-            </a:r>
-            <a:r>
-              <a:rPr lang="ca-ES" dirty="0" err="1" smtClean="0"/>
-              <a:t>app</a:t>
-            </a:r>
-            <a:r>
-              <a:rPr lang="ca-ES" dirty="0" smtClean="0"/>
-              <a:t> mòbil multilingüe</a:t>
-            </a:r>
-            <a:r>
-              <a:rPr lang="ca-ES" dirty="0" smtClean="0">
-                <a:sym typeface="Wingdings" panose="05000000000000000000" pitchFamily="2" charset="2"/>
-              </a:rPr>
-              <a:t> que permeti passar el qüestionari </a:t>
-            </a:r>
-            <a:r>
-              <a:rPr lang="ca-ES" dirty="0" smtClean="0"/>
-              <a:t>IPSAQ</a:t>
-            </a:r>
-          </a:p>
-          <a:p>
-            <a:r>
-              <a:rPr lang="ca-ES" dirty="0" smtClean="0"/>
-              <a:t>Disseny i implementació d’una </a:t>
-            </a:r>
-            <a:r>
-              <a:rPr lang="ca-ES" dirty="0" err="1" smtClean="0"/>
-              <a:t>app</a:t>
-            </a:r>
-            <a:r>
-              <a:rPr lang="ca-ES" dirty="0" smtClean="0"/>
-              <a:t> web multilingüe </a:t>
-            </a:r>
-            <a:r>
-              <a:rPr lang="ca-ES" dirty="0" smtClean="0">
-                <a:sym typeface="Wingdings" panose="05000000000000000000" pitchFamily="2" charset="2"/>
-              </a:rPr>
-              <a:t>per a la</a:t>
-            </a:r>
-            <a:r>
-              <a:rPr lang="ca-ES" dirty="0" smtClean="0"/>
-              <a:t> gestió d’usuaris i l’anàlisi de respostes</a:t>
-            </a:r>
-          </a:p>
-          <a:p>
-            <a:r>
-              <a:rPr lang="ca-ES" dirty="0" smtClean="0"/>
-              <a:t>Disseny i implementació d’un servidor </a:t>
-            </a:r>
-            <a:r>
-              <a:rPr lang="ca-ES" dirty="0" smtClean="0">
-                <a:sym typeface="Wingdings" panose="05000000000000000000" pitchFamily="2" charset="2"/>
-              </a:rPr>
-              <a:t>on emmagatzemar les respostes</a:t>
-            </a:r>
-            <a:endParaRPr lang="ca-ES" dirty="0" smtClean="0"/>
-          </a:p>
-          <a:p>
-            <a:r>
-              <a:rPr lang="ca-ES" dirty="0" smtClean="0"/>
-              <a:t>Crear 2 versions de </a:t>
-            </a:r>
-            <a:r>
-              <a:rPr lang="ca-ES" dirty="0" err="1" smtClean="0"/>
-              <a:t>l’app</a:t>
-            </a:r>
-            <a:r>
-              <a:rPr lang="ca-ES" dirty="0" smtClean="0"/>
-              <a:t> mòbil (</a:t>
-            </a:r>
-            <a:r>
-              <a:rPr lang="ca-ES" dirty="0" err="1" smtClean="0"/>
-              <a:t>gamificada</a:t>
-            </a:r>
-            <a:r>
-              <a:rPr lang="ca-ES" dirty="0" smtClean="0"/>
-              <a:t>, no </a:t>
-            </a:r>
-            <a:r>
-              <a:rPr lang="ca-ES" dirty="0" err="1" smtClean="0"/>
-              <a:t>gamificada</a:t>
-            </a:r>
-            <a:r>
-              <a:rPr lang="ca-ES" dirty="0" smtClean="0"/>
-              <a:t>) per analitzar l’efecte de la </a:t>
-            </a:r>
-            <a:r>
-              <a:rPr lang="ca-ES" dirty="0" err="1" smtClean="0"/>
-              <a:t>gamificació</a:t>
-            </a:r>
-            <a:endParaRPr lang="ca-ES" dirty="0"/>
-          </a:p>
-        </p:txBody>
-      </p:sp>
-      <p:sp>
-        <p:nvSpPr>
-          <p:cNvPr id="5" name="CuadroTexto 4"/>
-          <p:cNvSpPr txBox="1"/>
-          <p:nvPr/>
-        </p:nvSpPr>
-        <p:spPr>
-          <a:xfrm>
-            <a:off x="1692812" y="2180496"/>
-            <a:ext cx="8806374" cy="769441"/>
-          </a:xfrm>
-          <a:prstGeom prst="rect">
-            <a:avLst/>
-          </a:prstGeom>
-          <a:ln w="28575">
-            <a:solidFill>
-              <a:srgbClr val="5ECCF3"/>
-            </a:solidFill>
-          </a:ln>
-        </p:spPr>
-        <p:style>
-          <a:lnRef idx="1">
-            <a:schemeClr val="accent1"/>
-          </a:lnRef>
-          <a:fillRef idx="1002">
-            <a:schemeClr val="lt1"/>
-          </a:fillRef>
-          <a:effectRef idx="1">
-            <a:schemeClr val="accent1"/>
-          </a:effectRef>
-          <a:fontRef idx="minor">
-            <a:schemeClr val="dk1"/>
-          </a:fontRef>
-        </p:style>
-        <p:txBody>
-          <a:bodyPr wrap="square" rtlCol="0">
-            <a:spAutoFit/>
-          </a:bodyPr>
-          <a:lstStyle/>
-          <a:p>
-            <a:pPr defTabSz="457200">
-              <a:spcBef>
-                <a:spcPct val="20000"/>
-              </a:spcBef>
-              <a:spcAft>
-                <a:spcPts val="600"/>
-              </a:spcAft>
-              <a:buClr>
-                <a:schemeClr val="accent2"/>
-              </a:buClr>
-              <a:buSzPct val="92000"/>
-            </a:pPr>
-            <a:r>
-              <a:rPr lang="ca-ES" sz="2200" dirty="0">
-                <a:solidFill>
-                  <a:schemeClr val="tx2"/>
-                </a:solidFill>
-              </a:rPr>
-              <a:t>Creació d’un sistema que permeti passar el qüestionari psicològic IPSAQ als pacients des del seu dispositiu mòbil i la recollida automàtica de respostes.</a:t>
-            </a:r>
-          </a:p>
-        </p:txBody>
-      </p:sp>
-      <p:sp>
-        <p:nvSpPr>
-          <p:cNvPr id="4" name="Marcador de número de diapositiva 3"/>
+          <p:cNvPr id="3" name="Marcador de número de diapositiva 2"/>
           <p:cNvSpPr>
             <a:spLocks noGrp="1"/>
           </p:cNvSpPr>
@@ -29751,10 +26114,39 @@
           </a:p>
         </p:txBody>
       </p:sp>
+      <p:sp>
+        <p:nvSpPr>
+          <p:cNvPr id="4" name="Content Placeholder 3"/>
+          <p:cNvSpPr>
+            <a:spLocks noGrp="1"/>
+          </p:cNvSpPr>
+          <p:nvPr>
+            <p:ph idx="1"/>
+          </p:nvPr>
+        </p:nvSpPr>
+        <p:spPr/>
+        <p:txBody>
+          <a:bodyPr/>
+          <a:lstStyle/>
+          <a:p>
+            <a:r>
+              <a:rPr lang="en-US" dirty="0"/>
+              <a:t>The idea of the project is to upload the designed tool in one UPC server, so the professors can access it easily like a normal website. The users will only be able to access to the platform using their credentials that will have been sent by the administrator previously. </a:t>
+            </a:r>
+          </a:p>
+          <a:p>
+            <a:r>
+              <a:rPr lang="en-US" dirty="0"/>
+              <a:t>The web application has been developed for a computer rather than for a smartphone, although it can be accessed through any mobile device, the interface and the whole user experience may not be as intuitive and efficient. In addition, the whole interface will be written in Catalan. </a:t>
+            </a:r>
+            <a:endParaRPr lang="es-ES" dirty="0"/>
+          </a:p>
+        </p:txBody>
+      </p:sp>
     </p:spTree>
     <p:extLst>
       <p:ext uri="{BB962C8B-B14F-4D97-AF65-F5344CB8AC3E}">
-        <p14:creationId xmlns:p14="http://schemas.microsoft.com/office/powerpoint/2010/main" val="2090342008"/>
+        <p14:creationId xmlns:p14="http://schemas.microsoft.com/office/powerpoint/2010/main" val="286477785"/>
       </p:ext>
     </p:extLst>
   </p:cSld>
@@ -29811,35 +26203,6 @@
           </a:p>
         </p:txBody>
       </p:sp>
-      <p:pic>
-        <p:nvPicPr>
-          <p:cNvPr id="4" name="Marcador de contenido 4"/>
-          <p:cNvPicPr>
-            <a:picLocks noGrp="1" noChangeAspect="1"/>
-          </p:cNvPicPr>
-          <p:nvPr>
-            <p:ph idx="1"/>
-          </p:nvPr>
-        </p:nvPicPr>
-        <p:blipFill>
-          <a:blip r:embed="rId2">
-            <a:extLst>
-              <a:ext uri="{28A0092B-C50C-407E-A947-70E740481C1C}">
-                <a14:useLocalDpi xmlns:a14="http://schemas.microsoft.com/office/drawing/2010/main" val="0"/>
-              </a:ext>
-            </a:extLst>
-          </a:blip>
-          <a:stretch>
-            <a:fillRect/>
-          </a:stretch>
-        </p:blipFill>
-        <p:spPr>
-          <a:xfrm>
-            <a:off x="2513301" y="2181225"/>
-            <a:ext cx="7165398" cy="3678238"/>
-          </a:xfrm>
-        </p:spPr>
-      </p:pic>
       <p:sp>
         <p:nvSpPr>
           <p:cNvPr id="3" name="Marcador de número de diapositiva 2"/>
@@ -29865,6 +26228,46 @@
               <a:t>/22</a:t>
             </a:r>
             <a:endParaRPr lang="ca-ES" dirty="0"/>
+          </a:p>
+        </p:txBody>
+      </p:sp>
+      <p:sp>
+        <p:nvSpPr>
+          <p:cNvPr id="9" name="Content Placeholder 8"/>
+          <p:cNvSpPr>
+            <a:spLocks noGrp="1"/>
+          </p:cNvSpPr>
+          <p:nvPr>
+            <p:ph idx="1"/>
+          </p:nvPr>
+        </p:nvSpPr>
+        <p:spPr>
+          <a:xfrm>
+            <a:off x="581193" y="2460396"/>
+            <a:ext cx="11029615" cy="3678303"/>
+          </a:xfrm>
+        </p:spPr>
+        <p:txBody>
+          <a:bodyPr/>
+          <a:lstStyle/>
+          <a:p>
+            <a:r>
+              <a:rPr lang="en-US" dirty="0"/>
+              <a:t>The first alternative is to keep doing it with the Microsoft Excel file. As it has been explained previously, it is not an efficient way to do it and for the person in charge of the task it is not practical at all. </a:t>
+            </a:r>
+          </a:p>
+          <a:p>
+            <a:r>
+              <a:rPr lang="en-US" dirty="0"/>
+              <a:t>Another possible solution in order to improve this way of managing the teaching assignment could be using a shared Excel, like Google Sheets, where the owner of the file can decide which people can see and modify it. The main problem with this method is that everyone can modify it completely, not only specific cells (ideally, each person should be able to only modify the cells about their subjects) and also, it would be more difficult to follow the specified order of choosing and the person in charge would have to be controlling very often that people were doing it in the right way. </a:t>
+            </a:r>
+          </a:p>
+          <a:p>
+            <a:r>
+              <a:rPr lang="en-US" dirty="0"/>
+              <a:t>Then, there is the option that has originated this project, to develop a web application in order to automatize the process and make it faster and easier. </a:t>
+            </a:r>
+            <a:endParaRPr lang="es-ES" dirty="0"/>
           </a:p>
         </p:txBody>
       </p:sp>
@@ -29938,14 +26341,14 @@
             <p:ph idx="1"/>
             <p:extLst>
               <p:ext uri="{D42A27DB-BD31-4B8C-83A1-F6EECF244321}">
-                <p14:modId xmlns:p14="http://schemas.microsoft.com/office/powerpoint/2010/main" val="3411606542"/>
+                <p14:modId xmlns:p14="http://schemas.microsoft.com/office/powerpoint/2010/main" val="2407793303"/>
               </p:ext>
             </p:extLst>
           </p:nvPr>
         </p:nvGraphicFramePr>
         <p:xfrm>
           <a:off x="581025" y="2181225"/>
-          <a:ext cx="11029950" cy="3678238"/>
+          <a:ext cx="7310247" cy="3678238"/>
         </p:xfrm>
         <a:graphic>
           <a:graphicData uri="http://schemas.openxmlformats.org/drawingml/2006/diagram">
@@ -29981,6 +26384,29 @@
           </a:p>
         </p:txBody>
       </p:sp>
+      <p:pic>
+        <p:nvPicPr>
+          <p:cNvPr id="6" name="Picture 5"/>
+          <p:cNvPicPr>
+            <a:picLocks noChangeAspect="1"/>
+          </p:cNvPicPr>
+          <p:nvPr/>
+        </p:nvPicPr>
+        <p:blipFill rotWithShape="1">
+          <a:blip r:embed="rId7"/>
+          <a:srcRect l="2217" t="2275" r="1217"/>
+          <a:stretch/>
+        </p:blipFill>
+        <p:spPr>
+          <a:xfrm>
+            <a:off x="8513064" y="2603977"/>
+            <a:ext cx="2176272" cy="2832734"/>
+          </a:xfrm>
+          <a:prstGeom prst="rect">
+            <a:avLst/>
+          </a:prstGeom>
+        </p:spPr>
+      </p:pic>
     </p:spTree>
     <p:extLst>
       <p:ext uri="{BB962C8B-B14F-4D97-AF65-F5344CB8AC3E}">
@@ -30030,224 +26456,14 @@
         </p:nvSpPr>
         <p:spPr/>
         <p:txBody>
-          <a:bodyPr>
-            <a:normAutofit/>
-          </a:bodyPr>
+          <a:bodyPr/>
           <a:lstStyle/>
           <a:p>
             <a:r>
               <a:rPr lang="es-ES" dirty="0" smtClean="0"/>
-              <a:t>desarrollo</a:t>
+              <a:t>SOLUCIÓN</a:t>
             </a:r>
             <a:endParaRPr lang="ca-ES" dirty="0"/>
-          </a:p>
-        </p:txBody>
-      </p:sp>
-      <p:sp>
-        <p:nvSpPr>
-          <p:cNvPr id="6" name="Marcador de contenido 5"/>
-          <p:cNvSpPr>
-            <a:spLocks noGrp="1"/>
-          </p:cNvSpPr>
-          <p:nvPr>
-            <p:ph idx="1"/>
-          </p:nvPr>
-        </p:nvSpPr>
-        <p:spPr/>
-        <p:txBody>
-          <a:bodyPr>
-            <a:normAutofit/>
-          </a:bodyPr>
-          <a:lstStyle/>
-          <a:p>
-            <a:pPr marL="0" indent="0">
-              <a:buNone/>
-            </a:pPr>
-            <a:r>
-              <a:rPr lang="es-ES" dirty="0" err="1"/>
-              <a:t>Ús</a:t>
-            </a:r>
-            <a:r>
-              <a:rPr lang="es-ES" dirty="0"/>
-              <a:t> per </a:t>
-            </a:r>
-            <a:r>
-              <a:rPr lang="es-ES" dirty="0" err="1"/>
-              <a:t>part</a:t>
-            </a:r>
-            <a:r>
-              <a:rPr lang="es-ES" dirty="0"/>
-              <a:t> </a:t>
-            </a:r>
-            <a:r>
-              <a:rPr lang="es-ES" dirty="0" err="1"/>
-              <a:t>dels</a:t>
-            </a:r>
-            <a:r>
-              <a:rPr lang="es-ES" dirty="0"/>
-              <a:t> </a:t>
-            </a:r>
-            <a:r>
-              <a:rPr lang="es-ES" dirty="0" err="1" smtClean="0"/>
-              <a:t>administradors</a:t>
-            </a:r>
-            <a:endParaRPr lang="es-ES" dirty="0" smtClean="0"/>
-          </a:p>
-          <a:p>
-            <a:pPr marL="0" indent="0">
-              <a:buNone/>
-            </a:pPr>
-            <a:endParaRPr lang="es-ES" dirty="0" smtClean="0"/>
-          </a:p>
-          <a:p>
-            <a:r>
-              <a:rPr lang="es-ES" dirty="0" err="1" smtClean="0"/>
-              <a:t>Gestió</a:t>
-            </a:r>
-            <a:r>
-              <a:rPr lang="es-ES" dirty="0" smtClean="0"/>
-              <a:t> </a:t>
-            </a:r>
-            <a:r>
-              <a:rPr lang="es-ES" dirty="0" err="1" smtClean="0"/>
-              <a:t>d’administradors</a:t>
-            </a:r>
-            <a:r>
-              <a:rPr lang="es-ES" dirty="0" smtClean="0"/>
-              <a:t> (</a:t>
-            </a:r>
-            <a:r>
-              <a:rPr lang="es-ES" dirty="0" err="1" smtClean="0"/>
-              <a:t>psicòlegs</a:t>
-            </a:r>
-            <a:r>
-              <a:rPr lang="es-ES" dirty="0" smtClean="0"/>
-              <a:t>)</a:t>
-            </a:r>
-          </a:p>
-          <a:p>
-            <a:r>
-              <a:rPr lang="es-ES" dirty="0" err="1" smtClean="0"/>
-              <a:t>Gestió</a:t>
-            </a:r>
-            <a:r>
-              <a:rPr lang="es-ES" dirty="0" smtClean="0"/>
-              <a:t> </a:t>
-            </a:r>
-            <a:r>
-              <a:rPr lang="es-ES" dirty="0" err="1"/>
-              <a:t>d’usuaris</a:t>
-            </a:r>
-            <a:r>
-              <a:rPr lang="es-ES" dirty="0"/>
-              <a:t> (</a:t>
-            </a:r>
-            <a:r>
-              <a:rPr lang="es-ES" dirty="0" err="1"/>
-              <a:t>pacients</a:t>
-            </a:r>
-            <a:r>
-              <a:rPr lang="es-ES" dirty="0"/>
-              <a:t>)</a:t>
-            </a:r>
-          </a:p>
-          <a:p>
-            <a:r>
-              <a:rPr lang="es-ES" dirty="0" err="1" smtClean="0"/>
-              <a:t>Gestió</a:t>
-            </a:r>
-            <a:r>
-              <a:rPr lang="es-ES" dirty="0" smtClean="0"/>
-              <a:t> de </a:t>
-            </a:r>
-            <a:r>
-              <a:rPr lang="es-ES" dirty="0" err="1" smtClean="0"/>
-              <a:t>qüestionaris</a:t>
-            </a:r>
-            <a:r>
-              <a:rPr lang="es-ES" dirty="0" smtClean="0"/>
-              <a:t> </a:t>
-            </a:r>
-            <a:r>
-              <a:rPr lang="es-ES" dirty="0" err="1" smtClean="0"/>
-              <a:t>rebuts</a:t>
-            </a:r>
-            <a:endParaRPr lang="es-ES" dirty="0" smtClean="0"/>
-          </a:p>
-          <a:p>
-            <a:r>
-              <a:rPr lang="es-ES" dirty="0" err="1" smtClean="0"/>
-              <a:t>Exportació</a:t>
-            </a:r>
-            <a:r>
-              <a:rPr lang="es-ES" dirty="0" smtClean="0"/>
-              <a:t> de </a:t>
-            </a:r>
-            <a:r>
-              <a:rPr lang="es-ES" dirty="0" err="1" smtClean="0"/>
-              <a:t>qüestionaris</a:t>
-            </a:r>
-            <a:r>
-              <a:rPr lang="es-ES" dirty="0" smtClean="0"/>
-              <a:t> i </a:t>
-            </a:r>
-            <a:r>
-              <a:rPr lang="es-ES" dirty="0" err="1" smtClean="0"/>
-              <a:t>respostes</a:t>
-            </a:r>
-            <a:endParaRPr lang="es-ES" dirty="0" smtClean="0"/>
-          </a:p>
-          <a:p>
-            <a:r>
-              <a:rPr lang="es-ES" dirty="0" smtClean="0"/>
-              <a:t>Multilingüe</a:t>
-            </a:r>
-          </a:p>
-        </p:txBody>
-      </p:sp>
-      <p:sp>
-        <p:nvSpPr>
-          <p:cNvPr id="10" name="Rectángulo 9"/>
-          <p:cNvSpPr/>
-          <p:nvPr/>
-        </p:nvSpPr>
-        <p:spPr>
-          <a:xfrm>
-            <a:off x="581192" y="2652764"/>
-            <a:ext cx="3115597" cy="391886"/>
-          </a:xfrm>
-          <a:prstGeom prst="rect">
-            <a:avLst/>
-          </a:prstGeom>
-          <a:noFill/>
-          <a:ln w="28575">
-            <a:solidFill>
-              <a:srgbClr val="5ECCF3"/>
-            </a:solidFill>
-          </a:ln>
-        </p:spPr>
-        <p:style>
-          <a:lnRef idx="2">
-            <a:schemeClr val="accent1">
-              <a:shade val="50000"/>
-            </a:schemeClr>
-          </a:lnRef>
-          <a:fillRef idx="1">
-            <a:schemeClr val="accent1"/>
-          </a:fillRef>
-          <a:effectRef idx="0">
-            <a:schemeClr val="accent1"/>
-          </a:effectRef>
-          <a:fontRef idx="minor">
-            <a:schemeClr val="lt1"/>
-          </a:fontRef>
-        </p:style>
-        <p:txBody>
-          <a:bodyPr rtlCol="0" anchor="ctr"/>
-          <a:lstStyle/>
-          <a:p>
-            <a:pPr algn="ctr"/>
-            <a:endParaRPr lang="ca-ES"/>
           </a:p>
         </p:txBody>
       </p:sp>
@@ -30279,10 +26495,99 @@
           </a:p>
         </p:txBody>
       </p:sp>
+      <p:sp>
+        <p:nvSpPr>
+          <p:cNvPr id="4" name="Content Placeholder 3"/>
+          <p:cNvSpPr>
+            <a:spLocks noGrp="1"/>
+          </p:cNvSpPr>
+          <p:nvPr>
+            <p:ph idx="1"/>
+          </p:nvPr>
+        </p:nvSpPr>
+        <p:spPr>
+          <a:xfrm>
+            <a:off x="672633" y="2266504"/>
+            <a:ext cx="11029615" cy="3678303"/>
+          </a:xfrm>
+        </p:spPr>
+        <p:txBody>
+          <a:bodyPr/>
+          <a:lstStyle/>
+          <a:p>
+            <a:r>
+              <a:rPr lang="es-ES" dirty="0" smtClean="0"/>
+              <a:t>Aplicación web:</a:t>
+            </a:r>
+          </a:p>
+          <a:p>
+            <a:pPr lvl="1"/>
+            <a:r>
+              <a:rPr lang="es-ES" dirty="0" smtClean="0"/>
+              <a:t>Front </a:t>
+            </a:r>
+            <a:r>
+              <a:rPr lang="es-ES" dirty="0" err="1" smtClean="0"/>
+              <a:t>end</a:t>
+            </a:r>
+            <a:endParaRPr lang="es-ES" dirty="0" smtClean="0"/>
+          </a:p>
+          <a:p>
+            <a:pPr lvl="1"/>
+            <a:endParaRPr lang="es-ES" dirty="0"/>
+          </a:p>
+          <a:p>
+            <a:pPr lvl="1"/>
+            <a:endParaRPr lang="es-ES" dirty="0" smtClean="0"/>
+          </a:p>
+          <a:p>
+            <a:pPr marL="324000" lvl="1" indent="0">
+              <a:buNone/>
+            </a:pPr>
+            <a:endParaRPr lang="es-ES" dirty="0" smtClean="0"/>
+          </a:p>
+          <a:p>
+            <a:pPr lvl="1"/>
+            <a:r>
+              <a:rPr lang="es-ES" dirty="0" smtClean="0"/>
+              <a:t>Back </a:t>
+            </a:r>
+            <a:r>
+              <a:rPr lang="es-ES" dirty="0" err="1" smtClean="0"/>
+              <a:t>end</a:t>
+            </a:r>
+            <a:endParaRPr lang="es-ES" dirty="0"/>
+          </a:p>
+        </p:txBody>
+      </p:sp>
+      <p:pic>
+        <p:nvPicPr>
+          <p:cNvPr id="7" name="Picture 6"/>
+          <p:cNvPicPr>
+            <a:picLocks noChangeAspect="1"/>
+          </p:cNvPicPr>
+          <p:nvPr/>
+        </p:nvPicPr>
+        <p:blipFill>
+          <a:blip r:embed="rId2"/>
+          <a:stretch>
+            <a:fillRect/>
+          </a:stretch>
+        </p:blipFill>
+        <p:spPr>
+          <a:xfrm>
+            <a:off x="1140403" y="3681806"/>
+            <a:ext cx="2271150" cy="847700"/>
+          </a:xfrm>
+          <a:prstGeom prst="rect">
+            <a:avLst/>
+          </a:prstGeom>
+        </p:spPr>
+      </p:pic>
     </p:spTree>
     <p:extLst>
       <p:ext uri="{BB962C8B-B14F-4D97-AF65-F5344CB8AC3E}">
-        <p14:creationId xmlns:p14="http://schemas.microsoft.com/office/powerpoint/2010/main" val="723141527"/>
+        <p14:creationId xmlns:p14="http://schemas.microsoft.com/office/powerpoint/2010/main" val="3592212386"/>
       </p:ext>
     </p:extLst>
   </p:cSld>

--- a/tfg_presentacio.pptx
+++ b/tfg_presentacio.pptx
@@ -5,7 +5,7 @@
     <p:sldMasterId id="2147484032" r:id="rId1"/>
   </p:sldMasterIdLst>
   <p:notesMasterIdLst>
-    <p:notesMasterId r:id="rId22"/>
+    <p:notesMasterId r:id="rId20"/>
   </p:notesMasterIdLst>
   <p:sldIdLst>
     <p:sldId id="256" r:id="rId2"/>
@@ -20,14 +20,12 @@
     <p:sldId id="289" r:id="rId11"/>
     <p:sldId id="264" r:id="rId12"/>
     <p:sldId id="290" r:id="rId13"/>
-    <p:sldId id="291" r:id="rId14"/>
-    <p:sldId id="292" r:id="rId15"/>
-    <p:sldId id="278" r:id="rId16"/>
-    <p:sldId id="270" r:id="rId17"/>
-    <p:sldId id="271" r:id="rId18"/>
-    <p:sldId id="274" r:id="rId19"/>
-    <p:sldId id="293" r:id="rId20"/>
-    <p:sldId id="272" r:id="rId21"/>
+    <p:sldId id="278" r:id="rId14"/>
+    <p:sldId id="270" r:id="rId15"/>
+    <p:sldId id="271" r:id="rId16"/>
+    <p:sldId id="274" r:id="rId17"/>
+    <p:sldId id="291" r:id="rId18"/>
+    <p:sldId id="272" r:id="rId19"/>
   </p:sldIdLst>
   <p:sldSz cx="12192000" cy="6858000"/>
   <p:notesSz cx="6858000" cy="9144000"/>
@@ -128,7 +126,18 @@
   </p:defaultTextStyle>
   <p:extLst>
     <p:ext uri="{EFAFB233-063F-42B5-8137-9DF3F51BA10A}">
-      <p15:sldGuideLst xmlns:p15="http://schemas.microsoft.com/office/powerpoint/2012/main"/>
+      <p15:sldGuideLst xmlns:p15="http://schemas.microsoft.com/office/powerpoint/2012/main">
+        <p15:guide id="1" orient="horz" pos="2160">
+          <p15:clr>
+            <a:srgbClr val="A4A3A4"/>
+          </p15:clr>
+        </p15:guide>
+        <p15:guide id="2" pos="3840">
+          <p15:clr>
+            <a:srgbClr val="A4A3A4"/>
+          </p15:clr>
+        </p15:guide>
+      </p15:sldGuideLst>
     </p:ext>
   </p:extLst>
 </p:presentation>
@@ -1006,7 +1015,7 @@
         </a:p>
       </dgm:t>
     </dgm:pt>
-    <dgm:pt modelId="{E3B36F13-C95B-439B-A653-FDD9A530DB7E}">
+    <dgm:pt modelId="{C2C0682B-492B-4354-BD03-E1EA6DA555E8}">
       <dgm:prSet phldrT="[Texto]"/>
       <dgm:spPr/>
       <dgm:t>
@@ -1021,7 +1030,7 @@
         </a:p>
       </dgm:t>
     </dgm:pt>
-    <dgm:pt modelId="{D1FBA947-3738-4BD1-ABCF-43807572AE30}" type="parTrans" cxnId="{8362E16F-D58A-4D3A-BD9F-858A2C6F6FDE}">
+    <dgm:pt modelId="{67A2491E-F9C5-4351-B80F-84E9656D565F}" type="parTrans" cxnId="{192427F5-871E-443B-93F2-55ECBA4CB858}">
       <dgm:prSet/>
       <dgm:spPr/>
       <dgm:t>
@@ -1032,7 +1041,7 @@
         </a:p>
       </dgm:t>
     </dgm:pt>
-    <dgm:pt modelId="{283A1F31-1E31-4DF6-9219-F79784FA3C54}" type="sibTrans" cxnId="{8362E16F-D58A-4D3A-BD9F-858A2C6F6FDE}">
+    <dgm:pt modelId="{957C5811-416D-4E0B-BF02-A352885BC917}" type="sibTrans" cxnId="{192427F5-871E-443B-93F2-55ECBA4CB858}">
       <dgm:prSet/>
       <dgm:spPr/>
       <dgm:t>
@@ -1095,7 +1104,7 @@
       </dgm:t>
     </dgm:pt>
     <dgm:pt modelId="{ABD3C4A2-111C-4AE8-98A9-E78ACB0A510B}" type="pres">
-      <dgm:prSet presAssocID="{1B0363D8-0367-4F48-AB19-B0D674DCBDFD}" presName="parentText" presStyleLbl="node1" presStyleIdx="0" presStyleCnt="1" custScaleX="85496" custScaleY="88374">
+      <dgm:prSet presAssocID="{1B0363D8-0367-4F48-AB19-B0D674DCBDFD}" presName="parentText" presStyleLbl="node1" presStyleIdx="0" presStyleCnt="1">
         <dgm:presLayoutVars>
           <dgm:chMax val="1"/>
           <dgm:bulletEnabled val="1"/>
@@ -1112,18 +1121,18 @@
     </dgm:pt>
   </dgm:ptLst>
   <dgm:cxnLst>
+    <dgm:cxn modelId="{192427F5-871E-443B-93F2-55ECBA4CB858}" srcId="{1B0363D8-0367-4F48-AB19-B0D674DCBDFD}" destId="{C2C0682B-492B-4354-BD03-E1EA6DA555E8}" srcOrd="2" destOrd="0" parTransId="{67A2491E-F9C5-4351-B80F-84E9656D565F}" sibTransId="{957C5811-416D-4E0B-BF02-A352885BC917}"/>
+    <dgm:cxn modelId="{A7E289DE-95CB-41C9-988C-64DB30688CD0}" type="presOf" srcId="{1B0363D8-0367-4F48-AB19-B0D674DCBDFD}" destId="{ABD3C4A2-111C-4AE8-98A9-E78ACB0A510B}" srcOrd="0" destOrd="0" presId="urn:microsoft.com/office/officeart/2005/8/layout/hProcess6"/>
+    <dgm:cxn modelId="{1D4D93EA-01AA-4B26-AAE0-65094AC07F3A}" type="presOf" srcId="{8CFA3F15-CDB4-4E87-8C55-796BC5BC2ACE}" destId="{D8C8F20A-58BC-4560-8401-C5EB3186DAFF}" srcOrd="0" destOrd="0" presId="urn:microsoft.com/office/officeart/2005/8/layout/hProcess6"/>
+    <dgm:cxn modelId="{0192BC3B-3D76-40CB-9486-FC8A36592C3E}" srcId="{8CFA3F15-CDB4-4E87-8C55-796BC5BC2ACE}" destId="{1B0363D8-0367-4F48-AB19-B0D674DCBDFD}" srcOrd="0" destOrd="0" parTransId="{AC984062-FED2-446B-9345-AE1FC5C0DF38}" sibTransId="{A296782E-A11C-4918-A49A-70940DC2FD1C}"/>
+    <dgm:cxn modelId="{9DA822CB-5DC0-4615-A74A-7361C42345BE}" type="presOf" srcId="{7839A93D-C4F4-4C0B-975E-7898EEA1093D}" destId="{457D56E9-BABF-4DAA-B00A-0413EC3B98F0}" srcOrd="0" destOrd="0" presId="urn:microsoft.com/office/officeart/2005/8/layout/hProcess6"/>
+    <dgm:cxn modelId="{6768F2BA-9F47-4C9A-B172-3A9FF06DBB2D}" srcId="{1B0363D8-0367-4F48-AB19-B0D674DCBDFD}" destId="{7839A93D-C4F4-4C0B-975E-7898EEA1093D}" srcOrd="0" destOrd="0" parTransId="{52C6D2CE-61A0-4C52-AEF1-F3D81A751664}" sibTransId="{30731B15-C810-4AE0-B11E-00AA438E4042}"/>
+    <dgm:cxn modelId="{1AD7A617-7584-4D9C-A99B-2A9E1734FF74}" type="presOf" srcId="{301F2220-A48B-4EE8-B86A-728339E365F3}" destId="{049AFD20-6B73-47B9-AC83-32D61B685470}" srcOrd="1" destOrd="1" presId="urn:microsoft.com/office/officeart/2005/8/layout/hProcess6"/>
     <dgm:cxn modelId="{692A4DEC-21F5-42B6-B79A-2D60FDF97423}" type="presOf" srcId="{7839A93D-C4F4-4C0B-975E-7898EEA1093D}" destId="{049AFD20-6B73-47B9-AC83-32D61B685470}" srcOrd="1" destOrd="0" presId="urn:microsoft.com/office/officeart/2005/8/layout/hProcess6"/>
-    <dgm:cxn modelId="{A7E289DE-95CB-41C9-988C-64DB30688CD0}" type="presOf" srcId="{1B0363D8-0367-4F48-AB19-B0D674DCBDFD}" destId="{ABD3C4A2-111C-4AE8-98A9-E78ACB0A510B}" srcOrd="0" destOrd="0" presId="urn:microsoft.com/office/officeart/2005/8/layout/hProcess6"/>
-    <dgm:cxn modelId="{6768F2BA-9F47-4C9A-B172-3A9FF06DBB2D}" srcId="{1B0363D8-0367-4F48-AB19-B0D674DCBDFD}" destId="{7839A93D-C4F4-4C0B-975E-7898EEA1093D}" srcOrd="0" destOrd="0" parTransId="{52C6D2CE-61A0-4C52-AEF1-F3D81A751664}" sibTransId="{30731B15-C810-4AE0-B11E-00AA438E4042}"/>
-    <dgm:cxn modelId="{9DA822CB-5DC0-4615-A74A-7361C42345BE}" type="presOf" srcId="{7839A93D-C4F4-4C0B-975E-7898EEA1093D}" destId="{457D56E9-BABF-4DAA-B00A-0413EC3B98F0}" srcOrd="0" destOrd="0" presId="urn:microsoft.com/office/officeart/2005/8/layout/hProcess6"/>
-    <dgm:cxn modelId="{1AD7A617-7584-4D9C-A99B-2A9E1734FF74}" type="presOf" srcId="{301F2220-A48B-4EE8-B86A-728339E365F3}" destId="{049AFD20-6B73-47B9-AC83-32D61B685470}" srcOrd="1" destOrd="1" presId="urn:microsoft.com/office/officeart/2005/8/layout/hProcess6"/>
-    <dgm:cxn modelId="{8362E16F-D58A-4D3A-BD9F-858A2C6F6FDE}" srcId="{1B0363D8-0367-4F48-AB19-B0D674DCBDFD}" destId="{E3B36F13-C95B-439B-A653-FDD9A530DB7E}" srcOrd="2" destOrd="0" parTransId="{D1FBA947-3738-4BD1-ABCF-43807572AE30}" sibTransId="{283A1F31-1E31-4DF6-9219-F79784FA3C54}"/>
-    <dgm:cxn modelId="{0192BC3B-3D76-40CB-9486-FC8A36592C3E}" srcId="{8CFA3F15-CDB4-4E87-8C55-796BC5BC2ACE}" destId="{1B0363D8-0367-4F48-AB19-B0D674DCBDFD}" srcOrd="0" destOrd="0" parTransId="{AC984062-FED2-446B-9345-AE1FC5C0DF38}" sibTransId="{A296782E-A11C-4918-A49A-70940DC2FD1C}"/>
-    <dgm:cxn modelId="{1D4D93EA-01AA-4B26-AAE0-65094AC07F3A}" type="presOf" srcId="{8CFA3F15-CDB4-4E87-8C55-796BC5BC2ACE}" destId="{D8C8F20A-58BC-4560-8401-C5EB3186DAFF}" srcOrd="0" destOrd="0" presId="urn:microsoft.com/office/officeart/2005/8/layout/hProcess6"/>
+    <dgm:cxn modelId="{41B6446F-B455-48ED-8E76-ED1F0E8A138C}" type="presOf" srcId="{C2C0682B-492B-4354-BD03-E1EA6DA555E8}" destId="{457D56E9-BABF-4DAA-B00A-0413EC3B98F0}" srcOrd="0" destOrd="2" presId="urn:microsoft.com/office/officeart/2005/8/layout/hProcess6"/>
+    <dgm:cxn modelId="{A0AFFE47-4587-4345-B3AB-6067EA3E67B2}" type="presOf" srcId="{C2C0682B-492B-4354-BD03-E1EA6DA555E8}" destId="{049AFD20-6B73-47B9-AC83-32D61B685470}" srcOrd="1" destOrd="2" presId="urn:microsoft.com/office/officeart/2005/8/layout/hProcess6"/>
+    <dgm:cxn modelId="{C165C8B3-8DC5-4978-AB69-53851A6C7EC6}" type="presOf" srcId="{301F2220-A48B-4EE8-B86A-728339E365F3}" destId="{457D56E9-BABF-4DAA-B00A-0413EC3B98F0}" srcOrd="0" destOrd="1" presId="urn:microsoft.com/office/officeart/2005/8/layout/hProcess6"/>
     <dgm:cxn modelId="{27FADA3E-5163-497D-ABA3-2BD98D95C714}" srcId="{1B0363D8-0367-4F48-AB19-B0D674DCBDFD}" destId="{301F2220-A48B-4EE8-B86A-728339E365F3}" srcOrd="1" destOrd="0" parTransId="{70C99F6C-E755-456F-B49D-02EC45016A4D}" sibTransId="{080682DF-4572-4030-961F-E679A8343956}"/>
-    <dgm:cxn modelId="{72F3F5CC-C001-4D33-B649-299DC8AB2F29}" type="presOf" srcId="{E3B36F13-C95B-439B-A653-FDD9A530DB7E}" destId="{049AFD20-6B73-47B9-AC83-32D61B685470}" srcOrd="1" destOrd="2" presId="urn:microsoft.com/office/officeart/2005/8/layout/hProcess6"/>
-    <dgm:cxn modelId="{F7F0F1C5-0B02-4A4E-B33B-AB67D2E998D9}" type="presOf" srcId="{E3B36F13-C95B-439B-A653-FDD9A530DB7E}" destId="{457D56E9-BABF-4DAA-B00A-0413EC3B98F0}" srcOrd="0" destOrd="2" presId="urn:microsoft.com/office/officeart/2005/8/layout/hProcess6"/>
-    <dgm:cxn modelId="{C165C8B3-8DC5-4978-AB69-53851A6C7EC6}" type="presOf" srcId="{301F2220-A48B-4EE8-B86A-728339E365F3}" destId="{457D56E9-BABF-4DAA-B00A-0413EC3B98F0}" srcOrd="0" destOrd="1" presId="urn:microsoft.com/office/officeart/2005/8/layout/hProcess6"/>
     <dgm:cxn modelId="{EE68230C-F14F-47E8-81B5-B891E14EDDAB}" type="presParOf" srcId="{D8C8F20A-58BC-4560-8401-C5EB3186DAFF}" destId="{9CDB8CE9-970D-4AE0-A1DF-2C7E56965002}" srcOrd="0" destOrd="0" presId="urn:microsoft.com/office/officeart/2005/8/layout/hProcess6"/>
     <dgm:cxn modelId="{FA3F609F-8449-41FA-9A4F-EF910B56AF75}" type="presParOf" srcId="{9CDB8CE9-970D-4AE0-A1DF-2C7E56965002}" destId="{7A84F4C7-3A45-467C-B0B2-6AD99C65961A}" srcOrd="0" destOrd="0" presId="urn:microsoft.com/office/officeart/2005/8/layout/hProcess6"/>
     <dgm:cxn modelId="{2239C11D-D862-4AC7-A696-D0C1EDB8907D}" type="presParOf" srcId="{9CDB8CE9-970D-4AE0-A1DF-2C7E56965002}" destId="{457D56E9-BABF-4DAA-B00A-0413EC3B98F0}" srcOrd="1" destOrd="0" presId="urn:microsoft.com/office/officeart/2005/8/layout/hProcess6"/>
@@ -1276,8 +1285,8 @@
       </dsp:nvSpPr>
       <dsp:spPr>
         <a:xfrm>
-          <a:off x="1012601" y="909445"/>
-          <a:ext cx="1798794" cy="1859346"/>
+          <a:off x="860023" y="787142"/>
+          <a:ext cx="2103952" cy="2103952"/>
         </a:xfrm>
         <a:prstGeom prst="ellipse">
           <a:avLst/>
@@ -1318,12 +1327,12 @@
         </a:fontRef>
       </dsp:style>
       <dsp:txBody>
-        <a:bodyPr spcFirstLastPara="0" vert="horz" wrap="square" lIns="14605" tIns="14605" rIns="14605" bIns="14605" numCol="1" spcCol="1270" anchor="ctr" anchorCtr="0">
+        <a:bodyPr spcFirstLastPara="0" vert="horz" wrap="square" lIns="17145" tIns="17145" rIns="17145" bIns="17145" numCol="1" spcCol="1270" anchor="ctr" anchorCtr="0">
           <a:noAutofit/>
         </a:bodyPr>
         <a:lstStyle/>
         <a:p>
-          <a:pPr lvl="0" algn="ctr" defTabSz="1022350">
+          <a:pPr lvl="0" algn="ctr" defTabSz="1200150">
             <a:lnSpc>
               <a:spcPct val="90000"/>
             </a:lnSpc>
@@ -1335,15 +1344,15 @@
             </a:spcAft>
           </a:pPr>
           <a:r>
-            <a:rPr lang="es-ES" sz="2300" kern="1200" dirty="0" smtClean="0"/>
+            <a:rPr lang="es-ES" sz="2700" kern="1200" dirty="0" smtClean="0"/>
             <a:t>Aplicación web</a:t>
           </a:r>
-          <a:endParaRPr lang="es-ES" sz="2300" kern="1200" dirty="0"/>
+          <a:endParaRPr lang="es-ES" sz="2700" kern="1200" dirty="0"/>
         </a:p>
       </dsp:txBody>
       <dsp:txXfrm>
-        <a:off x="1276028" y="1181740"/>
-        <a:ext cx="1271940" cy="1314756"/>
+        <a:off x="1168140" y="1095259"/>
+        <a:ext cx="1487718" cy="1487718"/>
       </dsp:txXfrm>
     </dsp:sp>
   </dsp:spTree>
@@ -7315,416 +7324,78 @@
         </p:spPr>
         <p:txBody>
           <a:bodyPr>
-            <a:normAutofit/>
+            <a:normAutofit fontScale="62500" lnSpcReduction="20000"/>
           </a:bodyPr>
           <a:lstStyle/>
           <a:p>
             <a:r>
-              <a:rPr lang="en-US" dirty="0" err="1" smtClean="0"/>
-              <a:t>Profesores</a:t>
-            </a:r>
-            <a:r>
-              <a:rPr lang="en-US" dirty="0" smtClean="0"/>
-              <a:t>: </a:t>
-            </a:r>
-            <a:r>
-              <a:rPr lang="en-US" dirty="0" err="1" smtClean="0"/>
-              <a:t>Iniciar</a:t>
-            </a:r>
-            <a:r>
-              <a:rPr lang="en-US" dirty="0" smtClean="0"/>
-              <a:t> </a:t>
-            </a:r>
-            <a:r>
-              <a:rPr lang="en-US" dirty="0" err="1" smtClean="0"/>
-              <a:t>sesión</a:t>
-            </a:r>
-            <a:r>
-              <a:rPr lang="en-US" dirty="0" smtClean="0"/>
-              <a:t> con </a:t>
-            </a:r>
-            <a:r>
-              <a:rPr lang="en-US" dirty="0" smtClean="0"/>
-              <a:t>email y DNI </a:t>
-            </a:r>
-            <a:r>
-              <a:rPr lang="en-US" dirty="0" err="1" smtClean="0"/>
-              <a:t>como</a:t>
-            </a:r>
-            <a:r>
-              <a:rPr lang="en-US" dirty="0" smtClean="0"/>
-              <a:t> </a:t>
-            </a:r>
-            <a:r>
-              <a:rPr lang="en-US" dirty="0" err="1" smtClean="0"/>
-              <a:t>contraseña</a:t>
-            </a:r>
-            <a:r>
-              <a:rPr lang="en-US" dirty="0" smtClean="0"/>
-              <a:t>.</a:t>
-            </a:r>
-            <a:endParaRPr lang="en-US" dirty="0"/>
-          </a:p>
-          <a:p>
-            <a:r>
-              <a:rPr lang="en-US" dirty="0" err="1" smtClean="0"/>
-              <a:t>Usuario</a:t>
-            </a:r>
-            <a:r>
-              <a:rPr lang="en-US" dirty="0" smtClean="0"/>
-              <a:t> </a:t>
-            </a:r>
-            <a:r>
-              <a:rPr lang="en-US" dirty="0" err="1" smtClean="0"/>
-              <a:t>administrador</a:t>
-            </a:r>
-            <a:r>
-              <a:rPr lang="en-US" dirty="0" smtClean="0"/>
-              <a:t> para </a:t>
-            </a:r>
-            <a:r>
-              <a:rPr lang="en-US" dirty="0" err="1" smtClean="0"/>
-              <a:t>gestionar</a:t>
-            </a:r>
-            <a:r>
-              <a:rPr lang="en-US" dirty="0" smtClean="0"/>
-              <a:t> la </a:t>
-            </a:r>
-            <a:r>
-              <a:rPr lang="en-US" dirty="0" err="1" smtClean="0"/>
-              <a:t>herramienta</a:t>
-            </a:r>
-            <a:r>
-              <a:rPr lang="en-US" dirty="0" smtClean="0"/>
-              <a:t>.</a:t>
-            </a:r>
-          </a:p>
-          <a:p>
-            <a:r>
-              <a:rPr lang="en-US" dirty="0" err="1" smtClean="0"/>
-              <a:t>Subir</a:t>
-            </a:r>
-            <a:r>
-              <a:rPr lang="en-US" dirty="0" smtClean="0"/>
-              <a:t> </a:t>
-            </a:r>
-            <a:r>
-              <a:rPr lang="en-US" dirty="0" err="1" smtClean="0"/>
-              <a:t>archivos</a:t>
-            </a:r>
-            <a:r>
-              <a:rPr lang="en-US" dirty="0" smtClean="0"/>
-              <a:t> CSV para </a:t>
-            </a:r>
-            <a:r>
-              <a:rPr lang="en-US" dirty="0" err="1" smtClean="0"/>
-              <a:t>crear</a:t>
-            </a:r>
-            <a:r>
-              <a:rPr lang="en-US" dirty="0" smtClean="0"/>
-              <a:t> la base de </a:t>
-            </a:r>
-            <a:r>
-              <a:rPr lang="en-US" dirty="0" err="1" smtClean="0"/>
-              <a:t>datos</a:t>
-            </a:r>
-            <a:r>
-              <a:rPr lang="en-US" dirty="0" smtClean="0"/>
-              <a:t>.</a:t>
-            </a:r>
+              <a:rPr lang="en-US" dirty="0"/>
+              <a:t>Allow the professors to log in with their corresponding credentials. The idea is that all the professors of the department can log in with their email and DNI number, which will be their password. </a:t>
+            </a:r>
+          </a:p>
+          <a:p>
+            <a:r>
+              <a:rPr lang="en-US" dirty="0"/>
+              <a:t>- Have an administrator user that can manage the web tool. This person has to be able to create, edit and delete users and subjects. </a:t>
+            </a:r>
+          </a:p>
+          <a:p>
+            <a:r>
+              <a:rPr lang="en-US" dirty="0"/>
+              <a:t>- Upload the files with the needed information of the professors and subjects in order to create a database. The file has to be in CSV format (comma-separated values file, each line of the file is a data record. Each record consists of one or more fields, Development of a computer-based tool to manage via web the teaching assignment </a:t>
+            </a:r>
+            <a:r>
+              <a:rPr lang="en-US" dirty="0" err="1"/>
+              <a:t>Pag</a:t>
+            </a:r>
+            <a:r>
+              <a:rPr lang="en-US" dirty="0"/>
+              <a:t>. 17 </a:t>
+            </a:r>
+          </a:p>
+          <a:p>
             <a:endParaRPr lang="es-ES" dirty="0"/>
           </a:p>
           <a:p>
             <a:r>
-              <a:rPr lang="en-US" dirty="0" err="1" smtClean="0"/>
-              <a:t>Permitir</a:t>
-            </a:r>
-            <a:r>
-              <a:rPr lang="en-US" dirty="0" smtClean="0"/>
-              <a:t> al </a:t>
-            </a:r>
-            <a:r>
-              <a:rPr lang="en-US" dirty="0" err="1" smtClean="0"/>
-              <a:t>equipo</a:t>
-            </a:r>
-            <a:r>
-              <a:rPr lang="en-US" dirty="0" smtClean="0"/>
-              <a:t> </a:t>
-            </a:r>
-            <a:r>
-              <a:rPr lang="en-US" dirty="0" err="1" smtClean="0"/>
-              <a:t>docente</a:t>
-            </a:r>
-            <a:r>
-              <a:rPr lang="en-US" dirty="0" smtClean="0"/>
-              <a:t> </a:t>
-            </a:r>
-            <a:r>
-              <a:rPr lang="en-US" dirty="0" err="1" smtClean="0"/>
-              <a:t>escoger</a:t>
-            </a:r>
-            <a:r>
-              <a:rPr lang="en-US" dirty="0" smtClean="0"/>
-              <a:t> </a:t>
-            </a:r>
-            <a:r>
-              <a:rPr lang="en-US" dirty="0" err="1" smtClean="0"/>
-              <a:t>asignaturas</a:t>
-            </a:r>
-            <a:r>
-              <a:rPr lang="en-US" dirty="0" smtClean="0"/>
-              <a:t> para </a:t>
-            </a:r>
-            <a:r>
-              <a:rPr lang="en-US" dirty="0" err="1" smtClean="0"/>
-              <a:t>imaprtir</a:t>
-            </a:r>
-            <a:r>
-              <a:rPr lang="en-US" dirty="0" smtClean="0"/>
-              <a:t> el </a:t>
-            </a:r>
-            <a:r>
-              <a:rPr lang="en-US" dirty="0" err="1" smtClean="0"/>
-              <a:t>siguiente</a:t>
-            </a:r>
-            <a:r>
-              <a:rPr lang="en-US" dirty="0" smtClean="0"/>
-              <a:t> </a:t>
-            </a:r>
-            <a:r>
-              <a:rPr lang="en-US" dirty="0" err="1" smtClean="0"/>
-              <a:t>curso</a:t>
-            </a:r>
-            <a:r>
-              <a:rPr lang="en-US" dirty="0" smtClean="0"/>
-              <a:t> </a:t>
-            </a:r>
-            <a:r>
-              <a:rPr lang="en-US" dirty="0" err="1" smtClean="0"/>
-              <a:t>académico</a:t>
-            </a:r>
-            <a:r>
-              <a:rPr lang="en-US" dirty="0" smtClean="0"/>
-              <a:t>.-</a:t>
-            </a:r>
-          </a:p>
-          <a:p>
-            <a:r>
-              <a:rPr lang="en-US" dirty="0" err="1" smtClean="0"/>
-              <a:t>Mostrar</a:t>
-            </a:r>
-            <a:r>
-              <a:rPr lang="en-US" dirty="0" smtClean="0"/>
-              <a:t> la </a:t>
-            </a:r>
-            <a:r>
-              <a:rPr lang="en-US" dirty="0" err="1" smtClean="0"/>
-              <a:t>situación</a:t>
-            </a:r>
-            <a:r>
-              <a:rPr lang="en-US" dirty="0" smtClean="0"/>
-              <a:t> actua</a:t>
-            </a:r>
-            <a:r>
-              <a:rPr lang="en-US" dirty="0" smtClean="0"/>
-              <a:t>l de </a:t>
-            </a:r>
-            <a:r>
-              <a:rPr lang="en-US" dirty="0" err="1" smtClean="0"/>
-              <a:t>ocupación</a:t>
-            </a:r>
-            <a:r>
-              <a:rPr lang="en-US" dirty="0" smtClean="0"/>
-              <a:t> de </a:t>
-            </a:r>
-            <a:r>
-              <a:rPr lang="en-US" dirty="0" err="1" smtClean="0"/>
-              <a:t>asignaturas</a:t>
-            </a:r>
-            <a:r>
-              <a:rPr lang="en-US" dirty="0" smtClean="0"/>
-              <a:t>.</a:t>
-            </a:r>
-            <a:endParaRPr lang="en-US" dirty="0"/>
-          </a:p>
-          <a:p>
-            <a:r>
-              <a:rPr lang="en-US" dirty="0" err="1" smtClean="0"/>
-              <a:t>Mostrar</a:t>
-            </a:r>
-            <a:r>
-              <a:rPr lang="en-US" dirty="0" smtClean="0"/>
-              <a:t> </a:t>
-            </a:r>
-            <a:r>
-              <a:rPr lang="en-US" dirty="0" err="1" smtClean="0"/>
-              <a:t>distribución</a:t>
-            </a:r>
-            <a:r>
-              <a:rPr lang="en-US" dirty="0" smtClean="0"/>
-              <a:t> de </a:t>
-            </a:r>
-            <a:r>
-              <a:rPr lang="en-US" dirty="0" err="1" smtClean="0"/>
-              <a:t>grupos</a:t>
-            </a:r>
-            <a:r>
-              <a:rPr lang="en-US" dirty="0" smtClean="0"/>
-              <a:t> </a:t>
-            </a:r>
-            <a:r>
-              <a:rPr lang="en-US" dirty="0" err="1" smtClean="0"/>
-              <a:t>por</a:t>
-            </a:r>
-            <a:r>
-              <a:rPr lang="en-US" dirty="0" smtClean="0"/>
-              <a:t> </a:t>
-            </a:r>
-            <a:r>
-              <a:rPr lang="en-US" dirty="0" err="1" smtClean="0"/>
-              <a:t>profesores</a:t>
-            </a:r>
-            <a:r>
-              <a:rPr lang="en-US" dirty="0" smtClean="0"/>
-              <a:t>.</a:t>
-            </a:r>
-          </a:p>
-          <a:p>
-            <a:r>
-              <a:rPr lang="en-US" dirty="0" err="1" smtClean="0"/>
-              <a:t>Tener</a:t>
-            </a:r>
-            <a:r>
-              <a:rPr lang="en-US" dirty="0" smtClean="0"/>
-              <a:t> en </a:t>
-            </a:r>
-            <a:r>
-              <a:rPr lang="en-US" dirty="0" err="1" smtClean="0"/>
-              <a:t>cuenta</a:t>
-            </a:r>
-            <a:r>
-              <a:rPr lang="en-US" dirty="0" smtClean="0"/>
-              <a:t> el </a:t>
-            </a:r>
-            <a:r>
-              <a:rPr lang="en-US" dirty="0" err="1" smtClean="0"/>
-              <a:t>orden</a:t>
-            </a:r>
-            <a:r>
-              <a:rPr lang="en-US" dirty="0" smtClean="0"/>
-              <a:t> de </a:t>
-            </a:r>
-            <a:r>
-              <a:rPr lang="en-US" dirty="0" err="1" smtClean="0"/>
-              <a:t>prioridad</a:t>
-            </a:r>
-            <a:r>
-              <a:rPr lang="en-US" dirty="0" smtClean="0"/>
-              <a:t> para </a:t>
-            </a:r>
-            <a:r>
-              <a:rPr lang="en-US" dirty="0" err="1" smtClean="0"/>
-              <a:t>escoger</a:t>
-            </a:r>
-            <a:r>
-              <a:rPr lang="en-US" dirty="0" smtClean="0"/>
-              <a:t>.</a:t>
-            </a:r>
-          </a:p>
-          <a:p>
-            <a:r>
-              <a:rPr lang="en-US" dirty="0" err="1" smtClean="0"/>
-              <a:t>Envío</a:t>
-            </a:r>
-            <a:r>
-              <a:rPr lang="en-US" dirty="0" smtClean="0"/>
-              <a:t> automatic de mails para </a:t>
-            </a:r>
-            <a:r>
-              <a:rPr lang="en-US" dirty="0" err="1" smtClean="0"/>
-              <a:t>avisar</a:t>
-            </a:r>
-            <a:r>
-              <a:rPr lang="en-US" dirty="0" smtClean="0"/>
-              <a:t> a los </a:t>
-            </a:r>
-            <a:r>
-              <a:rPr lang="en-US" dirty="0" err="1" smtClean="0"/>
-              <a:t>profesores</a:t>
-            </a:r>
-            <a:r>
-              <a:rPr lang="en-US" dirty="0" smtClean="0"/>
-              <a:t> </a:t>
-            </a:r>
-            <a:r>
-              <a:rPr lang="en-US" dirty="0" err="1" smtClean="0"/>
-              <a:t>que</a:t>
-            </a:r>
-            <a:r>
-              <a:rPr lang="en-US" dirty="0" smtClean="0"/>
-              <a:t> </a:t>
-            </a:r>
-            <a:r>
-              <a:rPr lang="en-US" dirty="0" err="1" smtClean="0"/>
-              <a:t>ya</a:t>
-            </a:r>
-            <a:r>
-              <a:rPr lang="en-US" dirty="0" smtClean="0"/>
-              <a:t> </a:t>
-            </a:r>
-            <a:r>
-              <a:rPr lang="en-US" dirty="0" err="1" smtClean="0"/>
-              <a:t>pueden</a:t>
-            </a:r>
-            <a:r>
-              <a:rPr lang="en-US" dirty="0" smtClean="0"/>
-              <a:t> </a:t>
-            </a:r>
-            <a:r>
-              <a:rPr lang="en-US" dirty="0" err="1" smtClean="0"/>
-              <a:t>escoger</a:t>
-            </a:r>
-            <a:r>
-              <a:rPr lang="en-US" dirty="0" smtClean="0"/>
-              <a:t>.</a:t>
-            </a:r>
-          </a:p>
-          <a:p>
-            <a:r>
-              <a:rPr lang="en-US" dirty="0" err="1" smtClean="0"/>
-              <a:t>Descargar</a:t>
-            </a:r>
-            <a:r>
-              <a:rPr lang="en-US" dirty="0" smtClean="0"/>
-              <a:t> </a:t>
-            </a:r>
-            <a:r>
-              <a:rPr lang="en-US" dirty="0" err="1" smtClean="0"/>
-              <a:t>fichero</a:t>
-            </a:r>
-            <a:r>
-              <a:rPr lang="en-US" dirty="0" smtClean="0"/>
-              <a:t> Excel con </a:t>
-            </a:r>
-            <a:r>
-              <a:rPr lang="en-US" dirty="0" err="1" smtClean="0"/>
-              <a:t>toda</a:t>
-            </a:r>
-            <a:r>
-              <a:rPr lang="en-US" dirty="0" smtClean="0"/>
-              <a:t> la </a:t>
-            </a:r>
-            <a:r>
-              <a:rPr lang="en-US" dirty="0" err="1" smtClean="0"/>
-              <a:t>informaci</a:t>
-            </a:r>
-            <a:r>
-              <a:rPr lang="en-US" dirty="0" err="1" smtClean="0"/>
-              <a:t>ón</a:t>
-            </a:r>
-            <a:r>
-              <a:rPr lang="en-US" dirty="0" smtClean="0"/>
-              <a:t>.</a:t>
+              <a:rPr lang="en-US" dirty="0"/>
+              <a:t>separated by commas) with a determined number of columns specified in the web page. </a:t>
+            </a:r>
+          </a:p>
+          <a:p>
+            <a:r>
+              <a:rPr lang="en-US" dirty="0"/>
+              <a:t>- Allow the teaching staff to choose their teaching groups for the next academic year. </a:t>
+            </a:r>
+          </a:p>
+          <a:p>
+            <a:r>
+              <a:rPr lang="en-US" dirty="0"/>
+              <a:t>- Show the current situation of group occupation. The users have to be able to check if there are available groups for all the subjects in every moment and which groups they have selected. </a:t>
+            </a:r>
+          </a:p>
+          <a:p>
+            <a:r>
+              <a:rPr lang="en-US" dirty="0"/>
+              <a:t>- Show the group distribution. The professors have to be able to check what the other professors have chosen. </a:t>
+            </a:r>
+          </a:p>
+          <a:p>
+            <a:r>
+              <a:rPr lang="en-US" dirty="0"/>
+              <a:t>- Take into account the established criteria for choosing according to the seniority in the school. The administrator has to be able to change the order if needed. </a:t>
+            </a:r>
+          </a:p>
+          <a:p>
+            <a:r>
+              <a:rPr lang="en-US" dirty="0"/>
+              <a:t>- Send automatic emails to let the professors know when they can start choosing their academic preferences. </a:t>
+            </a:r>
+          </a:p>
+          <a:p>
+            <a:r>
+              <a:rPr lang="en-US" dirty="0"/>
+              <a:t>- Download the information in Microsoft Excel format in order to see more clearly the information and distribute it if needed. </a:t>
             </a:r>
             <a:endParaRPr lang="es-ES" dirty="0"/>
           </a:p>
@@ -7863,16 +7534,16 @@
           </a:p>
           <a:p>
             <a:r>
-              <a:rPr lang="en-US" b="1" dirty="0" err="1" smtClean="0"/>
+              <a:rPr lang="en-US" dirty="0" smtClean="0"/>
+              <a:t> </a:t>
+            </a:r>
+            <a:r>
+              <a:rPr lang="en-US" b="1" dirty="0" err="1"/>
               <a:t>Github</a:t>
             </a:r>
             <a:r>
-              <a:rPr lang="en-US" b="1" dirty="0" smtClean="0"/>
-              <a:t> </a:t>
-            </a:r>
-            <a:r>
               <a:rPr lang="en-US" b="1" dirty="0"/>
-              <a:t>Desktop </a:t>
+              <a:t> Desktop </a:t>
             </a:r>
             <a:r>
               <a:rPr lang="en-US" b="1" dirty="0" smtClean="0"/>
@@ -7998,8 +7669,8 @@
         </p:blipFill>
         <p:spPr>
           <a:xfrm>
-            <a:off x="1353651" y="2563146"/>
-            <a:ext cx="9484697" cy="2545801"/>
+            <a:off x="2817844" y="3080871"/>
+            <a:ext cx="7068376" cy="1897233"/>
           </a:xfrm>
           <a:prstGeom prst="rect">
             <a:avLst/>
@@ -8031,82 +7702,6 @@
               <a:t>/22</a:t>
             </a:r>
             <a:endParaRPr lang="ca-ES" dirty="0"/>
-          </a:p>
-        </p:txBody>
-      </p:sp>
-      <p:sp>
-        <p:nvSpPr>
-          <p:cNvPr id="5" name="TextBox 4"/>
-          <p:cNvSpPr txBox="1"/>
-          <p:nvPr/>
-        </p:nvSpPr>
-        <p:spPr>
-          <a:xfrm>
-            <a:off x="1289643" y="2118064"/>
-            <a:ext cx="3648117" cy="369332"/>
-          </a:xfrm>
-          <a:prstGeom prst="rect">
-            <a:avLst/>
-          </a:prstGeom>
-          <a:noFill/>
-        </p:spPr>
-        <p:txBody>
-          <a:bodyPr wrap="square" rtlCol="0">
-            <a:spAutoFit/>
-          </a:bodyPr>
-          <a:lstStyle/>
-          <a:p>
-            <a:pPr marL="306000" indent="-306000" defTabSz="457200">
-              <a:spcBef>
-                <a:spcPct val="20000"/>
-              </a:spcBef>
-              <a:spcAft>
-                <a:spcPts val="600"/>
-              </a:spcAft>
-              <a:buClr>
-                <a:schemeClr val="accent2"/>
-              </a:buClr>
-              <a:buSzPct val="92000"/>
-              <a:buFont typeface="Wingdings 2" panose="05020102010507070707" pitchFamily="18" charset="2"/>
-              <a:buChar char=""/>
-            </a:pPr>
-            <a:r>
-              <a:rPr lang="es-ES" dirty="0">
-                <a:solidFill>
-                  <a:schemeClr val="tx2"/>
-                </a:solidFill>
-              </a:rPr>
-              <a:t>Base de </a:t>
-            </a:r>
-            <a:r>
-              <a:rPr lang="es-ES" dirty="0">
-                <a:solidFill>
-                  <a:schemeClr val="tx2"/>
-                </a:solidFill>
-              </a:rPr>
-              <a:t>datos</a:t>
-            </a:r>
-            <a:r>
-              <a:rPr lang="es-ES" dirty="0">
-                <a:solidFill>
-                  <a:schemeClr val="tx2"/>
-                </a:solidFill>
-              </a:rPr>
-              <a:t> </a:t>
-            </a:r>
-            <a:r>
-              <a:rPr lang="es-ES" dirty="0" err="1">
-                <a:solidFill>
-                  <a:schemeClr val="tx2"/>
-                </a:solidFill>
-              </a:rPr>
-              <a:t>tfg</a:t>
-            </a:r>
-            <a:endParaRPr lang="es-ES" dirty="0">
-              <a:solidFill>
-                <a:schemeClr val="tx2"/>
-              </a:solidFill>
-            </a:endParaRPr>
           </a:p>
         </p:txBody>
       </p:sp>
@@ -8159,14 +7754,12 @@
         </p:nvSpPr>
         <p:spPr/>
         <p:txBody>
-          <a:bodyPr>
-            <a:normAutofit/>
-          </a:bodyPr>
+          <a:bodyPr/>
           <a:lstStyle/>
           <a:p>
             <a:r>
               <a:rPr lang="es-ES" dirty="0" smtClean="0"/>
-              <a:t>Desarrollo – Base de datos</a:t>
+              <a:t>Casos De uso</a:t>
             </a:r>
             <a:endParaRPr lang="ca-ES" dirty="0"/>
           </a:p>
@@ -8202,188 +7795,26 @@
       </p:sp>
       <p:sp>
         <p:nvSpPr>
-          <p:cNvPr id="5" name="TextBox 4"/>
-          <p:cNvSpPr txBox="1"/>
-          <p:nvPr/>
-        </p:nvSpPr>
-        <p:spPr>
-          <a:xfrm>
-            <a:off x="1289643" y="2118064"/>
-            <a:ext cx="3648117" cy="2416046"/>
-          </a:xfrm>
-          <a:prstGeom prst="rect">
-            <a:avLst/>
-          </a:prstGeom>
-          <a:noFill/>
-        </p:spPr>
-        <p:txBody>
-          <a:bodyPr wrap="square" rtlCol="0">
-            <a:spAutoFit/>
-          </a:bodyPr>
+          <p:cNvPr id="6" name="Content Placeholder 5"/>
+          <p:cNvSpPr>
+            <a:spLocks noGrp="1"/>
+          </p:cNvSpPr>
+          <p:nvPr>
+            <p:ph idx="1"/>
+          </p:nvPr>
+        </p:nvSpPr>
+        <p:spPr/>
+        <p:txBody>
+          <a:bodyPr/>
           <a:lstStyle/>
           <a:p>
-            <a:pPr marL="306000" indent="-306000" defTabSz="457200">
-              <a:spcBef>
-                <a:spcPct val="20000"/>
-              </a:spcBef>
-              <a:spcAft>
-                <a:spcPts val="600"/>
-              </a:spcAft>
-              <a:buClr>
-                <a:schemeClr val="accent2"/>
-              </a:buClr>
-              <a:buSzPct val="92000"/>
-              <a:buFont typeface="Wingdings 2" panose="05020102010507070707" pitchFamily="18" charset="2"/>
-              <a:buChar char=""/>
-            </a:pPr>
-            <a:r>
-              <a:rPr lang="es-ES" dirty="0" smtClean="0">
-                <a:solidFill>
-                  <a:schemeClr val="tx2"/>
-                </a:solidFill>
-              </a:rPr>
-              <a:t>Tabla </a:t>
-            </a:r>
-            <a:r>
-              <a:rPr lang="es-ES" dirty="0" err="1" smtClean="0">
-                <a:solidFill>
-                  <a:schemeClr val="tx2"/>
-                </a:solidFill>
-              </a:rPr>
-              <a:t>Professors</a:t>
-            </a:r>
-            <a:endParaRPr lang="es-ES" dirty="0" smtClean="0">
-              <a:solidFill>
-                <a:schemeClr val="tx2"/>
-              </a:solidFill>
-            </a:endParaRPr>
-          </a:p>
-          <a:p>
-            <a:pPr marL="306000" indent="-306000" defTabSz="457200">
-              <a:spcBef>
-                <a:spcPct val="20000"/>
-              </a:spcBef>
-              <a:spcAft>
-                <a:spcPts val="600"/>
-              </a:spcAft>
-              <a:buClr>
-                <a:schemeClr val="accent2"/>
-              </a:buClr>
-              <a:buSzPct val="92000"/>
-              <a:buFont typeface="Wingdings 2" panose="05020102010507070707" pitchFamily="18" charset="2"/>
-              <a:buChar char=""/>
-            </a:pPr>
-            <a:endParaRPr lang="es-ES" dirty="0">
-              <a:solidFill>
-                <a:schemeClr val="tx2"/>
-              </a:solidFill>
-            </a:endParaRPr>
-          </a:p>
-          <a:p>
-            <a:pPr marL="306000" indent="-306000" defTabSz="457200">
-              <a:spcBef>
-                <a:spcPct val="20000"/>
-              </a:spcBef>
-              <a:spcAft>
-                <a:spcPts val="600"/>
-              </a:spcAft>
-              <a:buClr>
-                <a:schemeClr val="accent2"/>
-              </a:buClr>
-              <a:buSzPct val="92000"/>
-              <a:buFont typeface="Wingdings 2" panose="05020102010507070707" pitchFamily="18" charset="2"/>
-              <a:buChar char=""/>
-            </a:pPr>
-            <a:endParaRPr lang="es-ES" dirty="0" smtClean="0">
-              <a:solidFill>
-                <a:schemeClr val="tx2"/>
-              </a:solidFill>
-            </a:endParaRPr>
-          </a:p>
-          <a:p>
-            <a:pPr marL="306000" indent="-306000" defTabSz="457200">
-              <a:spcBef>
-                <a:spcPct val="20000"/>
-              </a:spcBef>
-              <a:spcAft>
-                <a:spcPts val="600"/>
-              </a:spcAft>
-              <a:buClr>
-                <a:schemeClr val="accent2"/>
-              </a:buClr>
-              <a:buSzPct val="92000"/>
-              <a:buFont typeface="Wingdings 2" panose="05020102010507070707" pitchFamily="18" charset="2"/>
-              <a:buChar char=""/>
-            </a:pPr>
-            <a:endParaRPr lang="es-ES" dirty="0">
-              <a:solidFill>
-                <a:schemeClr val="tx2"/>
-              </a:solidFill>
-            </a:endParaRPr>
-          </a:p>
-          <a:p>
-            <a:pPr marL="306000" indent="-306000" defTabSz="457200">
-              <a:spcBef>
-                <a:spcPct val="20000"/>
-              </a:spcBef>
-              <a:spcAft>
-                <a:spcPts val="600"/>
-              </a:spcAft>
-              <a:buClr>
-                <a:schemeClr val="accent2"/>
-              </a:buClr>
-              <a:buSzPct val="92000"/>
-              <a:buFont typeface="Wingdings 2" panose="05020102010507070707" pitchFamily="18" charset="2"/>
-              <a:buChar char=""/>
-            </a:pPr>
-            <a:endParaRPr lang="es-ES" dirty="0" smtClean="0">
-              <a:solidFill>
-                <a:schemeClr val="tx2"/>
-              </a:solidFill>
-            </a:endParaRPr>
-          </a:p>
-          <a:p>
-            <a:pPr marL="306000" indent="-306000" defTabSz="457200">
-              <a:spcBef>
-                <a:spcPct val="20000"/>
-              </a:spcBef>
-              <a:spcAft>
-                <a:spcPts val="600"/>
-              </a:spcAft>
-              <a:buClr>
-                <a:schemeClr val="accent2"/>
-              </a:buClr>
-              <a:buSzPct val="92000"/>
-              <a:buFont typeface="Wingdings 2" panose="05020102010507070707" pitchFamily="18" charset="2"/>
-              <a:buChar char=""/>
-            </a:pPr>
-            <a:r>
-              <a:rPr lang="es-ES" dirty="0" smtClean="0">
-                <a:solidFill>
-                  <a:schemeClr val="tx2"/>
-                </a:solidFill>
-              </a:rPr>
-              <a:t>Tabla </a:t>
-            </a:r>
-            <a:r>
-              <a:rPr lang="es-ES" dirty="0" err="1" smtClean="0">
-                <a:solidFill>
-                  <a:schemeClr val="tx2"/>
-                </a:solidFill>
-              </a:rPr>
-              <a:t>Assignatures</a:t>
-            </a:r>
-            <a:endParaRPr lang="es-ES" dirty="0">
-              <a:solidFill>
-                <a:schemeClr val="tx2"/>
-              </a:solidFill>
-            </a:endParaRPr>
+            <a:endParaRPr lang="es-ES" dirty="0"/>
           </a:p>
         </p:txBody>
       </p:sp>
       <p:pic>
         <p:nvPicPr>
-          <p:cNvPr id="6" name="Picture 5"/>
+          <p:cNvPr id="7" name="Picture 6"/>
           <p:cNvPicPr>
             <a:picLocks noChangeAspect="1"/>
           </p:cNvPicPr>
@@ -8397,32 +7828,8 @@
         </p:blipFill>
         <p:spPr>
           <a:xfrm>
-            <a:off x="1987954" y="2688074"/>
-            <a:ext cx="8088076" cy="951500"/>
-          </a:xfrm>
-          <a:prstGeom prst="rect">
-            <a:avLst/>
-          </a:prstGeom>
-        </p:spPr>
-      </p:pic>
-      <p:pic>
-        <p:nvPicPr>
-          <p:cNvPr id="8" name="Picture 7"/>
-          <p:cNvPicPr>
-            <a:picLocks noChangeAspect="1"/>
-          </p:cNvPicPr>
-          <p:nvPr/>
-        </p:nvPicPr>
-        <p:blipFill>
-          <a:blip r:embed="rId3"/>
-          <a:stretch>
-            <a:fillRect/>
-          </a:stretch>
-        </p:blipFill>
-        <p:spPr>
-          <a:xfrm>
-            <a:off x="1987954" y="4677386"/>
-            <a:ext cx="2966400" cy="853467"/>
+            <a:off x="4381049" y="1911732"/>
+            <a:ext cx="3429900" cy="4226967"/>
           </a:xfrm>
           <a:prstGeom prst="rect">
             <a:avLst/>
@@ -8432,7 +7839,7 @@
     </p:spTree>
     <p:extLst>
       <p:ext uri="{BB962C8B-B14F-4D97-AF65-F5344CB8AC3E}">
-        <p14:creationId xmlns:p14="http://schemas.microsoft.com/office/powerpoint/2010/main" val="569568457"/>
+        <p14:creationId xmlns:p14="http://schemas.microsoft.com/office/powerpoint/2010/main" val="2410747244"/>
       </p:ext>
     </p:extLst>
   </p:cSld>
@@ -8478,135 +7885,119 @@
         </p:nvSpPr>
         <p:spPr/>
         <p:txBody>
-          <a:bodyPr>
-            <a:normAutofit/>
-          </a:bodyPr>
-          <a:lstStyle/>
-          <a:p>
-            <a:r>
-              <a:rPr lang="es-ES" dirty="0" smtClean="0"/>
-              <a:t>Desarrollo – Base de datos</a:t>
-            </a:r>
-            <a:endParaRPr lang="ca-ES" dirty="0"/>
-          </a:p>
-        </p:txBody>
-      </p:sp>
-      <p:sp>
-        <p:nvSpPr>
-          <p:cNvPr id="3" name="Marcador de número de diapositiva 2"/>
-          <p:cNvSpPr>
-            <a:spLocks noGrp="1"/>
-          </p:cNvSpPr>
-          <p:nvPr>
-            <p:ph type="sldNum" sz="quarter" idx="12"/>
-          </p:nvPr>
-        </p:nvSpPr>
-        <p:spPr/>
-        <p:txBody>
           <a:bodyPr/>
           <a:lstStyle/>
           <a:p>
-            <a:fld id="{4F4CC500-C254-4A01-A1E9-3631BD4DF40D}" type="slidenum">
-              <a:rPr lang="ca-ES" smtClean="0"/>
-              <a:pPr/>
-              <a:t>14</a:t>
-            </a:fld>
-            <a:r>
-              <a:rPr lang="ca-ES" smtClean="0"/>
-              <a:t>/22</a:t>
+            <a:r>
+              <a:rPr lang="es-ES" dirty="0" smtClean="0"/>
+              <a:t>Demo</a:t>
             </a:r>
             <a:endParaRPr lang="ca-ES" dirty="0"/>
-          </a:p>
-        </p:txBody>
-      </p:sp>
-      <p:sp>
-        <p:nvSpPr>
-          <p:cNvPr id="5" name="TextBox 4"/>
-          <p:cNvSpPr txBox="1"/>
-          <p:nvPr/>
-        </p:nvSpPr>
-        <p:spPr>
-          <a:xfrm>
-            <a:off x="1289643" y="2118064"/>
-            <a:ext cx="3648117" cy="369332"/>
-          </a:xfrm>
-          <a:prstGeom prst="rect">
-            <a:avLst/>
-          </a:prstGeom>
-          <a:noFill/>
-        </p:spPr>
-        <p:txBody>
-          <a:bodyPr wrap="square" rtlCol="0">
-            <a:spAutoFit/>
-          </a:bodyPr>
-          <a:lstStyle/>
-          <a:p>
-            <a:pPr marL="306000" indent="-306000" defTabSz="457200">
-              <a:spcBef>
-                <a:spcPct val="20000"/>
-              </a:spcBef>
-              <a:spcAft>
-                <a:spcPts val="600"/>
-              </a:spcAft>
-              <a:buClr>
-                <a:schemeClr val="accent2"/>
-              </a:buClr>
-              <a:buSzPct val="92000"/>
-              <a:buFont typeface="Wingdings 2" panose="05020102010507070707" pitchFamily="18" charset="2"/>
-              <a:buChar char=""/>
-            </a:pPr>
-            <a:r>
-              <a:rPr lang="es-ES" dirty="0" smtClean="0">
-                <a:solidFill>
-                  <a:schemeClr val="tx2"/>
-                </a:solidFill>
-              </a:rPr>
-              <a:t>Tabla </a:t>
-            </a:r>
-            <a:r>
-              <a:rPr lang="es-ES" dirty="0" err="1" smtClean="0">
-                <a:solidFill>
-                  <a:schemeClr val="tx2"/>
-                </a:solidFill>
-              </a:rPr>
-              <a:t>Globals</a:t>
-            </a:r>
-            <a:endParaRPr lang="es-ES" dirty="0">
-              <a:solidFill>
-                <a:schemeClr val="tx2"/>
-              </a:solidFill>
-            </a:endParaRPr>
           </a:p>
         </p:txBody>
       </p:sp>
       <p:pic>
         <p:nvPicPr>
-          <p:cNvPr id="7" name="Picture 6"/>
+          <p:cNvPr id="4" name="Marcador de contenido 3">
+            <a:hlinkClick r:id="rId2" action="ppaction://hlinkfile"/>
+          </p:cNvPr>
           <p:cNvPicPr>
-            <a:picLocks noChangeAspect="1"/>
+            <a:picLocks noGrp="1" noChangeAspect="1"/>
           </p:cNvPicPr>
-          <p:nvPr/>
+          <p:nvPr>
+            <p:ph idx="1"/>
+          </p:nvPr>
         </p:nvPicPr>
         <p:blipFill>
-          <a:blip r:embed="rId2"/>
+          <a:blip r:embed="rId3">
+            <a:extLst>
+              <a:ext uri="{28A0092B-C50C-407E-A947-70E740481C1C}">
+                <a14:useLocalDpi xmlns:a14="http://schemas.microsoft.com/office/drawing/2010/main" val="0"/>
+              </a:ext>
+            </a:extLst>
+          </a:blip>
           <a:stretch>
             <a:fillRect/>
           </a:stretch>
         </p:blipFill>
         <p:spPr>
           <a:xfrm>
-            <a:off x="1705688" y="2632706"/>
-            <a:ext cx="5332432" cy="2058166"/>
+            <a:off x="8056606" y="2702571"/>
+            <a:ext cx="1514475" cy="2695575"/>
+          </a:xfrm>
+        </p:spPr>
+      </p:pic>
+      <p:pic>
+        <p:nvPicPr>
+          <p:cNvPr id="5" name="Imagen 4">
+            <a:hlinkClick r:id="rId4" action="ppaction://hlinkfile"/>
+          </p:cNvPr>
+          <p:cNvPicPr/>
+          <p:nvPr/>
+        </p:nvPicPr>
+        <p:blipFill rotWithShape="1">
+          <a:blip r:embed="rId5" cstate="print">
+            <a:extLst>
+              <a:ext uri="{28A0092B-C50C-407E-A947-70E740481C1C}">
+                <a14:useLocalDpi xmlns:a14="http://schemas.microsoft.com/office/drawing/2010/main" val="0"/>
+              </a:ext>
+            </a:extLst>
+          </a:blip>
+          <a:srcRect t="9779" b="5331"/>
+          <a:stretch/>
+        </p:blipFill>
+        <p:spPr bwMode="auto">
+          <a:xfrm>
+            <a:off x="1951154" y="2916883"/>
+            <a:ext cx="4751705" cy="2266950"/>
           </a:xfrm>
           <a:prstGeom prst="rect">
             <a:avLst/>
           </a:prstGeom>
+          <a:ln>
+            <a:solidFill>
+              <a:schemeClr val="bg2"/>
+            </a:solidFill>
+          </a:ln>
+          <a:extLst>
+            <a:ext uri="{53640926-AAD7-44D8-BBD7-CCE9431645EC}">
+              <a14:shadowObscured xmlns:a14="http://schemas.microsoft.com/office/drawing/2010/main"/>
+            </a:ext>
+          </a:extLst>
         </p:spPr>
       </p:pic>
+      <p:sp>
+        <p:nvSpPr>
+          <p:cNvPr id="3" name="Marcador de número de diapositiva 2"/>
+          <p:cNvSpPr>
+            <a:spLocks noGrp="1"/>
+          </p:cNvSpPr>
+          <p:nvPr>
+            <p:ph type="sldNum" sz="quarter" idx="12"/>
+          </p:nvPr>
+        </p:nvSpPr>
+        <p:spPr/>
+        <p:txBody>
+          <a:bodyPr/>
+          <a:lstStyle/>
+          <a:p>
+            <a:fld id="{4F4CC500-C254-4A01-A1E9-3631BD4DF40D}" type="slidenum">
+              <a:rPr lang="ca-ES" smtClean="0"/>
+              <a:pPr/>
+              <a:t>14</a:t>
+            </a:fld>
+            <a:r>
+              <a:rPr lang="ca-ES" smtClean="0"/>
+              <a:t>/22</a:t>
+            </a:r>
+            <a:endParaRPr lang="ca-ES" dirty="0"/>
+          </a:p>
+        </p:txBody>
+      </p:sp>
     </p:spTree>
     <p:extLst>
       <p:ext uri="{BB962C8B-B14F-4D97-AF65-F5344CB8AC3E}">
-        <p14:creationId xmlns:p14="http://schemas.microsoft.com/office/powerpoint/2010/main" val="3752206352"/>
+        <p14:creationId xmlns:p14="http://schemas.microsoft.com/office/powerpoint/2010/main" val="332468425"/>
       </p:ext>
     </p:extLst>
   </p:cSld>
@@ -8656,8 +8047,12 @@
           <a:lstStyle/>
           <a:p>
             <a:r>
+              <a:rPr lang="es-ES" dirty="0" err="1" smtClean="0"/>
+              <a:t>Validació</a:t>
+            </a:r>
+            <a:r>
               <a:rPr lang="es-ES" dirty="0" smtClean="0"/>
-              <a:t>Casos De uso</a:t>
+              <a:t> preliminar</a:t>
             </a:r>
             <a:endParaRPr lang="ca-ES" dirty="0"/>
           </a:p>
@@ -8665,7 +8060,41 @@
       </p:sp>
       <p:sp>
         <p:nvSpPr>
-          <p:cNvPr id="3" name="Marcador de número de diapositiva 2"/>
+          <p:cNvPr id="3" name="Marcador de contenido 2"/>
+          <p:cNvSpPr>
+            <a:spLocks noGrp="1"/>
+          </p:cNvSpPr>
+          <p:nvPr>
+            <p:ph idx="1"/>
+          </p:nvPr>
+        </p:nvSpPr>
+        <p:spPr/>
+        <p:txBody>
+          <a:bodyPr/>
+          <a:lstStyle/>
+          <a:p>
+            <a:r>
+              <a:rPr lang="es-ES" dirty="0" smtClean="0"/>
+              <a:t>10 sujetos </a:t>
+            </a:r>
+          </a:p>
+          <a:p>
+            <a:r>
+              <a:rPr lang="es-ES" dirty="0" smtClean="0"/>
+              <a:t>3 preguntas</a:t>
+            </a:r>
+          </a:p>
+          <a:p>
+            <a:pPr marL="324000" lvl="1" indent="0">
+              <a:buNone/>
+            </a:pPr>
+            <a:endParaRPr lang="es-ES" dirty="0" smtClean="0"/>
+          </a:p>
+        </p:txBody>
+      </p:sp>
+      <p:sp>
+        <p:nvSpPr>
+          <p:cNvPr id="4" name="Marcador de número de diapositiva 3"/>
           <p:cNvSpPr>
             <a:spLocks noGrp="1"/>
           </p:cNvSpPr>
@@ -8693,7 +8122,7 @@
       </p:sp>
       <p:pic>
         <p:nvPicPr>
-          <p:cNvPr id="7" name="Picture 6"/>
+          <p:cNvPr id="5" name="Picture 4"/>
           <p:cNvPicPr>
             <a:picLocks noChangeAspect="1"/>
           </p:cNvPicPr>
@@ -8707,8 +8136,32 @@
         </p:blipFill>
         <p:spPr>
           <a:xfrm>
-            <a:off x="4078224" y="1911732"/>
-            <a:ext cx="3705293" cy="4566358"/>
+            <a:off x="3974396" y="1903280"/>
+            <a:ext cx="3847050" cy="2116367"/>
+          </a:xfrm>
+          <a:prstGeom prst="rect">
+            <a:avLst/>
+          </a:prstGeom>
+        </p:spPr>
+      </p:pic>
+      <p:pic>
+        <p:nvPicPr>
+          <p:cNvPr id="13" name="Picture 12"/>
+          <p:cNvPicPr>
+            <a:picLocks noChangeAspect="1"/>
+          </p:cNvPicPr>
+          <p:nvPr/>
+        </p:nvPicPr>
+        <p:blipFill>
+          <a:blip r:embed="rId3"/>
+          <a:stretch>
+            <a:fillRect/>
+          </a:stretch>
+        </p:blipFill>
+        <p:spPr>
+          <a:xfrm>
+            <a:off x="3974396" y="4019647"/>
+            <a:ext cx="3847050" cy="2750700"/>
           </a:xfrm>
           <a:prstGeom prst="rect">
             <a:avLst/>
@@ -8718,7 +8171,7 @@
     </p:spTree>
     <p:extLst>
       <p:ext uri="{BB962C8B-B14F-4D97-AF65-F5344CB8AC3E}">
-        <p14:creationId xmlns:p14="http://schemas.microsoft.com/office/powerpoint/2010/main" val="2410747244"/>
+        <p14:creationId xmlns:p14="http://schemas.microsoft.com/office/powerpoint/2010/main" val="3804808579"/>
       </p:ext>
     </p:extLst>
   </p:cSld>
@@ -8768,8 +8221,8 @@
           <a:lstStyle/>
           <a:p>
             <a:r>
-              <a:rPr lang="es-ES" dirty="0" smtClean="0"/>
-              <a:t>Demo</a:t>
+              <a:rPr lang="es-ES" dirty="0" err="1" smtClean="0"/>
+              <a:t>Resultats</a:t>
             </a:r>
             <a:endParaRPr lang="ca-ES" dirty="0"/>
           </a:p>
@@ -8803,78 +8256,10 @@
           </a:p>
         </p:txBody>
       </p:sp>
-      <p:pic>
-        <p:nvPicPr>
-          <p:cNvPr id="7" name="Picture 6"/>
-          <p:cNvPicPr/>
-          <p:nvPr/>
-        </p:nvPicPr>
-        <p:blipFill>
-          <a:blip r:embed="rId2" cstate="print">
-            <a:extLst>
-              <a:ext uri="{28A0092B-C50C-407E-A947-70E740481C1C}">
-                <a14:useLocalDpi xmlns:a14="http://schemas.microsoft.com/office/drawing/2010/main" val="0"/>
-              </a:ext>
-            </a:extLst>
-          </a:blip>
-          <a:srcRect/>
-          <a:stretch>
-            <a:fillRect/>
-          </a:stretch>
-        </p:blipFill>
-        <p:spPr bwMode="auto">
-          <a:xfrm>
-            <a:off x="3200400" y="2948114"/>
-            <a:ext cx="5960681" cy="2840038"/>
-          </a:xfrm>
-          <a:prstGeom prst="rect">
-            <a:avLst/>
-          </a:prstGeom>
-          <a:noFill/>
-          <a:ln>
-            <a:noFill/>
-          </a:ln>
-        </p:spPr>
-      </p:pic>
-      <p:sp>
-        <p:nvSpPr>
-          <p:cNvPr id="8" name="TextBox 7"/>
-          <p:cNvSpPr txBox="1"/>
-          <p:nvPr/>
-        </p:nvSpPr>
-        <p:spPr>
-          <a:xfrm>
-            <a:off x="1737360" y="2295144"/>
-            <a:ext cx="3472425" cy="646331"/>
-          </a:xfrm>
-          <a:prstGeom prst="rect">
-            <a:avLst/>
-          </a:prstGeom>
-          <a:noFill/>
-        </p:spPr>
-        <p:txBody>
-          <a:bodyPr wrap="none" rtlCol="0">
-            <a:spAutoFit/>
-          </a:bodyPr>
-          <a:lstStyle/>
-          <a:p>
-            <a:r>
-              <a:rPr lang="es-ES" dirty="0" smtClean="0">
-                <a:hlinkClick r:id="rId3"/>
-              </a:rPr>
-              <a:t>http://gestio-docent.byethost7.com</a:t>
-            </a:r>
-            <a:endParaRPr lang="es-ES" dirty="0" smtClean="0"/>
-          </a:p>
-          <a:p>
-            <a:endParaRPr lang="es-ES" dirty="0"/>
-          </a:p>
-        </p:txBody>
-      </p:sp>
     </p:spTree>
     <p:extLst>
       <p:ext uri="{BB962C8B-B14F-4D97-AF65-F5344CB8AC3E}">
-        <p14:creationId xmlns:p14="http://schemas.microsoft.com/office/powerpoint/2010/main" val="332468425"/>
+        <p14:creationId xmlns:p14="http://schemas.microsoft.com/office/powerpoint/2010/main" val="1633899342"/>
       </p:ext>
     </p:extLst>
   </p:cSld>
@@ -8910,7 +8295,7 @@
       </p:grpSpPr>
       <p:sp>
         <p:nvSpPr>
-          <p:cNvPr id="2" name="Título 1"/>
+          <p:cNvPr id="2" name="Title 1"/>
           <p:cNvSpPr>
             <a:spLocks noGrp="1"/>
           </p:cNvSpPr>
@@ -8925,19 +8310,15 @@
           <a:p>
             <a:r>
               <a:rPr lang="es-ES" dirty="0" smtClean="0"/>
-              <a:t>Validación </a:t>
-            </a:r>
-            <a:r>
-              <a:rPr lang="es-ES" dirty="0" smtClean="0"/>
-              <a:t>preliminar</a:t>
-            </a:r>
-            <a:endParaRPr lang="ca-ES" dirty="0"/>
-          </a:p>
-        </p:txBody>
-      </p:sp>
-      <p:sp>
-        <p:nvSpPr>
-          <p:cNvPr id="3" name="Marcador de contenido 2"/>
+              <a:t>Futuras mejoras</a:t>
+            </a:r>
+            <a:endParaRPr lang="es-ES" dirty="0"/>
+          </a:p>
+        </p:txBody>
+      </p:sp>
+      <p:sp>
+        <p:nvSpPr>
+          <p:cNvPr id="3" name="Content Placeholder 2"/>
           <p:cNvSpPr>
             <a:spLocks noGrp="1"/>
           </p:cNvSpPr>
@@ -8950,28 +8331,13 @@
           <a:bodyPr/>
           <a:lstStyle/>
           <a:p>
-            <a:r>
-              <a:rPr lang="es-ES" dirty="0" smtClean="0"/>
-              <a:t>10 sujetos </a:t>
-            </a:r>
-          </a:p>
-          <a:p>
-            <a:r>
-              <a:rPr lang="es-ES" dirty="0" smtClean="0"/>
-              <a:t>3 preguntas</a:t>
-            </a:r>
-          </a:p>
-          <a:p>
-            <a:pPr marL="324000" lvl="1" indent="0">
-              <a:buNone/>
-            </a:pPr>
-            <a:endParaRPr lang="es-ES" dirty="0" smtClean="0"/>
-          </a:p>
-        </p:txBody>
-      </p:sp>
-      <p:sp>
-        <p:nvSpPr>
-          <p:cNvPr id="4" name="Marcador de número de diapositiva 3"/>
+            <a:endParaRPr lang="es-ES"/>
+          </a:p>
+        </p:txBody>
+      </p:sp>
+      <p:sp>
+        <p:nvSpPr>
+          <p:cNvPr id="4" name="Slide Number Placeholder 3"/>
           <p:cNvSpPr>
             <a:spLocks noGrp="1"/>
           </p:cNvSpPr>
@@ -8997,71 +8363,16 @@
           </a:p>
         </p:txBody>
       </p:sp>
-      <p:pic>
-        <p:nvPicPr>
-          <p:cNvPr id="5" name="Picture 4"/>
-          <p:cNvPicPr>
-            <a:picLocks noChangeAspect="1"/>
-          </p:cNvPicPr>
-          <p:nvPr/>
-        </p:nvPicPr>
-        <p:blipFill>
-          <a:blip r:embed="rId2"/>
-          <a:stretch>
-            <a:fillRect/>
-          </a:stretch>
-        </p:blipFill>
-        <p:spPr>
-          <a:xfrm>
-            <a:off x="2177377" y="2527680"/>
-            <a:ext cx="4698911" cy="2739263"/>
-          </a:xfrm>
-          <a:prstGeom prst="rect">
-            <a:avLst/>
-          </a:prstGeom>
-        </p:spPr>
-      </p:pic>
-      <p:pic>
-        <p:nvPicPr>
-          <p:cNvPr id="13" name="Picture 12"/>
-          <p:cNvPicPr>
-            <a:picLocks noChangeAspect="1"/>
-          </p:cNvPicPr>
-          <p:nvPr/>
-        </p:nvPicPr>
-        <p:blipFill>
-          <a:blip r:embed="rId3"/>
-          <a:stretch>
-            <a:fillRect/>
-          </a:stretch>
-        </p:blipFill>
-        <p:spPr>
-          <a:xfrm>
-            <a:off x="7117567" y="2282808"/>
-            <a:ext cx="4493240" cy="3212735"/>
-          </a:xfrm>
-          <a:prstGeom prst="rect">
-            <a:avLst/>
-          </a:prstGeom>
-        </p:spPr>
-      </p:pic>
     </p:spTree>
     <p:extLst>
       <p:ext uri="{BB962C8B-B14F-4D97-AF65-F5344CB8AC3E}">
-        <p14:creationId xmlns:p14="http://schemas.microsoft.com/office/powerpoint/2010/main" val="3804808579"/>
+        <p14:creationId xmlns:p14="http://schemas.microsoft.com/office/powerpoint/2010/main" val="690563176"/>
       </p:ext>
     </p:extLst>
   </p:cSld>
   <p:clrMapOvr>
     <a:masterClrMapping/>
   </p:clrMapOvr>
-  <p:timing>
-    <p:tnLst>
-      <p:par>
-        <p:cTn id="1" dur="indefinite" restart="never" nodeType="tmRoot"/>
-      </p:par>
-    </p:tnLst>
-  </p:timing>
 </p:sld>
 </file>
 
@@ -9092,14 +8403,19 @@
             <p:ph type="title"/>
           </p:nvPr>
         </p:nvSpPr>
-        <p:spPr/>
+        <p:spPr>
+          <a:xfrm>
+            <a:off x="838200" y="325936"/>
+            <a:ext cx="10515600" cy="1325563"/>
+          </a:xfrm>
+        </p:spPr>
         <p:txBody>
           <a:bodyPr/>
           <a:lstStyle/>
           <a:p>
             <a:r>
               <a:rPr lang="es-ES" dirty="0" err="1" smtClean="0"/>
-              <a:t>ResultaDOs</a:t>
+              <a:t>Conclusions</a:t>
             </a:r>
             <a:endParaRPr lang="ca-ES" dirty="0"/>
           </a:p>
@@ -9107,7 +8423,186 @@
       </p:sp>
       <p:sp>
         <p:nvSpPr>
-          <p:cNvPr id="3" name="Marcador de número de diapositiva 2"/>
+          <p:cNvPr id="3" name="Marcador de contenido 2"/>
+          <p:cNvSpPr>
+            <a:spLocks noGrp="1"/>
+          </p:cNvSpPr>
+          <p:nvPr>
+            <p:ph idx="1"/>
+          </p:nvPr>
+        </p:nvSpPr>
+        <p:spPr/>
+        <p:txBody>
+          <a:bodyPr>
+            <a:normAutofit/>
+          </a:bodyPr>
+          <a:lstStyle/>
+          <a:p>
+            <a:r>
+              <a:rPr lang="ca-ES" dirty="0" smtClean="0"/>
+              <a:t>Objectius aconseguits:</a:t>
+            </a:r>
+          </a:p>
+          <a:p>
+            <a:pPr lvl="1"/>
+            <a:r>
+              <a:rPr lang="es-ES" dirty="0" smtClean="0"/>
+              <a:t>Web </a:t>
+            </a:r>
+            <a:r>
+              <a:rPr lang="es-ES" smtClean="0"/>
+              <a:t>aplicación funcional</a:t>
+            </a:r>
+            <a:endParaRPr lang="es-ES" dirty="0" smtClean="0"/>
+          </a:p>
+          <a:p>
+            <a:pPr lvl="1"/>
+            <a:r>
+              <a:rPr lang="es-ES" dirty="0" err="1" smtClean="0"/>
+              <a:t>Gamificar</a:t>
+            </a:r>
+            <a:r>
+              <a:rPr lang="es-ES" dirty="0" smtClean="0"/>
+              <a:t> </a:t>
+            </a:r>
+            <a:r>
+              <a:rPr lang="es-ES" dirty="0" err="1" smtClean="0"/>
+              <a:t>l’aplicació</a:t>
+            </a:r>
+            <a:endParaRPr lang="es-ES" dirty="0" smtClean="0"/>
+          </a:p>
+          <a:p>
+            <a:pPr lvl="1"/>
+            <a:r>
+              <a:rPr lang="es-ES" dirty="0" smtClean="0"/>
+              <a:t>Implementar una </a:t>
+            </a:r>
+            <a:r>
+              <a:rPr lang="es-ES" dirty="0" err="1" smtClean="0"/>
+              <a:t>eina</a:t>
+            </a:r>
+            <a:r>
+              <a:rPr lang="es-ES" dirty="0" smtClean="0"/>
+              <a:t> per </a:t>
+            </a:r>
+            <a:r>
+              <a:rPr lang="es-ES" dirty="0" err="1" smtClean="0"/>
+              <a:t>emmagatzemar</a:t>
+            </a:r>
+            <a:r>
+              <a:rPr lang="es-ES" dirty="0" smtClean="0"/>
+              <a:t> </a:t>
+            </a:r>
+            <a:r>
+              <a:rPr lang="es-ES" dirty="0" err="1" smtClean="0"/>
+              <a:t>els</a:t>
+            </a:r>
+            <a:r>
+              <a:rPr lang="es-ES" dirty="0" smtClean="0"/>
+              <a:t> </a:t>
+            </a:r>
+            <a:r>
+              <a:rPr lang="es-ES" dirty="0" err="1" smtClean="0"/>
+              <a:t>resultats</a:t>
+            </a:r>
+            <a:r>
+              <a:rPr lang="es-ES" dirty="0" smtClean="0"/>
+              <a:t> </a:t>
+            </a:r>
+            <a:r>
+              <a:rPr lang="es-ES" dirty="0" err="1" smtClean="0"/>
+              <a:t>dels</a:t>
+            </a:r>
+            <a:r>
+              <a:rPr lang="es-ES" dirty="0" smtClean="0"/>
+              <a:t> </a:t>
+            </a:r>
+            <a:r>
+              <a:rPr lang="es-ES" dirty="0" err="1" smtClean="0"/>
+              <a:t>qüestionaris</a:t>
+            </a:r>
+            <a:endParaRPr lang="es-ES" dirty="0" smtClean="0"/>
+          </a:p>
+          <a:p>
+            <a:pPr lvl="1"/>
+            <a:r>
+              <a:rPr lang="es-ES" dirty="0" smtClean="0"/>
+              <a:t>Comparar </a:t>
+            </a:r>
+            <a:r>
+              <a:rPr lang="es-ES" dirty="0" err="1" smtClean="0"/>
+              <a:t>l’experiencia</a:t>
+            </a:r>
+            <a:r>
+              <a:rPr lang="es-ES" dirty="0" smtClean="0"/>
+              <a:t> de </a:t>
+            </a:r>
+            <a:r>
+              <a:rPr lang="es-ES" dirty="0" err="1" smtClean="0"/>
+              <a:t>l’usuari</a:t>
+            </a:r>
+            <a:r>
+              <a:rPr lang="es-ES" dirty="0" smtClean="0"/>
+              <a:t> en la </a:t>
+            </a:r>
+            <a:r>
+              <a:rPr lang="es-ES" dirty="0" err="1" smtClean="0"/>
+              <a:t>versió</a:t>
+            </a:r>
+            <a:r>
+              <a:rPr lang="es-ES" dirty="0" smtClean="0"/>
+              <a:t> </a:t>
+            </a:r>
+            <a:r>
+              <a:rPr lang="es-ES" dirty="0" err="1" smtClean="0"/>
+              <a:t>gamificada</a:t>
+            </a:r>
+            <a:r>
+              <a:rPr lang="es-ES" dirty="0" smtClean="0"/>
+              <a:t> i no </a:t>
+            </a:r>
+            <a:r>
+              <a:rPr lang="es-ES" dirty="0" err="1" smtClean="0"/>
+              <a:t>gamificada</a:t>
+            </a:r>
+            <a:endParaRPr lang="es-ES" dirty="0" smtClean="0"/>
+          </a:p>
+          <a:p>
+            <a:r>
+              <a:rPr lang="es-ES" dirty="0" smtClean="0"/>
+              <a:t>Conocimientos usados</a:t>
+            </a:r>
+          </a:p>
+          <a:p>
+            <a:pPr lvl="1"/>
+            <a:r>
+              <a:rPr lang="es-ES" dirty="0" smtClean="0"/>
+              <a:t>Programación en Python, HTML, CSS</a:t>
+            </a:r>
+          </a:p>
+          <a:p>
+            <a:r>
+              <a:rPr lang="es-ES" dirty="0" smtClean="0"/>
+              <a:t>Conocimientos adquiridos</a:t>
+            </a:r>
+          </a:p>
+          <a:p>
+            <a:pPr lvl="1"/>
+            <a:r>
+              <a:rPr lang="es-ES" dirty="0" smtClean="0"/>
+              <a:t>Programación en PHP y sus módulos, </a:t>
+            </a:r>
+            <a:r>
+              <a:rPr lang="es-ES" dirty="0" err="1" smtClean="0"/>
+              <a:t>BootstrAap</a:t>
+            </a:r>
+            <a:endParaRPr lang="ca-ES" dirty="0" smtClean="0"/>
+          </a:p>
+        </p:txBody>
+      </p:sp>
+      <p:sp>
+        <p:nvSpPr>
+          <p:cNvPr id="4" name="Marcador de número de diapositiva 3"/>
           <p:cNvSpPr>
             <a:spLocks noGrp="1"/>
           </p:cNvSpPr>
@@ -9133,82 +8628,10 @@
           </a:p>
         </p:txBody>
       </p:sp>
-      <p:pic>
-        <p:nvPicPr>
-          <p:cNvPr id="7" name="Picture 6"/>
-          <p:cNvPicPr>
-            <a:picLocks noChangeAspect="1"/>
-          </p:cNvPicPr>
-          <p:nvPr/>
-        </p:nvPicPr>
-        <p:blipFill>
-          <a:blip r:embed="rId2"/>
-          <a:stretch>
-            <a:fillRect/>
-          </a:stretch>
-        </p:blipFill>
-        <p:spPr>
-          <a:xfrm>
-            <a:off x="1365114" y="2083276"/>
-            <a:ext cx="4542300" cy="2099067"/>
-          </a:xfrm>
-          <a:prstGeom prst="rect">
-            <a:avLst/>
-          </a:prstGeom>
-        </p:spPr>
-      </p:pic>
-      <p:pic>
-        <p:nvPicPr>
-          <p:cNvPr id="8" name="Picture 7"/>
-          <p:cNvPicPr>
-            <a:picLocks noChangeAspect="1"/>
-          </p:cNvPicPr>
-          <p:nvPr/>
-        </p:nvPicPr>
-        <p:blipFill>
-          <a:blip r:embed="rId3"/>
-          <a:stretch>
-            <a:fillRect/>
-          </a:stretch>
-        </p:blipFill>
-        <p:spPr>
-          <a:xfrm>
-            <a:off x="1365114" y="4340154"/>
-            <a:ext cx="4542300" cy="2127900"/>
-          </a:xfrm>
-          <a:prstGeom prst="rect">
-            <a:avLst/>
-          </a:prstGeom>
-        </p:spPr>
-      </p:pic>
-      <p:pic>
-        <p:nvPicPr>
-          <p:cNvPr id="10" name="Picture 9"/>
-          <p:cNvPicPr>
-            <a:picLocks noChangeAspect="1"/>
-          </p:cNvPicPr>
-          <p:nvPr/>
-        </p:nvPicPr>
-        <p:blipFill>
-          <a:blip r:embed="rId4"/>
-          <a:stretch>
-            <a:fillRect/>
-          </a:stretch>
-        </p:blipFill>
-        <p:spPr>
-          <a:xfrm>
-            <a:off x="6618285" y="2741516"/>
-            <a:ext cx="4992523" cy="2516284"/>
-          </a:xfrm>
-          <a:prstGeom prst="rect">
-            <a:avLst/>
-          </a:prstGeom>
-        </p:spPr>
-      </p:pic>
     </p:spTree>
     <p:extLst>
       <p:ext uri="{BB962C8B-B14F-4D97-AF65-F5344CB8AC3E}">
-        <p14:creationId xmlns:p14="http://schemas.microsoft.com/office/powerpoint/2010/main" val="1633899342"/>
+        <p14:creationId xmlns:p14="http://schemas.microsoft.com/office/powerpoint/2010/main" val="2615057174"/>
       </p:ext>
     </p:extLst>
   </p:cSld>
@@ -9222,147 +8645,6 @@
       </p:par>
     </p:tnLst>
   </p:timing>
-</p:sld>
-</file>
-
-<file path=ppt/slides/slide19.xml><?xml version="1.0" encoding="utf-8"?>
-<p:sld xmlns:a="http://schemas.openxmlformats.org/drawingml/2006/main" xmlns:r="http://schemas.openxmlformats.org/officeDocument/2006/relationships" xmlns:p="http://schemas.openxmlformats.org/presentationml/2006/main">
-  <p:cSld>
-    <p:spTree>
-      <p:nvGrpSpPr>
-        <p:cNvPr id="1" name=""/>
-        <p:cNvGrpSpPr/>
-        <p:nvPr/>
-      </p:nvGrpSpPr>
-      <p:grpSpPr>
-        <a:xfrm>
-          <a:off x="0" y="0"/>
-          <a:ext cx="0" cy="0"/>
-          <a:chOff x="0" y="0"/>
-          <a:chExt cx="0" cy="0"/>
-        </a:xfrm>
-      </p:grpSpPr>
-      <p:sp>
-        <p:nvSpPr>
-          <p:cNvPr id="2" name="Title 1"/>
-          <p:cNvSpPr>
-            <a:spLocks noGrp="1"/>
-          </p:cNvSpPr>
-          <p:nvPr>
-            <p:ph type="title"/>
-          </p:nvPr>
-        </p:nvSpPr>
-        <p:spPr/>
-        <p:txBody>
-          <a:bodyPr/>
-          <a:lstStyle/>
-          <a:p>
-            <a:r>
-              <a:rPr lang="es-ES" dirty="0" smtClean="0"/>
-              <a:t>Futuras mejoras</a:t>
-            </a:r>
-            <a:endParaRPr lang="es-ES" dirty="0"/>
-          </a:p>
-        </p:txBody>
-      </p:sp>
-      <p:sp>
-        <p:nvSpPr>
-          <p:cNvPr id="3" name="Content Placeholder 2"/>
-          <p:cNvSpPr>
-            <a:spLocks noGrp="1"/>
-          </p:cNvSpPr>
-          <p:nvPr>
-            <p:ph idx="1"/>
-          </p:nvPr>
-        </p:nvSpPr>
-        <p:spPr/>
-        <p:txBody>
-          <a:bodyPr>
-            <a:normAutofit/>
-          </a:bodyPr>
-          <a:lstStyle/>
-          <a:p>
-            <a:r>
-              <a:rPr lang="es-ES" dirty="0" smtClean="0"/>
-              <a:t>Hacer uso </a:t>
-            </a:r>
-            <a:r>
-              <a:rPr lang="es-ES" dirty="0"/>
-              <a:t>en otros </a:t>
-            </a:r>
-            <a:r>
-              <a:rPr lang="es-ES" dirty="0" smtClean="0"/>
-              <a:t>departamentos</a:t>
-            </a:r>
-          </a:p>
-          <a:p>
-            <a:r>
-              <a:rPr lang="es-ES" dirty="0" smtClean="0"/>
-              <a:t>Multilenguaje</a:t>
-            </a:r>
-          </a:p>
-          <a:p>
-            <a:r>
-              <a:rPr lang="es-ES" dirty="0" smtClean="0"/>
-              <a:t>Desarrollo de </a:t>
-            </a:r>
-            <a:r>
-              <a:rPr lang="es-ES" dirty="0"/>
-              <a:t>una aplicación Android </a:t>
-            </a:r>
-            <a:r>
-              <a:rPr lang="es-ES" dirty="0" smtClean="0"/>
-              <a:t>/IOS</a:t>
-            </a:r>
-            <a:endParaRPr lang="es-ES" dirty="0"/>
-          </a:p>
-          <a:p>
-            <a:r>
-              <a:rPr lang="es-ES" dirty="0" smtClean="0"/>
-              <a:t>Mejorar interfaz</a:t>
-            </a:r>
-            <a:endParaRPr lang="es-ES" dirty="0"/>
-          </a:p>
-        </p:txBody>
-      </p:sp>
-      <p:sp>
-        <p:nvSpPr>
-          <p:cNvPr id="4" name="Slide Number Placeholder 3"/>
-          <p:cNvSpPr>
-            <a:spLocks noGrp="1"/>
-          </p:cNvSpPr>
-          <p:nvPr>
-            <p:ph type="sldNum" sz="quarter" idx="12"/>
-          </p:nvPr>
-        </p:nvSpPr>
-        <p:spPr/>
-        <p:txBody>
-          <a:bodyPr/>
-          <a:lstStyle/>
-          <a:p>
-            <a:fld id="{4F4CC500-C254-4A01-A1E9-3631BD4DF40D}" type="slidenum">
-              <a:rPr lang="ca-ES" smtClean="0"/>
-              <a:pPr/>
-              <a:t>19</a:t>
-            </a:fld>
-            <a:r>
-              <a:rPr lang="ca-ES" smtClean="0"/>
-              <a:t>/22</a:t>
-            </a:r>
-            <a:endParaRPr lang="ca-ES" dirty="0"/>
-          </a:p>
-        </p:txBody>
-      </p:sp>
-    </p:spTree>
-    <p:extLst>
-      <p:ext uri="{BB962C8B-B14F-4D97-AF65-F5344CB8AC3E}">
-        <p14:creationId xmlns:p14="http://schemas.microsoft.com/office/powerpoint/2010/main" val="2738654838"/>
-      </p:ext>
-    </p:extLst>
-  </p:cSld>
-  <p:clrMapOvr>
-    <a:masterClrMapping/>
-  </p:clrMapOvr>
 </p:sld>
 </file>
 
@@ -9535,177 +8817,6 @@
     <p:extLst>
       <p:ext uri="{BB962C8B-B14F-4D97-AF65-F5344CB8AC3E}">
         <p14:creationId xmlns:p14="http://schemas.microsoft.com/office/powerpoint/2010/main" val="422068893"/>
-      </p:ext>
-    </p:extLst>
-  </p:cSld>
-  <p:clrMapOvr>
-    <a:masterClrMapping/>
-  </p:clrMapOvr>
-  <p:timing>
-    <p:tnLst>
-      <p:par>
-        <p:cTn id="1" dur="indefinite" restart="never" nodeType="tmRoot"/>
-      </p:par>
-    </p:tnLst>
-  </p:timing>
-</p:sld>
-</file>
-
-<file path=ppt/slides/slide20.xml><?xml version="1.0" encoding="utf-8"?>
-<p:sld xmlns:a="http://schemas.openxmlformats.org/drawingml/2006/main" xmlns:r="http://schemas.openxmlformats.org/officeDocument/2006/relationships" xmlns:p="http://schemas.openxmlformats.org/presentationml/2006/main">
-  <p:cSld>
-    <p:spTree>
-      <p:nvGrpSpPr>
-        <p:cNvPr id="1" name=""/>
-        <p:cNvGrpSpPr/>
-        <p:nvPr/>
-      </p:nvGrpSpPr>
-      <p:grpSpPr>
-        <a:xfrm>
-          <a:off x="0" y="0"/>
-          <a:ext cx="0" cy="0"/>
-          <a:chOff x="0" y="0"/>
-          <a:chExt cx="0" cy="0"/>
-        </a:xfrm>
-      </p:grpSpPr>
-      <p:sp>
-        <p:nvSpPr>
-          <p:cNvPr id="2" name="Título 1"/>
-          <p:cNvSpPr>
-            <a:spLocks noGrp="1"/>
-          </p:cNvSpPr>
-          <p:nvPr>
-            <p:ph type="title"/>
-          </p:nvPr>
-        </p:nvSpPr>
-        <p:spPr>
-          <a:xfrm>
-            <a:off x="838200" y="325936"/>
-            <a:ext cx="10515600" cy="1325563"/>
-          </a:xfrm>
-        </p:spPr>
-        <p:txBody>
-          <a:bodyPr/>
-          <a:lstStyle/>
-          <a:p>
-            <a:r>
-              <a:rPr lang="es-ES" dirty="0" err="1" smtClean="0"/>
-              <a:t>ConclusionEs</a:t>
-            </a:r>
-            <a:endParaRPr lang="ca-ES" dirty="0"/>
-          </a:p>
-        </p:txBody>
-      </p:sp>
-      <p:sp>
-        <p:nvSpPr>
-          <p:cNvPr id="3" name="Marcador de contenido 2"/>
-          <p:cNvSpPr>
-            <a:spLocks noGrp="1"/>
-          </p:cNvSpPr>
-          <p:nvPr>
-            <p:ph idx="1"/>
-          </p:nvPr>
-        </p:nvSpPr>
-        <p:spPr/>
-        <p:txBody>
-          <a:bodyPr>
-            <a:normAutofit/>
-          </a:bodyPr>
-          <a:lstStyle/>
-          <a:p>
-            <a:r>
-              <a:rPr lang="ca-ES" dirty="0" smtClean="0"/>
-              <a:t>Objetivos conseguidos:</a:t>
-            </a:r>
-            <a:endParaRPr lang="ca-ES" dirty="0" smtClean="0"/>
-          </a:p>
-          <a:p>
-            <a:pPr lvl="1"/>
-            <a:r>
-              <a:rPr lang="es-ES" dirty="0" smtClean="0"/>
-              <a:t>Web aplicación funcional</a:t>
-            </a:r>
-            <a:endParaRPr lang="es-ES" dirty="0" smtClean="0"/>
-          </a:p>
-          <a:p>
-            <a:pPr lvl="1"/>
-            <a:r>
-              <a:rPr lang="es-ES" dirty="0" smtClean="0"/>
-              <a:t>Mejora respecto la forma anterior de hacerlo</a:t>
-            </a:r>
-          </a:p>
-          <a:p>
-            <a:pPr lvl="1"/>
-            <a:endParaRPr lang="es-ES" dirty="0" smtClean="0"/>
-          </a:p>
-          <a:p>
-            <a:r>
-              <a:rPr lang="es-ES" dirty="0" smtClean="0"/>
-              <a:t>Conocimientos usados</a:t>
-            </a:r>
-          </a:p>
-          <a:p>
-            <a:pPr lvl="1"/>
-            <a:r>
-              <a:rPr lang="es-ES" dirty="0" smtClean="0"/>
-              <a:t>Programación Python, HTML, CSS</a:t>
-            </a:r>
-          </a:p>
-          <a:p>
-            <a:pPr lvl="1"/>
-            <a:endParaRPr lang="es-ES" dirty="0" smtClean="0"/>
-          </a:p>
-          <a:p>
-            <a:r>
-              <a:rPr lang="es-ES" dirty="0" smtClean="0"/>
-              <a:t>Conocimientos adquiridos</a:t>
-            </a:r>
-          </a:p>
-          <a:p>
-            <a:pPr lvl="1"/>
-            <a:r>
-              <a:rPr lang="es-ES" dirty="0" smtClean="0"/>
-              <a:t>Programación PHP</a:t>
-            </a:r>
-            <a:endParaRPr lang="es-ES" dirty="0" smtClean="0"/>
-          </a:p>
-          <a:p>
-            <a:endParaRPr lang="es-ES" dirty="0" smtClean="0"/>
-          </a:p>
-        </p:txBody>
-      </p:sp>
-      <p:sp>
-        <p:nvSpPr>
-          <p:cNvPr id="4" name="Marcador de número de diapositiva 3"/>
-          <p:cNvSpPr>
-            <a:spLocks noGrp="1"/>
-          </p:cNvSpPr>
-          <p:nvPr>
-            <p:ph type="sldNum" sz="quarter" idx="12"/>
-          </p:nvPr>
-        </p:nvSpPr>
-        <p:spPr/>
-        <p:txBody>
-          <a:bodyPr/>
-          <a:lstStyle/>
-          <a:p>
-            <a:fld id="{4F4CC500-C254-4A01-A1E9-3631BD4DF40D}" type="slidenum">
-              <a:rPr lang="ca-ES" smtClean="0"/>
-              <a:pPr/>
-              <a:t>20</a:t>
-            </a:fld>
-            <a:r>
-              <a:rPr lang="ca-ES" smtClean="0"/>
-              <a:t>/22</a:t>
-            </a:r>
-            <a:endParaRPr lang="ca-ES" dirty="0"/>
-          </a:p>
-        </p:txBody>
-      </p:sp>
-    </p:spTree>
-    <p:extLst>
-      <p:ext uri="{BB962C8B-B14F-4D97-AF65-F5344CB8AC3E}">
-        <p14:creationId xmlns:p14="http://schemas.microsoft.com/office/powerpoint/2010/main" val="2615057174"/>
       </p:ext>
     </p:extLst>
   </p:cSld>
@@ -9802,11 +8913,8 @@
               <a:rPr lang="es-ES" dirty="0" smtClean="0">
                 <a:sym typeface="Wingdings" panose="05000000000000000000" pitchFamily="2" charset="2"/>
               </a:rPr>
-              <a:t>Poco eficiente </a:t>
-            </a:r>
-            <a:endParaRPr lang="es-ES" dirty="0" smtClean="0">
-              <a:sym typeface="Wingdings" panose="05000000000000000000" pitchFamily="2" charset="2"/>
-            </a:endParaRPr>
+              <a:t>Poco eficiente  lento, profesores no pueden ver situación actual</a:t>
+            </a:r>
           </a:p>
           <a:p>
             <a:pPr lvl="1"/>
@@ -9814,25 +8922,19 @@
               <a:rPr lang="es-ES" dirty="0" smtClean="0">
                 <a:sym typeface="Wingdings" panose="05000000000000000000" pitchFamily="2" charset="2"/>
               </a:rPr>
-              <a:t>Lento</a:t>
-            </a:r>
-            <a:endParaRPr lang="es-ES" dirty="0" smtClean="0">
-              <a:sym typeface="Wingdings" panose="05000000000000000000" pitchFamily="2" charset="2"/>
-            </a:endParaRPr>
+              <a:t>Gran carga de trabajo para el responsable controlar que se rellene bien y enviarlo manualmente siguiendo el orden </a:t>
+            </a:r>
           </a:p>
           <a:p>
             <a:pPr lvl="1"/>
             <a:r>
               <a:rPr lang="es-ES" dirty="0" smtClean="0">
+                <a:solidFill>
+                  <a:srgbClr val="FF0000"/>
+                </a:solidFill>
                 <a:sym typeface="Wingdings" panose="05000000000000000000" pitchFamily="2" charset="2"/>
               </a:rPr>
-              <a:t>Gran carga de trabajo para el </a:t>
-            </a:r>
-            <a:r>
-              <a:rPr lang="es-ES" dirty="0" smtClean="0">
-                <a:sym typeface="Wingdings" panose="05000000000000000000" pitchFamily="2" charset="2"/>
-              </a:rPr>
-              <a:t>responsable</a:t>
+              <a:t>Externa situacional </a:t>
             </a:r>
             <a:endParaRPr lang="ca-ES" dirty="0">
               <a:solidFill>
@@ -9970,7 +9072,7 @@
         </p:blipFill>
         <p:spPr bwMode="auto">
           <a:xfrm>
-            <a:off x="5452691" y="3371784"/>
+            <a:off x="5169227" y="4482685"/>
             <a:ext cx="5915025" cy="2022475"/>
           </a:xfrm>
           <a:prstGeom prst="rect">
@@ -10138,28 +9240,8 @@
             </a:r>
             <a:r>
               <a:rPr lang="ca-ES" dirty="0" smtClean="0"/>
-              <a:t>: 9 horas de </a:t>
-            </a:r>
-            <a:r>
-              <a:rPr lang="ca-ES" dirty="0" smtClean="0"/>
-              <a:t>enseñanza</a:t>
-            </a:r>
-            <a:endParaRPr lang="ca-ES" dirty="0" smtClean="0"/>
-          </a:p>
-          <a:p>
-            <a:pPr lvl="1"/>
-            <a:endParaRPr lang="ca-ES" sz="1800" dirty="0" smtClean="0"/>
-          </a:p>
-          <a:p>
-            <a:r>
-              <a:rPr lang="es-ES" dirty="0" smtClean="0"/>
-              <a:t>Útil </a:t>
-            </a:r>
-            <a:r>
-              <a:rPr lang="es-ES" dirty="0"/>
-              <a:t>conocimientos previos programación</a:t>
-            </a:r>
-            <a:endParaRPr lang="ca-ES" dirty="0"/>
+              <a:t>: 9 horas de enseñanza</a:t>
+            </a:r>
           </a:p>
           <a:p>
             <a:pPr marL="324000" lvl="1" indent="0">
@@ -10168,46 +9250,12 @@
             <a:endParaRPr lang="es-ES" dirty="0" smtClean="0"/>
           </a:p>
           <a:p>
+            <a:pPr lvl="1"/>
             <a:r>
               <a:rPr lang="es-ES" dirty="0"/>
-              <a:t>Cada profesor: </a:t>
-            </a:r>
-            <a:r>
-              <a:rPr lang="es-ES" dirty="0" err="1"/>
-              <a:t>PADs</a:t>
-            </a:r>
-            <a:r>
-              <a:rPr lang="es-ES" dirty="0"/>
-              <a:t> contratados</a:t>
-            </a:r>
-          </a:p>
-          <a:p>
-            <a:pPr lvl="1"/>
-            <a:r>
-              <a:rPr lang="es-ES" dirty="0"/>
-              <a:t>1 crédito ECTS = 3 </a:t>
-            </a:r>
-            <a:r>
-              <a:rPr lang="es-ES" dirty="0" err="1" smtClean="0"/>
-              <a:t>PADs</a:t>
-            </a:r>
-            <a:endParaRPr lang="es-ES" dirty="0" smtClean="0"/>
-          </a:p>
-          <a:p>
-            <a:pPr lvl="1"/>
-            <a:r>
-              <a:rPr lang="es-ES" dirty="0" smtClean="0"/>
-              <a:t>Tiene que cubrir los </a:t>
-            </a:r>
-            <a:r>
-              <a:rPr lang="es-ES" dirty="0" err="1" smtClean="0"/>
-              <a:t>PADs</a:t>
-            </a:r>
-            <a:r>
-              <a:rPr lang="es-ES" dirty="0" smtClean="0"/>
-              <a:t> con asignaturas</a:t>
-            </a:r>
-            <a:endParaRPr lang="es-ES" dirty="0"/>
+              <a:t>Útil conocimientos previos programación</a:t>
+            </a:r>
+            <a:endParaRPr lang="ca-ES" dirty="0"/>
           </a:p>
           <a:p>
             <a:pPr marL="324000" lvl="1" indent="0">
@@ -10634,37 +9682,16 @@
           <a:lstStyle/>
           <a:p>
             <a:r>
-              <a:rPr lang="es-ES" dirty="0" smtClean="0"/>
-              <a:t>Subir aplicación web en un servidor (de la UPC preferiblemente)</a:t>
-            </a:r>
-          </a:p>
-          <a:p>
-            <a:r>
-              <a:rPr lang="es-ES" dirty="0" smtClean="0"/>
-              <a:t>Acceder mediante credenciales</a:t>
-            </a:r>
-          </a:p>
-          <a:p>
-            <a:r>
-              <a:rPr lang="es-ES" dirty="0" smtClean="0"/>
-              <a:t>Pensada</a:t>
-            </a:r>
-            <a:r>
-              <a:rPr lang="es-ES" dirty="0" smtClean="0"/>
-              <a:t> para ordenadores</a:t>
-            </a:r>
-            <a:r>
-              <a:rPr lang="es-ES" dirty="0" smtClean="0"/>
-              <a:t> pero también posibilidad de accede desde teléfono móvil.</a:t>
-            </a:r>
-            <a:endParaRPr lang="es-ES" dirty="0" smtClean="0"/>
-          </a:p>
-          <a:p>
-            <a:r>
-              <a:rPr lang="es-ES" dirty="0" smtClean="0"/>
-              <a:t>En catalán.</a:t>
-            </a:r>
-            <a:endParaRPr lang="es-ES" dirty="0" smtClean="0"/>
+              <a:rPr lang="en-US" dirty="0"/>
+              <a:t>The idea of the project is to upload the designed tool in one UPC server, so the professors can access it easily like a normal website. The users will only be able to access to the platform using their credentials that will have been sent by the administrator previously. </a:t>
+            </a:r>
+          </a:p>
+          <a:p>
+            <a:r>
+              <a:rPr lang="en-US" dirty="0"/>
+              <a:t>The web application has been developed for a computer rather than for a smartphone, although it can be accessed through any mobile device, the interface and the whole user experience may not be as intuitive and efficient. In addition, the whole interface will be written in Catalan. </a:t>
+            </a:r>
+            <a:endParaRPr lang="es-ES" dirty="0"/>
           </a:p>
         </p:txBody>
       </p:sp>
@@ -10778,9 +9805,8 @@
           <a:p>
             <a:r>
               <a:rPr lang="en-US" dirty="0" smtClean="0"/>
-              <a:t>Excel</a:t>
-            </a:r>
-            <a:endParaRPr lang="en-US" dirty="0"/>
+              <a:t>Excel file.</a:t>
+            </a:r>
           </a:p>
           <a:p>
             <a:r>
@@ -10789,10 +9815,6 @@
             </a:r>
           </a:p>
           <a:p>
-            <a:r>
-              <a:rPr lang="en-US" dirty="0" smtClean="0"/>
-              <a:t> </a:t>
-            </a:r>
             <a:r>
               <a:rPr lang="en-US" dirty="0" err="1" smtClean="0"/>
               <a:t>Aplicación</a:t>
@@ -10875,7 +9897,7 @@
             <p:ph idx="1"/>
             <p:extLst>
               <p:ext uri="{D42A27DB-BD31-4B8C-83A1-F6EECF244321}">
-                <p14:modId xmlns:p14="http://schemas.microsoft.com/office/powerpoint/2010/main" val="1455756299"/>
+                <p14:modId xmlns:p14="http://schemas.microsoft.com/office/powerpoint/2010/main" val="2407793303"/>
               </p:ext>
             </p:extLst>
           </p:nvPr>
@@ -11046,7 +10068,7 @@
           </a:xfrm>
         </p:spPr>
         <p:txBody>
-          <a:bodyPr numCol="2"/>
+          <a:bodyPr/>
           <a:lstStyle/>
           <a:p>
             <a:r>
@@ -11064,22 +10086,6 @@
               <a:rPr lang="es-ES" dirty="0" err="1" smtClean="0"/>
               <a:t>end</a:t>
             </a:r>
-            <a:endParaRPr lang="es-ES" dirty="0" smtClean="0"/>
-          </a:p>
-          <a:p>
-            <a:pPr lvl="1"/>
-            <a:endParaRPr lang="es-ES" dirty="0"/>
-          </a:p>
-          <a:p>
-            <a:pPr lvl="1"/>
-            <a:endParaRPr lang="es-ES" dirty="0" smtClean="0"/>
-          </a:p>
-          <a:p>
-            <a:pPr lvl="1"/>
-            <a:endParaRPr lang="es-ES" dirty="0"/>
-          </a:p>
-          <a:p>
-            <a:pPr lvl="1"/>
             <a:endParaRPr lang="es-ES" dirty="0" smtClean="0"/>
           </a:p>
           <a:p>
@@ -11094,10 +10100,6 @@
             <a:pPr marL="324000" lvl="1" indent="0">
               <a:buNone/>
             </a:pPr>
-            <a:endParaRPr lang="es-ES" dirty="0" smtClean="0"/>
-          </a:p>
-          <a:p>
-            <a:pPr lvl="1"/>
             <a:endParaRPr lang="es-ES" dirty="0" smtClean="0"/>
           </a:p>
           <a:p>
@@ -11130,53 +10132,12 @@
         </p:blipFill>
         <p:spPr>
           <a:xfrm>
-            <a:off x="994098" y="3724009"/>
-            <a:ext cx="3976747" cy="1484309"/>
+            <a:off x="1140403" y="3681806"/>
+            <a:ext cx="2271150" cy="847700"/>
           </a:xfrm>
           <a:prstGeom prst="rect">
             <a:avLst/>
           </a:prstGeom>
-        </p:spPr>
-      </p:pic>
-      <p:pic>
-        <p:nvPicPr>
-          <p:cNvPr id="1028" name="Picture 4" descr="Backend"/>
-          <p:cNvPicPr>
-            <a:picLocks noChangeAspect="1" noChangeArrowheads="1"/>
-          </p:cNvPicPr>
-          <p:nvPr/>
-        </p:nvPicPr>
-        <p:blipFill>
-          <a:blip r:embed="rId3">
-            <a:extLst>
-              <a:ext uri="{28A0092B-C50C-407E-A947-70E740481C1C}">
-                <a14:useLocalDpi xmlns:a14="http://schemas.microsoft.com/office/drawing/2010/main" val="0"/>
-              </a:ext>
-            </a:extLst>
-          </a:blip>
-          <a:srcRect/>
-          <a:stretch>
-            <a:fillRect/>
-          </a:stretch>
-        </p:blipFill>
-        <p:spPr bwMode="auto">
-          <a:xfrm>
-            <a:off x="7047103" y="3228626"/>
-            <a:ext cx="2171700" cy="2171701"/>
-          </a:xfrm>
-          <a:prstGeom prst="rect">
-            <a:avLst/>
-          </a:prstGeom>
-          <a:noFill/>
-          <a:extLst>
-            <a:ext uri="{909E8E84-426E-40DD-AFC4-6F175D3DCCD1}">
-              <a14:hiddenFill xmlns:a14="http://schemas.microsoft.com/office/drawing/2010/main">
-                <a:solidFill>
-                  <a:srgbClr val="FFFFFF"/>
-                </a:solidFill>
-              </a14:hiddenFill>
-            </a:ext>
-          </a:extLst>
         </p:spPr>
       </p:pic>
     </p:spTree>
@@ -11242,7 +10203,7 @@
     </a:clrScheme>
     <a:fontScheme name="Dividendo">
       <a:majorFont>
-        <a:latin typeface="Gill Sans MT" panose="020B0502020104020203"/>
+        <a:latin typeface="Gill Sans MT"/>
         <a:ea typeface=""/>
         <a:cs typeface=""/>
         <a:font script="Grek" typeface="Corbel"/>
@@ -11279,7 +10240,7 @@
         <a:font script="Geor" typeface="Sylfaen"/>
       </a:majorFont>
       <a:minorFont>
-        <a:latin typeface="Gill Sans MT" panose="020B0502020104020203"/>
+        <a:latin typeface="Gill Sans MT"/>
         <a:ea typeface=""/>
         <a:cs typeface=""/>
         <a:font script="Grek" typeface="Corbel"/>
@@ -11511,7 +10472,7 @@
     </a:clrScheme>
     <a:fontScheme name="Office">
       <a:majorFont>
-        <a:latin typeface="Calibri Light" panose="020F0302020204030204"/>
+        <a:latin typeface="Calibri Light"/>
         <a:ea typeface=""/>
         <a:cs typeface=""/>
         <a:font script="Jpan" typeface="游ゴシック Light"/>
@@ -11546,7 +10507,7 @@
         <a:font script="Geor" typeface="Sylfaen"/>
       </a:majorFont>
       <a:minorFont>
-        <a:latin typeface="Calibri" panose="020F0502020204030204"/>
+        <a:latin typeface="Calibri"/>
         <a:ea typeface=""/>
         <a:cs typeface=""/>
         <a:font script="Jpan" typeface="游ゴシック"/>

--- a/tfg_presentacio.pptx
+++ b/tfg_presentacio.pptx
@@ -5,7 +5,7 @@
     <p:sldMasterId id="2147484032" r:id="rId1"/>
   </p:sldMasterIdLst>
   <p:notesMasterIdLst>
-    <p:notesMasterId r:id="rId20"/>
+    <p:notesMasterId r:id="rId22"/>
   </p:notesMasterIdLst>
   <p:sldIdLst>
     <p:sldId id="256" r:id="rId2"/>
@@ -20,12 +20,14 @@
     <p:sldId id="289" r:id="rId11"/>
     <p:sldId id="264" r:id="rId12"/>
     <p:sldId id="290" r:id="rId13"/>
-    <p:sldId id="278" r:id="rId14"/>
-    <p:sldId id="270" r:id="rId15"/>
-    <p:sldId id="271" r:id="rId16"/>
-    <p:sldId id="274" r:id="rId17"/>
-    <p:sldId id="291" r:id="rId18"/>
-    <p:sldId id="272" r:id="rId19"/>
+    <p:sldId id="291" r:id="rId14"/>
+    <p:sldId id="292" r:id="rId15"/>
+    <p:sldId id="278" r:id="rId16"/>
+    <p:sldId id="270" r:id="rId17"/>
+    <p:sldId id="271" r:id="rId18"/>
+    <p:sldId id="274" r:id="rId19"/>
+    <p:sldId id="293" r:id="rId20"/>
+    <p:sldId id="272" r:id="rId21"/>
   </p:sldIdLst>
   <p:sldSz cx="12192000" cy="6858000"/>
   <p:notesSz cx="6858000" cy="9144000"/>
@@ -126,18 +128,7 @@
   </p:defaultTextStyle>
   <p:extLst>
     <p:ext uri="{EFAFB233-063F-42B5-8137-9DF3F51BA10A}">
-      <p15:sldGuideLst xmlns:p15="http://schemas.microsoft.com/office/powerpoint/2012/main">
-        <p15:guide id="1" orient="horz" pos="2160">
-          <p15:clr>
-            <a:srgbClr val="A4A3A4"/>
-          </p15:clr>
-        </p15:guide>
-        <p15:guide id="2" pos="3840">
-          <p15:clr>
-            <a:srgbClr val="A4A3A4"/>
-          </p15:clr>
-        </p15:guide>
-      </p15:sldGuideLst>
+      <p15:sldGuideLst xmlns:p15="http://schemas.microsoft.com/office/powerpoint/2012/main"/>
     </p:ext>
   </p:extLst>
 </p:presentation>
@@ -1015,7 +1006,7 @@
         </a:p>
       </dgm:t>
     </dgm:pt>
-    <dgm:pt modelId="{C2C0682B-492B-4354-BD03-E1EA6DA555E8}">
+    <dgm:pt modelId="{E3B36F13-C95B-439B-A653-FDD9A530DB7E}">
       <dgm:prSet phldrT="[Texto]"/>
       <dgm:spPr/>
       <dgm:t>
@@ -1030,7 +1021,7 @@
         </a:p>
       </dgm:t>
     </dgm:pt>
-    <dgm:pt modelId="{67A2491E-F9C5-4351-B80F-84E9656D565F}" type="parTrans" cxnId="{192427F5-871E-443B-93F2-55ECBA4CB858}">
+    <dgm:pt modelId="{D1FBA947-3738-4BD1-ABCF-43807572AE30}" type="parTrans" cxnId="{8362E16F-D58A-4D3A-BD9F-858A2C6F6FDE}">
       <dgm:prSet/>
       <dgm:spPr/>
       <dgm:t>
@@ -1041,7 +1032,7 @@
         </a:p>
       </dgm:t>
     </dgm:pt>
-    <dgm:pt modelId="{957C5811-416D-4E0B-BF02-A352885BC917}" type="sibTrans" cxnId="{192427F5-871E-443B-93F2-55ECBA4CB858}">
+    <dgm:pt modelId="{283A1F31-1E31-4DF6-9219-F79784FA3C54}" type="sibTrans" cxnId="{8362E16F-D58A-4D3A-BD9F-858A2C6F6FDE}">
       <dgm:prSet/>
       <dgm:spPr/>
       <dgm:t>
@@ -1104,7 +1095,7 @@
       </dgm:t>
     </dgm:pt>
     <dgm:pt modelId="{ABD3C4A2-111C-4AE8-98A9-E78ACB0A510B}" type="pres">
-      <dgm:prSet presAssocID="{1B0363D8-0367-4F48-AB19-B0D674DCBDFD}" presName="parentText" presStyleLbl="node1" presStyleIdx="0" presStyleCnt="1">
+      <dgm:prSet presAssocID="{1B0363D8-0367-4F48-AB19-B0D674DCBDFD}" presName="parentText" presStyleLbl="node1" presStyleIdx="0" presStyleCnt="1" custScaleX="85496" custScaleY="88374">
         <dgm:presLayoutVars>
           <dgm:chMax val="1"/>
           <dgm:bulletEnabled val="1"/>
@@ -1121,18 +1112,18 @@
     </dgm:pt>
   </dgm:ptLst>
   <dgm:cxnLst>
-    <dgm:cxn modelId="{192427F5-871E-443B-93F2-55ECBA4CB858}" srcId="{1B0363D8-0367-4F48-AB19-B0D674DCBDFD}" destId="{C2C0682B-492B-4354-BD03-E1EA6DA555E8}" srcOrd="2" destOrd="0" parTransId="{67A2491E-F9C5-4351-B80F-84E9656D565F}" sibTransId="{957C5811-416D-4E0B-BF02-A352885BC917}"/>
-    <dgm:cxn modelId="{A7E289DE-95CB-41C9-988C-64DB30688CD0}" type="presOf" srcId="{1B0363D8-0367-4F48-AB19-B0D674DCBDFD}" destId="{ABD3C4A2-111C-4AE8-98A9-E78ACB0A510B}" srcOrd="0" destOrd="0" presId="urn:microsoft.com/office/officeart/2005/8/layout/hProcess6"/>
+    <dgm:cxn modelId="{0192BC3B-3D76-40CB-9486-FC8A36592C3E}" srcId="{8CFA3F15-CDB4-4E87-8C55-796BC5BC2ACE}" destId="{1B0363D8-0367-4F48-AB19-B0D674DCBDFD}" srcOrd="0" destOrd="0" parTransId="{AC984062-FED2-446B-9345-AE1FC5C0DF38}" sibTransId="{A296782E-A11C-4918-A49A-70940DC2FD1C}"/>
+    <dgm:cxn modelId="{692A4DEC-21F5-42B6-B79A-2D60FDF97423}" type="presOf" srcId="{7839A93D-C4F4-4C0B-975E-7898EEA1093D}" destId="{049AFD20-6B73-47B9-AC83-32D61B685470}" srcOrd="1" destOrd="0" presId="urn:microsoft.com/office/officeart/2005/8/layout/hProcess6"/>
+    <dgm:cxn modelId="{27FADA3E-5163-497D-ABA3-2BD98D95C714}" srcId="{1B0363D8-0367-4F48-AB19-B0D674DCBDFD}" destId="{301F2220-A48B-4EE8-B86A-728339E365F3}" srcOrd="1" destOrd="0" parTransId="{70C99F6C-E755-456F-B49D-02EC45016A4D}" sibTransId="{080682DF-4572-4030-961F-E679A8343956}"/>
+    <dgm:cxn modelId="{C165C8B3-8DC5-4978-AB69-53851A6C7EC6}" type="presOf" srcId="{301F2220-A48B-4EE8-B86A-728339E365F3}" destId="{457D56E9-BABF-4DAA-B00A-0413EC3B98F0}" srcOrd="0" destOrd="1" presId="urn:microsoft.com/office/officeart/2005/8/layout/hProcess6"/>
     <dgm:cxn modelId="{1D4D93EA-01AA-4B26-AAE0-65094AC07F3A}" type="presOf" srcId="{8CFA3F15-CDB4-4E87-8C55-796BC5BC2ACE}" destId="{D8C8F20A-58BC-4560-8401-C5EB3186DAFF}" srcOrd="0" destOrd="0" presId="urn:microsoft.com/office/officeart/2005/8/layout/hProcess6"/>
-    <dgm:cxn modelId="{0192BC3B-3D76-40CB-9486-FC8A36592C3E}" srcId="{8CFA3F15-CDB4-4E87-8C55-796BC5BC2ACE}" destId="{1B0363D8-0367-4F48-AB19-B0D674DCBDFD}" srcOrd="0" destOrd="0" parTransId="{AC984062-FED2-446B-9345-AE1FC5C0DF38}" sibTransId="{A296782E-A11C-4918-A49A-70940DC2FD1C}"/>
     <dgm:cxn modelId="{9DA822CB-5DC0-4615-A74A-7361C42345BE}" type="presOf" srcId="{7839A93D-C4F4-4C0B-975E-7898EEA1093D}" destId="{457D56E9-BABF-4DAA-B00A-0413EC3B98F0}" srcOrd="0" destOrd="0" presId="urn:microsoft.com/office/officeart/2005/8/layout/hProcess6"/>
     <dgm:cxn modelId="{6768F2BA-9F47-4C9A-B172-3A9FF06DBB2D}" srcId="{1B0363D8-0367-4F48-AB19-B0D674DCBDFD}" destId="{7839A93D-C4F4-4C0B-975E-7898EEA1093D}" srcOrd="0" destOrd="0" parTransId="{52C6D2CE-61A0-4C52-AEF1-F3D81A751664}" sibTransId="{30731B15-C810-4AE0-B11E-00AA438E4042}"/>
+    <dgm:cxn modelId="{A7E289DE-95CB-41C9-988C-64DB30688CD0}" type="presOf" srcId="{1B0363D8-0367-4F48-AB19-B0D674DCBDFD}" destId="{ABD3C4A2-111C-4AE8-98A9-E78ACB0A510B}" srcOrd="0" destOrd="0" presId="urn:microsoft.com/office/officeart/2005/8/layout/hProcess6"/>
+    <dgm:cxn modelId="{72F3F5CC-C001-4D33-B649-299DC8AB2F29}" type="presOf" srcId="{E3B36F13-C95B-439B-A653-FDD9A530DB7E}" destId="{049AFD20-6B73-47B9-AC83-32D61B685470}" srcOrd="1" destOrd="2" presId="urn:microsoft.com/office/officeart/2005/8/layout/hProcess6"/>
+    <dgm:cxn modelId="{F7F0F1C5-0B02-4A4E-B33B-AB67D2E998D9}" type="presOf" srcId="{E3B36F13-C95B-439B-A653-FDD9A530DB7E}" destId="{457D56E9-BABF-4DAA-B00A-0413EC3B98F0}" srcOrd="0" destOrd="2" presId="urn:microsoft.com/office/officeart/2005/8/layout/hProcess6"/>
+    <dgm:cxn modelId="{8362E16F-D58A-4D3A-BD9F-858A2C6F6FDE}" srcId="{1B0363D8-0367-4F48-AB19-B0D674DCBDFD}" destId="{E3B36F13-C95B-439B-A653-FDD9A530DB7E}" srcOrd="2" destOrd="0" parTransId="{D1FBA947-3738-4BD1-ABCF-43807572AE30}" sibTransId="{283A1F31-1E31-4DF6-9219-F79784FA3C54}"/>
     <dgm:cxn modelId="{1AD7A617-7584-4D9C-A99B-2A9E1734FF74}" type="presOf" srcId="{301F2220-A48B-4EE8-B86A-728339E365F3}" destId="{049AFD20-6B73-47B9-AC83-32D61B685470}" srcOrd="1" destOrd="1" presId="urn:microsoft.com/office/officeart/2005/8/layout/hProcess6"/>
-    <dgm:cxn modelId="{692A4DEC-21F5-42B6-B79A-2D60FDF97423}" type="presOf" srcId="{7839A93D-C4F4-4C0B-975E-7898EEA1093D}" destId="{049AFD20-6B73-47B9-AC83-32D61B685470}" srcOrd="1" destOrd="0" presId="urn:microsoft.com/office/officeart/2005/8/layout/hProcess6"/>
-    <dgm:cxn modelId="{41B6446F-B455-48ED-8E76-ED1F0E8A138C}" type="presOf" srcId="{C2C0682B-492B-4354-BD03-E1EA6DA555E8}" destId="{457D56E9-BABF-4DAA-B00A-0413EC3B98F0}" srcOrd="0" destOrd="2" presId="urn:microsoft.com/office/officeart/2005/8/layout/hProcess6"/>
-    <dgm:cxn modelId="{A0AFFE47-4587-4345-B3AB-6067EA3E67B2}" type="presOf" srcId="{C2C0682B-492B-4354-BD03-E1EA6DA555E8}" destId="{049AFD20-6B73-47B9-AC83-32D61B685470}" srcOrd="1" destOrd="2" presId="urn:microsoft.com/office/officeart/2005/8/layout/hProcess6"/>
-    <dgm:cxn modelId="{C165C8B3-8DC5-4978-AB69-53851A6C7EC6}" type="presOf" srcId="{301F2220-A48B-4EE8-B86A-728339E365F3}" destId="{457D56E9-BABF-4DAA-B00A-0413EC3B98F0}" srcOrd="0" destOrd="1" presId="urn:microsoft.com/office/officeart/2005/8/layout/hProcess6"/>
-    <dgm:cxn modelId="{27FADA3E-5163-497D-ABA3-2BD98D95C714}" srcId="{1B0363D8-0367-4F48-AB19-B0D674DCBDFD}" destId="{301F2220-A48B-4EE8-B86A-728339E365F3}" srcOrd="1" destOrd="0" parTransId="{70C99F6C-E755-456F-B49D-02EC45016A4D}" sibTransId="{080682DF-4572-4030-961F-E679A8343956}"/>
     <dgm:cxn modelId="{EE68230C-F14F-47E8-81B5-B891E14EDDAB}" type="presParOf" srcId="{D8C8F20A-58BC-4560-8401-C5EB3186DAFF}" destId="{9CDB8CE9-970D-4AE0-A1DF-2C7E56965002}" srcOrd="0" destOrd="0" presId="urn:microsoft.com/office/officeart/2005/8/layout/hProcess6"/>
     <dgm:cxn modelId="{FA3F609F-8449-41FA-9A4F-EF910B56AF75}" type="presParOf" srcId="{9CDB8CE9-970D-4AE0-A1DF-2C7E56965002}" destId="{7A84F4C7-3A45-467C-B0B2-6AD99C65961A}" srcOrd="0" destOrd="0" presId="urn:microsoft.com/office/officeart/2005/8/layout/hProcess6"/>
     <dgm:cxn modelId="{2239C11D-D862-4AC7-A696-D0C1EDB8907D}" type="presParOf" srcId="{9CDB8CE9-970D-4AE0-A1DF-2C7E56965002}" destId="{457D56E9-BABF-4DAA-B00A-0413EC3B98F0}" srcOrd="1" destOrd="0" presId="urn:microsoft.com/office/officeart/2005/8/layout/hProcess6"/>
@@ -1157,204 +1148,6 @@
       <dsp:cNvGrpSpPr/>
     </dsp:nvGrpSpPr>
     <dsp:grpSpPr/>
-    <dsp:sp modelId="{457D56E9-BABF-4DAA-B00A-0413EC3B98F0}">
-      <dsp:nvSpPr>
-        <dsp:cNvPr id="0" name=""/>
-        <dsp:cNvSpPr/>
-      </dsp:nvSpPr>
-      <dsp:spPr>
-        <a:xfrm>
-          <a:off x="1581678" y="0"/>
-          <a:ext cx="4868545" cy="3678238"/>
-        </a:xfrm>
-        <a:prstGeom prst="rightArrow">
-          <a:avLst>
-            <a:gd name="adj1" fmla="val 70000"/>
-            <a:gd name="adj2" fmla="val 50000"/>
-          </a:avLst>
-        </a:prstGeom>
-        <a:solidFill>
-          <a:schemeClr val="accent1">
-            <a:alpha val="90000"/>
-            <a:tint val="40000"/>
-            <a:hueOff val="0"/>
-            <a:satOff val="0"/>
-            <a:lumOff val="0"/>
-            <a:alphaOff val="0"/>
-          </a:schemeClr>
-        </a:solidFill>
-        <a:ln w="22225" cap="rnd" cmpd="sng" algn="ctr">
-          <a:solidFill>
-            <a:schemeClr val="accent1">
-              <a:alpha val="90000"/>
-              <a:tint val="40000"/>
-              <a:hueOff val="0"/>
-              <a:satOff val="0"/>
-              <a:lumOff val="0"/>
-              <a:alphaOff val="0"/>
-            </a:schemeClr>
-          </a:solidFill>
-          <a:prstDash val="solid"/>
-        </a:ln>
-        <a:effectLst/>
-      </dsp:spPr>
-      <dsp:style>
-        <a:lnRef idx="2">
-          <a:scrgbClr r="0" g="0" b="0"/>
-        </a:lnRef>
-        <a:fillRef idx="1">
-          <a:scrgbClr r="0" g="0" b="0"/>
-        </a:fillRef>
-        <a:effectRef idx="0">
-          <a:scrgbClr r="0" g="0" b="0"/>
-        </a:effectRef>
-        <a:fontRef idx="minor"/>
-      </dsp:style>
-      <dsp:txBody>
-        <a:bodyPr spcFirstLastPara="0" vert="horz" wrap="square" lIns="66040" tIns="16510" rIns="33020" bIns="16510" numCol="1" spcCol="1270" anchor="ctr" anchorCtr="0">
-          <a:noAutofit/>
-        </a:bodyPr>
-        <a:lstStyle/>
-        <a:p>
-          <a:pPr marL="228600" lvl="1" indent="-228600" algn="l" defTabSz="1155700">
-            <a:lnSpc>
-              <a:spcPct val="90000"/>
-            </a:lnSpc>
-            <a:spcBef>
-              <a:spcPct val="0"/>
-            </a:spcBef>
-            <a:spcAft>
-              <a:spcPct val="15000"/>
-            </a:spcAft>
-            <a:buChar char="••"/>
-          </a:pPr>
-          <a:r>
-            <a:rPr lang="es-ES" sz="2600" kern="1200" dirty="0" smtClean="0"/>
-            <a:t>Rápido</a:t>
-          </a:r>
-          <a:endParaRPr lang="es-ES" sz="2600" kern="1200" dirty="0"/>
-        </a:p>
-        <a:p>
-          <a:pPr marL="228600" lvl="1" indent="-228600" algn="l" defTabSz="1155700">
-            <a:lnSpc>
-              <a:spcPct val="90000"/>
-            </a:lnSpc>
-            <a:spcBef>
-              <a:spcPct val="0"/>
-            </a:spcBef>
-            <a:spcAft>
-              <a:spcPct val="15000"/>
-            </a:spcAft>
-            <a:buChar char="••"/>
-          </a:pPr>
-          <a:r>
-            <a:rPr lang="es-ES" sz="2600" kern="1200" dirty="0" smtClean="0"/>
-            <a:t>Visión global situación</a:t>
-          </a:r>
-          <a:endParaRPr lang="es-ES" sz="2600" kern="1200" dirty="0"/>
-        </a:p>
-        <a:p>
-          <a:pPr marL="228600" lvl="1" indent="-228600" algn="l" defTabSz="1155700">
-            <a:lnSpc>
-              <a:spcPct val="90000"/>
-            </a:lnSpc>
-            <a:spcBef>
-              <a:spcPct val="0"/>
-            </a:spcBef>
-            <a:spcAft>
-              <a:spcPct val="15000"/>
-            </a:spcAft>
-            <a:buChar char="••"/>
-          </a:pPr>
-          <a:r>
-            <a:rPr lang="es-ES" sz="2600" kern="1200" dirty="0" smtClean="0"/>
-            <a:t>Fácil seguir orden de prioridad y de gestionar</a:t>
-          </a:r>
-          <a:endParaRPr lang="es-ES" sz="2600" kern="1200" dirty="0"/>
-        </a:p>
-      </dsp:txBody>
-      <dsp:txXfrm>
-        <a:off x="2798814" y="551736"/>
-        <a:ext cx="2373415" cy="2574766"/>
-      </dsp:txXfrm>
-    </dsp:sp>
-    <dsp:sp modelId="{ABD3C4A2-111C-4AE8-98A9-E78ACB0A510B}">
-      <dsp:nvSpPr>
-        <dsp:cNvPr id="0" name=""/>
-        <dsp:cNvSpPr/>
-      </dsp:nvSpPr>
-      <dsp:spPr>
-        <a:xfrm>
-          <a:off x="860023" y="787142"/>
-          <a:ext cx="2103952" cy="2103952"/>
-        </a:xfrm>
-        <a:prstGeom prst="ellipse">
-          <a:avLst/>
-        </a:prstGeom>
-        <a:solidFill>
-          <a:schemeClr val="accent1">
-            <a:hueOff val="0"/>
-            <a:satOff val="0"/>
-            <a:lumOff val="0"/>
-            <a:alphaOff val="0"/>
-          </a:schemeClr>
-        </a:solidFill>
-        <a:ln w="22225" cap="rnd" cmpd="sng" algn="ctr">
-          <a:solidFill>
-            <a:schemeClr val="lt1">
-              <a:hueOff val="0"/>
-              <a:satOff val="0"/>
-              <a:lumOff val="0"/>
-              <a:alphaOff val="0"/>
-            </a:schemeClr>
-          </a:solidFill>
-          <a:prstDash val="solid"/>
-        </a:ln>
-        <a:effectLst/>
-      </dsp:spPr>
-      <dsp:style>
-        <a:lnRef idx="2">
-          <a:scrgbClr r="0" g="0" b="0"/>
-        </a:lnRef>
-        <a:fillRef idx="1">
-          <a:scrgbClr r="0" g="0" b="0"/>
-        </a:fillRef>
-        <a:effectRef idx="0">
-          <a:scrgbClr r="0" g="0" b="0"/>
-        </a:effectRef>
-        <a:fontRef idx="minor">
-          <a:schemeClr val="lt1"/>
-        </a:fontRef>
-      </dsp:style>
-      <dsp:txBody>
-        <a:bodyPr spcFirstLastPara="0" vert="horz" wrap="square" lIns="17145" tIns="17145" rIns="17145" bIns="17145" numCol="1" spcCol="1270" anchor="ctr" anchorCtr="0">
-          <a:noAutofit/>
-        </a:bodyPr>
-        <a:lstStyle/>
-        <a:p>
-          <a:pPr lvl="0" algn="ctr" defTabSz="1200150">
-            <a:lnSpc>
-              <a:spcPct val="90000"/>
-            </a:lnSpc>
-            <a:spcBef>
-              <a:spcPct val="0"/>
-            </a:spcBef>
-            <a:spcAft>
-              <a:spcPct val="35000"/>
-            </a:spcAft>
-          </a:pPr>
-          <a:r>
-            <a:rPr lang="es-ES" sz="2700" kern="1200" dirty="0" smtClean="0"/>
-            <a:t>Aplicación web</a:t>
-          </a:r>
-          <a:endParaRPr lang="es-ES" sz="2700" kern="1200" dirty="0"/>
-        </a:p>
-      </dsp:txBody>
-      <dsp:txXfrm>
-        <a:off x="1168140" y="1095259"/>
-        <a:ext cx="1487718" cy="1487718"/>
-      </dsp:txXfrm>
-    </dsp:sp>
   </dsp:spTree>
 </dsp:drawing>
 </file>
@@ -7324,78 +7117,404 @@
         </p:spPr>
         <p:txBody>
           <a:bodyPr>
-            <a:normAutofit fontScale="62500" lnSpcReduction="20000"/>
+            <a:normAutofit/>
           </a:bodyPr>
           <a:lstStyle/>
           <a:p>
             <a:r>
-              <a:rPr lang="en-US" dirty="0"/>
-              <a:t>Allow the professors to log in with their corresponding credentials. The idea is that all the professors of the department can log in with their email and DNI number, which will be their password. </a:t>
-            </a:r>
-          </a:p>
-          <a:p>
-            <a:r>
-              <a:rPr lang="en-US" dirty="0"/>
-              <a:t>- Have an administrator user that can manage the web tool. This person has to be able to create, edit and delete users and subjects. </a:t>
-            </a:r>
-          </a:p>
-          <a:p>
-            <a:r>
-              <a:rPr lang="en-US" dirty="0"/>
-              <a:t>- Upload the files with the needed information of the professors and subjects in order to create a database. The file has to be in CSV format (comma-separated values file, each line of the file is a data record. Each record consists of one or more fields, Development of a computer-based tool to manage via web the teaching assignment </a:t>
-            </a:r>
-            <a:r>
-              <a:rPr lang="en-US" dirty="0" err="1"/>
-              <a:t>Pag</a:t>
-            </a:r>
-            <a:r>
-              <a:rPr lang="en-US" dirty="0"/>
-              <a:t>. 17 </a:t>
-            </a:r>
-          </a:p>
-          <a:p>
+              <a:rPr lang="en-US" dirty="0" err="1" smtClean="0"/>
+              <a:t>Profesores</a:t>
+            </a:r>
+            <a:r>
+              <a:rPr lang="en-US" dirty="0" smtClean="0"/>
+              <a:t>: </a:t>
+            </a:r>
+            <a:r>
+              <a:rPr lang="en-US" dirty="0" err="1" smtClean="0"/>
+              <a:t>Iniciar</a:t>
+            </a:r>
+            <a:r>
+              <a:rPr lang="en-US" dirty="0" smtClean="0"/>
+              <a:t> </a:t>
+            </a:r>
+            <a:r>
+              <a:rPr lang="en-US" dirty="0" err="1" smtClean="0"/>
+              <a:t>sesión</a:t>
+            </a:r>
+            <a:r>
+              <a:rPr lang="en-US" dirty="0" smtClean="0"/>
+              <a:t> con email y DNI </a:t>
+            </a:r>
+            <a:r>
+              <a:rPr lang="en-US" dirty="0" err="1" smtClean="0"/>
+              <a:t>como</a:t>
+            </a:r>
+            <a:r>
+              <a:rPr lang="en-US" dirty="0" smtClean="0"/>
+              <a:t> </a:t>
+            </a:r>
+            <a:r>
+              <a:rPr lang="en-US" dirty="0" err="1" smtClean="0"/>
+              <a:t>contraseña</a:t>
+            </a:r>
+            <a:r>
+              <a:rPr lang="en-US" dirty="0" smtClean="0"/>
+              <a:t>.</a:t>
+            </a:r>
+            <a:endParaRPr lang="en-US" dirty="0"/>
+          </a:p>
+          <a:p>
+            <a:r>
+              <a:rPr lang="en-US" dirty="0" err="1" smtClean="0"/>
+              <a:t>Usuario</a:t>
+            </a:r>
+            <a:r>
+              <a:rPr lang="en-US" dirty="0" smtClean="0"/>
+              <a:t> </a:t>
+            </a:r>
+            <a:r>
+              <a:rPr lang="en-US" dirty="0" err="1" smtClean="0"/>
+              <a:t>administrador</a:t>
+            </a:r>
+            <a:r>
+              <a:rPr lang="en-US" dirty="0" smtClean="0"/>
+              <a:t> para </a:t>
+            </a:r>
+            <a:r>
+              <a:rPr lang="en-US" dirty="0" err="1" smtClean="0"/>
+              <a:t>gestionar</a:t>
+            </a:r>
+            <a:r>
+              <a:rPr lang="en-US" dirty="0" smtClean="0"/>
+              <a:t> la </a:t>
+            </a:r>
+            <a:r>
+              <a:rPr lang="en-US" dirty="0" err="1" smtClean="0"/>
+              <a:t>herramienta</a:t>
+            </a:r>
+            <a:r>
+              <a:rPr lang="en-US" dirty="0" smtClean="0"/>
+              <a:t>.</a:t>
+            </a:r>
+          </a:p>
+          <a:p>
+            <a:r>
+              <a:rPr lang="en-US" dirty="0" err="1" smtClean="0"/>
+              <a:t>Subir</a:t>
+            </a:r>
+            <a:r>
+              <a:rPr lang="en-US" dirty="0" smtClean="0"/>
+              <a:t> </a:t>
+            </a:r>
+            <a:r>
+              <a:rPr lang="en-US" dirty="0" err="1" smtClean="0"/>
+              <a:t>archivos</a:t>
+            </a:r>
+            <a:r>
+              <a:rPr lang="en-US" dirty="0" smtClean="0"/>
+              <a:t> CSV para </a:t>
+            </a:r>
+            <a:r>
+              <a:rPr lang="en-US" dirty="0" err="1" smtClean="0"/>
+              <a:t>crear</a:t>
+            </a:r>
+            <a:r>
+              <a:rPr lang="en-US" dirty="0" smtClean="0"/>
+              <a:t> la base de </a:t>
+            </a:r>
+            <a:r>
+              <a:rPr lang="en-US" dirty="0" err="1" smtClean="0"/>
+              <a:t>datos</a:t>
+            </a:r>
+            <a:r>
+              <a:rPr lang="en-US" dirty="0" smtClean="0"/>
+              <a:t>.</a:t>
+            </a:r>
             <a:endParaRPr lang="es-ES" dirty="0"/>
           </a:p>
           <a:p>
             <a:r>
-              <a:rPr lang="en-US" dirty="0"/>
-              <a:t>separated by commas) with a determined number of columns specified in the web page. </a:t>
-            </a:r>
-          </a:p>
-          <a:p>
-            <a:r>
-              <a:rPr lang="en-US" dirty="0"/>
-              <a:t>- Allow the teaching staff to choose their teaching groups for the next academic year. </a:t>
-            </a:r>
-          </a:p>
-          <a:p>
-            <a:r>
-              <a:rPr lang="en-US" dirty="0"/>
-              <a:t>- Show the current situation of group occupation. The users have to be able to check if there are available groups for all the subjects in every moment and which groups they have selected. </a:t>
-            </a:r>
-          </a:p>
-          <a:p>
-            <a:r>
-              <a:rPr lang="en-US" dirty="0"/>
-              <a:t>- Show the group distribution. The professors have to be able to check what the other professors have chosen. </a:t>
-            </a:r>
-          </a:p>
-          <a:p>
-            <a:r>
-              <a:rPr lang="en-US" dirty="0"/>
-              <a:t>- Take into account the established criteria for choosing according to the seniority in the school. The administrator has to be able to change the order if needed. </a:t>
-            </a:r>
-          </a:p>
-          <a:p>
-            <a:r>
-              <a:rPr lang="en-US" dirty="0"/>
-              <a:t>- Send automatic emails to let the professors know when they can start choosing their academic preferences. </a:t>
-            </a:r>
-          </a:p>
-          <a:p>
-            <a:r>
-              <a:rPr lang="en-US" dirty="0"/>
-              <a:t>- Download the information in Microsoft Excel format in order to see more clearly the information and distribute it if needed. </a:t>
+              <a:rPr lang="en-US" dirty="0" err="1" smtClean="0"/>
+              <a:t>Permitir</a:t>
+            </a:r>
+            <a:r>
+              <a:rPr lang="en-US" dirty="0" smtClean="0"/>
+              <a:t> al </a:t>
+            </a:r>
+            <a:r>
+              <a:rPr lang="en-US" dirty="0" err="1" smtClean="0"/>
+              <a:t>equipo</a:t>
+            </a:r>
+            <a:r>
+              <a:rPr lang="en-US" dirty="0" smtClean="0"/>
+              <a:t> </a:t>
+            </a:r>
+            <a:r>
+              <a:rPr lang="en-US" dirty="0" err="1" smtClean="0"/>
+              <a:t>docente</a:t>
+            </a:r>
+            <a:r>
+              <a:rPr lang="en-US" dirty="0" smtClean="0"/>
+              <a:t> </a:t>
+            </a:r>
+            <a:r>
+              <a:rPr lang="en-US" dirty="0" err="1" smtClean="0"/>
+              <a:t>escoger</a:t>
+            </a:r>
+            <a:r>
+              <a:rPr lang="en-US" dirty="0" smtClean="0"/>
+              <a:t> </a:t>
+            </a:r>
+            <a:r>
+              <a:rPr lang="en-US" dirty="0" err="1" smtClean="0"/>
+              <a:t>asignaturas</a:t>
+            </a:r>
+            <a:r>
+              <a:rPr lang="en-US" dirty="0" smtClean="0"/>
+              <a:t> para </a:t>
+            </a:r>
+            <a:r>
+              <a:rPr lang="en-US" dirty="0" err="1" smtClean="0"/>
+              <a:t>imaprtir</a:t>
+            </a:r>
+            <a:r>
+              <a:rPr lang="en-US" dirty="0" smtClean="0"/>
+              <a:t> el </a:t>
+            </a:r>
+            <a:r>
+              <a:rPr lang="en-US" dirty="0" err="1" smtClean="0"/>
+              <a:t>siguiente</a:t>
+            </a:r>
+            <a:r>
+              <a:rPr lang="en-US" dirty="0" smtClean="0"/>
+              <a:t> </a:t>
+            </a:r>
+            <a:r>
+              <a:rPr lang="en-US" dirty="0" err="1" smtClean="0"/>
+              <a:t>curso</a:t>
+            </a:r>
+            <a:r>
+              <a:rPr lang="en-US" dirty="0" smtClean="0"/>
+              <a:t> </a:t>
+            </a:r>
+            <a:r>
+              <a:rPr lang="en-US" dirty="0" err="1" smtClean="0"/>
+              <a:t>académico</a:t>
+            </a:r>
+            <a:r>
+              <a:rPr lang="en-US" dirty="0" smtClean="0"/>
+              <a:t>.-</a:t>
+            </a:r>
+          </a:p>
+          <a:p>
+            <a:r>
+              <a:rPr lang="en-US" dirty="0" err="1" smtClean="0"/>
+              <a:t>Mostrar</a:t>
+            </a:r>
+            <a:r>
+              <a:rPr lang="en-US" dirty="0" smtClean="0"/>
+              <a:t> la </a:t>
+            </a:r>
+            <a:r>
+              <a:rPr lang="en-US" dirty="0" err="1" smtClean="0"/>
+              <a:t>situación</a:t>
+            </a:r>
+            <a:r>
+              <a:rPr lang="en-US" dirty="0" smtClean="0"/>
+              <a:t> actual de </a:t>
+            </a:r>
+            <a:r>
+              <a:rPr lang="en-US" dirty="0" err="1" smtClean="0"/>
+              <a:t>ocupación</a:t>
+            </a:r>
+            <a:r>
+              <a:rPr lang="en-US" dirty="0" smtClean="0"/>
+              <a:t> de </a:t>
+            </a:r>
+            <a:r>
+              <a:rPr lang="en-US" dirty="0" err="1" smtClean="0"/>
+              <a:t>asignaturas</a:t>
+            </a:r>
+            <a:r>
+              <a:rPr lang="en-US" dirty="0" smtClean="0"/>
+              <a:t>.</a:t>
+            </a:r>
+            <a:endParaRPr lang="en-US" dirty="0"/>
+          </a:p>
+          <a:p>
+            <a:r>
+              <a:rPr lang="en-US" dirty="0" err="1" smtClean="0"/>
+              <a:t>Mostrar</a:t>
+            </a:r>
+            <a:r>
+              <a:rPr lang="en-US" dirty="0" smtClean="0"/>
+              <a:t> </a:t>
+            </a:r>
+            <a:r>
+              <a:rPr lang="en-US" dirty="0" err="1" smtClean="0"/>
+              <a:t>distribución</a:t>
+            </a:r>
+            <a:r>
+              <a:rPr lang="en-US" dirty="0" smtClean="0"/>
+              <a:t> de </a:t>
+            </a:r>
+            <a:r>
+              <a:rPr lang="en-US" dirty="0" err="1" smtClean="0"/>
+              <a:t>grupos</a:t>
+            </a:r>
+            <a:r>
+              <a:rPr lang="en-US" dirty="0" smtClean="0"/>
+              <a:t> </a:t>
+            </a:r>
+            <a:r>
+              <a:rPr lang="en-US" dirty="0" err="1" smtClean="0"/>
+              <a:t>por</a:t>
+            </a:r>
+            <a:r>
+              <a:rPr lang="en-US" dirty="0" smtClean="0"/>
+              <a:t> </a:t>
+            </a:r>
+            <a:r>
+              <a:rPr lang="en-US" dirty="0" err="1" smtClean="0"/>
+              <a:t>profesores</a:t>
+            </a:r>
+            <a:r>
+              <a:rPr lang="en-US" dirty="0" smtClean="0"/>
+              <a:t>.</a:t>
+            </a:r>
+          </a:p>
+          <a:p>
+            <a:r>
+              <a:rPr lang="en-US" dirty="0" err="1" smtClean="0"/>
+              <a:t>Tener</a:t>
+            </a:r>
+            <a:r>
+              <a:rPr lang="en-US" dirty="0" smtClean="0"/>
+              <a:t> en </a:t>
+            </a:r>
+            <a:r>
+              <a:rPr lang="en-US" dirty="0" err="1" smtClean="0"/>
+              <a:t>cuenta</a:t>
+            </a:r>
+            <a:r>
+              <a:rPr lang="en-US" dirty="0" smtClean="0"/>
+              <a:t> el </a:t>
+            </a:r>
+            <a:r>
+              <a:rPr lang="en-US" dirty="0" err="1" smtClean="0"/>
+              <a:t>orden</a:t>
+            </a:r>
+            <a:r>
+              <a:rPr lang="en-US" dirty="0" smtClean="0"/>
+              <a:t> de </a:t>
+            </a:r>
+            <a:r>
+              <a:rPr lang="en-US" dirty="0" err="1" smtClean="0"/>
+              <a:t>prioridad</a:t>
+            </a:r>
+            <a:r>
+              <a:rPr lang="en-US" dirty="0" smtClean="0"/>
+              <a:t> para </a:t>
+            </a:r>
+            <a:r>
+              <a:rPr lang="en-US" dirty="0" err="1" smtClean="0"/>
+              <a:t>escoger</a:t>
+            </a:r>
+            <a:r>
+              <a:rPr lang="en-US" dirty="0" smtClean="0"/>
+              <a:t>.</a:t>
+            </a:r>
+          </a:p>
+          <a:p>
+            <a:r>
+              <a:rPr lang="en-US" dirty="0" err="1" smtClean="0"/>
+              <a:t>Envío</a:t>
+            </a:r>
+            <a:r>
+              <a:rPr lang="en-US" dirty="0" smtClean="0"/>
+              <a:t> automatic de mails para </a:t>
+            </a:r>
+            <a:r>
+              <a:rPr lang="en-US" dirty="0" err="1" smtClean="0"/>
+              <a:t>avisar</a:t>
+            </a:r>
+            <a:r>
+              <a:rPr lang="en-US" dirty="0" smtClean="0"/>
+              <a:t> a los </a:t>
+            </a:r>
+            <a:r>
+              <a:rPr lang="en-US" dirty="0" err="1" smtClean="0"/>
+              <a:t>profesores</a:t>
+            </a:r>
+            <a:r>
+              <a:rPr lang="en-US" dirty="0" smtClean="0"/>
+              <a:t> </a:t>
+            </a:r>
+            <a:r>
+              <a:rPr lang="en-US" dirty="0" err="1" smtClean="0"/>
+              <a:t>que</a:t>
+            </a:r>
+            <a:r>
+              <a:rPr lang="en-US" dirty="0" smtClean="0"/>
+              <a:t> </a:t>
+            </a:r>
+            <a:r>
+              <a:rPr lang="en-US" dirty="0" err="1" smtClean="0"/>
+              <a:t>ya</a:t>
+            </a:r>
+            <a:r>
+              <a:rPr lang="en-US" dirty="0" smtClean="0"/>
+              <a:t> </a:t>
+            </a:r>
+            <a:r>
+              <a:rPr lang="en-US" dirty="0" err="1" smtClean="0"/>
+              <a:t>pueden</a:t>
+            </a:r>
+            <a:r>
+              <a:rPr lang="en-US" dirty="0" smtClean="0"/>
+              <a:t> </a:t>
+            </a:r>
+            <a:r>
+              <a:rPr lang="en-US" dirty="0" err="1" smtClean="0"/>
+              <a:t>escoger</a:t>
+            </a:r>
+            <a:r>
+              <a:rPr lang="en-US" dirty="0" smtClean="0"/>
+              <a:t>.</a:t>
+            </a:r>
+          </a:p>
+          <a:p>
+            <a:r>
+              <a:rPr lang="en-US" dirty="0" err="1" smtClean="0"/>
+              <a:t>Descargar</a:t>
+            </a:r>
+            <a:r>
+              <a:rPr lang="en-US" dirty="0" smtClean="0"/>
+              <a:t> </a:t>
+            </a:r>
+            <a:r>
+              <a:rPr lang="en-US" dirty="0" err="1" smtClean="0"/>
+              <a:t>fichero</a:t>
+            </a:r>
+            <a:r>
+              <a:rPr lang="en-US" dirty="0" smtClean="0"/>
+              <a:t> Excel con </a:t>
+            </a:r>
+            <a:r>
+              <a:rPr lang="en-US" dirty="0" err="1" smtClean="0"/>
+              <a:t>toda</a:t>
+            </a:r>
+            <a:r>
+              <a:rPr lang="en-US" dirty="0" smtClean="0"/>
+              <a:t> la </a:t>
+            </a:r>
+            <a:r>
+              <a:rPr lang="en-US" dirty="0" err="1" smtClean="0"/>
+              <a:t>información</a:t>
+            </a:r>
+            <a:r>
+              <a:rPr lang="en-US" dirty="0" smtClean="0"/>
+              <a:t>.</a:t>
             </a:r>
             <a:endParaRPr lang="es-ES" dirty="0"/>
           </a:p>
@@ -7534,16 +7653,16 @@
           </a:p>
           <a:p>
             <a:r>
-              <a:rPr lang="en-US" dirty="0" smtClean="0"/>
+              <a:rPr lang="en-US" b="1" dirty="0" err="1" smtClean="0"/>
+              <a:t>Github</a:t>
+            </a:r>
+            <a:r>
+              <a:rPr lang="en-US" b="1" dirty="0" smtClean="0"/>
               <a:t> </a:t>
             </a:r>
             <a:r>
-              <a:rPr lang="en-US" b="1" dirty="0" err="1"/>
-              <a:t>Github</a:t>
-            </a:r>
-            <a:r>
               <a:rPr lang="en-US" b="1" dirty="0"/>
-              <a:t> Desktop </a:t>
+              <a:t>Desktop </a:t>
             </a:r>
             <a:r>
               <a:rPr lang="en-US" b="1" dirty="0" smtClean="0"/>
@@ -7669,8 +7788,8 @@
         </p:blipFill>
         <p:spPr>
           <a:xfrm>
-            <a:off x="2817844" y="3080871"/>
-            <a:ext cx="7068376" cy="1897233"/>
+            <a:off x="1353651" y="2563146"/>
+            <a:ext cx="9484697" cy="2545801"/>
           </a:xfrm>
           <a:prstGeom prst="rect">
             <a:avLst/>
@@ -7702,6 +7821,66 @@
               <a:t>/22</a:t>
             </a:r>
             <a:endParaRPr lang="ca-ES" dirty="0"/>
+          </a:p>
+        </p:txBody>
+      </p:sp>
+      <p:sp>
+        <p:nvSpPr>
+          <p:cNvPr id="5" name="TextBox 4"/>
+          <p:cNvSpPr txBox="1"/>
+          <p:nvPr/>
+        </p:nvSpPr>
+        <p:spPr>
+          <a:xfrm>
+            <a:off x="1289643" y="2118064"/>
+            <a:ext cx="3648117" cy="369332"/>
+          </a:xfrm>
+          <a:prstGeom prst="rect">
+            <a:avLst/>
+          </a:prstGeom>
+          <a:noFill/>
+        </p:spPr>
+        <p:txBody>
+          <a:bodyPr wrap="square" rtlCol="0">
+            <a:spAutoFit/>
+          </a:bodyPr>
+          <a:lstStyle/>
+          <a:p>
+            <a:pPr marL="306000" indent="-306000" defTabSz="457200">
+              <a:spcBef>
+                <a:spcPct val="20000"/>
+              </a:spcBef>
+              <a:spcAft>
+                <a:spcPts val="600"/>
+              </a:spcAft>
+              <a:buClr>
+                <a:schemeClr val="accent2"/>
+              </a:buClr>
+              <a:buSzPct val="92000"/>
+              <a:buFont typeface="Wingdings 2" panose="05020102010507070707" pitchFamily="18" charset="2"/>
+              <a:buChar char=""/>
+            </a:pPr>
+            <a:r>
+              <a:rPr lang="es-ES" dirty="0">
+                <a:solidFill>
+                  <a:schemeClr val="tx2"/>
+                </a:solidFill>
+              </a:rPr>
+              <a:t>Base de datos </a:t>
+            </a:r>
+            <a:r>
+              <a:rPr lang="es-ES" dirty="0" err="1">
+                <a:solidFill>
+                  <a:schemeClr val="tx2"/>
+                </a:solidFill>
+              </a:rPr>
+              <a:t>tfg</a:t>
+            </a:r>
+            <a:endParaRPr lang="es-ES" dirty="0">
+              <a:solidFill>
+                <a:schemeClr val="tx2"/>
+              </a:solidFill>
+            </a:endParaRPr>
           </a:p>
         </p:txBody>
       </p:sp>
@@ -7754,12 +7933,14 @@
         </p:nvSpPr>
         <p:spPr/>
         <p:txBody>
-          <a:bodyPr/>
+          <a:bodyPr>
+            <a:normAutofit/>
+          </a:bodyPr>
           <a:lstStyle/>
           <a:p>
             <a:r>
               <a:rPr lang="es-ES" dirty="0" smtClean="0"/>
-              <a:t>Casos De uso</a:t>
+              <a:t>Desarrollo – Base de datos</a:t>
             </a:r>
             <a:endParaRPr lang="ca-ES" dirty="0"/>
           </a:p>
@@ -7795,26 +7976,188 @@
       </p:sp>
       <p:sp>
         <p:nvSpPr>
-          <p:cNvPr id="6" name="Content Placeholder 5"/>
-          <p:cNvSpPr>
-            <a:spLocks noGrp="1"/>
-          </p:cNvSpPr>
-          <p:nvPr>
-            <p:ph idx="1"/>
-          </p:nvPr>
-        </p:nvSpPr>
-        <p:spPr/>
-        <p:txBody>
-          <a:bodyPr/>
+          <p:cNvPr id="5" name="TextBox 4"/>
+          <p:cNvSpPr txBox="1"/>
+          <p:nvPr/>
+        </p:nvSpPr>
+        <p:spPr>
+          <a:xfrm>
+            <a:off x="1289643" y="2118064"/>
+            <a:ext cx="3648117" cy="2416046"/>
+          </a:xfrm>
+          <a:prstGeom prst="rect">
+            <a:avLst/>
+          </a:prstGeom>
+          <a:noFill/>
+        </p:spPr>
+        <p:txBody>
+          <a:bodyPr wrap="square" rtlCol="0">
+            <a:spAutoFit/>
+          </a:bodyPr>
           <a:lstStyle/>
           <a:p>
-            <a:endParaRPr lang="es-ES" dirty="0"/>
+            <a:pPr marL="306000" indent="-306000" defTabSz="457200">
+              <a:spcBef>
+                <a:spcPct val="20000"/>
+              </a:spcBef>
+              <a:spcAft>
+                <a:spcPts val="600"/>
+              </a:spcAft>
+              <a:buClr>
+                <a:schemeClr val="accent2"/>
+              </a:buClr>
+              <a:buSzPct val="92000"/>
+              <a:buFont typeface="Wingdings 2" panose="05020102010507070707" pitchFamily="18" charset="2"/>
+              <a:buChar char=""/>
+            </a:pPr>
+            <a:r>
+              <a:rPr lang="es-ES" dirty="0" smtClean="0">
+                <a:solidFill>
+                  <a:schemeClr val="tx2"/>
+                </a:solidFill>
+              </a:rPr>
+              <a:t>Tabla </a:t>
+            </a:r>
+            <a:r>
+              <a:rPr lang="es-ES" dirty="0" err="1" smtClean="0">
+                <a:solidFill>
+                  <a:schemeClr val="tx2"/>
+                </a:solidFill>
+              </a:rPr>
+              <a:t>Professors</a:t>
+            </a:r>
+            <a:endParaRPr lang="es-ES" dirty="0" smtClean="0">
+              <a:solidFill>
+                <a:schemeClr val="tx2"/>
+              </a:solidFill>
+            </a:endParaRPr>
+          </a:p>
+          <a:p>
+            <a:pPr marL="306000" indent="-306000" defTabSz="457200">
+              <a:spcBef>
+                <a:spcPct val="20000"/>
+              </a:spcBef>
+              <a:spcAft>
+                <a:spcPts val="600"/>
+              </a:spcAft>
+              <a:buClr>
+                <a:schemeClr val="accent2"/>
+              </a:buClr>
+              <a:buSzPct val="92000"/>
+              <a:buFont typeface="Wingdings 2" panose="05020102010507070707" pitchFamily="18" charset="2"/>
+              <a:buChar char=""/>
+            </a:pPr>
+            <a:endParaRPr lang="es-ES" dirty="0">
+              <a:solidFill>
+                <a:schemeClr val="tx2"/>
+              </a:solidFill>
+            </a:endParaRPr>
+          </a:p>
+          <a:p>
+            <a:pPr marL="306000" indent="-306000" defTabSz="457200">
+              <a:spcBef>
+                <a:spcPct val="20000"/>
+              </a:spcBef>
+              <a:spcAft>
+                <a:spcPts val="600"/>
+              </a:spcAft>
+              <a:buClr>
+                <a:schemeClr val="accent2"/>
+              </a:buClr>
+              <a:buSzPct val="92000"/>
+              <a:buFont typeface="Wingdings 2" panose="05020102010507070707" pitchFamily="18" charset="2"/>
+              <a:buChar char=""/>
+            </a:pPr>
+            <a:endParaRPr lang="es-ES" dirty="0" smtClean="0">
+              <a:solidFill>
+                <a:schemeClr val="tx2"/>
+              </a:solidFill>
+            </a:endParaRPr>
+          </a:p>
+          <a:p>
+            <a:pPr marL="306000" indent="-306000" defTabSz="457200">
+              <a:spcBef>
+                <a:spcPct val="20000"/>
+              </a:spcBef>
+              <a:spcAft>
+                <a:spcPts val="600"/>
+              </a:spcAft>
+              <a:buClr>
+                <a:schemeClr val="accent2"/>
+              </a:buClr>
+              <a:buSzPct val="92000"/>
+              <a:buFont typeface="Wingdings 2" panose="05020102010507070707" pitchFamily="18" charset="2"/>
+              <a:buChar char=""/>
+            </a:pPr>
+            <a:endParaRPr lang="es-ES" dirty="0">
+              <a:solidFill>
+                <a:schemeClr val="tx2"/>
+              </a:solidFill>
+            </a:endParaRPr>
+          </a:p>
+          <a:p>
+            <a:pPr marL="306000" indent="-306000" defTabSz="457200">
+              <a:spcBef>
+                <a:spcPct val="20000"/>
+              </a:spcBef>
+              <a:spcAft>
+                <a:spcPts val="600"/>
+              </a:spcAft>
+              <a:buClr>
+                <a:schemeClr val="accent2"/>
+              </a:buClr>
+              <a:buSzPct val="92000"/>
+              <a:buFont typeface="Wingdings 2" panose="05020102010507070707" pitchFamily="18" charset="2"/>
+              <a:buChar char=""/>
+            </a:pPr>
+            <a:endParaRPr lang="es-ES" dirty="0" smtClean="0">
+              <a:solidFill>
+                <a:schemeClr val="tx2"/>
+              </a:solidFill>
+            </a:endParaRPr>
+          </a:p>
+          <a:p>
+            <a:pPr marL="306000" indent="-306000" defTabSz="457200">
+              <a:spcBef>
+                <a:spcPct val="20000"/>
+              </a:spcBef>
+              <a:spcAft>
+                <a:spcPts val="600"/>
+              </a:spcAft>
+              <a:buClr>
+                <a:schemeClr val="accent2"/>
+              </a:buClr>
+              <a:buSzPct val="92000"/>
+              <a:buFont typeface="Wingdings 2" panose="05020102010507070707" pitchFamily="18" charset="2"/>
+              <a:buChar char=""/>
+            </a:pPr>
+            <a:r>
+              <a:rPr lang="es-ES" dirty="0" smtClean="0">
+                <a:solidFill>
+                  <a:schemeClr val="tx2"/>
+                </a:solidFill>
+              </a:rPr>
+              <a:t>Tabla </a:t>
+            </a:r>
+            <a:r>
+              <a:rPr lang="es-ES" dirty="0" err="1" smtClean="0">
+                <a:solidFill>
+                  <a:schemeClr val="tx2"/>
+                </a:solidFill>
+              </a:rPr>
+              <a:t>Assignatures</a:t>
+            </a:r>
+            <a:endParaRPr lang="es-ES" dirty="0">
+              <a:solidFill>
+                <a:schemeClr val="tx2"/>
+              </a:solidFill>
+            </a:endParaRPr>
           </a:p>
         </p:txBody>
       </p:sp>
       <p:pic>
         <p:nvPicPr>
-          <p:cNvPr id="7" name="Picture 6"/>
+          <p:cNvPr id="6" name="Picture 5"/>
           <p:cNvPicPr>
             <a:picLocks noChangeAspect="1"/>
           </p:cNvPicPr>
@@ -7828,8 +8171,32 @@
         </p:blipFill>
         <p:spPr>
           <a:xfrm>
-            <a:off x="4381049" y="1911732"/>
-            <a:ext cx="3429900" cy="4226967"/>
+            <a:off x="1987954" y="2688074"/>
+            <a:ext cx="8088076" cy="951500"/>
+          </a:xfrm>
+          <a:prstGeom prst="rect">
+            <a:avLst/>
+          </a:prstGeom>
+        </p:spPr>
+      </p:pic>
+      <p:pic>
+        <p:nvPicPr>
+          <p:cNvPr id="8" name="Picture 7"/>
+          <p:cNvPicPr>
+            <a:picLocks noChangeAspect="1"/>
+          </p:cNvPicPr>
+          <p:nvPr/>
+        </p:nvPicPr>
+        <p:blipFill>
+          <a:blip r:embed="rId3"/>
+          <a:stretch>
+            <a:fillRect/>
+          </a:stretch>
+        </p:blipFill>
+        <p:spPr>
+          <a:xfrm>
+            <a:off x="1987954" y="4677386"/>
+            <a:ext cx="2966400" cy="853467"/>
           </a:xfrm>
           <a:prstGeom prst="rect">
             <a:avLst/>
@@ -7839,7 +8206,7 @@
     </p:spTree>
     <p:extLst>
       <p:ext uri="{BB962C8B-B14F-4D97-AF65-F5344CB8AC3E}">
-        <p14:creationId xmlns:p14="http://schemas.microsoft.com/office/powerpoint/2010/main" val="2410747244"/>
+        <p14:creationId xmlns:p14="http://schemas.microsoft.com/office/powerpoint/2010/main" val="569568457"/>
       </p:ext>
     </p:extLst>
   </p:cSld>
@@ -7885,119 +8252,135 @@
         </p:nvSpPr>
         <p:spPr/>
         <p:txBody>
+          <a:bodyPr>
+            <a:normAutofit/>
+          </a:bodyPr>
+          <a:lstStyle/>
+          <a:p>
+            <a:r>
+              <a:rPr lang="es-ES" dirty="0" smtClean="0"/>
+              <a:t>Desarrollo – Base de datos</a:t>
+            </a:r>
+            <a:endParaRPr lang="ca-ES" dirty="0"/>
+          </a:p>
+        </p:txBody>
+      </p:sp>
+      <p:sp>
+        <p:nvSpPr>
+          <p:cNvPr id="3" name="Marcador de número de diapositiva 2"/>
+          <p:cNvSpPr>
+            <a:spLocks noGrp="1"/>
+          </p:cNvSpPr>
+          <p:nvPr>
+            <p:ph type="sldNum" sz="quarter" idx="12"/>
+          </p:nvPr>
+        </p:nvSpPr>
+        <p:spPr/>
+        <p:txBody>
           <a:bodyPr/>
           <a:lstStyle/>
           <a:p>
-            <a:r>
-              <a:rPr lang="es-ES" dirty="0" smtClean="0"/>
-              <a:t>Demo</a:t>
+            <a:fld id="{4F4CC500-C254-4A01-A1E9-3631BD4DF40D}" type="slidenum">
+              <a:rPr lang="ca-ES" smtClean="0"/>
+              <a:pPr/>
+              <a:t>14</a:t>
+            </a:fld>
+            <a:r>
+              <a:rPr lang="ca-ES" smtClean="0"/>
+              <a:t>/22</a:t>
             </a:r>
             <a:endParaRPr lang="ca-ES" dirty="0"/>
+          </a:p>
+        </p:txBody>
+      </p:sp>
+      <p:sp>
+        <p:nvSpPr>
+          <p:cNvPr id="5" name="TextBox 4"/>
+          <p:cNvSpPr txBox="1"/>
+          <p:nvPr/>
+        </p:nvSpPr>
+        <p:spPr>
+          <a:xfrm>
+            <a:off x="1289643" y="2118064"/>
+            <a:ext cx="3648117" cy="369332"/>
+          </a:xfrm>
+          <a:prstGeom prst="rect">
+            <a:avLst/>
+          </a:prstGeom>
+          <a:noFill/>
+        </p:spPr>
+        <p:txBody>
+          <a:bodyPr wrap="square" rtlCol="0">
+            <a:spAutoFit/>
+          </a:bodyPr>
+          <a:lstStyle/>
+          <a:p>
+            <a:pPr marL="306000" indent="-306000" defTabSz="457200">
+              <a:spcBef>
+                <a:spcPct val="20000"/>
+              </a:spcBef>
+              <a:spcAft>
+                <a:spcPts val="600"/>
+              </a:spcAft>
+              <a:buClr>
+                <a:schemeClr val="accent2"/>
+              </a:buClr>
+              <a:buSzPct val="92000"/>
+              <a:buFont typeface="Wingdings 2" panose="05020102010507070707" pitchFamily="18" charset="2"/>
+              <a:buChar char=""/>
+            </a:pPr>
+            <a:r>
+              <a:rPr lang="es-ES" dirty="0" smtClean="0">
+                <a:solidFill>
+                  <a:schemeClr val="tx2"/>
+                </a:solidFill>
+              </a:rPr>
+              <a:t>Tabla </a:t>
+            </a:r>
+            <a:r>
+              <a:rPr lang="es-ES" dirty="0" err="1" smtClean="0">
+                <a:solidFill>
+                  <a:schemeClr val="tx2"/>
+                </a:solidFill>
+              </a:rPr>
+              <a:t>Globals</a:t>
+            </a:r>
+            <a:endParaRPr lang="es-ES" dirty="0">
+              <a:solidFill>
+                <a:schemeClr val="tx2"/>
+              </a:solidFill>
+            </a:endParaRPr>
           </a:p>
         </p:txBody>
       </p:sp>
       <p:pic>
         <p:nvPicPr>
-          <p:cNvPr id="4" name="Marcador de contenido 3">
-            <a:hlinkClick r:id="rId2" action="ppaction://hlinkfile"/>
-          </p:cNvPr>
+          <p:cNvPr id="7" name="Picture 6"/>
           <p:cNvPicPr>
-            <a:picLocks noGrp="1" noChangeAspect="1"/>
+            <a:picLocks noChangeAspect="1"/>
           </p:cNvPicPr>
-          <p:nvPr>
-            <p:ph idx="1"/>
-          </p:nvPr>
+          <p:nvPr/>
         </p:nvPicPr>
         <p:blipFill>
-          <a:blip r:embed="rId3">
-            <a:extLst>
-              <a:ext uri="{28A0092B-C50C-407E-A947-70E740481C1C}">
-                <a14:useLocalDpi xmlns:a14="http://schemas.microsoft.com/office/drawing/2010/main" val="0"/>
-              </a:ext>
-            </a:extLst>
-          </a:blip>
+          <a:blip r:embed="rId2"/>
           <a:stretch>
             <a:fillRect/>
           </a:stretch>
         </p:blipFill>
         <p:spPr>
           <a:xfrm>
-            <a:off x="8056606" y="2702571"/>
-            <a:ext cx="1514475" cy="2695575"/>
-          </a:xfrm>
-        </p:spPr>
-      </p:pic>
-      <p:pic>
-        <p:nvPicPr>
-          <p:cNvPr id="5" name="Imagen 4">
-            <a:hlinkClick r:id="rId4" action="ppaction://hlinkfile"/>
-          </p:cNvPr>
-          <p:cNvPicPr/>
-          <p:nvPr/>
-        </p:nvPicPr>
-        <p:blipFill rotWithShape="1">
-          <a:blip r:embed="rId5" cstate="print">
-            <a:extLst>
-              <a:ext uri="{28A0092B-C50C-407E-A947-70E740481C1C}">
-                <a14:useLocalDpi xmlns:a14="http://schemas.microsoft.com/office/drawing/2010/main" val="0"/>
-              </a:ext>
-            </a:extLst>
-          </a:blip>
-          <a:srcRect t="9779" b="5331"/>
-          <a:stretch/>
-        </p:blipFill>
-        <p:spPr bwMode="auto">
-          <a:xfrm>
-            <a:off x="1951154" y="2916883"/>
-            <a:ext cx="4751705" cy="2266950"/>
+            <a:off x="1705688" y="2632706"/>
+            <a:ext cx="5332432" cy="2058166"/>
           </a:xfrm>
           <a:prstGeom prst="rect">
             <a:avLst/>
           </a:prstGeom>
-          <a:ln>
-            <a:solidFill>
-              <a:schemeClr val="bg2"/>
-            </a:solidFill>
-          </a:ln>
-          <a:extLst>
-            <a:ext uri="{53640926-AAD7-44D8-BBD7-CCE9431645EC}">
-              <a14:shadowObscured xmlns:a14="http://schemas.microsoft.com/office/drawing/2010/main"/>
-            </a:ext>
-          </a:extLst>
         </p:spPr>
       </p:pic>
-      <p:sp>
-        <p:nvSpPr>
-          <p:cNvPr id="3" name="Marcador de número de diapositiva 2"/>
-          <p:cNvSpPr>
-            <a:spLocks noGrp="1"/>
-          </p:cNvSpPr>
-          <p:nvPr>
-            <p:ph type="sldNum" sz="quarter" idx="12"/>
-          </p:nvPr>
-        </p:nvSpPr>
-        <p:spPr/>
-        <p:txBody>
-          <a:bodyPr/>
-          <a:lstStyle/>
-          <a:p>
-            <a:fld id="{4F4CC500-C254-4A01-A1E9-3631BD4DF40D}" type="slidenum">
-              <a:rPr lang="ca-ES" smtClean="0"/>
-              <a:pPr/>
-              <a:t>14</a:t>
-            </a:fld>
-            <a:r>
-              <a:rPr lang="ca-ES" smtClean="0"/>
-              <a:t>/22</a:t>
-            </a:r>
-            <a:endParaRPr lang="ca-ES" dirty="0"/>
-          </a:p>
-        </p:txBody>
-      </p:sp>
     </p:spTree>
     <p:extLst>
       <p:ext uri="{BB962C8B-B14F-4D97-AF65-F5344CB8AC3E}">
-        <p14:creationId xmlns:p14="http://schemas.microsoft.com/office/powerpoint/2010/main" val="332468425"/>
+        <p14:creationId xmlns:p14="http://schemas.microsoft.com/office/powerpoint/2010/main" val="3752206352"/>
       </p:ext>
     </p:extLst>
   </p:cSld>
@@ -8047,12 +8430,8 @@
           <a:lstStyle/>
           <a:p>
             <a:r>
-              <a:rPr lang="es-ES" dirty="0" err="1" smtClean="0"/>
-              <a:t>Validació</a:t>
-            </a:r>
-            <a:r>
               <a:rPr lang="es-ES" dirty="0" smtClean="0"/>
-              <a:t> preliminar</a:t>
+              <a:t>Casos De uso</a:t>
             </a:r>
             <a:endParaRPr lang="ca-ES" dirty="0"/>
           </a:p>
@@ -8060,41 +8439,7 @@
       </p:sp>
       <p:sp>
         <p:nvSpPr>
-          <p:cNvPr id="3" name="Marcador de contenido 2"/>
-          <p:cNvSpPr>
-            <a:spLocks noGrp="1"/>
-          </p:cNvSpPr>
-          <p:nvPr>
-            <p:ph idx="1"/>
-          </p:nvPr>
-        </p:nvSpPr>
-        <p:spPr/>
-        <p:txBody>
-          <a:bodyPr/>
-          <a:lstStyle/>
-          <a:p>
-            <a:r>
-              <a:rPr lang="es-ES" dirty="0" smtClean="0"/>
-              <a:t>10 sujetos </a:t>
-            </a:r>
-          </a:p>
-          <a:p>
-            <a:r>
-              <a:rPr lang="es-ES" dirty="0" smtClean="0"/>
-              <a:t>3 preguntas</a:t>
-            </a:r>
-          </a:p>
-          <a:p>
-            <a:pPr marL="324000" lvl="1" indent="0">
-              <a:buNone/>
-            </a:pPr>
-            <a:endParaRPr lang="es-ES" dirty="0" smtClean="0"/>
-          </a:p>
-        </p:txBody>
-      </p:sp>
-      <p:sp>
-        <p:nvSpPr>
-          <p:cNvPr id="4" name="Marcador de número de diapositiva 3"/>
+          <p:cNvPr id="3" name="Marcador de número de diapositiva 2"/>
           <p:cNvSpPr>
             <a:spLocks noGrp="1"/>
           </p:cNvSpPr>
@@ -8122,7 +8467,7 @@
       </p:sp>
       <p:pic>
         <p:nvPicPr>
-          <p:cNvPr id="5" name="Picture 4"/>
+          <p:cNvPr id="7" name="Picture 6"/>
           <p:cNvPicPr>
             <a:picLocks noChangeAspect="1"/>
           </p:cNvPicPr>
@@ -8136,32 +8481,8 @@
         </p:blipFill>
         <p:spPr>
           <a:xfrm>
-            <a:off x="3974396" y="1903280"/>
-            <a:ext cx="3847050" cy="2116367"/>
-          </a:xfrm>
-          <a:prstGeom prst="rect">
-            <a:avLst/>
-          </a:prstGeom>
-        </p:spPr>
-      </p:pic>
-      <p:pic>
-        <p:nvPicPr>
-          <p:cNvPr id="13" name="Picture 12"/>
-          <p:cNvPicPr>
-            <a:picLocks noChangeAspect="1"/>
-          </p:cNvPicPr>
-          <p:nvPr/>
-        </p:nvPicPr>
-        <p:blipFill>
-          <a:blip r:embed="rId3"/>
-          <a:stretch>
-            <a:fillRect/>
-          </a:stretch>
-        </p:blipFill>
-        <p:spPr>
-          <a:xfrm>
-            <a:off x="3974396" y="4019647"/>
-            <a:ext cx="3847050" cy="2750700"/>
+            <a:off x="4078224" y="1911732"/>
+            <a:ext cx="3705293" cy="4566358"/>
           </a:xfrm>
           <a:prstGeom prst="rect">
             <a:avLst/>
@@ -8171,7 +8492,7 @@
     </p:spTree>
     <p:extLst>
       <p:ext uri="{BB962C8B-B14F-4D97-AF65-F5344CB8AC3E}">
-        <p14:creationId xmlns:p14="http://schemas.microsoft.com/office/powerpoint/2010/main" val="3804808579"/>
+        <p14:creationId xmlns:p14="http://schemas.microsoft.com/office/powerpoint/2010/main" val="2410747244"/>
       </p:ext>
     </p:extLst>
   </p:cSld>
@@ -8221,8 +8542,8 @@
           <a:lstStyle/>
           <a:p>
             <a:r>
-              <a:rPr lang="es-ES" dirty="0" err="1" smtClean="0"/>
-              <a:t>Resultats</a:t>
+              <a:rPr lang="es-ES" dirty="0" smtClean="0"/>
+              <a:t>Demo</a:t>
             </a:r>
             <a:endParaRPr lang="ca-ES" dirty="0"/>
           </a:p>
@@ -8256,10 +8577,78 @@
           </a:p>
         </p:txBody>
       </p:sp>
+      <p:pic>
+        <p:nvPicPr>
+          <p:cNvPr id="7" name="Picture 6"/>
+          <p:cNvPicPr/>
+          <p:nvPr/>
+        </p:nvPicPr>
+        <p:blipFill>
+          <a:blip r:embed="rId2" cstate="print">
+            <a:extLst>
+              <a:ext uri="{28A0092B-C50C-407E-A947-70E740481C1C}">
+                <a14:useLocalDpi xmlns:a14="http://schemas.microsoft.com/office/drawing/2010/main" val="0"/>
+              </a:ext>
+            </a:extLst>
+          </a:blip>
+          <a:srcRect/>
+          <a:stretch>
+            <a:fillRect/>
+          </a:stretch>
+        </p:blipFill>
+        <p:spPr bwMode="auto">
+          <a:xfrm>
+            <a:off x="3200400" y="2948114"/>
+            <a:ext cx="5960681" cy="2840038"/>
+          </a:xfrm>
+          <a:prstGeom prst="rect">
+            <a:avLst/>
+          </a:prstGeom>
+          <a:noFill/>
+          <a:ln>
+            <a:noFill/>
+          </a:ln>
+        </p:spPr>
+      </p:pic>
+      <p:sp>
+        <p:nvSpPr>
+          <p:cNvPr id="8" name="TextBox 7"/>
+          <p:cNvSpPr txBox="1"/>
+          <p:nvPr/>
+        </p:nvSpPr>
+        <p:spPr>
+          <a:xfrm>
+            <a:off x="1737360" y="2295144"/>
+            <a:ext cx="3472425" cy="646331"/>
+          </a:xfrm>
+          <a:prstGeom prst="rect">
+            <a:avLst/>
+          </a:prstGeom>
+          <a:noFill/>
+        </p:spPr>
+        <p:txBody>
+          <a:bodyPr wrap="none" rtlCol="0">
+            <a:spAutoFit/>
+          </a:bodyPr>
+          <a:lstStyle/>
+          <a:p>
+            <a:r>
+              <a:rPr lang="es-ES" dirty="0" smtClean="0">
+                <a:hlinkClick r:id="rId3"/>
+              </a:rPr>
+              <a:t>http://gestio-docent.byethost7.com</a:t>
+            </a:r>
+            <a:endParaRPr lang="es-ES" dirty="0" smtClean="0"/>
+          </a:p>
+          <a:p>
+            <a:endParaRPr lang="es-ES" dirty="0"/>
+          </a:p>
+        </p:txBody>
+      </p:sp>
     </p:spTree>
     <p:extLst>
       <p:ext uri="{BB962C8B-B14F-4D97-AF65-F5344CB8AC3E}">
-        <p14:creationId xmlns:p14="http://schemas.microsoft.com/office/powerpoint/2010/main" val="1633899342"/>
+        <p14:creationId xmlns:p14="http://schemas.microsoft.com/office/powerpoint/2010/main" val="332468425"/>
       </p:ext>
     </p:extLst>
   </p:cSld>
@@ -8295,7 +8684,7 @@
       </p:grpSpPr>
       <p:sp>
         <p:nvSpPr>
-          <p:cNvPr id="2" name="Title 1"/>
+          <p:cNvPr id="2" name="Título 1"/>
           <p:cNvSpPr>
             <a:spLocks noGrp="1"/>
           </p:cNvSpPr>
@@ -8310,15 +8699,15 @@
           <a:p>
             <a:r>
               <a:rPr lang="es-ES" dirty="0" smtClean="0"/>
-              <a:t>Futuras mejoras</a:t>
-            </a:r>
-            <a:endParaRPr lang="es-ES" dirty="0"/>
-          </a:p>
-        </p:txBody>
-      </p:sp>
-      <p:sp>
-        <p:nvSpPr>
-          <p:cNvPr id="3" name="Content Placeholder 2"/>
+              <a:t>Validación preliminar</a:t>
+            </a:r>
+            <a:endParaRPr lang="ca-ES" dirty="0"/>
+          </a:p>
+        </p:txBody>
+      </p:sp>
+      <p:sp>
+        <p:nvSpPr>
+          <p:cNvPr id="3" name="Marcador de contenido 2"/>
           <p:cNvSpPr>
             <a:spLocks noGrp="1"/>
           </p:cNvSpPr>
@@ -8331,13 +8720,28 @@
           <a:bodyPr/>
           <a:lstStyle/>
           <a:p>
-            <a:endParaRPr lang="es-ES"/>
-          </a:p>
-        </p:txBody>
-      </p:sp>
-      <p:sp>
-        <p:nvSpPr>
-          <p:cNvPr id="4" name="Slide Number Placeholder 3"/>
+            <a:r>
+              <a:rPr lang="es-ES" dirty="0" smtClean="0"/>
+              <a:t>10 sujetos </a:t>
+            </a:r>
+          </a:p>
+          <a:p>
+            <a:r>
+              <a:rPr lang="es-ES" dirty="0" smtClean="0"/>
+              <a:t>3 preguntas</a:t>
+            </a:r>
+          </a:p>
+          <a:p>
+            <a:pPr marL="324000" lvl="1" indent="0">
+              <a:buNone/>
+            </a:pPr>
+            <a:endParaRPr lang="es-ES" dirty="0" smtClean="0"/>
+          </a:p>
+        </p:txBody>
+      </p:sp>
+      <p:sp>
+        <p:nvSpPr>
+          <p:cNvPr id="4" name="Marcador de número de diapositiva 3"/>
           <p:cNvSpPr>
             <a:spLocks noGrp="1"/>
           </p:cNvSpPr>
@@ -8363,16 +8767,71 @@
           </a:p>
         </p:txBody>
       </p:sp>
+      <p:pic>
+        <p:nvPicPr>
+          <p:cNvPr id="5" name="Picture 4"/>
+          <p:cNvPicPr>
+            <a:picLocks noChangeAspect="1"/>
+          </p:cNvPicPr>
+          <p:nvPr/>
+        </p:nvPicPr>
+        <p:blipFill>
+          <a:blip r:embed="rId2"/>
+          <a:stretch>
+            <a:fillRect/>
+          </a:stretch>
+        </p:blipFill>
+        <p:spPr>
+          <a:xfrm>
+            <a:off x="2177377" y="2527680"/>
+            <a:ext cx="4698911" cy="2739263"/>
+          </a:xfrm>
+          <a:prstGeom prst="rect">
+            <a:avLst/>
+          </a:prstGeom>
+        </p:spPr>
+      </p:pic>
+      <p:pic>
+        <p:nvPicPr>
+          <p:cNvPr id="13" name="Picture 12"/>
+          <p:cNvPicPr>
+            <a:picLocks noChangeAspect="1"/>
+          </p:cNvPicPr>
+          <p:nvPr/>
+        </p:nvPicPr>
+        <p:blipFill>
+          <a:blip r:embed="rId3"/>
+          <a:stretch>
+            <a:fillRect/>
+          </a:stretch>
+        </p:blipFill>
+        <p:spPr>
+          <a:xfrm>
+            <a:off x="7117567" y="2282808"/>
+            <a:ext cx="4493240" cy="3212735"/>
+          </a:xfrm>
+          <a:prstGeom prst="rect">
+            <a:avLst/>
+          </a:prstGeom>
+        </p:spPr>
+      </p:pic>
     </p:spTree>
     <p:extLst>
       <p:ext uri="{BB962C8B-B14F-4D97-AF65-F5344CB8AC3E}">
-        <p14:creationId xmlns:p14="http://schemas.microsoft.com/office/powerpoint/2010/main" val="690563176"/>
+        <p14:creationId xmlns:p14="http://schemas.microsoft.com/office/powerpoint/2010/main" val="3804808579"/>
       </p:ext>
     </p:extLst>
   </p:cSld>
   <p:clrMapOvr>
     <a:masterClrMapping/>
   </p:clrMapOvr>
+  <p:timing>
+    <p:tnLst>
+      <p:par>
+        <p:cTn id="1" dur="indefinite" restart="never" nodeType="tmRoot"/>
+      </p:par>
+    </p:tnLst>
+  </p:timing>
 </p:sld>
 </file>
 
@@ -8403,19 +8862,14 @@
             <p:ph type="title"/>
           </p:nvPr>
         </p:nvSpPr>
-        <p:spPr>
-          <a:xfrm>
-            <a:off x="838200" y="325936"/>
-            <a:ext cx="10515600" cy="1325563"/>
-          </a:xfrm>
-        </p:spPr>
+        <p:spPr/>
         <p:txBody>
           <a:bodyPr/>
           <a:lstStyle/>
           <a:p>
             <a:r>
               <a:rPr lang="es-ES" dirty="0" err="1" smtClean="0"/>
-              <a:t>Conclusions</a:t>
+              <a:t>ResultaDOs</a:t>
             </a:r>
             <a:endParaRPr lang="ca-ES" dirty="0"/>
           </a:p>
@@ -8423,186 +8877,7 @@
       </p:sp>
       <p:sp>
         <p:nvSpPr>
-          <p:cNvPr id="3" name="Marcador de contenido 2"/>
-          <p:cNvSpPr>
-            <a:spLocks noGrp="1"/>
-          </p:cNvSpPr>
-          <p:nvPr>
-            <p:ph idx="1"/>
-          </p:nvPr>
-        </p:nvSpPr>
-        <p:spPr/>
-        <p:txBody>
-          <a:bodyPr>
-            <a:normAutofit/>
-          </a:bodyPr>
-          <a:lstStyle/>
-          <a:p>
-            <a:r>
-              <a:rPr lang="ca-ES" dirty="0" smtClean="0"/>
-              <a:t>Objectius aconseguits:</a:t>
-            </a:r>
-          </a:p>
-          <a:p>
-            <a:pPr lvl="1"/>
-            <a:r>
-              <a:rPr lang="es-ES" dirty="0" smtClean="0"/>
-              <a:t>Web </a:t>
-            </a:r>
-            <a:r>
-              <a:rPr lang="es-ES" smtClean="0"/>
-              <a:t>aplicación funcional</a:t>
-            </a:r>
-            <a:endParaRPr lang="es-ES" dirty="0" smtClean="0"/>
-          </a:p>
-          <a:p>
-            <a:pPr lvl="1"/>
-            <a:r>
-              <a:rPr lang="es-ES" dirty="0" err="1" smtClean="0"/>
-              <a:t>Gamificar</a:t>
-            </a:r>
-            <a:r>
-              <a:rPr lang="es-ES" dirty="0" smtClean="0"/>
-              <a:t> </a:t>
-            </a:r>
-            <a:r>
-              <a:rPr lang="es-ES" dirty="0" err="1" smtClean="0"/>
-              <a:t>l’aplicació</a:t>
-            </a:r>
-            <a:endParaRPr lang="es-ES" dirty="0" smtClean="0"/>
-          </a:p>
-          <a:p>
-            <a:pPr lvl="1"/>
-            <a:r>
-              <a:rPr lang="es-ES" dirty="0" smtClean="0"/>
-              <a:t>Implementar una </a:t>
-            </a:r>
-            <a:r>
-              <a:rPr lang="es-ES" dirty="0" err="1" smtClean="0"/>
-              <a:t>eina</a:t>
-            </a:r>
-            <a:r>
-              <a:rPr lang="es-ES" dirty="0" smtClean="0"/>
-              <a:t> per </a:t>
-            </a:r>
-            <a:r>
-              <a:rPr lang="es-ES" dirty="0" err="1" smtClean="0"/>
-              <a:t>emmagatzemar</a:t>
-            </a:r>
-            <a:r>
-              <a:rPr lang="es-ES" dirty="0" smtClean="0"/>
-              <a:t> </a:t>
-            </a:r>
-            <a:r>
-              <a:rPr lang="es-ES" dirty="0" err="1" smtClean="0"/>
-              <a:t>els</a:t>
-            </a:r>
-            <a:r>
-              <a:rPr lang="es-ES" dirty="0" smtClean="0"/>
-              <a:t> </a:t>
-            </a:r>
-            <a:r>
-              <a:rPr lang="es-ES" dirty="0" err="1" smtClean="0"/>
-              <a:t>resultats</a:t>
-            </a:r>
-            <a:r>
-              <a:rPr lang="es-ES" dirty="0" smtClean="0"/>
-              <a:t> </a:t>
-            </a:r>
-            <a:r>
-              <a:rPr lang="es-ES" dirty="0" err="1" smtClean="0"/>
-              <a:t>dels</a:t>
-            </a:r>
-            <a:r>
-              <a:rPr lang="es-ES" dirty="0" smtClean="0"/>
-              <a:t> </a:t>
-            </a:r>
-            <a:r>
-              <a:rPr lang="es-ES" dirty="0" err="1" smtClean="0"/>
-              <a:t>qüestionaris</a:t>
-            </a:r>
-            <a:endParaRPr lang="es-ES" dirty="0" smtClean="0"/>
-          </a:p>
-          <a:p>
-            <a:pPr lvl="1"/>
-            <a:r>
-              <a:rPr lang="es-ES" dirty="0" smtClean="0"/>
-              <a:t>Comparar </a:t>
-            </a:r>
-            <a:r>
-              <a:rPr lang="es-ES" dirty="0" err="1" smtClean="0"/>
-              <a:t>l’experiencia</a:t>
-            </a:r>
-            <a:r>
-              <a:rPr lang="es-ES" dirty="0" smtClean="0"/>
-              <a:t> de </a:t>
-            </a:r>
-            <a:r>
-              <a:rPr lang="es-ES" dirty="0" err="1" smtClean="0"/>
-              <a:t>l’usuari</a:t>
-            </a:r>
-            <a:r>
-              <a:rPr lang="es-ES" dirty="0" smtClean="0"/>
-              <a:t> en la </a:t>
-            </a:r>
-            <a:r>
-              <a:rPr lang="es-ES" dirty="0" err="1" smtClean="0"/>
-              <a:t>versió</a:t>
-            </a:r>
-            <a:r>
-              <a:rPr lang="es-ES" dirty="0" smtClean="0"/>
-              <a:t> </a:t>
-            </a:r>
-            <a:r>
-              <a:rPr lang="es-ES" dirty="0" err="1" smtClean="0"/>
-              <a:t>gamificada</a:t>
-            </a:r>
-            <a:r>
-              <a:rPr lang="es-ES" dirty="0" smtClean="0"/>
-              <a:t> i no </a:t>
-            </a:r>
-            <a:r>
-              <a:rPr lang="es-ES" dirty="0" err="1" smtClean="0"/>
-              <a:t>gamificada</a:t>
-            </a:r>
-            <a:endParaRPr lang="es-ES" dirty="0" smtClean="0"/>
-          </a:p>
-          <a:p>
-            <a:r>
-              <a:rPr lang="es-ES" dirty="0" smtClean="0"/>
-              <a:t>Conocimientos usados</a:t>
-            </a:r>
-          </a:p>
-          <a:p>
-            <a:pPr lvl="1"/>
-            <a:r>
-              <a:rPr lang="es-ES" dirty="0" smtClean="0"/>
-              <a:t>Programación en Python, HTML, CSS</a:t>
-            </a:r>
-          </a:p>
-          <a:p>
-            <a:r>
-              <a:rPr lang="es-ES" dirty="0" smtClean="0"/>
-              <a:t>Conocimientos adquiridos</a:t>
-            </a:r>
-          </a:p>
-          <a:p>
-            <a:pPr lvl="1"/>
-            <a:r>
-              <a:rPr lang="es-ES" dirty="0" smtClean="0"/>
-              <a:t>Programación en PHP y sus módulos, </a:t>
-            </a:r>
-            <a:r>
-              <a:rPr lang="es-ES" dirty="0" err="1" smtClean="0"/>
-              <a:t>BootstrAap</a:t>
-            </a:r>
-            <a:endParaRPr lang="ca-ES" dirty="0" smtClean="0"/>
-          </a:p>
-        </p:txBody>
-      </p:sp>
-      <p:sp>
-        <p:nvSpPr>
-          <p:cNvPr id="4" name="Marcador de número de diapositiva 3"/>
+          <p:cNvPr id="3" name="Marcador de número de diapositiva 2"/>
           <p:cNvSpPr>
             <a:spLocks noGrp="1"/>
           </p:cNvSpPr>
@@ -8628,10 +8903,82 @@
           </a:p>
         </p:txBody>
       </p:sp>
+      <p:pic>
+        <p:nvPicPr>
+          <p:cNvPr id="7" name="Picture 6"/>
+          <p:cNvPicPr>
+            <a:picLocks noChangeAspect="1"/>
+          </p:cNvPicPr>
+          <p:nvPr/>
+        </p:nvPicPr>
+        <p:blipFill>
+          <a:blip r:embed="rId2"/>
+          <a:stretch>
+            <a:fillRect/>
+          </a:stretch>
+        </p:blipFill>
+        <p:spPr>
+          <a:xfrm>
+            <a:off x="1365114" y="2083276"/>
+            <a:ext cx="4542300" cy="2099067"/>
+          </a:xfrm>
+          <a:prstGeom prst="rect">
+            <a:avLst/>
+          </a:prstGeom>
+        </p:spPr>
+      </p:pic>
+      <p:pic>
+        <p:nvPicPr>
+          <p:cNvPr id="8" name="Picture 7"/>
+          <p:cNvPicPr>
+            <a:picLocks noChangeAspect="1"/>
+          </p:cNvPicPr>
+          <p:nvPr/>
+        </p:nvPicPr>
+        <p:blipFill>
+          <a:blip r:embed="rId3"/>
+          <a:stretch>
+            <a:fillRect/>
+          </a:stretch>
+        </p:blipFill>
+        <p:spPr>
+          <a:xfrm>
+            <a:off x="1365114" y="4340154"/>
+            <a:ext cx="4542300" cy="2127900"/>
+          </a:xfrm>
+          <a:prstGeom prst="rect">
+            <a:avLst/>
+          </a:prstGeom>
+        </p:spPr>
+      </p:pic>
+      <p:pic>
+        <p:nvPicPr>
+          <p:cNvPr id="10" name="Picture 9"/>
+          <p:cNvPicPr>
+            <a:picLocks noChangeAspect="1"/>
+          </p:cNvPicPr>
+          <p:nvPr/>
+        </p:nvPicPr>
+        <p:blipFill>
+          <a:blip r:embed="rId4"/>
+          <a:stretch>
+            <a:fillRect/>
+          </a:stretch>
+        </p:blipFill>
+        <p:spPr>
+          <a:xfrm>
+            <a:off x="6618285" y="2741516"/>
+            <a:ext cx="4992523" cy="2516284"/>
+          </a:xfrm>
+          <a:prstGeom prst="rect">
+            <a:avLst/>
+          </a:prstGeom>
+        </p:spPr>
+      </p:pic>
     </p:spTree>
     <p:extLst>
       <p:ext uri="{BB962C8B-B14F-4D97-AF65-F5344CB8AC3E}">
-        <p14:creationId xmlns:p14="http://schemas.microsoft.com/office/powerpoint/2010/main" val="2615057174"/>
+        <p14:creationId xmlns:p14="http://schemas.microsoft.com/office/powerpoint/2010/main" val="1633899342"/>
       </p:ext>
     </p:extLst>
   </p:cSld>
@@ -8645,6 +8992,147 @@
       </p:par>
     </p:tnLst>
   </p:timing>
+</p:sld>
+</file>
+
+<file path=ppt/slides/slide19.xml><?xml version="1.0" encoding="utf-8"?>
+<p:sld xmlns:a="http://schemas.openxmlformats.org/drawingml/2006/main" xmlns:r="http://schemas.openxmlformats.org/officeDocument/2006/relationships" xmlns:p="http://schemas.openxmlformats.org/presentationml/2006/main">
+  <p:cSld>
+    <p:spTree>
+      <p:nvGrpSpPr>
+        <p:cNvPr id="1" name=""/>
+        <p:cNvGrpSpPr/>
+        <p:nvPr/>
+      </p:nvGrpSpPr>
+      <p:grpSpPr>
+        <a:xfrm>
+          <a:off x="0" y="0"/>
+          <a:ext cx="0" cy="0"/>
+          <a:chOff x="0" y="0"/>
+          <a:chExt cx="0" cy="0"/>
+        </a:xfrm>
+      </p:grpSpPr>
+      <p:sp>
+        <p:nvSpPr>
+          <p:cNvPr id="2" name="Title 1"/>
+          <p:cNvSpPr>
+            <a:spLocks noGrp="1"/>
+          </p:cNvSpPr>
+          <p:nvPr>
+            <p:ph type="title"/>
+          </p:nvPr>
+        </p:nvSpPr>
+        <p:spPr/>
+        <p:txBody>
+          <a:bodyPr/>
+          <a:lstStyle/>
+          <a:p>
+            <a:r>
+              <a:rPr lang="es-ES" dirty="0" smtClean="0"/>
+              <a:t>Futuras mejoras</a:t>
+            </a:r>
+            <a:endParaRPr lang="es-ES" dirty="0"/>
+          </a:p>
+        </p:txBody>
+      </p:sp>
+      <p:sp>
+        <p:nvSpPr>
+          <p:cNvPr id="3" name="Content Placeholder 2"/>
+          <p:cNvSpPr>
+            <a:spLocks noGrp="1"/>
+          </p:cNvSpPr>
+          <p:nvPr>
+            <p:ph idx="1"/>
+          </p:nvPr>
+        </p:nvSpPr>
+        <p:spPr/>
+        <p:txBody>
+          <a:bodyPr>
+            <a:normAutofit/>
+          </a:bodyPr>
+          <a:lstStyle/>
+          <a:p>
+            <a:r>
+              <a:rPr lang="es-ES" dirty="0" smtClean="0"/>
+              <a:t>Hacer uso </a:t>
+            </a:r>
+            <a:r>
+              <a:rPr lang="es-ES" dirty="0"/>
+              <a:t>en otros </a:t>
+            </a:r>
+            <a:r>
+              <a:rPr lang="es-ES" dirty="0" smtClean="0"/>
+              <a:t>departamentos</a:t>
+            </a:r>
+          </a:p>
+          <a:p>
+            <a:r>
+              <a:rPr lang="es-ES" dirty="0" smtClean="0"/>
+              <a:t>Multilenguaje</a:t>
+            </a:r>
+          </a:p>
+          <a:p>
+            <a:r>
+              <a:rPr lang="es-ES" dirty="0" smtClean="0"/>
+              <a:t>Desarrollo de </a:t>
+            </a:r>
+            <a:r>
+              <a:rPr lang="es-ES" dirty="0"/>
+              <a:t>una aplicación Android </a:t>
+            </a:r>
+            <a:r>
+              <a:rPr lang="es-ES" dirty="0" smtClean="0"/>
+              <a:t>/IOS</a:t>
+            </a:r>
+            <a:endParaRPr lang="es-ES" dirty="0"/>
+          </a:p>
+          <a:p>
+            <a:r>
+              <a:rPr lang="es-ES" dirty="0" smtClean="0"/>
+              <a:t>Mejorar interfaz</a:t>
+            </a:r>
+            <a:endParaRPr lang="es-ES" dirty="0"/>
+          </a:p>
+        </p:txBody>
+      </p:sp>
+      <p:sp>
+        <p:nvSpPr>
+          <p:cNvPr id="4" name="Slide Number Placeholder 3"/>
+          <p:cNvSpPr>
+            <a:spLocks noGrp="1"/>
+          </p:cNvSpPr>
+          <p:nvPr>
+            <p:ph type="sldNum" sz="quarter" idx="12"/>
+          </p:nvPr>
+        </p:nvSpPr>
+        <p:spPr/>
+        <p:txBody>
+          <a:bodyPr/>
+          <a:lstStyle/>
+          <a:p>
+            <a:fld id="{4F4CC500-C254-4A01-A1E9-3631BD4DF40D}" type="slidenum">
+              <a:rPr lang="ca-ES" smtClean="0"/>
+              <a:pPr/>
+              <a:t>19</a:t>
+            </a:fld>
+            <a:r>
+              <a:rPr lang="ca-ES" smtClean="0"/>
+              <a:t>/22</a:t>
+            </a:r>
+            <a:endParaRPr lang="ca-ES" dirty="0"/>
+          </a:p>
+        </p:txBody>
+      </p:sp>
+    </p:spTree>
+    <p:extLst>
+      <p:ext uri="{BB962C8B-B14F-4D97-AF65-F5344CB8AC3E}">
+        <p14:creationId xmlns:p14="http://schemas.microsoft.com/office/powerpoint/2010/main" val="2738654838"/>
+      </p:ext>
+    </p:extLst>
+  </p:cSld>
+  <p:clrMapOvr>
+    <a:masterClrMapping/>
+  </p:clrMapOvr>
 </p:sld>
 </file>
 
@@ -8817,6 +9305,174 @@
     <p:extLst>
       <p:ext uri="{BB962C8B-B14F-4D97-AF65-F5344CB8AC3E}">
         <p14:creationId xmlns:p14="http://schemas.microsoft.com/office/powerpoint/2010/main" val="422068893"/>
+      </p:ext>
+    </p:extLst>
+  </p:cSld>
+  <p:clrMapOvr>
+    <a:masterClrMapping/>
+  </p:clrMapOvr>
+  <p:timing>
+    <p:tnLst>
+      <p:par>
+        <p:cTn id="1" dur="indefinite" restart="never" nodeType="tmRoot"/>
+      </p:par>
+    </p:tnLst>
+  </p:timing>
+</p:sld>
+</file>
+
+<file path=ppt/slides/slide20.xml><?xml version="1.0" encoding="utf-8"?>
+<p:sld xmlns:a="http://schemas.openxmlformats.org/drawingml/2006/main" xmlns:r="http://schemas.openxmlformats.org/officeDocument/2006/relationships" xmlns:p="http://schemas.openxmlformats.org/presentationml/2006/main">
+  <p:cSld>
+    <p:spTree>
+      <p:nvGrpSpPr>
+        <p:cNvPr id="1" name=""/>
+        <p:cNvGrpSpPr/>
+        <p:nvPr/>
+      </p:nvGrpSpPr>
+      <p:grpSpPr>
+        <a:xfrm>
+          <a:off x="0" y="0"/>
+          <a:ext cx="0" cy="0"/>
+          <a:chOff x="0" y="0"/>
+          <a:chExt cx="0" cy="0"/>
+        </a:xfrm>
+      </p:grpSpPr>
+      <p:sp>
+        <p:nvSpPr>
+          <p:cNvPr id="2" name="Título 1"/>
+          <p:cNvSpPr>
+            <a:spLocks noGrp="1"/>
+          </p:cNvSpPr>
+          <p:nvPr>
+            <p:ph type="title"/>
+          </p:nvPr>
+        </p:nvSpPr>
+        <p:spPr>
+          <a:xfrm>
+            <a:off x="838200" y="325936"/>
+            <a:ext cx="10515600" cy="1325563"/>
+          </a:xfrm>
+        </p:spPr>
+        <p:txBody>
+          <a:bodyPr/>
+          <a:lstStyle/>
+          <a:p>
+            <a:r>
+              <a:rPr lang="es-ES" dirty="0" err="1" smtClean="0"/>
+              <a:t>ConclusionEs</a:t>
+            </a:r>
+            <a:endParaRPr lang="ca-ES" dirty="0"/>
+          </a:p>
+        </p:txBody>
+      </p:sp>
+      <p:sp>
+        <p:nvSpPr>
+          <p:cNvPr id="3" name="Marcador de contenido 2"/>
+          <p:cNvSpPr>
+            <a:spLocks noGrp="1"/>
+          </p:cNvSpPr>
+          <p:nvPr>
+            <p:ph idx="1"/>
+          </p:nvPr>
+        </p:nvSpPr>
+        <p:spPr/>
+        <p:txBody>
+          <a:bodyPr>
+            <a:normAutofit/>
+          </a:bodyPr>
+          <a:lstStyle/>
+          <a:p>
+            <a:r>
+              <a:rPr lang="ca-ES" dirty="0" smtClean="0"/>
+              <a:t>Objetivos conseguidos:</a:t>
+            </a:r>
+          </a:p>
+          <a:p>
+            <a:pPr lvl="1"/>
+            <a:r>
+              <a:rPr lang="es-ES" dirty="0" smtClean="0"/>
+              <a:t>Web aplicación funcional</a:t>
+            </a:r>
+          </a:p>
+          <a:p>
+            <a:pPr lvl="1"/>
+            <a:r>
+              <a:rPr lang="es-ES" dirty="0" smtClean="0"/>
+              <a:t>Mejora respecto la forma anterior de hacerlo</a:t>
+            </a:r>
+          </a:p>
+          <a:p>
+            <a:pPr lvl="1"/>
+            <a:endParaRPr lang="es-ES" dirty="0" smtClean="0"/>
+          </a:p>
+          <a:p>
+            <a:r>
+              <a:rPr lang="es-ES" dirty="0" smtClean="0"/>
+              <a:t>Conocimientos usados</a:t>
+            </a:r>
+          </a:p>
+          <a:p>
+            <a:pPr lvl="1"/>
+            <a:r>
+              <a:rPr lang="es-ES" dirty="0" smtClean="0"/>
+              <a:t>Programación Python, HTML, CSS</a:t>
+            </a:r>
+          </a:p>
+          <a:p>
+            <a:pPr lvl="1"/>
+            <a:endParaRPr lang="es-ES" dirty="0" smtClean="0"/>
+          </a:p>
+          <a:p>
+            <a:r>
+              <a:rPr lang="es-ES" dirty="0" smtClean="0"/>
+              <a:t>Conocimientos adquiridos</a:t>
+            </a:r>
+          </a:p>
+          <a:p>
+            <a:pPr lvl="1"/>
+            <a:r>
+              <a:rPr lang="es-ES" dirty="0" smtClean="0"/>
+              <a:t>Programación PHP</a:t>
+            </a:r>
+          </a:p>
+          <a:p>
+            <a:endParaRPr lang="es-ES" dirty="0" smtClean="0"/>
+          </a:p>
+        </p:txBody>
+      </p:sp>
+      <p:sp>
+        <p:nvSpPr>
+          <p:cNvPr id="4" name="Marcador de número de diapositiva 3"/>
+          <p:cNvSpPr>
+            <a:spLocks noGrp="1"/>
+          </p:cNvSpPr>
+          <p:nvPr>
+            <p:ph type="sldNum" sz="quarter" idx="12"/>
+          </p:nvPr>
+        </p:nvSpPr>
+        <p:spPr/>
+        <p:txBody>
+          <a:bodyPr/>
+          <a:lstStyle/>
+          <a:p>
+            <a:fld id="{4F4CC500-C254-4A01-A1E9-3631BD4DF40D}" type="slidenum">
+              <a:rPr lang="ca-ES" smtClean="0"/>
+              <a:pPr/>
+              <a:t>20</a:t>
+            </a:fld>
+            <a:r>
+              <a:rPr lang="ca-ES" smtClean="0"/>
+              <a:t>/22</a:t>
+            </a:r>
+            <a:endParaRPr lang="ca-ES" dirty="0"/>
+          </a:p>
+        </p:txBody>
+      </p:sp>
+    </p:spTree>
+    <p:extLst>
+      <p:ext uri="{BB962C8B-B14F-4D97-AF65-F5344CB8AC3E}">
+        <p14:creationId xmlns:p14="http://schemas.microsoft.com/office/powerpoint/2010/main" val="2615057174"/>
       </p:ext>
     </p:extLst>
   </p:cSld>
@@ -8913,7 +9569,7 @@
               <a:rPr lang="es-ES" dirty="0" smtClean="0">
                 <a:sym typeface="Wingdings" panose="05000000000000000000" pitchFamily="2" charset="2"/>
               </a:rPr>
-              <a:t>Poco eficiente  lento, profesores no pueden ver situación actual</a:t>
+              <a:t>Poco eficiente </a:t>
             </a:r>
           </a:p>
           <a:p>
@@ -8922,19 +9578,16 @@
               <a:rPr lang="es-ES" dirty="0" smtClean="0">
                 <a:sym typeface="Wingdings" panose="05000000000000000000" pitchFamily="2" charset="2"/>
               </a:rPr>
-              <a:t>Gran carga de trabajo para el responsable controlar que se rellene bien y enviarlo manualmente siguiendo el orden </a:t>
+              <a:t>Lento</a:t>
             </a:r>
           </a:p>
           <a:p>
             <a:pPr lvl="1"/>
             <a:r>
               <a:rPr lang="es-ES" dirty="0" smtClean="0">
-                <a:solidFill>
-                  <a:srgbClr val="FF0000"/>
-                </a:solidFill>
                 <a:sym typeface="Wingdings" panose="05000000000000000000" pitchFamily="2" charset="2"/>
               </a:rPr>
-              <a:t>Externa situacional </a:t>
+              <a:t>Gran carga de trabajo para el responsable</a:t>
             </a:r>
             <a:endParaRPr lang="ca-ES" dirty="0">
               <a:solidFill>
@@ -9072,7 +9725,7 @@
         </p:blipFill>
         <p:spPr bwMode="auto">
           <a:xfrm>
-            <a:off x="5169227" y="4482685"/>
+            <a:off x="5452691" y="3371784"/>
             <a:ext cx="5915025" cy="2022475"/>
           </a:xfrm>
           <a:prstGeom prst="rect">
@@ -9244,18 +9897,67 @@
             </a:r>
           </a:p>
           <a:p>
+            <a:pPr lvl="1"/>
+            <a:endParaRPr lang="ca-ES" sz="1800" dirty="0" smtClean="0"/>
+          </a:p>
+          <a:p>
+            <a:r>
+              <a:rPr lang="es-ES" dirty="0" smtClean="0"/>
+              <a:t>Útil </a:t>
+            </a:r>
+            <a:r>
+              <a:rPr lang="es-ES" dirty="0"/>
+              <a:t>conocimientos previos programación</a:t>
+            </a:r>
+            <a:endParaRPr lang="ca-ES" dirty="0"/>
+          </a:p>
+          <a:p>
             <a:pPr marL="324000" lvl="1" indent="0">
               <a:buNone/>
             </a:pPr>
             <a:endParaRPr lang="es-ES" dirty="0" smtClean="0"/>
           </a:p>
           <a:p>
+            <a:r>
+              <a:rPr lang="es-ES" dirty="0"/>
+              <a:t>Cada profesor: </a:t>
+            </a:r>
+            <a:r>
+              <a:rPr lang="es-ES" dirty="0" err="1"/>
+              <a:t>PADs</a:t>
+            </a:r>
+            <a:r>
+              <a:rPr lang="es-ES" dirty="0"/>
+              <a:t> contratados</a:t>
+            </a:r>
+          </a:p>
+          <a:p>
             <a:pPr lvl="1"/>
             <a:r>
               <a:rPr lang="es-ES" dirty="0"/>
-              <a:t>Útil conocimientos previos programación</a:t>
-            </a:r>
-            <a:endParaRPr lang="ca-ES" dirty="0"/>
+              <a:t>1 crédito ECTS = 3 </a:t>
+            </a:r>
+            <a:r>
+              <a:rPr lang="es-ES" dirty="0" err="1" smtClean="0"/>
+              <a:t>PADs</a:t>
+            </a:r>
+            <a:endParaRPr lang="es-ES" dirty="0" smtClean="0"/>
+          </a:p>
+          <a:p>
+            <a:pPr lvl="1"/>
+            <a:r>
+              <a:rPr lang="es-ES" dirty="0" smtClean="0"/>
+              <a:t>Tiene que cubrir los </a:t>
+            </a:r>
+            <a:r>
+              <a:rPr lang="es-ES" dirty="0" err="1" smtClean="0"/>
+              <a:t>PADs</a:t>
+            </a:r>
+            <a:r>
+              <a:rPr lang="es-ES" dirty="0" smtClean="0"/>
+              <a:t> con asignaturas</a:t>
+            </a:r>
+            <a:endParaRPr lang="es-ES" dirty="0"/>
           </a:p>
           <a:p>
             <a:pPr marL="324000" lvl="1" indent="0">
@@ -9682,16 +10384,27 @@
           <a:lstStyle/>
           <a:p>
             <a:r>
-              <a:rPr lang="en-US" dirty="0"/>
-              <a:t>The idea of the project is to upload the designed tool in one UPC server, so the professors can access it easily like a normal website. The users will only be able to access to the platform using their credentials that will have been sent by the administrator previously. </a:t>
-            </a:r>
-          </a:p>
-          <a:p>
-            <a:r>
-              <a:rPr lang="en-US" dirty="0"/>
-              <a:t>The web application has been developed for a computer rather than for a smartphone, although it can be accessed through any mobile device, the interface and the whole user experience may not be as intuitive and efficient. In addition, the whole interface will be written in Catalan. </a:t>
-            </a:r>
-            <a:endParaRPr lang="es-ES" dirty="0"/>
+              <a:rPr lang="es-ES" dirty="0" smtClean="0"/>
+              <a:t>Subir aplicación web en un servidor (de la UPC preferiblemente)</a:t>
+            </a:r>
+          </a:p>
+          <a:p>
+            <a:r>
+              <a:rPr lang="es-ES" dirty="0" smtClean="0"/>
+              <a:t>Acceder mediante credenciales</a:t>
+            </a:r>
+          </a:p>
+          <a:p>
+            <a:r>
+              <a:rPr lang="es-ES" dirty="0" smtClean="0"/>
+              <a:t>Pensada para ordenadores pero también posibilidad de accede desde teléfono móvil.</a:t>
+            </a:r>
+          </a:p>
+          <a:p>
+            <a:r>
+              <a:rPr lang="es-ES" dirty="0" smtClean="0"/>
+              <a:t>En catalán.</a:t>
+            </a:r>
           </a:p>
         </p:txBody>
       </p:sp>
@@ -9805,8 +10518,9 @@
           <a:p>
             <a:r>
               <a:rPr lang="en-US" dirty="0" smtClean="0"/>
-              <a:t>Excel file.</a:t>
-            </a:r>
+              <a:t>Excel</a:t>
+            </a:r>
+            <a:endParaRPr lang="en-US" dirty="0"/>
           </a:p>
           <a:p>
             <a:r>
@@ -9815,6 +10529,10 @@
             </a:r>
           </a:p>
           <a:p>
+            <a:r>
+              <a:rPr lang="en-US" dirty="0" smtClean="0"/>
+              <a:t> </a:t>
+            </a:r>
             <a:r>
               <a:rPr lang="en-US" dirty="0" err="1" smtClean="0"/>
               <a:t>Aplicación</a:t>
@@ -9897,7 +10615,7 @@
             <p:ph idx="1"/>
             <p:extLst>
               <p:ext uri="{D42A27DB-BD31-4B8C-83A1-F6EECF244321}">
-                <p14:modId xmlns:p14="http://schemas.microsoft.com/office/powerpoint/2010/main" val="2407793303"/>
+                <p14:modId xmlns:p14="http://schemas.microsoft.com/office/powerpoint/2010/main" val="1455756299"/>
               </p:ext>
             </p:extLst>
           </p:nvPr>
@@ -10068,7 +10786,7 @@
           </a:xfrm>
         </p:spPr>
         <p:txBody>
-          <a:bodyPr/>
+          <a:bodyPr numCol="2"/>
           <a:lstStyle/>
           <a:p>
             <a:r>
@@ -10086,6 +10804,22 @@
               <a:rPr lang="es-ES" dirty="0" err="1" smtClean="0"/>
               <a:t>end</a:t>
             </a:r>
+            <a:endParaRPr lang="es-ES" dirty="0" smtClean="0"/>
+          </a:p>
+          <a:p>
+            <a:pPr lvl="1"/>
+            <a:endParaRPr lang="es-ES" dirty="0"/>
+          </a:p>
+          <a:p>
+            <a:pPr lvl="1"/>
+            <a:endParaRPr lang="es-ES" dirty="0" smtClean="0"/>
+          </a:p>
+          <a:p>
+            <a:pPr lvl="1"/>
+            <a:endParaRPr lang="es-ES" dirty="0"/>
+          </a:p>
+          <a:p>
+            <a:pPr lvl="1"/>
             <a:endParaRPr lang="es-ES" dirty="0" smtClean="0"/>
           </a:p>
           <a:p>
@@ -10100,6 +10834,10 @@
             <a:pPr marL="324000" lvl="1" indent="0">
               <a:buNone/>
             </a:pPr>
+            <a:endParaRPr lang="es-ES" dirty="0" smtClean="0"/>
+          </a:p>
+          <a:p>
+            <a:pPr lvl="1"/>
             <a:endParaRPr lang="es-ES" dirty="0" smtClean="0"/>
           </a:p>
           <a:p>
@@ -10132,12 +10870,53 @@
         </p:blipFill>
         <p:spPr>
           <a:xfrm>
-            <a:off x="1140403" y="3681806"/>
-            <a:ext cx="2271150" cy="847700"/>
+            <a:off x="994098" y="3724009"/>
+            <a:ext cx="3976747" cy="1484309"/>
           </a:xfrm>
           <a:prstGeom prst="rect">
             <a:avLst/>
           </a:prstGeom>
+        </p:spPr>
+      </p:pic>
+      <p:pic>
+        <p:nvPicPr>
+          <p:cNvPr id="1028" name="Picture 4" descr="Backend"/>
+          <p:cNvPicPr>
+            <a:picLocks noChangeAspect="1" noChangeArrowheads="1"/>
+          </p:cNvPicPr>
+          <p:nvPr/>
+        </p:nvPicPr>
+        <p:blipFill>
+          <a:blip r:embed="rId3">
+            <a:extLst>
+              <a:ext uri="{28A0092B-C50C-407E-A947-70E740481C1C}">
+                <a14:useLocalDpi xmlns:a14="http://schemas.microsoft.com/office/drawing/2010/main" val="0"/>
+              </a:ext>
+            </a:extLst>
+          </a:blip>
+          <a:srcRect/>
+          <a:stretch>
+            <a:fillRect/>
+          </a:stretch>
+        </p:blipFill>
+        <p:spPr bwMode="auto">
+          <a:xfrm>
+            <a:off x="7047103" y="3228626"/>
+            <a:ext cx="2171700" cy="2171701"/>
+          </a:xfrm>
+          <a:prstGeom prst="rect">
+            <a:avLst/>
+          </a:prstGeom>
+          <a:noFill/>
+          <a:extLst>
+            <a:ext uri="{909E8E84-426E-40DD-AFC4-6F175D3DCCD1}">
+              <a14:hiddenFill xmlns:a14="http://schemas.microsoft.com/office/drawing/2010/main">
+                <a:solidFill>
+                  <a:srgbClr val="FFFFFF"/>
+                </a:solidFill>
+              </a14:hiddenFill>
+            </a:ext>
+          </a:extLst>
         </p:spPr>
       </p:pic>
     </p:spTree>
@@ -10203,7 +10982,7 @@
     </a:clrScheme>
     <a:fontScheme name="Dividendo">
       <a:majorFont>
-        <a:latin typeface="Gill Sans MT"/>
+        <a:latin typeface="Gill Sans MT" panose="020B0502020104020203"/>
         <a:ea typeface=""/>
         <a:cs typeface=""/>
         <a:font script="Grek" typeface="Corbel"/>
@@ -10240,7 +11019,7 @@
         <a:font script="Geor" typeface="Sylfaen"/>
       </a:majorFont>
       <a:minorFont>
-        <a:latin typeface="Gill Sans MT"/>
+        <a:latin typeface="Gill Sans MT" panose="020B0502020104020203"/>
         <a:ea typeface=""/>
         <a:cs typeface=""/>
         <a:font script="Grek" typeface="Corbel"/>
@@ -10472,7 +11251,7 @@
     </a:clrScheme>
     <a:fontScheme name="Office">
       <a:majorFont>
-        <a:latin typeface="Calibri Light"/>
+        <a:latin typeface="Calibri Light" panose="020F0302020204030204"/>
         <a:ea typeface=""/>
         <a:cs typeface=""/>
         <a:font script="Jpan" typeface="游ゴシック Light"/>
@@ -10507,7 +11286,7 @@
         <a:font script="Geor" typeface="Sylfaen"/>
       </a:majorFont>
       <a:minorFont>
-        <a:latin typeface="Calibri"/>
+        <a:latin typeface="Calibri" panose="020F0502020204030204"/>
         <a:ea typeface=""/>
         <a:cs typeface=""/>
         <a:font script="Jpan" typeface="游ゴシック"/>

--- a/tfg_presentacio.pptx
+++ b/tfg_presentacio.pptx
@@ -128,7 +128,7 @@
   </p:defaultTextStyle>
   <p:extLst>
     <p:ext uri="{EFAFB233-063F-42B5-8137-9DF3F51BA10A}">
-      <p15:sldGuideLst xmlns:p15="http://schemas.microsoft.com/office/powerpoint/2012/main"/>
+      <p15:sldGuideLst xmlns="" xmlns:p15="http://schemas.microsoft.com/office/powerpoint/2012/main"/>
     </p:ext>
   </p:extLst>
 </p:presentation>
@@ -1148,6 +1148,204 @@
       <dsp:cNvGrpSpPr/>
     </dsp:nvGrpSpPr>
     <dsp:grpSpPr/>
+    <dsp:sp modelId="{457D56E9-BABF-4DAA-B00A-0413EC3B98F0}">
+      <dsp:nvSpPr>
+        <dsp:cNvPr id="0" name=""/>
+        <dsp:cNvSpPr/>
+      </dsp:nvSpPr>
+      <dsp:spPr>
+        <a:xfrm>
+          <a:off x="1581678" y="0"/>
+          <a:ext cx="4868545" cy="3678238"/>
+        </a:xfrm>
+        <a:prstGeom prst="rightArrow">
+          <a:avLst>
+            <a:gd name="adj1" fmla="val 70000"/>
+            <a:gd name="adj2" fmla="val 50000"/>
+          </a:avLst>
+        </a:prstGeom>
+        <a:solidFill>
+          <a:schemeClr val="accent1">
+            <a:alpha val="90000"/>
+            <a:tint val="40000"/>
+            <a:hueOff val="0"/>
+            <a:satOff val="0"/>
+            <a:lumOff val="0"/>
+            <a:alphaOff val="0"/>
+          </a:schemeClr>
+        </a:solidFill>
+        <a:ln w="22225" cap="rnd" cmpd="sng" algn="ctr">
+          <a:solidFill>
+            <a:schemeClr val="accent1">
+              <a:alpha val="90000"/>
+              <a:tint val="40000"/>
+              <a:hueOff val="0"/>
+              <a:satOff val="0"/>
+              <a:lumOff val="0"/>
+              <a:alphaOff val="0"/>
+            </a:schemeClr>
+          </a:solidFill>
+          <a:prstDash val="solid"/>
+        </a:ln>
+        <a:effectLst/>
+      </dsp:spPr>
+      <dsp:style>
+        <a:lnRef idx="2">
+          <a:scrgbClr r="0" g="0" b="0"/>
+        </a:lnRef>
+        <a:fillRef idx="1">
+          <a:scrgbClr r="0" g="0" b="0"/>
+        </a:fillRef>
+        <a:effectRef idx="0">
+          <a:scrgbClr r="0" g="0" b="0"/>
+        </a:effectRef>
+        <a:fontRef idx="minor"/>
+      </dsp:style>
+      <dsp:txBody>
+        <a:bodyPr spcFirstLastPara="0" vert="horz" wrap="square" lIns="66040" tIns="16510" rIns="33020" bIns="16510" numCol="1" spcCol="1270" anchor="ctr" anchorCtr="0">
+          <a:noAutofit/>
+        </a:bodyPr>
+        <a:lstStyle/>
+        <a:p>
+          <a:pPr marL="228600" lvl="1" indent="-228600" algn="l" defTabSz="1155700">
+            <a:lnSpc>
+              <a:spcPct val="90000"/>
+            </a:lnSpc>
+            <a:spcBef>
+              <a:spcPct val="0"/>
+            </a:spcBef>
+            <a:spcAft>
+              <a:spcPct val="15000"/>
+            </a:spcAft>
+            <a:buChar char="••"/>
+          </a:pPr>
+          <a:r>
+            <a:rPr lang="es-ES" sz="2600" kern="1200" dirty="0" smtClean="0"/>
+            <a:t>Rápido</a:t>
+          </a:r>
+          <a:endParaRPr lang="es-ES" sz="2600" kern="1200" dirty="0"/>
+        </a:p>
+        <a:p>
+          <a:pPr marL="228600" lvl="1" indent="-228600" algn="l" defTabSz="1155700">
+            <a:lnSpc>
+              <a:spcPct val="90000"/>
+            </a:lnSpc>
+            <a:spcBef>
+              <a:spcPct val="0"/>
+            </a:spcBef>
+            <a:spcAft>
+              <a:spcPct val="15000"/>
+            </a:spcAft>
+            <a:buChar char="••"/>
+          </a:pPr>
+          <a:r>
+            <a:rPr lang="es-ES" sz="2600" kern="1200" dirty="0" smtClean="0"/>
+            <a:t>Visión global situación</a:t>
+          </a:r>
+          <a:endParaRPr lang="es-ES" sz="2600" kern="1200" dirty="0"/>
+        </a:p>
+        <a:p>
+          <a:pPr marL="228600" lvl="1" indent="-228600" algn="l" defTabSz="1155700">
+            <a:lnSpc>
+              <a:spcPct val="90000"/>
+            </a:lnSpc>
+            <a:spcBef>
+              <a:spcPct val="0"/>
+            </a:spcBef>
+            <a:spcAft>
+              <a:spcPct val="15000"/>
+            </a:spcAft>
+            <a:buChar char="••"/>
+          </a:pPr>
+          <a:r>
+            <a:rPr lang="es-ES" sz="2600" kern="1200" dirty="0" smtClean="0"/>
+            <a:t>Fácil seguir orden de prioridad y de gestionar</a:t>
+          </a:r>
+          <a:endParaRPr lang="es-ES" sz="2600" kern="1200" dirty="0"/>
+        </a:p>
+      </dsp:txBody>
+      <dsp:txXfrm>
+        <a:off x="2798814" y="551736"/>
+        <a:ext cx="2373415" cy="2574766"/>
+      </dsp:txXfrm>
+    </dsp:sp>
+    <dsp:sp modelId="{ABD3C4A2-111C-4AE8-98A9-E78ACB0A510B}">
+      <dsp:nvSpPr>
+        <dsp:cNvPr id="0" name=""/>
+        <dsp:cNvSpPr/>
+      </dsp:nvSpPr>
+      <dsp:spPr>
+        <a:xfrm>
+          <a:off x="1012601" y="909445"/>
+          <a:ext cx="1798794" cy="1859346"/>
+        </a:xfrm>
+        <a:prstGeom prst="ellipse">
+          <a:avLst/>
+        </a:prstGeom>
+        <a:solidFill>
+          <a:schemeClr val="accent1">
+            <a:hueOff val="0"/>
+            <a:satOff val="0"/>
+            <a:lumOff val="0"/>
+            <a:alphaOff val="0"/>
+          </a:schemeClr>
+        </a:solidFill>
+        <a:ln w="22225" cap="rnd" cmpd="sng" algn="ctr">
+          <a:solidFill>
+            <a:schemeClr val="lt1">
+              <a:hueOff val="0"/>
+              <a:satOff val="0"/>
+              <a:lumOff val="0"/>
+              <a:alphaOff val="0"/>
+            </a:schemeClr>
+          </a:solidFill>
+          <a:prstDash val="solid"/>
+        </a:ln>
+        <a:effectLst/>
+      </dsp:spPr>
+      <dsp:style>
+        <a:lnRef idx="2">
+          <a:scrgbClr r="0" g="0" b="0"/>
+        </a:lnRef>
+        <a:fillRef idx="1">
+          <a:scrgbClr r="0" g="0" b="0"/>
+        </a:fillRef>
+        <a:effectRef idx="0">
+          <a:scrgbClr r="0" g="0" b="0"/>
+        </a:effectRef>
+        <a:fontRef idx="minor">
+          <a:schemeClr val="lt1"/>
+        </a:fontRef>
+      </dsp:style>
+      <dsp:txBody>
+        <a:bodyPr spcFirstLastPara="0" vert="horz" wrap="square" lIns="14605" tIns="14605" rIns="14605" bIns="14605" numCol="1" spcCol="1270" anchor="ctr" anchorCtr="0">
+          <a:noAutofit/>
+        </a:bodyPr>
+        <a:lstStyle/>
+        <a:p>
+          <a:pPr lvl="0" algn="ctr" defTabSz="1022350">
+            <a:lnSpc>
+              <a:spcPct val="90000"/>
+            </a:lnSpc>
+            <a:spcBef>
+              <a:spcPct val="0"/>
+            </a:spcBef>
+            <a:spcAft>
+              <a:spcPct val="35000"/>
+            </a:spcAft>
+          </a:pPr>
+          <a:r>
+            <a:rPr lang="es-ES" sz="2300" kern="1200" dirty="0" smtClean="0"/>
+            <a:t>Aplicación web</a:t>
+          </a:r>
+          <a:endParaRPr lang="es-ES" sz="2300" kern="1200" dirty="0"/>
+        </a:p>
+      </dsp:txBody>
+      <dsp:txXfrm>
+        <a:off x="1276028" y="1181740"/>
+        <a:ext cx="1271940" cy="1314756"/>
+      </dsp:txXfrm>
+    </dsp:sp>
   </dsp:spTree>
 </dsp:drawing>
 </file>
@@ -2721,7 +2919,7 @@
           <a:p>
             <a:fld id="{BF650D99-69A1-4A33-B524-E59AFA3826C2}" type="slidenum">
               <a:rPr lang="ca-ES" smtClean="0"/>
-              <a:t>‹#›</a:t>
+              <a:t>‹Nº›</a:t>
             </a:fld>
             <a:endParaRPr lang="ca-ES"/>
           </a:p>
@@ -3150,7 +3348,7 @@
             <a:fld id="{4F4CC500-C254-4A01-A1E9-3631BD4DF40D}" type="slidenum">
               <a:rPr lang="ca-ES" smtClean="0"/>
               <a:pPr/>
-              <a:t>‹#›</a:t>
+              <a:t>‹Nº›</a:t>
             </a:fld>
             <a:endParaRPr lang="ca-ES" dirty="0"/>
           </a:p>
@@ -3417,7 +3615,7 @@
           <a:p>
             <a:fld id="{4F4CC500-C254-4A01-A1E9-3631BD4DF40D}" type="slidenum">
               <a:rPr lang="ca-ES" smtClean="0"/>
-              <a:t>‹#›</a:t>
+              <a:t>‹Nº›</a:t>
             </a:fld>
             <a:endParaRPr lang="ca-ES" dirty="0"/>
           </a:p>
@@ -3647,7 +3845,7 @@
           <a:p>
             <a:fld id="{4F4CC500-C254-4A01-A1E9-3631BD4DF40D}" type="slidenum">
               <a:rPr lang="ca-ES" smtClean="0"/>
-              <a:t>‹#›</a:t>
+              <a:t>‹Nº›</a:t>
             </a:fld>
             <a:endParaRPr lang="ca-ES" dirty="0"/>
           </a:p>
@@ -3903,7 +4101,7 @@
           <a:p>
             <a:fld id="{4F4CC500-C254-4A01-A1E9-3631BD4DF40D}" type="slidenum">
               <a:rPr lang="ca-ES" smtClean="0"/>
-              <a:t>‹#›</a:t>
+              <a:t>‹Nº›</a:t>
             </a:fld>
             <a:endParaRPr lang="ca-ES" dirty="0"/>
           </a:p>
@@ -4127,7 +4325,7 @@
             <a:fld id="{4F4CC500-C254-4A01-A1E9-3631BD4DF40D}" type="slidenum">
               <a:rPr lang="ca-ES" smtClean="0"/>
               <a:pPr/>
-              <a:t>‹#›</a:t>
+              <a:t>‹Nº›</a:t>
             </a:fld>
             <a:r>
               <a:rPr lang="ca-ES" dirty="0" smtClean="0"/>
@@ -4462,7 +4660,7 @@
           <a:p>
             <a:fld id="{4F4CC500-C254-4A01-A1E9-3631BD4DF40D}" type="slidenum">
               <a:rPr lang="ca-ES" smtClean="0"/>
-              <a:t>‹#›</a:t>
+              <a:t>‹Nº›</a:t>
             </a:fld>
             <a:endParaRPr lang="ca-ES" dirty="0"/>
           </a:p>
@@ -4749,7 +4947,7 @@
           <a:p>
             <a:fld id="{4F4CC500-C254-4A01-A1E9-3631BD4DF40D}" type="slidenum">
               <a:rPr lang="ca-ES" smtClean="0"/>
-              <a:t>‹#›</a:t>
+              <a:t>‹Nº›</a:t>
             </a:fld>
             <a:endParaRPr lang="ca-ES" dirty="0"/>
           </a:p>
@@ -5178,7 +5376,7 @@
           <a:p>
             <a:fld id="{4F4CC500-C254-4A01-A1E9-3631BD4DF40D}" type="slidenum">
               <a:rPr lang="ca-ES" smtClean="0"/>
-              <a:t>‹#›</a:t>
+              <a:t>‹Nº›</a:t>
             </a:fld>
             <a:endParaRPr lang="ca-ES" dirty="0"/>
           </a:p>
@@ -5304,7 +5502,7 @@
             <a:fld id="{4F4CC500-C254-4A01-A1E9-3631BD4DF40D}" type="slidenum">
               <a:rPr lang="ca-ES" smtClean="0"/>
               <a:pPr/>
-              <a:t>‹#›</a:t>
+              <a:t>‹Nº›</a:t>
             </a:fld>
             <a:r>
               <a:rPr lang="ca-ES" smtClean="0"/>
@@ -5410,7 +5608,7 @@
           <a:p>
             <a:fld id="{4F4CC500-C254-4A01-A1E9-3631BD4DF40D}" type="slidenum">
               <a:rPr lang="ca-ES" smtClean="0"/>
-              <a:t>‹#›</a:t>
+              <a:t>‹Nº›</a:t>
             </a:fld>
             <a:endParaRPr lang="ca-ES" dirty="0"/>
           </a:p>
@@ -5579,7 +5777,7 @@
           <a:p>
             <a:fld id="{4F4CC500-C254-4A01-A1E9-3631BD4DF40D}" type="slidenum">
               <a:rPr lang="ca-ES" smtClean="0"/>
-              <a:t>‹#›</a:t>
+              <a:t>‹Nº›</a:t>
             </a:fld>
             <a:endParaRPr lang="ca-ES" dirty="0"/>
           </a:p>
@@ -5979,7 +6177,7 @@
           <a:p>
             <a:fld id="{4F4CC500-C254-4A01-A1E9-3631BD4DF40D}" type="slidenum">
               <a:rPr lang="ca-ES" smtClean="0"/>
-              <a:t>‹#›</a:t>
+              <a:t>‹Nº›</a:t>
             </a:fld>
             <a:endParaRPr lang="ca-ES" dirty="0"/>
           </a:p>
@@ -6223,7 +6421,7 @@
             <a:fld id="{4F4CC500-C254-4A01-A1E9-3631BD4DF40D}" type="slidenum">
               <a:rPr lang="ca-ES" smtClean="0"/>
               <a:pPr/>
-              <a:t>‹#›</a:t>
+              <a:t>‹Nº›</a:t>
             </a:fld>
             <a:r>
               <a:rPr lang="ca-ES" dirty="0" smtClean="0"/>
@@ -6745,7 +6943,7 @@
   </p:txStyles>
   <p:extLst mod="1">
     <p:ext uri="{27BBF7A9-308A-43DC-89C8-2F10F3537804}">
-      <p15:sldGuideLst xmlns:p15="http://schemas.microsoft.com/office/powerpoint/2012/main"/>
+      <p15:sldGuideLst xmlns="" xmlns:p15="http://schemas.microsoft.com/office/powerpoint/2012/main"/>
     </p:ext>
   </p:extLst>
 </p:sldMaster>
@@ -7432,7 +7630,19 @@
             </a:r>
             <a:r>
               <a:rPr lang="en-US" dirty="0" smtClean="0"/>
-              <a:t> automatic de mails para </a:t>
+              <a:t> </a:t>
+            </a:r>
+            <a:r>
+              <a:rPr lang="en-US" dirty="0" err="1" smtClean="0"/>
+              <a:t>automatico</a:t>
+            </a:r>
+            <a:r>
+              <a:rPr lang="en-US" dirty="0" smtClean="0"/>
+              <a:t> </a:t>
+            </a:r>
+            <a:r>
+              <a:rPr lang="en-US" dirty="0" smtClean="0"/>
+              <a:t>de mails para </a:t>
             </a:r>
             <a:r>
               <a:rPr lang="en-US" dirty="0" err="1" smtClean="0"/>
@@ -7576,7 +7786,11 @@
           <a:p>
             <a:r>
               <a:rPr lang="es-ES" dirty="0" smtClean="0"/>
-              <a:t>Desarrollo - Herramientas</a:t>
+              <a:t>Desarrollo - </a:t>
+            </a:r>
+            <a:r>
+              <a:rPr lang="es-ES" dirty="0" smtClean="0"/>
+              <a:t>Herramientas</a:t>
             </a:r>
             <a:endParaRPr lang="ca-ES" dirty="0"/>
           </a:p>
@@ -7592,13 +7806,23 @@
             <p:ph idx="1"/>
           </p:nvPr>
         </p:nvSpPr>
-        <p:spPr/>
-        <p:txBody>
-          <a:bodyPr>
+        <p:spPr>
+          <a:xfrm>
+            <a:off x="493294" y="2148934"/>
+            <a:ext cx="9745912" cy="4003736"/>
+          </a:xfrm>
+        </p:spPr>
+        <p:txBody>
+          <a:bodyPr numCol="2">
             <a:normAutofit/>
           </a:bodyPr>
           <a:lstStyle/>
           <a:p>
+            <a:pPr>
+              <a:lnSpc>
+                <a:spcPct val="150000"/>
+              </a:lnSpc>
+            </a:pPr>
             <a:r>
               <a:rPr lang="en-US" b="1" dirty="0" err="1" smtClean="0"/>
               <a:t>Netbeans</a:t>
@@ -7607,22 +7831,66 @@
               <a:rPr lang="en-US" b="1" dirty="0" smtClean="0"/>
               <a:t> </a:t>
             </a:r>
+            <a:endParaRPr lang="en-US" b="1" dirty="0" smtClean="0"/>
+          </a:p>
+          <a:p>
+            <a:pPr>
+              <a:lnSpc>
+                <a:spcPct val="150000"/>
+              </a:lnSpc>
+            </a:pPr>
             <a:endParaRPr lang="en-US" dirty="0"/>
           </a:p>
           <a:p>
+            <a:pPr>
+              <a:lnSpc>
+                <a:spcPct val="150000"/>
+              </a:lnSpc>
+            </a:pPr>
             <a:r>
               <a:rPr lang="en-US" b="1" dirty="0" smtClean="0"/>
-              <a:t>XAMPP </a:t>
+              <a:t>XAMPP</a:t>
+            </a:r>
+          </a:p>
+          <a:p>
+            <a:pPr marL="0" indent="0">
+              <a:lnSpc>
+                <a:spcPct val="150000"/>
+              </a:lnSpc>
+              <a:buNone/>
+            </a:pPr>
+            <a:r>
+              <a:rPr lang="en-US" b="1" dirty="0" smtClean="0"/>
+              <a:t> </a:t>
             </a:r>
             <a:endParaRPr lang="en-US" dirty="0"/>
           </a:p>
           <a:p>
+            <a:pPr>
+              <a:lnSpc>
+                <a:spcPct val="150000"/>
+              </a:lnSpc>
+            </a:pPr>
             <a:r>
               <a:rPr lang="en-US" b="1" dirty="0" smtClean="0"/>
               <a:t>Bootstrap </a:t>
             </a:r>
-          </a:p>
-          <a:p>
+            <a:endParaRPr lang="en-US" b="1" dirty="0" smtClean="0"/>
+          </a:p>
+          <a:p>
+            <a:pPr>
+              <a:lnSpc>
+                <a:spcPct val="150000"/>
+              </a:lnSpc>
+            </a:pPr>
+            <a:endParaRPr lang="en-US" b="1" dirty="0" smtClean="0"/>
+          </a:p>
+          <a:p>
+            <a:pPr>
+              <a:lnSpc>
+                <a:spcPct val="150000"/>
+              </a:lnSpc>
+            </a:pPr>
             <a:r>
               <a:rPr lang="en-US" b="1" dirty="0" smtClean="0"/>
               <a:t>Java </a:t>
@@ -7634,13 +7902,31 @@
             <a:endParaRPr lang="en-US" b="1" dirty="0" smtClean="0"/>
           </a:p>
           <a:p>
+            <a:pPr>
+              <a:lnSpc>
+                <a:spcPct val="150000"/>
+              </a:lnSpc>
+            </a:pPr>
             <a:r>
               <a:rPr lang="en-US" b="1" dirty="0" err="1" smtClean="0"/>
               <a:t>PHPMailer</a:t>
             </a:r>
+            <a:endParaRPr lang="en-US" b="1" dirty="0" smtClean="0"/>
+          </a:p>
+          <a:p>
+            <a:pPr>
+              <a:lnSpc>
+                <a:spcPct val="150000"/>
+              </a:lnSpc>
+            </a:pPr>
             <a:endParaRPr lang="en-US" dirty="0"/>
           </a:p>
           <a:p>
+            <a:pPr>
+              <a:lnSpc>
+                <a:spcPct val="150000"/>
+              </a:lnSpc>
+            </a:pPr>
             <a:r>
               <a:rPr lang="en-US" b="1" dirty="0" err="1" smtClean="0"/>
               <a:t>PHPSpreadsheets</a:t>
@@ -7649,9 +7935,22 @@
               <a:rPr lang="en-US" b="1" dirty="0" smtClean="0"/>
               <a:t> </a:t>
             </a:r>
+            <a:endParaRPr lang="en-US" b="1" dirty="0"/>
+          </a:p>
+          <a:p>
+            <a:pPr>
+              <a:lnSpc>
+                <a:spcPct val="150000"/>
+              </a:lnSpc>
+            </a:pPr>
             <a:endParaRPr lang="en-US" dirty="0"/>
           </a:p>
           <a:p>
+            <a:pPr>
+              <a:lnSpc>
+                <a:spcPct val="150000"/>
+              </a:lnSpc>
+            </a:pPr>
             <a:r>
               <a:rPr lang="en-US" b="1" dirty="0" err="1" smtClean="0"/>
               <a:t>Github</a:t>
@@ -7674,7 +7973,11 @@
             </a:r>
             <a:r>
               <a:rPr lang="en-US" dirty="0"/>
-              <a:t>://github.com/mdlunag/tfg. </a:t>
+              <a:t>://</a:t>
+            </a:r>
+            <a:r>
+              <a:rPr lang="en-US" dirty="0" smtClean="0"/>
+              <a:t>github.com/mdlunag/tfg</a:t>
             </a:r>
             <a:endParaRPr lang="es-ES" dirty="0" smtClean="0"/>
           </a:p>
@@ -7708,6 +8011,452 @@
           </a:p>
         </p:txBody>
       </p:sp>
+      <p:pic>
+        <p:nvPicPr>
+          <p:cNvPr id="2050" name="Picture 2"/>
+          <p:cNvPicPr>
+            <a:picLocks noChangeAspect="1" noChangeArrowheads="1"/>
+          </p:cNvPicPr>
+          <p:nvPr/>
+        </p:nvPicPr>
+        <p:blipFill>
+          <a:blip r:embed="rId2" cstate="print">
+            <a:extLst>
+              <a:ext uri="{28A0092B-C50C-407E-A947-70E740481C1C}">
+                <a14:useLocalDpi xmlns:a14="http://schemas.microsoft.com/office/drawing/2010/main" val="0"/>
+              </a:ext>
+            </a:extLst>
+          </a:blip>
+          <a:srcRect/>
+          <a:stretch>
+            <a:fillRect/>
+          </a:stretch>
+        </p:blipFill>
+        <p:spPr bwMode="auto">
+          <a:xfrm>
+            <a:off x="2146083" y="2148934"/>
+            <a:ext cx="685047" cy="762438"/>
+          </a:xfrm>
+          <a:prstGeom prst="rect">
+            <a:avLst/>
+          </a:prstGeom>
+          <a:noFill/>
+          <a:ln>
+            <a:noFill/>
+          </a:ln>
+          <a:effectLst/>
+          <a:extLst>
+            <a:ext uri="{909E8E84-426E-40DD-AFC4-6F175D3DCCD1}">
+              <a14:hiddenFill xmlns:a14="http://schemas.microsoft.com/office/drawing/2010/main">
+                <a:solidFill>
+                  <a:schemeClr val="accent1"/>
+                </a:solidFill>
+              </a14:hiddenFill>
+            </a:ext>
+            <a:ext uri="{91240B29-F687-4F45-9708-019B960494DF}">
+              <a14:hiddenLine xmlns:a14="http://schemas.microsoft.com/office/drawing/2010/main" w="9525">
+                <a:solidFill>
+                  <a:schemeClr val="tx1"/>
+                </a:solidFill>
+                <a:miter lim="800000"/>
+                <a:headEnd/>
+                <a:tailEnd/>
+              </a14:hiddenLine>
+            </a:ext>
+            <a:ext uri="{AF507438-7753-43E0-B8FC-AC1667EBCBE1}">
+              <a14:hiddenEffects xmlns:a14="http://schemas.microsoft.com/office/drawing/2010/main">
+                <a:effectLst>
+                  <a:outerShdw dist="35921" dir="2700000" algn="ctr" rotWithShape="0">
+                    <a:schemeClr val="bg2"/>
+                  </a:outerShdw>
+                </a:effectLst>
+              </a14:hiddenEffects>
+            </a:ext>
+          </a:extLst>
+        </p:spPr>
+      </p:pic>
+      <p:pic>
+        <p:nvPicPr>
+          <p:cNvPr id="2051" name="Picture 3"/>
+          <p:cNvPicPr>
+            <a:picLocks noChangeAspect="1" noChangeArrowheads="1"/>
+          </p:cNvPicPr>
+          <p:nvPr/>
+        </p:nvPicPr>
+        <p:blipFill rotWithShape="1">
+          <a:blip r:embed="rId3" cstate="print">
+            <a:extLst>
+              <a:ext uri="{28A0092B-C50C-407E-A947-70E740481C1C}">
+                <a14:useLocalDpi xmlns:a14="http://schemas.microsoft.com/office/drawing/2010/main" val="0"/>
+              </a:ext>
+            </a:extLst>
+          </a:blip>
+          <a:srcRect/>
+          <a:stretch/>
+        </p:blipFill>
+        <p:spPr bwMode="auto">
+          <a:xfrm>
+            <a:off x="2125579" y="3171506"/>
+            <a:ext cx="705551" cy="695020"/>
+          </a:xfrm>
+          <a:prstGeom prst="rect">
+            <a:avLst/>
+          </a:prstGeom>
+          <a:noFill/>
+          <a:ln>
+            <a:noFill/>
+          </a:ln>
+          <a:effectLst/>
+          <a:extLst>
+            <a:ext uri="{909E8E84-426E-40DD-AFC4-6F175D3DCCD1}">
+              <a14:hiddenFill xmlns:a14="http://schemas.microsoft.com/office/drawing/2010/main">
+                <a:solidFill>
+                  <a:schemeClr val="accent1"/>
+                </a:solidFill>
+              </a14:hiddenFill>
+            </a:ext>
+            <a:ext uri="{91240B29-F687-4F45-9708-019B960494DF}">
+              <a14:hiddenLine xmlns:a14="http://schemas.microsoft.com/office/drawing/2010/main" w="9525">
+                <a:solidFill>
+                  <a:schemeClr val="tx1"/>
+                </a:solidFill>
+                <a:miter lim="800000"/>
+                <a:headEnd/>
+                <a:tailEnd/>
+              </a14:hiddenLine>
+            </a:ext>
+            <a:ext uri="{AF507438-7753-43E0-B8FC-AC1667EBCBE1}">
+              <a14:hiddenEffects xmlns:a14="http://schemas.microsoft.com/office/drawing/2010/main">
+                <a:effectLst>
+                  <a:outerShdw dist="35921" dir="2700000" algn="ctr" rotWithShape="0">
+                    <a:schemeClr val="bg2"/>
+                  </a:outerShdw>
+                </a:effectLst>
+              </a14:hiddenEffects>
+            </a:ext>
+          </a:extLst>
+        </p:spPr>
+      </p:pic>
+      <p:pic>
+        <p:nvPicPr>
+          <p:cNvPr id="2052" name="Picture 4"/>
+          <p:cNvPicPr>
+            <a:picLocks noChangeAspect="1" noChangeArrowheads="1"/>
+          </p:cNvPicPr>
+          <p:nvPr/>
+        </p:nvPicPr>
+        <p:blipFill>
+          <a:blip r:embed="rId4" cstate="print">
+            <a:extLst>
+              <a:ext uri="{28A0092B-C50C-407E-A947-70E740481C1C}">
+                <a14:useLocalDpi xmlns:a14="http://schemas.microsoft.com/office/drawing/2010/main" val="0"/>
+              </a:ext>
+            </a:extLst>
+          </a:blip>
+          <a:srcRect/>
+          <a:stretch>
+            <a:fillRect/>
+          </a:stretch>
+        </p:blipFill>
+        <p:spPr bwMode="auto">
+          <a:xfrm>
+            <a:off x="2122648" y="4266492"/>
+            <a:ext cx="696579" cy="685883"/>
+          </a:xfrm>
+          <a:prstGeom prst="rect">
+            <a:avLst/>
+          </a:prstGeom>
+          <a:noFill/>
+          <a:ln>
+            <a:noFill/>
+          </a:ln>
+          <a:effectLst/>
+          <a:extLst>
+            <a:ext uri="{909E8E84-426E-40DD-AFC4-6F175D3DCCD1}">
+              <a14:hiddenFill xmlns:a14="http://schemas.microsoft.com/office/drawing/2010/main">
+                <a:solidFill>
+                  <a:schemeClr val="accent1"/>
+                </a:solidFill>
+              </a14:hiddenFill>
+            </a:ext>
+            <a:ext uri="{91240B29-F687-4F45-9708-019B960494DF}">
+              <a14:hiddenLine xmlns:a14="http://schemas.microsoft.com/office/drawing/2010/main" w="9525">
+                <a:solidFill>
+                  <a:schemeClr val="tx1"/>
+                </a:solidFill>
+                <a:miter lim="800000"/>
+                <a:headEnd/>
+                <a:tailEnd/>
+              </a14:hiddenLine>
+            </a:ext>
+            <a:ext uri="{AF507438-7753-43E0-B8FC-AC1667EBCBE1}">
+              <a14:hiddenEffects xmlns:a14="http://schemas.microsoft.com/office/drawing/2010/main">
+                <a:effectLst>
+                  <a:outerShdw dist="35921" dir="2700000" algn="ctr" rotWithShape="0">
+                    <a:schemeClr val="bg2"/>
+                  </a:outerShdw>
+                </a:effectLst>
+              </a14:hiddenEffects>
+            </a:ext>
+          </a:extLst>
+        </p:spPr>
+      </p:pic>
+      <p:pic>
+        <p:nvPicPr>
+          <p:cNvPr id="2053" name="Picture 5"/>
+          <p:cNvPicPr>
+            <a:picLocks noChangeAspect="1" noChangeArrowheads="1"/>
+          </p:cNvPicPr>
+          <p:nvPr/>
+        </p:nvPicPr>
+        <p:blipFill>
+          <a:blip r:embed="rId5" cstate="print">
+            <a:extLst>
+              <a:ext uri="{28A0092B-C50C-407E-A947-70E740481C1C}">
+                <a14:useLocalDpi xmlns:a14="http://schemas.microsoft.com/office/drawing/2010/main" val="0"/>
+              </a:ext>
+            </a:extLst>
+          </a:blip>
+          <a:srcRect/>
+          <a:stretch>
+            <a:fillRect/>
+          </a:stretch>
+        </p:blipFill>
+        <p:spPr bwMode="auto">
+          <a:xfrm>
+            <a:off x="2122648" y="5218749"/>
+            <a:ext cx="708482" cy="984216"/>
+          </a:xfrm>
+          <a:prstGeom prst="rect">
+            <a:avLst/>
+          </a:prstGeom>
+          <a:noFill/>
+          <a:ln>
+            <a:noFill/>
+          </a:ln>
+          <a:effectLst/>
+          <a:extLst>
+            <a:ext uri="{909E8E84-426E-40DD-AFC4-6F175D3DCCD1}">
+              <a14:hiddenFill xmlns:a14="http://schemas.microsoft.com/office/drawing/2010/main">
+                <a:solidFill>
+                  <a:schemeClr val="accent1"/>
+                </a:solidFill>
+              </a14:hiddenFill>
+            </a:ext>
+            <a:ext uri="{91240B29-F687-4F45-9708-019B960494DF}">
+              <a14:hiddenLine xmlns:a14="http://schemas.microsoft.com/office/drawing/2010/main" w="9525">
+                <a:solidFill>
+                  <a:schemeClr val="tx1"/>
+                </a:solidFill>
+                <a:miter lim="800000"/>
+                <a:headEnd/>
+                <a:tailEnd/>
+              </a14:hiddenLine>
+            </a:ext>
+            <a:ext uri="{AF507438-7753-43E0-B8FC-AC1667EBCBE1}">
+              <a14:hiddenEffects xmlns:a14="http://schemas.microsoft.com/office/drawing/2010/main">
+                <a:effectLst>
+                  <a:outerShdw dist="35921" dir="2700000" algn="ctr" rotWithShape="0">
+                    <a:schemeClr val="bg2"/>
+                  </a:outerShdw>
+                </a:effectLst>
+              </a14:hiddenEffects>
+            </a:ext>
+          </a:extLst>
+        </p:spPr>
+      </p:pic>
+      <p:pic>
+        <p:nvPicPr>
+          <p:cNvPr id="2054" name="Picture 6"/>
+          <p:cNvPicPr>
+            <a:picLocks noChangeAspect="1" noChangeArrowheads="1"/>
+          </p:cNvPicPr>
+          <p:nvPr/>
+        </p:nvPicPr>
+        <p:blipFill>
+          <a:blip r:embed="rId6" cstate="print">
+            <a:extLst>
+              <a:ext uri="{28A0092B-C50C-407E-A947-70E740481C1C}">
+                <a14:useLocalDpi xmlns:a14="http://schemas.microsoft.com/office/drawing/2010/main" val="0"/>
+              </a:ext>
+            </a:extLst>
+          </a:blip>
+          <a:srcRect/>
+          <a:stretch>
+            <a:fillRect/>
+          </a:stretch>
+        </p:blipFill>
+        <p:spPr bwMode="auto">
+          <a:xfrm>
+            <a:off x="7895627" y="2193286"/>
+            <a:ext cx="711869" cy="673733"/>
+          </a:xfrm>
+          <a:prstGeom prst="rect">
+            <a:avLst/>
+          </a:prstGeom>
+          <a:noFill/>
+          <a:ln>
+            <a:noFill/>
+          </a:ln>
+          <a:effectLst/>
+          <a:extLst>
+            <a:ext uri="{909E8E84-426E-40DD-AFC4-6F175D3DCCD1}">
+              <a14:hiddenFill xmlns:a14="http://schemas.microsoft.com/office/drawing/2010/main">
+                <a:solidFill>
+                  <a:schemeClr val="accent1"/>
+                </a:solidFill>
+              </a14:hiddenFill>
+            </a:ext>
+            <a:ext uri="{91240B29-F687-4F45-9708-019B960494DF}">
+              <a14:hiddenLine xmlns:a14="http://schemas.microsoft.com/office/drawing/2010/main" w="9525">
+                <a:solidFill>
+                  <a:schemeClr val="tx1"/>
+                </a:solidFill>
+                <a:miter lim="800000"/>
+                <a:headEnd/>
+                <a:tailEnd/>
+              </a14:hiddenLine>
+            </a:ext>
+            <a:ext uri="{AF507438-7753-43E0-B8FC-AC1667EBCBE1}">
+              <a14:hiddenEffects xmlns:a14="http://schemas.microsoft.com/office/drawing/2010/main">
+                <a:effectLst>
+                  <a:outerShdw dist="35921" dir="2700000" algn="ctr" rotWithShape="0">
+                    <a:schemeClr val="bg2"/>
+                  </a:outerShdw>
+                </a:effectLst>
+              </a14:hiddenEffects>
+            </a:ext>
+          </a:extLst>
+        </p:spPr>
+      </p:pic>
+      <p:pic>
+        <p:nvPicPr>
+          <p:cNvPr id="2055" name="Picture 7"/>
+          <p:cNvPicPr>
+            <a:picLocks noChangeAspect="1" noChangeArrowheads="1"/>
+          </p:cNvPicPr>
+          <p:nvPr/>
+        </p:nvPicPr>
+        <p:blipFill>
+          <a:blip r:embed="rId7">
+            <a:extLst>
+              <a:ext uri="{28A0092B-C50C-407E-A947-70E740481C1C}">
+                <a14:useLocalDpi xmlns:a14="http://schemas.microsoft.com/office/drawing/2010/main" val="0"/>
+              </a:ext>
+            </a:extLst>
+          </a:blip>
+          <a:srcRect/>
+          <a:stretch>
+            <a:fillRect/>
+          </a:stretch>
+        </p:blipFill>
+        <p:spPr bwMode="auto">
+          <a:xfrm>
+            <a:off x="7688180" y="3344778"/>
+            <a:ext cx="1158346" cy="598571"/>
+          </a:xfrm>
+          <a:prstGeom prst="rect">
+            <a:avLst/>
+          </a:prstGeom>
+          <a:noFill/>
+          <a:ln>
+            <a:noFill/>
+          </a:ln>
+          <a:effectLst/>
+          <a:extLst>
+            <a:ext uri="{909E8E84-426E-40DD-AFC4-6F175D3DCCD1}">
+              <a14:hiddenFill xmlns:a14="http://schemas.microsoft.com/office/drawing/2010/main">
+                <a:solidFill>
+                  <a:schemeClr val="accent1"/>
+                </a:solidFill>
+              </a14:hiddenFill>
+            </a:ext>
+            <a:ext uri="{91240B29-F687-4F45-9708-019B960494DF}">
+              <a14:hiddenLine xmlns:a14="http://schemas.microsoft.com/office/drawing/2010/main" w="9525">
+                <a:solidFill>
+                  <a:schemeClr val="tx1"/>
+                </a:solidFill>
+                <a:miter lim="800000"/>
+                <a:headEnd/>
+                <a:tailEnd/>
+              </a14:hiddenLine>
+            </a:ext>
+            <a:ext uri="{AF507438-7753-43E0-B8FC-AC1667EBCBE1}">
+              <a14:hiddenEffects xmlns:a14="http://schemas.microsoft.com/office/drawing/2010/main">
+                <a:effectLst>
+                  <a:outerShdw dist="35921" dir="2700000" algn="ctr" rotWithShape="0">
+                    <a:schemeClr val="bg2"/>
+                  </a:outerShdw>
+                </a:effectLst>
+              </a14:hiddenEffects>
+            </a:ext>
+          </a:extLst>
+        </p:spPr>
+      </p:pic>
+      <p:pic>
+        <p:nvPicPr>
+          <p:cNvPr id="2056" name="Picture 8"/>
+          <p:cNvPicPr>
+            <a:picLocks noChangeAspect="1" noChangeArrowheads="1"/>
+          </p:cNvPicPr>
+          <p:nvPr/>
+        </p:nvPicPr>
+        <p:blipFill>
+          <a:blip r:embed="rId8" cstate="print">
+            <a:extLst>
+              <a:ext uri="{28A0092B-C50C-407E-A947-70E740481C1C}">
+                <a14:useLocalDpi xmlns:a14="http://schemas.microsoft.com/office/drawing/2010/main" val="0"/>
+              </a:ext>
+            </a:extLst>
+          </a:blip>
+          <a:srcRect/>
+          <a:stretch>
+            <a:fillRect/>
+          </a:stretch>
+        </p:blipFill>
+        <p:spPr bwMode="auto">
+          <a:xfrm>
+            <a:off x="7958292" y="4299640"/>
+            <a:ext cx="618122" cy="619586"/>
+          </a:xfrm>
+          <a:prstGeom prst="rect">
+            <a:avLst/>
+          </a:prstGeom>
+          <a:noFill/>
+          <a:ln>
+            <a:noFill/>
+          </a:ln>
+          <a:effectLst/>
+          <a:extLst>
+            <a:ext uri="{909E8E84-426E-40DD-AFC4-6F175D3DCCD1}">
+              <a14:hiddenFill xmlns:a14="http://schemas.microsoft.com/office/drawing/2010/main">
+                <a:solidFill>
+                  <a:schemeClr val="accent1"/>
+                </a:solidFill>
+              </a14:hiddenFill>
+            </a:ext>
+            <a:ext uri="{91240B29-F687-4F45-9708-019B960494DF}">
+              <a14:hiddenLine xmlns:a14="http://schemas.microsoft.com/office/drawing/2010/main" w="9525">
+                <a:solidFill>
+                  <a:schemeClr val="tx1"/>
+                </a:solidFill>
+                <a:miter lim="800000"/>
+                <a:headEnd/>
+                <a:tailEnd/>
+              </a14:hiddenLine>
+            </a:ext>
+            <a:ext uri="{AF507438-7753-43E0-B8FC-AC1667EBCBE1}">
+              <a14:hiddenEffects xmlns:a14="http://schemas.microsoft.com/office/drawing/2010/main">
+                <a:effectLst>
+                  <a:outerShdw dist="35921" dir="2700000" algn="ctr" rotWithShape="0">
+                    <a:schemeClr val="bg2"/>
+                  </a:outerShdw>
+                </a:effectLst>
+              </a14:hiddenEffects>
+            </a:ext>
+          </a:extLst>
+        </p:spPr>
+      </p:pic>
     </p:spTree>
     <p:extLst>
       <p:ext uri="{BB962C8B-B14F-4D97-AF65-F5344CB8AC3E}">
@@ -8467,26 +9216,66 @@
       </p:sp>
       <p:pic>
         <p:nvPicPr>
-          <p:cNvPr id="7" name="Picture 6"/>
+          <p:cNvPr id="1026" name="Picture 2"/>
           <p:cNvPicPr>
-            <a:picLocks noChangeAspect="1"/>
+            <a:picLocks noChangeAspect="1" noChangeArrowheads="1"/>
           </p:cNvPicPr>
           <p:nvPr/>
         </p:nvPicPr>
         <p:blipFill>
-          <a:blip r:embed="rId2"/>
+          <a:blip r:embed="rId2">
+            <a:extLst>
+              <a:ext uri="{28A0092B-C50C-407E-A947-70E740481C1C}">
+                <a14:useLocalDpi xmlns:a14="http://schemas.microsoft.com/office/drawing/2010/main" val="0"/>
+              </a:ext>
+            </a:extLst>
+          </a:blip>
+          <a:srcRect/>
           <a:stretch>
             <a:fillRect/>
           </a:stretch>
         </p:blipFill>
-        <p:spPr>
+        <p:spPr bwMode="auto">
           <a:xfrm>
-            <a:off x="4078224" y="1911732"/>
-            <a:ext cx="3705293" cy="4566358"/>
+            <a:off x="2707106" y="2129089"/>
+            <a:ext cx="6579520" cy="3924626"/>
           </a:xfrm>
           <a:prstGeom prst="rect">
             <a:avLst/>
           </a:prstGeom>
+          <a:noFill/>
+          <a:ln>
+            <a:noFill/>
+          </a:ln>
+          <a:effectLst/>
+          <a:extLst>
+            <a:ext uri="{909E8E84-426E-40DD-AFC4-6F175D3DCCD1}">
+              <a14:hiddenFill xmlns:a14="http://schemas.microsoft.com/office/drawing/2010/main">
+                <a:solidFill>
+                  <a:schemeClr val="accent1"/>
+                </a:solidFill>
+              </a14:hiddenFill>
+            </a:ext>
+            <a:ext uri="{91240B29-F687-4F45-9708-019B960494DF}">
+              <a14:hiddenLine xmlns:a14="http://schemas.microsoft.com/office/drawing/2010/main" w="9525">
+                <a:solidFill>
+                  <a:schemeClr val="tx1"/>
+                </a:solidFill>
+                <a:miter lim="800000"/>
+                <a:headEnd/>
+                <a:tailEnd/>
+              </a14:hiddenLine>
+            </a:ext>
+            <a:ext uri="{AF507438-7753-43E0-B8FC-AC1667EBCBE1}">
+              <a14:hiddenEffects xmlns:a14="http://schemas.microsoft.com/office/drawing/2010/main">
+                <a:effectLst>
+                  <a:outerShdw dist="35921" dir="2700000" algn="ctr" rotWithShape="0">
+                    <a:schemeClr val="bg2"/>
+                  </a:outerShdw>
+                </a:effectLst>
+              </a14:hiddenEffects>
+            </a:ext>
+          </a:extLst>
         </p:spPr>
       </p:pic>
     </p:spTree>
@@ -9052,6 +9841,11 @@
           </a:bodyPr>
           <a:lstStyle/>
           <a:p>
+            <a:pPr>
+              <a:lnSpc>
+                <a:spcPct val="250000"/>
+              </a:lnSpc>
+            </a:pPr>
             <a:r>
               <a:rPr lang="es-ES" dirty="0" smtClean="0"/>
               <a:t>Hacer uso </a:t>
@@ -9066,12 +9860,22 @@
             </a:r>
           </a:p>
           <a:p>
+            <a:pPr>
+              <a:lnSpc>
+                <a:spcPct val="250000"/>
+              </a:lnSpc>
+            </a:pPr>
             <a:r>
               <a:rPr lang="es-ES" dirty="0" smtClean="0"/>
               <a:t>Multilenguaje</a:t>
             </a:r>
           </a:p>
           <a:p>
+            <a:pPr>
+              <a:lnSpc>
+                <a:spcPct val="250000"/>
+              </a:lnSpc>
+            </a:pPr>
             <a:r>
               <a:rPr lang="es-ES" dirty="0" smtClean="0"/>
               <a:t>Desarrollo de </a:t>
@@ -9087,6 +9891,11 @@
             <a:endParaRPr lang="es-ES" dirty="0"/>
           </a:p>
           <a:p>
+            <a:pPr>
+              <a:lnSpc>
+                <a:spcPct val="250000"/>
+              </a:lnSpc>
+            </a:pPr>
             <a:r>
               <a:rPr lang="es-ES" dirty="0" smtClean="0"/>
               <a:t>Mejorar interfaz</a:t>
@@ -9189,7 +9998,7 @@
         <p:spPr/>
         <p:txBody>
           <a:bodyPr>
-            <a:normAutofit fontScale="85000" lnSpcReduction="20000"/>
+            <a:normAutofit fontScale="70000" lnSpcReduction="20000"/>
           </a:bodyPr>
           <a:lstStyle/>
           <a:p>
@@ -9250,6 +10059,16 @@
             <a:r>
               <a:rPr lang="es-ES" dirty="0" smtClean="0"/>
               <a:t>Validación</a:t>
+            </a:r>
+          </a:p>
+          <a:p>
+            <a:r>
+              <a:rPr lang="es-ES" dirty="0" smtClean="0"/>
+              <a:t>Futura </a:t>
+            </a:r>
+            <a:r>
+              <a:rPr lang="es-ES" dirty="0" err="1" smtClean="0"/>
+              <a:t>mejors</a:t>
             </a:r>
             <a:endParaRPr lang="ca-ES" dirty="0" smtClean="0"/>
           </a:p>
@@ -9551,8 +10370,57 @@
           <a:p>
             <a:r>
               <a:rPr lang="ca-ES" dirty="0" smtClean="0"/>
-              <a:t>Hasta ahora: Distribución encargo docente</a:t>
-            </a:r>
+              <a:t>Hasta </a:t>
+            </a:r>
+            <a:r>
+              <a:rPr lang="ca-ES" dirty="0" err="1" smtClean="0"/>
+              <a:t>ahora</a:t>
+            </a:r>
+            <a:r>
+              <a:rPr lang="ca-ES" dirty="0" smtClean="0"/>
+              <a:t>: </a:t>
+            </a:r>
+            <a:r>
+              <a:rPr lang="ca-ES" dirty="0" err="1" smtClean="0"/>
+              <a:t>Distribución</a:t>
+            </a:r>
+            <a:r>
+              <a:rPr lang="ca-ES" dirty="0" smtClean="0"/>
+              <a:t> </a:t>
+            </a:r>
+            <a:r>
+              <a:rPr lang="ca-ES" dirty="0" smtClean="0"/>
+              <a:t>del </a:t>
+            </a:r>
+            <a:r>
+              <a:rPr lang="ca-ES" dirty="0" err="1" smtClean="0"/>
+              <a:t>encargo</a:t>
+            </a:r>
+            <a:r>
+              <a:rPr lang="ca-ES" dirty="0" smtClean="0"/>
+              <a:t> </a:t>
+            </a:r>
+            <a:r>
+              <a:rPr lang="ca-ES" dirty="0" err="1" smtClean="0"/>
+              <a:t>docente</a:t>
+            </a:r>
+            <a:r>
+              <a:rPr lang="ca-ES" dirty="0" smtClean="0"/>
+              <a:t> en el </a:t>
+            </a:r>
+            <a:r>
+              <a:rPr lang="ca-ES" dirty="0" err="1" smtClean="0"/>
+              <a:t>departamento</a:t>
+            </a:r>
+            <a:r>
+              <a:rPr lang="ca-ES" dirty="0" smtClean="0"/>
+              <a:t> de </a:t>
+            </a:r>
+            <a:r>
+              <a:rPr lang="ca-ES" dirty="0" err="1" smtClean="0"/>
+              <a:t>electrónica</a:t>
+            </a:r>
+            <a:endParaRPr lang="ca-ES" dirty="0" smtClean="0"/>
           </a:p>
           <a:p>
             <a:r>
@@ -9605,7 +10473,7 @@
         </p:nvCxnSpPr>
         <p:spPr>
           <a:xfrm>
-            <a:off x="5169530" y="2826857"/>
+            <a:off x="8815151" y="2801101"/>
             <a:ext cx="404948" cy="0"/>
           </a:xfrm>
           <a:prstGeom prst="straightConnector1">
@@ -9638,7 +10506,7 @@
         </p:nvSpPr>
         <p:spPr>
           <a:xfrm flipH="1">
-            <a:off x="5740167" y="2642191"/>
+            <a:off x="9373704" y="2616435"/>
             <a:ext cx="971226" cy="369332"/>
           </a:xfrm>
           <a:prstGeom prst="rect">
@@ -9725,8 +10593,8 @@
         </p:blipFill>
         <p:spPr bwMode="auto">
           <a:xfrm>
-            <a:off x="5452691" y="3371784"/>
-            <a:ext cx="5915025" cy="2022475"/>
+            <a:off x="5077647" y="3371784"/>
+            <a:ext cx="6290070" cy="2150711"/>
           </a:xfrm>
           <a:prstGeom prst="rect">
             <a:avLst/>
@@ -10080,12 +10948,18 @@
             <a:pPr marL="0" indent="0">
               <a:buNone/>
             </a:pPr>
+            <a:endParaRPr lang="en-US" dirty="0" smtClean="0"/>
+          </a:p>
+          <a:p>
+            <a:pPr marL="0" indent="0">
+              <a:buNone/>
+            </a:pPr>
             <a:endParaRPr lang="en-US" dirty="0"/>
           </a:p>
           <a:p>
             <a:r>
               <a:rPr lang="en-US" dirty="0" err="1" smtClean="0"/>
-              <a:t>Conseguir</a:t>
+              <a:t>Desarrollar</a:t>
             </a:r>
             <a:r>
               <a:rPr lang="en-US" dirty="0" smtClean="0"/>
@@ -10104,12 +10978,30 @@
               <a:t>aplicación</a:t>
             </a:r>
             <a:r>
+              <a:rPr lang="en-US" dirty="0"/>
+              <a:t> </a:t>
+            </a:r>
+            <a:r>
+              <a:rPr lang="en-US" dirty="0" smtClean="0"/>
+              <a:t>web.</a:t>
+            </a:r>
+          </a:p>
+          <a:p>
+            <a:r>
+              <a:rPr lang="en-US" dirty="0" smtClean="0"/>
+              <a:t>La </a:t>
+            </a:r>
+            <a:r>
+              <a:rPr lang="en-US" dirty="0" err="1" smtClean="0"/>
+              <a:t>solución</a:t>
+            </a:r>
+            <a:r>
               <a:rPr lang="en-US" dirty="0" smtClean="0"/>
               <a:t> </a:t>
             </a:r>
             <a:r>
-              <a:rPr lang="en-US" dirty="0"/>
-              <a:t> web </a:t>
+              <a:rPr lang="en-US" dirty="0" err="1" smtClean="0"/>
+              <a:t>debe</a:t>
             </a:r>
             <a:r>
               <a:rPr lang="en-US" dirty="0" smtClean="0"/>
@@ -10117,7 +11009,7 @@
             </a:r>
             <a:r>
               <a:rPr lang="en-US" dirty="0" err="1" smtClean="0"/>
-              <a:t>intuitiva</a:t>
+              <a:t>ser</a:t>
             </a:r>
             <a:r>
               <a:rPr lang="en-US" dirty="0" smtClean="0"/>
@@ -10125,7 +11017,15 @@
             </a:r>
             <a:r>
               <a:rPr lang="en-US" dirty="0" err="1" smtClean="0"/>
-              <a:t>que</a:t>
+              <a:t>intuitiva</a:t>
+            </a:r>
+            <a:r>
+              <a:rPr lang="en-US" dirty="0" smtClean="0"/>
+              <a:t> y </a:t>
+            </a:r>
+            <a:r>
+              <a:rPr lang="en-US" dirty="0" err="1" smtClean="0"/>
+              <a:t>aportar</a:t>
             </a:r>
             <a:r>
               <a:rPr lang="en-US" dirty="0" smtClean="0"/>
@@ -10133,11 +11033,45 @@
             </a:r>
             <a:r>
               <a:rPr lang="en-US" dirty="0" err="1" smtClean="0"/>
-              <a:t>haga</a:t>
+              <a:t>una</a:t>
             </a:r>
             <a:r>
               <a:rPr lang="en-US" dirty="0" smtClean="0"/>
-              <a:t> el </a:t>
+              <a:t> </a:t>
+            </a:r>
+            <a:r>
+              <a:rPr lang="en-US" dirty="0" err="1" smtClean="0"/>
+              <a:t>mejora</a:t>
+            </a:r>
+            <a:r>
+              <a:rPr lang="en-US" dirty="0" smtClean="0"/>
+              <a:t> </a:t>
+            </a:r>
+            <a:r>
+              <a:rPr lang="en-US" dirty="0" err="1" smtClean="0"/>
+              <a:t>respecto</a:t>
+            </a:r>
+            <a:r>
+              <a:rPr lang="en-US" dirty="0" smtClean="0"/>
+              <a:t> la </a:t>
+            </a:r>
+            <a:r>
+              <a:rPr lang="en-US" dirty="0" err="1" smtClean="0"/>
+              <a:t>situacion</a:t>
+            </a:r>
+            <a:r>
+              <a:rPr lang="en-US" dirty="0" smtClean="0"/>
+              <a:t> anterior </a:t>
+            </a:r>
+            <a:r>
+              <a:rPr lang="en-US" dirty="0" smtClean="0">
+                <a:sym typeface="Wingdings" pitchFamily="2" charset="2"/>
+              </a:rPr>
+              <a:t></a:t>
+            </a:r>
+            <a:r>
+              <a:rPr lang="en-US" dirty="0" smtClean="0"/>
+              <a:t> </a:t>
             </a:r>
             <a:r>
               <a:rPr lang="en-US" dirty="0" err="1" smtClean="0"/>
@@ -10183,8 +11117,8 @@
         </p:nvSpPr>
         <p:spPr>
           <a:xfrm>
-            <a:off x="1265536" y="2325126"/>
-            <a:ext cx="9754439" cy="769441"/>
+            <a:off x="1130968" y="2712877"/>
+            <a:ext cx="10081513" cy="769441"/>
           </a:xfrm>
           <a:prstGeom prst="rect">
             <a:avLst/>
@@ -10383,24 +11317,44 @@
           <a:bodyPr/>
           <a:lstStyle/>
           <a:p>
+            <a:pPr>
+              <a:lnSpc>
+                <a:spcPct val="200000"/>
+              </a:lnSpc>
+            </a:pPr>
             <a:r>
               <a:rPr lang="es-ES" dirty="0" smtClean="0"/>
               <a:t>Subir aplicación web en un servidor (de la UPC preferiblemente)</a:t>
             </a:r>
           </a:p>
           <a:p>
+            <a:pPr>
+              <a:lnSpc>
+                <a:spcPct val="200000"/>
+              </a:lnSpc>
+            </a:pPr>
             <a:r>
               <a:rPr lang="es-ES" dirty="0" smtClean="0"/>
               <a:t>Acceder mediante credenciales</a:t>
             </a:r>
           </a:p>
           <a:p>
+            <a:pPr>
+              <a:lnSpc>
+                <a:spcPct val="200000"/>
+              </a:lnSpc>
+            </a:pPr>
             <a:r>
               <a:rPr lang="es-ES" dirty="0" smtClean="0"/>
               <a:t>Pensada para ordenadores pero también posibilidad de accede desde teléfono móvil.</a:t>
             </a:r>
           </a:p>
           <a:p>
+            <a:pPr>
+              <a:lnSpc>
+                <a:spcPct val="200000"/>
+              </a:lnSpc>
+            </a:pPr>
             <a:r>
               <a:rPr lang="es-ES" dirty="0" smtClean="0"/>
               <a:t>En catalán.</a:t>
@@ -10508,7 +11462,7 @@
         </p:nvSpPr>
         <p:spPr>
           <a:xfrm>
-            <a:off x="581193" y="2460396"/>
+            <a:off x="536743" y="2279922"/>
             <a:ext cx="11029615" cy="3678303"/>
           </a:xfrm>
         </p:spPr>
@@ -10516,6 +11470,11 @@
           <a:bodyPr/>
           <a:lstStyle/>
           <a:p>
+            <a:pPr>
+              <a:lnSpc>
+                <a:spcPct val="300000"/>
+              </a:lnSpc>
+            </a:pPr>
             <a:r>
               <a:rPr lang="en-US" dirty="0" smtClean="0"/>
               <a:t>Excel</a:t>
@@ -10523,12 +11482,22 @@
             <a:endParaRPr lang="en-US" dirty="0"/>
           </a:p>
           <a:p>
+            <a:pPr>
+              <a:lnSpc>
+                <a:spcPct val="300000"/>
+              </a:lnSpc>
+            </a:pPr>
             <a:r>
               <a:rPr lang="en-US" dirty="0" smtClean="0"/>
               <a:t>Google Sheets</a:t>
             </a:r>
           </a:p>
           <a:p>
+            <a:pPr>
+              <a:lnSpc>
+                <a:spcPct val="300000"/>
+              </a:lnSpc>
+            </a:pPr>
             <a:r>
               <a:rPr lang="en-US" dirty="0" smtClean="0"/>
               <a:t> </a:t>
@@ -10791,7 +11760,30 @@
           <a:p>
             <a:r>
               <a:rPr lang="es-ES" dirty="0" smtClean="0"/>
-              <a:t>Aplicación web:</a:t>
+              <a:t>Web vs aplicación web </a:t>
+            </a:r>
+            <a:r>
+              <a:rPr lang="es-ES" dirty="0" smtClean="0">
+                <a:sym typeface="Wingdings" pitchFamily="2" charset="2"/>
+              </a:rPr>
+              <a:t> estátic</a:t>
+            </a:r>
+            <a:r>
+              <a:rPr lang="es-ES" dirty="0" smtClean="0">
+                <a:sym typeface="Wingdings" pitchFamily="2" charset="2"/>
+              </a:rPr>
+              <a:t>a o dinámica?</a:t>
+            </a:r>
+            <a:endParaRPr lang="es-ES" dirty="0" smtClean="0"/>
+          </a:p>
+          <a:p>
+            <a:r>
+              <a:rPr lang="es-ES" dirty="0" smtClean="0"/>
+              <a:t>Aplicación </a:t>
+            </a:r>
+            <a:r>
+              <a:rPr lang="es-ES" dirty="0" smtClean="0"/>
+              <a:t>web:</a:t>
             </a:r>
           </a:p>
           <a:p>
@@ -10870,7 +11862,7 @@
         </p:blipFill>
         <p:spPr>
           <a:xfrm>
-            <a:off x="994098" y="3724009"/>
+            <a:off x="994097" y="3868385"/>
             <a:ext cx="3976747" cy="1484309"/>
           </a:xfrm>
           <a:prstGeom prst="rect">
@@ -10901,7 +11893,7 @@
         </p:blipFill>
         <p:spPr bwMode="auto">
           <a:xfrm>
-            <a:off x="7047103" y="3228626"/>
+            <a:off x="6758345" y="3524690"/>
             <a:ext cx="2171700" cy="2171701"/>
           </a:xfrm>
           <a:prstGeom prst="rect">
@@ -10982,7 +11974,7 @@
     </a:clrScheme>
     <a:fontScheme name="Dividendo">
       <a:majorFont>
-        <a:latin typeface="Gill Sans MT" panose="020B0502020104020203"/>
+        <a:latin typeface="Gill Sans MT"/>
         <a:ea typeface=""/>
         <a:cs typeface=""/>
         <a:font script="Grek" typeface="Corbel"/>
@@ -11019,7 +12011,7 @@
         <a:font script="Geor" typeface="Sylfaen"/>
       </a:majorFont>
       <a:minorFont>
-        <a:latin typeface="Gill Sans MT" panose="020B0502020104020203"/>
+        <a:latin typeface="Gill Sans MT"/>
         <a:ea typeface=""/>
         <a:cs typeface=""/>
         <a:font script="Grek" typeface="Corbel"/>
@@ -11202,7 +12194,7 @@
   <a:extraClrSchemeLst/>
   <a:extLst>
     <a:ext uri="{05A4C25C-085E-4340-85A3-A5531E510DB2}">
-      <thm15:themeFamily xmlns:thm15="http://schemas.microsoft.com/office/thememl/2012/main" name="Dividend" id="{9697A71B-4AB7-4A1A-BD5B-BB2D22835B57}" vid="{66F1C100-1D2B-4BEA-AD01-C4F230B3B965}"/>
+      <thm15:themeFamily xmlns="" xmlns:thm15="http://schemas.microsoft.com/office/thememl/2012/main" name="Dividend" id="{9697A71B-4AB7-4A1A-BD5B-BB2D22835B57}" vid="{66F1C100-1D2B-4BEA-AD01-C4F230B3B965}"/>
     </a:ext>
   </a:extLst>
 </a:theme>
@@ -11251,7 +12243,7 @@
     </a:clrScheme>
     <a:fontScheme name="Office">
       <a:majorFont>
-        <a:latin typeface="Calibri Light" panose="020F0302020204030204"/>
+        <a:latin typeface="Calibri Light"/>
         <a:ea typeface=""/>
         <a:cs typeface=""/>
         <a:font script="Jpan" typeface="游ゴシック Light"/>
@@ -11286,7 +12278,7 @@
         <a:font script="Geor" typeface="Sylfaen"/>
       </a:majorFont>
       <a:minorFont>
-        <a:latin typeface="Calibri" panose="020F0502020204030204"/>
+        <a:latin typeface="Calibri"/>
         <a:ea typeface=""/>
         <a:cs typeface=""/>
         <a:font script="Jpan" typeface="游ゴシック"/>
@@ -11463,7 +12455,7 @@
   <a:extraClrSchemeLst/>
   <a:extLst>
     <a:ext uri="{05A4C25C-085E-4340-85A3-A5531E510DB2}">
-      <thm15:themeFamily xmlns:thm15="http://schemas.microsoft.com/office/thememl/2012/main" name="Office Theme" id="{62F939B6-93AF-4DB8-9C6B-D6C7DFDC589F}" vid="{4A3C46E8-61CC-4603-A589-7422A47A8E4A}"/>
+      <thm15:themeFamily xmlns="" xmlns:thm15="http://schemas.microsoft.com/office/thememl/2012/main" name="Office Theme" id="{62F939B6-93AF-4DB8-9C6B-D6C7DFDC589F}" vid="{4A3C46E8-61CC-4603-A589-7422A47A8E4A}"/>
     </a:ext>
   </a:extLst>
 </a:theme>

--- a/tfg_presentacio.pptx
+++ b/tfg_presentacio.pptx
@@ -5,7 +5,7 @@
     <p:sldMasterId id="2147484032" r:id="rId1"/>
   </p:sldMasterIdLst>
   <p:notesMasterIdLst>
-    <p:notesMasterId r:id="rId22"/>
+    <p:notesMasterId r:id="rId25"/>
   </p:notesMasterIdLst>
   <p:sldIdLst>
     <p:sldId id="256" r:id="rId2"/>
@@ -19,15 +19,18 @@
     <p:sldId id="288" r:id="rId10"/>
     <p:sldId id="289" r:id="rId11"/>
     <p:sldId id="264" r:id="rId12"/>
-    <p:sldId id="290" r:id="rId13"/>
-    <p:sldId id="291" r:id="rId14"/>
-    <p:sldId id="292" r:id="rId15"/>
-    <p:sldId id="278" r:id="rId16"/>
-    <p:sldId id="270" r:id="rId17"/>
-    <p:sldId id="271" r:id="rId18"/>
-    <p:sldId id="274" r:id="rId19"/>
-    <p:sldId id="293" r:id="rId20"/>
-    <p:sldId id="272" r:id="rId21"/>
+    <p:sldId id="296" r:id="rId13"/>
+    <p:sldId id="290" r:id="rId14"/>
+    <p:sldId id="291" r:id="rId15"/>
+    <p:sldId id="292" r:id="rId16"/>
+    <p:sldId id="278" r:id="rId17"/>
+    <p:sldId id="294" r:id="rId18"/>
+    <p:sldId id="270" r:id="rId19"/>
+    <p:sldId id="271" r:id="rId20"/>
+    <p:sldId id="274" r:id="rId21"/>
+    <p:sldId id="293" r:id="rId22"/>
+    <p:sldId id="272" r:id="rId23"/>
+    <p:sldId id="295" r:id="rId24"/>
   </p:sldIdLst>
   <p:sldSz cx="12192000" cy="6858000"/>
   <p:notesSz cx="6858000" cy="9144000"/>
@@ -128,7 +131,18 @@
   </p:defaultTextStyle>
   <p:extLst>
     <p:ext uri="{EFAFB233-063F-42B5-8137-9DF3F51BA10A}">
-      <p15:sldGuideLst xmlns="" xmlns:p15="http://schemas.microsoft.com/office/powerpoint/2012/main"/>
+      <p15:sldGuideLst xmlns:p15="http://schemas.microsoft.com/office/powerpoint/2012/main">
+        <p15:guide id="1" orient="horz" pos="2160">
+          <p15:clr>
+            <a:srgbClr val="A4A3A4"/>
+          </p15:clr>
+        </p15:guide>
+        <p15:guide id="2" pos="3840">
+          <p15:clr>
+            <a:srgbClr val="A4A3A4"/>
+          </p15:clr>
+        </p15:guide>
+      </p15:sldGuideLst>
     </p:ext>
   </p:extLst>
 </p:presentation>
@@ -941,7 +955,7 @@
         <a:p>
           <a:r>
             <a:rPr lang="es-ES" dirty="0" smtClean="0"/>
-            <a:t>Rápido</a:t>
+            <a:t>Rápida</a:t>
           </a:r>
           <a:endParaRPr lang="es-ES" dirty="0"/>
         </a:p>
@@ -978,7 +992,7 @@
         <a:p>
           <a:r>
             <a:rPr lang="es-ES" dirty="0" smtClean="0"/>
-            <a:t>Visión global situación</a:t>
+            <a:t>Eficiente</a:t>
           </a:r>
           <a:endParaRPr lang="es-ES" dirty="0"/>
         </a:p>
@@ -1202,12 +1216,12 @@
         <a:fontRef idx="minor"/>
       </dsp:style>
       <dsp:txBody>
-        <a:bodyPr spcFirstLastPara="0" vert="horz" wrap="square" lIns="66040" tIns="16510" rIns="33020" bIns="16510" numCol="1" spcCol="1270" anchor="ctr" anchorCtr="0">
+        <a:bodyPr spcFirstLastPara="0" vert="horz" wrap="square" lIns="76200" tIns="19050" rIns="38100" bIns="19050" numCol="1" spcCol="1270" anchor="ctr" anchorCtr="0">
           <a:noAutofit/>
         </a:bodyPr>
         <a:lstStyle/>
         <a:p>
-          <a:pPr marL="228600" lvl="1" indent="-228600" algn="l" defTabSz="1155700">
+          <a:pPr marL="285750" lvl="1" indent="-285750" algn="l" defTabSz="1333500">
             <a:lnSpc>
               <a:spcPct val="90000"/>
             </a:lnSpc>
@@ -1220,13 +1234,13 @@
             <a:buChar char="••"/>
           </a:pPr>
           <a:r>
-            <a:rPr lang="es-ES" sz="2600" kern="1200" dirty="0" smtClean="0"/>
-            <a:t>Rápido</a:t>
+            <a:rPr lang="es-ES" sz="3000" kern="1200" dirty="0" smtClean="0"/>
+            <a:t>Rápida</a:t>
           </a:r>
-          <a:endParaRPr lang="es-ES" sz="2600" kern="1200" dirty="0"/>
+          <a:endParaRPr lang="es-ES" sz="3000" kern="1200" dirty="0"/>
         </a:p>
         <a:p>
-          <a:pPr marL="228600" lvl="1" indent="-228600" algn="l" defTabSz="1155700">
+          <a:pPr marL="285750" lvl="1" indent="-285750" algn="l" defTabSz="1333500">
             <a:lnSpc>
               <a:spcPct val="90000"/>
             </a:lnSpc>
@@ -1239,13 +1253,13 @@
             <a:buChar char="••"/>
           </a:pPr>
           <a:r>
-            <a:rPr lang="es-ES" sz="2600" kern="1200" dirty="0" smtClean="0"/>
-            <a:t>Visión global situación</a:t>
+            <a:rPr lang="es-ES" sz="3000" kern="1200" dirty="0" smtClean="0"/>
+            <a:t>Eficiente</a:t>
           </a:r>
-          <a:endParaRPr lang="es-ES" sz="2600" kern="1200" dirty="0"/>
+          <a:endParaRPr lang="es-ES" sz="3000" kern="1200" dirty="0"/>
         </a:p>
         <a:p>
-          <a:pPr marL="228600" lvl="1" indent="-228600" algn="l" defTabSz="1155700">
+          <a:pPr marL="285750" lvl="1" indent="-285750" algn="l" defTabSz="1333500">
             <a:lnSpc>
               <a:spcPct val="90000"/>
             </a:lnSpc>
@@ -1258,10 +1272,10 @@
             <a:buChar char="••"/>
           </a:pPr>
           <a:r>
-            <a:rPr lang="es-ES" sz="2600" kern="1200" dirty="0" smtClean="0"/>
+            <a:rPr lang="es-ES" sz="3000" kern="1200" dirty="0" smtClean="0"/>
             <a:t>Fácil seguir orden de prioridad y de gestionar</a:t>
           </a:r>
-          <a:endParaRPr lang="es-ES" sz="2600" kern="1200" dirty="0"/>
+          <a:endParaRPr lang="es-ES" sz="3000" kern="1200" dirty="0"/>
         </a:p>
       </dsp:txBody>
       <dsp:txXfrm>
@@ -2760,7 +2774,7 @@
           <a:p>
             <a:fld id="{48A72CDC-B66D-4F7C-81D5-D9554618F5EA}" type="datetimeFigureOut">
               <a:rPr lang="ca-ES" smtClean="0"/>
-              <a:t>27/1/2020</a:t>
+              <a:t>28/1/2020</a:t>
             </a:fld>
             <a:endParaRPr lang="ca-ES"/>
           </a:p>
@@ -2919,7 +2933,7 @@
           <a:p>
             <a:fld id="{BF650D99-69A1-4A33-B524-E59AFA3826C2}" type="slidenum">
               <a:rPr lang="ca-ES" smtClean="0"/>
-              <a:t>‹Nº›</a:t>
+              <a:t>‹#›</a:t>
             </a:fld>
             <a:endParaRPr lang="ca-ES"/>
           </a:p>
@@ -3273,7 +3287,7 @@
           <a:p>
             <a:fld id="{0BBB4F42-6AD2-4763-95BD-31AD1CD045D9}" type="datetime1">
               <a:rPr lang="ca-ES" smtClean="0"/>
-              <a:t>27/1/2020</a:t>
+              <a:t>28/1/2020</a:t>
             </a:fld>
             <a:endParaRPr lang="ca-ES"/>
           </a:p>
@@ -3348,7 +3362,7 @@
             <a:fld id="{4F4CC500-C254-4A01-A1E9-3631BD4DF40D}" type="slidenum">
               <a:rPr lang="ca-ES" smtClean="0"/>
               <a:pPr/>
-              <a:t>‹Nº›</a:t>
+              <a:t>‹#›</a:t>
             </a:fld>
             <a:endParaRPr lang="ca-ES" dirty="0"/>
           </a:p>
@@ -3573,7 +3587,7 @@
           <a:p>
             <a:fld id="{A04CCCF5-5A85-4415-AA58-796941352A24}" type="datetime1">
               <a:rPr lang="ca-ES" smtClean="0"/>
-              <a:t>27/1/2020</a:t>
+              <a:t>28/1/2020</a:t>
             </a:fld>
             <a:endParaRPr lang="ca-ES"/>
           </a:p>
@@ -3615,7 +3629,7 @@
           <a:p>
             <a:fld id="{4F4CC500-C254-4A01-A1E9-3631BD4DF40D}" type="slidenum">
               <a:rPr lang="ca-ES" smtClean="0"/>
-              <a:t>‹Nº›</a:t>
+              <a:t>‹#›</a:t>
             </a:fld>
             <a:endParaRPr lang="ca-ES" dirty="0"/>
           </a:p>
@@ -3803,7 +3817,7 @@
           <a:p>
             <a:fld id="{76EB001A-7D6D-4244-904E-2F12C21DCADA}" type="datetime1">
               <a:rPr lang="ca-ES" smtClean="0"/>
-              <a:t>27/1/2020</a:t>
+              <a:t>28/1/2020</a:t>
             </a:fld>
             <a:endParaRPr lang="ca-ES"/>
           </a:p>
@@ -3845,7 +3859,7 @@
           <a:p>
             <a:fld id="{4F4CC500-C254-4A01-A1E9-3631BD4DF40D}" type="slidenum">
               <a:rPr lang="ca-ES" smtClean="0"/>
-              <a:t>‹Nº›</a:t>
+              <a:t>‹#›</a:t>
             </a:fld>
             <a:endParaRPr lang="ca-ES" dirty="0"/>
           </a:p>
@@ -4038,7 +4052,7 @@
           <a:p>
             <a:fld id="{B9EDF53F-45FA-47CF-989C-BECC3CC4A6FA}" type="datetime1">
               <a:rPr lang="ca-ES" smtClean="0"/>
-              <a:t>27/1/2020</a:t>
+              <a:t>28/1/2020</a:t>
             </a:fld>
             <a:endParaRPr lang="ca-ES"/>
           </a:p>
@@ -4101,7 +4115,7 @@
           <a:p>
             <a:fld id="{4F4CC500-C254-4A01-A1E9-3631BD4DF40D}" type="slidenum">
               <a:rPr lang="ca-ES" smtClean="0"/>
-              <a:t>‹Nº›</a:t>
+              <a:t>‹#›</a:t>
             </a:fld>
             <a:endParaRPr lang="ca-ES" dirty="0"/>
           </a:p>
@@ -4278,7 +4292,7 @@
           <a:p>
             <a:fld id="{28691B5E-530A-4578-A88A-EE5F8129B80D}" type="datetime1">
               <a:rPr lang="ca-ES" smtClean="0"/>
-              <a:t>27/1/2020</a:t>
+              <a:t>28/1/2020</a:t>
             </a:fld>
             <a:endParaRPr lang="ca-ES"/>
           </a:p>
@@ -4325,7 +4339,7 @@
             <a:fld id="{4F4CC500-C254-4A01-A1E9-3631BD4DF40D}" type="slidenum">
               <a:rPr lang="ca-ES" smtClean="0"/>
               <a:pPr/>
-              <a:t>‹Nº›</a:t>
+              <a:t>‹#›</a:t>
             </a:fld>
             <a:r>
               <a:rPr lang="ca-ES" dirty="0" smtClean="0"/>
@@ -4596,7 +4610,7 @@
           <a:p>
             <a:fld id="{734979E8-4746-4A6E-9ECA-821FCB65AC50}" type="datetime1">
               <a:rPr lang="ca-ES" smtClean="0"/>
-              <a:t>27/1/2020</a:t>
+              <a:t>28/1/2020</a:t>
             </a:fld>
             <a:endParaRPr lang="ca-ES"/>
           </a:p>
@@ -4660,7 +4674,7 @@
           <a:p>
             <a:fld id="{4F4CC500-C254-4A01-A1E9-3631BD4DF40D}" type="slidenum">
               <a:rPr lang="ca-ES" smtClean="0"/>
-              <a:t>‹Nº›</a:t>
+              <a:t>‹#›</a:t>
             </a:fld>
             <a:endParaRPr lang="ca-ES" dirty="0"/>
           </a:p>
@@ -4905,7 +4919,7 @@
           <a:p>
             <a:fld id="{CCD70EE2-F9E8-4773-8F78-2AD436C1326C}" type="datetime1">
               <a:rPr lang="ca-ES" smtClean="0"/>
-              <a:t>27/1/2020</a:t>
+              <a:t>28/1/2020</a:t>
             </a:fld>
             <a:endParaRPr lang="ca-ES"/>
           </a:p>
@@ -4947,7 +4961,7 @@
           <a:p>
             <a:fld id="{4F4CC500-C254-4A01-A1E9-3631BD4DF40D}" type="slidenum">
               <a:rPr lang="ca-ES" smtClean="0"/>
-              <a:t>‹Nº›</a:t>
+              <a:t>‹#›</a:t>
             </a:fld>
             <a:endParaRPr lang="ca-ES" dirty="0"/>
           </a:p>
@@ -5334,7 +5348,7 @@
           <a:p>
             <a:fld id="{B0303F1D-DFA8-4039-AB39-7797D6C98C06}" type="datetime1">
               <a:rPr lang="ca-ES" smtClean="0"/>
-              <a:t>27/1/2020</a:t>
+              <a:t>28/1/2020</a:t>
             </a:fld>
             <a:endParaRPr lang="ca-ES"/>
           </a:p>
@@ -5376,7 +5390,7 @@
           <a:p>
             <a:fld id="{4F4CC500-C254-4A01-A1E9-3631BD4DF40D}" type="slidenum">
               <a:rPr lang="ca-ES" smtClean="0"/>
-              <a:t>‹Nº›</a:t>
+              <a:t>‹#›</a:t>
             </a:fld>
             <a:endParaRPr lang="ca-ES" dirty="0"/>
           </a:p>
@@ -5459,7 +5473,7 @@
           <a:p>
             <a:fld id="{5ABAFB43-88C3-4E66-905C-AD8295BD58CE}" type="datetime1">
               <a:rPr lang="ca-ES" smtClean="0"/>
-              <a:t>27/1/2020</a:t>
+              <a:t>28/1/2020</a:t>
             </a:fld>
             <a:endParaRPr lang="ca-ES"/>
           </a:p>
@@ -5502,7 +5516,7 @@
             <a:fld id="{4F4CC500-C254-4A01-A1E9-3631BD4DF40D}" type="slidenum">
               <a:rPr lang="ca-ES" smtClean="0"/>
               <a:pPr/>
-              <a:t>‹Nº›</a:t>
+              <a:t>‹#›</a:t>
             </a:fld>
             <a:r>
               <a:rPr lang="ca-ES" smtClean="0"/>
@@ -5566,7 +5580,7 @@
           <a:p>
             <a:fld id="{11D08794-904D-4712-B67A-5F06D671CBCB}" type="datetime1">
               <a:rPr lang="ca-ES" smtClean="0"/>
-              <a:t>27/1/2020</a:t>
+              <a:t>28/1/2020</a:t>
             </a:fld>
             <a:endParaRPr lang="ca-ES"/>
           </a:p>
@@ -5608,7 +5622,7 @@
           <a:p>
             <a:fld id="{4F4CC500-C254-4A01-A1E9-3631BD4DF40D}" type="slidenum">
               <a:rPr lang="ca-ES" smtClean="0"/>
-              <a:t>‹Nº›</a:t>
+              <a:t>‹#›</a:t>
             </a:fld>
             <a:endParaRPr lang="ca-ES" dirty="0"/>
           </a:p>
@@ -5735,7 +5749,7 @@
           <a:p>
             <a:fld id="{29921BD1-FCB0-4298-99B0-740715082644}" type="datetime1">
               <a:rPr lang="ca-ES" smtClean="0"/>
-              <a:t>27/1/2020</a:t>
+              <a:t>28/1/2020</a:t>
             </a:fld>
             <a:endParaRPr lang="ca-ES"/>
           </a:p>
@@ -5777,7 +5791,7 @@
           <a:p>
             <a:fld id="{4F4CC500-C254-4A01-A1E9-3631BD4DF40D}" type="slidenum">
               <a:rPr lang="ca-ES" smtClean="0"/>
-              <a:t>‹Nº›</a:t>
+              <a:t>‹#›</a:t>
             </a:fld>
             <a:endParaRPr lang="ca-ES" dirty="0"/>
           </a:p>
@@ -6113,7 +6127,7 @@
           <a:p>
             <a:fld id="{7ABA9C88-BE0B-4A67-86B8-1C281E9C438E}" type="datetime1">
               <a:rPr lang="ca-ES" smtClean="0"/>
-              <a:t>27/1/2020</a:t>
+              <a:t>28/1/2020</a:t>
             </a:fld>
             <a:endParaRPr lang="ca-ES"/>
           </a:p>
@@ -6177,7 +6191,7 @@
           <a:p>
             <a:fld id="{4F4CC500-C254-4A01-A1E9-3631BD4DF40D}" type="slidenum">
               <a:rPr lang="ca-ES" smtClean="0"/>
-              <a:t>‹Nº›</a:t>
+              <a:t>‹#›</a:t>
             </a:fld>
             <a:endParaRPr lang="ca-ES" dirty="0"/>
           </a:p>
@@ -6346,7 +6360,7 @@
           <a:p>
             <a:fld id="{5ABAFB43-88C3-4E66-905C-AD8295BD58CE}" type="datetime1">
               <a:rPr lang="ca-ES" smtClean="0"/>
-              <a:t>27/1/2020</a:t>
+              <a:t>28/1/2020</a:t>
             </a:fld>
             <a:endParaRPr lang="ca-ES"/>
           </a:p>
@@ -6421,7 +6435,7 @@
             <a:fld id="{4F4CC500-C254-4A01-A1E9-3631BD4DF40D}" type="slidenum">
               <a:rPr lang="ca-ES" smtClean="0"/>
               <a:pPr/>
-              <a:t>‹Nº›</a:t>
+              <a:t>‹#›</a:t>
             </a:fld>
             <a:r>
               <a:rPr lang="ca-ES" dirty="0" smtClean="0"/>
@@ -6943,7 +6957,7 @@
   </p:txStyles>
   <p:extLst mod="1">
     <p:ext uri="{27BBF7A9-308A-43DC-89C8-2F10F3537804}">
-      <p15:sldGuideLst xmlns="" xmlns:p15="http://schemas.microsoft.com/office/powerpoint/2012/main"/>
+      <p15:sldGuideLst xmlns:p15="http://schemas.microsoft.com/office/powerpoint/2012/main"/>
     </p:ext>
   </p:extLst>
 </p:sldMaster>
@@ -7638,11 +7652,7 @@
             </a:r>
             <a:r>
               <a:rPr lang="en-US" dirty="0" smtClean="0"/>
-              <a:t> </a:t>
-            </a:r>
-            <a:r>
-              <a:rPr lang="en-US" dirty="0" smtClean="0"/>
-              <a:t>de mails para </a:t>
+              <a:t> de mails para </a:t>
             </a:r>
             <a:r>
               <a:rPr lang="en-US" dirty="0" err="1" smtClean="0"/>
@@ -7786,11 +7796,7 @@
           <a:p>
             <a:r>
               <a:rPr lang="es-ES" dirty="0" smtClean="0"/>
-              <a:t>Desarrollo - </a:t>
-            </a:r>
-            <a:r>
-              <a:rPr lang="es-ES" dirty="0" smtClean="0"/>
-              <a:t>Herramientas</a:t>
+              <a:t>Desarrollo - Herramientas</a:t>
             </a:r>
             <a:endParaRPr lang="ca-ES" dirty="0"/>
           </a:p>
@@ -7831,7 +7837,6 @@
               <a:rPr lang="en-US" b="1" dirty="0" smtClean="0"/>
               <a:t> </a:t>
             </a:r>
-            <a:endParaRPr lang="en-US" b="1" dirty="0" smtClean="0"/>
           </a:p>
           <a:p>
             <a:pPr>
@@ -7875,7 +7880,6 @@
               <a:rPr lang="en-US" b="1" dirty="0" smtClean="0"/>
               <a:t>Bootstrap </a:t>
             </a:r>
-            <a:endParaRPr lang="en-US" b="1" dirty="0" smtClean="0"/>
           </a:p>
           <a:p>
             <a:pPr>
@@ -8496,7 +8500,7 @@
       </p:grpSpPr>
       <p:sp>
         <p:nvSpPr>
-          <p:cNvPr id="2" name="Título 1"/>
+          <p:cNvPr id="2" name="Title 1"/>
           <p:cNvSpPr>
             <a:spLocks noGrp="1"/>
           </p:cNvSpPr>
@@ -8506,48 +8510,158 @@
         </p:nvSpPr>
         <p:spPr/>
         <p:txBody>
-          <a:bodyPr>
+          <a:bodyPr/>
+          <a:lstStyle/>
+          <a:p>
+            <a:r>
+              <a:rPr lang="es-ES" dirty="0" smtClean="0"/>
+              <a:t>Desarrollo- </a:t>
+            </a:r>
+            <a:r>
+              <a:rPr lang="es-ES" dirty="0" err="1" smtClean="0"/>
+              <a:t>php</a:t>
+            </a:r>
+            <a:endParaRPr lang="es-ES" dirty="0"/>
+          </a:p>
+        </p:txBody>
+      </p:sp>
+      <p:sp>
+        <p:nvSpPr>
+          <p:cNvPr id="3" name="Content Placeholder 2"/>
+          <p:cNvSpPr>
+            <a:spLocks noGrp="1"/>
+          </p:cNvSpPr>
+          <p:nvPr>
+            <p:ph idx="1"/>
+          </p:nvPr>
+        </p:nvSpPr>
+        <p:spPr>
+          <a:xfrm>
+            <a:off x="581192" y="2180496"/>
+            <a:ext cx="11029615" cy="3872832"/>
+          </a:xfrm>
+        </p:spPr>
+        <p:txBody>
+          <a:bodyPr anchor="t">
             <a:normAutofit/>
           </a:bodyPr>
           <a:lstStyle/>
           <a:p>
+            <a:pPr marL="0" indent="0">
+              <a:buNone/>
+            </a:pPr>
+            <a:r>
+              <a:rPr lang="es-ES" b="1" dirty="0" smtClean="0"/>
+              <a:t>¿Por qué PHP?</a:t>
+            </a:r>
+          </a:p>
+          <a:p>
             <a:r>
               <a:rPr lang="es-ES" dirty="0" smtClean="0"/>
-              <a:t>Desarrollo – Base de datos</a:t>
-            </a:r>
-            <a:endParaRPr lang="ca-ES" dirty="0"/>
-          </a:p>
-        </p:txBody>
-      </p:sp>
-      <p:pic>
-        <p:nvPicPr>
-          <p:cNvPr id="4" name="Content Placeholder 3"/>
-          <p:cNvPicPr>
-            <a:picLocks noGrp="1" noChangeAspect="1"/>
-          </p:cNvPicPr>
-          <p:nvPr>
-            <p:ph idx="1"/>
-          </p:nvPr>
-        </p:nvPicPr>
-        <p:blipFill>
-          <a:blip r:embed="rId2"/>
-          <a:stretch>
-            <a:fillRect/>
-          </a:stretch>
-        </p:blipFill>
-        <p:spPr>
-          <a:xfrm>
-            <a:off x="1353651" y="2563146"/>
-            <a:ext cx="9484697" cy="2545801"/>
-          </a:xfrm>
-          <a:prstGeom prst="rect">
-            <a:avLst/>
-          </a:prstGeom>
-        </p:spPr>
-      </p:pic>
-      <p:sp>
-        <p:nvSpPr>
-          <p:cNvPr id="3" name="Marcador de número de diapositiva 2"/>
+              <a:t>Reto: aprender nuevo lenguaje de programación</a:t>
+            </a:r>
+          </a:p>
+          <a:p>
+            <a:r>
+              <a:rPr lang="es-ES" dirty="0" smtClean="0"/>
+              <a:t>Para sitios dinámicos , interactuando con HTML y con bases de datos.</a:t>
+            </a:r>
+          </a:p>
+          <a:p>
+            <a:r>
+              <a:rPr lang="es-ES" dirty="0"/>
+              <a:t>G</a:t>
+            </a:r>
+            <a:r>
+              <a:rPr lang="es-ES" dirty="0" smtClean="0"/>
+              <a:t>ratuito</a:t>
+            </a:r>
+            <a:r>
+              <a:rPr lang="es-ES" dirty="0"/>
+              <a:t> </a:t>
+            </a:r>
+            <a:endParaRPr lang="es-ES" dirty="0"/>
+          </a:p>
+          <a:p>
+            <a:r>
+              <a:rPr lang="es-ES" dirty="0" smtClean="0"/>
+              <a:t>Multiplataforma</a:t>
+            </a:r>
+            <a:r>
+              <a:rPr lang="es-ES" dirty="0"/>
+              <a:t> , se puede instalar en cualquier sistema, ya sea Windows, Linux o Mac.</a:t>
+            </a:r>
+          </a:p>
+          <a:p>
+            <a:r>
+              <a:rPr lang="es-ES" dirty="0"/>
+              <a:t>C</a:t>
+            </a:r>
+            <a:r>
+              <a:rPr lang="es-ES" dirty="0" smtClean="0"/>
+              <a:t>urva </a:t>
+            </a:r>
+            <a:r>
+              <a:rPr lang="es-ES" dirty="0"/>
+              <a:t>de aprendizaje </a:t>
+            </a:r>
+            <a:r>
+              <a:rPr lang="es-ES" dirty="0" smtClean="0"/>
+              <a:t>baja.</a:t>
+            </a:r>
+            <a:endParaRPr lang="es-ES" dirty="0"/>
+          </a:p>
+          <a:p>
+            <a:r>
+              <a:rPr lang="es-ES" dirty="0" smtClean="0"/>
+              <a:t>La</a:t>
+            </a:r>
+            <a:r>
+              <a:rPr lang="es-ES" dirty="0"/>
+              <a:t> interacción entre PHP y HTML es muy sencilla .</a:t>
+            </a:r>
+          </a:p>
+          <a:p>
+            <a:r>
+              <a:rPr lang="es-ES" dirty="0" smtClean="0"/>
+              <a:t>Es </a:t>
+            </a:r>
+            <a:r>
+              <a:rPr lang="es-ES" dirty="0"/>
+              <a:t>un lenguaje muy sólido y maduro , lleva muchos años en el mercado y se ha ido perfeccionando</a:t>
+            </a:r>
+            <a:r>
+              <a:rPr lang="es-ES" dirty="0" smtClean="0"/>
+              <a:t>.</a:t>
+            </a:r>
+          </a:p>
+          <a:p>
+            <a:r>
+              <a:rPr lang="es-ES" dirty="0" smtClean="0"/>
+              <a:t> Gran </a:t>
+            </a:r>
+            <a:r>
+              <a:rPr lang="es-ES" dirty="0"/>
+              <a:t>demanda </a:t>
+            </a:r>
+            <a:r>
+              <a:rPr lang="es-ES" dirty="0" smtClean="0"/>
+              <a:t>laboral</a:t>
+            </a:r>
+            <a:r>
+              <a:rPr lang="es-ES" dirty="0"/>
+              <a:t>.</a:t>
+            </a:r>
+            <a:endParaRPr lang="es-ES" dirty="0" smtClean="0"/>
+          </a:p>
+          <a:p>
+            <a:endParaRPr lang="es-ES" dirty="0"/>
+          </a:p>
+        </p:txBody>
+      </p:sp>
+      <p:sp>
+        <p:nvSpPr>
+          <p:cNvPr id="4" name="Slide Number Placeholder 3"/>
           <p:cNvSpPr>
             <a:spLocks noGrp="1"/>
           </p:cNvSpPr>
@@ -8573,83 +8687,16 @@
           </a:p>
         </p:txBody>
       </p:sp>
-      <p:sp>
-        <p:nvSpPr>
-          <p:cNvPr id="5" name="TextBox 4"/>
-          <p:cNvSpPr txBox="1"/>
-          <p:nvPr/>
-        </p:nvSpPr>
-        <p:spPr>
-          <a:xfrm>
-            <a:off x="1289643" y="2118064"/>
-            <a:ext cx="3648117" cy="369332"/>
-          </a:xfrm>
-          <a:prstGeom prst="rect">
-            <a:avLst/>
-          </a:prstGeom>
-          <a:noFill/>
-        </p:spPr>
-        <p:txBody>
-          <a:bodyPr wrap="square" rtlCol="0">
-            <a:spAutoFit/>
-          </a:bodyPr>
-          <a:lstStyle/>
-          <a:p>
-            <a:pPr marL="306000" indent="-306000" defTabSz="457200">
-              <a:spcBef>
-                <a:spcPct val="20000"/>
-              </a:spcBef>
-              <a:spcAft>
-                <a:spcPts val="600"/>
-              </a:spcAft>
-              <a:buClr>
-                <a:schemeClr val="accent2"/>
-              </a:buClr>
-              <a:buSzPct val="92000"/>
-              <a:buFont typeface="Wingdings 2" panose="05020102010507070707" pitchFamily="18" charset="2"/>
-              <a:buChar char=""/>
-            </a:pPr>
-            <a:r>
-              <a:rPr lang="es-ES" dirty="0">
-                <a:solidFill>
-                  <a:schemeClr val="tx2"/>
-                </a:solidFill>
-              </a:rPr>
-              <a:t>Base de datos </a:t>
-            </a:r>
-            <a:r>
-              <a:rPr lang="es-ES" dirty="0" err="1">
-                <a:solidFill>
-                  <a:schemeClr val="tx2"/>
-                </a:solidFill>
-              </a:rPr>
-              <a:t>tfg</a:t>
-            </a:r>
-            <a:endParaRPr lang="es-ES" dirty="0">
-              <a:solidFill>
-                <a:schemeClr val="tx2"/>
-              </a:solidFill>
-            </a:endParaRPr>
-          </a:p>
-        </p:txBody>
-      </p:sp>
     </p:spTree>
     <p:extLst>
       <p:ext uri="{BB962C8B-B14F-4D97-AF65-F5344CB8AC3E}">
-        <p14:creationId xmlns:p14="http://schemas.microsoft.com/office/powerpoint/2010/main" val="1379157688"/>
+        <p14:creationId xmlns:p14="http://schemas.microsoft.com/office/powerpoint/2010/main" val="1884081894"/>
       </p:ext>
     </p:extLst>
   </p:cSld>
   <p:clrMapOvr>
     <a:masterClrMapping/>
   </p:clrMapOvr>
-  <p:timing>
-    <p:tnLst>
-      <p:par>
-        <p:cTn id="1" dur="indefinite" restart="never" nodeType="tmRoot"/>
-      </p:par>
-    </p:tnLst>
-  </p:timing>
 </p:sld>
 </file>
 
@@ -8732,7 +8779,7 @@
         <p:spPr>
           <a:xfrm>
             <a:off x="1289643" y="2118064"/>
-            <a:ext cx="3648117" cy="2416046"/>
+            <a:ext cx="3648117" cy="369332"/>
           </a:xfrm>
           <a:prstGeom prst="rect">
             <a:avLst/>
@@ -8760,202 +8807,87 @@
               <a:buChar char=""/>
             </a:pPr>
             <a:r>
-              <a:rPr lang="es-ES" dirty="0" smtClean="0">
+              <a:rPr lang="es-ES" dirty="0">
                 <a:solidFill>
                   <a:schemeClr val="tx2"/>
                 </a:solidFill>
               </a:rPr>
-              <a:t>Tabla </a:t>
-            </a:r>
-            <a:r>
-              <a:rPr lang="es-ES" dirty="0" err="1" smtClean="0">
+              <a:t>Base de datos </a:t>
+            </a:r>
+            <a:r>
+              <a:rPr lang="es-ES" dirty="0" err="1">
                 <a:solidFill>
                   <a:schemeClr val="tx2"/>
                 </a:solidFill>
               </a:rPr>
-              <a:t>Professors</a:t>
-            </a:r>
-            <a:endParaRPr lang="es-ES" dirty="0" smtClean="0">
-              <a:solidFill>
-                <a:schemeClr val="tx2"/>
-              </a:solidFill>
-            </a:endParaRPr>
-          </a:p>
-          <a:p>
-            <a:pPr marL="306000" indent="-306000" defTabSz="457200">
-              <a:spcBef>
-                <a:spcPct val="20000"/>
-              </a:spcBef>
-              <a:spcAft>
-                <a:spcPts val="600"/>
-              </a:spcAft>
-              <a:buClr>
-                <a:schemeClr val="accent2"/>
-              </a:buClr>
-              <a:buSzPct val="92000"/>
-              <a:buFont typeface="Wingdings 2" panose="05020102010507070707" pitchFamily="18" charset="2"/>
-              <a:buChar char=""/>
-            </a:pPr>
+              <a:t>tfg</a:t>
+            </a:r>
             <a:endParaRPr lang="es-ES" dirty="0">
               <a:solidFill>
                 <a:schemeClr val="tx2"/>
               </a:solidFill>
             </a:endParaRPr>
           </a:p>
-          <a:p>
-            <a:pPr marL="306000" indent="-306000" defTabSz="457200">
-              <a:spcBef>
-                <a:spcPct val="20000"/>
-              </a:spcBef>
-              <a:spcAft>
-                <a:spcPts val="600"/>
-              </a:spcAft>
-              <a:buClr>
-                <a:schemeClr val="accent2"/>
-              </a:buClr>
-              <a:buSzPct val="92000"/>
-              <a:buFont typeface="Wingdings 2" panose="05020102010507070707" pitchFamily="18" charset="2"/>
-              <a:buChar char=""/>
-            </a:pPr>
-            <a:endParaRPr lang="es-ES" dirty="0" smtClean="0">
-              <a:solidFill>
-                <a:schemeClr val="tx2"/>
-              </a:solidFill>
-            </a:endParaRPr>
-          </a:p>
-          <a:p>
-            <a:pPr marL="306000" indent="-306000" defTabSz="457200">
-              <a:spcBef>
-                <a:spcPct val="20000"/>
-              </a:spcBef>
-              <a:spcAft>
-                <a:spcPts val="600"/>
-              </a:spcAft>
-              <a:buClr>
-                <a:schemeClr val="accent2"/>
-              </a:buClr>
-              <a:buSzPct val="92000"/>
-              <a:buFont typeface="Wingdings 2" panose="05020102010507070707" pitchFamily="18" charset="2"/>
-              <a:buChar char=""/>
-            </a:pPr>
-            <a:endParaRPr lang="es-ES" dirty="0">
-              <a:solidFill>
-                <a:schemeClr val="tx2"/>
-              </a:solidFill>
-            </a:endParaRPr>
-          </a:p>
-          <a:p>
-            <a:pPr marL="306000" indent="-306000" defTabSz="457200">
-              <a:spcBef>
-                <a:spcPct val="20000"/>
-              </a:spcBef>
-              <a:spcAft>
-                <a:spcPts val="600"/>
-              </a:spcAft>
-              <a:buClr>
-                <a:schemeClr val="accent2"/>
-              </a:buClr>
-              <a:buSzPct val="92000"/>
-              <a:buFont typeface="Wingdings 2" panose="05020102010507070707" pitchFamily="18" charset="2"/>
-              <a:buChar char=""/>
-            </a:pPr>
-            <a:endParaRPr lang="es-ES" dirty="0" smtClean="0">
-              <a:solidFill>
-                <a:schemeClr val="tx2"/>
-              </a:solidFill>
-            </a:endParaRPr>
-          </a:p>
-          <a:p>
-            <a:pPr marL="306000" indent="-306000" defTabSz="457200">
-              <a:spcBef>
-                <a:spcPct val="20000"/>
-              </a:spcBef>
-              <a:spcAft>
-                <a:spcPts val="600"/>
-              </a:spcAft>
-              <a:buClr>
-                <a:schemeClr val="accent2"/>
-              </a:buClr>
-              <a:buSzPct val="92000"/>
-              <a:buFont typeface="Wingdings 2" panose="05020102010507070707" pitchFamily="18" charset="2"/>
-              <a:buChar char=""/>
-            </a:pPr>
-            <a:r>
-              <a:rPr lang="es-ES" dirty="0" smtClean="0">
-                <a:solidFill>
-                  <a:schemeClr val="tx2"/>
-                </a:solidFill>
-              </a:rPr>
-              <a:t>Tabla </a:t>
-            </a:r>
-            <a:r>
-              <a:rPr lang="es-ES" dirty="0" err="1" smtClean="0">
-                <a:solidFill>
-                  <a:schemeClr val="tx2"/>
-                </a:solidFill>
-              </a:rPr>
-              <a:t>Assignatures</a:t>
-            </a:r>
-            <a:endParaRPr lang="es-ES" dirty="0">
-              <a:solidFill>
-                <a:schemeClr val="tx2"/>
-              </a:solidFill>
-            </a:endParaRPr>
-          </a:p>
         </p:txBody>
       </p:sp>
       <p:pic>
         <p:nvPicPr>
-          <p:cNvPr id="6" name="Picture 5"/>
+          <p:cNvPr id="1026" name="Picture 1"/>
           <p:cNvPicPr>
-            <a:picLocks noChangeAspect="1"/>
+            <a:picLocks noChangeAspect="1" noChangeArrowheads="1"/>
           </p:cNvPicPr>
           <p:nvPr/>
         </p:nvPicPr>
         <p:blipFill>
-          <a:blip r:embed="rId2"/>
+          <a:blip r:embed="rId2">
+            <a:extLst>
+              <a:ext uri="{28A0092B-C50C-407E-A947-70E740481C1C}">
+                <a14:useLocalDpi xmlns:a14="http://schemas.microsoft.com/office/drawing/2010/main" val="0"/>
+              </a:ext>
+            </a:extLst>
+          </a:blip>
+          <a:srcRect/>
           <a:stretch>
             <a:fillRect/>
           </a:stretch>
         </p:blipFill>
-        <p:spPr>
+        <p:spPr bwMode="auto">
           <a:xfrm>
-            <a:off x="1987954" y="2688074"/>
-            <a:ext cx="8088076" cy="951500"/>
+            <a:off x="929265" y="2618424"/>
+            <a:ext cx="10333468" cy="2802445"/>
           </a:xfrm>
           <a:prstGeom prst="rect">
             <a:avLst/>
           </a:prstGeom>
-        </p:spPr>
-      </p:pic>
-      <p:pic>
-        <p:nvPicPr>
-          <p:cNvPr id="8" name="Picture 7"/>
-          <p:cNvPicPr>
-            <a:picLocks noChangeAspect="1"/>
-          </p:cNvPicPr>
-          <p:nvPr/>
-        </p:nvPicPr>
-        <p:blipFill>
-          <a:blip r:embed="rId3"/>
-          <a:stretch>
-            <a:fillRect/>
-          </a:stretch>
-        </p:blipFill>
-        <p:spPr>
-          <a:xfrm>
-            <a:off x="1987954" y="4677386"/>
-            <a:ext cx="2966400" cy="853467"/>
-          </a:xfrm>
-          <a:prstGeom prst="rect">
-            <a:avLst/>
-          </a:prstGeom>
+          <a:noFill/>
+          <a:ln>
+            <a:noFill/>
+          </a:ln>
+          <a:extLst>
+            <a:ext uri="{909E8E84-426E-40DD-AFC4-6F175D3DCCD1}">
+              <a14:hiddenFill xmlns:a14="http://schemas.microsoft.com/office/drawing/2010/main">
+                <a:solidFill>
+                  <a:srgbClr val="FFFFFF"/>
+                </a:solidFill>
+              </a14:hiddenFill>
+            </a:ext>
+            <a:ext uri="{91240B29-F687-4F45-9708-019B960494DF}">
+              <a14:hiddenLine xmlns:a14="http://schemas.microsoft.com/office/drawing/2010/main" w="9525">
+                <a:solidFill>
+                  <a:srgbClr val="000000"/>
+                </a:solidFill>
+                <a:miter lim="800000"/>
+                <a:headEnd/>
+                <a:tailEnd/>
+              </a14:hiddenLine>
+            </a:ext>
+          </a:extLst>
         </p:spPr>
       </p:pic>
     </p:spTree>
     <p:extLst>
       <p:ext uri="{BB962C8B-B14F-4D97-AF65-F5344CB8AC3E}">
-        <p14:creationId xmlns:p14="http://schemas.microsoft.com/office/powerpoint/2010/main" val="569568457"/>
+        <p14:creationId xmlns:p14="http://schemas.microsoft.com/office/powerpoint/2010/main" val="1379157688"/>
       </p:ext>
     </p:extLst>
   </p:cSld>
@@ -9051,7 +8983,7 @@
         <p:spPr>
           <a:xfrm>
             <a:off x="1289643" y="2118064"/>
-            <a:ext cx="3648117" cy="369332"/>
+            <a:ext cx="3648117" cy="2416046"/>
           </a:xfrm>
           <a:prstGeom prst="rect">
             <a:avLst/>
@@ -9092,44 +9024,249 @@
                   <a:schemeClr val="tx2"/>
                 </a:solidFill>
               </a:rPr>
-              <a:t>Globals</a:t>
-            </a:r>
+              <a:t>Professors</a:t>
+            </a:r>
+            <a:endParaRPr lang="es-ES" dirty="0" smtClean="0">
+              <a:solidFill>
+                <a:schemeClr val="tx2"/>
+              </a:solidFill>
+            </a:endParaRPr>
+          </a:p>
+          <a:p>
+            <a:pPr marL="306000" indent="-306000" defTabSz="457200">
+              <a:spcBef>
+                <a:spcPct val="20000"/>
+              </a:spcBef>
+              <a:spcAft>
+                <a:spcPts val="600"/>
+              </a:spcAft>
+              <a:buClr>
+                <a:schemeClr val="accent2"/>
+              </a:buClr>
+              <a:buSzPct val="92000"/>
+              <a:buFont typeface="Wingdings 2" panose="05020102010507070707" pitchFamily="18" charset="2"/>
+              <a:buChar char=""/>
+            </a:pPr>
             <a:endParaRPr lang="es-ES" dirty="0">
               <a:solidFill>
                 <a:schemeClr val="tx2"/>
               </a:solidFill>
             </a:endParaRPr>
           </a:p>
+          <a:p>
+            <a:pPr marL="306000" indent="-306000" defTabSz="457200">
+              <a:spcBef>
+                <a:spcPct val="20000"/>
+              </a:spcBef>
+              <a:spcAft>
+                <a:spcPts val="600"/>
+              </a:spcAft>
+              <a:buClr>
+                <a:schemeClr val="accent2"/>
+              </a:buClr>
+              <a:buSzPct val="92000"/>
+              <a:buFont typeface="Wingdings 2" panose="05020102010507070707" pitchFamily="18" charset="2"/>
+              <a:buChar char=""/>
+            </a:pPr>
+            <a:endParaRPr lang="es-ES" dirty="0" smtClean="0">
+              <a:solidFill>
+                <a:schemeClr val="tx2"/>
+              </a:solidFill>
+            </a:endParaRPr>
+          </a:p>
+          <a:p>
+            <a:pPr marL="306000" indent="-306000" defTabSz="457200">
+              <a:spcBef>
+                <a:spcPct val="20000"/>
+              </a:spcBef>
+              <a:spcAft>
+                <a:spcPts val="600"/>
+              </a:spcAft>
+              <a:buClr>
+                <a:schemeClr val="accent2"/>
+              </a:buClr>
+              <a:buSzPct val="92000"/>
+              <a:buFont typeface="Wingdings 2" panose="05020102010507070707" pitchFamily="18" charset="2"/>
+              <a:buChar char=""/>
+            </a:pPr>
+            <a:endParaRPr lang="es-ES" dirty="0">
+              <a:solidFill>
+                <a:schemeClr val="tx2"/>
+              </a:solidFill>
+            </a:endParaRPr>
+          </a:p>
+          <a:p>
+            <a:pPr marL="306000" indent="-306000" defTabSz="457200">
+              <a:spcBef>
+                <a:spcPct val="20000"/>
+              </a:spcBef>
+              <a:spcAft>
+                <a:spcPts val="600"/>
+              </a:spcAft>
+              <a:buClr>
+                <a:schemeClr val="accent2"/>
+              </a:buClr>
+              <a:buSzPct val="92000"/>
+              <a:buFont typeface="Wingdings 2" panose="05020102010507070707" pitchFamily="18" charset="2"/>
+              <a:buChar char=""/>
+            </a:pPr>
+            <a:endParaRPr lang="es-ES" dirty="0" smtClean="0">
+              <a:solidFill>
+                <a:schemeClr val="tx2"/>
+              </a:solidFill>
+            </a:endParaRPr>
+          </a:p>
+          <a:p>
+            <a:pPr marL="306000" indent="-306000" defTabSz="457200">
+              <a:spcBef>
+                <a:spcPct val="20000"/>
+              </a:spcBef>
+              <a:spcAft>
+                <a:spcPts val="600"/>
+              </a:spcAft>
+              <a:buClr>
+                <a:schemeClr val="accent2"/>
+              </a:buClr>
+              <a:buSzPct val="92000"/>
+              <a:buFont typeface="Wingdings 2" panose="05020102010507070707" pitchFamily="18" charset="2"/>
+              <a:buChar char=""/>
+            </a:pPr>
+            <a:r>
+              <a:rPr lang="es-ES" dirty="0" smtClean="0">
+                <a:solidFill>
+                  <a:schemeClr val="tx2"/>
+                </a:solidFill>
+              </a:rPr>
+              <a:t>Tabla </a:t>
+            </a:r>
+            <a:r>
+              <a:rPr lang="es-ES" dirty="0" err="1" smtClean="0">
+                <a:solidFill>
+                  <a:schemeClr val="tx2"/>
+                </a:solidFill>
+              </a:rPr>
+              <a:t>Assignatures</a:t>
+            </a:r>
+            <a:endParaRPr lang="es-ES" dirty="0">
+              <a:solidFill>
+                <a:schemeClr val="tx2"/>
+              </a:solidFill>
+            </a:endParaRPr>
+          </a:p>
         </p:txBody>
       </p:sp>
       <p:pic>
         <p:nvPicPr>
-          <p:cNvPr id="7" name="Picture 6"/>
+          <p:cNvPr id="2050" name="Picture 1"/>
           <p:cNvPicPr>
-            <a:picLocks noChangeAspect="1"/>
+            <a:picLocks noChangeAspect="1" noChangeArrowheads="1"/>
           </p:cNvPicPr>
           <p:nvPr/>
         </p:nvPicPr>
         <p:blipFill>
-          <a:blip r:embed="rId2"/>
+          <a:blip r:embed="rId2">
+            <a:extLst>
+              <a:ext uri="{28A0092B-C50C-407E-A947-70E740481C1C}">
+                <a14:useLocalDpi xmlns:a14="http://schemas.microsoft.com/office/drawing/2010/main" val="0"/>
+              </a:ext>
+            </a:extLst>
+          </a:blip>
+          <a:srcRect/>
           <a:stretch>
             <a:fillRect/>
           </a:stretch>
         </p:blipFill>
-        <p:spPr>
+        <p:spPr bwMode="auto">
           <a:xfrm>
-            <a:off x="1705688" y="2632706"/>
-            <a:ext cx="5332432" cy="2058166"/>
+            <a:off x="1538433" y="2659720"/>
+            <a:ext cx="9115133" cy="1073902"/>
           </a:xfrm>
           <a:prstGeom prst="rect">
             <a:avLst/>
           </a:prstGeom>
+          <a:noFill/>
+          <a:ln>
+            <a:noFill/>
+          </a:ln>
+          <a:extLst>
+            <a:ext uri="{909E8E84-426E-40DD-AFC4-6F175D3DCCD1}">
+              <a14:hiddenFill xmlns:a14="http://schemas.microsoft.com/office/drawing/2010/main">
+                <a:solidFill>
+                  <a:srgbClr val="FFFFFF"/>
+                </a:solidFill>
+              </a14:hiddenFill>
+            </a:ext>
+            <a:ext uri="{91240B29-F687-4F45-9708-019B960494DF}">
+              <a14:hiddenLine xmlns:a14="http://schemas.microsoft.com/office/drawing/2010/main" w="9525">
+                <a:solidFill>
+                  <a:srgbClr val="000000"/>
+                </a:solidFill>
+                <a:miter lim="800000"/>
+                <a:headEnd/>
+                <a:tailEnd/>
+              </a14:hiddenLine>
+            </a:ext>
+          </a:extLst>
+        </p:spPr>
+      </p:pic>
+      <p:pic>
+        <p:nvPicPr>
+          <p:cNvPr id="2051" name="Picture 1"/>
+          <p:cNvPicPr>
+            <a:picLocks noChangeAspect="1" noChangeArrowheads="1"/>
+          </p:cNvPicPr>
+          <p:nvPr/>
+        </p:nvPicPr>
+        <p:blipFill>
+          <a:blip r:embed="rId3">
+            <a:extLst>
+              <a:ext uri="{28A0092B-C50C-407E-A947-70E740481C1C}">
+                <a14:useLocalDpi xmlns:a14="http://schemas.microsoft.com/office/drawing/2010/main" val="0"/>
+              </a:ext>
+            </a:extLst>
+          </a:blip>
+          <a:srcRect/>
+          <a:stretch>
+            <a:fillRect/>
+          </a:stretch>
+        </p:blipFill>
+        <p:spPr bwMode="auto">
+          <a:xfrm>
+            <a:off x="1538433" y="4796054"/>
+            <a:ext cx="3003550" cy="849313"/>
+          </a:xfrm>
+          <a:prstGeom prst="rect">
+            <a:avLst/>
+          </a:prstGeom>
+          <a:noFill/>
+          <a:ln>
+            <a:noFill/>
+          </a:ln>
+          <a:extLst>
+            <a:ext uri="{909E8E84-426E-40DD-AFC4-6F175D3DCCD1}">
+              <a14:hiddenFill xmlns:a14="http://schemas.microsoft.com/office/drawing/2010/main">
+                <a:solidFill>
+                  <a:srgbClr val="FFFFFF"/>
+                </a:solidFill>
+              </a14:hiddenFill>
+            </a:ext>
+            <a:ext uri="{91240B29-F687-4F45-9708-019B960494DF}">
+              <a14:hiddenLine xmlns:a14="http://schemas.microsoft.com/office/drawing/2010/main" w="9525">
+                <a:solidFill>
+                  <a:srgbClr val="000000"/>
+                </a:solidFill>
+                <a:miter lim="800000"/>
+                <a:headEnd/>
+                <a:tailEnd/>
+              </a14:hiddenLine>
+            </a:ext>
+          </a:extLst>
         </p:spPr>
       </p:pic>
     </p:spTree>
     <p:extLst>
       <p:ext uri="{BB962C8B-B14F-4D97-AF65-F5344CB8AC3E}">
-        <p14:creationId xmlns:p14="http://schemas.microsoft.com/office/powerpoint/2010/main" val="3752206352"/>
+        <p14:creationId xmlns:p14="http://schemas.microsoft.com/office/powerpoint/2010/main" val="569568457"/>
       </p:ext>
     </p:extLst>
   </p:cSld>
@@ -9175,12 +9312,14 @@
         </p:nvSpPr>
         <p:spPr/>
         <p:txBody>
-          <a:bodyPr/>
+          <a:bodyPr>
+            <a:normAutofit/>
+          </a:bodyPr>
           <a:lstStyle/>
           <a:p>
             <a:r>
               <a:rPr lang="es-ES" dirty="0" smtClean="0"/>
-              <a:t>Casos De uso</a:t>
+              <a:t>Desarrollo – Base de datos</a:t>
             </a:r>
             <a:endParaRPr lang="ca-ES" dirty="0"/>
           </a:p>
@@ -9205,6 +9344,212 @@
               <a:rPr lang="ca-ES" smtClean="0"/>
               <a:pPr/>
               <a:t>15</a:t>
+            </a:fld>
+            <a:r>
+              <a:rPr lang="ca-ES" smtClean="0"/>
+              <a:t>/22</a:t>
+            </a:r>
+            <a:endParaRPr lang="ca-ES" dirty="0"/>
+          </a:p>
+        </p:txBody>
+      </p:sp>
+      <p:sp>
+        <p:nvSpPr>
+          <p:cNvPr id="5" name="TextBox 4"/>
+          <p:cNvSpPr txBox="1"/>
+          <p:nvPr/>
+        </p:nvSpPr>
+        <p:spPr>
+          <a:xfrm>
+            <a:off x="1289643" y="2118064"/>
+            <a:ext cx="3648117" cy="369332"/>
+          </a:xfrm>
+          <a:prstGeom prst="rect">
+            <a:avLst/>
+          </a:prstGeom>
+          <a:noFill/>
+        </p:spPr>
+        <p:txBody>
+          <a:bodyPr wrap="square" rtlCol="0">
+            <a:spAutoFit/>
+          </a:bodyPr>
+          <a:lstStyle/>
+          <a:p>
+            <a:pPr marL="306000" indent="-306000" defTabSz="457200">
+              <a:spcBef>
+                <a:spcPct val="20000"/>
+              </a:spcBef>
+              <a:spcAft>
+                <a:spcPts val="600"/>
+              </a:spcAft>
+              <a:buClr>
+                <a:schemeClr val="accent2"/>
+              </a:buClr>
+              <a:buSzPct val="92000"/>
+              <a:buFont typeface="Wingdings 2" panose="05020102010507070707" pitchFamily="18" charset="2"/>
+              <a:buChar char=""/>
+            </a:pPr>
+            <a:r>
+              <a:rPr lang="es-ES" dirty="0" smtClean="0">
+                <a:solidFill>
+                  <a:schemeClr val="tx2"/>
+                </a:solidFill>
+              </a:rPr>
+              <a:t>Tabla </a:t>
+            </a:r>
+            <a:r>
+              <a:rPr lang="es-ES" dirty="0" err="1" smtClean="0">
+                <a:solidFill>
+                  <a:schemeClr val="tx2"/>
+                </a:solidFill>
+              </a:rPr>
+              <a:t>Globals</a:t>
+            </a:r>
+            <a:endParaRPr lang="es-ES" dirty="0">
+              <a:solidFill>
+                <a:schemeClr val="tx2"/>
+              </a:solidFill>
+            </a:endParaRPr>
+          </a:p>
+        </p:txBody>
+      </p:sp>
+      <p:pic>
+        <p:nvPicPr>
+          <p:cNvPr id="3074" name="Picture 1"/>
+          <p:cNvPicPr>
+            <a:picLocks noChangeAspect="1" noChangeArrowheads="1"/>
+          </p:cNvPicPr>
+          <p:nvPr/>
+        </p:nvPicPr>
+        <p:blipFill>
+          <a:blip r:embed="rId2">
+            <a:extLst>
+              <a:ext uri="{28A0092B-C50C-407E-A947-70E740481C1C}">
+                <a14:useLocalDpi xmlns:a14="http://schemas.microsoft.com/office/drawing/2010/main" val="0"/>
+              </a:ext>
+            </a:extLst>
+          </a:blip>
+          <a:srcRect/>
+          <a:stretch>
+            <a:fillRect/>
+          </a:stretch>
+        </p:blipFill>
+        <p:spPr bwMode="auto">
+          <a:xfrm>
+            <a:off x="1289642" y="2889504"/>
+            <a:ext cx="4718663" cy="1837944"/>
+          </a:xfrm>
+          <a:prstGeom prst="rect">
+            <a:avLst/>
+          </a:prstGeom>
+          <a:noFill/>
+          <a:ln>
+            <a:noFill/>
+          </a:ln>
+          <a:extLst>
+            <a:ext uri="{909E8E84-426E-40DD-AFC4-6F175D3DCCD1}">
+              <a14:hiddenFill xmlns:a14="http://schemas.microsoft.com/office/drawing/2010/main">
+                <a:solidFill>
+                  <a:srgbClr val="FFFFFF"/>
+                </a:solidFill>
+              </a14:hiddenFill>
+            </a:ext>
+            <a:ext uri="{91240B29-F687-4F45-9708-019B960494DF}">
+              <a14:hiddenLine xmlns:a14="http://schemas.microsoft.com/office/drawing/2010/main" w="9525">
+                <a:solidFill>
+                  <a:srgbClr val="000000"/>
+                </a:solidFill>
+                <a:miter lim="800000"/>
+                <a:headEnd/>
+                <a:tailEnd/>
+              </a14:hiddenLine>
+            </a:ext>
+          </a:extLst>
+        </p:spPr>
+      </p:pic>
+    </p:spTree>
+    <p:extLst>
+      <p:ext uri="{BB962C8B-B14F-4D97-AF65-F5344CB8AC3E}">
+        <p14:creationId xmlns:p14="http://schemas.microsoft.com/office/powerpoint/2010/main" val="3752206352"/>
+      </p:ext>
+    </p:extLst>
+  </p:cSld>
+  <p:clrMapOvr>
+    <a:masterClrMapping/>
+  </p:clrMapOvr>
+  <p:timing>
+    <p:tnLst>
+      <p:par>
+        <p:cTn id="1" dur="indefinite" restart="never" nodeType="tmRoot"/>
+      </p:par>
+    </p:tnLst>
+  </p:timing>
+</p:sld>
+</file>
+
+<file path=ppt/slides/slide16.xml><?xml version="1.0" encoding="utf-8"?>
+<p:sld xmlns:a="http://schemas.openxmlformats.org/drawingml/2006/main" xmlns:r="http://schemas.openxmlformats.org/officeDocument/2006/relationships" xmlns:p="http://schemas.openxmlformats.org/presentationml/2006/main">
+  <p:cSld>
+    <p:spTree>
+      <p:nvGrpSpPr>
+        <p:cNvPr id="1" name=""/>
+        <p:cNvGrpSpPr/>
+        <p:nvPr/>
+      </p:nvGrpSpPr>
+      <p:grpSpPr>
+        <a:xfrm>
+          <a:off x="0" y="0"/>
+          <a:ext cx="0" cy="0"/>
+          <a:chOff x="0" y="0"/>
+          <a:chExt cx="0" cy="0"/>
+        </a:xfrm>
+      </p:grpSpPr>
+      <p:sp>
+        <p:nvSpPr>
+          <p:cNvPr id="2" name="Título 1"/>
+          <p:cNvSpPr>
+            <a:spLocks noGrp="1"/>
+          </p:cNvSpPr>
+          <p:nvPr>
+            <p:ph type="title"/>
+          </p:nvPr>
+        </p:nvSpPr>
+        <p:spPr/>
+        <p:txBody>
+          <a:bodyPr/>
+          <a:lstStyle/>
+          <a:p>
+            <a:r>
+              <a:rPr lang="es-ES" dirty="0" smtClean="0"/>
+              <a:t>Desarrollo - Casos </a:t>
+            </a:r>
+            <a:r>
+              <a:rPr lang="es-ES" dirty="0" smtClean="0"/>
+              <a:t>De uso</a:t>
+            </a:r>
+            <a:endParaRPr lang="ca-ES" dirty="0"/>
+          </a:p>
+        </p:txBody>
+      </p:sp>
+      <p:sp>
+        <p:nvSpPr>
+          <p:cNvPr id="3" name="Marcador de número de diapositiva 2"/>
+          <p:cNvSpPr>
+            <a:spLocks noGrp="1"/>
+          </p:cNvSpPr>
+          <p:nvPr>
+            <p:ph type="sldNum" sz="quarter" idx="12"/>
+          </p:nvPr>
+        </p:nvSpPr>
+        <p:spPr/>
+        <p:txBody>
+          <a:bodyPr/>
+          <a:lstStyle/>
+          <a:p>
+            <a:fld id="{4F4CC500-C254-4A01-A1E9-3631BD4DF40D}" type="slidenum">
+              <a:rPr lang="ca-ES" smtClean="0"/>
+              <a:pPr/>
+              <a:t>16</a:t>
             </a:fld>
             <a:r>
               <a:rPr lang="ca-ES" smtClean="0"/>
@@ -9298,7 +9643,7 @@
 </p:sld>
 </file>
 
-<file path=ppt/slides/slide16.xml><?xml version="1.0" encoding="utf-8"?>
+<file path=ppt/slides/slide17.xml><?xml version="1.0" encoding="utf-8"?>
 <p:sld xmlns:a="http://schemas.openxmlformats.org/drawingml/2006/main" xmlns:r="http://schemas.openxmlformats.org/officeDocument/2006/relationships" xmlns:p="http://schemas.openxmlformats.org/presentationml/2006/main">
   <p:cSld>
     <p:spTree>
@@ -9317,7 +9662,7 @@
       </p:grpSpPr>
       <p:sp>
         <p:nvSpPr>
-          <p:cNvPr id="2" name="Título 1"/>
+          <p:cNvPr id="2" name="Title 1"/>
           <p:cNvSpPr>
             <a:spLocks noGrp="1"/>
           </p:cNvSpPr>
@@ -9332,15 +9677,15 @@
           <a:p>
             <a:r>
               <a:rPr lang="es-ES" dirty="0" smtClean="0"/>
-              <a:t>Demo</a:t>
-            </a:r>
-            <a:endParaRPr lang="ca-ES" dirty="0"/>
-          </a:p>
-        </p:txBody>
-      </p:sp>
-      <p:sp>
-        <p:nvSpPr>
-          <p:cNvPr id="3" name="Marcador de número de diapositiva 2"/>
+              <a:t>Desarrollo - Diagrama de flujo</a:t>
+            </a:r>
+            <a:endParaRPr lang="es-ES" dirty="0"/>
+          </a:p>
+        </p:txBody>
+      </p:sp>
+      <p:sp>
+        <p:nvSpPr>
+          <p:cNvPr id="4" name="Slide Number Placeholder 3"/>
           <p:cNvSpPr>
             <a:spLocks noGrp="1"/>
           </p:cNvSpPr>
@@ -9356,7 +9701,142 @@
             <a:fld id="{4F4CC500-C254-4A01-A1E9-3631BD4DF40D}" type="slidenum">
               <a:rPr lang="ca-ES" smtClean="0"/>
               <a:pPr/>
-              <a:t>16</a:t>
+              <a:t>17</a:t>
+            </a:fld>
+            <a:r>
+              <a:rPr lang="ca-ES" smtClean="0"/>
+              <a:t>/22</a:t>
+            </a:r>
+            <a:endParaRPr lang="ca-ES" dirty="0"/>
+          </a:p>
+        </p:txBody>
+      </p:sp>
+      <p:pic>
+        <p:nvPicPr>
+          <p:cNvPr id="4098" name="Picture 1"/>
+          <p:cNvPicPr>
+            <a:picLocks noChangeAspect="1" noChangeArrowheads="1"/>
+          </p:cNvPicPr>
+          <p:nvPr/>
+        </p:nvPicPr>
+        <p:blipFill>
+          <a:blip r:embed="rId2">
+            <a:extLst>
+              <a:ext uri="{28A0092B-C50C-407E-A947-70E740481C1C}">
+                <a14:useLocalDpi xmlns:a14="http://schemas.microsoft.com/office/drawing/2010/main" val="0"/>
+              </a:ext>
+            </a:extLst>
+          </a:blip>
+          <a:srcRect/>
+          <a:stretch>
+            <a:fillRect/>
+          </a:stretch>
+        </p:blipFill>
+        <p:spPr bwMode="auto">
+          <a:xfrm>
+            <a:off x="3154680" y="1861986"/>
+            <a:ext cx="5469383" cy="4703402"/>
+          </a:xfrm>
+          <a:prstGeom prst="rect">
+            <a:avLst/>
+          </a:prstGeom>
+          <a:noFill/>
+          <a:ln>
+            <a:noFill/>
+          </a:ln>
+          <a:extLst>
+            <a:ext uri="{909E8E84-426E-40DD-AFC4-6F175D3DCCD1}">
+              <a14:hiddenFill xmlns:a14="http://schemas.microsoft.com/office/drawing/2010/main">
+                <a:solidFill>
+                  <a:srgbClr val="FFFFFF"/>
+                </a:solidFill>
+              </a14:hiddenFill>
+            </a:ext>
+            <a:ext uri="{91240B29-F687-4F45-9708-019B960494DF}">
+              <a14:hiddenLine xmlns:a14="http://schemas.microsoft.com/office/drawing/2010/main" w="9525">
+                <a:solidFill>
+                  <a:srgbClr val="000000"/>
+                </a:solidFill>
+                <a:miter lim="800000"/>
+                <a:headEnd/>
+                <a:tailEnd/>
+              </a14:hiddenLine>
+            </a:ext>
+          </a:extLst>
+        </p:spPr>
+      </p:pic>
+    </p:spTree>
+    <p:extLst>
+      <p:ext uri="{BB962C8B-B14F-4D97-AF65-F5344CB8AC3E}">
+        <p14:creationId xmlns:p14="http://schemas.microsoft.com/office/powerpoint/2010/main" val="3538421907"/>
+      </p:ext>
+    </p:extLst>
+  </p:cSld>
+  <p:clrMapOvr>
+    <a:masterClrMapping/>
+  </p:clrMapOvr>
+</p:sld>
+</file>
+
+<file path=ppt/slides/slide18.xml><?xml version="1.0" encoding="utf-8"?>
+<p:sld xmlns:a="http://schemas.openxmlformats.org/drawingml/2006/main" xmlns:r="http://schemas.openxmlformats.org/officeDocument/2006/relationships" xmlns:p="http://schemas.openxmlformats.org/presentationml/2006/main">
+  <p:cSld>
+    <p:spTree>
+      <p:nvGrpSpPr>
+        <p:cNvPr id="1" name=""/>
+        <p:cNvGrpSpPr/>
+        <p:nvPr/>
+      </p:nvGrpSpPr>
+      <p:grpSpPr>
+        <a:xfrm>
+          <a:off x="0" y="0"/>
+          <a:ext cx="0" cy="0"/>
+          <a:chOff x="0" y="0"/>
+          <a:chExt cx="0" cy="0"/>
+        </a:xfrm>
+      </p:grpSpPr>
+      <p:sp>
+        <p:nvSpPr>
+          <p:cNvPr id="2" name="Título 1"/>
+          <p:cNvSpPr>
+            <a:spLocks noGrp="1"/>
+          </p:cNvSpPr>
+          <p:nvPr>
+            <p:ph type="title"/>
+          </p:nvPr>
+        </p:nvSpPr>
+        <p:spPr/>
+        <p:txBody>
+          <a:bodyPr/>
+          <a:lstStyle/>
+          <a:p>
+            <a:r>
+              <a:rPr lang="es-ES" dirty="0" smtClean="0"/>
+              <a:t>Demo</a:t>
+            </a:r>
+            <a:endParaRPr lang="ca-ES" dirty="0"/>
+          </a:p>
+        </p:txBody>
+      </p:sp>
+      <p:sp>
+        <p:nvSpPr>
+          <p:cNvPr id="3" name="Marcador de número de diapositiva 2"/>
+          <p:cNvSpPr>
+            <a:spLocks noGrp="1"/>
+          </p:cNvSpPr>
+          <p:nvPr>
+            <p:ph type="sldNum" sz="quarter" idx="12"/>
+          </p:nvPr>
+        </p:nvSpPr>
+        <p:spPr/>
+        <p:txBody>
+          <a:bodyPr/>
+          <a:lstStyle/>
+          <a:p>
+            <a:fld id="{4F4CC500-C254-4A01-A1E9-3631BD4DF40D}" type="slidenum">
+              <a:rPr lang="ca-ES" smtClean="0"/>
+              <a:pPr/>
+              <a:t>18</a:t>
             </a:fld>
             <a:r>
               <a:rPr lang="ca-ES" smtClean="0"/>
@@ -9454,7 +9934,7 @@
 </p:sld>
 </file>
 
-<file path=ppt/slides/slide17.xml><?xml version="1.0" encoding="utf-8"?>
+<file path=ppt/slides/slide19.xml><?xml version="1.0" encoding="utf-8"?>
 <p:sld xmlns:a="http://schemas.openxmlformats.org/drawingml/2006/main" xmlns:r="http://schemas.openxmlformats.org/officeDocument/2006/relationships" xmlns:p="http://schemas.openxmlformats.org/presentationml/2006/main">
   <p:cSld>
     <p:spTree>
@@ -9546,7 +10026,7 @@
             <a:fld id="{4F4CC500-C254-4A01-A1E9-3631BD4DF40D}" type="slidenum">
               <a:rPr lang="ca-ES" smtClean="0"/>
               <a:pPr/>
-              <a:t>17</a:t>
+              <a:t>19</a:t>
             </a:fld>
             <a:r>
               <a:rPr lang="ca-ES" smtClean="0"/>
@@ -9558,50 +10038,110 @@
       </p:sp>
       <p:pic>
         <p:nvPicPr>
-          <p:cNvPr id="5" name="Picture 4"/>
+          <p:cNvPr id="6146" name="Picture 1"/>
           <p:cNvPicPr>
-            <a:picLocks noChangeAspect="1"/>
+            <a:picLocks noChangeAspect="1" noChangeArrowheads="1"/>
           </p:cNvPicPr>
           <p:nvPr/>
         </p:nvPicPr>
         <p:blipFill>
-          <a:blip r:embed="rId2"/>
+          <a:blip r:embed="rId2">
+            <a:extLst>
+              <a:ext uri="{28A0092B-C50C-407E-A947-70E740481C1C}">
+                <a14:useLocalDpi xmlns:a14="http://schemas.microsoft.com/office/drawing/2010/main" val="0"/>
+              </a:ext>
+            </a:extLst>
+          </a:blip>
+          <a:srcRect b="56158"/>
           <a:stretch>
             <a:fillRect/>
           </a:stretch>
         </p:blipFill>
-        <p:spPr>
+        <p:spPr bwMode="auto">
           <a:xfrm>
-            <a:off x="2177377" y="2527680"/>
-            <a:ext cx="4698911" cy="2739263"/>
+            <a:off x="2264918" y="2713631"/>
+            <a:ext cx="4311650" cy="2351087"/>
           </a:xfrm>
           <a:prstGeom prst="rect">
             <a:avLst/>
           </a:prstGeom>
+          <a:noFill/>
+          <a:ln>
+            <a:noFill/>
+          </a:ln>
+          <a:extLst>
+            <a:ext uri="{909E8E84-426E-40DD-AFC4-6F175D3DCCD1}">
+              <a14:hiddenFill xmlns:a14="http://schemas.microsoft.com/office/drawing/2010/main">
+                <a:solidFill>
+                  <a:srgbClr val="FFFFFF"/>
+                </a:solidFill>
+              </a14:hiddenFill>
+            </a:ext>
+            <a:ext uri="{91240B29-F687-4F45-9708-019B960494DF}">
+              <a14:hiddenLine xmlns:a14="http://schemas.microsoft.com/office/drawing/2010/main" w="9525">
+                <a:solidFill>
+                  <a:srgbClr val="000000"/>
+                </a:solidFill>
+                <a:miter lim="800000"/>
+                <a:headEnd/>
+                <a:tailEnd/>
+              </a14:hiddenLine>
+            </a:ext>
+          </a:extLst>
         </p:spPr>
       </p:pic>
       <p:pic>
         <p:nvPicPr>
-          <p:cNvPr id="13" name="Picture 12"/>
+          <p:cNvPr id="6147" name="Picture 1"/>
           <p:cNvPicPr>
-            <a:picLocks noChangeAspect="1"/>
+            <a:picLocks noChangeAspect="1" noChangeArrowheads="1"/>
           </p:cNvPicPr>
           <p:nvPr/>
         </p:nvPicPr>
         <p:blipFill>
-          <a:blip r:embed="rId3"/>
+          <a:blip r:embed="rId2">
+            <a:extLst>
+              <a:ext uri="{28A0092B-C50C-407E-A947-70E740481C1C}">
+                <a14:useLocalDpi xmlns:a14="http://schemas.microsoft.com/office/drawing/2010/main" val="0"/>
+              </a:ext>
+            </a:extLst>
+          </a:blip>
+          <a:srcRect t="43066"/>
           <a:stretch>
             <a:fillRect/>
           </a:stretch>
         </p:blipFill>
-        <p:spPr>
+        <p:spPr bwMode="auto">
           <a:xfrm>
-            <a:off x="7117567" y="2282808"/>
-            <a:ext cx="4493240" cy="3212735"/>
+            <a:off x="7108063" y="2377080"/>
+            <a:ext cx="4213225" cy="3024188"/>
           </a:xfrm>
           <a:prstGeom prst="rect">
             <a:avLst/>
           </a:prstGeom>
+          <a:noFill/>
+          <a:ln>
+            <a:noFill/>
+          </a:ln>
+          <a:extLst>
+            <a:ext uri="{909E8E84-426E-40DD-AFC4-6F175D3DCCD1}">
+              <a14:hiddenFill xmlns:a14="http://schemas.microsoft.com/office/drawing/2010/main">
+                <a:solidFill>
+                  <a:srgbClr val="FFFFFF"/>
+                </a:solidFill>
+              </a14:hiddenFill>
+            </a:ext>
+            <a:ext uri="{91240B29-F687-4F45-9708-019B960494DF}">
+              <a14:hiddenLine xmlns:a14="http://schemas.microsoft.com/office/drawing/2010/main" w="9525">
+                <a:solidFill>
+                  <a:srgbClr val="000000"/>
+                </a:solidFill>
+                <a:miter lim="800000"/>
+                <a:headEnd/>
+                <a:tailEnd/>
+              </a14:hiddenLine>
+            </a:ext>
+          </a:extLst>
         </p:spPr>
       </p:pic>
     </p:spTree>
@@ -9624,327 +10164,6 @@
 </p:sld>
 </file>
 
-<file path=ppt/slides/slide18.xml><?xml version="1.0" encoding="utf-8"?>
-<p:sld xmlns:a="http://schemas.openxmlformats.org/drawingml/2006/main" xmlns:r="http://schemas.openxmlformats.org/officeDocument/2006/relationships" xmlns:p="http://schemas.openxmlformats.org/presentationml/2006/main">
-  <p:cSld>
-    <p:spTree>
-      <p:nvGrpSpPr>
-        <p:cNvPr id="1" name=""/>
-        <p:cNvGrpSpPr/>
-        <p:nvPr/>
-      </p:nvGrpSpPr>
-      <p:grpSpPr>
-        <a:xfrm>
-          <a:off x="0" y="0"/>
-          <a:ext cx="0" cy="0"/>
-          <a:chOff x="0" y="0"/>
-          <a:chExt cx="0" cy="0"/>
-        </a:xfrm>
-      </p:grpSpPr>
-      <p:sp>
-        <p:nvSpPr>
-          <p:cNvPr id="2" name="Título 1"/>
-          <p:cNvSpPr>
-            <a:spLocks noGrp="1"/>
-          </p:cNvSpPr>
-          <p:nvPr>
-            <p:ph type="title"/>
-          </p:nvPr>
-        </p:nvSpPr>
-        <p:spPr/>
-        <p:txBody>
-          <a:bodyPr/>
-          <a:lstStyle/>
-          <a:p>
-            <a:r>
-              <a:rPr lang="es-ES" dirty="0" err="1" smtClean="0"/>
-              <a:t>ResultaDOs</a:t>
-            </a:r>
-            <a:endParaRPr lang="ca-ES" dirty="0"/>
-          </a:p>
-        </p:txBody>
-      </p:sp>
-      <p:sp>
-        <p:nvSpPr>
-          <p:cNvPr id="3" name="Marcador de número de diapositiva 2"/>
-          <p:cNvSpPr>
-            <a:spLocks noGrp="1"/>
-          </p:cNvSpPr>
-          <p:nvPr>
-            <p:ph type="sldNum" sz="quarter" idx="12"/>
-          </p:nvPr>
-        </p:nvSpPr>
-        <p:spPr/>
-        <p:txBody>
-          <a:bodyPr/>
-          <a:lstStyle/>
-          <a:p>
-            <a:fld id="{4F4CC500-C254-4A01-A1E9-3631BD4DF40D}" type="slidenum">
-              <a:rPr lang="ca-ES" smtClean="0"/>
-              <a:pPr/>
-              <a:t>18</a:t>
-            </a:fld>
-            <a:r>
-              <a:rPr lang="ca-ES" smtClean="0"/>
-              <a:t>/22</a:t>
-            </a:r>
-            <a:endParaRPr lang="ca-ES" dirty="0"/>
-          </a:p>
-        </p:txBody>
-      </p:sp>
-      <p:pic>
-        <p:nvPicPr>
-          <p:cNvPr id="7" name="Picture 6"/>
-          <p:cNvPicPr>
-            <a:picLocks noChangeAspect="1"/>
-          </p:cNvPicPr>
-          <p:nvPr/>
-        </p:nvPicPr>
-        <p:blipFill>
-          <a:blip r:embed="rId2"/>
-          <a:stretch>
-            <a:fillRect/>
-          </a:stretch>
-        </p:blipFill>
-        <p:spPr>
-          <a:xfrm>
-            <a:off x="1365114" y="2083276"/>
-            <a:ext cx="4542300" cy="2099067"/>
-          </a:xfrm>
-          <a:prstGeom prst="rect">
-            <a:avLst/>
-          </a:prstGeom>
-        </p:spPr>
-      </p:pic>
-      <p:pic>
-        <p:nvPicPr>
-          <p:cNvPr id="8" name="Picture 7"/>
-          <p:cNvPicPr>
-            <a:picLocks noChangeAspect="1"/>
-          </p:cNvPicPr>
-          <p:nvPr/>
-        </p:nvPicPr>
-        <p:blipFill>
-          <a:blip r:embed="rId3"/>
-          <a:stretch>
-            <a:fillRect/>
-          </a:stretch>
-        </p:blipFill>
-        <p:spPr>
-          <a:xfrm>
-            <a:off x="1365114" y="4340154"/>
-            <a:ext cx="4542300" cy="2127900"/>
-          </a:xfrm>
-          <a:prstGeom prst="rect">
-            <a:avLst/>
-          </a:prstGeom>
-        </p:spPr>
-      </p:pic>
-      <p:pic>
-        <p:nvPicPr>
-          <p:cNvPr id="10" name="Picture 9"/>
-          <p:cNvPicPr>
-            <a:picLocks noChangeAspect="1"/>
-          </p:cNvPicPr>
-          <p:nvPr/>
-        </p:nvPicPr>
-        <p:blipFill>
-          <a:blip r:embed="rId4"/>
-          <a:stretch>
-            <a:fillRect/>
-          </a:stretch>
-        </p:blipFill>
-        <p:spPr>
-          <a:xfrm>
-            <a:off x="6618285" y="2741516"/>
-            <a:ext cx="4992523" cy="2516284"/>
-          </a:xfrm>
-          <a:prstGeom prst="rect">
-            <a:avLst/>
-          </a:prstGeom>
-        </p:spPr>
-      </p:pic>
-    </p:spTree>
-    <p:extLst>
-      <p:ext uri="{BB962C8B-B14F-4D97-AF65-F5344CB8AC3E}">
-        <p14:creationId xmlns:p14="http://schemas.microsoft.com/office/powerpoint/2010/main" val="1633899342"/>
-      </p:ext>
-    </p:extLst>
-  </p:cSld>
-  <p:clrMapOvr>
-    <a:masterClrMapping/>
-  </p:clrMapOvr>
-  <p:timing>
-    <p:tnLst>
-      <p:par>
-        <p:cTn id="1" dur="indefinite" restart="never" nodeType="tmRoot"/>
-      </p:par>
-    </p:tnLst>
-  </p:timing>
-</p:sld>
-</file>
-
-<file path=ppt/slides/slide19.xml><?xml version="1.0" encoding="utf-8"?>
-<p:sld xmlns:a="http://schemas.openxmlformats.org/drawingml/2006/main" xmlns:r="http://schemas.openxmlformats.org/officeDocument/2006/relationships" xmlns:p="http://schemas.openxmlformats.org/presentationml/2006/main">
-  <p:cSld>
-    <p:spTree>
-      <p:nvGrpSpPr>
-        <p:cNvPr id="1" name=""/>
-        <p:cNvGrpSpPr/>
-        <p:nvPr/>
-      </p:nvGrpSpPr>
-      <p:grpSpPr>
-        <a:xfrm>
-          <a:off x="0" y="0"/>
-          <a:ext cx="0" cy="0"/>
-          <a:chOff x="0" y="0"/>
-          <a:chExt cx="0" cy="0"/>
-        </a:xfrm>
-      </p:grpSpPr>
-      <p:sp>
-        <p:nvSpPr>
-          <p:cNvPr id="2" name="Title 1"/>
-          <p:cNvSpPr>
-            <a:spLocks noGrp="1"/>
-          </p:cNvSpPr>
-          <p:nvPr>
-            <p:ph type="title"/>
-          </p:nvPr>
-        </p:nvSpPr>
-        <p:spPr/>
-        <p:txBody>
-          <a:bodyPr/>
-          <a:lstStyle/>
-          <a:p>
-            <a:r>
-              <a:rPr lang="es-ES" dirty="0" smtClean="0"/>
-              <a:t>Futuras mejoras</a:t>
-            </a:r>
-            <a:endParaRPr lang="es-ES" dirty="0"/>
-          </a:p>
-        </p:txBody>
-      </p:sp>
-      <p:sp>
-        <p:nvSpPr>
-          <p:cNvPr id="3" name="Content Placeholder 2"/>
-          <p:cNvSpPr>
-            <a:spLocks noGrp="1"/>
-          </p:cNvSpPr>
-          <p:nvPr>
-            <p:ph idx="1"/>
-          </p:nvPr>
-        </p:nvSpPr>
-        <p:spPr/>
-        <p:txBody>
-          <a:bodyPr>
-            <a:normAutofit/>
-          </a:bodyPr>
-          <a:lstStyle/>
-          <a:p>
-            <a:pPr>
-              <a:lnSpc>
-                <a:spcPct val="250000"/>
-              </a:lnSpc>
-            </a:pPr>
-            <a:r>
-              <a:rPr lang="es-ES" dirty="0" smtClean="0"/>
-              <a:t>Hacer uso </a:t>
-            </a:r>
-            <a:r>
-              <a:rPr lang="es-ES" dirty="0"/>
-              <a:t>en otros </a:t>
-            </a:r>
-            <a:r>
-              <a:rPr lang="es-ES" dirty="0" smtClean="0"/>
-              <a:t>departamentos</a:t>
-            </a:r>
-          </a:p>
-          <a:p>
-            <a:pPr>
-              <a:lnSpc>
-                <a:spcPct val="250000"/>
-              </a:lnSpc>
-            </a:pPr>
-            <a:r>
-              <a:rPr lang="es-ES" dirty="0" smtClean="0"/>
-              <a:t>Multilenguaje</a:t>
-            </a:r>
-          </a:p>
-          <a:p>
-            <a:pPr>
-              <a:lnSpc>
-                <a:spcPct val="250000"/>
-              </a:lnSpc>
-            </a:pPr>
-            <a:r>
-              <a:rPr lang="es-ES" dirty="0" smtClean="0"/>
-              <a:t>Desarrollo de </a:t>
-            </a:r>
-            <a:r>
-              <a:rPr lang="es-ES" dirty="0"/>
-              <a:t>una aplicación Android </a:t>
-            </a:r>
-            <a:r>
-              <a:rPr lang="es-ES" dirty="0" smtClean="0"/>
-              <a:t>/IOS</a:t>
-            </a:r>
-            <a:endParaRPr lang="es-ES" dirty="0"/>
-          </a:p>
-          <a:p>
-            <a:pPr>
-              <a:lnSpc>
-                <a:spcPct val="250000"/>
-              </a:lnSpc>
-            </a:pPr>
-            <a:r>
-              <a:rPr lang="es-ES" dirty="0" smtClean="0"/>
-              <a:t>Mejorar interfaz</a:t>
-            </a:r>
-            <a:endParaRPr lang="es-ES" dirty="0"/>
-          </a:p>
-        </p:txBody>
-      </p:sp>
-      <p:sp>
-        <p:nvSpPr>
-          <p:cNvPr id="4" name="Slide Number Placeholder 3"/>
-          <p:cNvSpPr>
-            <a:spLocks noGrp="1"/>
-          </p:cNvSpPr>
-          <p:nvPr>
-            <p:ph type="sldNum" sz="quarter" idx="12"/>
-          </p:nvPr>
-        </p:nvSpPr>
-        <p:spPr/>
-        <p:txBody>
-          <a:bodyPr/>
-          <a:lstStyle/>
-          <a:p>
-            <a:fld id="{4F4CC500-C254-4A01-A1E9-3631BD4DF40D}" type="slidenum">
-              <a:rPr lang="ca-ES" smtClean="0"/>
-              <a:pPr/>
-              <a:t>19</a:t>
-            </a:fld>
-            <a:r>
-              <a:rPr lang="ca-ES" smtClean="0"/>
-              <a:t>/22</a:t>
-            </a:r>
-            <a:endParaRPr lang="ca-ES" dirty="0"/>
-          </a:p>
-        </p:txBody>
-      </p:sp>
-    </p:spTree>
-    <p:extLst>
-      <p:ext uri="{BB962C8B-B14F-4D97-AF65-F5344CB8AC3E}">
-        <p14:creationId xmlns:p14="http://schemas.microsoft.com/office/powerpoint/2010/main" val="2738654838"/>
-      </p:ext>
-    </p:extLst>
-  </p:cSld>
-  <p:clrMapOvr>
-    <a:masterClrMapping/>
-  </p:clrMapOvr>
-</p:sld>
-</file>
-
 <file path=ppt/slides/slide2.xml><?xml version="1.0" encoding="utf-8"?>
 <p:sld xmlns:a="http://schemas.openxmlformats.org/drawingml/2006/main" xmlns:r="http://schemas.openxmlformats.org/officeDocument/2006/relationships" xmlns:p="http://schemas.openxmlformats.org/presentationml/2006/main">
   <p:cSld>
@@ -9997,8 +10216,8 @@
         </p:nvSpPr>
         <p:spPr/>
         <p:txBody>
-          <a:bodyPr>
-            <a:normAutofit fontScale="70000" lnSpcReduction="20000"/>
+          <a:bodyPr numCol="2">
+            <a:normAutofit/>
           </a:bodyPr>
           <a:lstStyle/>
           <a:p>
@@ -10054,6 +10273,7 @@
               <a:rPr lang="es-ES" dirty="0" smtClean="0"/>
               <a:t>Demo</a:t>
             </a:r>
+            <a:endParaRPr lang="es-ES" dirty="0" smtClean="0"/>
           </a:p>
           <a:p>
             <a:r>
@@ -10067,8 +10287,8 @@
               <a:t>Futura </a:t>
             </a:r>
             <a:r>
-              <a:rPr lang="es-ES" dirty="0" err="1" smtClean="0"/>
-              <a:t>mejors</a:t>
+              <a:rPr lang="es-ES" dirty="0" smtClean="0"/>
+              <a:t>mejoras</a:t>
             </a:r>
             <a:endParaRPr lang="ca-ES" dirty="0" smtClean="0"/>
           </a:p>
@@ -10167,6 +10387,417 @@
             <p:ph type="title"/>
           </p:nvPr>
         </p:nvSpPr>
+        <p:spPr/>
+        <p:txBody>
+          <a:bodyPr/>
+          <a:lstStyle/>
+          <a:p>
+            <a:r>
+              <a:rPr lang="es-ES" dirty="0" err="1" smtClean="0"/>
+              <a:t>ResultaDOs</a:t>
+            </a:r>
+            <a:endParaRPr lang="ca-ES" dirty="0"/>
+          </a:p>
+        </p:txBody>
+      </p:sp>
+      <p:sp>
+        <p:nvSpPr>
+          <p:cNvPr id="3" name="Marcador de número de diapositiva 2"/>
+          <p:cNvSpPr>
+            <a:spLocks noGrp="1"/>
+          </p:cNvSpPr>
+          <p:nvPr>
+            <p:ph type="sldNum" sz="quarter" idx="12"/>
+          </p:nvPr>
+        </p:nvSpPr>
+        <p:spPr/>
+        <p:txBody>
+          <a:bodyPr/>
+          <a:lstStyle/>
+          <a:p>
+            <a:fld id="{4F4CC500-C254-4A01-A1E9-3631BD4DF40D}" type="slidenum">
+              <a:rPr lang="ca-ES" smtClean="0"/>
+              <a:pPr/>
+              <a:t>20</a:t>
+            </a:fld>
+            <a:r>
+              <a:rPr lang="ca-ES" smtClean="0"/>
+              <a:t>/22</a:t>
+            </a:r>
+            <a:endParaRPr lang="ca-ES" dirty="0"/>
+          </a:p>
+        </p:txBody>
+      </p:sp>
+      <p:pic>
+        <p:nvPicPr>
+          <p:cNvPr id="5123" name="Picture 1"/>
+          <p:cNvPicPr>
+            <a:picLocks noChangeAspect="1" noChangeArrowheads="1"/>
+          </p:cNvPicPr>
+          <p:nvPr/>
+        </p:nvPicPr>
+        <p:blipFill>
+          <a:blip r:embed="rId2">
+            <a:extLst>
+              <a:ext uri="{28A0092B-C50C-407E-A947-70E740481C1C}">
+                <a14:useLocalDpi xmlns:a14="http://schemas.microsoft.com/office/drawing/2010/main" val="0"/>
+              </a:ext>
+            </a:extLst>
+          </a:blip>
+          <a:srcRect/>
+          <a:stretch>
+            <a:fillRect/>
+          </a:stretch>
+        </p:blipFill>
+        <p:spPr bwMode="auto">
+          <a:xfrm>
+            <a:off x="1179512" y="1877911"/>
+            <a:ext cx="4916488" cy="2300287"/>
+          </a:xfrm>
+          <a:prstGeom prst="rect">
+            <a:avLst/>
+          </a:prstGeom>
+          <a:noFill/>
+          <a:ln>
+            <a:noFill/>
+          </a:ln>
+          <a:extLst>
+            <a:ext uri="{909E8E84-426E-40DD-AFC4-6F175D3DCCD1}">
+              <a14:hiddenFill xmlns:a14="http://schemas.microsoft.com/office/drawing/2010/main">
+                <a:solidFill>
+                  <a:srgbClr val="FFFFFF"/>
+                </a:solidFill>
+              </a14:hiddenFill>
+            </a:ext>
+            <a:ext uri="{91240B29-F687-4F45-9708-019B960494DF}">
+              <a14:hiddenLine xmlns:a14="http://schemas.microsoft.com/office/drawing/2010/main" w="9525">
+                <a:solidFill>
+                  <a:srgbClr val="000000"/>
+                </a:solidFill>
+                <a:miter lim="800000"/>
+                <a:headEnd/>
+                <a:tailEnd/>
+              </a14:hiddenLine>
+            </a:ext>
+          </a:extLst>
+        </p:spPr>
+      </p:pic>
+      <p:pic>
+        <p:nvPicPr>
+          <p:cNvPr id="5124" name="Picture 1"/>
+          <p:cNvPicPr>
+            <a:picLocks noChangeAspect="1" noChangeArrowheads="1"/>
+          </p:cNvPicPr>
+          <p:nvPr/>
+        </p:nvPicPr>
+        <p:blipFill>
+          <a:blip r:embed="rId3">
+            <a:extLst>
+              <a:ext uri="{28A0092B-C50C-407E-A947-70E740481C1C}">
+                <a14:useLocalDpi xmlns:a14="http://schemas.microsoft.com/office/drawing/2010/main" val="0"/>
+              </a:ext>
+            </a:extLst>
+          </a:blip>
+          <a:srcRect/>
+          <a:stretch>
+            <a:fillRect/>
+          </a:stretch>
+        </p:blipFill>
+        <p:spPr bwMode="auto">
+          <a:xfrm>
+            <a:off x="1179512" y="4340153"/>
+            <a:ext cx="4924425" cy="2320925"/>
+          </a:xfrm>
+          <a:prstGeom prst="rect">
+            <a:avLst/>
+          </a:prstGeom>
+          <a:noFill/>
+          <a:ln>
+            <a:noFill/>
+          </a:ln>
+          <a:extLst>
+            <a:ext uri="{909E8E84-426E-40DD-AFC4-6F175D3DCCD1}">
+              <a14:hiddenFill xmlns:a14="http://schemas.microsoft.com/office/drawing/2010/main">
+                <a:solidFill>
+                  <a:srgbClr val="FFFFFF"/>
+                </a:solidFill>
+              </a14:hiddenFill>
+            </a:ext>
+            <a:ext uri="{91240B29-F687-4F45-9708-019B960494DF}">
+              <a14:hiddenLine xmlns:a14="http://schemas.microsoft.com/office/drawing/2010/main" w="9525">
+                <a:solidFill>
+                  <a:srgbClr val="000000"/>
+                </a:solidFill>
+                <a:miter lim="800000"/>
+                <a:headEnd/>
+                <a:tailEnd/>
+              </a14:hiddenLine>
+            </a:ext>
+          </a:extLst>
+        </p:spPr>
+      </p:pic>
+      <p:pic>
+        <p:nvPicPr>
+          <p:cNvPr id="5125" name="Picture 1"/>
+          <p:cNvPicPr>
+            <a:picLocks noChangeAspect="1" noChangeArrowheads="1"/>
+          </p:cNvPicPr>
+          <p:nvPr/>
+        </p:nvPicPr>
+        <p:blipFill>
+          <a:blip r:embed="rId4">
+            <a:extLst>
+              <a:ext uri="{28A0092B-C50C-407E-A947-70E740481C1C}">
+                <a14:useLocalDpi xmlns:a14="http://schemas.microsoft.com/office/drawing/2010/main" val="0"/>
+              </a:ext>
+            </a:extLst>
+          </a:blip>
+          <a:srcRect/>
+          <a:stretch>
+            <a:fillRect/>
+          </a:stretch>
+        </p:blipFill>
+        <p:spPr bwMode="auto">
+          <a:xfrm>
+            <a:off x="6359843" y="3095553"/>
+            <a:ext cx="4924425" cy="2489200"/>
+          </a:xfrm>
+          <a:prstGeom prst="rect">
+            <a:avLst/>
+          </a:prstGeom>
+          <a:noFill/>
+          <a:ln>
+            <a:noFill/>
+          </a:ln>
+          <a:extLst>
+            <a:ext uri="{909E8E84-426E-40DD-AFC4-6F175D3DCCD1}">
+              <a14:hiddenFill xmlns:a14="http://schemas.microsoft.com/office/drawing/2010/main">
+                <a:solidFill>
+                  <a:srgbClr val="FFFFFF"/>
+                </a:solidFill>
+              </a14:hiddenFill>
+            </a:ext>
+            <a:ext uri="{91240B29-F687-4F45-9708-019B960494DF}">
+              <a14:hiddenLine xmlns:a14="http://schemas.microsoft.com/office/drawing/2010/main" w="9525">
+                <a:solidFill>
+                  <a:srgbClr val="000000"/>
+                </a:solidFill>
+                <a:miter lim="800000"/>
+                <a:headEnd/>
+                <a:tailEnd/>
+              </a14:hiddenLine>
+            </a:ext>
+          </a:extLst>
+        </p:spPr>
+      </p:pic>
+    </p:spTree>
+    <p:extLst>
+      <p:ext uri="{BB962C8B-B14F-4D97-AF65-F5344CB8AC3E}">
+        <p14:creationId xmlns:p14="http://schemas.microsoft.com/office/powerpoint/2010/main" val="1633899342"/>
+      </p:ext>
+    </p:extLst>
+  </p:cSld>
+  <p:clrMapOvr>
+    <a:masterClrMapping/>
+  </p:clrMapOvr>
+  <p:timing>
+    <p:tnLst>
+      <p:par>
+        <p:cTn id="1" dur="indefinite" restart="never" nodeType="tmRoot"/>
+      </p:par>
+    </p:tnLst>
+  </p:timing>
+</p:sld>
+</file>
+
+<file path=ppt/slides/slide21.xml><?xml version="1.0" encoding="utf-8"?>
+<p:sld xmlns:a="http://schemas.openxmlformats.org/drawingml/2006/main" xmlns:r="http://schemas.openxmlformats.org/officeDocument/2006/relationships" xmlns:p="http://schemas.openxmlformats.org/presentationml/2006/main">
+  <p:cSld>
+    <p:spTree>
+      <p:nvGrpSpPr>
+        <p:cNvPr id="1" name=""/>
+        <p:cNvGrpSpPr/>
+        <p:nvPr/>
+      </p:nvGrpSpPr>
+      <p:grpSpPr>
+        <a:xfrm>
+          <a:off x="0" y="0"/>
+          <a:ext cx="0" cy="0"/>
+          <a:chOff x="0" y="0"/>
+          <a:chExt cx="0" cy="0"/>
+        </a:xfrm>
+      </p:grpSpPr>
+      <p:sp>
+        <p:nvSpPr>
+          <p:cNvPr id="2" name="Title 1"/>
+          <p:cNvSpPr>
+            <a:spLocks noGrp="1"/>
+          </p:cNvSpPr>
+          <p:nvPr>
+            <p:ph type="title"/>
+          </p:nvPr>
+        </p:nvSpPr>
+        <p:spPr/>
+        <p:txBody>
+          <a:bodyPr/>
+          <a:lstStyle/>
+          <a:p>
+            <a:r>
+              <a:rPr lang="es-ES" dirty="0" smtClean="0"/>
+              <a:t>Futuras mejoras</a:t>
+            </a:r>
+            <a:endParaRPr lang="es-ES" dirty="0"/>
+          </a:p>
+        </p:txBody>
+      </p:sp>
+      <p:sp>
+        <p:nvSpPr>
+          <p:cNvPr id="3" name="Content Placeholder 2"/>
+          <p:cNvSpPr>
+            <a:spLocks noGrp="1"/>
+          </p:cNvSpPr>
+          <p:nvPr>
+            <p:ph idx="1"/>
+          </p:nvPr>
+        </p:nvSpPr>
+        <p:spPr/>
+        <p:txBody>
+          <a:bodyPr>
+            <a:normAutofit/>
+          </a:bodyPr>
+          <a:lstStyle/>
+          <a:p>
+            <a:pPr>
+              <a:lnSpc>
+                <a:spcPct val="250000"/>
+              </a:lnSpc>
+            </a:pPr>
+            <a:r>
+              <a:rPr lang="es-ES" dirty="0" smtClean="0"/>
+              <a:t>Hacer uso </a:t>
+            </a:r>
+            <a:r>
+              <a:rPr lang="es-ES" dirty="0"/>
+              <a:t>en otros </a:t>
+            </a:r>
+            <a:r>
+              <a:rPr lang="es-ES" dirty="0" smtClean="0"/>
+              <a:t>departamentos</a:t>
+            </a:r>
+          </a:p>
+          <a:p>
+            <a:pPr>
+              <a:lnSpc>
+                <a:spcPct val="250000"/>
+              </a:lnSpc>
+            </a:pPr>
+            <a:r>
+              <a:rPr lang="es-ES" dirty="0" smtClean="0"/>
+              <a:t>Multilenguaje</a:t>
+            </a:r>
+          </a:p>
+          <a:p>
+            <a:pPr>
+              <a:lnSpc>
+                <a:spcPct val="250000"/>
+              </a:lnSpc>
+            </a:pPr>
+            <a:r>
+              <a:rPr lang="es-ES" dirty="0" smtClean="0"/>
+              <a:t>Desarrollo de </a:t>
+            </a:r>
+            <a:r>
+              <a:rPr lang="es-ES" dirty="0"/>
+              <a:t>una aplicación Android </a:t>
+            </a:r>
+            <a:r>
+              <a:rPr lang="es-ES" dirty="0" smtClean="0"/>
+              <a:t>/IOS</a:t>
+            </a:r>
+            <a:endParaRPr lang="es-ES" dirty="0"/>
+          </a:p>
+          <a:p>
+            <a:pPr>
+              <a:lnSpc>
+                <a:spcPct val="250000"/>
+              </a:lnSpc>
+            </a:pPr>
+            <a:r>
+              <a:rPr lang="es-ES" dirty="0" smtClean="0"/>
+              <a:t>Mejorar interfaz</a:t>
+            </a:r>
+            <a:endParaRPr lang="es-ES" dirty="0"/>
+          </a:p>
+        </p:txBody>
+      </p:sp>
+      <p:sp>
+        <p:nvSpPr>
+          <p:cNvPr id="4" name="Slide Number Placeholder 3"/>
+          <p:cNvSpPr>
+            <a:spLocks noGrp="1"/>
+          </p:cNvSpPr>
+          <p:nvPr>
+            <p:ph type="sldNum" sz="quarter" idx="12"/>
+          </p:nvPr>
+        </p:nvSpPr>
+        <p:spPr/>
+        <p:txBody>
+          <a:bodyPr/>
+          <a:lstStyle/>
+          <a:p>
+            <a:fld id="{4F4CC500-C254-4A01-A1E9-3631BD4DF40D}" type="slidenum">
+              <a:rPr lang="ca-ES" smtClean="0"/>
+              <a:pPr/>
+              <a:t>21</a:t>
+            </a:fld>
+            <a:r>
+              <a:rPr lang="ca-ES" smtClean="0"/>
+              <a:t>/22</a:t>
+            </a:r>
+            <a:endParaRPr lang="ca-ES" dirty="0"/>
+          </a:p>
+        </p:txBody>
+      </p:sp>
+    </p:spTree>
+    <p:extLst>
+      <p:ext uri="{BB962C8B-B14F-4D97-AF65-F5344CB8AC3E}">
+        <p14:creationId xmlns:p14="http://schemas.microsoft.com/office/powerpoint/2010/main" val="2738654838"/>
+      </p:ext>
+    </p:extLst>
+  </p:cSld>
+  <p:clrMapOvr>
+    <a:masterClrMapping/>
+  </p:clrMapOvr>
+</p:sld>
+</file>
+
+<file path=ppt/slides/slide22.xml><?xml version="1.0" encoding="utf-8"?>
+<p:sld xmlns:a="http://schemas.openxmlformats.org/drawingml/2006/main" xmlns:r="http://schemas.openxmlformats.org/officeDocument/2006/relationships" xmlns:p="http://schemas.openxmlformats.org/presentationml/2006/main">
+  <p:cSld>
+    <p:spTree>
+      <p:nvGrpSpPr>
+        <p:cNvPr id="1" name=""/>
+        <p:cNvGrpSpPr/>
+        <p:nvPr/>
+      </p:nvGrpSpPr>
+      <p:grpSpPr>
+        <a:xfrm>
+          <a:off x="0" y="0"/>
+          <a:ext cx="0" cy="0"/>
+          <a:chOff x="0" y="0"/>
+          <a:chExt cx="0" cy="0"/>
+        </a:xfrm>
+      </p:grpSpPr>
+      <p:sp>
+        <p:nvSpPr>
+          <p:cNvPr id="2" name="Título 1"/>
+          <p:cNvSpPr>
+            <a:spLocks noGrp="1"/>
+          </p:cNvSpPr>
+          <p:nvPr>
+            <p:ph type="title"/>
+          </p:nvPr>
+        </p:nvSpPr>
         <p:spPr>
           <a:xfrm>
             <a:off x="838200" y="325936"/>
@@ -10197,7 +10828,7 @@
         </p:nvSpPr>
         <p:spPr/>
         <p:txBody>
-          <a:bodyPr>
+          <a:bodyPr numCol="2">
             <a:normAutofit/>
           </a:bodyPr>
           <a:lstStyle/>
@@ -10228,32 +10859,99 @@
           <a:p>
             <a:r>
               <a:rPr lang="es-ES" dirty="0" smtClean="0"/>
-              <a:t>Conocimientos usados</a:t>
-            </a:r>
+              <a:t>Conocimientos </a:t>
+            </a:r>
+            <a:r>
+              <a:rPr lang="es-ES" dirty="0" smtClean="0"/>
+              <a:t>aplicados</a:t>
+            </a:r>
+            <a:endParaRPr lang="es-ES" dirty="0" smtClean="0"/>
           </a:p>
           <a:p>
             <a:pPr lvl="1"/>
             <a:r>
               <a:rPr lang="es-ES" dirty="0" smtClean="0"/>
-              <a:t>Programación Python, HTML, CSS</a:t>
-            </a:r>
+              <a:t>Programación </a:t>
+            </a:r>
+            <a:r>
+              <a:rPr lang="es-ES" dirty="0" smtClean="0"/>
+              <a:t>Python</a:t>
+            </a:r>
+          </a:p>
+          <a:p>
+            <a:pPr lvl="1"/>
+            <a:r>
+              <a:rPr lang="es-ES" dirty="0" smtClean="0"/>
+              <a:t>HTML</a:t>
+            </a:r>
+          </a:p>
+          <a:p>
+            <a:pPr lvl="1"/>
+            <a:r>
+              <a:rPr lang="es-ES" dirty="0" smtClean="0"/>
+              <a:t>CSS</a:t>
+            </a:r>
+          </a:p>
+          <a:p>
+            <a:pPr lvl="1"/>
+            <a:r>
+              <a:rPr lang="es-ES" dirty="0" smtClean="0"/>
+              <a:t>SQL</a:t>
+            </a:r>
+            <a:endParaRPr lang="es-ES" dirty="0" smtClean="0"/>
+          </a:p>
+          <a:p>
+            <a:r>
+              <a:rPr lang="es-ES" dirty="0" smtClean="0"/>
+              <a:t>Conocimientos </a:t>
+            </a:r>
+            <a:r>
+              <a:rPr lang="es-ES" dirty="0" smtClean="0"/>
+              <a:t>adquiridos</a:t>
+            </a:r>
+          </a:p>
+          <a:p>
+            <a:pPr lvl="1"/>
+            <a:r>
+              <a:rPr lang="es-ES" dirty="0" smtClean="0"/>
+              <a:t>Programación </a:t>
+            </a:r>
+            <a:r>
+              <a:rPr lang="es-ES" dirty="0" smtClean="0"/>
+              <a:t>PHP (y sus librerías)</a:t>
+            </a:r>
+          </a:p>
+          <a:p>
+            <a:pPr lvl="1"/>
+            <a:r>
+              <a:rPr lang="es-ES" dirty="0" smtClean="0"/>
+              <a:t>XAMPP + </a:t>
+            </a:r>
+            <a:r>
+              <a:rPr lang="es-ES" dirty="0" err="1" smtClean="0"/>
+              <a:t>PHPMyAdmin</a:t>
+            </a:r>
+            <a:endParaRPr lang="es-ES" dirty="0" smtClean="0"/>
+          </a:p>
+          <a:p>
+            <a:pPr lvl="1"/>
+            <a:r>
+              <a:rPr lang="es-ES" dirty="0" err="1" smtClean="0"/>
+              <a:t>Bootstrap</a:t>
+            </a:r>
+            <a:endParaRPr lang="es-ES" dirty="0" smtClean="0"/>
+          </a:p>
+          <a:p>
+            <a:pPr lvl="1"/>
+            <a:r>
+              <a:rPr lang="es-ES" dirty="0" err="1" smtClean="0"/>
+              <a:t>Github</a:t>
+            </a:r>
+            <a:endParaRPr lang="es-ES" dirty="0" smtClean="0"/>
           </a:p>
           <a:p>
             <a:pPr lvl="1"/>
             <a:endParaRPr lang="es-ES" dirty="0" smtClean="0"/>
-          </a:p>
-          <a:p>
-            <a:r>
-              <a:rPr lang="es-ES" dirty="0" smtClean="0"/>
-              <a:t>Conocimientos adquiridos</a:t>
-            </a:r>
-          </a:p>
-          <a:p>
-            <a:pPr lvl="1"/>
-            <a:r>
-              <a:rPr lang="es-ES" dirty="0" smtClean="0"/>
-              <a:t>Programación PHP</a:t>
-            </a:r>
           </a:p>
           <a:p>
             <a:endParaRPr lang="es-ES" dirty="0" smtClean="0"/>
@@ -10278,7 +10976,7 @@
             <a:fld id="{4F4CC500-C254-4A01-A1E9-3631BD4DF40D}" type="slidenum">
               <a:rPr lang="ca-ES" smtClean="0"/>
               <a:pPr/>
-              <a:t>20</a:t>
+              <a:t>22</a:t>
             </a:fld>
             <a:r>
               <a:rPr lang="ca-ES" smtClean="0"/>
@@ -10308,6 +11006,88 @@
 </p:sld>
 </file>
 
+<file path=ppt/slides/slide23.xml><?xml version="1.0" encoding="utf-8"?>
+<p:sld xmlns:a="http://schemas.openxmlformats.org/drawingml/2006/main" xmlns:r="http://schemas.openxmlformats.org/officeDocument/2006/relationships" xmlns:p="http://schemas.openxmlformats.org/presentationml/2006/main">
+  <p:cSld>
+    <p:spTree>
+      <p:nvGrpSpPr>
+        <p:cNvPr id="1" name=""/>
+        <p:cNvGrpSpPr/>
+        <p:nvPr/>
+      </p:nvGrpSpPr>
+      <p:grpSpPr>
+        <a:xfrm>
+          <a:off x="0" y="0"/>
+          <a:ext cx="0" cy="0"/>
+          <a:chOff x="0" y="0"/>
+          <a:chExt cx="0" cy="0"/>
+        </a:xfrm>
+      </p:grpSpPr>
+      <p:sp>
+        <p:nvSpPr>
+          <p:cNvPr id="2" name="Title 1"/>
+          <p:cNvSpPr>
+            <a:spLocks noGrp="1"/>
+          </p:cNvSpPr>
+          <p:nvPr>
+            <p:ph type="title"/>
+          </p:nvPr>
+        </p:nvSpPr>
+        <p:spPr/>
+        <p:txBody>
+          <a:bodyPr/>
+          <a:lstStyle/>
+          <a:p>
+            <a:endParaRPr lang="es-ES" dirty="0"/>
+          </a:p>
+        </p:txBody>
+      </p:sp>
+      <p:sp>
+        <p:nvSpPr>
+          <p:cNvPr id="3" name="Content Placeholder 2"/>
+          <p:cNvSpPr>
+            <a:spLocks noGrp="1"/>
+          </p:cNvSpPr>
+          <p:nvPr>
+            <p:ph idx="1"/>
+          </p:nvPr>
+        </p:nvSpPr>
+        <p:spPr>
+          <a:xfrm>
+            <a:off x="581193" y="2180496"/>
+            <a:ext cx="11029615" cy="3678303"/>
+          </a:xfrm>
+        </p:spPr>
+        <p:txBody>
+          <a:bodyPr>
+            <a:normAutofit/>
+          </a:bodyPr>
+          <a:lstStyle/>
+          <a:p>
+            <a:pPr marL="0" indent="0" algn="ctr">
+              <a:buNone/>
+            </a:pPr>
+            <a:r>
+              <a:rPr lang="es-ES" sz="4400" dirty="0" smtClean="0"/>
+              <a:t>GRACIAS POR SU ATENCIÓN</a:t>
+            </a:r>
+            <a:endParaRPr lang="es-ES" sz="4400" dirty="0"/>
+          </a:p>
+        </p:txBody>
+      </p:sp>
+    </p:spTree>
+    <p:extLst>
+      <p:ext uri="{BB962C8B-B14F-4D97-AF65-F5344CB8AC3E}">
+        <p14:creationId xmlns:p14="http://schemas.microsoft.com/office/powerpoint/2010/main" val="4022263789"/>
+      </p:ext>
+    </p:extLst>
+  </p:cSld>
+  <p:clrMapOvr>
+    <a:masterClrMapping/>
+  </p:clrMapOvr>
+</p:sld>
+</file>
+
 <file path=ppt/slides/slide3.xml><?xml version="1.0" encoding="utf-8"?>
 <p:sld xmlns:a="http://schemas.openxmlformats.org/drawingml/2006/main" xmlns:r="http://schemas.openxmlformats.org/officeDocument/2006/relationships" xmlns:p="http://schemas.openxmlformats.org/presentationml/2006/main">
   <p:cSld>
@@ -10386,11 +11166,7 @@
             </a:r>
             <a:r>
               <a:rPr lang="ca-ES" dirty="0" smtClean="0"/>
-              <a:t> </a:t>
-            </a:r>
-            <a:r>
-              <a:rPr lang="ca-ES" dirty="0" smtClean="0"/>
-              <a:t>del </a:t>
+              <a:t> del </a:t>
             </a:r>
             <a:r>
               <a:rPr lang="ca-ES" dirty="0" err="1" smtClean="0"/>
@@ -10450,12 +11226,42 @@
             </a:r>
           </a:p>
           <a:p>
-            <a:pPr lvl="1"/>
+            <a:pPr lvl="1">
+              <a:spcAft>
+                <a:spcPts val="0"/>
+              </a:spcAft>
+            </a:pPr>
             <a:r>
               <a:rPr lang="es-ES" dirty="0" smtClean="0">
                 <a:sym typeface="Wingdings" panose="05000000000000000000" pitchFamily="2" charset="2"/>
               </a:rPr>
-              <a:t>Gran carga de trabajo para el responsable</a:t>
+              <a:t>Gran carga de </a:t>
+            </a:r>
+            <a:r>
+              <a:rPr lang="es-ES" dirty="0" smtClean="0">
+                <a:sym typeface="Wingdings" panose="05000000000000000000" pitchFamily="2" charset="2"/>
+              </a:rPr>
+              <a:t>trabajo</a:t>
+            </a:r>
+          </a:p>
+          <a:p>
+            <a:pPr marL="324000" lvl="1" indent="0">
+              <a:spcBef>
+                <a:spcPts val="0"/>
+              </a:spcBef>
+              <a:buNone/>
+            </a:pPr>
+            <a:r>
+              <a:rPr lang="es-ES" dirty="0" smtClean="0">
+                <a:sym typeface="Wingdings" panose="05000000000000000000" pitchFamily="2" charset="2"/>
+              </a:rPr>
+              <a:t>      para </a:t>
+            </a:r>
+            <a:r>
+              <a:rPr lang="es-ES" dirty="0" smtClean="0">
+                <a:sym typeface="Wingdings" panose="05000000000000000000" pitchFamily="2" charset="2"/>
+              </a:rPr>
+              <a:t>el responsable</a:t>
             </a:r>
             <a:endParaRPr lang="ca-ES" dirty="0">
               <a:solidFill>
@@ -10593,7 +11399,7 @@
         </p:blipFill>
         <p:spPr bwMode="auto">
           <a:xfrm>
-            <a:off x="5077647" y="3371784"/>
+            <a:off x="4054860" y="3545262"/>
             <a:ext cx="6290070" cy="2150711"/>
           </a:xfrm>
           <a:prstGeom prst="rect">
@@ -11450,70 +12256,29 @@
           </a:p>
         </p:txBody>
       </p:sp>
-      <p:sp>
-        <p:nvSpPr>
-          <p:cNvPr id="9" name="Content Placeholder 8"/>
-          <p:cNvSpPr>
-            <a:spLocks noGrp="1"/>
-          </p:cNvSpPr>
-          <p:nvPr>
-            <p:ph idx="1"/>
-          </p:nvPr>
-        </p:nvSpPr>
+      <p:pic>
+        <p:nvPicPr>
+          <p:cNvPr id="4" name="Picture 3"/>
+          <p:cNvPicPr>
+            <a:picLocks noChangeAspect="1"/>
+          </p:cNvPicPr>
+          <p:nvPr/>
+        </p:nvPicPr>
+        <p:blipFill rotWithShape="1">
+          <a:blip r:embed="rId2"/>
+          <a:srcRect r="493"/>
+          <a:stretch/>
+        </p:blipFill>
         <p:spPr>
           <a:xfrm>
-            <a:off x="536743" y="2279922"/>
-            <a:ext cx="11029615" cy="3678303"/>
+            <a:off x="581192" y="2411515"/>
+            <a:ext cx="10885384" cy="3240838"/>
           </a:xfrm>
+          <a:prstGeom prst="rect">
+            <a:avLst/>
+          </a:prstGeom>
         </p:spPr>
-        <p:txBody>
-          <a:bodyPr/>
-          <a:lstStyle/>
-          <a:p>
-            <a:pPr>
-              <a:lnSpc>
-                <a:spcPct val="300000"/>
-              </a:lnSpc>
-            </a:pPr>
-            <a:r>
-              <a:rPr lang="en-US" dirty="0" smtClean="0"/>
-              <a:t>Excel</a:t>
-            </a:r>
-            <a:endParaRPr lang="en-US" dirty="0"/>
-          </a:p>
-          <a:p>
-            <a:pPr>
-              <a:lnSpc>
-                <a:spcPct val="300000"/>
-              </a:lnSpc>
-            </a:pPr>
-            <a:r>
-              <a:rPr lang="en-US" dirty="0" smtClean="0"/>
-              <a:t>Google Sheets</a:t>
-            </a:r>
-          </a:p>
-          <a:p>
-            <a:pPr>
-              <a:lnSpc>
-                <a:spcPct val="300000"/>
-              </a:lnSpc>
-            </a:pPr>
-            <a:r>
-              <a:rPr lang="en-US" dirty="0" smtClean="0"/>
-              <a:t> </a:t>
-            </a:r>
-            <a:r>
-              <a:rPr lang="en-US" dirty="0" err="1" smtClean="0"/>
-              <a:t>Aplicación</a:t>
-            </a:r>
-            <a:r>
-              <a:rPr lang="en-US" dirty="0" smtClean="0"/>
-              <a:t> web</a:t>
-            </a:r>
-            <a:endParaRPr lang="es-ES" dirty="0"/>
-          </a:p>
-        </p:txBody>
-      </p:sp>
+      </p:pic>
     </p:spTree>
     <p:extLst>
       <p:ext uri="{BB962C8B-B14F-4D97-AF65-F5344CB8AC3E}">
@@ -11584,7 +12349,7 @@
             <p:ph idx="1"/>
             <p:extLst>
               <p:ext uri="{D42A27DB-BD31-4B8C-83A1-F6EECF244321}">
-                <p14:modId xmlns:p14="http://schemas.microsoft.com/office/powerpoint/2010/main" val="1455756299"/>
+                <p14:modId xmlns:p14="http://schemas.microsoft.com/office/powerpoint/2010/main" val="2718447942"/>
               </p:ext>
             </p:extLst>
           </p:nvPr>
@@ -11766,24 +12531,14 @@
               <a:rPr lang="es-ES" dirty="0" smtClean="0">
                 <a:sym typeface="Wingdings" pitchFamily="2" charset="2"/>
               </a:rPr>
-              <a:t> estátic</a:t>
-            </a:r>
-            <a:r>
-              <a:rPr lang="es-ES" dirty="0" smtClean="0">
-                <a:sym typeface="Wingdings" pitchFamily="2" charset="2"/>
-              </a:rPr>
-              <a:t>a o dinámica?</a:t>
+              <a:t> estática o dinámica?</a:t>
             </a:r>
             <a:endParaRPr lang="es-ES" dirty="0" smtClean="0"/>
           </a:p>
           <a:p>
             <a:r>
               <a:rPr lang="es-ES" dirty="0" smtClean="0"/>
-              <a:t>Aplicación </a:t>
-            </a:r>
-            <a:r>
-              <a:rPr lang="es-ES" dirty="0" smtClean="0"/>
-              <a:t>web:</a:t>
+              <a:t>Aplicación web:</a:t>
             </a:r>
           </a:p>
           <a:p>
@@ -11829,7 +12584,9 @@
             <a:endParaRPr lang="es-ES" dirty="0" smtClean="0"/>
           </a:p>
           <a:p>
-            <a:pPr lvl="1"/>
+            <a:pPr marL="324000" lvl="1" indent="0">
+              <a:buNone/>
+            </a:pPr>
             <a:endParaRPr lang="es-ES" dirty="0" smtClean="0"/>
           </a:p>
           <a:p>
@@ -12194,7 +12951,7 @@
   <a:extraClrSchemeLst/>
   <a:extLst>
     <a:ext uri="{05A4C25C-085E-4340-85A3-A5531E510DB2}">
-      <thm15:themeFamily xmlns="" xmlns:thm15="http://schemas.microsoft.com/office/thememl/2012/main" name="Dividend" id="{9697A71B-4AB7-4A1A-BD5B-BB2D22835B57}" vid="{66F1C100-1D2B-4BEA-AD01-C4F230B3B965}"/>
+      <thm15:themeFamily xmlns:thm15="http://schemas.microsoft.com/office/thememl/2012/main" name="Dividend" id="{9697A71B-4AB7-4A1A-BD5B-BB2D22835B57}" vid="{66F1C100-1D2B-4BEA-AD01-C4F230B3B965}"/>
     </a:ext>
   </a:extLst>
 </a:theme>
@@ -12455,7 +13212,7 @@
   <a:extraClrSchemeLst/>
   <a:extLst>
     <a:ext uri="{05A4C25C-085E-4340-85A3-A5531E510DB2}">
-      <thm15:themeFamily xmlns="" xmlns:thm15="http://schemas.microsoft.com/office/thememl/2012/main" name="Office Theme" id="{62F939B6-93AF-4DB8-9C6B-D6C7DFDC589F}" vid="{4A3C46E8-61CC-4603-A589-7422A47A8E4A}"/>
+      <thm15:themeFamily xmlns:thm15="http://schemas.microsoft.com/office/thememl/2012/main" name="Office Theme" id="{62F939B6-93AF-4DB8-9C6B-D6C7DFDC589F}" vid="{4A3C46E8-61CC-4603-A589-7422A47A8E4A}"/>
     </a:ext>
   </a:extLst>
 </a:theme>

--- a/tfg_presentacio.pptx
+++ b/tfg_presentacio.pptx
@@ -131,7 +131,7 @@
   </p:defaultTextStyle>
   <p:extLst>
     <p:ext uri="{EFAFB233-063F-42B5-8137-9DF3F51BA10A}">
-      <p15:sldGuideLst xmlns:p15="http://schemas.microsoft.com/office/powerpoint/2012/main">
+      <p15:sldGuideLst xmlns:p15="http://schemas.microsoft.com/office/powerpoint/2012/main" xmlns="">
         <p15:guide id="1" orient="horz" pos="2160">
           <p15:clr>
             <a:srgbClr val="A4A3A4"/>
@@ -2933,7 +2933,7 @@
           <a:p>
             <a:fld id="{BF650D99-69A1-4A33-B524-E59AFA3826C2}" type="slidenum">
               <a:rPr lang="ca-ES" smtClean="0"/>
-              <a:t>‹#›</a:t>
+              <a:t>‹Nº›</a:t>
             </a:fld>
             <a:endParaRPr lang="ca-ES"/>
           </a:p>
@@ -3362,7 +3362,7 @@
             <a:fld id="{4F4CC500-C254-4A01-A1E9-3631BD4DF40D}" type="slidenum">
               <a:rPr lang="ca-ES" smtClean="0"/>
               <a:pPr/>
-              <a:t>‹#›</a:t>
+              <a:t>‹Nº›</a:t>
             </a:fld>
             <a:endParaRPr lang="ca-ES" dirty="0"/>
           </a:p>
@@ -3629,7 +3629,7 @@
           <a:p>
             <a:fld id="{4F4CC500-C254-4A01-A1E9-3631BD4DF40D}" type="slidenum">
               <a:rPr lang="ca-ES" smtClean="0"/>
-              <a:t>‹#›</a:t>
+              <a:t>‹Nº›</a:t>
             </a:fld>
             <a:endParaRPr lang="ca-ES" dirty="0"/>
           </a:p>
@@ -3859,7 +3859,7 @@
           <a:p>
             <a:fld id="{4F4CC500-C254-4A01-A1E9-3631BD4DF40D}" type="slidenum">
               <a:rPr lang="ca-ES" smtClean="0"/>
-              <a:t>‹#›</a:t>
+              <a:t>‹Nº›</a:t>
             </a:fld>
             <a:endParaRPr lang="ca-ES" dirty="0"/>
           </a:p>
@@ -4115,7 +4115,7 @@
           <a:p>
             <a:fld id="{4F4CC500-C254-4A01-A1E9-3631BD4DF40D}" type="slidenum">
               <a:rPr lang="ca-ES" smtClean="0"/>
-              <a:t>‹#›</a:t>
+              <a:t>‹Nº›</a:t>
             </a:fld>
             <a:endParaRPr lang="ca-ES" dirty="0"/>
           </a:p>
@@ -4339,7 +4339,7 @@
             <a:fld id="{4F4CC500-C254-4A01-A1E9-3631BD4DF40D}" type="slidenum">
               <a:rPr lang="ca-ES" smtClean="0"/>
               <a:pPr/>
-              <a:t>‹#›</a:t>
+              <a:t>‹Nº›</a:t>
             </a:fld>
             <a:r>
               <a:rPr lang="ca-ES" dirty="0" smtClean="0"/>
@@ -4674,7 +4674,7 @@
           <a:p>
             <a:fld id="{4F4CC500-C254-4A01-A1E9-3631BD4DF40D}" type="slidenum">
               <a:rPr lang="ca-ES" smtClean="0"/>
-              <a:t>‹#›</a:t>
+              <a:t>‹Nº›</a:t>
             </a:fld>
             <a:endParaRPr lang="ca-ES" dirty="0"/>
           </a:p>
@@ -4961,7 +4961,7 @@
           <a:p>
             <a:fld id="{4F4CC500-C254-4A01-A1E9-3631BD4DF40D}" type="slidenum">
               <a:rPr lang="ca-ES" smtClean="0"/>
-              <a:t>‹#›</a:t>
+              <a:t>‹Nº›</a:t>
             </a:fld>
             <a:endParaRPr lang="ca-ES" dirty="0"/>
           </a:p>
@@ -5390,7 +5390,7 @@
           <a:p>
             <a:fld id="{4F4CC500-C254-4A01-A1E9-3631BD4DF40D}" type="slidenum">
               <a:rPr lang="ca-ES" smtClean="0"/>
-              <a:t>‹#›</a:t>
+              <a:t>‹Nº›</a:t>
             </a:fld>
             <a:endParaRPr lang="ca-ES" dirty="0"/>
           </a:p>
@@ -5516,7 +5516,7 @@
             <a:fld id="{4F4CC500-C254-4A01-A1E9-3631BD4DF40D}" type="slidenum">
               <a:rPr lang="ca-ES" smtClean="0"/>
               <a:pPr/>
-              <a:t>‹#›</a:t>
+              <a:t>‹Nº›</a:t>
             </a:fld>
             <a:r>
               <a:rPr lang="ca-ES" smtClean="0"/>
@@ -5622,7 +5622,7 @@
           <a:p>
             <a:fld id="{4F4CC500-C254-4A01-A1E9-3631BD4DF40D}" type="slidenum">
               <a:rPr lang="ca-ES" smtClean="0"/>
-              <a:t>‹#›</a:t>
+              <a:t>‹Nº›</a:t>
             </a:fld>
             <a:endParaRPr lang="ca-ES" dirty="0"/>
           </a:p>
@@ -5791,7 +5791,7 @@
           <a:p>
             <a:fld id="{4F4CC500-C254-4A01-A1E9-3631BD4DF40D}" type="slidenum">
               <a:rPr lang="ca-ES" smtClean="0"/>
-              <a:t>‹#›</a:t>
+              <a:t>‹Nº›</a:t>
             </a:fld>
             <a:endParaRPr lang="ca-ES" dirty="0"/>
           </a:p>
@@ -6191,7 +6191,7 @@
           <a:p>
             <a:fld id="{4F4CC500-C254-4A01-A1E9-3631BD4DF40D}" type="slidenum">
               <a:rPr lang="ca-ES" smtClean="0"/>
-              <a:t>‹#›</a:t>
+              <a:t>‹Nº›</a:t>
             </a:fld>
             <a:endParaRPr lang="ca-ES" dirty="0"/>
           </a:p>
@@ -6435,7 +6435,7 @@
             <a:fld id="{4F4CC500-C254-4A01-A1E9-3631BD4DF40D}" type="slidenum">
               <a:rPr lang="ca-ES" smtClean="0"/>
               <a:pPr/>
-              <a:t>‹#›</a:t>
+              <a:t>‹Nº›</a:t>
             </a:fld>
             <a:r>
               <a:rPr lang="ca-ES" dirty="0" smtClean="0"/>
@@ -6957,7 +6957,7 @@
   </p:txStyles>
   <p:extLst mod="1">
     <p:ext uri="{27BBF7A9-308A-43DC-89C8-2F10F3537804}">
-      <p15:sldGuideLst xmlns:p15="http://schemas.microsoft.com/office/powerpoint/2012/main"/>
+      <p15:sldGuideLst xmlns:p15="http://schemas.microsoft.com/office/powerpoint/2012/main" xmlns=""/>
     </p:ext>
   </p:extLst>
 </p:sldMaster>
@@ -7515,8 +7515,9 @@
             </a:r>
             <a:r>
               <a:rPr lang="en-US" dirty="0" smtClean="0"/>
-              <a:t>.-</a:t>
-            </a:r>
+              <a:t>.</a:t>
+            </a:r>
+            <a:endParaRPr lang="en-US" dirty="0" smtClean="0"/>
           </a:p>
           <a:p>
             <a:r>
@@ -8580,7 +8581,6 @@
               <a:rPr lang="es-ES" dirty="0"/>
               <a:t> </a:t>
             </a:r>
-            <a:endParaRPr lang="es-ES" dirty="0"/>
           </a:p>
           <a:p>
             <a:r>
@@ -8697,6 +8697,13 @@
   <p:clrMapOvr>
     <a:masterClrMapping/>
   </p:clrMapOvr>
+  <p:timing>
+    <p:tnLst>
+      <p:par>
+        <p:cTn id="1" dur="indefinite" restart="never" nodeType="tmRoot"/>
+      </p:par>
+    </p:tnLst>
+  </p:timing>
 </p:sld>
 </file>
 
@@ -9521,11 +9528,7 @@
           <a:p>
             <a:r>
               <a:rPr lang="es-ES" dirty="0" smtClean="0"/>
-              <a:t>Desarrollo - Casos </a:t>
-            </a:r>
-            <a:r>
-              <a:rPr lang="es-ES" dirty="0" smtClean="0"/>
-              <a:t>De uso</a:t>
+              <a:t>Desarrollo - Casos De uso</a:t>
             </a:r>
             <a:endParaRPr lang="ca-ES" dirty="0"/>
           </a:p>
@@ -9775,6 +9778,13 @@
   <p:clrMapOvr>
     <a:masterClrMapping/>
   </p:clrMapOvr>
+  <p:timing>
+    <p:tnLst>
+      <p:par>
+        <p:cTn id="1" dur="indefinite" restart="never" nodeType="tmRoot"/>
+      </p:par>
+    </p:tnLst>
+  </p:timing>
 </p:sld>
 </file>
 
@@ -9888,7 +9898,7 @@
         <p:spPr>
           <a:xfrm>
             <a:off x="1737360" y="2295144"/>
-            <a:ext cx="3472425" cy="646331"/>
+            <a:ext cx="3515258" cy="646331"/>
           </a:xfrm>
           <a:prstGeom prst="rect">
             <a:avLst/>
@@ -9905,7 +9915,7 @@
               <a:rPr lang="es-ES" dirty="0" smtClean="0">
                 <a:hlinkClick r:id="rId3"/>
               </a:rPr>
-              <a:t>http://gestio-docent.byethost7.com</a:t>
+              <a:t>http://gestio-docent.byethost7.com/</a:t>
             </a:r>
             <a:endParaRPr lang="es-ES" dirty="0" smtClean="0"/>
           </a:p>
@@ -10273,7 +10283,6 @@
               <a:rPr lang="es-ES" dirty="0" smtClean="0"/>
               <a:t>Demo</a:t>
             </a:r>
-            <a:endParaRPr lang="es-ES" dirty="0" smtClean="0"/>
           </a:p>
           <a:p>
             <a:r>
@@ -10284,11 +10293,7 @@
           <a:p>
             <a:r>
               <a:rPr lang="es-ES" dirty="0" smtClean="0"/>
-              <a:t>Futura </a:t>
-            </a:r>
-            <a:r>
-              <a:rPr lang="es-ES" dirty="0" smtClean="0"/>
-              <a:t>mejoras</a:t>
+              <a:t>Futura mejoras</a:t>
             </a:r>
             <a:endParaRPr lang="ca-ES" dirty="0" smtClean="0"/>
           </a:p>
@@ -10768,6 +10773,13 @@
   <p:clrMapOvr>
     <a:masterClrMapping/>
   </p:clrMapOvr>
+  <p:timing>
+    <p:tnLst>
+      <p:par>
+        <p:cTn id="1" dur="indefinite" restart="never" nodeType="tmRoot"/>
+      </p:par>
+    </p:tnLst>
+  </p:timing>
 </p:sld>
 </file>
 
@@ -10859,23 +10871,14 @@
           <a:p>
             <a:r>
               <a:rPr lang="es-ES" dirty="0" smtClean="0"/>
-              <a:t>Conocimientos </a:t>
-            </a:r>
+              <a:t>Conocimientos aplicados</a:t>
+            </a:r>
+          </a:p>
+          <a:p>
+            <a:pPr lvl="1"/>
             <a:r>
               <a:rPr lang="es-ES" dirty="0" smtClean="0"/>
-              <a:t>aplicados</a:t>
-            </a:r>
-            <a:endParaRPr lang="es-ES" dirty="0" smtClean="0"/>
-          </a:p>
-          <a:p>
-            <a:pPr lvl="1"/>
-            <a:r>
-              <a:rPr lang="es-ES" dirty="0" smtClean="0"/>
-              <a:t>Programación </a:t>
-            </a:r>
-            <a:r>
-              <a:rPr lang="es-ES" dirty="0" smtClean="0"/>
-              <a:t>Python</a:t>
+              <a:t>Programación Python</a:t>
             </a:r>
           </a:p>
           <a:p>
@@ -10898,27 +10901,18 @@
               <a:rPr lang="es-ES" dirty="0" smtClean="0"/>
               <a:t>SQL</a:t>
             </a:r>
-            <a:endParaRPr lang="es-ES" dirty="0" smtClean="0"/>
           </a:p>
           <a:p>
             <a:r>
               <a:rPr lang="es-ES" dirty="0" smtClean="0"/>
-              <a:t>Conocimientos </a:t>
-            </a:r>
+              <a:t>Conocimientos adquiridos</a:t>
+            </a:r>
+          </a:p>
+          <a:p>
+            <a:pPr lvl="1"/>
             <a:r>
               <a:rPr lang="es-ES" dirty="0" smtClean="0"/>
-              <a:t>adquiridos</a:t>
-            </a:r>
-          </a:p>
-          <a:p>
-            <a:pPr lvl="1"/>
-            <a:r>
-              <a:rPr lang="es-ES" dirty="0" smtClean="0"/>
-              <a:t>Programación </a:t>
-            </a:r>
-            <a:r>
-              <a:rPr lang="es-ES" dirty="0" smtClean="0"/>
-              <a:t>PHP (y sus librerías)</a:t>
+              <a:t>Programación PHP (y sus librerías)</a:t>
             </a:r>
           </a:p>
           <a:p>
@@ -11085,6 +11079,13 @@
   <p:clrMapOvr>
     <a:masterClrMapping/>
   </p:clrMapOvr>
+  <p:timing>
+    <p:tnLst>
+      <p:par>
+        <p:cTn id="1" dur="indefinite" restart="never" nodeType="tmRoot"/>
+      </p:par>
+    </p:tnLst>
+  </p:timing>
 </p:sld>
 </file>
 
@@ -11235,13 +11236,7 @@
               <a:rPr lang="es-ES" dirty="0" smtClean="0">
                 <a:sym typeface="Wingdings" panose="05000000000000000000" pitchFamily="2" charset="2"/>
               </a:rPr>
-              <a:t>Gran carga de </a:t>
-            </a:r>
-            <a:r>
-              <a:rPr lang="es-ES" dirty="0" smtClean="0">
-                <a:sym typeface="Wingdings" panose="05000000000000000000" pitchFamily="2" charset="2"/>
-              </a:rPr>
-              <a:t>trabajo</a:t>
+              <a:t>Gran carga de trabajo</a:t>
             </a:r>
           </a:p>
           <a:p>
@@ -11255,13 +11250,7 @@
               <a:rPr lang="es-ES" dirty="0" smtClean="0">
                 <a:sym typeface="Wingdings" panose="05000000000000000000" pitchFamily="2" charset="2"/>
               </a:rPr>
-              <a:t>      para </a:t>
-            </a:r>
-            <a:r>
-              <a:rPr lang="es-ES" dirty="0" smtClean="0">
-                <a:sym typeface="Wingdings" panose="05000000000000000000" pitchFamily="2" charset="2"/>
-              </a:rPr>
-              <a:t>el responsable</a:t>
+              <a:t>      para el responsable</a:t>
             </a:r>
             <a:endParaRPr lang="ca-ES" dirty="0">
               <a:solidFill>
@@ -11279,7 +11268,7 @@
         </p:nvCxnSpPr>
         <p:spPr>
           <a:xfrm>
-            <a:off x="8815151" y="2801101"/>
+            <a:off x="8803119" y="2690557"/>
             <a:ext cx="404948" cy="0"/>
           </a:xfrm>
           <a:prstGeom prst="straightConnector1">
@@ -11312,7 +11301,7 @@
         </p:nvSpPr>
         <p:spPr>
           <a:xfrm flipH="1">
-            <a:off x="9373704" y="2616435"/>
+            <a:off x="9373704" y="2505891"/>
             <a:ext cx="971226" cy="369332"/>
           </a:xfrm>
           <a:prstGeom prst="rect">
@@ -12951,7 +12940,7 @@
   <a:extraClrSchemeLst/>
   <a:extLst>
     <a:ext uri="{05A4C25C-085E-4340-85A3-A5531E510DB2}">
-      <thm15:themeFamily xmlns:thm15="http://schemas.microsoft.com/office/thememl/2012/main" name="Dividend" id="{9697A71B-4AB7-4A1A-BD5B-BB2D22835B57}" vid="{66F1C100-1D2B-4BEA-AD01-C4F230B3B965}"/>
+      <thm15:themeFamily xmlns:thm15="http://schemas.microsoft.com/office/thememl/2012/main" xmlns="" name="Dividend" id="{9697A71B-4AB7-4A1A-BD5B-BB2D22835B57}" vid="{66F1C100-1D2B-4BEA-AD01-C4F230B3B965}"/>
     </a:ext>
   </a:extLst>
 </a:theme>
@@ -13212,7 +13201,7 @@
   <a:extraClrSchemeLst/>
   <a:extLst>
     <a:ext uri="{05A4C25C-085E-4340-85A3-A5531E510DB2}">
-      <thm15:themeFamily xmlns:thm15="http://schemas.microsoft.com/office/thememl/2012/main" name="Office Theme" id="{62F939B6-93AF-4DB8-9C6B-D6C7DFDC589F}" vid="{4A3C46E8-61CC-4603-A589-7422A47A8E4A}"/>
+      <thm15:themeFamily xmlns:thm15="http://schemas.microsoft.com/office/thememl/2012/main" xmlns="" name="Office Theme" id="{62F939B6-93AF-4DB8-9C6B-D6C7DFDC589F}" vid="{4A3C46E8-61CC-4603-A589-7422A47A8E4A}"/>
     </a:ext>
   </a:extLst>
 </a:theme>

--- a/tfg_presentacio.pptx
+++ b/tfg_presentacio.pptx
@@ -5,32 +5,40 @@
     <p:sldMasterId id="2147484032" r:id="rId1"/>
   </p:sldMasterIdLst>
   <p:notesMasterIdLst>
-    <p:notesMasterId r:id="rId25"/>
+    <p:notesMasterId r:id="rId30"/>
   </p:notesMasterIdLst>
+  <p:handoutMasterIdLst>
+    <p:handoutMasterId r:id="rId31"/>
+  </p:handoutMasterIdLst>
   <p:sldIdLst>
     <p:sldId id="256" r:id="rId2"/>
     <p:sldId id="257" r:id="rId3"/>
     <p:sldId id="258" r:id="rId4"/>
-    <p:sldId id="259" r:id="rId5"/>
-    <p:sldId id="263" r:id="rId6"/>
-    <p:sldId id="262" r:id="rId7"/>
-    <p:sldId id="281" r:id="rId8"/>
-    <p:sldId id="280" r:id="rId9"/>
-    <p:sldId id="288" r:id="rId10"/>
-    <p:sldId id="289" r:id="rId11"/>
-    <p:sldId id="264" r:id="rId12"/>
-    <p:sldId id="296" r:id="rId13"/>
-    <p:sldId id="290" r:id="rId14"/>
-    <p:sldId id="291" r:id="rId15"/>
-    <p:sldId id="292" r:id="rId16"/>
-    <p:sldId id="278" r:id="rId17"/>
-    <p:sldId id="294" r:id="rId18"/>
-    <p:sldId id="270" r:id="rId19"/>
-    <p:sldId id="271" r:id="rId20"/>
-    <p:sldId id="274" r:id="rId21"/>
-    <p:sldId id="293" r:id="rId22"/>
-    <p:sldId id="272" r:id="rId23"/>
-    <p:sldId id="295" r:id="rId24"/>
+    <p:sldId id="297" r:id="rId5"/>
+    <p:sldId id="259" r:id="rId6"/>
+    <p:sldId id="263" r:id="rId7"/>
+    <p:sldId id="262" r:id="rId8"/>
+    <p:sldId id="281" r:id="rId9"/>
+    <p:sldId id="280" r:id="rId10"/>
+    <p:sldId id="288" r:id="rId11"/>
+    <p:sldId id="289" r:id="rId12"/>
+    <p:sldId id="264" r:id="rId13"/>
+    <p:sldId id="296" r:id="rId14"/>
+    <p:sldId id="290" r:id="rId15"/>
+    <p:sldId id="291" r:id="rId16"/>
+    <p:sldId id="292" r:id="rId17"/>
+    <p:sldId id="278" r:id="rId18"/>
+    <p:sldId id="294" r:id="rId19"/>
+    <p:sldId id="270" r:id="rId20"/>
+    <p:sldId id="271" r:id="rId21"/>
+    <p:sldId id="304" r:id="rId22"/>
+    <p:sldId id="274" r:id="rId23"/>
+    <p:sldId id="301" r:id="rId24"/>
+    <p:sldId id="302" r:id="rId25"/>
+    <p:sldId id="293" r:id="rId26"/>
+    <p:sldId id="303" r:id="rId27"/>
+    <p:sldId id="272" r:id="rId28"/>
+    <p:sldId id="295" r:id="rId29"/>
   </p:sldIdLst>
   <p:sldSz cx="12192000" cy="6858000"/>
   <p:notesSz cx="6858000" cy="9144000"/>
@@ -2692,6 +2700,171 @@
 </dgm:styleDef>
 </file>
 
+<file path=ppt/handoutMasters/handoutMaster1.xml><?xml version="1.0" encoding="utf-8"?>
+<p:handoutMaster xmlns:a="http://schemas.openxmlformats.org/drawingml/2006/main" xmlns:r="http://schemas.openxmlformats.org/officeDocument/2006/relationships" xmlns:p="http://schemas.openxmlformats.org/presentationml/2006/main">
+  <p:cSld>
+    <p:bg>
+      <p:bgRef idx="1001">
+        <a:schemeClr val="bg1"/>
+      </p:bgRef>
+    </p:bg>
+    <p:spTree>
+      <p:nvGrpSpPr>
+        <p:cNvPr id="1" name=""/>
+        <p:cNvGrpSpPr/>
+        <p:nvPr/>
+      </p:nvGrpSpPr>
+      <p:grpSpPr>
+        <a:xfrm>
+          <a:off x="0" y="0"/>
+          <a:ext cx="0" cy="0"/>
+          <a:chOff x="0" y="0"/>
+          <a:chExt cx="0" cy="0"/>
+        </a:xfrm>
+      </p:grpSpPr>
+      <p:sp>
+        <p:nvSpPr>
+          <p:cNvPr id="2" name="1 Marcador de encabezado"/>
+          <p:cNvSpPr>
+            <a:spLocks noGrp="1"/>
+          </p:cNvSpPr>
+          <p:nvPr>
+            <p:ph type="hdr" sz="quarter"/>
+          </p:nvPr>
+        </p:nvSpPr>
+        <p:spPr>
+          <a:xfrm>
+            <a:off x="0" y="0"/>
+            <a:ext cx="2971800" cy="457200"/>
+          </a:xfrm>
+          <a:prstGeom prst="rect">
+            <a:avLst/>
+          </a:prstGeom>
+        </p:spPr>
+        <p:txBody>
+          <a:bodyPr vert="horz" lIns="91440" tIns="45720" rIns="91440" bIns="45720" rtlCol="0"/>
+          <a:lstStyle>
+            <a:lvl1pPr algn="l">
+              <a:defRPr sz="1200"/>
+            </a:lvl1pPr>
+          </a:lstStyle>
+          <a:p>
+            <a:endParaRPr lang="es-ES"/>
+          </a:p>
+        </p:txBody>
+      </p:sp>
+      <p:sp>
+        <p:nvSpPr>
+          <p:cNvPr id="3" name="2 Marcador de fecha"/>
+          <p:cNvSpPr>
+            <a:spLocks noGrp="1"/>
+          </p:cNvSpPr>
+          <p:nvPr>
+            <p:ph type="dt" sz="quarter" idx="1"/>
+          </p:nvPr>
+        </p:nvSpPr>
+        <p:spPr>
+          <a:xfrm>
+            <a:off x="3884613" y="0"/>
+            <a:ext cx="2971800" cy="457200"/>
+          </a:xfrm>
+          <a:prstGeom prst="rect">
+            <a:avLst/>
+          </a:prstGeom>
+        </p:spPr>
+        <p:txBody>
+          <a:bodyPr vert="horz" lIns="91440" tIns="45720" rIns="91440" bIns="45720" rtlCol="0"/>
+          <a:lstStyle>
+            <a:lvl1pPr algn="r">
+              <a:defRPr sz="1200"/>
+            </a:lvl1pPr>
+          </a:lstStyle>
+          <a:p>
+            <a:fld id="{7C9C385E-1AD5-4BA8-90FB-EF3496083EC5}" type="datetimeFigureOut">
+              <a:rPr lang="es-ES" smtClean="0"/>
+              <a:t>28/01/2020</a:t>
+            </a:fld>
+            <a:endParaRPr lang="es-ES"/>
+          </a:p>
+        </p:txBody>
+      </p:sp>
+      <p:sp>
+        <p:nvSpPr>
+          <p:cNvPr id="4" name="3 Marcador de pie de página"/>
+          <p:cNvSpPr>
+            <a:spLocks noGrp="1"/>
+          </p:cNvSpPr>
+          <p:nvPr>
+            <p:ph type="ftr" sz="quarter" idx="2"/>
+          </p:nvPr>
+        </p:nvSpPr>
+        <p:spPr>
+          <a:xfrm>
+            <a:off x="0" y="8685213"/>
+            <a:ext cx="2971800" cy="457200"/>
+          </a:xfrm>
+          <a:prstGeom prst="rect">
+            <a:avLst/>
+          </a:prstGeom>
+        </p:spPr>
+        <p:txBody>
+          <a:bodyPr vert="horz" lIns="91440" tIns="45720" rIns="91440" bIns="45720" rtlCol="0" anchor="b"/>
+          <a:lstStyle>
+            <a:lvl1pPr algn="l">
+              <a:defRPr sz="1200"/>
+            </a:lvl1pPr>
+          </a:lstStyle>
+          <a:p>
+            <a:endParaRPr lang="es-ES"/>
+          </a:p>
+        </p:txBody>
+      </p:sp>
+      <p:sp>
+        <p:nvSpPr>
+          <p:cNvPr id="5" name="4 Marcador de número de diapositiva"/>
+          <p:cNvSpPr>
+            <a:spLocks noGrp="1"/>
+          </p:cNvSpPr>
+          <p:nvPr>
+            <p:ph type="sldNum" sz="quarter" idx="3"/>
+          </p:nvPr>
+        </p:nvSpPr>
+        <p:spPr>
+          <a:xfrm>
+            <a:off x="3884613" y="8685213"/>
+            <a:ext cx="2971800" cy="457200"/>
+          </a:xfrm>
+          <a:prstGeom prst="rect">
+            <a:avLst/>
+          </a:prstGeom>
+        </p:spPr>
+        <p:txBody>
+          <a:bodyPr vert="horz" lIns="91440" tIns="45720" rIns="91440" bIns="45720" rtlCol="0" anchor="b"/>
+          <a:lstStyle>
+            <a:lvl1pPr algn="r">
+              <a:defRPr sz="1200"/>
+            </a:lvl1pPr>
+          </a:lstStyle>
+          <a:p>
+            <a:fld id="{65126974-61E7-4B8D-B2D7-9E4B458BABF9}" type="slidenum">
+              <a:rPr lang="es-ES" smtClean="0"/>
+              <a:t>‹Nº›</a:t>
+            </a:fld>
+            <a:endParaRPr lang="es-ES"/>
+          </a:p>
+        </p:txBody>
+      </p:sp>
+    </p:spTree>
+    <p:extLst>
+      <p:ext uri="{BB962C8B-B14F-4D97-AF65-F5344CB8AC3E}">
+        <p14:creationId xmlns:p14="http://schemas.microsoft.com/office/powerpoint/2010/main" val="996261477"/>
+      </p:ext>
+    </p:extLst>
+  </p:cSld>
+  <p:clrMap bg1="lt1" tx1="dk1" bg2="lt2" tx2="dk2" accent1="accent1" accent2="accent2" accent3="accent3" accent4="accent4" accent5="accent5" accent6="accent6" hlink="hlink" folHlink="folHlink"/>
+</p:handoutMaster>
+</file>
+
 <file path=ppt/notesMasters/notesMaster1.xml><?xml version="1.0" encoding="utf-8"?>
 <p:notesMaster xmlns:a="http://schemas.openxmlformats.org/drawingml/2006/main" xmlns:r="http://schemas.openxmlformats.org/officeDocument/2006/relationships" xmlns:p="http://schemas.openxmlformats.org/presentationml/2006/main">
   <p:cSld>
@@ -4343,7 +4516,7 @@
             </a:fld>
             <a:r>
               <a:rPr lang="ca-ES" dirty="0" smtClean="0"/>
-              <a:t>/22</a:t>
+              <a:t>/26</a:t>
             </a:r>
             <a:endParaRPr lang="ca-ES" dirty="0"/>
           </a:p>
@@ -5519,8 +5692,8 @@
               <a:t>‹Nº›</a:t>
             </a:fld>
             <a:r>
-              <a:rPr lang="ca-ES" smtClean="0"/>
-              <a:t>/22</a:t>
+              <a:rPr lang="ca-ES" dirty="0" smtClean="0"/>
+              <a:t>/26</a:t>
             </a:r>
             <a:endParaRPr lang="ca-ES" dirty="0"/>
           </a:p>
@@ -6426,7 +6599,7 @@
             <a:lvl1pPr algn="r">
               <a:defRPr sz="900">
                 <a:solidFill>
-                  <a:schemeClr val="accent2"/>
+                  <a:schemeClr val="tx1"/>
                 </a:solidFill>
               </a:defRPr>
             </a:lvl1pPr>
@@ -6439,7 +6612,7 @@
             </a:fld>
             <a:r>
               <a:rPr lang="ca-ES" dirty="0" smtClean="0"/>
-              <a:t>/22</a:t>
+              <a:t>/26</a:t>
             </a:r>
             <a:endParaRPr lang="ca-ES" dirty="0"/>
           </a:p>
@@ -7181,7 +7354,7 @@
                 </a:solidFill>
                 <a:latin typeface="Arial" panose="020B0604020202020204" pitchFamily="34" charset="0"/>
               </a:rPr>
-              <a:t>Treball de Fi de Grau </a:t>
+              <a:t>Trabajo de Fin de Grado</a:t>
             </a:r>
           </a:p>
           <a:p>
@@ -7277,7 +7450,7 @@
           <a:p>
             <a:r>
               <a:rPr lang="es-ES" dirty="0" smtClean="0"/>
-              <a:t>ESPECIFICACIONES</a:t>
+              <a:t>SOLUCIÓN</a:t>
             </a:r>
             <a:endParaRPr lang="ca-ES" dirty="0"/>
           </a:p>
@@ -7304,8 +7477,8 @@
               <a:t>10</a:t>
             </a:fld>
             <a:r>
-              <a:rPr lang="ca-ES" smtClean="0"/>
-              <a:t>/22</a:t>
+              <a:rPr lang="ca-ES" dirty="0" smtClean="0"/>
+              <a:t>/27</a:t>
             </a:r>
             <a:endParaRPr lang="ca-ES" dirty="0"/>
           </a:p>
@@ -7323,419 +7496,281 @@
         </p:nvSpPr>
         <p:spPr>
           <a:xfrm>
-            <a:off x="672633" y="2266504"/>
-            <a:ext cx="11029615" cy="3678303"/>
+            <a:off x="672633" y="2105526"/>
+            <a:ext cx="11407072" cy="3839281"/>
           </a:xfrm>
         </p:spPr>
         <p:txBody>
-          <a:bodyPr>
-            <a:normAutofit/>
+          <a:bodyPr numCol="2"/>
+          <a:lstStyle/>
+          <a:p>
+            <a:r>
+              <a:rPr lang="es-ES" sz="2000" dirty="0" smtClean="0"/>
+              <a:t>Sitio </a:t>
+            </a:r>
+            <a:r>
+              <a:rPr lang="es-ES" sz="2000" dirty="0"/>
+              <a:t>w</a:t>
+            </a:r>
+            <a:r>
+              <a:rPr lang="es-ES" sz="2000" dirty="0" smtClean="0"/>
+              <a:t>eb </a:t>
+            </a:r>
+            <a:r>
+              <a:rPr lang="es-ES" sz="2000" dirty="0" smtClean="0"/>
+              <a:t>vs aplicación web </a:t>
+            </a:r>
+            <a:r>
+              <a:rPr lang="es-ES" sz="2000" dirty="0" smtClean="0">
+                <a:sym typeface="Wingdings" pitchFamily="2" charset="2"/>
+              </a:rPr>
+              <a:t> </a:t>
+            </a:r>
+            <a:r>
+              <a:rPr lang="es-ES" sz="2000" dirty="0" smtClean="0">
+                <a:sym typeface="Wingdings" pitchFamily="2" charset="2"/>
+              </a:rPr>
+              <a:t>¿estática </a:t>
+            </a:r>
+            <a:r>
+              <a:rPr lang="es-ES" sz="2000" dirty="0" smtClean="0">
+                <a:sym typeface="Wingdings" pitchFamily="2" charset="2"/>
+              </a:rPr>
+              <a:t>o dinámica?</a:t>
+            </a:r>
+            <a:endParaRPr lang="es-ES" sz="2000" dirty="0" smtClean="0"/>
+          </a:p>
+          <a:p>
+            <a:r>
+              <a:rPr lang="es-ES" sz="2000" dirty="0" smtClean="0"/>
+              <a:t>Aplicación web:</a:t>
+            </a:r>
+          </a:p>
+          <a:p>
+            <a:pPr lvl="1"/>
+            <a:r>
+              <a:rPr lang="es-ES" sz="2000" dirty="0" smtClean="0"/>
+              <a:t>Front </a:t>
+            </a:r>
+            <a:r>
+              <a:rPr lang="es-ES" sz="2000" dirty="0" err="1" smtClean="0"/>
+              <a:t>end</a:t>
+            </a:r>
+            <a:endParaRPr lang="es-ES" sz="2000" dirty="0" smtClean="0"/>
+          </a:p>
+          <a:p>
+            <a:pPr lvl="1"/>
+            <a:endParaRPr lang="es-ES" dirty="0"/>
+          </a:p>
+          <a:p>
+            <a:pPr lvl="1"/>
+            <a:endParaRPr lang="es-ES" dirty="0" smtClean="0"/>
+          </a:p>
+          <a:p>
+            <a:pPr lvl="1"/>
+            <a:endParaRPr lang="es-ES" dirty="0"/>
+          </a:p>
+          <a:p>
+            <a:pPr lvl="1"/>
+            <a:endParaRPr lang="es-ES" dirty="0" smtClean="0"/>
+          </a:p>
+          <a:p>
+            <a:pPr lvl="1"/>
+            <a:endParaRPr lang="es-ES" dirty="0"/>
+          </a:p>
+          <a:p>
+            <a:pPr lvl="1"/>
+            <a:endParaRPr lang="es-ES" dirty="0" smtClean="0"/>
+          </a:p>
+          <a:p>
+            <a:pPr marL="324000" lvl="1" indent="0">
+              <a:buNone/>
+            </a:pPr>
+            <a:endParaRPr lang="es-ES" dirty="0" smtClean="0"/>
+          </a:p>
+          <a:p>
+            <a:pPr marL="324000" lvl="1" indent="0">
+              <a:buNone/>
+            </a:pPr>
+            <a:endParaRPr lang="es-ES" dirty="0" smtClean="0"/>
+          </a:p>
+          <a:p>
+            <a:pPr lvl="1"/>
+            <a:r>
+              <a:rPr lang="es-ES" sz="2000" dirty="0" smtClean="0"/>
+              <a:t>Back </a:t>
+            </a:r>
+            <a:r>
+              <a:rPr lang="es-ES" sz="2000" dirty="0" err="1" smtClean="0"/>
+              <a:t>end</a:t>
+            </a:r>
+            <a:endParaRPr lang="es-ES" sz="2000" dirty="0"/>
+          </a:p>
+        </p:txBody>
+      </p:sp>
+      <p:pic>
+        <p:nvPicPr>
+          <p:cNvPr id="7" name="Picture 6"/>
+          <p:cNvPicPr>
+            <a:picLocks noChangeAspect="1"/>
+          </p:cNvPicPr>
+          <p:nvPr/>
+        </p:nvPicPr>
+        <p:blipFill>
+          <a:blip r:embed="rId2"/>
+          <a:stretch>
+            <a:fillRect/>
+          </a:stretch>
+        </p:blipFill>
+        <p:spPr>
+          <a:xfrm>
+            <a:off x="506934" y="3772132"/>
+            <a:ext cx="4897577" cy="1828006"/>
+          </a:xfrm>
+          <a:prstGeom prst="rect">
+            <a:avLst/>
+          </a:prstGeom>
+        </p:spPr>
+      </p:pic>
+      <p:pic>
+        <p:nvPicPr>
+          <p:cNvPr id="1028" name="Picture 4" descr="Backend"/>
+          <p:cNvPicPr>
+            <a:picLocks noChangeAspect="1" noChangeArrowheads="1"/>
+          </p:cNvPicPr>
+          <p:nvPr/>
+        </p:nvPicPr>
+        <p:blipFill>
+          <a:blip r:embed="rId3">
+            <a:extLst>
+              <a:ext uri="{28A0092B-C50C-407E-A947-70E740481C1C}">
+                <a14:useLocalDpi xmlns:a14="http://schemas.microsoft.com/office/drawing/2010/main" val="0"/>
+              </a:ext>
+            </a:extLst>
+          </a:blip>
+          <a:srcRect/>
+          <a:stretch>
+            <a:fillRect/>
+          </a:stretch>
+        </p:blipFill>
+        <p:spPr bwMode="auto">
+          <a:xfrm>
+            <a:off x="6842565" y="3452012"/>
+            <a:ext cx="3059423" cy="3059424"/>
+          </a:xfrm>
+          <a:prstGeom prst="rect">
+            <a:avLst/>
+          </a:prstGeom>
+          <a:noFill/>
+          <a:extLst>
+            <a:ext uri="{909E8E84-426E-40DD-AFC4-6F175D3DCCD1}">
+              <a14:hiddenFill xmlns:a14="http://schemas.microsoft.com/office/drawing/2010/main">
+                <a:solidFill>
+                  <a:srgbClr val="FFFFFF"/>
+                </a:solidFill>
+              </a14:hiddenFill>
+            </a:ext>
+          </a:extLst>
+        </p:spPr>
+      </p:pic>
+      <p:sp>
+        <p:nvSpPr>
+          <p:cNvPr id="5" name="4 CuadroTexto"/>
+          <p:cNvSpPr txBox="1"/>
+          <p:nvPr/>
+        </p:nvSpPr>
+        <p:spPr>
+          <a:xfrm>
+            <a:off x="591156" y="5588106"/>
+            <a:ext cx="1562497" cy="923330"/>
+          </a:xfrm>
+          <a:prstGeom prst="rect">
+            <a:avLst/>
+          </a:prstGeom>
+          <a:noFill/>
+        </p:spPr>
+        <p:txBody>
+          <a:bodyPr wrap="square" rtlCol="0">
+            <a:spAutoFit/>
           </a:bodyPr>
           <a:lstStyle/>
           <a:p>
+            <a:pPr algn="ctr"/>
             <a:r>
               <a:rPr lang="en-US" dirty="0" err="1" smtClean="0"/>
-              <a:t>Profesores</a:t>
-            </a:r>
-            <a:r>
-              <a:rPr lang="en-US" dirty="0" smtClean="0"/>
-              <a:t>: </a:t>
-            </a:r>
-            <a:r>
-              <a:rPr lang="en-US" dirty="0" err="1" smtClean="0"/>
-              <a:t>Iniciar</a:t>
+              <a:t>HyperText</a:t>
             </a:r>
             <a:r>
               <a:rPr lang="en-US" dirty="0" smtClean="0"/>
               <a:t> </a:t>
             </a:r>
             <a:r>
-              <a:rPr lang="en-US" dirty="0" err="1" smtClean="0"/>
-              <a:t>sesión</a:t>
-            </a:r>
-            <a:r>
-              <a:rPr lang="en-US" dirty="0" smtClean="0"/>
-              <a:t> con email y DNI </a:t>
-            </a:r>
-            <a:r>
-              <a:rPr lang="en-US" dirty="0" err="1" smtClean="0"/>
-              <a:t>como</a:t>
-            </a:r>
-            <a:r>
-              <a:rPr lang="en-US" dirty="0" smtClean="0"/>
+              <a:rPr lang="en-US" dirty="0"/>
+              <a:t>Markup Language</a:t>
+            </a:r>
+            <a:r>
+              <a:rPr lang="es-ES" dirty="0" smtClean="0"/>
               <a:t> </a:t>
             </a:r>
-            <a:r>
-              <a:rPr lang="en-US" dirty="0" err="1" smtClean="0"/>
-              <a:t>contraseña</a:t>
-            </a:r>
-            <a:r>
-              <a:rPr lang="en-US" dirty="0" smtClean="0"/>
-              <a:t>.</a:t>
-            </a:r>
-            <a:endParaRPr lang="en-US" dirty="0"/>
-          </a:p>
-          <a:p>
-            <a:r>
-              <a:rPr lang="en-US" dirty="0" err="1" smtClean="0"/>
-              <a:t>Usuario</a:t>
-            </a:r>
-            <a:r>
-              <a:rPr lang="en-US" dirty="0" smtClean="0"/>
-              <a:t> </a:t>
-            </a:r>
-            <a:r>
-              <a:rPr lang="en-US" dirty="0" err="1" smtClean="0"/>
-              <a:t>administrador</a:t>
-            </a:r>
-            <a:r>
-              <a:rPr lang="en-US" dirty="0" smtClean="0"/>
-              <a:t> para </a:t>
-            </a:r>
-            <a:r>
-              <a:rPr lang="en-US" dirty="0" err="1" smtClean="0"/>
-              <a:t>gestionar</a:t>
-            </a:r>
-            <a:r>
-              <a:rPr lang="en-US" dirty="0" smtClean="0"/>
-              <a:t> la </a:t>
-            </a:r>
-            <a:r>
-              <a:rPr lang="en-US" dirty="0" err="1" smtClean="0"/>
-              <a:t>herramienta</a:t>
-            </a:r>
-            <a:r>
-              <a:rPr lang="en-US" dirty="0" smtClean="0"/>
-              <a:t>.</a:t>
-            </a:r>
-          </a:p>
-          <a:p>
-            <a:r>
-              <a:rPr lang="en-US" dirty="0" err="1" smtClean="0"/>
-              <a:t>Subir</a:t>
-            </a:r>
-            <a:r>
-              <a:rPr lang="en-US" dirty="0" smtClean="0"/>
-              <a:t> </a:t>
-            </a:r>
-            <a:r>
-              <a:rPr lang="en-US" dirty="0" err="1" smtClean="0"/>
-              <a:t>archivos</a:t>
-            </a:r>
-            <a:r>
-              <a:rPr lang="en-US" dirty="0" smtClean="0"/>
-              <a:t> CSV para </a:t>
-            </a:r>
-            <a:r>
-              <a:rPr lang="en-US" dirty="0" err="1" smtClean="0"/>
-              <a:t>crear</a:t>
-            </a:r>
-            <a:r>
-              <a:rPr lang="en-US" dirty="0" smtClean="0"/>
-              <a:t> la base de </a:t>
-            </a:r>
-            <a:r>
-              <a:rPr lang="en-US" dirty="0" err="1" smtClean="0"/>
-              <a:t>datos</a:t>
-            </a:r>
-            <a:r>
-              <a:rPr lang="en-US" dirty="0" smtClean="0"/>
-              <a:t>.</a:t>
-            </a:r>
             <a:endParaRPr lang="es-ES" dirty="0"/>
           </a:p>
-          <a:p>
-            <a:r>
-              <a:rPr lang="en-US" dirty="0" err="1" smtClean="0"/>
-              <a:t>Permitir</a:t>
-            </a:r>
-            <a:r>
-              <a:rPr lang="en-US" dirty="0" smtClean="0"/>
-              <a:t> al </a:t>
-            </a:r>
-            <a:r>
-              <a:rPr lang="en-US" dirty="0" err="1" smtClean="0"/>
-              <a:t>equipo</a:t>
-            </a:r>
-            <a:r>
-              <a:rPr lang="en-US" dirty="0" smtClean="0"/>
-              <a:t> </a:t>
-            </a:r>
-            <a:r>
-              <a:rPr lang="en-US" dirty="0" err="1" smtClean="0"/>
-              <a:t>docente</a:t>
-            </a:r>
-            <a:r>
-              <a:rPr lang="en-US" dirty="0" smtClean="0"/>
-              <a:t> </a:t>
-            </a:r>
-            <a:r>
-              <a:rPr lang="en-US" dirty="0" err="1" smtClean="0"/>
-              <a:t>escoger</a:t>
-            </a:r>
-            <a:r>
-              <a:rPr lang="en-US" dirty="0" smtClean="0"/>
-              <a:t> </a:t>
-            </a:r>
-            <a:r>
-              <a:rPr lang="en-US" dirty="0" err="1" smtClean="0"/>
-              <a:t>asignaturas</a:t>
-            </a:r>
-            <a:r>
-              <a:rPr lang="en-US" dirty="0" smtClean="0"/>
-              <a:t> para </a:t>
-            </a:r>
-            <a:r>
-              <a:rPr lang="en-US" dirty="0" err="1" smtClean="0"/>
-              <a:t>imaprtir</a:t>
-            </a:r>
-            <a:r>
-              <a:rPr lang="en-US" dirty="0" smtClean="0"/>
-              <a:t> el </a:t>
-            </a:r>
-            <a:r>
-              <a:rPr lang="en-US" dirty="0" err="1" smtClean="0"/>
-              <a:t>siguiente</a:t>
-            </a:r>
-            <a:r>
-              <a:rPr lang="en-US" dirty="0" smtClean="0"/>
-              <a:t> </a:t>
-            </a:r>
-            <a:r>
-              <a:rPr lang="en-US" dirty="0" err="1" smtClean="0"/>
-              <a:t>curso</a:t>
-            </a:r>
-            <a:r>
-              <a:rPr lang="en-US" dirty="0" smtClean="0"/>
-              <a:t> </a:t>
-            </a:r>
-            <a:r>
-              <a:rPr lang="en-US" dirty="0" err="1" smtClean="0"/>
-              <a:t>académico</a:t>
-            </a:r>
-            <a:r>
-              <a:rPr lang="en-US" dirty="0" smtClean="0"/>
-              <a:t>.</a:t>
-            </a:r>
-            <a:endParaRPr lang="en-US" dirty="0" smtClean="0"/>
-          </a:p>
-          <a:p>
-            <a:r>
-              <a:rPr lang="en-US" dirty="0" err="1" smtClean="0"/>
-              <a:t>Mostrar</a:t>
-            </a:r>
-            <a:r>
-              <a:rPr lang="en-US" dirty="0" smtClean="0"/>
-              <a:t> la </a:t>
-            </a:r>
-            <a:r>
-              <a:rPr lang="en-US" dirty="0" err="1" smtClean="0"/>
-              <a:t>situación</a:t>
-            </a:r>
-            <a:r>
-              <a:rPr lang="en-US" dirty="0" smtClean="0"/>
-              <a:t> actual de </a:t>
-            </a:r>
-            <a:r>
-              <a:rPr lang="en-US" dirty="0" err="1" smtClean="0"/>
-              <a:t>ocupación</a:t>
-            </a:r>
-            <a:r>
-              <a:rPr lang="en-US" dirty="0" smtClean="0"/>
-              <a:t> de </a:t>
-            </a:r>
-            <a:r>
-              <a:rPr lang="en-US" dirty="0" err="1" smtClean="0"/>
-              <a:t>asignaturas</a:t>
-            </a:r>
-            <a:r>
-              <a:rPr lang="en-US" dirty="0" smtClean="0"/>
-              <a:t>.</a:t>
-            </a:r>
-            <a:endParaRPr lang="en-US" dirty="0"/>
-          </a:p>
-          <a:p>
-            <a:r>
-              <a:rPr lang="en-US" dirty="0" err="1" smtClean="0"/>
-              <a:t>Mostrar</a:t>
-            </a:r>
-            <a:r>
-              <a:rPr lang="en-US" dirty="0" smtClean="0"/>
-              <a:t> </a:t>
-            </a:r>
-            <a:r>
-              <a:rPr lang="en-US" dirty="0" err="1" smtClean="0"/>
-              <a:t>distribución</a:t>
-            </a:r>
-            <a:r>
-              <a:rPr lang="en-US" dirty="0" smtClean="0"/>
-              <a:t> de </a:t>
-            </a:r>
-            <a:r>
-              <a:rPr lang="en-US" dirty="0" err="1" smtClean="0"/>
-              <a:t>grupos</a:t>
-            </a:r>
-            <a:r>
-              <a:rPr lang="en-US" dirty="0" smtClean="0"/>
-              <a:t> </a:t>
-            </a:r>
-            <a:r>
-              <a:rPr lang="en-US" dirty="0" err="1" smtClean="0"/>
-              <a:t>por</a:t>
-            </a:r>
-            <a:r>
-              <a:rPr lang="en-US" dirty="0" smtClean="0"/>
-              <a:t> </a:t>
-            </a:r>
-            <a:r>
-              <a:rPr lang="en-US" dirty="0" err="1" smtClean="0"/>
-              <a:t>profesores</a:t>
-            </a:r>
-            <a:r>
-              <a:rPr lang="en-US" dirty="0" smtClean="0"/>
-              <a:t>.</a:t>
-            </a:r>
-          </a:p>
-          <a:p>
-            <a:r>
-              <a:rPr lang="en-US" dirty="0" err="1" smtClean="0"/>
-              <a:t>Tener</a:t>
-            </a:r>
-            <a:r>
-              <a:rPr lang="en-US" dirty="0" smtClean="0"/>
-              <a:t> en </a:t>
-            </a:r>
-            <a:r>
-              <a:rPr lang="en-US" dirty="0" err="1" smtClean="0"/>
-              <a:t>cuenta</a:t>
-            </a:r>
-            <a:r>
-              <a:rPr lang="en-US" dirty="0" smtClean="0"/>
-              <a:t> el </a:t>
-            </a:r>
-            <a:r>
-              <a:rPr lang="en-US" dirty="0" err="1" smtClean="0"/>
-              <a:t>orden</a:t>
-            </a:r>
-            <a:r>
-              <a:rPr lang="en-US" dirty="0" smtClean="0"/>
-              <a:t> de </a:t>
-            </a:r>
-            <a:r>
-              <a:rPr lang="en-US" dirty="0" err="1" smtClean="0"/>
-              <a:t>prioridad</a:t>
-            </a:r>
-            <a:r>
-              <a:rPr lang="en-US" dirty="0" smtClean="0"/>
-              <a:t> para </a:t>
-            </a:r>
-            <a:r>
-              <a:rPr lang="en-US" dirty="0" err="1" smtClean="0"/>
-              <a:t>escoger</a:t>
-            </a:r>
-            <a:r>
-              <a:rPr lang="en-US" dirty="0" smtClean="0"/>
-              <a:t>.</a:t>
-            </a:r>
-          </a:p>
-          <a:p>
-            <a:r>
-              <a:rPr lang="en-US" dirty="0" err="1" smtClean="0"/>
-              <a:t>Envío</a:t>
-            </a:r>
-            <a:r>
-              <a:rPr lang="en-US" dirty="0" smtClean="0"/>
-              <a:t> </a:t>
-            </a:r>
-            <a:r>
-              <a:rPr lang="en-US" dirty="0" err="1" smtClean="0"/>
-              <a:t>automatico</a:t>
-            </a:r>
-            <a:r>
-              <a:rPr lang="en-US" dirty="0" smtClean="0"/>
-              <a:t> de mails para </a:t>
-            </a:r>
-            <a:r>
-              <a:rPr lang="en-US" dirty="0" err="1" smtClean="0"/>
-              <a:t>avisar</a:t>
-            </a:r>
-            <a:r>
-              <a:rPr lang="en-US" dirty="0" smtClean="0"/>
-              <a:t> a los </a:t>
-            </a:r>
-            <a:r>
-              <a:rPr lang="en-US" dirty="0" err="1" smtClean="0"/>
-              <a:t>profesores</a:t>
-            </a:r>
-            <a:r>
-              <a:rPr lang="en-US" dirty="0" smtClean="0"/>
-              <a:t> </a:t>
-            </a:r>
-            <a:r>
-              <a:rPr lang="en-US" dirty="0" err="1" smtClean="0"/>
-              <a:t>que</a:t>
-            </a:r>
-            <a:r>
-              <a:rPr lang="en-US" dirty="0" smtClean="0"/>
-              <a:t> </a:t>
-            </a:r>
-            <a:r>
-              <a:rPr lang="en-US" dirty="0" err="1" smtClean="0"/>
-              <a:t>ya</a:t>
-            </a:r>
-            <a:r>
-              <a:rPr lang="en-US" dirty="0" smtClean="0"/>
-              <a:t> </a:t>
-            </a:r>
-            <a:r>
-              <a:rPr lang="en-US" dirty="0" err="1" smtClean="0"/>
-              <a:t>pueden</a:t>
-            </a:r>
-            <a:r>
-              <a:rPr lang="en-US" dirty="0" smtClean="0"/>
-              <a:t> </a:t>
-            </a:r>
-            <a:r>
-              <a:rPr lang="en-US" dirty="0" err="1" smtClean="0"/>
-              <a:t>escoger</a:t>
-            </a:r>
-            <a:r>
-              <a:rPr lang="en-US" dirty="0" smtClean="0"/>
-              <a:t>.</a:t>
-            </a:r>
-          </a:p>
-          <a:p>
-            <a:r>
-              <a:rPr lang="en-US" dirty="0" err="1" smtClean="0"/>
-              <a:t>Descargar</a:t>
-            </a:r>
-            <a:r>
-              <a:rPr lang="en-US" dirty="0" smtClean="0"/>
-              <a:t> </a:t>
-            </a:r>
-            <a:r>
-              <a:rPr lang="en-US" dirty="0" err="1" smtClean="0"/>
-              <a:t>fichero</a:t>
-            </a:r>
-            <a:r>
-              <a:rPr lang="en-US" dirty="0" smtClean="0"/>
-              <a:t> Excel con </a:t>
-            </a:r>
-            <a:r>
-              <a:rPr lang="en-US" dirty="0" err="1" smtClean="0"/>
-              <a:t>toda</a:t>
-            </a:r>
-            <a:r>
-              <a:rPr lang="en-US" dirty="0" smtClean="0"/>
-              <a:t> la </a:t>
-            </a:r>
-            <a:r>
-              <a:rPr lang="en-US" dirty="0" err="1" smtClean="0"/>
-              <a:t>información</a:t>
-            </a:r>
-            <a:r>
-              <a:rPr lang="en-US" dirty="0" smtClean="0"/>
-              <a:t>.</a:t>
+        </p:txBody>
+      </p:sp>
+      <p:sp>
+        <p:nvSpPr>
+          <p:cNvPr id="6" name="5 CuadroTexto"/>
+          <p:cNvSpPr txBox="1"/>
+          <p:nvPr/>
+        </p:nvSpPr>
+        <p:spPr>
+          <a:xfrm>
+            <a:off x="2285999" y="5600138"/>
+            <a:ext cx="1347537" cy="646331"/>
+          </a:xfrm>
+          <a:prstGeom prst="rect">
+            <a:avLst/>
+          </a:prstGeom>
+          <a:noFill/>
+        </p:spPr>
+        <p:txBody>
+          <a:bodyPr wrap="square" rtlCol="0">
+            <a:spAutoFit/>
+          </a:bodyPr>
+          <a:lstStyle/>
+          <a:p>
+            <a:pPr algn="ctr"/>
+            <a:r>
+              <a:rPr lang="en-US" dirty="0"/>
+              <a:t>Cascading Style Sheets</a:t>
+            </a:r>
+            <a:endParaRPr lang="es-ES" dirty="0"/>
+          </a:p>
+        </p:txBody>
+      </p:sp>
+      <p:sp>
+        <p:nvSpPr>
+          <p:cNvPr id="8" name="7 Rectángulo"/>
+          <p:cNvSpPr/>
+          <p:nvPr/>
+        </p:nvSpPr>
+        <p:spPr>
+          <a:xfrm>
+            <a:off x="4004410" y="5588106"/>
+            <a:ext cx="1054969" cy="369332"/>
+          </a:xfrm>
+          <a:prstGeom prst="rect">
+            <a:avLst/>
+          </a:prstGeom>
+        </p:spPr>
+        <p:txBody>
+          <a:bodyPr wrap="none">
+            <a:spAutoFit/>
+          </a:bodyPr>
+          <a:lstStyle/>
+          <a:p>
+            <a:r>
+              <a:rPr lang="en-US" dirty="0" err="1"/>
+              <a:t>Javascript</a:t>
             </a:r>
             <a:endParaRPr lang="es-ES" dirty="0"/>
           </a:p>
@@ -7744,7 +7779,7 @@
     </p:spTree>
     <p:extLst>
       <p:ext uri="{BB962C8B-B14F-4D97-AF65-F5344CB8AC3E}">
-        <p14:creationId xmlns:p14="http://schemas.microsoft.com/office/powerpoint/2010/main" val="2344334353"/>
+        <p14:creationId xmlns:p14="http://schemas.microsoft.com/office/powerpoint/2010/main" val="3592212386"/>
       </p:ext>
     </p:extLst>
   </p:cSld>
@@ -7790,6 +7825,568 @@
         </p:nvSpPr>
         <p:spPr/>
         <p:txBody>
+          <a:bodyPr/>
+          <a:lstStyle/>
+          <a:p>
+            <a:r>
+              <a:rPr lang="es-ES" dirty="0" smtClean="0"/>
+              <a:t>ESPECIFICACIONES</a:t>
+            </a:r>
+            <a:endParaRPr lang="ca-ES" dirty="0"/>
+          </a:p>
+        </p:txBody>
+      </p:sp>
+      <p:sp>
+        <p:nvSpPr>
+          <p:cNvPr id="3" name="Marcador de número de diapositiva 2"/>
+          <p:cNvSpPr>
+            <a:spLocks noGrp="1"/>
+          </p:cNvSpPr>
+          <p:nvPr>
+            <p:ph type="sldNum" sz="quarter" idx="12"/>
+          </p:nvPr>
+        </p:nvSpPr>
+        <p:spPr/>
+        <p:txBody>
+          <a:bodyPr/>
+          <a:lstStyle/>
+          <a:p>
+            <a:fld id="{4F4CC500-C254-4A01-A1E9-3631BD4DF40D}" type="slidenum">
+              <a:rPr lang="ca-ES" smtClean="0"/>
+              <a:pPr/>
+              <a:t>11</a:t>
+            </a:fld>
+            <a:r>
+              <a:rPr lang="ca-ES" dirty="0" smtClean="0"/>
+              <a:t>/27</a:t>
+            </a:r>
+            <a:endParaRPr lang="ca-ES" dirty="0"/>
+          </a:p>
+        </p:txBody>
+      </p:sp>
+      <p:sp>
+        <p:nvSpPr>
+          <p:cNvPr id="4" name="Content Placeholder 3"/>
+          <p:cNvSpPr>
+            <a:spLocks noGrp="1"/>
+          </p:cNvSpPr>
+          <p:nvPr>
+            <p:ph idx="1"/>
+          </p:nvPr>
+        </p:nvSpPr>
+        <p:spPr>
+          <a:xfrm>
+            <a:off x="684665" y="2386820"/>
+            <a:ext cx="11029615" cy="3678303"/>
+          </a:xfrm>
+        </p:spPr>
+        <p:txBody>
+          <a:bodyPr>
+            <a:noAutofit/>
+          </a:bodyPr>
+          <a:lstStyle/>
+          <a:p>
+            <a:pPr>
+              <a:lnSpc>
+                <a:spcPts val="3000"/>
+              </a:lnSpc>
+            </a:pPr>
+            <a:r>
+              <a:rPr lang="en-US" sz="2000" dirty="0" err="1" smtClean="0"/>
+              <a:t>Profesores</a:t>
+            </a:r>
+            <a:r>
+              <a:rPr lang="en-US" sz="2000" dirty="0" smtClean="0"/>
+              <a:t>: </a:t>
+            </a:r>
+            <a:r>
+              <a:rPr lang="en-US" sz="2000" dirty="0" err="1" smtClean="0"/>
+              <a:t>Iniciar</a:t>
+            </a:r>
+            <a:r>
+              <a:rPr lang="en-US" sz="2000" dirty="0" smtClean="0"/>
+              <a:t> </a:t>
+            </a:r>
+            <a:r>
+              <a:rPr lang="en-US" sz="2000" dirty="0" err="1" smtClean="0"/>
+              <a:t>sesión</a:t>
+            </a:r>
+            <a:r>
+              <a:rPr lang="en-US" sz="2000" dirty="0" smtClean="0"/>
+              <a:t> con email y DNI </a:t>
+            </a:r>
+            <a:r>
+              <a:rPr lang="en-US" sz="2000" dirty="0" err="1" smtClean="0"/>
+              <a:t>como</a:t>
+            </a:r>
+            <a:r>
+              <a:rPr lang="en-US" sz="2000" dirty="0" smtClean="0"/>
+              <a:t> </a:t>
+            </a:r>
+            <a:r>
+              <a:rPr lang="en-US" sz="2000" dirty="0" err="1" smtClean="0"/>
+              <a:t>contraseña</a:t>
+            </a:r>
+            <a:r>
+              <a:rPr lang="en-US" sz="2000" dirty="0" smtClean="0"/>
+              <a:t>.</a:t>
+            </a:r>
+            <a:endParaRPr lang="en-US" sz="2000" dirty="0"/>
+          </a:p>
+          <a:p>
+            <a:pPr>
+              <a:lnSpc>
+                <a:spcPts val="3000"/>
+              </a:lnSpc>
+            </a:pPr>
+            <a:r>
+              <a:rPr lang="en-US" sz="2000" dirty="0" err="1" smtClean="0"/>
+              <a:t>Usuario</a:t>
+            </a:r>
+            <a:r>
+              <a:rPr lang="en-US" sz="2000" dirty="0" smtClean="0"/>
+              <a:t> </a:t>
+            </a:r>
+            <a:r>
+              <a:rPr lang="en-US" sz="2000" dirty="0" err="1" smtClean="0"/>
+              <a:t>administrador</a:t>
+            </a:r>
+            <a:r>
+              <a:rPr lang="en-US" sz="2000" dirty="0" smtClean="0"/>
+              <a:t> para </a:t>
+            </a:r>
+            <a:r>
+              <a:rPr lang="en-US" sz="2000" dirty="0" err="1" smtClean="0"/>
+              <a:t>gestionar</a:t>
+            </a:r>
+            <a:r>
+              <a:rPr lang="en-US" sz="2000" dirty="0" smtClean="0"/>
+              <a:t> la </a:t>
+            </a:r>
+            <a:r>
+              <a:rPr lang="en-US" sz="2000" dirty="0" err="1" smtClean="0"/>
+              <a:t>herramienta</a:t>
+            </a:r>
+            <a:r>
+              <a:rPr lang="en-US" sz="2000" dirty="0" smtClean="0"/>
+              <a:t>.</a:t>
+            </a:r>
+          </a:p>
+          <a:p>
+            <a:pPr>
+              <a:lnSpc>
+                <a:spcPts val="3000"/>
+              </a:lnSpc>
+            </a:pPr>
+            <a:r>
+              <a:rPr lang="en-US" sz="2000" dirty="0" err="1" smtClean="0"/>
+              <a:t>Subir</a:t>
+            </a:r>
+            <a:r>
+              <a:rPr lang="en-US" sz="2000" dirty="0" smtClean="0"/>
+              <a:t> </a:t>
+            </a:r>
+            <a:r>
+              <a:rPr lang="en-US" sz="2000" dirty="0" err="1" smtClean="0"/>
+              <a:t>archivos</a:t>
+            </a:r>
+            <a:r>
+              <a:rPr lang="en-US" sz="2000" dirty="0" smtClean="0"/>
+              <a:t> CSV para </a:t>
+            </a:r>
+            <a:r>
+              <a:rPr lang="en-US" sz="2000" dirty="0" err="1" smtClean="0"/>
+              <a:t>crear</a:t>
+            </a:r>
+            <a:r>
+              <a:rPr lang="en-US" sz="2000" dirty="0" smtClean="0"/>
+              <a:t> la base de </a:t>
+            </a:r>
+            <a:r>
+              <a:rPr lang="en-US" sz="2000" dirty="0" err="1" smtClean="0"/>
+              <a:t>datos</a:t>
+            </a:r>
+            <a:r>
+              <a:rPr lang="en-US" sz="2000" dirty="0" smtClean="0"/>
+              <a:t>.</a:t>
+            </a:r>
+            <a:endParaRPr lang="es-ES" sz="2000" dirty="0"/>
+          </a:p>
+          <a:p>
+            <a:pPr>
+              <a:lnSpc>
+                <a:spcPts val="3000"/>
+              </a:lnSpc>
+            </a:pPr>
+            <a:r>
+              <a:rPr lang="en-US" sz="2000" dirty="0" err="1" smtClean="0"/>
+              <a:t>Permitir</a:t>
+            </a:r>
+            <a:r>
+              <a:rPr lang="en-US" sz="2000" dirty="0" smtClean="0"/>
+              <a:t> al </a:t>
+            </a:r>
+            <a:r>
+              <a:rPr lang="en-US" sz="2000" dirty="0" err="1" smtClean="0"/>
+              <a:t>equipo</a:t>
+            </a:r>
+            <a:r>
+              <a:rPr lang="en-US" sz="2000" dirty="0" smtClean="0"/>
+              <a:t> </a:t>
+            </a:r>
+            <a:r>
+              <a:rPr lang="en-US" sz="2000" dirty="0" err="1" smtClean="0"/>
+              <a:t>docente</a:t>
+            </a:r>
+            <a:r>
+              <a:rPr lang="en-US" sz="2000" dirty="0" smtClean="0"/>
+              <a:t> </a:t>
+            </a:r>
+            <a:r>
+              <a:rPr lang="en-US" sz="2000" dirty="0" err="1" smtClean="0"/>
+              <a:t>escoger</a:t>
+            </a:r>
+            <a:r>
+              <a:rPr lang="en-US" sz="2000" dirty="0" smtClean="0"/>
+              <a:t> </a:t>
+            </a:r>
+            <a:r>
+              <a:rPr lang="en-US" sz="2000" dirty="0" err="1" smtClean="0"/>
+              <a:t>asignaturas</a:t>
+            </a:r>
+            <a:r>
+              <a:rPr lang="en-US" sz="2000" dirty="0" smtClean="0"/>
+              <a:t> para </a:t>
+            </a:r>
+            <a:r>
+              <a:rPr lang="en-US" sz="2000" dirty="0" err="1" smtClean="0"/>
+              <a:t>imaprtir</a:t>
+            </a:r>
+            <a:r>
+              <a:rPr lang="en-US" sz="2000" dirty="0" smtClean="0"/>
+              <a:t> el </a:t>
+            </a:r>
+            <a:r>
+              <a:rPr lang="en-US" sz="2000" dirty="0" err="1" smtClean="0"/>
+              <a:t>siguiente</a:t>
+            </a:r>
+            <a:r>
+              <a:rPr lang="en-US" sz="2000" dirty="0" smtClean="0"/>
+              <a:t> </a:t>
+            </a:r>
+            <a:r>
+              <a:rPr lang="en-US" sz="2000" dirty="0" err="1" smtClean="0"/>
+              <a:t>curso</a:t>
+            </a:r>
+            <a:r>
+              <a:rPr lang="en-US" sz="2000" dirty="0" smtClean="0"/>
+              <a:t> </a:t>
+            </a:r>
+            <a:r>
+              <a:rPr lang="en-US" sz="2000" dirty="0" err="1" smtClean="0"/>
+              <a:t>académico</a:t>
+            </a:r>
+            <a:r>
+              <a:rPr lang="en-US" sz="2000" dirty="0" smtClean="0"/>
+              <a:t>.</a:t>
+            </a:r>
+          </a:p>
+          <a:p>
+            <a:pPr>
+              <a:lnSpc>
+                <a:spcPts val="3000"/>
+              </a:lnSpc>
+            </a:pPr>
+            <a:r>
+              <a:rPr lang="en-US" sz="2000" dirty="0" err="1" smtClean="0"/>
+              <a:t>Mostrar</a:t>
+            </a:r>
+            <a:r>
+              <a:rPr lang="en-US" sz="2000" dirty="0" smtClean="0"/>
+              <a:t> la </a:t>
+            </a:r>
+            <a:r>
+              <a:rPr lang="en-US" sz="2000" dirty="0" err="1" smtClean="0"/>
+              <a:t>situación</a:t>
+            </a:r>
+            <a:r>
+              <a:rPr lang="en-US" sz="2000" dirty="0" smtClean="0"/>
+              <a:t> actual de </a:t>
+            </a:r>
+            <a:r>
+              <a:rPr lang="en-US" sz="2000" dirty="0" err="1" smtClean="0"/>
+              <a:t>ocupación</a:t>
+            </a:r>
+            <a:r>
+              <a:rPr lang="en-US" sz="2000" dirty="0" smtClean="0"/>
+              <a:t> de </a:t>
+            </a:r>
+            <a:r>
+              <a:rPr lang="en-US" sz="2000" dirty="0" err="1" smtClean="0"/>
+              <a:t>asignaturas</a:t>
+            </a:r>
+            <a:r>
+              <a:rPr lang="en-US" sz="2000" dirty="0" smtClean="0"/>
+              <a:t>.</a:t>
+            </a:r>
+            <a:endParaRPr lang="en-US" sz="2000" dirty="0"/>
+          </a:p>
+          <a:p>
+            <a:pPr>
+              <a:lnSpc>
+                <a:spcPts val="3000"/>
+              </a:lnSpc>
+            </a:pPr>
+            <a:r>
+              <a:rPr lang="en-US" sz="2000" dirty="0" err="1" smtClean="0"/>
+              <a:t>Mostrar</a:t>
+            </a:r>
+            <a:r>
+              <a:rPr lang="en-US" sz="2000" dirty="0" smtClean="0"/>
+              <a:t> </a:t>
+            </a:r>
+            <a:r>
+              <a:rPr lang="en-US" sz="2000" dirty="0" err="1" smtClean="0"/>
+              <a:t>distribución</a:t>
+            </a:r>
+            <a:r>
+              <a:rPr lang="en-US" sz="2000" dirty="0" smtClean="0"/>
+              <a:t> de </a:t>
+            </a:r>
+            <a:r>
+              <a:rPr lang="en-US" sz="2000" dirty="0" err="1" smtClean="0"/>
+              <a:t>grupos</a:t>
+            </a:r>
+            <a:r>
+              <a:rPr lang="en-US" sz="2000" dirty="0" smtClean="0"/>
+              <a:t> </a:t>
+            </a:r>
+            <a:r>
+              <a:rPr lang="en-US" sz="2000" dirty="0" err="1" smtClean="0"/>
+              <a:t>por</a:t>
+            </a:r>
+            <a:r>
+              <a:rPr lang="en-US" sz="2000" dirty="0" smtClean="0"/>
+              <a:t> </a:t>
+            </a:r>
+            <a:r>
+              <a:rPr lang="en-US" sz="2000" dirty="0" err="1" smtClean="0"/>
+              <a:t>profesores</a:t>
+            </a:r>
+            <a:r>
+              <a:rPr lang="en-US" sz="2000" dirty="0" smtClean="0"/>
+              <a:t>.</a:t>
+            </a:r>
+          </a:p>
+          <a:p>
+            <a:pPr>
+              <a:lnSpc>
+                <a:spcPts val="3000"/>
+              </a:lnSpc>
+            </a:pPr>
+            <a:r>
+              <a:rPr lang="en-US" sz="2000" dirty="0" err="1" smtClean="0"/>
+              <a:t>Tener</a:t>
+            </a:r>
+            <a:r>
+              <a:rPr lang="en-US" sz="2000" dirty="0" smtClean="0"/>
+              <a:t> en </a:t>
+            </a:r>
+            <a:r>
+              <a:rPr lang="en-US" sz="2000" dirty="0" err="1" smtClean="0"/>
+              <a:t>cuenta</a:t>
+            </a:r>
+            <a:r>
+              <a:rPr lang="en-US" sz="2000" dirty="0" smtClean="0"/>
+              <a:t> el </a:t>
+            </a:r>
+            <a:r>
+              <a:rPr lang="en-US" sz="2000" dirty="0" err="1" smtClean="0"/>
+              <a:t>orden</a:t>
+            </a:r>
+            <a:r>
+              <a:rPr lang="en-US" sz="2000" dirty="0" smtClean="0"/>
+              <a:t> de </a:t>
+            </a:r>
+            <a:r>
+              <a:rPr lang="en-US" sz="2000" dirty="0" err="1" smtClean="0"/>
+              <a:t>prioridad</a:t>
+            </a:r>
+            <a:r>
+              <a:rPr lang="en-US" sz="2000" dirty="0" smtClean="0"/>
+              <a:t> para </a:t>
+            </a:r>
+            <a:r>
+              <a:rPr lang="en-US" sz="2000" dirty="0" err="1" smtClean="0"/>
+              <a:t>escoger</a:t>
+            </a:r>
+            <a:r>
+              <a:rPr lang="en-US" sz="2000" dirty="0" smtClean="0"/>
+              <a:t>.</a:t>
+            </a:r>
+          </a:p>
+          <a:p>
+            <a:pPr>
+              <a:lnSpc>
+                <a:spcPts val="3000"/>
+              </a:lnSpc>
+            </a:pPr>
+            <a:r>
+              <a:rPr lang="en-US" sz="2000" dirty="0" err="1" smtClean="0"/>
+              <a:t>Envío</a:t>
+            </a:r>
+            <a:r>
+              <a:rPr lang="en-US" sz="2000" dirty="0" smtClean="0"/>
+              <a:t> </a:t>
+            </a:r>
+            <a:r>
+              <a:rPr lang="en-US" sz="2000" dirty="0" err="1" smtClean="0"/>
+              <a:t>automatico</a:t>
+            </a:r>
+            <a:r>
+              <a:rPr lang="en-US" sz="2000" dirty="0" smtClean="0"/>
+              <a:t> de mails para </a:t>
+            </a:r>
+            <a:r>
+              <a:rPr lang="en-US" sz="2000" dirty="0" err="1" smtClean="0"/>
+              <a:t>avisar</a:t>
+            </a:r>
+            <a:r>
+              <a:rPr lang="en-US" sz="2000" dirty="0" smtClean="0"/>
+              <a:t> a los </a:t>
+            </a:r>
+            <a:r>
+              <a:rPr lang="en-US" sz="2000" dirty="0" err="1" smtClean="0"/>
+              <a:t>profesores</a:t>
+            </a:r>
+            <a:r>
+              <a:rPr lang="en-US" sz="2000" dirty="0" smtClean="0"/>
+              <a:t> </a:t>
+            </a:r>
+            <a:r>
+              <a:rPr lang="en-US" sz="2000" dirty="0" err="1" smtClean="0"/>
+              <a:t>que</a:t>
+            </a:r>
+            <a:r>
+              <a:rPr lang="en-US" sz="2000" dirty="0" smtClean="0"/>
+              <a:t> </a:t>
+            </a:r>
+            <a:r>
+              <a:rPr lang="en-US" sz="2000" dirty="0" err="1" smtClean="0"/>
+              <a:t>ya</a:t>
+            </a:r>
+            <a:r>
+              <a:rPr lang="en-US" sz="2000" dirty="0" smtClean="0"/>
+              <a:t> </a:t>
+            </a:r>
+            <a:r>
+              <a:rPr lang="en-US" sz="2000" dirty="0" err="1" smtClean="0"/>
+              <a:t>pueden</a:t>
+            </a:r>
+            <a:r>
+              <a:rPr lang="en-US" sz="2000" dirty="0" smtClean="0"/>
+              <a:t> </a:t>
+            </a:r>
+            <a:r>
+              <a:rPr lang="en-US" sz="2000" dirty="0" err="1" smtClean="0"/>
+              <a:t>escoger</a:t>
+            </a:r>
+            <a:r>
+              <a:rPr lang="en-US" sz="2000" dirty="0" smtClean="0"/>
+              <a:t>.</a:t>
+            </a:r>
+          </a:p>
+          <a:p>
+            <a:pPr>
+              <a:lnSpc>
+                <a:spcPts val="3000"/>
+              </a:lnSpc>
+            </a:pPr>
+            <a:r>
+              <a:rPr lang="en-US" sz="2000" dirty="0" err="1" smtClean="0"/>
+              <a:t>Descargar</a:t>
+            </a:r>
+            <a:r>
+              <a:rPr lang="en-US" sz="2000" dirty="0" smtClean="0"/>
+              <a:t> </a:t>
+            </a:r>
+            <a:r>
+              <a:rPr lang="en-US" sz="2000" dirty="0" err="1" smtClean="0"/>
+              <a:t>fichero</a:t>
+            </a:r>
+            <a:r>
+              <a:rPr lang="en-US" sz="2000" dirty="0" smtClean="0"/>
+              <a:t> Excel con </a:t>
+            </a:r>
+            <a:r>
+              <a:rPr lang="en-US" sz="2000" dirty="0" err="1" smtClean="0"/>
+              <a:t>toda</a:t>
+            </a:r>
+            <a:r>
+              <a:rPr lang="en-US" sz="2000" dirty="0" smtClean="0"/>
+              <a:t> la </a:t>
+            </a:r>
+            <a:r>
+              <a:rPr lang="en-US" sz="2000" dirty="0" err="1" smtClean="0"/>
+              <a:t>información</a:t>
+            </a:r>
+            <a:r>
+              <a:rPr lang="en-US" sz="2000" dirty="0" smtClean="0"/>
+              <a:t>.</a:t>
+            </a:r>
+            <a:endParaRPr lang="es-ES" sz="2000" dirty="0"/>
+          </a:p>
+        </p:txBody>
+      </p:sp>
+    </p:spTree>
+    <p:extLst>
+      <p:ext uri="{BB962C8B-B14F-4D97-AF65-F5344CB8AC3E}">
+        <p14:creationId xmlns:p14="http://schemas.microsoft.com/office/powerpoint/2010/main" val="2344334353"/>
+      </p:ext>
+    </p:extLst>
+  </p:cSld>
+  <p:clrMapOvr>
+    <a:masterClrMapping/>
+  </p:clrMapOvr>
+  <p:timing>
+    <p:tnLst>
+      <p:par>
+        <p:cTn id="1" dur="indefinite" restart="never" nodeType="tmRoot"/>
+      </p:par>
+    </p:tnLst>
+  </p:timing>
+</p:sld>
+</file>
+
+<file path=ppt/slides/slide12.xml><?xml version="1.0" encoding="utf-8"?>
+<p:sld xmlns:a="http://schemas.openxmlformats.org/drawingml/2006/main" xmlns:r="http://schemas.openxmlformats.org/officeDocument/2006/relationships" xmlns:p="http://schemas.openxmlformats.org/presentationml/2006/main">
+  <p:cSld>
+    <p:spTree>
+      <p:nvGrpSpPr>
+        <p:cNvPr id="1" name=""/>
+        <p:cNvGrpSpPr/>
+        <p:nvPr/>
+      </p:nvGrpSpPr>
+      <p:grpSpPr>
+        <a:xfrm>
+          <a:off x="0" y="0"/>
+          <a:ext cx="0" cy="0"/>
+          <a:chOff x="0" y="0"/>
+          <a:chExt cx="0" cy="0"/>
+        </a:xfrm>
+      </p:grpSpPr>
+      <p:sp>
+        <p:nvSpPr>
+          <p:cNvPr id="2" name="Título 1"/>
+          <p:cNvSpPr>
+            <a:spLocks noGrp="1"/>
+          </p:cNvSpPr>
+          <p:nvPr>
+            <p:ph type="title"/>
+          </p:nvPr>
+        </p:nvSpPr>
+        <p:spPr/>
+        <p:txBody>
           <a:bodyPr>
             <a:normAutofit/>
           </a:bodyPr>
@@ -8006,11 +8603,11 @@
             <a:fld id="{4F4CC500-C254-4A01-A1E9-3631BD4DF40D}" type="slidenum">
               <a:rPr lang="ca-ES" smtClean="0"/>
               <a:pPr/>
-              <a:t>11</a:t>
+              <a:t>12</a:t>
             </a:fld>
             <a:r>
-              <a:rPr lang="ca-ES" smtClean="0"/>
-              <a:t>/22</a:t>
+              <a:rPr lang="ca-ES" dirty="0" smtClean="0"/>
+              <a:t>/27</a:t>
             </a:r>
             <a:endParaRPr lang="ca-ES" dirty="0"/>
           </a:p>
@@ -8482,7 +9079,7 @@
 </p:sld>
 </file>
 
-<file path=ppt/slides/slide12.xml><?xml version="1.0" encoding="utf-8"?>
+<file path=ppt/slides/slide13.xml><?xml version="1.0" encoding="utf-8"?>
 <p:sld xmlns:a="http://schemas.openxmlformats.org/drawingml/2006/main" xmlns:r="http://schemas.openxmlformats.org/officeDocument/2006/relationships" xmlns:p="http://schemas.openxmlformats.org/presentationml/2006/main">
   <p:cSld>
     <p:spTree>
@@ -8538,13 +9135,13 @@
         </p:nvSpPr>
         <p:spPr>
           <a:xfrm>
-            <a:off x="581192" y="2180496"/>
-            <a:ext cx="11029615" cy="3872832"/>
+            <a:off x="581192" y="2180495"/>
+            <a:ext cx="11029615" cy="4244367"/>
           </a:xfrm>
         </p:spPr>
         <p:txBody>
           <a:bodyPr anchor="t">
-            <a:normAutofit/>
+            <a:normAutofit fontScale="70000" lnSpcReduction="20000"/>
           </a:bodyPr>
           <a:lstStyle/>
           <a:p>
@@ -8552,107 +9149,147 @@
               <a:buNone/>
             </a:pPr>
             <a:r>
-              <a:rPr lang="es-ES" b="1" dirty="0" smtClean="0"/>
+              <a:rPr lang="es-ES" sz="2800" b="1" dirty="0" smtClean="0"/>
               <a:t>¿Por qué PHP?</a:t>
             </a:r>
           </a:p>
           <a:p>
-            <a:r>
-              <a:rPr lang="es-ES" dirty="0" smtClean="0"/>
+            <a:pPr>
+              <a:lnSpc>
+                <a:spcPts val="2640"/>
+              </a:lnSpc>
+            </a:pPr>
+            <a:r>
+              <a:rPr lang="es-ES" sz="2800" dirty="0" smtClean="0"/>
               <a:t>Reto: aprender nuevo lenguaje de programación</a:t>
             </a:r>
           </a:p>
           <a:p>
-            <a:r>
-              <a:rPr lang="es-ES" dirty="0" smtClean="0"/>
+            <a:pPr>
+              <a:lnSpc>
+                <a:spcPts val="2640"/>
+              </a:lnSpc>
+            </a:pPr>
+            <a:r>
+              <a:rPr lang="es-ES" sz="2800" dirty="0" smtClean="0"/>
               <a:t>Para sitios dinámicos , interactuando con HTML y con bases de datos.</a:t>
             </a:r>
           </a:p>
           <a:p>
-            <a:r>
-              <a:rPr lang="es-ES" dirty="0"/>
+            <a:pPr>
+              <a:lnSpc>
+                <a:spcPts val="2640"/>
+              </a:lnSpc>
+            </a:pPr>
+            <a:r>
+              <a:rPr lang="es-ES" sz="2800" dirty="0"/>
               <a:t>G</a:t>
             </a:r>
             <a:r>
-              <a:rPr lang="es-ES" dirty="0" smtClean="0"/>
+              <a:rPr lang="es-ES" sz="2800" dirty="0" smtClean="0"/>
               <a:t>ratuito</a:t>
             </a:r>
             <a:r>
-              <a:rPr lang="es-ES" dirty="0"/>
+              <a:rPr lang="es-ES" sz="2800" dirty="0"/>
               <a:t> </a:t>
             </a:r>
           </a:p>
           <a:p>
-            <a:r>
-              <a:rPr lang="es-ES" dirty="0" smtClean="0"/>
+            <a:pPr>
+              <a:lnSpc>
+                <a:spcPts val="2640"/>
+              </a:lnSpc>
+            </a:pPr>
+            <a:r>
+              <a:rPr lang="es-ES" sz="2800" dirty="0" smtClean="0"/>
               <a:t>Multiplataforma</a:t>
             </a:r>
             <a:r>
-              <a:rPr lang="es-ES" dirty="0"/>
+              <a:rPr lang="es-ES" sz="2800" dirty="0"/>
               <a:t> , se puede instalar en cualquier sistema, ya sea Windows, Linux o Mac.</a:t>
             </a:r>
           </a:p>
           <a:p>
-            <a:r>
-              <a:rPr lang="es-ES" dirty="0"/>
+            <a:pPr>
+              <a:lnSpc>
+                <a:spcPts val="2640"/>
+              </a:lnSpc>
+            </a:pPr>
+            <a:r>
+              <a:rPr lang="es-ES" sz="2800" dirty="0"/>
               <a:t>C</a:t>
             </a:r>
             <a:r>
-              <a:rPr lang="es-ES" dirty="0" smtClean="0"/>
+              <a:rPr lang="es-ES" sz="2800" dirty="0" smtClean="0"/>
               <a:t>urva </a:t>
             </a:r>
             <a:r>
-              <a:rPr lang="es-ES" dirty="0"/>
+              <a:rPr lang="es-ES" sz="2800" dirty="0"/>
               <a:t>de aprendizaje </a:t>
             </a:r>
             <a:r>
-              <a:rPr lang="es-ES" dirty="0" smtClean="0"/>
+              <a:rPr lang="es-ES" sz="2800" dirty="0" smtClean="0"/>
               <a:t>baja.</a:t>
             </a:r>
-            <a:endParaRPr lang="es-ES" dirty="0"/>
-          </a:p>
-          <a:p>
-            <a:r>
-              <a:rPr lang="es-ES" dirty="0" smtClean="0"/>
+            <a:endParaRPr lang="es-ES" sz="2800" dirty="0"/>
+          </a:p>
+          <a:p>
+            <a:pPr>
+              <a:lnSpc>
+                <a:spcPts val="2640"/>
+              </a:lnSpc>
+            </a:pPr>
+            <a:r>
+              <a:rPr lang="es-ES" sz="2800" dirty="0" smtClean="0"/>
               <a:t>La</a:t>
             </a:r>
             <a:r>
-              <a:rPr lang="es-ES" dirty="0"/>
+              <a:rPr lang="es-ES" sz="2800" dirty="0"/>
               <a:t> interacción entre PHP y HTML es muy sencilla .</a:t>
             </a:r>
           </a:p>
           <a:p>
-            <a:r>
-              <a:rPr lang="es-ES" dirty="0" smtClean="0"/>
+            <a:pPr>
+              <a:lnSpc>
+                <a:spcPts val="2640"/>
+              </a:lnSpc>
+            </a:pPr>
+            <a:r>
+              <a:rPr lang="es-ES" sz="2800" dirty="0" smtClean="0"/>
               <a:t>Es </a:t>
             </a:r>
             <a:r>
-              <a:rPr lang="es-ES" dirty="0"/>
+              <a:rPr lang="es-ES" sz="2800" dirty="0"/>
               <a:t>un lenguaje muy sólido y maduro , lleva muchos años en el mercado y se ha ido perfeccionando</a:t>
             </a:r>
             <a:r>
-              <a:rPr lang="es-ES" dirty="0" smtClean="0"/>
+              <a:rPr lang="es-ES" sz="2800" dirty="0" smtClean="0"/>
               <a:t>.</a:t>
             </a:r>
           </a:p>
           <a:p>
-            <a:r>
-              <a:rPr lang="es-ES" dirty="0" smtClean="0"/>
+            <a:pPr>
+              <a:lnSpc>
+                <a:spcPts val="2640"/>
+              </a:lnSpc>
+            </a:pPr>
+            <a:r>
+              <a:rPr lang="es-ES" sz="2800" dirty="0" smtClean="0"/>
               <a:t> Gran </a:t>
             </a:r>
             <a:r>
-              <a:rPr lang="es-ES" dirty="0"/>
+              <a:rPr lang="es-ES" sz="2800" dirty="0"/>
               <a:t>demanda </a:t>
             </a:r>
             <a:r>
-              <a:rPr lang="es-ES" dirty="0" smtClean="0"/>
+              <a:rPr lang="es-ES" sz="2800" dirty="0" smtClean="0"/>
               <a:t>laboral</a:t>
             </a:r>
             <a:r>
-              <a:rPr lang="es-ES" dirty="0"/>
+              <a:rPr lang="es-ES" sz="2800" dirty="0"/>
               <a:t>.</a:t>
             </a:r>
-            <a:endParaRPr lang="es-ES" dirty="0" smtClean="0"/>
+            <a:endParaRPr lang="es-ES" sz="2800" dirty="0" smtClean="0"/>
           </a:p>
           <a:p>
             <a:endParaRPr lang="es-ES" dirty="0"/>
@@ -8677,11 +9314,11 @@
             <a:fld id="{4F4CC500-C254-4A01-A1E9-3631BD4DF40D}" type="slidenum">
               <a:rPr lang="ca-ES" smtClean="0"/>
               <a:pPr/>
-              <a:t>12</a:t>
+              <a:t>13</a:t>
             </a:fld>
             <a:r>
-              <a:rPr lang="ca-ES" smtClean="0"/>
-              <a:t>/22</a:t>
+              <a:rPr lang="ca-ES" dirty="0" smtClean="0"/>
+              <a:t>/27</a:t>
             </a:r>
             <a:endParaRPr lang="ca-ES" dirty="0"/>
           </a:p>
@@ -8707,7 +9344,7 @@
 </p:sld>
 </file>
 
-<file path=ppt/slides/slide13.xml><?xml version="1.0" encoding="utf-8"?>
+<file path=ppt/slides/slide14.xml><?xml version="1.0" encoding="utf-8"?>
 <p:sld xmlns:a="http://schemas.openxmlformats.org/drawingml/2006/main" xmlns:r="http://schemas.openxmlformats.org/officeDocument/2006/relationships" xmlns:p="http://schemas.openxmlformats.org/presentationml/2006/main">
   <p:cSld>
     <p:spTree>
@@ -8767,11 +9404,11 @@
             <a:fld id="{4F4CC500-C254-4A01-A1E9-3631BD4DF40D}" type="slidenum">
               <a:rPr lang="ca-ES" smtClean="0"/>
               <a:pPr/>
-              <a:t>13</a:t>
+              <a:t>14</a:t>
             </a:fld>
             <a:r>
-              <a:rPr lang="ca-ES" smtClean="0"/>
-              <a:t>/22</a:t>
+              <a:rPr lang="ca-ES" dirty="0" smtClean="0"/>
+              <a:t>/27</a:t>
             </a:r>
             <a:endParaRPr lang="ca-ES" dirty="0"/>
           </a:p>
@@ -8860,8 +9497,8 @@
         </p:blipFill>
         <p:spPr bwMode="auto">
           <a:xfrm>
-            <a:off x="929265" y="2618424"/>
-            <a:ext cx="10333468" cy="2802445"/>
+            <a:off x="599686" y="2618424"/>
+            <a:ext cx="11240563" cy="3048450"/>
           </a:xfrm>
           <a:prstGeom prst="rect">
             <a:avLst/>
@@ -8911,7 +9548,7 @@
 </p:sld>
 </file>
 
-<file path=ppt/slides/slide14.xml><?xml version="1.0" encoding="utf-8"?>
+<file path=ppt/slides/slide15.xml><?xml version="1.0" encoding="utf-8"?>
 <p:sld xmlns:a="http://schemas.openxmlformats.org/drawingml/2006/main" xmlns:r="http://schemas.openxmlformats.org/officeDocument/2006/relationships" xmlns:p="http://schemas.openxmlformats.org/presentationml/2006/main">
   <p:cSld>
     <p:spTree>
@@ -8971,11 +9608,11 @@
             <a:fld id="{4F4CC500-C254-4A01-A1E9-3631BD4DF40D}" type="slidenum">
               <a:rPr lang="ca-ES" smtClean="0"/>
               <a:pPr/>
-              <a:t>14</a:t>
+              <a:t>15</a:t>
             </a:fld>
             <a:r>
-              <a:rPr lang="ca-ES" smtClean="0"/>
-              <a:t>/22</a:t>
+              <a:rPr lang="ca-ES" dirty="0" smtClean="0"/>
+              <a:t>/27</a:t>
             </a:r>
             <a:endParaRPr lang="ca-ES" dirty="0"/>
           </a:p>
@@ -8990,7 +9627,7 @@
         <p:spPr>
           <a:xfrm>
             <a:off x="1289643" y="2118064"/>
-            <a:ext cx="3648117" cy="2416046"/>
+            <a:ext cx="3648117" cy="2825389"/>
           </a:xfrm>
           <a:prstGeom prst="rect">
             <a:avLst/>
@@ -9097,6 +9734,27 @@
               <a:buChar char=""/>
             </a:pPr>
             <a:endParaRPr lang="es-ES" dirty="0">
+              <a:solidFill>
+                <a:schemeClr val="tx2"/>
+              </a:solidFill>
+            </a:endParaRPr>
+          </a:p>
+          <a:p>
+            <a:pPr marL="306000" indent="-306000" defTabSz="457200">
+              <a:spcBef>
+                <a:spcPct val="20000"/>
+              </a:spcBef>
+              <a:spcAft>
+                <a:spcPts val="600"/>
+              </a:spcAft>
+              <a:buClr>
+                <a:schemeClr val="accent2"/>
+              </a:buClr>
+              <a:buSzPct val="92000"/>
+              <a:buFont typeface="Wingdings 2" panose="05020102010507070707" pitchFamily="18" charset="2"/>
+              <a:buChar char=""/>
+            </a:pPr>
+            <a:endParaRPr lang="es-ES" dirty="0" smtClean="0">
               <a:solidFill>
                 <a:schemeClr val="tx2"/>
               </a:solidFill>
@@ -9185,8 +9843,8 @@
         </p:blipFill>
         <p:spPr bwMode="auto">
           <a:xfrm>
-            <a:off x="1538433" y="2659720"/>
-            <a:ext cx="9115133" cy="1073902"/>
+            <a:off x="144379" y="2659718"/>
+            <a:ext cx="11930294" cy="1405571"/>
           </a:xfrm>
           <a:prstGeom prst="rect">
             <a:avLst/>
@@ -9239,8 +9897,8 @@
         </p:blipFill>
         <p:spPr bwMode="auto">
           <a:xfrm>
-            <a:off x="1538433" y="4796054"/>
-            <a:ext cx="3003550" cy="849313"/>
+            <a:off x="3695959" y="4905832"/>
+            <a:ext cx="4526273" cy="1279893"/>
           </a:xfrm>
           <a:prstGeom prst="rect">
             <a:avLst/>
@@ -9290,7 +9948,7 @@
 </p:sld>
 </file>
 
-<file path=ppt/slides/slide15.xml><?xml version="1.0" encoding="utf-8"?>
+<file path=ppt/slides/slide16.xml><?xml version="1.0" encoding="utf-8"?>
 <p:sld xmlns:a="http://schemas.openxmlformats.org/drawingml/2006/main" xmlns:r="http://schemas.openxmlformats.org/officeDocument/2006/relationships" xmlns:p="http://schemas.openxmlformats.org/presentationml/2006/main">
   <p:cSld>
     <p:spTree>
@@ -9350,11 +10008,11 @@
             <a:fld id="{4F4CC500-C254-4A01-A1E9-3631BD4DF40D}" type="slidenum">
               <a:rPr lang="ca-ES" smtClean="0"/>
               <a:pPr/>
-              <a:t>15</a:t>
+              <a:t>16</a:t>
             </a:fld>
             <a:r>
-              <a:rPr lang="ca-ES" smtClean="0"/>
-              <a:t>/22</a:t>
+              <a:rPr lang="ca-ES" dirty="0" smtClean="0"/>
+              <a:t>/27</a:t>
             </a:r>
             <a:endParaRPr lang="ca-ES" dirty="0"/>
           </a:p>
@@ -9443,8 +10101,8 @@
         </p:blipFill>
         <p:spPr bwMode="auto">
           <a:xfrm>
-            <a:off x="1289642" y="2889504"/>
-            <a:ext cx="4718663" cy="1837944"/>
+            <a:off x="2697336" y="2643805"/>
+            <a:ext cx="6951990" cy="2707837"/>
           </a:xfrm>
           <a:prstGeom prst="rect">
             <a:avLst/>
@@ -9494,7 +10152,7 @@
 </p:sld>
 </file>
 
-<file path=ppt/slides/slide16.xml><?xml version="1.0" encoding="utf-8"?>
+<file path=ppt/slides/slide17.xml><?xml version="1.0" encoding="utf-8"?>
 <p:sld xmlns:a="http://schemas.openxmlformats.org/drawingml/2006/main" xmlns:r="http://schemas.openxmlformats.org/officeDocument/2006/relationships" xmlns:p="http://schemas.openxmlformats.org/presentationml/2006/main">
   <p:cSld>
     <p:spTree>
@@ -9552,11 +10210,11 @@
             <a:fld id="{4F4CC500-C254-4A01-A1E9-3631BD4DF40D}" type="slidenum">
               <a:rPr lang="ca-ES" smtClean="0"/>
               <a:pPr/>
-              <a:t>16</a:t>
+              <a:t>17</a:t>
             </a:fld>
             <a:r>
-              <a:rPr lang="ca-ES" smtClean="0"/>
-              <a:t>/22</a:t>
+              <a:rPr lang="ca-ES" dirty="0" smtClean="0"/>
+              <a:t>/27</a:t>
             </a:r>
             <a:endParaRPr lang="ca-ES" dirty="0"/>
           </a:p>
@@ -9626,6 +10284,36 @@
           </a:extLst>
         </p:spPr>
       </p:pic>
+      <p:sp>
+        <p:nvSpPr>
+          <p:cNvPr id="4" name="3 CuadroTexto"/>
+          <p:cNvSpPr txBox="1"/>
+          <p:nvPr/>
+        </p:nvSpPr>
+        <p:spPr>
+          <a:xfrm>
+            <a:off x="721895" y="2598821"/>
+            <a:ext cx="2731168" cy="369332"/>
+          </a:xfrm>
+          <a:prstGeom prst="rect">
+            <a:avLst/>
+          </a:prstGeom>
+          <a:noFill/>
+        </p:spPr>
+        <p:txBody>
+          <a:bodyPr wrap="square" rtlCol="0">
+            <a:spAutoFit/>
+          </a:bodyPr>
+          <a:lstStyle/>
+          <a:p>
+            <a:r>
+              <a:rPr lang="es-ES" dirty="0" smtClean="0"/>
+              <a:t>LLETRA NEGRA</a:t>
+            </a:r>
+            <a:endParaRPr lang="es-ES" dirty="0"/>
+          </a:p>
+        </p:txBody>
+      </p:sp>
     </p:spTree>
     <p:extLst>
       <p:ext uri="{BB962C8B-B14F-4D97-AF65-F5344CB8AC3E}">
@@ -9646,7 +10334,7 @@
 </p:sld>
 </file>
 
-<file path=ppt/slides/slide17.xml><?xml version="1.0" encoding="utf-8"?>
+<file path=ppt/slides/slide18.xml><?xml version="1.0" encoding="utf-8"?>
 <p:sld xmlns:a="http://schemas.openxmlformats.org/drawingml/2006/main" xmlns:r="http://schemas.openxmlformats.org/officeDocument/2006/relationships" xmlns:p="http://schemas.openxmlformats.org/presentationml/2006/main">
   <p:cSld>
     <p:spTree>
@@ -9704,11 +10392,11 @@
             <a:fld id="{4F4CC500-C254-4A01-A1E9-3631BD4DF40D}" type="slidenum">
               <a:rPr lang="ca-ES" smtClean="0"/>
               <a:pPr/>
-              <a:t>17</a:t>
+              <a:t>18</a:t>
             </a:fld>
             <a:r>
-              <a:rPr lang="ca-ES" smtClean="0"/>
-              <a:t>/22</a:t>
+              <a:rPr lang="ca-ES" dirty="0" smtClean="0"/>
+              <a:t>/27</a:t>
             </a:r>
             <a:endParaRPr lang="ca-ES" dirty="0"/>
           </a:p>
@@ -9768,137 +10456,16 @@
           </a:extLst>
         </p:spPr>
       </p:pic>
-    </p:spTree>
-    <p:extLst>
-      <p:ext uri="{BB962C8B-B14F-4D97-AF65-F5344CB8AC3E}">
-        <p14:creationId xmlns:p14="http://schemas.microsoft.com/office/powerpoint/2010/main" val="3538421907"/>
-      </p:ext>
-    </p:extLst>
-  </p:cSld>
-  <p:clrMapOvr>
-    <a:masterClrMapping/>
-  </p:clrMapOvr>
-  <p:timing>
-    <p:tnLst>
-      <p:par>
-        <p:cTn id="1" dur="indefinite" restart="never" nodeType="tmRoot"/>
-      </p:par>
-    </p:tnLst>
-  </p:timing>
-</p:sld>
-</file>
-
-<file path=ppt/slides/slide18.xml><?xml version="1.0" encoding="utf-8"?>
-<p:sld xmlns:a="http://schemas.openxmlformats.org/drawingml/2006/main" xmlns:r="http://schemas.openxmlformats.org/officeDocument/2006/relationships" xmlns:p="http://schemas.openxmlformats.org/presentationml/2006/main">
-  <p:cSld>
-    <p:spTree>
-      <p:nvGrpSpPr>
-        <p:cNvPr id="1" name=""/>
-        <p:cNvGrpSpPr/>
-        <p:nvPr/>
-      </p:nvGrpSpPr>
-      <p:grpSpPr>
-        <a:xfrm>
-          <a:off x="0" y="0"/>
-          <a:ext cx="0" cy="0"/>
-          <a:chOff x="0" y="0"/>
-          <a:chExt cx="0" cy="0"/>
-        </a:xfrm>
-      </p:grpSpPr>
-      <p:sp>
-        <p:nvSpPr>
-          <p:cNvPr id="2" name="Título 1"/>
-          <p:cNvSpPr>
-            <a:spLocks noGrp="1"/>
-          </p:cNvSpPr>
-          <p:nvPr>
-            <p:ph type="title"/>
-          </p:nvPr>
-        </p:nvSpPr>
-        <p:spPr/>
-        <p:txBody>
-          <a:bodyPr/>
-          <a:lstStyle/>
-          <a:p>
-            <a:r>
-              <a:rPr lang="es-ES" dirty="0" smtClean="0"/>
-              <a:t>Demo</a:t>
-            </a:r>
-            <a:endParaRPr lang="ca-ES" dirty="0"/>
-          </a:p>
-        </p:txBody>
-      </p:sp>
-      <p:sp>
-        <p:nvSpPr>
-          <p:cNvPr id="3" name="Marcador de número de diapositiva 2"/>
-          <p:cNvSpPr>
-            <a:spLocks noGrp="1"/>
-          </p:cNvSpPr>
-          <p:nvPr>
-            <p:ph type="sldNum" sz="quarter" idx="12"/>
-          </p:nvPr>
-        </p:nvSpPr>
-        <p:spPr/>
-        <p:txBody>
-          <a:bodyPr/>
-          <a:lstStyle/>
-          <a:p>
-            <a:fld id="{4F4CC500-C254-4A01-A1E9-3631BD4DF40D}" type="slidenum">
-              <a:rPr lang="ca-ES" smtClean="0"/>
-              <a:pPr/>
-              <a:t>18</a:t>
-            </a:fld>
-            <a:r>
-              <a:rPr lang="ca-ES" smtClean="0"/>
-              <a:t>/22</a:t>
-            </a:r>
-            <a:endParaRPr lang="ca-ES" dirty="0"/>
-          </a:p>
-        </p:txBody>
-      </p:sp>
-      <p:pic>
-        <p:nvPicPr>
-          <p:cNvPr id="7" name="Picture 6"/>
-          <p:cNvPicPr/>
-          <p:nvPr/>
-        </p:nvPicPr>
-        <p:blipFill>
-          <a:blip r:embed="rId2" cstate="print">
-            <a:extLst>
-              <a:ext uri="{28A0092B-C50C-407E-A947-70E740481C1C}">
-                <a14:useLocalDpi xmlns:a14="http://schemas.microsoft.com/office/drawing/2010/main" val="0"/>
-              </a:ext>
-            </a:extLst>
-          </a:blip>
-          <a:srcRect/>
-          <a:stretch>
-            <a:fillRect/>
-          </a:stretch>
-        </p:blipFill>
-        <p:spPr bwMode="auto">
-          <a:xfrm>
-            <a:off x="3200400" y="2948114"/>
-            <a:ext cx="5960681" cy="2840038"/>
-          </a:xfrm>
-          <a:prstGeom prst="rect">
-            <a:avLst/>
-          </a:prstGeom>
-          <a:noFill/>
-          <a:ln>
-            <a:noFill/>
-          </a:ln>
-        </p:spPr>
-      </p:pic>
-      <p:sp>
-        <p:nvSpPr>
-          <p:cNvPr id="8" name="TextBox 7"/>
+      <p:sp>
+        <p:nvSpPr>
+          <p:cNvPr id="3" name="2 CuadroTexto"/>
           <p:cNvSpPr txBox="1"/>
           <p:nvPr/>
         </p:nvSpPr>
         <p:spPr>
           <a:xfrm>
-            <a:off x="1737360" y="2295144"/>
-            <a:ext cx="3515258" cy="646331"/>
+            <a:off x="1251284" y="2671011"/>
+            <a:ext cx="1347537" cy="646331"/>
           </a:xfrm>
           <a:prstGeom prst="rect">
             <a:avLst/>
@@ -9906,20 +10473,15 @@
           <a:noFill/>
         </p:spPr>
         <p:txBody>
-          <a:bodyPr wrap="none" rtlCol="0">
+          <a:bodyPr wrap="square" rtlCol="0">
             <a:spAutoFit/>
           </a:bodyPr>
           <a:lstStyle/>
           <a:p>
             <a:r>
-              <a:rPr lang="es-ES" dirty="0" smtClean="0">
-                <a:hlinkClick r:id="rId3"/>
-              </a:rPr>
-              <a:t>http://gestio-docent.byethost7.com/</a:t>
-            </a:r>
-            <a:endParaRPr lang="es-ES" dirty="0" smtClean="0"/>
-          </a:p>
-          <a:p>
+              <a:rPr lang="es-ES" dirty="0" smtClean="0"/>
+              <a:t>QUE ES VEGI BE</a:t>
+            </a:r>
             <a:endParaRPr lang="es-ES" dirty="0"/>
           </a:p>
         </p:txBody>
@@ -9927,7 +10489,7 @@
     </p:spTree>
     <p:extLst>
       <p:ext uri="{BB962C8B-B14F-4D97-AF65-F5344CB8AC3E}">
-        <p14:creationId xmlns:p14="http://schemas.microsoft.com/office/powerpoint/2010/main" val="332468425"/>
+        <p14:creationId xmlns:p14="http://schemas.microsoft.com/office/powerpoint/2010/main" val="3538421907"/>
       </p:ext>
     </p:extLst>
   </p:cSld>
@@ -9978,7 +10540,7 @@
           <a:p>
             <a:r>
               <a:rPr lang="es-ES" dirty="0" smtClean="0"/>
-              <a:t>Validación preliminar</a:t>
+              <a:t>Demo</a:t>
             </a:r>
             <a:endParaRPr lang="ca-ES" dirty="0"/>
           </a:p>
@@ -9986,41 +10548,7 @@
       </p:sp>
       <p:sp>
         <p:nvSpPr>
-          <p:cNvPr id="3" name="Marcador de contenido 2"/>
-          <p:cNvSpPr>
-            <a:spLocks noGrp="1"/>
-          </p:cNvSpPr>
-          <p:nvPr>
-            <p:ph idx="1"/>
-          </p:nvPr>
-        </p:nvSpPr>
-        <p:spPr/>
-        <p:txBody>
-          <a:bodyPr/>
-          <a:lstStyle/>
-          <a:p>
-            <a:r>
-              <a:rPr lang="es-ES" dirty="0" smtClean="0"/>
-              <a:t>10 sujetos </a:t>
-            </a:r>
-          </a:p>
-          <a:p>
-            <a:r>
-              <a:rPr lang="es-ES" dirty="0" smtClean="0"/>
-              <a:t>3 preguntas</a:t>
-            </a:r>
-          </a:p>
-          <a:p>
-            <a:pPr marL="324000" lvl="1" indent="0">
-              <a:buNone/>
-            </a:pPr>
-            <a:endParaRPr lang="es-ES" dirty="0" smtClean="0"/>
-          </a:p>
-        </p:txBody>
-      </p:sp>
-      <p:sp>
-        <p:nvSpPr>
-          <p:cNvPr id="4" name="Marcador de número de diapositiva 3"/>
+          <p:cNvPr id="3" name="Marcador de número de diapositiva 2"/>
           <p:cNvSpPr>
             <a:spLocks noGrp="1"/>
           </p:cNvSpPr>
@@ -10039,8 +10567,394 @@
               <a:t>19</a:t>
             </a:fld>
             <a:r>
+              <a:rPr lang="ca-ES" dirty="0" smtClean="0"/>
+              <a:t>/27</a:t>
+            </a:r>
+            <a:endParaRPr lang="ca-ES" dirty="0"/>
+          </a:p>
+        </p:txBody>
+      </p:sp>
+      <p:pic>
+        <p:nvPicPr>
+          <p:cNvPr id="7" name="Picture 6"/>
+          <p:cNvPicPr/>
+          <p:nvPr/>
+        </p:nvPicPr>
+        <p:blipFill>
+          <a:blip r:embed="rId2" cstate="print">
+            <a:extLst>
+              <a:ext uri="{28A0092B-C50C-407E-A947-70E740481C1C}">
+                <a14:useLocalDpi xmlns:a14="http://schemas.microsoft.com/office/drawing/2010/main" val="0"/>
+              </a:ext>
+            </a:extLst>
+          </a:blip>
+          <a:srcRect/>
+          <a:stretch>
+            <a:fillRect/>
+          </a:stretch>
+        </p:blipFill>
+        <p:spPr bwMode="auto">
+          <a:xfrm>
+            <a:off x="3140243" y="2948113"/>
+            <a:ext cx="6273502" cy="3079707"/>
+          </a:xfrm>
+          <a:prstGeom prst="rect">
+            <a:avLst/>
+          </a:prstGeom>
+          <a:noFill/>
+          <a:ln>
+            <a:noFill/>
+          </a:ln>
+        </p:spPr>
+      </p:pic>
+      <p:sp>
+        <p:nvSpPr>
+          <p:cNvPr id="8" name="TextBox 7"/>
+          <p:cNvSpPr txBox="1"/>
+          <p:nvPr/>
+        </p:nvSpPr>
+        <p:spPr>
+          <a:xfrm>
+            <a:off x="1737360" y="2295144"/>
+            <a:ext cx="3515258" cy="646331"/>
+          </a:xfrm>
+          <a:prstGeom prst="rect">
+            <a:avLst/>
+          </a:prstGeom>
+          <a:noFill/>
+        </p:spPr>
+        <p:txBody>
+          <a:bodyPr wrap="none" rtlCol="0">
+            <a:spAutoFit/>
+          </a:bodyPr>
+          <a:lstStyle/>
+          <a:p>
+            <a:r>
+              <a:rPr lang="es-ES" dirty="0" smtClean="0">
+                <a:hlinkClick r:id="rId3"/>
+              </a:rPr>
+              <a:t>http://gestio-docent.byethost7.com/</a:t>
+            </a:r>
+            <a:endParaRPr lang="es-ES" dirty="0" smtClean="0"/>
+          </a:p>
+          <a:p>
+            <a:endParaRPr lang="es-ES" dirty="0"/>
+          </a:p>
+        </p:txBody>
+      </p:sp>
+    </p:spTree>
+    <p:extLst>
+      <p:ext uri="{BB962C8B-B14F-4D97-AF65-F5344CB8AC3E}">
+        <p14:creationId xmlns:p14="http://schemas.microsoft.com/office/powerpoint/2010/main" val="332468425"/>
+      </p:ext>
+    </p:extLst>
+  </p:cSld>
+  <p:clrMapOvr>
+    <a:masterClrMapping/>
+  </p:clrMapOvr>
+  <p:timing>
+    <p:tnLst>
+      <p:par>
+        <p:cTn id="1" dur="indefinite" restart="never" nodeType="tmRoot"/>
+      </p:par>
+    </p:tnLst>
+  </p:timing>
+</p:sld>
+</file>
+
+<file path=ppt/slides/slide2.xml><?xml version="1.0" encoding="utf-8"?>
+<p:sld xmlns:a="http://schemas.openxmlformats.org/drawingml/2006/main" xmlns:r="http://schemas.openxmlformats.org/officeDocument/2006/relationships" xmlns:p="http://schemas.openxmlformats.org/presentationml/2006/main">
+  <p:cSld>
+    <p:spTree>
+      <p:nvGrpSpPr>
+        <p:cNvPr id="1" name=""/>
+        <p:cNvGrpSpPr/>
+        <p:nvPr/>
+      </p:nvGrpSpPr>
+      <p:grpSpPr>
+        <a:xfrm>
+          <a:off x="0" y="0"/>
+          <a:ext cx="0" cy="0"/>
+          <a:chOff x="0" y="0"/>
+          <a:chExt cx="0" cy="0"/>
+        </a:xfrm>
+      </p:grpSpPr>
+      <p:sp>
+        <p:nvSpPr>
+          <p:cNvPr id="2" name="Título 1"/>
+          <p:cNvSpPr>
+            <a:spLocks noGrp="1"/>
+          </p:cNvSpPr>
+          <p:nvPr>
+            <p:ph type="title"/>
+          </p:nvPr>
+        </p:nvSpPr>
+        <p:spPr/>
+        <p:txBody>
+          <a:bodyPr/>
+          <a:lstStyle/>
+          <a:p>
+            <a:r>
+              <a:rPr lang="es-ES" dirty="0" err="1" smtClean="0"/>
+              <a:t>ContENIDO</a:t>
+            </a:r>
+            <a:endParaRPr lang="ca-ES" dirty="0"/>
+          </a:p>
+        </p:txBody>
+      </p:sp>
+      <p:sp>
+        <p:nvSpPr>
+          <p:cNvPr id="3" name="Marcador de contenido 2"/>
+          <p:cNvSpPr>
+            <a:spLocks noGrp="1"/>
+          </p:cNvSpPr>
+          <p:nvPr>
+            <p:ph idx="1"/>
+          </p:nvPr>
+        </p:nvSpPr>
+        <p:spPr/>
+        <p:txBody>
+          <a:bodyPr numCol="2">
+            <a:normAutofit/>
+          </a:bodyPr>
+          <a:lstStyle/>
+          <a:p>
+            <a:r>
+              <a:rPr lang="es-ES" dirty="0" smtClean="0"/>
+              <a:t>Origen del proyecto</a:t>
+            </a:r>
+          </a:p>
+          <a:p>
+            <a:r>
+              <a:rPr lang="es-ES" dirty="0" smtClean="0"/>
+              <a:t>Requerimientos previos</a:t>
+            </a:r>
+          </a:p>
+          <a:p>
+            <a:r>
+              <a:rPr lang="es-ES" dirty="0" smtClean="0"/>
+              <a:t>Objetivos</a:t>
+            </a:r>
+          </a:p>
+          <a:p>
+            <a:r>
+              <a:rPr lang="es-ES" dirty="0"/>
+              <a:t>Alcance</a:t>
+            </a:r>
+          </a:p>
+          <a:p>
+            <a:r>
+              <a:rPr lang="es-ES" dirty="0" smtClean="0"/>
+              <a:t>Alternativas</a:t>
+            </a:r>
+          </a:p>
+          <a:p>
+            <a:r>
+              <a:rPr lang="es-ES" dirty="0" smtClean="0"/>
+              <a:t>Solución</a:t>
+            </a:r>
+          </a:p>
+          <a:p>
+            <a:r>
+              <a:rPr lang="es-ES" dirty="0" smtClean="0"/>
+              <a:t>Especificaciones</a:t>
+            </a:r>
+          </a:p>
+          <a:p>
+            <a:r>
+              <a:rPr lang="es-ES" dirty="0" smtClean="0"/>
+              <a:t>Desarrollo</a:t>
+            </a:r>
+          </a:p>
+          <a:p>
+            <a:r>
+              <a:rPr lang="es-ES" dirty="0" smtClean="0"/>
+              <a:t>Demo</a:t>
+            </a:r>
+          </a:p>
+          <a:p>
+            <a:r>
+              <a:rPr lang="es-ES" dirty="0" smtClean="0"/>
+              <a:t>Validación</a:t>
+            </a:r>
+          </a:p>
+          <a:p>
+            <a:r>
+              <a:rPr lang="es-ES" dirty="0" smtClean="0"/>
+              <a:t>Futura mejoras</a:t>
+            </a:r>
+            <a:endParaRPr lang="ca-ES" dirty="0" smtClean="0"/>
+          </a:p>
+          <a:p>
+            <a:r>
+              <a:rPr lang="es-ES" dirty="0" smtClean="0"/>
+              <a:t>Resultados</a:t>
+            </a:r>
+            <a:endParaRPr lang="ca-ES" dirty="0" smtClean="0"/>
+          </a:p>
+          <a:p>
+            <a:r>
+              <a:rPr lang="es-ES" dirty="0" smtClean="0"/>
+              <a:t>Conclusiones</a:t>
+            </a:r>
+          </a:p>
+        </p:txBody>
+      </p:sp>
+      <p:sp>
+        <p:nvSpPr>
+          <p:cNvPr id="4" name="Marcador de número de diapositiva 3"/>
+          <p:cNvSpPr>
+            <a:spLocks noGrp="1"/>
+          </p:cNvSpPr>
+          <p:nvPr>
+            <p:ph type="sldNum" sz="quarter" idx="12"/>
+          </p:nvPr>
+        </p:nvSpPr>
+        <p:spPr>
+          <a:xfrm>
+            <a:off x="10558297" y="5956137"/>
+            <a:ext cx="1052510" cy="365125"/>
+          </a:xfrm>
+        </p:spPr>
+        <p:txBody>
+          <a:bodyPr/>
+          <a:lstStyle/>
+          <a:p>
+            <a:fld id="{4F4CC500-C254-4A01-A1E9-3631BD4DF40D}" type="slidenum">
               <a:rPr lang="ca-ES" smtClean="0"/>
-              <a:t>/22</a:t>
+              <a:pPr/>
+              <a:t>2</a:t>
+            </a:fld>
+            <a:r>
+              <a:rPr lang="ca-ES" dirty="0" smtClean="0"/>
+              <a:t>/27</a:t>
+            </a:r>
+            <a:endParaRPr lang="ca-ES" dirty="0"/>
+          </a:p>
+        </p:txBody>
+      </p:sp>
+    </p:spTree>
+    <p:extLst>
+      <p:ext uri="{BB962C8B-B14F-4D97-AF65-F5344CB8AC3E}">
+        <p14:creationId xmlns:p14="http://schemas.microsoft.com/office/powerpoint/2010/main" val="422068893"/>
+      </p:ext>
+    </p:extLst>
+  </p:cSld>
+  <p:clrMapOvr>
+    <a:masterClrMapping/>
+  </p:clrMapOvr>
+  <p:timing>
+    <p:tnLst>
+      <p:par>
+        <p:cTn id="1" dur="indefinite" restart="never" nodeType="tmRoot"/>
+      </p:par>
+    </p:tnLst>
+  </p:timing>
+</p:sld>
+</file>
+
+<file path=ppt/slides/slide20.xml><?xml version="1.0" encoding="utf-8"?>
+<p:sld xmlns:a="http://schemas.openxmlformats.org/drawingml/2006/main" xmlns:r="http://schemas.openxmlformats.org/officeDocument/2006/relationships" xmlns:p="http://schemas.openxmlformats.org/presentationml/2006/main">
+  <p:cSld>
+    <p:spTree>
+      <p:nvGrpSpPr>
+        <p:cNvPr id="1" name=""/>
+        <p:cNvGrpSpPr/>
+        <p:nvPr/>
+      </p:nvGrpSpPr>
+      <p:grpSpPr>
+        <a:xfrm>
+          <a:off x="0" y="0"/>
+          <a:ext cx="0" cy="0"/>
+          <a:chOff x="0" y="0"/>
+          <a:chExt cx="0" cy="0"/>
+        </a:xfrm>
+      </p:grpSpPr>
+      <p:sp>
+        <p:nvSpPr>
+          <p:cNvPr id="2" name="Título 1"/>
+          <p:cNvSpPr>
+            <a:spLocks noGrp="1"/>
+          </p:cNvSpPr>
+          <p:nvPr>
+            <p:ph type="title"/>
+          </p:nvPr>
+        </p:nvSpPr>
+        <p:spPr/>
+        <p:txBody>
+          <a:bodyPr/>
+          <a:lstStyle/>
+          <a:p>
+            <a:r>
+              <a:rPr lang="es-ES" dirty="0" smtClean="0"/>
+              <a:t>Validación preliminar</a:t>
+            </a:r>
+            <a:endParaRPr lang="ca-ES" dirty="0"/>
+          </a:p>
+        </p:txBody>
+      </p:sp>
+      <p:sp>
+        <p:nvSpPr>
+          <p:cNvPr id="3" name="Marcador de contenido 2"/>
+          <p:cNvSpPr>
+            <a:spLocks noGrp="1"/>
+          </p:cNvSpPr>
+          <p:nvPr>
+            <p:ph idx="1"/>
+          </p:nvPr>
+        </p:nvSpPr>
+        <p:spPr/>
+        <p:txBody>
+          <a:bodyPr anchor="t"/>
+          <a:lstStyle/>
+          <a:p>
+            <a:r>
+              <a:rPr lang="es-ES" dirty="0" smtClean="0"/>
+              <a:t>10 sujetos </a:t>
+            </a:r>
+            <a:endParaRPr lang="es-ES" dirty="0"/>
+          </a:p>
+          <a:p>
+            <a:r>
+              <a:rPr lang="es-ES" dirty="0" smtClean="0"/>
+              <a:t> 3 </a:t>
+            </a:r>
+            <a:r>
+              <a:rPr lang="es-ES" dirty="0" smtClean="0"/>
+              <a:t>preguntas</a:t>
+            </a:r>
+          </a:p>
+          <a:p>
+            <a:pPr marL="324000" lvl="1" indent="0">
+              <a:buNone/>
+            </a:pPr>
+            <a:endParaRPr lang="es-ES" dirty="0" smtClean="0"/>
+          </a:p>
+        </p:txBody>
+      </p:sp>
+      <p:sp>
+        <p:nvSpPr>
+          <p:cNvPr id="4" name="Marcador de número de diapositiva 3"/>
+          <p:cNvSpPr>
+            <a:spLocks noGrp="1"/>
+          </p:cNvSpPr>
+          <p:nvPr>
+            <p:ph type="sldNum" sz="quarter" idx="12"/>
+          </p:nvPr>
+        </p:nvSpPr>
+        <p:spPr/>
+        <p:txBody>
+          <a:bodyPr/>
+          <a:lstStyle/>
+          <a:p>
+            <a:fld id="{4F4CC500-C254-4A01-A1E9-3631BD4DF40D}" type="slidenum">
+              <a:rPr lang="ca-ES" smtClean="0"/>
+              <a:pPr/>
+              <a:t>20</a:t>
+            </a:fld>
+            <a:r>
+              <a:rPr lang="ca-ES" dirty="0" smtClean="0"/>
+              <a:t>/27</a:t>
             </a:r>
             <a:endParaRPr lang="ca-ES" dirty="0"/>
           </a:p>
@@ -10069,62 +10983,8 @@
         </p:blipFill>
         <p:spPr bwMode="auto">
           <a:xfrm>
-            <a:off x="2264918" y="2713631"/>
-            <a:ext cx="4311650" cy="2351087"/>
-          </a:xfrm>
-          <a:prstGeom prst="rect">
-            <a:avLst/>
-          </a:prstGeom>
-          <a:noFill/>
-          <a:ln>
-            <a:noFill/>
-          </a:ln>
-          <a:extLst>
-            <a:ext uri="{909E8E84-426E-40DD-AFC4-6F175D3DCCD1}">
-              <a14:hiddenFill xmlns:a14="http://schemas.microsoft.com/office/drawing/2010/main">
-                <a:solidFill>
-                  <a:srgbClr val="FFFFFF"/>
-                </a:solidFill>
-              </a14:hiddenFill>
-            </a:ext>
-            <a:ext uri="{91240B29-F687-4F45-9708-019B960494DF}">
-              <a14:hiddenLine xmlns:a14="http://schemas.microsoft.com/office/drawing/2010/main" w="9525">
-                <a:solidFill>
-                  <a:srgbClr val="000000"/>
-                </a:solidFill>
-                <a:miter lim="800000"/>
-                <a:headEnd/>
-                <a:tailEnd/>
-              </a14:hiddenLine>
-            </a:ext>
-          </a:extLst>
-        </p:spPr>
-      </p:pic>
-      <p:pic>
-        <p:nvPicPr>
-          <p:cNvPr id="6147" name="Picture 1"/>
-          <p:cNvPicPr>
-            <a:picLocks noChangeAspect="1" noChangeArrowheads="1"/>
-          </p:cNvPicPr>
-          <p:nvPr/>
-        </p:nvPicPr>
-        <p:blipFill>
-          <a:blip r:embed="rId2">
-            <a:extLst>
-              <a:ext uri="{28A0092B-C50C-407E-A947-70E740481C1C}">
-                <a14:useLocalDpi xmlns:a14="http://schemas.microsoft.com/office/drawing/2010/main" val="0"/>
-              </a:ext>
-            </a:extLst>
-          </a:blip>
-          <a:srcRect t="43066"/>
-          <a:stretch>
-            <a:fillRect/>
-          </a:stretch>
-        </p:blipFill>
-        <p:spPr bwMode="auto">
-          <a:xfrm>
-            <a:off x="7108063" y="2377080"/>
-            <a:ext cx="4213225" cy="3024188"/>
+            <a:off x="2803518" y="2291591"/>
+            <a:ext cx="6719468" cy="3664039"/>
           </a:xfrm>
           <a:prstGeom prst="rect">
             <a:avLst/>
@@ -10174,7 +11034,7 @@
 </p:sld>
 </file>
 
-<file path=ppt/slides/slide2.xml><?xml version="1.0" encoding="utf-8"?>
+<file path=ppt/slides/slide21.xml><?xml version="1.0" encoding="utf-8"?>
 <p:sld xmlns:a="http://schemas.openxmlformats.org/drawingml/2006/main" xmlns:r="http://schemas.openxmlformats.org/officeDocument/2006/relationships" xmlns:p="http://schemas.openxmlformats.org/presentationml/2006/main">
   <p:cSld>
     <p:spTree>
@@ -10207,8 +11067,8 @@
           <a:lstStyle/>
           <a:p>
             <a:r>
-              <a:rPr lang="es-ES" dirty="0" err="1" smtClean="0"/>
-              <a:t>ContENIDO</a:t>
+              <a:rPr lang="es-ES" dirty="0" smtClean="0"/>
+              <a:t>Validación preliminar</a:t>
             </a:r>
             <a:endParaRPr lang="ca-ES" dirty="0"/>
           </a:p>
@@ -10226,89 +11086,13 @@
         </p:nvSpPr>
         <p:spPr/>
         <p:txBody>
-          <a:bodyPr numCol="2">
-            <a:normAutofit/>
-          </a:bodyPr>
+          <a:bodyPr anchor="t"/>
           <a:lstStyle/>
           <a:p>
-            <a:r>
-              <a:rPr lang="es-ES" dirty="0" smtClean="0"/>
-              <a:t>Origen del proyecto</a:t>
-            </a:r>
-          </a:p>
-          <a:p>
-            <a:r>
-              <a:rPr lang="es-ES" dirty="0" smtClean="0"/>
-              <a:t>Requerimientos previos</a:t>
-            </a:r>
-          </a:p>
-          <a:p>
-            <a:r>
-              <a:rPr lang="es-ES" dirty="0" smtClean="0"/>
-              <a:t>Objetivos</a:t>
-            </a:r>
-          </a:p>
-          <a:p>
-            <a:r>
-              <a:rPr lang="es-ES" dirty="0"/>
-              <a:t>Alcance</a:t>
-            </a:r>
-          </a:p>
-          <a:p>
-            <a:r>
-              <a:rPr lang="es-ES" dirty="0" smtClean="0"/>
-              <a:t>Alternativas</a:t>
-            </a:r>
-          </a:p>
-          <a:p>
-            <a:r>
-              <a:rPr lang="es-ES" dirty="0" smtClean="0"/>
-              <a:t>Solución</a:t>
-            </a:r>
-          </a:p>
-          <a:p>
-            <a:r>
-              <a:rPr lang="es-ES" dirty="0" smtClean="0"/>
-              <a:t>Especificaciones</a:t>
-            </a:r>
-          </a:p>
-          <a:p>
-            <a:r>
-              <a:rPr lang="es-ES" dirty="0" smtClean="0"/>
-              <a:t>Desarrollo</a:t>
-            </a:r>
-          </a:p>
-          <a:p>
-            <a:r>
-              <a:rPr lang="es-ES" dirty="0" smtClean="0"/>
-              <a:t>Demo</a:t>
-            </a:r>
-          </a:p>
-          <a:p>
-            <a:r>
-              <a:rPr lang="es-ES" dirty="0" smtClean="0"/>
-              <a:t>Validación</a:t>
-            </a:r>
-          </a:p>
-          <a:p>
-            <a:r>
-              <a:rPr lang="es-ES" dirty="0" smtClean="0"/>
-              <a:t>Futura mejoras</a:t>
-            </a:r>
-            <a:endParaRPr lang="ca-ES" dirty="0" smtClean="0"/>
-          </a:p>
-          <a:p>
-            <a:r>
-              <a:rPr lang="es-ES" dirty="0" smtClean="0"/>
-              <a:t>Resultados</a:t>
-            </a:r>
-            <a:endParaRPr lang="ca-ES" dirty="0" smtClean="0"/>
-          </a:p>
-          <a:p>
-            <a:r>
-              <a:rPr lang="es-ES" dirty="0" smtClean="0"/>
-              <a:t>Conclusiones</a:t>
-            </a:r>
+            <a:pPr marL="324000" lvl="1" indent="0">
+              <a:buNone/>
+            </a:pPr>
+            <a:endParaRPr lang="es-ES" dirty="0" smtClean="0"/>
           </a:p>
         </p:txBody>
       </p:sp>
@@ -10322,12 +11106,7 @@
             <p:ph type="sldNum" sz="quarter" idx="12"/>
           </p:nvPr>
         </p:nvSpPr>
-        <p:spPr>
-          <a:xfrm>
-            <a:off x="10558297" y="5956137"/>
-            <a:ext cx="1052510" cy="365125"/>
-          </a:xfrm>
-        </p:spPr>
+        <p:spPr/>
         <p:txBody>
           <a:bodyPr/>
           <a:lstStyle/>
@@ -10335,99 +11114,11 @@
             <a:fld id="{4F4CC500-C254-4A01-A1E9-3631BD4DF40D}" type="slidenum">
               <a:rPr lang="ca-ES" smtClean="0"/>
               <a:pPr/>
-              <a:t>2</a:t>
+              <a:t>21</a:t>
             </a:fld>
             <a:r>
               <a:rPr lang="ca-ES" dirty="0" smtClean="0"/>
-              <a:t>/22</a:t>
-            </a:r>
-            <a:endParaRPr lang="ca-ES" dirty="0"/>
-          </a:p>
-        </p:txBody>
-      </p:sp>
-    </p:spTree>
-    <p:extLst>
-      <p:ext uri="{BB962C8B-B14F-4D97-AF65-F5344CB8AC3E}">
-        <p14:creationId xmlns:p14="http://schemas.microsoft.com/office/powerpoint/2010/main" val="422068893"/>
-      </p:ext>
-    </p:extLst>
-  </p:cSld>
-  <p:clrMapOvr>
-    <a:masterClrMapping/>
-  </p:clrMapOvr>
-  <p:timing>
-    <p:tnLst>
-      <p:par>
-        <p:cTn id="1" dur="indefinite" restart="never" nodeType="tmRoot"/>
-      </p:par>
-    </p:tnLst>
-  </p:timing>
-</p:sld>
-</file>
-
-<file path=ppt/slides/slide20.xml><?xml version="1.0" encoding="utf-8"?>
-<p:sld xmlns:a="http://schemas.openxmlformats.org/drawingml/2006/main" xmlns:r="http://schemas.openxmlformats.org/officeDocument/2006/relationships" xmlns:p="http://schemas.openxmlformats.org/presentationml/2006/main">
-  <p:cSld>
-    <p:spTree>
-      <p:nvGrpSpPr>
-        <p:cNvPr id="1" name=""/>
-        <p:cNvGrpSpPr/>
-        <p:nvPr/>
-      </p:nvGrpSpPr>
-      <p:grpSpPr>
-        <a:xfrm>
-          <a:off x="0" y="0"/>
-          <a:ext cx="0" cy="0"/>
-          <a:chOff x="0" y="0"/>
-          <a:chExt cx="0" cy="0"/>
-        </a:xfrm>
-      </p:grpSpPr>
-      <p:sp>
-        <p:nvSpPr>
-          <p:cNvPr id="2" name="Título 1"/>
-          <p:cNvSpPr>
-            <a:spLocks noGrp="1"/>
-          </p:cNvSpPr>
-          <p:nvPr>
-            <p:ph type="title"/>
-          </p:nvPr>
-        </p:nvSpPr>
-        <p:spPr/>
-        <p:txBody>
-          <a:bodyPr/>
-          <a:lstStyle/>
-          <a:p>
-            <a:r>
-              <a:rPr lang="es-ES" dirty="0" err="1" smtClean="0"/>
-              <a:t>ResultaDOs</a:t>
-            </a:r>
-            <a:endParaRPr lang="ca-ES" dirty="0"/>
-          </a:p>
-        </p:txBody>
-      </p:sp>
-      <p:sp>
-        <p:nvSpPr>
-          <p:cNvPr id="3" name="Marcador de número de diapositiva 2"/>
-          <p:cNvSpPr>
-            <a:spLocks noGrp="1"/>
-          </p:cNvSpPr>
-          <p:nvPr>
-            <p:ph type="sldNum" sz="quarter" idx="12"/>
-          </p:nvPr>
-        </p:nvSpPr>
-        <p:spPr/>
-        <p:txBody>
-          <a:bodyPr/>
-          <a:lstStyle/>
-          <a:p>
-            <a:fld id="{4F4CC500-C254-4A01-A1E9-3631BD4DF40D}" type="slidenum">
-              <a:rPr lang="ca-ES" smtClean="0"/>
-              <a:pPr/>
-              <a:t>20</a:t>
-            </a:fld>
-            <a:r>
-              <a:rPr lang="ca-ES" smtClean="0"/>
-              <a:t>/22</a:t>
+              <a:t>/27</a:t>
             </a:r>
             <a:endParaRPr lang="ca-ES" dirty="0"/>
           </a:p>
@@ -10435,7 +11126,7 @@
       </p:sp>
       <p:pic>
         <p:nvPicPr>
-          <p:cNvPr id="5123" name="Picture 1"/>
+          <p:cNvPr id="6" name="Picture 1"/>
           <p:cNvPicPr>
             <a:picLocks noChangeAspect="1" noChangeArrowheads="1"/>
           </p:cNvPicPr>
@@ -10449,15 +11140,15 @@
               </a:ext>
             </a:extLst>
           </a:blip>
-          <a:srcRect/>
+          <a:srcRect t="43066"/>
           <a:stretch>
             <a:fillRect/>
           </a:stretch>
         </p:blipFill>
         <p:spPr bwMode="auto">
           <a:xfrm>
-            <a:off x="1179512" y="1877911"/>
-            <a:ext cx="4916488" cy="2300287"/>
+            <a:off x="2671011" y="1919879"/>
+            <a:ext cx="6682976" cy="4796937"/>
           </a:xfrm>
           <a:prstGeom prst="rect">
             <a:avLst/>
@@ -10487,16 +11178,103 @@
           </a:extLst>
         </p:spPr>
       </p:pic>
+    </p:spTree>
+    <p:extLst>
+      <p:ext uri="{BB962C8B-B14F-4D97-AF65-F5344CB8AC3E}">
+        <p14:creationId xmlns:p14="http://schemas.microsoft.com/office/powerpoint/2010/main" val="2124699561"/>
+      </p:ext>
+    </p:extLst>
+  </p:cSld>
+  <p:clrMapOvr>
+    <a:masterClrMapping/>
+  </p:clrMapOvr>
+  <p:timing>
+    <p:tnLst>
+      <p:par>
+        <p:cTn id="1" dur="indefinite" restart="never" nodeType="tmRoot"/>
+      </p:par>
+    </p:tnLst>
+  </p:timing>
+</p:sld>
+</file>
+
+<file path=ppt/slides/slide22.xml><?xml version="1.0" encoding="utf-8"?>
+<p:sld xmlns:a="http://schemas.openxmlformats.org/drawingml/2006/main" xmlns:r="http://schemas.openxmlformats.org/officeDocument/2006/relationships" xmlns:p="http://schemas.openxmlformats.org/presentationml/2006/main">
+  <p:cSld>
+    <p:spTree>
+      <p:nvGrpSpPr>
+        <p:cNvPr id="1" name=""/>
+        <p:cNvGrpSpPr/>
+        <p:nvPr/>
+      </p:nvGrpSpPr>
+      <p:grpSpPr>
+        <a:xfrm>
+          <a:off x="0" y="0"/>
+          <a:ext cx="0" cy="0"/>
+          <a:chOff x="0" y="0"/>
+          <a:chExt cx="0" cy="0"/>
+        </a:xfrm>
+      </p:grpSpPr>
+      <p:sp>
+        <p:nvSpPr>
+          <p:cNvPr id="2" name="Título 1"/>
+          <p:cNvSpPr>
+            <a:spLocks noGrp="1"/>
+          </p:cNvSpPr>
+          <p:nvPr>
+            <p:ph type="title"/>
+          </p:nvPr>
+        </p:nvSpPr>
+        <p:spPr/>
+        <p:txBody>
+          <a:bodyPr/>
+          <a:lstStyle/>
+          <a:p>
+            <a:r>
+              <a:rPr lang="es-ES" dirty="0" err="1" smtClean="0"/>
+              <a:t>ResultaDOs</a:t>
+            </a:r>
+            <a:endParaRPr lang="ca-ES" dirty="0"/>
+          </a:p>
+        </p:txBody>
+      </p:sp>
+      <p:sp>
+        <p:nvSpPr>
+          <p:cNvPr id="3" name="Marcador de número de diapositiva 2"/>
+          <p:cNvSpPr>
+            <a:spLocks noGrp="1"/>
+          </p:cNvSpPr>
+          <p:nvPr>
+            <p:ph type="sldNum" sz="quarter" idx="12"/>
+          </p:nvPr>
+        </p:nvSpPr>
+        <p:spPr/>
+        <p:txBody>
+          <a:bodyPr/>
+          <a:lstStyle/>
+          <a:p>
+            <a:fld id="{4F4CC500-C254-4A01-A1E9-3631BD4DF40D}" type="slidenum">
+              <a:rPr lang="ca-ES" smtClean="0"/>
+              <a:pPr/>
+              <a:t>22</a:t>
+            </a:fld>
+            <a:r>
+              <a:rPr lang="ca-ES" dirty="0" smtClean="0"/>
+              <a:t>/27</a:t>
+            </a:r>
+          </a:p>
+        </p:txBody>
+      </p:sp>
       <p:pic>
         <p:nvPicPr>
-          <p:cNvPr id="5124" name="Picture 1"/>
+          <p:cNvPr id="5123" name="Picture 1"/>
           <p:cNvPicPr>
             <a:picLocks noChangeAspect="1" noChangeArrowheads="1"/>
           </p:cNvPicPr>
           <p:nvPr/>
         </p:nvPicPr>
         <p:blipFill>
-          <a:blip r:embed="rId3">
+          <a:blip r:embed="rId2">
             <a:extLst>
               <a:ext uri="{28A0092B-C50C-407E-A947-70E740481C1C}">
                 <a14:useLocalDpi xmlns:a14="http://schemas.microsoft.com/office/drawing/2010/main" val="0"/>
@@ -10510,62 +11288,8 @@
         </p:blipFill>
         <p:spPr bwMode="auto">
           <a:xfrm>
-            <a:off x="1179512" y="4340153"/>
-            <a:ext cx="4924425" cy="2320925"/>
-          </a:xfrm>
-          <a:prstGeom prst="rect">
-            <a:avLst/>
-          </a:prstGeom>
-          <a:noFill/>
-          <a:ln>
-            <a:noFill/>
-          </a:ln>
-          <a:extLst>
-            <a:ext uri="{909E8E84-426E-40DD-AFC4-6F175D3DCCD1}">
-              <a14:hiddenFill xmlns:a14="http://schemas.microsoft.com/office/drawing/2010/main">
-                <a:solidFill>
-                  <a:srgbClr val="FFFFFF"/>
-                </a:solidFill>
-              </a14:hiddenFill>
-            </a:ext>
-            <a:ext uri="{91240B29-F687-4F45-9708-019B960494DF}">
-              <a14:hiddenLine xmlns:a14="http://schemas.microsoft.com/office/drawing/2010/main" w="9525">
-                <a:solidFill>
-                  <a:srgbClr val="000000"/>
-                </a:solidFill>
-                <a:miter lim="800000"/>
-                <a:headEnd/>
-                <a:tailEnd/>
-              </a14:hiddenLine>
-            </a:ext>
-          </a:extLst>
-        </p:spPr>
-      </p:pic>
-      <p:pic>
-        <p:nvPicPr>
-          <p:cNvPr id="5125" name="Picture 1"/>
-          <p:cNvPicPr>
-            <a:picLocks noChangeAspect="1" noChangeArrowheads="1"/>
-          </p:cNvPicPr>
-          <p:nvPr/>
-        </p:nvPicPr>
-        <p:blipFill>
-          <a:blip r:embed="rId4">
-            <a:extLst>
-              <a:ext uri="{28A0092B-C50C-407E-A947-70E740481C1C}">
-                <a14:useLocalDpi xmlns:a14="http://schemas.microsoft.com/office/drawing/2010/main" val="0"/>
-              </a:ext>
-            </a:extLst>
-          </a:blip>
-          <a:srcRect/>
-          <a:stretch>
-            <a:fillRect/>
-          </a:stretch>
-        </p:blipFill>
-        <p:spPr bwMode="auto">
-          <a:xfrm>
-            <a:off x="6359843" y="3095553"/>
-            <a:ext cx="4924425" cy="2489200"/>
+            <a:off x="1720932" y="2106511"/>
+            <a:ext cx="8818325" cy="4125847"/>
           </a:xfrm>
           <a:prstGeom prst="rect">
             <a:avLst/>
@@ -10615,7 +11339,7 @@
 </p:sld>
 </file>
 
-<file path=ppt/slides/slide21.xml><?xml version="1.0" encoding="utf-8"?>
+<file path=ppt/slides/slide23.xml><?xml version="1.0" encoding="utf-8"?>
 <p:sld xmlns:a="http://schemas.openxmlformats.org/drawingml/2006/main" xmlns:r="http://schemas.openxmlformats.org/officeDocument/2006/relationships" xmlns:p="http://schemas.openxmlformats.org/presentationml/2006/main">
   <p:cSld>
     <p:spTree>
@@ -10634,6 +11358,290 @@
       </p:grpSpPr>
       <p:sp>
         <p:nvSpPr>
+          <p:cNvPr id="2" name="Título 1"/>
+          <p:cNvSpPr>
+            <a:spLocks noGrp="1"/>
+          </p:cNvSpPr>
+          <p:nvPr>
+            <p:ph type="title"/>
+          </p:nvPr>
+        </p:nvSpPr>
+        <p:spPr/>
+        <p:txBody>
+          <a:bodyPr/>
+          <a:lstStyle/>
+          <a:p>
+            <a:r>
+              <a:rPr lang="es-ES" dirty="0" err="1" smtClean="0"/>
+              <a:t>ResultaDOs</a:t>
+            </a:r>
+            <a:endParaRPr lang="ca-ES" dirty="0"/>
+          </a:p>
+        </p:txBody>
+      </p:sp>
+      <p:sp>
+        <p:nvSpPr>
+          <p:cNvPr id="3" name="Marcador de número de diapositiva 2"/>
+          <p:cNvSpPr>
+            <a:spLocks noGrp="1"/>
+          </p:cNvSpPr>
+          <p:nvPr>
+            <p:ph type="sldNum" sz="quarter" idx="12"/>
+          </p:nvPr>
+        </p:nvSpPr>
+        <p:spPr/>
+        <p:txBody>
+          <a:bodyPr/>
+          <a:lstStyle/>
+          <a:p>
+            <a:fld id="{4F4CC500-C254-4A01-A1E9-3631BD4DF40D}" type="slidenum">
+              <a:rPr lang="ca-ES" smtClean="0"/>
+              <a:pPr/>
+              <a:t>23</a:t>
+            </a:fld>
+            <a:r>
+              <a:rPr lang="ca-ES" dirty="0" smtClean="0"/>
+              <a:t>/27</a:t>
+            </a:r>
+            <a:endParaRPr lang="ca-ES" dirty="0"/>
+          </a:p>
+        </p:txBody>
+      </p:sp>
+      <p:pic>
+        <p:nvPicPr>
+          <p:cNvPr id="5" name="Picture 1"/>
+          <p:cNvPicPr>
+            <a:picLocks noChangeAspect="1" noChangeArrowheads="1"/>
+          </p:cNvPicPr>
+          <p:nvPr/>
+        </p:nvPicPr>
+        <p:blipFill>
+          <a:blip r:embed="rId2">
+            <a:extLst>
+              <a:ext uri="{28A0092B-C50C-407E-A947-70E740481C1C}">
+                <a14:useLocalDpi xmlns:a14="http://schemas.microsoft.com/office/drawing/2010/main" val="0"/>
+              </a:ext>
+            </a:extLst>
+          </a:blip>
+          <a:srcRect/>
+          <a:stretch>
+            <a:fillRect/>
+          </a:stretch>
+        </p:blipFill>
+        <p:spPr bwMode="auto">
+          <a:xfrm>
+            <a:off x="1720931" y="2153654"/>
+            <a:ext cx="8823323" cy="4158510"/>
+          </a:xfrm>
+          <a:prstGeom prst="rect">
+            <a:avLst/>
+          </a:prstGeom>
+          <a:noFill/>
+          <a:ln>
+            <a:noFill/>
+          </a:ln>
+          <a:extLst>
+            <a:ext uri="{909E8E84-426E-40DD-AFC4-6F175D3DCCD1}">
+              <a14:hiddenFill xmlns:a14="http://schemas.microsoft.com/office/drawing/2010/main">
+                <a:solidFill>
+                  <a:srgbClr val="FFFFFF"/>
+                </a:solidFill>
+              </a14:hiddenFill>
+            </a:ext>
+            <a:ext uri="{91240B29-F687-4F45-9708-019B960494DF}">
+              <a14:hiddenLine xmlns:a14="http://schemas.microsoft.com/office/drawing/2010/main" w="9525">
+                <a:solidFill>
+                  <a:srgbClr val="000000"/>
+                </a:solidFill>
+                <a:miter lim="800000"/>
+                <a:headEnd/>
+                <a:tailEnd/>
+              </a14:hiddenLine>
+            </a:ext>
+          </a:extLst>
+        </p:spPr>
+      </p:pic>
+    </p:spTree>
+    <p:extLst>
+      <p:ext uri="{BB962C8B-B14F-4D97-AF65-F5344CB8AC3E}">
+        <p14:creationId xmlns:p14="http://schemas.microsoft.com/office/powerpoint/2010/main" val="2162334644"/>
+      </p:ext>
+    </p:extLst>
+  </p:cSld>
+  <p:clrMapOvr>
+    <a:masterClrMapping/>
+  </p:clrMapOvr>
+  <p:timing>
+    <p:tnLst>
+      <p:par>
+        <p:cTn id="1" dur="indefinite" restart="never" nodeType="tmRoot"/>
+      </p:par>
+    </p:tnLst>
+  </p:timing>
+</p:sld>
+</file>
+
+<file path=ppt/slides/slide24.xml><?xml version="1.0" encoding="utf-8"?>
+<p:sld xmlns:a="http://schemas.openxmlformats.org/drawingml/2006/main" xmlns:r="http://schemas.openxmlformats.org/officeDocument/2006/relationships" xmlns:p="http://schemas.openxmlformats.org/presentationml/2006/main">
+  <p:cSld>
+    <p:spTree>
+      <p:nvGrpSpPr>
+        <p:cNvPr id="1" name=""/>
+        <p:cNvGrpSpPr/>
+        <p:nvPr/>
+      </p:nvGrpSpPr>
+      <p:grpSpPr>
+        <a:xfrm>
+          <a:off x="0" y="0"/>
+          <a:ext cx="0" cy="0"/>
+          <a:chOff x="0" y="0"/>
+          <a:chExt cx="0" cy="0"/>
+        </a:xfrm>
+      </p:grpSpPr>
+      <p:sp>
+        <p:nvSpPr>
+          <p:cNvPr id="2" name="Título 1"/>
+          <p:cNvSpPr>
+            <a:spLocks noGrp="1"/>
+          </p:cNvSpPr>
+          <p:nvPr>
+            <p:ph type="title"/>
+          </p:nvPr>
+        </p:nvSpPr>
+        <p:spPr/>
+        <p:txBody>
+          <a:bodyPr/>
+          <a:lstStyle/>
+          <a:p>
+            <a:r>
+              <a:rPr lang="es-ES" dirty="0" err="1" smtClean="0"/>
+              <a:t>ResultaDOs</a:t>
+            </a:r>
+            <a:endParaRPr lang="ca-ES" dirty="0"/>
+          </a:p>
+        </p:txBody>
+      </p:sp>
+      <p:sp>
+        <p:nvSpPr>
+          <p:cNvPr id="3" name="Marcador de número de diapositiva 2"/>
+          <p:cNvSpPr>
+            <a:spLocks noGrp="1"/>
+          </p:cNvSpPr>
+          <p:nvPr>
+            <p:ph type="sldNum" sz="quarter" idx="12"/>
+          </p:nvPr>
+        </p:nvSpPr>
+        <p:spPr/>
+        <p:txBody>
+          <a:bodyPr/>
+          <a:lstStyle/>
+          <a:p>
+            <a:fld id="{4F4CC500-C254-4A01-A1E9-3631BD4DF40D}" type="slidenum">
+              <a:rPr lang="ca-ES" smtClean="0"/>
+              <a:pPr/>
+              <a:t>24</a:t>
+            </a:fld>
+            <a:r>
+              <a:rPr lang="ca-ES" dirty="0" smtClean="0"/>
+              <a:t>/27</a:t>
+            </a:r>
+            <a:endParaRPr lang="ca-ES" dirty="0"/>
+          </a:p>
+        </p:txBody>
+      </p:sp>
+      <p:pic>
+        <p:nvPicPr>
+          <p:cNvPr id="6" name="Picture 1"/>
+          <p:cNvPicPr>
+            <a:picLocks noChangeAspect="1" noChangeArrowheads="1"/>
+          </p:cNvPicPr>
+          <p:nvPr/>
+        </p:nvPicPr>
+        <p:blipFill>
+          <a:blip r:embed="rId2">
+            <a:extLst>
+              <a:ext uri="{28A0092B-C50C-407E-A947-70E740481C1C}">
+                <a14:useLocalDpi xmlns:a14="http://schemas.microsoft.com/office/drawing/2010/main" val="0"/>
+              </a:ext>
+            </a:extLst>
+          </a:blip>
+          <a:srcRect/>
+          <a:stretch>
+            <a:fillRect/>
+          </a:stretch>
+        </p:blipFill>
+        <p:spPr bwMode="auto">
+          <a:xfrm>
+            <a:off x="1949115" y="1964583"/>
+            <a:ext cx="8468879" cy="4280852"/>
+          </a:xfrm>
+          <a:prstGeom prst="rect">
+            <a:avLst/>
+          </a:prstGeom>
+          <a:noFill/>
+          <a:ln>
+            <a:noFill/>
+          </a:ln>
+          <a:extLst>
+            <a:ext uri="{909E8E84-426E-40DD-AFC4-6F175D3DCCD1}">
+              <a14:hiddenFill xmlns:a14="http://schemas.microsoft.com/office/drawing/2010/main">
+                <a:solidFill>
+                  <a:srgbClr val="FFFFFF"/>
+                </a:solidFill>
+              </a14:hiddenFill>
+            </a:ext>
+            <a:ext uri="{91240B29-F687-4F45-9708-019B960494DF}">
+              <a14:hiddenLine xmlns:a14="http://schemas.microsoft.com/office/drawing/2010/main" w="9525">
+                <a:solidFill>
+                  <a:srgbClr val="000000"/>
+                </a:solidFill>
+                <a:miter lim="800000"/>
+                <a:headEnd/>
+                <a:tailEnd/>
+              </a14:hiddenLine>
+            </a:ext>
+          </a:extLst>
+        </p:spPr>
+      </p:pic>
+    </p:spTree>
+    <p:extLst>
+      <p:ext uri="{BB962C8B-B14F-4D97-AF65-F5344CB8AC3E}">
+        <p14:creationId xmlns:p14="http://schemas.microsoft.com/office/powerpoint/2010/main" val="2732948282"/>
+      </p:ext>
+    </p:extLst>
+  </p:cSld>
+  <p:clrMapOvr>
+    <a:masterClrMapping/>
+  </p:clrMapOvr>
+  <p:timing>
+    <p:tnLst>
+      <p:par>
+        <p:cTn id="1" dur="indefinite" restart="never" nodeType="tmRoot"/>
+      </p:par>
+    </p:tnLst>
+  </p:timing>
+</p:sld>
+</file>
+
+<file path=ppt/slides/slide25.xml><?xml version="1.0" encoding="utf-8"?>
+<p:sld xmlns:a="http://schemas.openxmlformats.org/drawingml/2006/main" xmlns:r="http://schemas.openxmlformats.org/officeDocument/2006/relationships" xmlns:p="http://schemas.openxmlformats.org/presentationml/2006/main">
+  <p:cSld>
+    <p:spTree>
+      <p:nvGrpSpPr>
+        <p:cNvPr id="1" name=""/>
+        <p:cNvGrpSpPr/>
+        <p:nvPr/>
+      </p:nvGrpSpPr>
+      <p:grpSpPr>
+        <a:xfrm>
+          <a:off x="0" y="0"/>
+          <a:ext cx="0" cy="0"/>
+          <a:chOff x="0" y="0"/>
+          <a:chExt cx="0" cy="0"/>
+        </a:xfrm>
+      </p:grpSpPr>
+      <p:sp>
+        <p:nvSpPr>
           <p:cNvPr id="2" name="Title 1"/>
           <p:cNvSpPr>
             <a:spLocks noGrp="1"/>
@@ -10678,15 +11686,15 @@
               </a:lnSpc>
             </a:pPr>
             <a:r>
-              <a:rPr lang="es-ES" dirty="0" smtClean="0"/>
+              <a:rPr lang="es-ES" sz="2000" dirty="0" smtClean="0"/>
               <a:t>Hacer uso </a:t>
             </a:r>
             <a:r>
-              <a:rPr lang="es-ES" dirty="0"/>
+              <a:rPr lang="es-ES" sz="2000" dirty="0"/>
               <a:t>en otros </a:t>
             </a:r>
             <a:r>
-              <a:rPr lang="es-ES" dirty="0" smtClean="0"/>
+              <a:rPr lang="es-ES" sz="2000" dirty="0" smtClean="0"/>
               <a:t>departamentos</a:t>
             </a:r>
           </a:p>
@@ -10697,9 +11705,10 @@
               </a:lnSpc>
             </a:pPr>
             <a:r>
-              <a:rPr lang="es-ES" dirty="0" smtClean="0"/>
-              <a:t>Multilenguaje</a:t>
-            </a:r>
+              <a:rPr lang="es-ES" sz="2000" dirty="0" err="1" smtClean="0"/>
+              <a:t>Multiidioma</a:t>
+            </a:r>
+            <a:endParaRPr lang="es-ES" sz="2000" dirty="0" smtClean="0"/>
           </a:p>
           <a:p>
             <a:pPr>
@@ -10708,18 +11717,18 @@
               </a:lnSpc>
             </a:pPr>
             <a:r>
-              <a:rPr lang="es-ES" dirty="0" smtClean="0"/>
+              <a:rPr lang="es-ES" sz="2000" dirty="0" smtClean="0"/>
               <a:t>Desarrollo de </a:t>
             </a:r>
             <a:r>
-              <a:rPr lang="es-ES" dirty="0"/>
+              <a:rPr lang="es-ES" sz="2000" dirty="0"/>
               <a:t>una aplicación Android </a:t>
             </a:r>
             <a:r>
-              <a:rPr lang="es-ES" dirty="0" smtClean="0"/>
+              <a:rPr lang="es-ES" sz="2000" dirty="0" smtClean="0"/>
               <a:t>/IOS</a:t>
             </a:r>
-            <a:endParaRPr lang="es-ES" dirty="0"/>
+            <a:endParaRPr lang="es-ES" sz="2000" dirty="0"/>
           </a:p>
           <a:p>
             <a:pPr>
@@ -10728,10 +11737,10 @@
               </a:lnSpc>
             </a:pPr>
             <a:r>
-              <a:rPr lang="es-ES" dirty="0" smtClean="0"/>
+              <a:rPr lang="es-ES" sz="2000" dirty="0" smtClean="0"/>
               <a:t>Mejorar interfaz</a:t>
             </a:r>
-            <a:endParaRPr lang="es-ES" dirty="0"/>
+            <a:endParaRPr lang="es-ES" sz="2000" dirty="0"/>
           </a:p>
         </p:txBody>
       </p:sp>
@@ -10753,11 +11762,11 @@
             <a:fld id="{4F4CC500-C254-4A01-A1E9-3631BD4DF40D}" type="slidenum">
               <a:rPr lang="ca-ES" smtClean="0"/>
               <a:pPr/>
-              <a:t>21</a:t>
+              <a:t>25</a:t>
             </a:fld>
             <a:r>
-              <a:rPr lang="ca-ES" smtClean="0"/>
-              <a:t>/22</a:t>
+              <a:rPr lang="ca-ES" dirty="0" smtClean="0"/>
+              <a:t>/27</a:t>
             </a:r>
             <a:endParaRPr lang="ca-ES" dirty="0"/>
           </a:p>
@@ -10783,7 +11792,7 @@
 </p:sld>
 </file>
 
-<file path=ppt/slides/slide22.xml><?xml version="1.0" encoding="utf-8"?>
+<file path=ppt/slides/slide26.xml><?xml version="1.0" encoding="utf-8"?>
 <p:sld xmlns:a="http://schemas.openxmlformats.org/drawingml/2006/main" xmlns:r="http://schemas.openxmlformats.org/officeDocument/2006/relationships" xmlns:p="http://schemas.openxmlformats.org/presentationml/2006/main">
   <p:cSld>
     <p:spTree>
@@ -10802,6 +11811,106 @@
       </p:grpSpPr>
       <p:sp>
         <p:nvSpPr>
+          <p:cNvPr id="2" name="1 Título"/>
+          <p:cNvSpPr>
+            <a:spLocks noGrp="1"/>
+          </p:cNvSpPr>
+          <p:nvPr>
+            <p:ph type="title"/>
+          </p:nvPr>
+        </p:nvSpPr>
+        <p:spPr/>
+        <p:txBody>
+          <a:bodyPr/>
+          <a:lstStyle/>
+          <a:p>
+            <a:r>
+              <a:rPr lang="es-ES" dirty="0" smtClean="0"/>
+              <a:t>Horas de dedicación</a:t>
+            </a:r>
+            <a:endParaRPr lang="es-ES" dirty="0"/>
+          </a:p>
+        </p:txBody>
+      </p:sp>
+      <p:sp>
+        <p:nvSpPr>
+          <p:cNvPr id="3" name="2 Marcador de contenido"/>
+          <p:cNvSpPr>
+            <a:spLocks noGrp="1"/>
+          </p:cNvSpPr>
+          <p:nvPr>
+            <p:ph idx="1"/>
+          </p:nvPr>
+        </p:nvSpPr>
+        <p:spPr/>
+        <p:txBody>
+          <a:bodyPr/>
+          <a:lstStyle/>
+          <a:p>
+            <a:endParaRPr lang="es-ES"/>
+          </a:p>
+        </p:txBody>
+      </p:sp>
+      <p:sp>
+        <p:nvSpPr>
+          <p:cNvPr id="4" name="3 Marcador de número de diapositiva"/>
+          <p:cNvSpPr>
+            <a:spLocks noGrp="1"/>
+          </p:cNvSpPr>
+          <p:nvPr>
+            <p:ph type="sldNum" sz="quarter" idx="12"/>
+          </p:nvPr>
+        </p:nvSpPr>
+        <p:spPr/>
+        <p:txBody>
+          <a:bodyPr/>
+          <a:lstStyle/>
+          <a:p>
+            <a:fld id="{4F4CC500-C254-4A01-A1E9-3631BD4DF40D}" type="slidenum">
+              <a:rPr lang="ca-ES" smtClean="0"/>
+              <a:pPr/>
+              <a:t>26</a:t>
+            </a:fld>
+            <a:r>
+              <a:rPr lang="ca-ES" dirty="0" smtClean="0"/>
+              <a:t>/27</a:t>
+            </a:r>
+            <a:endParaRPr lang="ca-ES" dirty="0"/>
+          </a:p>
+        </p:txBody>
+      </p:sp>
+    </p:spTree>
+    <p:extLst>
+      <p:ext uri="{BB962C8B-B14F-4D97-AF65-F5344CB8AC3E}">
+        <p14:creationId xmlns:p14="http://schemas.microsoft.com/office/powerpoint/2010/main" val="2208991504"/>
+      </p:ext>
+    </p:extLst>
+  </p:cSld>
+  <p:clrMapOvr>
+    <a:masterClrMapping/>
+  </p:clrMapOvr>
+</p:sld>
+</file>
+
+<file path=ppt/slides/slide27.xml><?xml version="1.0" encoding="utf-8"?>
+<p:sld xmlns:a="http://schemas.openxmlformats.org/drawingml/2006/main" xmlns:r="http://schemas.openxmlformats.org/officeDocument/2006/relationships" xmlns:p="http://schemas.openxmlformats.org/presentationml/2006/main">
+  <p:cSld>
+    <p:spTree>
+      <p:nvGrpSpPr>
+        <p:cNvPr id="1" name=""/>
+        <p:cNvGrpSpPr/>
+        <p:nvPr/>
+      </p:nvGrpSpPr>
+      <p:grpSpPr>
+        <a:xfrm>
+          <a:off x="0" y="0"/>
+          <a:ext cx="0" cy="0"/>
+          <a:chOff x="0" y="0"/>
+          <a:chExt cx="0" cy="0"/>
+        </a:xfrm>
+      </p:grpSpPr>
+      <p:sp>
+        <p:nvSpPr>
           <p:cNvPr id="2" name="Título 1"/>
           <p:cNvSpPr>
             <a:spLocks noGrp="1"/>
@@ -10838,7 +11947,12 @@
             <p:ph idx="1"/>
           </p:nvPr>
         </p:nvSpPr>
-        <p:spPr/>
+        <p:spPr>
+          <a:xfrm>
+            <a:off x="581192" y="2180496"/>
+            <a:ext cx="11029615" cy="4148115"/>
+          </a:xfrm>
+        </p:spPr>
         <p:txBody>
           <a:bodyPr numCol="2">
             <a:normAutofit/>
@@ -10846,102 +11960,102 @@
           <a:lstStyle/>
           <a:p>
             <a:r>
-              <a:rPr lang="ca-ES" dirty="0" smtClean="0"/>
+              <a:rPr lang="ca-ES" sz="2400" dirty="0" smtClean="0"/>
               <a:t>Objetivos conseguidos:</a:t>
             </a:r>
           </a:p>
           <a:p>
             <a:pPr lvl="1"/>
             <a:r>
-              <a:rPr lang="es-ES" dirty="0" smtClean="0"/>
+              <a:rPr lang="es-ES" sz="2000" dirty="0" smtClean="0"/>
               <a:t>Web aplicación funcional</a:t>
             </a:r>
           </a:p>
           <a:p>
             <a:pPr lvl="1"/>
             <a:r>
-              <a:rPr lang="es-ES" dirty="0" smtClean="0"/>
+              <a:rPr lang="es-ES" sz="2000" dirty="0" smtClean="0"/>
               <a:t>Mejora respecto la forma anterior de hacerlo</a:t>
             </a:r>
           </a:p>
           <a:p>
             <a:pPr lvl="1"/>
-            <a:endParaRPr lang="es-ES" dirty="0" smtClean="0"/>
-          </a:p>
-          <a:p>
-            <a:r>
-              <a:rPr lang="es-ES" dirty="0" smtClean="0"/>
+            <a:endParaRPr lang="es-ES" sz="2000" dirty="0" smtClean="0"/>
+          </a:p>
+          <a:p>
+            <a:r>
+              <a:rPr lang="es-ES" sz="2400" dirty="0" smtClean="0"/>
               <a:t>Conocimientos aplicados</a:t>
             </a:r>
           </a:p>
           <a:p>
             <a:pPr lvl="1"/>
             <a:r>
-              <a:rPr lang="es-ES" dirty="0" smtClean="0"/>
+              <a:rPr lang="es-ES" sz="2000" dirty="0" smtClean="0"/>
               <a:t>Programación Python</a:t>
             </a:r>
           </a:p>
           <a:p>
             <a:pPr lvl="1"/>
             <a:r>
-              <a:rPr lang="es-ES" dirty="0" smtClean="0"/>
+              <a:rPr lang="es-ES" sz="2000" dirty="0" smtClean="0"/>
               <a:t>HTML</a:t>
             </a:r>
           </a:p>
           <a:p>
             <a:pPr lvl="1"/>
             <a:r>
-              <a:rPr lang="es-ES" dirty="0" smtClean="0"/>
+              <a:rPr lang="es-ES" sz="2000" dirty="0" smtClean="0"/>
               <a:t>CSS</a:t>
             </a:r>
           </a:p>
           <a:p>
             <a:pPr lvl="1"/>
             <a:r>
-              <a:rPr lang="es-ES" dirty="0" smtClean="0"/>
+              <a:rPr lang="es-ES" sz="2000" dirty="0" smtClean="0"/>
               <a:t>SQL</a:t>
             </a:r>
           </a:p>
           <a:p>
             <a:r>
-              <a:rPr lang="es-ES" dirty="0" smtClean="0"/>
+              <a:rPr lang="es-ES" sz="2400" dirty="0" smtClean="0"/>
               <a:t>Conocimientos adquiridos</a:t>
             </a:r>
           </a:p>
           <a:p>
             <a:pPr lvl="1"/>
             <a:r>
-              <a:rPr lang="es-ES" dirty="0" smtClean="0"/>
+              <a:rPr lang="es-ES" sz="2000" dirty="0" smtClean="0"/>
               <a:t>Programación PHP (y sus librerías)</a:t>
             </a:r>
           </a:p>
           <a:p>
             <a:pPr lvl="1"/>
             <a:r>
-              <a:rPr lang="es-ES" dirty="0" smtClean="0"/>
+              <a:rPr lang="es-ES" sz="2000" dirty="0" smtClean="0"/>
               <a:t>XAMPP + </a:t>
             </a:r>
             <a:r>
-              <a:rPr lang="es-ES" dirty="0" err="1" smtClean="0"/>
+              <a:rPr lang="es-ES" sz="2000" dirty="0" err="1" smtClean="0"/>
               <a:t>PHPMyAdmin</a:t>
             </a:r>
-            <a:endParaRPr lang="es-ES" dirty="0" smtClean="0"/>
+            <a:endParaRPr lang="es-ES" sz="2000" dirty="0" smtClean="0"/>
           </a:p>
           <a:p>
             <a:pPr lvl="1"/>
             <a:r>
-              <a:rPr lang="es-ES" dirty="0" err="1" smtClean="0"/>
+              <a:rPr lang="es-ES" sz="2000" dirty="0" err="1" smtClean="0"/>
               <a:t>Bootstrap</a:t>
             </a:r>
-            <a:endParaRPr lang="es-ES" dirty="0" smtClean="0"/>
+            <a:endParaRPr lang="es-ES" sz="2000" dirty="0" smtClean="0"/>
           </a:p>
           <a:p>
             <a:pPr lvl="1"/>
             <a:r>
-              <a:rPr lang="es-ES" dirty="0" err="1" smtClean="0"/>
+              <a:rPr lang="es-ES" sz="2000" dirty="0" err="1" smtClean="0"/>
               <a:t>Github</a:t>
             </a:r>
-            <a:endParaRPr lang="es-ES" dirty="0" smtClean="0"/>
+            <a:endParaRPr lang="es-ES" sz="2000" dirty="0" smtClean="0"/>
           </a:p>
           <a:p>
             <a:pPr lvl="1"/>
@@ -10970,11 +12084,11 @@
             <a:fld id="{4F4CC500-C254-4A01-A1E9-3631BD4DF40D}" type="slidenum">
               <a:rPr lang="ca-ES" smtClean="0"/>
               <a:pPr/>
-              <a:t>22</a:t>
+              <a:t>27</a:t>
             </a:fld>
             <a:r>
-              <a:rPr lang="ca-ES" smtClean="0"/>
-              <a:t>/22</a:t>
+              <a:rPr lang="ca-ES" dirty="0" smtClean="0"/>
+              <a:t>/27</a:t>
             </a:r>
             <a:endParaRPr lang="ca-ES" dirty="0"/>
           </a:p>
@@ -11000,7 +12114,7 @@
 </p:sld>
 </file>
 
-<file path=ppt/slides/slide23.xml><?xml version="1.0" encoding="utf-8"?>
+<file path=ppt/slides/slide28.xml><?xml version="1.0" encoding="utf-8"?>
 <p:sld xmlns:a="http://schemas.openxmlformats.org/drawingml/2006/main" xmlns:r="http://schemas.openxmlformats.org/officeDocument/2006/relationships" xmlns:p="http://schemas.openxmlformats.org/presentationml/2006/main">
   <p:cSld>
     <p:spTree>
@@ -11146,72 +12260,78 @@
           </a:xfrm>
         </p:spPr>
         <p:txBody>
-          <a:bodyPr/>
+          <a:bodyPr>
+            <a:normAutofit/>
+          </a:bodyPr>
           <a:lstStyle/>
           <a:p>
             <a:r>
-              <a:rPr lang="ca-ES" dirty="0" smtClean="0"/>
+              <a:rPr lang="ca-ES" sz="2400" dirty="0" smtClean="0"/>
               <a:t>Hasta </a:t>
             </a:r>
             <a:r>
-              <a:rPr lang="ca-ES" dirty="0" err="1" smtClean="0"/>
+              <a:rPr lang="ca-ES" sz="2400" dirty="0" err="1" smtClean="0"/>
               <a:t>ahora</a:t>
             </a:r>
             <a:r>
-              <a:rPr lang="ca-ES" dirty="0" smtClean="0"/>
+              <a:rPr lang="ca-ES" sz="2400" dirty="0" smtClean="0"/>
               <a:t>: </a:t>
             </a:r>
             <a:r>
-              <a:rPr lang="ca-ES" dirty="0" err="1" smtClean="0"/>
+              <a:rPr lang="ca-ES" sz="2400" dirty="0" err="1" smtClean="0"/>
               <a:t>Distribución</a:t>
             </a:r>
             <a:r>
-              <a:rPr lang="ca-ES" dirty="0" smtClean="0"/>
-              <a:t> del </a:t>
-            </a:r>
-            <a:r>
-              <a:rPr lang="ca-ES" dirty="0" err="1" smtClean="0"/>
+              <a:rPr lang="ca-ES" sz="2400" dirty="0" smtClean="0"/>
+              <a:t> </a:t>
+            </a:r>
+            <a:r>
+              <a:rPr lang="ca-ES" sz="2400" dirty="0" err="1" smtClean="0"/>
               <a:t>encargo</a:t>
             </a:r>
             <a:r>
-              <a:rPr lang="ca-ES" dirty="0" smtClean="0"/>
+              <a:rPr lang="ca-ES" sz="2400" dirty="0" smtClean="0"/>
               <a:t> </a:t>
             </a:r>
             <a:r>
-              <a:rPr lang="ca-ES" dirty="0" err="1" smtClean="0"/>
+              <a:rPr lang="ca-ES" sz="2400" dirty="0" err="1" smtClean="0"/>
               <a:t>docente</a:t>
             </a:r>
             <a:r>
-              <a:rPr lang="ca-ES" dirty="0" smtClean="0"/>
+              <a:rPr lang="ca-ES" sz="2400" dirty="0" smtClean="0"/>
               <a:t> en el </a:t>
             </a:r>
             <a:r>
-              <a:rPr lang="ca-ES" dirty="0" err="1" smtClean="0"/>
-              <a:t>departamento</a:t>
-            </a:r>
-            <a:r>
-              <a:rPr lang="ca-ES" dirty="0" smtClean="0"/>
-              <a:t> de </a:t>
-            </a:r>
-            <a:r>
-              <a:rPr lang="ca-ES" dirty="0" err="1" smtClean="0"/>
+              <a:rPr lang="ca-ES" sz="2400" dirty="0" err="1" smtClean="0"/>
+              <a:t>dpto</a:t>
+            </a:r>
+            <a:r>
+              <a:rPr lang="ca-ES" sz="2400" dirty="0" smtClean="0"/>
+              <a:t>. </a:t>
+            </a:r>
+            <a:r>
+              <a:rPr lang="ca-ES" sz="2400" dirty="0" smtClean="0"/>
+              <a:t>de </a:t>
+            </a:r>
+            <a:r>
+              <a:rPr lang="ca-ES" sz="2400" dirty="0" err="1" smtClean="0"/>
               <a:t>electrónica</a:t>
             </a:r>
-            <a:endParaRPr lang="ca-ES" dirty="0" smtClean="0"/>
-          </a:p>
-          <a:p>
-            <a:r>
-              <a:rPr lang="es-ES" dirty="0" smtClean="0"/>
+            <a:endParaRPr lang="ca-ES" sz="2400" dirty="0" smtClean="0"/>
+          </a:p>
+          <a:p>
+            <a:r>
+              <a:rPr lang="es-ES" sz="2400" dirty="0" smtClean="0"/>
               <a:t>Método:</a:t>
             </a:r>
-            <a:endParaRPr lang="es-ES" dirty="0" smtClean="0">
+            <a:endParaRPr lang="es-ES" sz="2400" dirty="0" smtClean="0">
               <a:sym typeface="Wingdings" panose="05000000000000000000" pitchFamily="2" charset="2"/>
             </a:endParaRPr>
           </a:p>
           <a:p>
             <a:pPr lvl="1"/>
             <a:r>
-              <a:rPr lang="es-ES" dirty="0" smtClean="0">
+              <a:rPr lang="es-ES" sz="2200" dirty="0" smtClean="0">
                 <a:sym typeface="Wingdings" panose="05000000000000000000" pitchFamily="2" charset="2"/>
               </a:rPr>
               <a:t>Poco eficiente </a:t>
@@ -11220,7 +12340,7 @@
           <a:p>
             <a:pPr lvl="1"/>
             <a:r>
-              <a:rPr lang="es-ES" dirty="0" smtClean="0">
+              <a:rPr lang="es-ES" sz="2200" dirty="0" smtClean="0">
                 <a:sym typeface="Wingdings" panose="05000000000000000000" pitchFamily="2" charset="2"/>
               </a:rPr>
               <a:t>Lento</a:t>
@@ -11233,26 +12353,18 @@
               </a:spcAft>
             </a:pPr>
             <a:r>
-              <a:rPr lang="es-ES" dirty="0" smtClean="0">
+              <a:rPr lang="es-ES" sz="2200" dirty="0" smtClean="0">
                 <a:sym typeface="Wingdings" panose="05000000000000000000" pitchFamily="2" charset="2"/>
               </a:rPr>
-              <a:t>Gran carga de trabajo</a:t>
-            </a:r>
-          </a:p>
-          <a:p>
-            <a:pPr marL="324000" lvl="1" indent="0">
-              <a:spcBef>
-                <a:spcPts val="0"/>
-              </a:spcBef>
-              <a:buNone/>
-            </a:pPr>
-            <a:r>
-              <a:rPr lang="es-ES" dirty="0" smtClean="0">
+              <a:t>Gran carga de </a:t>
+            </a:r>
+            <a:r>
+              <a:rPr lang="es-ES" sz="2200" dirty="0" smtClean="0">
                 <a:sym typeface="Wingdings" panose="05000000000000000000" pitchFamily="2" charset="2"/>
               </a:rPr>
-              <a:t>      para el responsable</a:t>
-            </a:r>
-            <a:endParaRPr lang="ca-ES" dirty="0">
+              <a:t>trabajo para el responsable</a:t>
+            </a:r>
+            <a:endParaRPr lang="ca-ES" sz="2200" dirty="0">
               <a:solidFill>
                 <a:srgbClr val="FF0000"/>
               </a:solidFill>
@@ -11268,7 +12380,7 @@
         </p:nvCxnSpPr>
         <p:spPr>
           <a:xfrm>
-            <a:off x="8803119" y="2690557"/>
+            <a:off x="9733460" y="2632528"/>
             <a:ext cx="404948" cy="0"/>
           </a:xfrm>
           <a:prstGeom prst="straightConnector1">
@@ -11301,7 +12413,7 @@
         </p:nvSpPr>
         <p:spPr>
           <a:xfrm flipH="1">
-            <a:off x="9373704" y="2505891"/>
+            <a:off x="10252010" y="2461087"/>
             <a:ext cx="971226" cy="369332"/>
           </a:xfrm>
           <a:prstGeom prst="rect">
@@ -11358,67 +12470,13 @@
               <a:t>3</a:t>
             </a:fld>
             <a:r>
-              <a:rPr lang="ca-ES" smtClean="0"/>
-              <a:t>/22</a:t>
+              <a:rPr lang="ca-ES" dirty="0" smtClean="0"/>
+              <a:t>/27</a:t>
             </a:r>
             <a:endParaRPr lang="ca-ES" dirty="0"/>
           </a:p>
         </p:txBody>
       </p:sp>
-      <p:pic>
-        <p:nvPicPr>
-          <p:cNvPr id="1026" name="Picture 1"/>
-          <p:cNvPicPr>
-            <a:picLocks noChangeAspect="1" noChangeArrowheads="1"/>
-          </p:cNvPicPr>
-          <p:nvPr/>
-        </p:nvPicPr>
-        <p:blipFill>
-          <a:blip r:embed="rId2">
-            <a:extLst>
-              <a:ext uri="{28A0092B-C50C-407E-A947-70E740481C1C}">
-                <a14:useLocalDpi xmlns:a14="http://schemas.microsoft.com/office/drawing/2010/main" val="0"/>
-              </a:ext>
-            </a:extLst>
-          </a:blip>
-          <a:srcRect/>
-          <a:stretch>
-            <a:fillRect/>
-          </a:stretch>
-        </p:blipFill>
-        <p:spPr bwMode="auto">
-          <a:xfrm>
-            <a:off x="4054860" y="3545262"/>
-            <a:ext cx="6290070" cy="2150711"/>
-          </a:xfrm>
-          <a:prstGeom prst="rect">
-            <a:avLst/>
-          </a:prstGeom>
-          <a:noFill/>
-          <a:ln>
-            <a:noFill/>
-          </a:ln>
-          <a:extLst>
-            <a:ext uri="{909E8E84-426E-40DD-AFC4-6F175D3DCCD1}">
-              <a14:hiddenFill xmlns:a14="http://schemas.microsoft.com/office/drawing/2010/main">
-                <a:solidFill>
-                  <a:srgbClr val="FFFFFF"/>
-                </a:solidFill>
-              </a14:hiddenFill>
-            </a:ext>
-            <a:ext uri="{91240B29-F687-4F45-9708-019B960494DF}">
-              <a14:hiddenLine xmlns:a14="http://schemas.microsoft.com/office/drawing/2010/main" w="9525">
-                <a:solidFill>
-                  <a:srgbClr val="000000"/>
-                </a:solidFill>
-                <a:miter lim="800000"/>
-                <a:headEnd/>
-                <a:tailEnd/>
-              </a14:hiddenLine>
-            </a:ext>
-          </a:extLst>
-        </p:spPr>
-      </p:pic>
     </p:spTree>
     <p:extLst>
       <p:ext uri="{BB962C8B-B14F-4D97-AF65-F5344CB8AC3E}">
@@ -11458,7 +12516,7 @@
       </p:grpSpPr>
       <p:sp>
         <p:nvSpPr>
-          <p:cNvPr id="2" name="Título 1"/>
+          <p:cNvPr id="2" name="1 Título"/>
           <p:cNvSpPr>
             <a:spLocks noGrp="1"/>
           </p:cNvSpPr>
@@ -11466,173 +12524,22 @@
             <p:ph type="title"/>
           </p:nvPr>
         </p:nvSpPr>
-        <p:spPr>
-          <a:xfrm>
-            <a:off x="838200" y="325937"/>
-            <a:ext cx="10515600" cy="1325563"/>
-          </a:xfrm>
-        </p:spPr>
+        <p:spPr/>
         <p:txBody>
           <a:bodyPr/>
           <a:lstStyle/>
           <a:p>
             <a:r>
               <a:rPr lang="es-ES" dirty="0" smtClean="0"/>
-              <a:t>REQUERIMENTOS PREVIOS </a:t>
-            </a:r>
-            <a:endParaRPr lang="ca-ES" dirty="0"/>
-          </a:p>
-        </p:txBody>
-      </p:sp>
-      <p:sp>
-        <p:nvSpPr>
-          <p:cNvPr id="3" name="Marcador de contenido 2"/>
-          <p:cNvSpPr>
-            <a:spLocks noGrp="1"/>
-          </p:cNvSpPr>
-          <p:nvPr>
-            <p:ph idx="1"/>
-          </p:nvPr>
-        </p:nvSpPr>
-        <p:spPr>
-          <a:xfrm>
-            <a:off x="581193" y="2399953"/>
-            <a:ext cx="11029617" cy="2958432"/>
-          </a:xfrm>
-        </p:spPr>
-        <p:txBody>
-          <a:bodyPr numCol="2"/>
-          <a:lstStyle/>
-          <a:p>
-            <a:r>
-              <a:rPr lang="es-ES" dirty="0"/>
-              <a:t>Cada asignatura: créditos ECTS </a:t>
-            </a:r>
-            <a:r>
-              <a:rPr lang="es-ES" dirty="0" smtClean="0"/>
-              <a:t>asignados</a:t>
-            </a:r>
-          </a:p>
-          <a:p>
-            <a:pPr lvl="1"/>
-            <a:r>
-              <a:rPr lang="es-ES" dirty="0"/>
-              <a:t>A</a:t>
-            </a:r>
-            <a:r>
-              <a:rPr lang="es-ES" dirty="0" smtClean="0"/>
-              <a:t>lumno: 25/30 horas de dedicación</a:t>
-            </a:r>
-            <a:endParaRPr lang="ca-ES" dirty="0"/>
-          </a:p>
-          <a:p>
-            <a:pPr lvl="1"/>
-            <a:r>
-              <a:rPr lang="ca-ES" dirty="0" smtClean="0"/>
-              <a:t>Profesor:</a:t>
-            </a:r>
-          </a:p>
-          <a:p>
-            <a:pPr lvl="2"/>
-            <a:r>
-              <a:rPr lang="ca-ES" dirty="0" smtClean="0"/>
-              <a:t>Grado</a:t>
-            </a:r>
-            <a:r>
-              <a:rPr lang="ca-ES" dirty="0"/>
-              <a:t>: </a:t>
-            </a:r>
-            <a:r>
-              <a:rPr lang="ca-ES" dirty="0" smtClean="0"/>
-              <a:t>10 horas de enseñanza</a:t>
-            </a:r>
-            <a:endParaRPr lang="ca-ES" dirty="0"/>
-          </a:p>
-          <a:p>
-            <a:pPr lvl="2"/>
-            <a:r>
-              <a:rPr lang="ca-ES" dirty="0"/>
-              <a:t>Máster</a:t>
-            </a:r>
-            <a:r>
-              <a:rPr lang="ca-ES" dirty="0" smtClean="0"/>
-              <a:t>: 9 horas de enseñanza</a:t>
-            </a:r>
-          </a:p>
-          <a:p>
-            <a:pPr lvl="1"/>
-            <a:endParaRPr lang="ca-ES" sz="1800" dirty="0" smtClean="0"/>
-          </a:p>
-          <a:p>
-            <a:r>
-              <a:rPr lang="es-ES" dirty="0" smtClean="0"/>
-              <a:t>Útil </a:t>
-            </a:r>
-            <a:r>
-              <a:rPr lang="es-ES" dirty="0"/>
-              <a:t>conocimientos previos programación</a:t>
-            </a:r>
-            <a:endParaRPr lang="ca-ES" dirty="0"/>
-          </a:p>
-          <a:p>
-            <a:pPr marL="324000" lvl="1" indent="0">
-              <a:buNone/>
-            </a:pPr>
-            <a:endParaRPr lang="es-ES" dirty="0" smtClean="0"/>
-          </a:p>
-          <a:p>
-            <a:r>
-              <a:rPr lang="es-ES" dirty="0"/>
-              <a:t>Cada profesor: </a:t>
-            </a:r>
-            <a:r>
-              <a:rPr lang="es-ES" dirty="0" err="1"/>
-              <a:t>PADs</a:t>
-            </a:r>
-            <a:r>
-              <a:rPr lang="es-ES" dirty="0"/>
-              <a:t> contratados</a:t>
-            </a:r>
-          </a:p>
-          <a:p>
-            <a:pPr lvl="1"/>
-            <a:r>
-              <a:rPr lang="es-ES" dirty="0"/>
-              <a:t>1 crédito ECTS = 3 </a:t>
-            </a:r>
-            <a:r>
-              <a:rPr lang="es-ES" dirty="0" err="1" smtClean="0"/>
-              <a:t>PADs</a:t>
-            </a:r>
-            <a:endParaRPr lang="es-ES" dirty="0" smtClean="0"/>
-          </a:p>
-          <a:p>
-            <a:pPr lvl="1"/>
-            <a:r>
-              <a:rPr lang="es-ES" dirty="0" smtClean="0"/>
-              <a:t>Tiene que cubrir los </a:t>
-            </a:r>
-            <a:r>
-              <a:rPr lang="es-ES" dirty="0" err="1" smtClean="0"/>
-              <a:t>PADs</a:t>
-            </a:r>
-            <a:r>
-              <a:rPr lang="es-ES" dirty="0" smtClean="0"/>
-              <a:t> con asignaturas</a:t>
+              <a:t>Origen del proyecto</a:t>
             </a:r>
             <a:endParaRPr lang="es-ES" dirty="0"/>
           </a:p>
-          <a:p>
-            <a:pPr marL="324000" lvl="1" indent="0">
-              <a:buNone/>
-            </a:pPr>
-            <a:endParaRPr lang="es-ES" dirty="0"/>
-          </a:p>
-        </p:txBody>
-      </p:sp>
-      <p:sp>
-        <p:nvSpPr>
-          <p:cNvPr id="5" name="Marcador de número de diapositiva 4"/>
+        </p:txBody>
+      </p:sp>
+      <p:sp>
+        <p:nvSpPr>
+          <p:cNvPr id="4" name="3 Marcador de número de diapositiva"/>
           <p:cNvSpPr>
             <a:spLocks noGrp="1"/>
           </p:cNvSpPr>
@@ -11651,30 +12558,77 @@
               <a:t>4</a:t>
             </a:fld>
             <a:r>
-              <a:rPr lang="ca-ES" smtClean="0"/>
-              <a:t>/22</a:t>
+              <a:rPr lang="ca-ES" dirty="0" smtClean="0"/>
+              <a:t>/27</a:t>
             </a:r>
             <a:endParaRPr lang="ca-ES" dirty="0"/>
           </a:p>
         </p:txBody>
       </p:sp>
+      <p:pic>
+        <p:nvPicPr>
+          <p:cNvPr id="5" name="Picture 1"/>
+          <p:cNvPicPr>
+            <a:picLocks noChangeAspect="1" noChangeArrowheads="1"/>
+          </p:cNvPicPr>
+          <p:nvPr/>
+        </p:nvPicPr>
+        <p:blipFill>
+          <a:blip r:embed="rId2">
+            <a:extLst>
+              <a:ext uri="{28A0092B-C50C-407E-A947-70E740481C1C}">
+                <a14:useLocalDpi xmlns:a14="http://schemas.microsoft.com/office/drawing/2010/main" val="0"/>
+              </a:ext>
+            </a:extLst>
+          </a:blip>
+          <a:srcRect/>
+          <a:stretch>
+            <a:fillRect/>
+          </a:stretch>
+        </p:blipFill>
+        <p:spPr bwMode="auto">
+          <a:xfrm>
+            <a:off x="433137" y="2156510"/>
+            <a:ext cx="11427772" cy="3907403"/>
+          </a:xfrm>
+          <a:prstGeom prst="rect">
+            <a:avLst/>
+          </a:prstGeom>
+          <a:noFill/>
+          <a:ln>
+            <a:noFill/>
+          </a:ln>
+          <a:extLst>
+            <a:ext uri="{909E8E84-426E-40DD-AFC4-6F175D3DCCD1}">
+              <a14:hiddenFill xmlns:a14="http://schemas.microsoft.com/office/drawing/2010/main">
+                <a:solidFill>
+                  <a:srgbClr val="FFFFFF"/>
+                </a:solidFill>
+              </a14:hiddenFill>
+            </a:ext>
+            <a:ext uri="{91240B29-F687-4F45-9708-019B960494DF}">
+              <a14:hiddenLine xmlns:a14="http://schemas.microsoft.com/office/drawing/2010/main" w="9525">
+                <a:solidFill>
+                  <a:srgbClr val="000000"/>
+                </a:solidFill>
+                <a:miter lim="800000"/>
+                <a:headEnd/>
+                <a:tailEnd/>
+              </a14:hiddenLine>
+            </a:ext>
+          </a:extLst>
+        </p:spPr>
+      </p:pic>
     </p:spTree>
     <p:extLst>
       <p:ext uri="{BB962C8B-B14F-4D97-AF65-F5344CB8AC3E}">
-        <p14:creationId xmlns:p14="http://schemas.microsoft.com/office/powerpoint/2010/main" val="2850338055"/>
+        <p14:creationId xmlns:p14="http://schemas.microsoft.com/office/powerpoint/2010/main" val="95098345"/>
       </p:ext>
     </p:extLst>
   </p:cSld>
   <p:clrMapOvr>
     <a:masterClrMapping/>
   </p:clrMapOvr>
-  <p:timing>
-    <p:tnLst>
-      <p:par>
-        <p:cTn id="1" dur="indefinite" restart="never" nodeType="tmRoot"/>
-      </p:par>
-    </p:tnLst>
-  </p:timing>
 </p:sld>
 </file>
 
@@ -11705,14 +12659,19 @@
             <p:ph type="title"/>
           </p:nvPr>
         </p:nvSpPr>
-        <p:spPr/>
+        <p:spPr>
+          <a:xfrm>
+            <a:off x="838200" y="325937"/>
+            <a:ext cx="10515600" cy="1325563"/>
+          </a:xfrm>
+        </p:spPr>
         <p:txBody>
           <a:bodyPr/>
           <a:lstStyle/>
           <a:p>
             <a:r>
-              <a:rPr lang="es-ES" dirty="0" err="1" smtClean="0"/>
-              <a:t>ObjetiVOs</a:t>
+              <a:rPr lang="es-ES" dirty="0" smtClean="0"/>
+              <a:t>REQUERIMENTOS PREVIOS </a:t>
             </a:r>
             <a:endParaRPr lang="ca-ES" dirty="0"/>
           </a:p>
@@ -11730,260 +12689,143 @@
         </p:nvSpPr>
         <p:spPr>
           <a:xfrm>
-            <a:off x="581192" y="2180496"/>
-            <a:ext cx="11123128" cy="3678303"/>
+            <a:off x="372979" y="2399953"/>
+            <a:ext cx="12043610" cy="3218794"/>
           </a:xfrm>
         </p:spPr>
         <p:txBody>
-          <a:bodyPr>
-            <a:normAutofit/>
+          <a:bodyPr numCol="2">
+            <a:normAutofit lnSpcReduction="10000"/>
           </a:bodyPr>
           <a:lstStyle/>
           <a:p>
-            <a:pPr marL="0" indent="0">
+            <a:r>
+              <a:rPr lang="es-ES" sz="2400" dirty="0"/>
+              <a:t>Cada asignatura: créditos ECTS </a:t>
+            </a:r>
+            <a:r>
+              <a:rPr lang="es-ES" sz="2400" dirty="0" smtClean="0"/>
+              <a:t>asignados</a:t>
+            </a:r>
+          </a:p>
+          <a:p>
+            <a:pPr lvl="1"/>
+            <a:r>
+              <a:rPr lang="es-ES" sz="2000" dirty="0"/>
+              <a:t>A</a:t>
+            </a:r>
+            <a:r>
+              <a:rPr lang="es-ES" sz="2000" dirty="0" smtClean="0"/>
+              <a:t>lumno: 25/30 horas de dedicación</a:t>
+            </a:r>
+            <a:endParaRPr lang="ca-ES" sz="2000" dirty="0"/>
+          </a:p>
+          <a:p>
+            <a:pPr lvl="1"/>
+            <a:r>
+              <a:rPr lang="ca-ES" sz="2000" dirty="0" smtClean="0"/>
+              <a:t>Profesor:</a:t>
+            </a:r>
+          </a:p>
+          <a:p>
+            <a:pPr lvl="2"/>
+            <a:r>
+              <a:rPr lang="ca-ES" sz="1800" dirty="0" smtClean="0"/>
+              <a:t>Grado</a:t>
+            </a:r>
+            <a:r>
+              <a:rPr lang="ca-ES" sz="1800" dirty="0"/>
+              <a:t>: </a:t>
+            </a:r>
+            <a:r>
+              <a:rPr lang="ca-ES" sz="1800" dirty="0" smtClean="0"/>
+              <a:t>10 horas de enseñanza</a:t>
+            </a:r>
+            <a:endParaRPr lang="ca-ES" sz="1800" dirty="0"/>
+          </a:p>
+          <a:p>
+            <a:pPr lvl="2"/>
+            <a:r>
+              <a:rPr lang="ca-ES" sz="1800" dirty="0"/>
+              <a:t>Máster</a:t>
+            </a:r>
+            <a:r>
+              <a:rPr lang="ca-ES" sz="1800" dirty="0" smtClean="0"/>
+              <a:t>: 9 horas de enseñanza</a:t>
+            </a:r>
+          </a:p>
+          <a:p>
+            <a:pPr lvl="1"/>
+            <a:endParaRPr lang="ca-ES" sz="2400" dirty="0" smtClean="0"/>
+          </a:p>
+          <a:p>
+            <a:r>
+              <a:rPr lang="es-ES" sz="2400" dirty="0" smtClean="0"/>
+              <a:t>Útil </a:t>
+            </a:r>
+            <a:r>
+              <a:rPr lang="es-ES" sz="2400" dirty="0"/>
+              <a:t>conocimientos previos </a:t>
+            </a:r>
+            <a:r>
+              <a:rPr lang="es-ES" sz="2400" dirty="0" smtClean="0"/>
+              <a:t>programación</a:t>
+            </a:r>
+            <a:endParaRPr lang="es-ES" sz="2000" dirty="0" smtClean="0"/>
+          </a:p>
+          <a:p>
+            <a:r>
+              <a:rPr lang="es-ES" sz="2400" dirty="0"/>
+              <a:t>Cada profesor: </a:t>
+            </a:r>
+            <a:r>
+              <a:rPr lang="es-ES" sz="2400" dirty="0" err="1"/>
+              <a:t>PADs</a:t>
+            </a:r>
+            <a:r>
+              <a:rPr lang="es-ES" sz="2400" dirty="0"/>
+              <a:t> contratados</a:t>
+            </a:r>
+          </a:p>
+          <a:p>
+            <a:pPr lvl="1"/>
+            <a:r>
+              <a:rPr lang="es-ES" sz="2000" dirty="0"/>
+              <a:t>1 crédito ECTS = 3 </a:t>
+            </a:r>
+            <a:r>
+              <a:rPr lang="es-ES" sz="2000" dirty="0" err="1" smtClean="0"/>
+              <a:t>PADs</a:t>
+            </a:r>
+            <a:endParaRPr lang="es-ES" sz="2000" dirty="0" smtClean="0"/>
+          </a:p>
+          <a:p>
+            <a:pPr lvl="1"/>
+            <a:r>
+              <a:rPr lang="es-ES" sz="2000" dirty="0" smtClean="0"/>
+              <a:t>Tiene que cubrir los </a:t>
+            </a:r>
+            <a:r>
+              <a:rPr lang="es-ES" sz="2000" dirty="0" err="1" smtClean="0"/>
+              <a:t>PADs</a:t>
+            </a:r>
+            <a:r>
+              <a:rPr lang="es-ES" sz="2000" dirty="0" smtClean="0"/>
+              <a:t> con asignaturas</a:t>
+            </a:r>
+            <a:endParaRPr lang="es-ES" sz="2000" dirty="0"/>
+          </a:p>
+          <a:p>
+            <a:pPr marL="324000" lvl="1" indent="0">
               <a:buNone/>
             </a:pPr>
-            <a:endParaRPr lang="en-US" dirty="0" smtClean="0"/>
-          </a:p>
-          <a:p>
-            <a:pPr marL="0" indent="0">
-              <a:buNone/>
-            </a:pPr>
-            <a:endParaRPr lang="en-US" dirty="0"/>
-          </a:p>
-          <a:p>
-            <a:r>
-              <a:rPr lang="en-US" dirty="0" err="1" smtClean="0"/>
-              <a:t>Desarrollar</a:t>
-            </a:r>
-            <a:r>
-              <a:rPr lang="en-US" dirty="0" smtClean="0"/>
-              <a:t> </a:t>
-            </a:r>
-            <a:r>
-              <a:rPr lang="en-US" dirty="0" err="1" smtClean="0"/>
-              <a:t>una</a:t>
-            </a:r>
-            <a:r>
-              <a:rPr lang="en-US" dirty="0" smtClean="0"/>
-              <a:t> </a:t>
-            </a:r>
-            <a:r>
-              <a:rPr lang="en-US" dirty="0" err="1" smtClean="0"/>
-              <a:t>aplicación</a:t>
-            </a:r>
-            <a:r>
-              <a:rPr lang="en-US" dirty="0"/>
-              <a:t> </a:t>
-            </a:r>
-            <a:r>
-              <a:rPr lang="en-US" dirty="0" smtClean="0"/>
-              <a:t>web.</a:t>
-            </a:r>
-          </a:p>
-          <a:p>
-            <a:r>
-              <a:rPr lang="en-US" dirty="0" smtClean="0"/>
-              <a:t>La </a:t>
-            </a:r>
-            <a:r>
-              <a:rPr lang="en-US" dirty="0" err="1" smtClean="0"/>
-              <a:t>solución</a:t>
-            </a:r>
-            <a:r>
-              <a:rPr lang="en-US" dirty="0" smtClean="0"/>
-              <a:t> </a:t>
-            </a:r>
-            <a:r>
-              <a:rPr lang="en-US" dirty="0" err="1" smtClean="0"/>
-              <a:t>debe</a:t>
-            </a:r>
-            <a:r>
-              <a:rPr lang="en-US" dirty="0" smtClean="0"/>
-              <a:t> </a:t>
-            </a:r>
-            <a:r>
-              <a:rPr lang="en-US" dirty="0" err="1" smtClean="0"/>
-              <a:t>ser</a:t>
-            </a:r>
-            <a:r>
-              <a:rPr lang="en-US" dirty="0" smtClean="0"/>
-              <a:t> </a:t>
-            </a:r>
-            <a:r>
-              <a:rPr lang="en-US" dirty="0" err="1" smtClean="0"/>
-              <a:t>intuitiva</a:t>
-            </a:r>
-            <a:r>
-              <a:rPr lang="en-US" dirty="0" smtClean="0"/>
-              <a:t> y </a:t>
-            </a:r>
-            <a:r>
-              <a:rPr lang="en-US" dirty="0" err="1" smtClean="0"/>
-              <a:t>aportar</a:t>
-            </a:r>
-            <a:r>
-              <a:rPr lang="en-US" dirty="0" smtClean="0"/>
-              <a:t> </a:t>
-            </a:r>
-            <a:r>
-              <a:rPr lang="en-US" dirty="0" err="1" smtClean="0"/>
-              <a:t>una</a:t>
-            </a:r>
-            <a:r>
-              <a:rPr lang="en-US" dirty="0" smtClean="0"/>
-              <a:t> </a:t>
-            </a:r>
-            <a:r>
-              <a:rPr lang="en-US" dirty="0" err="1" smtClean="0"/>
-              <a:t>mejora</a:t>
-            </a:r>
-            <a:r>
-              <a:rPr lang="en-US" dirty="0" smtClean="0"/>
-              <a:t> </a:t>
-            </a:r>
-            <a:r>
-              <a:rPr lang="en-US" dirty="0" err="1" smtClean="0"/>
-              <a:t>respecto</a:t>
-            </a:r>
-            <a:r>
-              <a:rPr lang="en-US" dirty="0" smtClean="0"/>
-              <a:t> la </a:t>
-            </a:r>
-            <a:r>
-              <a:rPr lang="en-US" dirty="0" err="1" smtClean="0"/>
-              <a:t>situacion</a:t>
-            </a:r>
-            <a:r>
-              <a:rPr lang="en-US" dirty="0" smtClean="0"/>
-              <a:t> anterior </a:t>
-            </a:r>
-            <a:r>
-              <a:rPr lang="en-US" dirty="0" smtClean="0">
-                <a:sym typeface="Wingdings" pitchFamily="2" charset="2"/>
-              </a:rPr>
-              <a:t></a:t>
-            </a:r>
-            <a:r>
-              <a:rPr lang="en-US" dirty="0" smtClean="0"/>
-              <a:t> </a:t>
-            </a:r>
-            <a:r>
-              <a:rPr lang="en-US" dirty="0" err="1" smtClean="0"/>
-              <a:t>proceso</a:t>
-            </a:r>
-            <a:r>
-              <a:rPr lang="en-US" dirty="0" smtClean="0"/>
-              <a:t> </a:t>
-            </a:r>
-            <a:r>
-              <a:rPr lang="en-US" dirty="0" err="1" smtClean="0"/>
-              <a:t>más</a:t>
-            </a:r>
-            <a:r>
-              <a:rPr lang="en-US" dirty="0" smtClean="0"/>
-              <a:t> </a:t>
-            </a:r>
-            <a:r>
-              <a:rPr lang="en-US" dirty="0" err="1" smtClean="0"/>
-              <a:t>facil</a:t>
-            </a:r>
-            <a:r>
-              <a:rPr lang="en-US" dirty="0" smtClean="0"/>
-              <a:t> y </a:t>
-            </a:r>
-            <a:r>
-              <a:rPr lang="en-US" dirty="0" err="1" smtClean="0"/>
-              <a:t>rápido</a:t>
-            </a:r>
-            <a:r>
-              <a:rPr lang="en-US" dirty="0" smtClean="0"/>
-              <a:t>.</a:t>
-            </a:r>
-            <a:endParaRPr lang="ca-ES" dirty="0" smtClean="0"/>
-          </a:p>
-        </p:txBody>
-      </p:sp>
-      <p:sp>
-        <p:nvSpPr>
-          <p:cNvPr id="5" name="CuadroTexto 4"/>
-          <p:cNvSpPr txBox="1"/>
-          <p:nvPr/>
-        </p:nvSpPr>
-        <p:spPr>
-          <a:xfrm>
-            <a:off x="1130968" y="2712877"/>
-            <a:ext cx="10081513" cy="769441"/>
-          </a:xfrm>
-          <a:prstGeom prst="rect">
-            <a:avLst/>
-          </a:prstGeom>
-          <a:ln w="28575">
-            <a:solidFill>
-              <a:srgbClr val="5ECCF3"/>
-            </a:solidFill>
-          </a:ln>
-        </p:spPr>
-        <p:style>
-          <a:lnRef idx="1">
-            <a:schemeClr val="accent1"/>
-          </a:lnRef>
-          <a:fillRef idx="1002">
-            <a:schemeClr val="lt1"/>
-          </a:fillRef>
-          <a:effectRef idx="1">
-            <a:schemeClr val="accent1"/>
-          </a:effectRef>
-          <a:fontRef idx="minor">
-            <a:schemeClr val="dk1"/>
-          </a:fontRef>
-        </p:style>
-        <p:txBody>
-          <a:bodyPr wrap="square" rtlCol="0">
-            <a:spAutoFit/>
-          </a:bodyPr>
-          <a:lstStyle/>
-          <a:p>
-            <a:pPr defTabSz="457200">
-              <a:spcBef>
-                <a:spcPct val="20000"/>
-              </a:spcBef>
-              <a:spcAft>
-                <a:spcPts val="600"/>
-              </a:spcAft>
-              <a:buClr>
-                <a:schemeClr val="accent2"/>
-              </a:buClr>
-              <a:buSzPct val="92000"/>
-            </a:pPr>
-            <a:r>
-              <a:rPr lang="ca-ES" sz="2200" dirty="0" smtClean="0">
-                <a:solidFill>
-                  <a:schemeClr val="tx2"/>
-                </a:solidFill>
-              </a:rPr>
-              <a:t>Creación de una herramienta web que satisfaga una necesidad en el departamento de electrónica en la ETSEIB para </a:t>
-            </a:r>
-            <a:r>
-              <a:rPr lang="ca-ES" sz="2200" dirty="0" smtClean="0">
-                <a:solidFill>
-                  <a:schemeClr val="tx2"/>
-                </a:solidFill>
-                <a:sym typeface="Wingdings" panose="05000000000000000000" pitchFamily="2" charset="2"/>
-              </a:rPr>
-              <a:t>la gestión del encargo docente</a:t>
-            </a:r>
-            <a:endParaRPr lang="ca-ES" sz="2200" dirty="0">
-              <a:solidFill>
-                <a:schemeClr val="tx2"/>
-              </a:solidFill>
-            </a:endParaRPr>
-          </a:p>
-        </p:txBody>
-      </p:sp>
-      <p:sp>
-        <p:nvSpPr>
-          <p:cNvPr id="4" name="Marcador de número de diapositiva 3"/>
+            <a:endParaRPr lang="es-ES" sz="1800" dirty="0"/>
+          </a:p>
+        </p:txBody>
+      </p:sp>
+      <p:sp>
+        <p:nvSpPr>
+          <p:cNvPr id="5" name="Marcador de número de diapositiva 4"/>
           <p:cNvSpPr>
             <a:spLocks noGrp="1"/>
           </p:cNvSpPr>
@@ -12002,8 +12844,8 @@
               <a:t>5</a:t>
             </a:fld>
             <a:r>
-              <a:rPr lang="ca-ES" smtClean="0"/>
-              <a:t>/22</a:t>
+              <a:rPr lang="ca-ES" dirty="0" smtClean="0"/>
+              <a:t>/27</a:t>
             </a:r>
             <a:endParaRPr lang="ca-ES" dirty="0"/>
           </a:p>
@@ -12012,7 +12854,7 @@
     </p:spTree>
     <p:extLst>
       <p:ext uri="{BB962C8B-B14F-4D97-AF65-F5344CB8AC3E}">
-        <p14:creationId xmlns:p14="http://schemas.microsoft.com/office/powerpoint/2010/main" val="2090342008"/>
+        <p14:creationId xmlns:p14="http://schemas.microsoft.com/office/powerpoint/2010/main" val="2850338055"/>
       </p:ext>
     </p:extLst>
   </p:cSld>
@@ -12062,8 +12904,8 @@
           <a:lstStyle/>
           <a:p>
             <a:r>
-              <a:rPr lang="es-ES" dirty="0" smtClean="0"/>
-              <a:t>ALCANCE</a:t>
+              <a:rPr lang="es-ES" dirty="0" err="1" smtClean="0"/>
+              <a:t>ObjetiVOs</a:t>
             </a:r>
             <a:endParaRPr lang="ca-ES" dirty="0"/>
           </a:p>
@@ -12071,7 +12913,270 @@
       </p:sp>
       <p:sp>
         <p:nvSpPr>
-          <p:cNvPr id="3" name="Marcador de número de diapositiva 2"/>
+          <p:cNvPr id="3" name="Marcador de contenido 2"/>
+          <p:cNvSpPr>
+            <a:spLocks noGrp="1"/>
+          </p:cNvSpPr>
+          <p:nvPr>
+            <p:ph idx="1"/>
+          </p:nvPr>
+        </p:nvSpPr>
+        <p:spPr>
+          <a:xfrm>
+            <a:off x="216568" y="2180496"/>
+            <a:ext cx="11975432" cy="3678303"/>
+          </a:xfrm>
+        </p:spPr>
+        <p:txBody>
+          <a:bodyPr>
+            <a:normAutofit/>
+          </a:bodyPr>
+          <a:lstStyle/>
+          <a:p>
+            <a:pPr marL="0" indent="0">
+              <a:buNone/>
+            </a:pPr>
+            <a:endParaRPr lang="en-US" dirty="0" smtClean="0"/>
+          </a:p>
+          <a:p>
+            <a:pPr marL="0" indent="0">
+              <a:buNone/>
+            </a:pPr>
+            <a:endParaRPr lang="en-US" dirty="0"/>
+          </a:p>
+          <a:p>
+            <a:r>
+              <a:rPr lang="en-US" sz="2000" dirty="0" err="1" smtClean="0"/>
+              <a:t>Desarrollar</a:t>
+            </a:r>
+            <a:r>
+              <a:rPr lang="en-US" sz="2000" dirty="0" smtClean="0"/>
+              <a:t> </a:t>
+            </a:r>
+            <a:r>
+              <a:rPr lang="en-US" sz="2000" dirty="0" err="1" smtClean="0"/>
+              <a:t>una</a:t>
+            </a:r>
+            <a:r>
+              <a:rPr lang="en-US" sz="2000" dirty="0" smtClean="0"/>
+              <a:t> </a:t>
+            </a:r>
+            <a:r>
+              <a:rPr lang="en-US" sz="2000" dirty="0" err="1" smtClean="0"/>
+              <a:t>aplicación</a:t>
+            </a:r>
+            <a:r>
+              <a:rPr lang="en-US" sz="2000" dirty="0"/>
+              <a:t> </a:t>
+            </a:r>
+            <a:r>
+              <a:rPr lang="en-US" sz="2000" dirty="0" smtClean="0"/>
+              <a:t>web.</a:t>
+            </a:r>
+          </a:p>
+          <a:p>
+            <a:r>
+              <a:rPr lang="en-US" sz="2000" dirty="0" smtClean="0"/>
+              <a:t>La </a:t>
+            </a:r>
+            <a:r>
+              <a:rPr lang="en-US" sz="2000" dirty="0" err="1" smtClean="0"/>
+              <a:t>solución</a:t>
+            </a:r>
+            <a:r>
+              <a:rPr lang="en-US" sz="2000" dirty="0" smtClean="0"/>
+              <a:t> </a:t>
+            </a:r>
+            <a:r>
+              <a:rPr lang="en-US" sz="2000" dirty="0" err="1" smtClean="0"/>
+              <a:t>debe</a:t>
+            </a:r>
+            <a:r>
+              <a:rPr lang="en-US" sz="2000" dirty="0" smtClean="0"/>
+              <a:t> </a:t>
+            </a:r>
+            <a:r>
+              <a:rPr lang="en-US" sz="2000" dirty="0" err="1" smtClean="0"/>
+              <a:t>ser</a:t>
+            </a:r>
+            <a:r>
+              <a:rPr lang="en-US" sz="2000" dirty="0" smtClean="0"/>
+              <a:t> </a:t>
+            </a:r>
+            <a:r>
+              <a:rPr lang="en-US" sz="2000" dirty="0" err="1" smtClean="0"/>
+              <a:t>intuitiva</a:t>
+            </a:r>
+            <a:r>
+              <a:rPr lang="en-US" sz="2000" dirty="0" smtClean="0"/>
+              <a:t> y </a:t>
+            </a:r>
+            <a:r>
+              <a:rPr lang="en-US" sz="2000" dirty="0" err="1" smtClean="0"/>
+              <a:t>aportar</a:t>
+            </a:r>
+            <a:r>
+              <a:rPr lang="en-US" sz="2000" dirty="0" smtClean="0"/>
+              <a:t> </a:t>
+            </a:r>
+            <a:r>
+              <a:rPr lang="en-US" sz="2000" dirty="0" err="1" smtClean="0"/>
+              <a:t>una</a:t>
+            </a:r>
+            <a:r>
+              <a:rPr lang="en-US" sz="2000" dirty="0" smtClean="0"/>
+              <a:t> </a:t>
+            </a:r>
+            <a:r>
+              <a:rPr lang="en-US" sz="2000" dirty="0" err="1" smtClean="0"/>
+              <a:t>mejora</a:t>
+            </a:r>
+            <a:r>
+              <a:rPr lang="en-US" sz="2000" dirty="0" smtClean="0"/>
+              <a:t> </a:t>
+            </a:r>
+            <a:r>
+              <a:rPr lang="en-US" sz="2000" dirty="0" err="1" smtClean="0"/>
+              <a:t>respecto</a:t>
+            </a:r>
+            <a:r>
+              <a:rPr lang="en-US" sz="2000" dirty="0" smtClean="0"/>
+              <a:t> la </a:t>
+            </a:r>
+            <a:r>
+              <a:rPr lang="en-US" sz="2000" dirty="0" err="1" smtClean="0"/>
+              <a:t>situacion</a:t>
+            </a:r>
+            <a:r>
+              <a:rPr lang="en-US" sz="2000" dirty="0" smtClean="0"/>
+              <a:t> anterior </a:t>
+            </a:r>
+            <a:r>
+              <a:rPr lang="en-US" sz="2000" dirty="0" smtClean="0">
+                <a:sym typeface="Wingdings" pitchFamily="2" charset="2"/>
+              </a:rPr>
+              <a:t></a:t>
+            </a:r>
+            <a:r>
+              <a:rPr lang="en-US" sz="2000" dirty="0" smtClean="0"/>
+              <a:t> </a:t>
+            </a:r>
+            <a:r>
+              <a:rPr lang="en-US" sz="2000" dirty="0" err="1" smtClean="0"/>
+              <a:t>proceso</a:t>
+            </a:r>
+            <a:r>
+              <a:rPr lang="en-US" sz="2000" dirty="0" smtClean="0"/>
+              <a:t> </a:t>
+            </a:r>
+            <a:r>
+              <a:rPr lang="en-US" sz="2000" dirty="0" err="1" smtClean="0"/>
+              <a:t>más</a:t>
+            </a:r>
+            <a:r>
+              <a:rPr lang="en-US" sz="2000" dirty="0" smtClean="0"/>
+              <a:t> </a:t>
+            </a:r>
+            <a:r>
+              <a:rPr lang="en-US" sz="2000" dirty="0" err="1" smtClean="0"/>
+              <a:t>facil</a:t>
+            </a:r>
+            <a:r>
+              <a:rPr lang="en-US" sz="2000" dirty="0" smtClean="0"/>
+              <a:t> y </a:t>
+            </a:r>
+            <a:r>
+              <a:rPr lang="en-US" sz="2000" dirty="0" err="1" smtClean="0"/>
+              <a:t>rápido</a:t>
+            </a:r>
+            <a:r>
+              <a:rPr lang="en-US" dirty="0" smtClean="0"/>
+              <a:t>.</a:t>
+            </a:r>
+            <a:endParaRPr lang="ca-ES" dirty="0" smtClean="0"/>
+          </a:p>
+        </p:txBody>
+      </p:sp>
+      <p:sp>
+        <p:nvSpPr>
+          <p:cNvPr id="5" name="CuadroTexto 4"/>
+          <p:cNvSpPr txBox="1"/>
+          <p:nvPr/>
+        </p:nvSpPr>
+        <p:spPr>
+          <a:xfrm>
+            <a:off x="1130968" y="2712877"/>
+            <a:ext cx="10081513" cy="769441"/>
+          </a:xfrm>
+          <a:prstGeom prst="rect">
+            <a:avLst/>
+          </a:prstGeom>
+          <a:ln w="28575">
+            <a:solidFill>
+              <a:srgbClr val="5ECCF3"/>
+            </a:solidFill>
+          </a:ln>
+        </p:spPr>
+        <p:style>
+          <a:lnRef idx="1">
+            <a:schemeClr val="accent1"/>
+          </a:lnRef>
+          <a:fillRef idx="1002">
+            <a:schemeClr val="lt1"/>
+          </a:fillRef>
+          <a:effectRef idx="1">
+            <a:schemeClr val="accent1"/>
+          </a:effectRef>
+          <a:fontRef idx="minor">
+            <a:schemeClr val="dk1"/>
+          </a:fontRef>
+        </p:style>
+        <p:txBody>
+          <a:bodyPr wrap="square" rtlCol="0">
+            <a:spAutoFit/>
+          </a:bodyPr>
+          <a:lstStyle/>
+          <a:p>
+            <a:pPr defTabSz="457200">
+              <a:spcBef>
+                <a:spcPct val="20000"/>
+              </a:spcBef>
+              <a:spcAft>
+                <a:spcPts val="600"/>
+              </a:spcAft>
+              <a:buClr>
+                <a:schemeClr val="accent2"/>
+              </a:buClr>
+              <a:buSzPct val="92000"/>
+            </a:pPr>
+            <a:r>
+              <a:rPr lang="ca-ES" sz="2200" dirty="0" smtClean="0">
+                <a:solidFill>
+                  <a:schemeClr val="tx2"/>
+                </a:solidFill>
+              </a:rPr>
+              <a:t>Creación de una herramienta web que satisfaga una necesidad en el departamento de electrónica en la ETSEIB para </a:t>
+            </a:r>
+            <a:r>
+              <a:rPr lang="ca-ES" sz="2200" dirty="0" smtClean="0">
+                <a:solidFill>
+                  <a:schemeClr val="tx2"/>
+                </a:solidFill>
+                <a:sym typeface="Wingdings" panose="05000000000000000000" pitchFamily="2" charset="2"/>
+              </a:rPr>
+              <a:t>la gestión del encargo docente</a:t>
+            </a:r>
+            <a:endParaRPr lang="ca-ES" sz="2200" dirty="0">
+              <a:solidFill>
+                <a:schemeClr val="tx2"/>
+              </a:solidFill>
+            </a:endParaRPr>
+          </a:p>
+        </p:txBody>
+      </p:sp>
+      <p:sp>
+        <p:nvSpPr>
+          <p:cNvPr id="4" name="Marcador de número de diapositiva 3"/>
           <p:cNvSpPr>
             <a:spLocks noGrp="1"/>
           </p:cNvSpPr>
@@ -12090,77 +13195,17 @@
               <a:t>6</a:t>
             </a:fld>
             <a:r>
-              <a:rPr lang="ca-ES" smtClean="0"/>
-              <a:t>/22</a:t>
+              <a:rPr lang="ca-ES" dirty="0" smtClean="0"/>
+              <a:t>/27</a:t>
             </a:r>
             <a:endParaRPr lang="ca-ES" dirty="0"/>
-          </a:p>
-        </p:txBody>
-      </p:sp>
-      <p:sp>
-        <p:nvSpPr>
-          <p:cNvPr id="4" name="Content Placeholder 3"/>
-          <p:cNvSpPr>
-            <a:spLocks noGrp="1"/>
-          </p:cNvSpPr>
-          <p:nvPr>
-            <p:ph idx="1"/>
-          </p:nvPr>
-        </p:nvSpPr>
-        <p:spPr/>
-        <p:txBody>
-          <a:bodyPr/>
-          <a:lstStyle/>
-          <a:p>
-            <a:pPr>
-              <a:lnSpc>
-                <a:spcPct val="200000"/>
-              </a:lnSpc>
-            </a:pPr>
-            <a:r>
-              <a:rPr lang="es-ES" dirty="0" smtClean="0"/>
-              <a:t>Subir aplicación web en un servidor (de la UPC preferiblemente)</a:t>
-            </a:r>
-          </a:p>
-          <a:p>
-            <a:pPr>
-              <a:lnSpc>
-                <a:spcPct val="200000"/>
-              </a:lnSpc>
-            </a:pPr>
-            <a:r>
-              <a:rPr lang="es-ES" dirty="0" smtClean="0"/>
-              <a:t>Acceder mediante credenciales</a:t>
-            </a:r>
-          </a:p>
-          <a:p>
-            <a:pPr>
-              <a:lnSpc>
-                <a:spcPct val="200000"/>
-              </a:lnSpc>
-            </a:pPr>
-            <a:r>
-              <a:rPr lang="es-ES" dirty="0" smtClean="0"/>
-              <a:t>Pensada para ordenadores pero también posibilidad de accede desde teléfono móvil.</a:t>
-            </a:r>
-          </a:p>
-          <a:p>
-            <a:pPr>
-              <a:lnSpc>
-                <a:spcPct val="200000"/>
-              </a:lnSpc>
-            </a:pPr>
-            <a:r>
-              <a:rPr lang="es-ES" dirty="0" smtClean="0"/>
-              <a:t>En catalán.</a:t>
-            </a:r>
           </a:p>
         </p:txBody>
       </p:sp>
     </p:spTree>
     <p:extLst>
       <p:ext uri="{BB962C8B-B14F-4D97-AF65-F5344CB8AC3E}">
-        <p14:creationId xmlns:p14="http://schemas.microsoft.com/office/powerpoint/2010/main" val="286477785"/>
+        <p14:creationId xmlns:p14="http://schemas.microsoft.com/office/powerpoint/2010/main" val="2090342008"/>
       </p:ext>
     </p:extLst>
   </p:cSld>
@@ -12211,7 +13256,7 @@
           <a:p>
             <a:r>
               <a:rPr lang="es-ES" dirty="0" smtClean="0"/>
-              <a:t>ALTERNATIVAS</a:t>
+              <a:t>ALCANCE</a:t>
             </a:r>
             <a:endParaRPr lang="ca-ES" dirty="0"/>
           </a:p>
@@ -12238,40 +13283,79 @@
               <a:t>7</a:t>
             </a:fld>
             <a:r>
-              <a:rPr lang="ca-ES" smtClean="0"/>
-              <a:t>/22</a:t>
+              <a:rPr lang="ca-ES" dirty="0" smtClean="0"/>
+              <a:t>/27</a:t>
             </a:r>
             <a:endParaRPr lang="ca-ES" dirty="0"/>
           </a:p>
         </p:txBody>
       </p:sp>
-      <p:pic>
-        <p:nvPicPr>
-          <p:cNvPr id="4" name="Picture 3"/>
-          <p:cNvPicPr>
-            <a:picLocks noChangeAspect="1"/>
-          </p:cNvPicPr>
-          <p:nvPr/>
-        </p:nvPicPr>
-        <p:blipFill rotWithShape="1">
-          <a:blip r:embed="rId2"/>
-          <a:srcRect r="493"/>
-          <a:stretch/>
-        </p:blipFill>
-        <p:spPr>
-          <a:xfrm>
-            <a:off x="581192" y="2411515"/>
-            <a:ext cx="10885384" cy="3240838"/>
-          </a:xfrm>
-          <a:prstGeom prst="rect">
-            <a:avLst/>
-          </a:prstGeom>
-        </p:spPr>
-      </p:pic>
+      <p:sp>
+        <p:nvSpPr>
+          <p:cNvPr id="4" name="Content Placeholder 3"/>
+          <p:cNvSpPr>
+            <a:spLocks noGrp="1"/>
+          </p:cNvSpPr>
+          <p:nvPr>
+            <p:ph idx="1"/>
+          </p:nvPr>
+        </p:nvSpPr>
+        <p:spPr/>
+        <p:txBody>
+          <a:bodyPr>
+            <a:normAutofit/>
+          </a:bodyPr>
+          <a:lstStyle/>
+          <a:p>
+            <a:pPr>
+              <a:lnSpc>
+                <a:spcPct val="200000"/>
+              </a:lnSpc>
+            </a:pPr>
+            <a:r>
+              <a:rPr lang="es-ES" sz="2400" dirty="0" smtClean="0"/>
+              <a:t>Subir aplicación web en un servidor (de la UPC preferiblemente)</a:t>
+            </a:r>
+          </a:p>
+          <a:p>
+            <a:pPr>
+              <a:lnSpc>
+                <a:spcPct val="200000"/>
+              </a:lnSpc>
+            </a:pPr>
+            <a:r>
+              <a:rPr lang="es-ES" sz="2400" dirty="0" smtClean="0"/>
+              <a:t>Acceder mediante credenciales</a:t>
+            </a:r>
+          </a:p>
+          <a:p>
+            <a:pPr>
+              <a:lnSpc>
+                <a:spcPct val="200000"/>
+              </a:lnSpc>
+            </a:pPr>
+            <a:r>
+              <a:rPr lang="es-ES" sz="2400" dirty="0" smtClean="0"/>
+              <a:t>Pensada para ordenadores pero también posibilidad de accede desde teléfono móvil.</a:t>
+            </a:r>
+          </a:p>
+          <a:p>
+            <a:pPr>
+              <a:lnSpc>
+                <a:spcPct val="200000"/>
+              </a:lnSpc>
+            </a:pPr>
+            <a:r>
+              <a:rPr lang="es-ES" sz="2400" dirty="0" smtClean="0"/>
+              <a:t>En catalán.</a:t>
+            </a:r>
+          </a:p>
+        </p:txBody>
+      </p:sp>
     </p:spTree>
     <p:extLst>
       <p:ext uri="{BB962C8B-B14F-4D97-AF65-F5344CB8AC3E}">
-        <p14:creationId xmlns:p14="http://schemas.microsoft.com/office/powerpoint/2010/main" val="80976682"/>
+        <p14:creationId xmlns:p14="http://schemas.microsoft.com/office/powerpoint/2010/main" val="286477785"/>
       </p:ext>
     </p:extLst>
   </p:cSld>
@@ -12322,37 +13406,12 @@
           <a:p>
             <a:r>
               <a:rPr lang="es-ES" dirty="0" smtClean="0"/>
-              <a:t>SOLUCIÓN</a:t>
+              <a:t>ALTERNATIVAS</a:t>
             </a:r>
             <a:endParaRPr lang="ca-ES" dirty="0"/>
           </a:p>
         </p:txBody>
       </p:sp>
-      <p:graphicFrame>
-        <p:nvGraphicFramePr>
-          <p:cNvPr id="5" name="Marcador de contenido 4"/>
-          <p:cNvGraphicFramePr>
-            <a:graphicFrameLocks noGrp="1"/>
-          </p:cNvGraphicFramePr>
-          <p:nvPr>
-            <p:ph idx="1"/>
-            <p:extLst>
-              <p:ext uri="{D42A27DB-BD31-4B8C-83A1-F6EECF244321}">
-                <p14:modId xmlns:p14="http://schemas.microsoft.com/office/powerpoint/2010/main" val="2718447942"/>
-              </p:ext>
-            </p:extLst>
-          </p:nvPr>
-        </p:nvGraphicFramePr>
-        <p:xfrm>
-          <a:off x="581025" y="2181225"/>
-          <a:ext cx="7310247" cy="3678238"/>
-        </p:xfrm>
-        <a:graphic>
-          <a:graphicData uri="http://schemas.openxmlformats.org/drawingml/2006/diagram">
-            <dgm:relIds xmlns:dgm="http://schemas.openxmlformats.org/drawingml/2006/diagram" xmlns:r="http://schemas.openxmlformats.org/officeDocument/2006/relationships" r:dm="rId2" r:lo="rId3" r:qs="rId4" r:cs="rId5"/>
-          </a:graphicData>
-        </a:graphic>
-      </p:graphicFrame>
       <p:sp>
         <p:nvSpPr>
           <p:cNvPr id="3" name="Marcador de número de diapositiva 2"/>
@@ -12374,8 +13433,8 @@
               <a:t>8</a:t>
             </a:fld>
             <a:r>
-              <a:rPr lang="ca-ES" smtClean="0"/>
-              <a:t>/22</a:t>
+              <a:rPr lang="ca-ES" dirty="0" smtClean="0"/>
+              <a:t>/27</a:t>
             </a:r>
             <a:endParaRPr lang="ca-ES" dirty="0"/>
           </a:p>
@@ -12383,21 +13442,21 @@
       </p:sp>
       <p:pic>
         <p:nvPicPr>
-          <p:cNvPr id="6" name="Picture 5"/>
+          <p:cNvPr id="4" name="Picture 3"/>
           <p:cNvPicPr>
             <a:picLocks noChangeAspect="1"/>
           </p:cNvPicPr>
           <p:nvPr/>
         </p:nvPicPr>
         <p:blipFill rotWithShape="1">
-          <a:blip r:embed="rId7"/>
-          <a:srcRect l="2217" t="2275" r="1217"/>
+          <a:blip r:embed="rId2"/>
+          <a:srcRect r="493"/>
           <a:stretch/>
         </p:blipFill>
         <p:spPr>
           <a:xfrm>
-            <a:off x="8513064" y="2603977"/>
-            <a:ext cx="2176272" cy="2832734"/>
+            <a:off x="0" y="2021305"/>
+            <a:ext cx="12196028" cy="3631048"/>
           </a:xfrm>
           <a:prstGeom prst="rect">
             <a:avLst/>
@@ -12407,7 +13466,7 @@
     </p:spTree>
     <p:extLst>
       <p:ext uri="{BB962C8B-B14F-4D97-AF65-F5344CB8AC3E}">
-        <p14:creationId xmlns:p14="http://schemas.microsoft.com/office/powerpoint/2010/main" val="3238082567"/>
+        <p14:creationId xmlns:p14="http://schemas.microsoft.com/office/powerpoint/2010/main" val="80976682"/>
       </p:ext>
     </p:extLst>
   </p:cSld>
@@ -12464,6 +13523,31 @@
           </a:p>
         </p:txBody>
       </p:sp>
+      <p:graphicFrame>
+        <p:nvGraphicFramePr>
+          <p:cNvPr id="5" name="Marcador de contenido 4"/>
+          <p:cNvGraphicFramePr>
+            <a:graphicFrameLocks noGrp="1"/>
+          </p:cNvGraphicFramePr>
+          <p:nvPr>
+            <p:ph idx="1"/>
+            <p:extLst>
+              <p:ext uri="{D42A27DB-BD31-4B8C-83A1-F6EECF244321}">
+                <p14:modId xmlns:p14="http://schemas.microsoft.com/office/powerpoint/2010/main" val="2718447942"/>
+              </p:ext>
+            </p:extLst>
+          </p:nvPr>
+        </p:nvGraphicFramePr>
+        <p:xfrm>
+          <a:off x="581025" y="2181225"/>
+          <a:ext cx="7310247" cy="3678238"/>
+        </p:xfrm>
+        <a:graphic>
+          <a:graphicData uri="http://schemas.openxmlformats.org/drawingml/2006/diagram">
+            <dgm:relIds xmlns:dgm="http://schemas.openxmlformats.org/drawingml/2006/diagram" xmlns:r="http://schemas.openxmlformats.org/officeDocument/2006/relationships" r:dm="rId2" r:lo="rId3" r:qs="rId4" r:cs="rId5"/>
+          </a:graphicData>
+        </a:graphic>
+      </p:graphicFrame>
       <p:sp>
         <p:nvSpPr>
           <p:cNvPr id="3" name="Marcador de número de diapositiva 2"/>
@@ -12485,182 +13569,40 @@
               <a:t>9</a:t>
             </a:fld>
             <a:r>
-              <a:rPr lang="ca-ES" smtClean="0"/>
-              <a:t>/22</a:t>
+              <a:rPr lang="ca-ES" dirty="0" smtClean="0"/>
+              <a:t>/27</a:t>
             </a:r>
             <a:endParaRPr lang="ca-ES" dirty="0"/>
-          </a:p>
-        </p:txBody>
-      </p:sp>
-      <p:sp>
-        <p:nvSpPr>
-          <p:cNvPr id="4" name="Content Placeholder 3"/>
-          <p:cNvSpPr>
-            <a:spLocks noGrp="1"/>
-          </p:cNvSpPr>
-          <p:nvPr>
-            <p:ph idx="1"/>
-          </p:nvPr>
-        </p:nvSpPr>
-        <p:spPr>
-          <a:xfrm>
-            <a:off x="672633" y="2266504"/>
-            <a:ext cx="11029615" cy="3678303"/>
-          </a:xfrm>
-        </p:spPr>
-        <p:txBody>
-          <a:bodyPr numCol="2"/>
-          <a:lstStyle/>
-          <a:p>
-            <a:r>
-              <a:rPr lang="es-ES" dirty="0" smtClean="0"/>
-              <a:t>Web vs aplicación web </a:t>
-            </a:r>
-            <a:r>
-              <a:rPr lang="es-ES" dirty="0" smtClean="0">
-                <a:sym typeface="Wingdings" pitchFamily="2" charset="2"/>
-              </a:rPr>
-              <a:t> estática o dinámica?</a:t>
-            </a:r>
-            <a:endParaRPr lang="es-ES" dirty="0" smtClean="0"/>
-          </a:p>
-          <a:p>
-            <a:r>
-              <a:rPr lang="es-ES" dirty="0" smtClean="0"/>
-              <a:t>Aplicación web:</a:t>
-            </a:r>
-          </a:p>
-          <a:p>
-            <a:pPr lvl="1"/>
-            <a:r>
-              <a:rPr lang="es-ES" dirty="0" smtClean="0"/>
-              <a:t>Front </a:t>
-            </a:r>
-            <a:r>
-              <a:rPr lang="es-ES" dirty="0" err="1" smtClean="0"/>
-              <a:t>end</a:t>
-            </a:r>
-            <a:endParaRPr lang="es-ES" dirty="0" smtClean="0"/>
-          </a:p>
-          <a:p>
-            <a:pPr lvl="1"/>
-            <a:endParaRPr lang="es-ES" dirty="0"/>
-          </a:p>
-          <a:p>
-            <a:pPr lvl="1"/>
-            <a:endParaRPr lang="es-ES" dirty="0" smtClean="0"/>
-          </a:p>
-          <a:p>
-            <a:pPr lvl="1"/>
-            <a:endParaRPr lang="es-ES" dirty="0"/>
-          </a:p>
-          <a:p>
-            <a:pPr lvl="1"/>
-            <a:endParaRPr lang="es-ES" dirty="0" smtClean="0"/>
-          </a:p>
-          <a:p>
-            <a:pPr lvl="1"/>
-            <a:endParaRPr lang="es-ES" dirty="0"/>
-          </a:p>
-          <a:p>
-            <a:pPr lvl="1"/>
-            <a:endParaRPr lang="es-ES" dirty="0" smtClean="0"/>
-          </a:p>
-          <a:p>
-            <a:pPr marL="324000" lvl="1" indent="0">
-              <a:buNone/>
-            </a:pPr>
-            <a:endParaRPr lang="es-ES" dirty="0" smtClean="0"/>
-          </a:p>
-          <a:p>
-            <a:pPr marL="324000" lvl="1" indent="0">
-              <a:buNone/>
-            </a:pPr>
-            <a:endParaRPr lang="es-ES" dirty="0" smtClean="0"/>
-          </a:p>
-          <a:p>
-            <a:pPr lvl="1"/>
-            <a:r>
-              <a:rPr lang="es-ES" dirty="0" smtClean="0"/>
-              <a:t>Back </a:t>
-            </a:r>
-            <a:r>
-              <a:rPr lang="es-ES" dirty="0" err="1" smtClean="0"/>
-              <a:t>end</a:t>
-            </a:r>
-            <a:endParaRPr lang="es-ES" dirty="0"/>
           </a:p>
         </p:txBody>
       </p:sp>
       <p:pic>
         <p:nvPicPr>
-          <p:cNvPr id="7" name="Picture 6"/>
+          <p:cNvPr id="6" name="Picture 5"/>
           <p:cNvPicPr>
             <a:picLocks noChangeAspect="1"/>
           </p:cNvPicPr>
           <p:nvPr/>
         </p:nvPicPr>
-        <p:blipFill>
-          <a:blip r:embed="rId2"/>
-          <a:stretch>
-            <a:fillRect/>
-          </a:stretch>
+        <p:blipFill rotWithShape="1">
+          <a:blip r:embed="rId7"/>
+          <a:srcRect l="2217" t="2275" r="1217"/>
+          <a:stretch/>
         </p:blipFill>
         <p:spPr>
           <a:xfrm>
-            <a:off x="994097" y="3868385"/>
-            <a:ext cx="3976747" cy="1484309"/>
+            <a:off x="7291136" y="1833953"/>
+            <a:ext cx="3350073" cy="4360606"/>
           </a:xfrm>
           <a:prstGeom prst="rect">
             <a:avLst/>
           </a:prstGeom>
         </p:spPr>
       </p:pic>
-      <p:pic>
-        <p:nvPicPr>
-          <p:cNvPr id="1028" name="Picture 4" descr="Backend"/>
-          <p:cNvPicPr>
-            <a:picLocks noChangeAspect="1" noChangeArrowheads="1"/>
-          </p:cNvPicPr>
-          <p:nvPr/>
-        </p:nvPicPr>
-        <p:blipFill>
-          <a:blip r:embed="rId3">
-            <a:extLst>
-              <a:ext uri="{28A0092B-C50C-407E-A947-70E740481C1C}">
-                <a14:useLocalDpi xmlns:a14="http://schemas.microsoft.com/office/drawing/2010/main" val="0"/>
-              </a:ext>
-            </a:extLst>
-          </a:blip>
-          <a:srcRect/>
-          <a:stretch>
-            <a:fillRect/>
-          </a:stretch>
-        </p:blipFill>
-        <p:spPr bwMode="auto">
-          <a:xfrm>
-            <a:off x="6758345" y="3524690"/>
-            <a:ext cx="2171700" cy="2171701"/>
-          </a:xfrm>
-          <a:prstGeom prst="rect">
-            <a:avLst/>
-          </a:prstGeom>
-          <a:noFill/>
-          <a:extLst>
-            <a:ext uri="{909E8E84-426E-40DD-AFC4-6F175D3DCCD1}">
-              <a14:hiddenFill xmlns:a14="http://schemas.microsoft.com/office/drawing/2010/main">
-                <a:solidFill>
-                  <a:srgbClr val="FFFFFF"/>
-                </a:solidFill>
-              </a14:hiddenFill>
-            </a:ext>
-          </a:extLst>
-        </p:spPr>
-      </p:pic>
     </p:spTree>
     <p:extLst>
       <p:ext uri="{BB962C8B-B14F-4D97-AF65-F5344CB8AC3E}">
-        <p14:creationId xmlns:p14="http://schemas.microsoft.com/office/powerpoint/2010/main" val="3592212386"/>
+        <p14:creationId xmlns:p14="http://schemas.microsoft.com/office/powerpoint/2010/main" val="3238082567"/>
       </p:ext>
     </p:extLst>
   </p:cSld>
@@ -13205,4 +14147,289 @@
     </a:ext>
   </a:extLst>
 </a:theme>
+</file>
+
+<file path=ppt/theme/theme3.xml><?xml version="1.0" encoding="utf-8"?>
+<a:theme xmlns:a="http://schemas.openxmlformats.org/drawingml/2006/main" name="Tema de Office">
+  <a:themeElements>
+    <a:clrScheme name="Office">
+      <a:dk1>
+        <a:sysClr val="windowText" lastClr="000000"/>
+      </a:dk1>
+      <a:lt1>
+        <a:sysClr val="window" lastClr="FFFFFF"/>
+      </a:lt1>
+      <a:dk2>
+        <a:srgbClr val="1F497D"/>
+      </a:dk2>
+      <a:lt2>
+        <a:srgbClr val="EEECE1"/>
+      </a:lt2>
+      <a:accent1>
+        <a:srgbClr val="4F81BD"/>
+      </a:accent1>
+      <a:accent2>
+        <a:srgbClr val="C0504D"/>
+      </a:accent2>
+      <a:accent3>
+        <a:srgbClr val="9BBB59"/>
+      </a:accent3>
+      <a:accent4>
+        <a:srgbClr val="8064A2"/>
+      </a:accent4>
+      <a:accent5>
+        <a:srgbClr val="4BACC6"/>
+      </a:accent5>
+      <a:accent6>
+        <a:srgbClr val="F79646"/>
+      </a:accent6>
+      <a:hlink>
+        <a:srgbClr val="0000FF"/>
+      </a:hlink>
+      <a:folHlink>
+        <a:srgbClr val="800080"/>
+      </a:folHlink>
+    </a:clrScheme>
+    <a:fontScheme name="Office">
+      <a:majorFont>
+        <a:latin typeface="Calibri"/>
+        <a:ea typeface=""/>
+        <a:cs typeface=""/>
+        <a:font script="Jpan" typeface="ＭＳ Ｐゴシック"/>
+        <a:font script="Hang" typeface="맑은 고딕"/>
+        <a:font script="Hans" typeface="宋体"/>
+        <a:font script="Hant" typeface="新細明體"/>
+        <a:font script="Arab" typeface="Times New Roman"/>
+        <a:font script="Hebr" typeface="Times New Roman"/>
+        <a:font script="Thai" typeface="Angsana New"/>
+        <a:font script="Ethi" typeface="Nyala"/>
+        <a:font script="Beng" typeface="Vrinda"/>
+        <a:font script="Gujr" typeface="Shruti"/>
+        <a:font script="Khmr" typeface="MoolBoran"/>
+        <a:font script="Knda" typeface="Tunga"/>
+        <a:font script="Guru" typeface="Raavi"/>
+        <a:font script="Cans" typeface="Euphemia"/>
+        <a:font script="Cher" typeface="Plantagenet Cherokee"/>
+        <a:font script="Yiii" typeface="Microsoft Yi Baiti"/>
+        <a:font script="Tibt" typeface="Microsoft Himalaya"/>
+        <a:font script="Thaa" typeface="MV Boli"/>
+        <a:font script="Deva" typeface="Mangal"/>
+        <a:font script="Telu" typeface="Gautami"/>
+        <a:font script="Taml" typeface="Latha"/>
+        <a:font script="Syrc" typeface="Estrangelo Edessa"/>
+        <a:font script="Orya" typeface="Kalinga"/>
+        <a:font script="Mlym" typeface="Kartika"/>
+        <a:font script="Laoo" typeface="DokChampa"/>
+        <a:font script="Sinh" typeface="Iskoola Pota"/>
+        <a:font script="Mong" typeface="Mongolian Baiti"/>
+        <a:font script="Viet" typeface="Times New Roman"/>
+        <a:font script="Uigh" typeface="Microsoft Uighur"/>
+        <a:font script="Geor" typeface="Sylfaen"/>
+      </a:majorFont>
+      <a:minorFont>
+        <a:latin typeface="Calibri"/>
+        <a:ea typeface=""/>
+        <a:cs typeface=""/>
+        <a:font script="Jpan" typeface="ＭＳ Ｐゴシック"/>
+        <a:font script="Hang" typeface="맑은 고딕"/>
+        <a:font script="Hans" typeface="宋体"/>
+        <a:font script="Hant" typeface="新細明體"/>
+        <a:font script="Arab" typeface="Arial"/>
+        <a:font script="Hebr" typeface="Arial"/>
+        <a:font script="Thai" typeface="Cordia New"/>
+        <a:font script="Ethi" typeface="Nyala"/>
+        <a:font script="Beng" typeface="Vrinda"/>
+        <a:font script="Gujr" typeface="Shruti"/>
+        <a:font script="Khmr" typeface="DaunPenh"/>
+        <a:font script="Knda" typeface="Tunga"/>
+        <a:font script="Guru" typeface="Raavi"/>
+        <a:font script="Cans" typeface="Euphemia"/>
+        <a:font script="Cher" typeface="Plantagenet Cherokee"/>
+        <a:font script="Yiii" typeface="Microsoft Yi Baiti"/>
+        <a:font script="Tibt" typeface="Microsoft Himalaya"/>
+        <a:font script="Thaa" typeface="MV Boli"/>
+        <a:font script="Deva" typeface="Mangal"/>
+        <a:font script="Telu" typeface="Gautami"/>
+        <a:font script="Taml" typeface="Latha"/>
+        <a:font script="Syrc" typeface="Estrangelo Edessa"/>
+        <a:font script="Orya" typeface="Kalinga"/>
+        <a:font script="Mlym" typeface="Kartika"/>
+        <a:font script="Laoo" typeface="DokChampa"/>
+        <a:font script="Sinh" typeface="Iskoola Pota"/>
+        <a:font script="Mong" typeface="Mongolian Baiti"/>
+        <a:font script="Viet" typeface="Arial"/>
+        <a:font script="Uigh" typeface="Microsoft Uighur"/>
+        <a:font script="Geor" typeface="Sylfaen"/>
+      </a:minorFont>
+    </a:fontScheme>
+    <a:fmtScheme name="Office">
+      <a:fillStyleLst>
+        <a:solidFill>
+          <a:schemeClr val="phClr"/>
+        </a:solidFill>
+        <a:gradFill rotWithShape="1">
+          <a:gsLst>
+            <a:gs pos="0">
+              <a:schemeClr val="phClr">
+                <a:tint val="50000"/>
+                <a:satMod val="300000"/>
+              </a:schemeClr>
+            </a:gs>
+            <a:gs pos="35000">
+              <a:schemeClr val="phClr">
+                <a:tint val="37000"/>
+                <a:satMod val="300000"/>
+              </a:schemeClr>
+            </a:gs>
+            <a:gs pos="100000">
+              <a:schemeClr val="phClr">
+                <a:tint val="15000"/>
+                <a:satMod val="350000"/>
+              </a:schemeClr>
+            </a:gs>
+          </a:gsLst>
+          <a:lin ang="16200000" scaled="1"/>
+        </a:gradFill>
+        <a:gradFill rotWithShape="1">
+          <a:gsLst>
+            <a:gs pos="0">
+              <a:schemeClr val="phClr">
+                <a:shade val="51000"/>
+                <a:satMod val="130000"/>
+              </a:schemeClr>
+            </a:gs>
+            <a:gs pos="80000">
+              <a:schemeClr val="phClr">
+                <a:shade val="93000"/>
+                <a:satMod val="130000"/>
+              </a:schemeClr>
+            </a:gs>
+            <a:gs pos="100000">
+              <a:schemeClr val="phClr">
+                <a:shade val="94000"/>
+                <a:satMod val="135000"/>
+              </a:schemeClr>
+            </a:gs>
+          </a:gsLst>
+          <a:lin ang="16200000" scaled="0"/>
+        </a:gradFill>
+      </a:fillStyleLst>
+      <a:lnStyleLst>
+        <a:ln w="9525" cap="flat" cmpd="sng" algn="ctr">
+          <a:solidFill>
+            <a:schemeClr val="phClr">
+              <a:shade val="95000"/>
+              <a:satMod val="105000"/>
+            </a:schemeClr>
+          </a:solidFill>
+          <a:prstDash val="solid"/>
+        </a:ln>
+        <a:ln w="25400" cap="flat" cmpd="sng" algn="ctr">
+          <a:solidFill>
+            <a:schemeClr val="phClr"/>
+          </a:solidFill>
+          <a:prstDash val="solid"/>
+        </a:ln>
+        <a:ln w="38100" cap="flat" cmpd="sng" algn="ctr">
+          <a:solidFill>
+            <a:schemeClr val="phClr"/>
+          </a:solidFill>
+          <a:prstDash val="solid"/>
+        </a:ln>
+      </a:lnStyleLst>
+      <a:effectStyleLst>
+        <a:effectStyle>
+          <a:effectLst>
+            <a:outerShdw blurRad="40000" dist="20000" dir="5400000" rotWithShape="0">
+              <a:srgbClr val="000000">
+                <a:alpha val="38000"/>
+              </a:srgbClr>
+            </a:outerShdw>
+          </a:effectLst>
+        </a:effectStyle>
+        <a:effectStyle>
+          <a:effectLst>
+            <a:outerShdw blurRad="40000" dist="23000" dir="5400000" rotWithShape="0">
+              <a:srgbClr val="000000">
+                <a:alpha val="35000"/>
+              </a:srgbClr>
+            </a:outerShdw>
+          </a:effectLst>
+        </a:effectStyle>
+        <a:effectStyle>
+          <a:effectLst>
+            <a:outerShdw blurRad="40000" dist="23000" dir="5400000" rotWithShape="0">
+              <a:srgbClr val="000000">
+                <a:alpha val="35000"/>
+              </a:srgbClr>
+            </a:outerShdw>
+          </a:effectLst>
+          <a:scene3d>
+            <a:camera prst="orthographicFront">
+              <a:rot lat="0" lon="0" rev="0"/>
+            </a:camera>
+            <a:lightRig rig="threePt" dir="t">
+              <a:rot lat="0" lon="0" rev="1200000"/>
+            </a:lightRig>
+          </a:scene3d>
+          <a:sp3d>
+            <a:bevelT w="63500" h="25400"/>
+          </a:sp3d>
+        </a:effectStyle>
+      </a:effectStyleLst>
+      <a:bgFillStyleLst>
+        <a:solidFill>
+          <a:schemeClr val="phClr"/>
+        </a:solidFill>
+        <a:gradFill rotWithShape="1">
+          <a:gsLst>
+            <a:gs pos="0">
+              <a:schemeClr val="phClr">
+                <a:tint val="40000"/>
+                <a:satMod val="350000"/>
+              </a:schemeClr>
+            </a:gs>
+            <a:gs pos="40000">
+              <a:schemeClr val="phClr">
+                <a:tint val="45000"/>
+                <a:shade val="99000"/>
+                <a:satMod val="350000"/>
+              </a:schemeClr>
+            </a:gs>
+            <a:gs pos="100000">
+              <a:schemeClr val="phClr">
+                <a:shade val="20000"/>
+                <a:satMod val="255000"/>
+              </a:schemeClr>
+            </a:gs>
+          </a:gsLst>
+          <a:path path="circle">
+            <a:fillToRect l="50000" t="-80000" r="50000" b="180000"/>
+          </a:path>
+        </a:gradFill>
+        <a:gradFill rotWithShape="1">
+          <a:gsLst>
+            <a:gs pos="0">
+              <a:schemeClr val="phClr">
+                <a:tint val="80000"/>
+                <a:satMod val="300000"/>
+              </a:schemeClr>
+            </a:gs>
+            <a:gs pos="100000">
+              <a:schemeClr val="phClr">
+                <a:shade val="30000"/>
+                <a:satMod val="200000"/>
+              </a:schemeClr>
+            </a:gs>
+          </a:gsLst>
+          <a:path path="circle">
+            <a:fillToRect l="50000" t="50000" r="50000" b="50000"/>
+          </a:path>
+        </a:gradFill>
+      </a:bgFillStyleLst>
+    </a:fmtScheme>
+  </a:themeElements>
+  <a:objectDefaults/>
+  <a:extraClrSchemeLst/>
+</a:theme>
 </file>
--- a/tfg_presentacio.pptx
+++ b/tfg_presentacio.pptx
@@ -5,10 +5,10 @@
     <p:sldMasterId id="2147484032" r:id="rId1"/>
   </p:sldMasterIdLst>
   <p:notesMasterIdLst>
-    <p:notesMasterId r:id="rId30"/>
+    <p:notesMasterId r:id="rId32"/>
   </p:notesMasterIdLst>
   <p:handoutMasterIdLst>
-    <p:handoutMasterId r:id="rId31"/>
+    <p:handoutMasterId r:id="rId33"/>
   </p:handoutMasterIdLst>
   <p:sldIdLst>
     <p:sldId id="256" r:id="rId2"/>
@@ -27,18 +27,20 @@
     <p:sldId id="290" r:id="rId15"/>
     <p:sldId id="291" r:id="rId16"/>
     <p:sldId id="292" r:id="rId17"/>
-    <p:sldId id="278" r:id="rId18"/>
-    <p:sldId id="294" r:id="rId19"/>
-    <p:sldId id="270" r:id="rId20"/>
-    <p:sldId id="271" r:id="rId21"/>
-    <p:sldId id="304" r:id="rId22"/>
-    <p:sldId id="274" r:id="rId23"/>
-    <p:sldId id="301" r:id="rId24"/>
-    <p:sldId id="302" r:id="rId25"/>
-    <p:sldId id="293" r:id="rId26"/>
-    <p:sldId id="303" r:id="rId27"/>
-    <p:sldId id="272" r:id="rId28"/>
-    <p:sldId id="295" r:id="rId29"/>
+    <p:sldId id="306" r:id="rId18"/>
+    <p:sldId id="278" r:id="rId19"/>
+    <p:sldId id="294" r:id="rId20"/>
+    <p:sldId id="270" r:id="rId21"/>
+    <p:sldId id="271" r:id="rId22"/>
+    <p:sldId id="304" r:id="rId23"/>
+    <p:sldId id="274" r:id="rId24"/>
+    <p:sldId id="301" r:id="rId25"/>
+    <p:sldId id="302" r:id="rId26"/>
+    <p:sldId id="305" r:id="rId27"/>
+    <p:sldId id="293" r:id="rId28"/>
+    <p:sldId id="303" r:id="rId29"/>
+    <p:sldId id="272" r:id="rId30"/>
+    <p:sldId id="295" r:id="rId31"/>
   </p:sldIdLst>
   <p:sldSz cx="12192000" cy="6858000"/>
   <p:notesSz cx="6858000" cy="9144000"/>
@@ -139,7 +141,7 @@
   </p:defaultTextStyle>
   <p:extLst>
     <p:ext uri="{EFAFB233-063F-42B5-8137-9DF3F51BA10A}">
-      <p15:sldGuideLst xmlns:p15="http://schemas.microsoft.com/office/powerpoint/2012/main" xmlns="">
+      <p15:sldGuideLst xmlns="" xmlns:p15="http://schemas.microsoft.com/office/powerpoint/2012/main">
         <p15:guide id="1" orient="horz" pos="2160">
           <p15:clr>
             <a:srgbClr val="A4A3A4"/>
@@ -2782,7 +2784,7 @@
           <a:p>
             <a:fld id="{7C9C385E-1AD5-4BA8-90FB-EF3496083EC5}" type="datetimeFigureOut">
               <a:rPr lang="es-ES" smtClean="0"/>
-              <a:t>28/01/2020</a:t>
+              <a:t>02/02/2020</a:t>
             </a:fld>
             <a:endParaRPr lang="es-ES"/>
           </a:p>
@@ -2947,7 +2949,7 @@
           <a:p>
             <a:fld id="{48A72CDC-B66D-4F7C-81D5-D9554618F5EA}" type="datetimeFigureOut">
               <a:rPr lang="ca-ES" smtClean="0"/>
-              <a:t>28/1/2020</a:t>
+              <a:t>2/2/2020</a:t>
             </a:fld>
             <a:endParaRPr lang="ca-ES"/>
           </a:p>
@@ -3460,7 +3462,7 @@
           <a:p>
             <a:fld id="{0BBB4F42-6AD2-4763-95BD-31AD1CD045D9}" type="datetime1">
               <a:rPr lang="ca-ES" smtClean="0"/>
-              <a:t>28/1/2020</a:t>
+              <a:t>2/2/2020</a:t>
             </a:fld>
             <a:endParaRPr lang="ca-ES"/>
           </a:p>
@@ -3760,7 +3762,7 @@
           <a:p>
             <a:fld id="{A04CCCF5-5A85-4415-AA58-796941352A24}" type="datetime1">
               <a:rPr lang="ca-ES" smtClean="0"/>
-              <a:t>28/1/2020</a:t>
+              <a:t>2/2/2020</a:t>
             </a:fld>
             <a:endParaRPr lang="ca-ES"/>
           </a:p>
@@ -3990,7 +3992,7 @@
           <a:p>
             <a:fld id="{76EB001A-7D6D-4244-904E-2F12C21DCADA}" type="datetime1">
               <a:rPr lang="ca-ES" smtClean="0"/>
-              <a:t>28/1/2020</a:t>
+              <a:t>2/2/2020</a:t>
             </a:fld>
             <a:endParaRPr lang="ca-ES"/>
           </a:p>
@@ -4225,7 +4227,7 @@
           <a:p>
             <a:fld id="{B9EDF53F-45FA-47CF-989C-BECC3CC4A6FA}" type="datetime1">
               <a:rPr lang="ca-ES" smtClean="0"/>
-              <a:t>28/1/2020</a:t>
+              <a:t>2/2/2020</a:t>
             </a:fld>
             <a:endParaRPr lang="ca-ES"/>
           </a:p>
@@ -4465,7 +4467,7 @@
           <a:p>
             <a:fld id="{28691B5E-530A-4578-A88A-EE5F8129B80D}" type="datetime1">
               <a:rPr lang="ca-ES" smtClean="0"/>
-              <a:t>28/1/2020</a:t>
+              <a:t>2/2/2020</a:t>
             </a:fld>
             <a:endParaRPr lang="ca-ES"/>
           </a:p>
@@ -4783,7 +4785,7 @@
           <a:p>
             <a:fld id="{734979E8-4746-4A6E-9ECA-821FCB65AC50}" type="datetime1">
               <a:rPr lang="ca-ES" smtClean="0"/>
-              <a:t>28/1/2020</a:t>
+              <a:t>2/2/2020</a:t>
             </a:fld>
             <a:endParaRPr lang="ca-ES"/>
           </a:p>
@@ -5092,7 +5094,7 @@
           <a:p>
             <a:fld id="{CCD70EE2-F9E8-4773-8F78-2AD436C1326C}" type="datetime1">
               <a:rPr lang="ca-ES" smtClean="0"/>
-              <a:t>28/1/2020</a:t>
+              <a:t>2/2/2020</a:t>
             </a:fld>
             <a:endParaRPr lang="ca-ES"/>
           </a:p>
@@ -5521,7 +5523,7 @@
           <a:p>
             <a:fld id="{B0303F1D-DFA8-4039-AB39-7797D6C98C06}" type="datetime1">
               <a:rPr lang="ca-ES" smtClean="0"/>
-              <a:t>28/1/2020</a:t>
+              <a:t>2/2/2020</a:t>
             </a:fld>
             <a:endParaRPr lang="ca-ES"/>
           </a:p>
@@ -5646,7 +5648,7 @@
           <a:p>
             <a:fld id="{5ABAFB43-88C3-4E66-905C-AD8295BD58CE}" type="datetime1">
               <a:rPr lang="ca-ES" smtClean="0"/>
-              <a:t>28/1/2020</a:t>
+              <a:t>2/2/2020</a:t>
             </a:fld>
             <a:endParaRPr lang="ca-ES"/>
           </a:p>
@@ -5753,7 +5755,7 @@
           <a:p>
             <a:fld id="{11D08794-904D-4712-B67A-5F06D671CBCB}" type="datetime1">
               <a:rPr lang="ca-ES" smtClean="0"/>
-              <a:t>28/1/2020</a:t>
+              <a:t>2/2/2020</a:t>
             </a:fld>
             <a:endParaRPr lang="ca-ES"/>
           </a:p>
@@ -5922,7 +5924,7 @@
           <a:p>
             <a:fld id="{29921BD1-FCB0-4298-99B0-740715082644}" type="datetime1">
               <a:rPr lang="ca-ES" smtClean="0"/>
-              <a:t>28/1/2020</a:t>
+              <a:t>2/2/2020</a:t>
             </a:fld>
             <a:endParaRPr lang="ca-ES"/>
           </a:p>
@@ -6300,7 +6302,7 @@
           <a:p>
             <a:fld id="{7ABA9C88-BE0B-4A67-86B8-1C281E9C438E}" type="datetime1">
               <a:rPr lang="ca-ES" smtClean="0"/>
-              <a:t>28/1/2020</a:t>
+              <a:t>2/2/2020</a:t>
             </a:fld>
             <a:endParaRPr lang="ca-ES"/>
           </a:p>
@@ -6533,7 +6535,7 @@
           <a:p>
             <a:fld id="{5ABAFB43-88C3-4E66-905C-AD8295BD58CE}" type="datetime1">
               <a:rPr lang="ca-ES" smtClean="0"/>
-              <a:t>28/1/2020</a:t>
+              <a:t>2/2/2020</a:t>
             </a:fld>
             <a:endParaRPr lang="ca-ES"/>
           </a:p>
@@ -7130,7 +7132,7 @@
   </p:txStyles>
   <p:extLst mod="1">
     <p:ext uri="{27BBF7A9-308A-43DC-89C8-2F10F3537804}">
-      <p15:sldGuideLst xmlns:p15="http://schemas.microsoft.com/office/powerpoint/2012/main" xmlns=""/>
+      <p15:sldGuideLst xmlns="" xmlns:p15="http://schemas.microsoft.com/office/powerpoint/2012/main"/>
     </p:ext>
   </p:extLst>
 </p:sldMaster>
@@ -7514,29 +7516,13 @@
             </a:r>
             <a:r>
               <a:rPr lang="es-ES" sz="2000" dirty="0" smtClean="0"/>
-              <a:t>eb </a:t>
-            </a:r>
-            <a:r>
-              <a:rPr lang="es-ES" sz="2000" dirty="0" smtClean="0"/>
-              <a:t>vs aplicación web </a:t>
+              <a:t>eb vs aplicación web </a:t>
             </a:r>
             <a:r>
               <a:rPr lang="es-ES" sz="2000" dirty="0" smtClean="0">
                 <a:sym typeface="Wingdings" pitchFamily="2" charset="2"/>
               </a:rPr>
-              <a:t> </a:t>
-            </a:r>
-            <a:r>
-              <a:rPr lang="es-ES" sz="2000" dirty="0" smtClean="0">
-                <a:sym typeface="Wingdings" pitchFamily="2" charset="2"/>
-              </a:rPr>
-              <a:t>¿estática </a:t>
-            </a:r>
-            <a:r>
-              <a:rPr lang="es-ES" sz="2000" dirty="0" smtClean="0">
-                <a:sym typeface="Wingdings" pitchFamily="2" charset="2"/>
-              </a:rPr>
-              <a:t>o dinámica?</a:t>
+              <a:t> ¿estática o dinámica?</a:t>
             </a:r>
             <a:endParaRPr lang="es-ES" sz="2000" dirty="0" smtClean="0"/>
           </a:p>
@@ -8056,15 +8042,27 @@
             </a:r>
             <a:r>
               <a:rPr lang="en-US" sz="2000" dirty="0" smtClean="0"/>
-              <a:t> para </a:t>
+              <a:t> </a:t>
             </a:r>
             <a:r>
               <a:rPr lang="en-US" sz="2000" dirty="0" err="1" smtClean="0"/>
-              <a:t>imaprtir</a:t>
+              <a:t>para</a:t>
             </a:r>
             <a:r>
               <a:rPr lang="en-US" sz="2000" dirty="0" smtClean="0"/>
-              <a:t> el </a:t>
+              <a:t> </a:t>
+            </a:r>
+            <a:r>
+              <a:rPr lang="en-US" sz="2000" dirty="0" err="1" smtClean="0"/>
+              <a:t>impartir</a:t>
+            </a:r>
+            <a:r>
+              <a:rPr lang="en-US" sz="2000" dirty="0" smtClean="0"/>
+              <a:t> </a:t>
+            </a:r>
+            <a:r>
+              <a:rPr lang="en-US" sz="2000" dirty="0" smtClean="0"/>
+              <a:t>el </a:t>
             </a:r>
             <a:r>
               <a:rPr lang="en-US" sz="2000" dirty="0" err="1" smtClean="0"/>
@@ -9161,8 +9159,13 @@
             </a:pPr>
             <a:r>
               <a:rPr lang="es-ES" sz="2800" dirty="0" smtClean="0"/>
-              <a:t>Reto: aprender nuevo lenguaje de programación</a:t>
-            </a:r>
+              <a:t>Reto: aprender nuevo lenguaje de </a:t>
+            </a:r>
+            <a:r>
+              <a:rPr lang="es-ES" sz="2800" dirty="0" smtClean="0"/>
+              <a:t>programación.</a:t>
+            </a:r>
+            <a:endParaRPr lang="es-ES" sz="2800" dirty="0" smtClean="0"/>
           </a:p>
           <a:p>
             <a:pPr>
@@ -9172,7 +9175,15 @@
             </a:pPr>
             <a:r>
               <a:rPr lang="es-ES" sz="2800" dirty="0" smtClean="0"/>
-              <a:t>Para sitios dinámicos , interactuando con HTML y con bases de datos.</a:t>
+              <a:t>Para sitios </a:t>
+            </a:r>
+            <a:r>
+              <a:rPr lang="es-ES" sz="2800" dirty="0" smtClean="0"/>
+              <a:t>dinámicos, </a:t>
+            </a:r>
+            <a:r>
+              <a:rPr lang="es-ES" sz="2800" dirty="0" smtClean="0"/>
+              <a:t>interactuando con HTML y con bases de datos.</a:t>
             </a:r>
           </a:p>
           <a:p>
@@ -9182,17 +9193,14 @@
               </a:lnSpc>
             </a:pPr>
             <a:r>
+              <a:rPr lang="es-ES" sz="2800" dirty="0" smtClean="0"/>
+              <a:t>Gratuito</a:t>
+            </a:r>
+            <a:r>
               <a:rPr lang="es-ES" sz="2800" dirty="0"/>
-              <a:t>G</a:t>
-            </a:r>
-            <a:r>
-              <a:rPr lang="es-ES" sz="2800" dirty="0" smtClean="0"/>
-              <a:t>ratuito</a:t>
-            </a:r>
-            <a:r>
-              <a:rPr lang="es-ES" sz="2800" dirty="0"/>
-              <a:t> </a:t>
-            </a:r>
+              <a:t>.</a:t>
+            </a:r>
+            <a:endParaRPr lang="es-ES" sz="2800" dirty="0"/>
           </a:p>
           <a:p>
             <a:pPr>
@@ -9626,8 +9634,8 @@
         </p:nvSpPr>
         <p:spPr>
           <a:xfrm>
-            <a:off x="1289643" y="2118064"/>
-            <a:ext cx="3648117" cy="2825389"/>
+            <a:off x="1289642" y="2118064"/>
+            <a:ext cx="10368957" cy="3822585"/>
           </a:xfrm>
           <a:prstGeom prst="rect">
             <a:avLst/>
@@ -9655,7 +9663,7 @@
               <a:buChar char=""/>
             </a:pPr>
             <a:r>
-              <a:rPr lang="es-ES" dirty="0" smtClean="0">
+              <a:rPr lang="es-ES" sz="2000" dirty="0" smtClean="0">
                 <a:solidFill>
                   <a:schemeClr val="tx2"/>
                 </a:solidFill>
@@ -9663,14 +9671,14 @@
               <a:t>Tabla </a:t>
             </a:r>
             <a:r>
-              <a:rPr lang="es-ES" dirty="0" err="1" smtClean="0">
+              <a:rPr lang="es-ES" sz="2000" dirty="0" err="1" smtClean="0">
                 <a:solidFill>
                   <a:schemeClr val="tx2"/>
                 </a:solidFill>
               </a:rPr>
               <a:t>Professors</a:t>
             </a:r>
-            <a:endParaRPr lang="es-ES" dirty="0" smtClean="0">
+            <a:endParaRPr lang="es-ES" sz="2000" dirty="0" smtClean="0">
               <a:solidFill>
                 <a:schemeClr val="tx2"/>
               </a:solidFill>
@@ -9775,14 +9783,14 @@
               <a:buFont typeface="Wingdings 2" panose="05020102010507070707" pitchFamily="18" charset="2"/>
               <a:buChar char=""/>
             </a:pPr>
-            <a:endParaRPr lang="es-ES" dirty="0" smtClean="0">
+            <a:endParaRPr lang="es-ES" sz="2000" dirty="0" smtClean="0">
               <a:solidFill>
                 <a:schemeClr val="tx2"/>
               </a:solidFill>
             </a:endParaRPr>
           </a:p>
           <a:p>
-            <a:pPr marL="306000" indent="-306000" defTabSz="457200">
+            <a:pPr marL="763200" lvl="1" indent="-306000" defTabSz="457200">
               <a:spcBef>
                 <a:spcPct val="20000"/>
               </a:spcBef>
@@ -9793,26 +9801,130 @@
                 <a:schemeClr val="accent2"/>
               </a:buClr>
               <a:buSzPct val="92000"/>
-              <a:buFont typeface="Wingdings 2" panose="05020102010507070707" pitchFamily="18" charset="2"/>
-              <a:buChar char=""/>
+              <a:buFont typeface="Courier New" pitchFamily="49" charset="0"/>
+              <a:buChar char="o"/>
             </a:pPr>
             <a:r>
-              <a:rPr lang="es-ES" dirty="0" smtClean="0">
+              <a:rPr lang="es-ES" sz="2000" dirty="0">
                 <a:solidFill>
                   <a:schemeClr val="tx2"/>
                 </a:solidFill>
               </a:rPr>
-              <a:t>Tabla </a:t>
-            </a:r>
-            <a:r>
-              <a:rPr lang="es-ES" dirty="0" err="1" smtClean="0">
+              <a:t>Estado 0: </a:t>
+            </a:r>
+            <a:r>
+              <a:rPr lang="es-ES" sz="2000" b="1" dirty="0">
                 <a:solidFill>
                   <a:schemeClr val="tx2"/>
                 </a:solidFill>
               </a:rPr>
-              <a:t>Assignatures</a:t>
-            </a:r>
-            <a:endParaRPr lang="es-ES" dirty="0">
+              <a:t>sin</a:t>
+            </a:r>
+            <a:r>
+              <a:rPr lang="es-ES" sz="2000" dirty="0">
+                <a:solidFill>
+                  <a:schemeClr val="tx2"/>
+                </a:solidFill>
+              </a:rPr>
+              <a:t> permiso para escoger asignaturas.</a:t>
+            </a:r>
+          </a:p>
+          <a:p>
+            <a:pPr marL="763200" lvl="1" indent="-306000" defTabSz="457200">
+              <a:spcBef>
+                <a:spcPct val="20000"/>
+              </a:spcBef>
+              <a:spcAft>
+                <a:spcPts val="600"/>
+              </a:spcAft>
+              <a:buClr>
+                <a:schemeClr val="accent2"/>
+              </a:buClr>
+              <a:buSzPct val="92000"/>
+              <a:buFont typeface="Courier New" pitchFamily="49" charset="0"/>
+              <a:buChar char="o"/>
+            </a:pPr>
+            <a:r>
+              <a:rPr lang="es-ES" sz="2000" dirty="0">
+                <a:solidFill>
+                  <a:schemeClr val="tx2"/>
+                </a:solidFill>
+              </a:rPr>
+              <a:t>Estado 1</a:t>
+            </a:r>
+            <a:r>
+              <a:rPr lang="es-ES" sz="2000" b="1" dirty="0">
+                <a:solidFill>
+                  <a:schemeClr val="tx2"/>
+                </a:solidFill>
+              </a:rPr>
+              <a:t>: con</a:t>
+            </a:r>
+            <a:r>
+              <a:rPr lang="es-ES" sz="2000" dirty="0">
+                <a:solidFill>
+                  <a:schemeClr val="tx2"/>
+                </a:solidFill>
+              </a:rPr>
+              <a:t> permiso para escoger asignaturas, elección </a:t>
+            </a:r>
+            <a:r>
+              <a:rPr lang="es-ES" sz="2000" b="1" dirty="0">
+                <a:solidFill>
+                  <a:schemeClr val="tx2"/>
+                </a:solidFill>
+              </a:rPr>
+              <a:t>no</a:t>
+            </a:r>
+            <a:r>
+              <a:rPr lang="es-ES" sz="2000" dirty="0">
+                <a:solidFill>
+                  <a:schemeClr val="tx2"/>
+                </a:solidFill>
+              </a:rPr>
+              <a:t> validada.</a:t>
+            </a:r>
+          </a:p>
+          <a:p>
+            <a:pPr marL="763200" lvl="1" indent="-306000" defTabSz="457200">
+              <a:spcBef>
+                <a:spcPct val="20000"/>
+              </a:spcBef>
+              <a:spcAft>
+                <a:spcPts val="600"/>
+              </a:spcAft>
+              <a:buClr>
+                <a:schemeClr val="accent2"/>
+              </a:buClr>
+              <a:buSzPct val="92000"/>
+              <a:buFont typeface="Courier New" pitchFamily="49" charset="0"/>
+              <a:buChar char="o"/>
+            </a:pPr>
+            <a:r>
+              <a:rPr lang="es-ES" sz="2000" dirty="0">
+                <a:solidFill>
+                  <a:schemeClr val="tx2"/>
+                </a:solidFill>
+              </a:rPr>
+              <a:t>Estado 2</a:t>
+            </a:r>
+            <a:r>
+              <a:rPr lang="es-ES" sz="2000" b="1" dirty="0">
+                <a:solidFill>
+                  <a:schemeClr val="tx2"/>
+                </a:solidFill>
+              </a:rPr>
+              <a:t>: con </a:t>
+            </a:r>
+            <a:r>
+              <a:rPr lang="es-ES" sz="2000" dirty="0">
+                <a:solidFill>
+                  <a:schemeClr val="tx2"/>
+                </a:solidFill>
+              </a:rPr>
+              <a:t>permiso para escoger asignaturas, elección validada.</a:t>
+            </a:r>
+            <a:endParaRPr lang="es-ES" sz="2000" dirty="0">
               <a:solidFill>
                 <a:schemeClr val="tx2"/>
               </a:solidFill>
@@ -9843,62 +9955,8 @@
         </p:blipFill>
         <p:spPr bwMode="auto">
           <a:xfrm>
-            <a:off x="144379" y="2659718"/>
-            <a:ext cx="11930294" cy="1405571"/>
-          </a:xfrm>
-          <a:prstGeom prst="rect">
-            <a:avLst/>
-          </a:prstGeom>
-          <a:noFill/>
-          <a:ln>
-            <a:noFill/>
-          </a:ln>
-          <a:extLst>
-            <a:ext uri="{909E8E84-426E-40DD-AFC4-6F175D3DCCD1}">
-              <a14:hiddenFill xmlns:a14="http://schemas.microsoft.com/office/drawing/2010/main">
-                <a:solidFill>
-                  <a:srgbClr val="FFFFFF"/>
-                </a:solidFill>
-              </a14:hiddenFill>
-            </a:ext>
-            <a:ext uri="{91240B29-F687-4F45-9708-019B960494DF}">
-              <a14:hiddenLine xmlns:a14="http://schemas.microsoft.com/office/drawing/2010/main" w="9525">
-                <a:solidFill>
-                  <a:srgbClr val="000000"/>
-                </a:solidFill>
-                <a:miter lim="800000"/>
-                <a:headEnd/>
-                <a:tailEnd/>
-              </a14:hiddenLine>
-            </a:ext>
-          </a:extLst>
-        </p:spPr>
-      </p:pic>
-      <p:pic>
-        <p:nvPicPr>
-          <p:cNvPr id="2051" name="Picture 1"/>
-          <p:cNvPicPr>
-            <a:picLocks noChangeAspect="1" noChangeArrowheads="1"/>
-          </p:cNvPicPr>
-          <p:nvPr/>
-        </p:nvPicPr>
-        <p:blipFill>
-          <a:blip r:embed="rId3">
-            <a:extLst>
-              <a:ext uri="{28A0092B-C50C-407E-A947-70E740481C1C}">
-                <a14:useLocalDpi xmlns:a14="http://schemas.microsoft.com/office/drawing/2010/main" val="0"/>
-              </a:ext>
-            </a:extLst>
-          </a:blip>
-          <a:srcRect/>
-          <a:stretch>
-            <a:fillRect/>
-          </a:stretch>
-        </p:blipFill>
-        <p:spPr bwMode="auto">
-          <a:xfrm>
-            <a:off x="3695959" y="4905832"/>
-            <a:ext cx="4526273" cy="1279893"/>
+            <a:off x="0" y="2659718"/>
+            <a:ext cx="12192000" cy="1436404"/>
           </a:xfrm>
           <a:prstGeom prst="rect">
             <a:avLst/>
@@ -10027,7 +10085,7 @@
         <p:spPr>
           <a:xfrm>
             <a:off x="1289643" y="2118064"/>
-            <a:ext cx="3648117" cy="369332"/>
+            <a:ext cx="3648117" cy="400110"/>
           </a:xfrm>
           <a:prstGeom prst="rect">
             <a:avLst/>
@@ -10055,7 +10113,7 @@
               <a:buChar char=""/>
             </a:pPr>
             <a:r>
-              <a:rPr lang="es-ES" dirty="0" smtClean="0">
+              <a:rPr lang="es-ES" sz="2000" dirty="0" smtClean="0">
                 <a:solidFill>
                   <a:schemeClr val="tx2"/>
                 </a:solidFill>
@@ -10063,14 +10121,22 @@
               <a:t>Tabla </a:t>
             </a:r>
             <a:r>
-              <a:rPr lang="es-ES" dirty="0" err="1" smtClean="0">
+              <a:rPr lang="es-ES" sz="2000" dirty="0" err="1" smtClean="0">
                 <a:solidFill>
                   <a:schemeClr val="tx2"/>
                 </a:solidFill>
               </a:rPr>
-              <a:t>Globals</a:t>
-            </a:r>
-            <a:endParaRPr lang="es-ES" dirty="0">
+              <a:t>Assignature</a:t>
+            </a:r>
+            <a:r>
+              <a:rPr lang="es-ES" sz="2000" dirty="0" err="1" smtClean="0">
+                <a:solidFill>
+                  <a:schemeClr val="tx2"/>
+                </a:solidFill>
+              </a:rPr>
+              <a:t>s</a:t>
+            </a:r>
+            <a:endParaRPr lang="es-ES" sz="2000" dirty="0">
               <a:solidFill>
                 <a:schemeClr val="tx2"/>
               </a:solidFill>
@@ -10080,7 +10146,7 @@
       </p:sp>
       <p:pic>
         <p:nvPicPr>
-          <p:cNvPr id="3074" name="Picture 1"/>
+          <p:cNvPr id="1026" name="Picture 1"/>
           <p:cNvPicPr>
             <a:picLocks noChangeAspect="1" noChangeArrowheads="1"/>
           </p:cNvPicPr>
@@ -10101,8 +10167,8 @@
         </p:blipFill>
         <p:spPr bwMode="auto">
           <a:xfrm>
-            <a:off x="2697336" y="2643805"/>
-            <a:ext cx="6951990" cy="2707837"/>
+            <a:off x="3501189" y="2809206"/>
+            <a:ext cx="5156461" cy="1490561"/>
           </a:xfrm>
           <a:prstGeom prst="rect">
             <a:avLst/>
@@ -10181,12 +10247,14 @@
         </p:nvSpPr>
         <p:spPr/>
         <p:txBody>
-          <a:bodyPr/>
+          <a:bodyPr>
+            <a:normAutofit/>
+          </a:bodyPr>
           <a:lstStyle/>
           <a:p>
             <a:r>
               <a:rPr lang="es-ES" dirty="0" smtClean="0"/>
-              <a:t>Desarrollo - Casos De uso</a:t>
+              <a:t>Desarrollo – Base de datos</a:t>
             </a:r>
             <a:endParaRPr lang="ca-ES" dirty="0"/>
           </a:p>
@@ -10220,9 +10288,69 @@
           </a:p>
         </p:txBody>
       </p:sp>
+      <p:sp>
+        <p:nvSpPr>
+          <p:cNvPr id="5" name="TextBox 4"/>
+          <p:cNvSpPr txBox="1"/>
+          <p:nvPr/>
+        </p:nvSpPr>
+        <p:spPr>
+          <a:xfrm>
+            <a:off x="1289643" y="2118064"/>
+            <a:ext cx="3648117" cy="400110"/>
+          </a:xfrm>
+          <a:prstGeom prst="rect">
+            <a:avLst/>
+          </a:prstGeom>
+          <a:noFill/>
+        </p:spPr>
+        <p:txBody>
+          <a:bodyPr wrap="square" rtlCol="0">
+            <a:spAutoFit/>
+          </a:bodyPr>
+          <a:lstStyle/>
+          <a:p>
+            <a:pPr marL="306000" indent="-306000" defTabSz="457200">
+              <a:spcBef>
+                <a:spcPct val="20000"/>
+              </a:spcBef>
+              <a:spcAft>
+                <a:spcPts val="600"/>
+              </a:spcAft>
+              <a:buClr>
+                <a:schemeClr val="accent2"/>
+              </a:buClr>
+              <a:buSzPct val="92000"/>
+              <a:buFont typeface="Wingdings 2" panose="05020102010507070707" pitchFamily="18" charset="2"/>
+              <a:buChar char=""/>
+            </a:pPr>
+            <a:r>
+              <a:rPr lang="es-ES" sz="2000" dirty="0" smtClean="0">
+                <a:solidFill>
+                  <a:schemeClr val="tx2"/>
+                </a:solidFill>
+              </a:rPr>
+              <a:t>Tabla </a:t>
+            </a:r>
+            <a:r>
+              <a:rPr lang="es-ES" sz="2000" dirty="0" err="1" smtClean="0">
+                <a:solidFill>
+                  <a:schemeClr val="tx2"/>
+                </a:solidFill>
+              </a:rPr>
+              <a:t>Globals</a:t>
+            </a:r>
+            <a:endParaRPr lang="es-ES" sz="2000" dirty="0">
+              <a:solidFill>
+                <a:schemeClr val="tx2"/>
+              </a:solidFill>
+            </a:endParaRPr>
+          </a:p>
+        </p:txBody>
+      </p:sp>
       <p:pic>
         <p:nvPicPr>
-          <p:cNvPr id="1026" name="Picture 2"/>
+          <p:cNvPr id="3074" name="Picture 1"/>
           <p:cNvPicPr>
             <a:picLocks noChangeAspect="1" noChangeArrowheads="1"/>
           </p:cNvPicPr>
@@ -10243,8 +10371,148 @@
         </p:blipFill>
         <p:spPr bwMode="auto">
           <a:xfrm>
-            <a:off x="2707106" y="2129089"/>
-            <a:ext cx="6579520" cy="3924626"/>
+            <a:off x="2697336" y="2643805"/>
+            <a:ext cx="6951990" cy="2707837"/>
+          </a:xfrm>
+          <a:prstGeom prst="rect">
+            <a:avLst/>
+          </a:prstGeom>
+          <a:noFill/>
+          <a:ln>
+            <a:noFill/>
+          </a:ln>
+          <a:extLst>
+            <a:ext uri="{909E8E84-426E-40DD-AFC4-6F175D3DCCD1}">
+              <a14:hiddenFill xmlns:a14="http://schemas.microsoft.com/office/drawing/2010/main">
+                <a:solidFill>
+                  <a:srgbClr val="FFFFFF"/>
+                </a:solidFill>
+              </a14:hiddenFill>
+            </a:ext>
+            <a:ext uri="{91240B29-F687-4F45-9708-019B960494DF}">
+              <a14:hiddenLine xmlns:a14="http://schemas.microsoft.com/office/drawing/2010/main" w="9525">
+                <a:solidFill>
+                  <a:srgbClr val="000000"/>
+                </a:solidFill>
+                <a:miter lim="800000"/>
+                <a:headEnd/>
+                <a:tailEnd/>
+              </a14:hiddenLine>
+            </a:ext>
+          </a:extLst>
+        </p:spPr>
+      </p:pic>
+    </p:spTree>
+    <p:extLst>
+      <p:ext uri="{BB962C8B-B14F-4D97-AF65-F5344CB8AC3E}">
+        <p14:creationId xmlns:p14="http://schemas.microsoft.com/office/powerpoint/2010/main" val="660249999"/>
+      </p:ext>
+    </p:extLst>
+  </p:cSld>
+  <p:clrMapOvr>
+    <a:masterClrMapping/>
+  </p:clrMapOvr>
+  <p:timing>
+    <p:tnLst>
+      <p:par>
+        <p:cTn id="1" dur="indefinite" restart="never" nodeType="tmRoot"/>
+      </p:par>
+    </p:tnLst>
+  </p:timing>
+</p:sld>
+</file>
+
+<file path=ppt/slides/slide18.xml><?xml version="1.0" encoding="utf-8"?>
+<p:sld xmlns:a="http://schemas.openxmlformats.org/drawingml/2006/main" xmlns:r="http://schemas.openxmlformats.org/officeDocument/2006/relationships" xmlns:p="http://schemas.openxmlformats.org/presentationml/2006/main">
+  <p:cSld>
+    <p:spTree>
+      <p:nvGrpSpPr>
+        <p:cNvPr id="1" name=""/>
+        <p:cNvGrpSpPr/>
+        <p:nvPr/>
+      </p:nvGrpSpPr>
+      <p:grpSpPr>
+        <a:xfrm>
+          <a:off x="0" y="0"/>
+          <a:ext cx="0" cy="0"/>
+          <a:chOff x="0" y="0"/>
+          <a:chExt cx="0" cy="0"/>
+        </a:xfrm>
+      </p:grpSpPr>
+      <p:sp>
+        <p:nvSpPr>
+          <p:cNvPr id="2" name="Título 1"/>
+          <p:cNvSpPr>
+            <a:spLocks noGrp="1"/>
+          </p:cNvSpPr>
+          <p:nvPr>
+            <p:ph type="title"/>
+          </p:nvPr>
+        </p:nvSpPr>
+        <p:spPr/>
+        <p:txBody>
+          <a:bodyPr/>
+          <a:lstStyle/>
+          <a:p>
+            <a:r>
+              <a:rPr lang="es-ES" dirty="0" smtClean="0"/>
+              <a:t>Desarrollo - Casos De uso</a:t>
+            </a:r>
+            <a:endParaRPr lang="ca-ES" dirty="0"/>
+          </a:p>
+        </p:txBody>
+      </p:sp>
+      <p:sp>
+        <p:nvSpPr>
+          <p:cNvPr id="3" name="Marcador de número de diapositiva 2"/>
+          <p:cNvSpPr>
+            <a:spLocks noGrp="1"/>
+          </p:cNvSpPr>
+          <p:nvPr>
+            <p:ph type="sldNum" sz="quarter" idx="12"/>
+          </p:nvPr>
+        </p:nvSpPr>
+        <p:spPr/>
+        <p:txBody>
+          <a:bodyPr/>
+          <a:lstStyle/>
+          <a:p>
+            <a:fld id="{4F4CC500-C254-4A01-A1E9-3631BD4DF40D}" type="slidenum">
+              <a:rPr lang="ca-ES" smtClean="0"/>
+              <a:pPr/>
+              <a:t>18</a:t>
+            </a:fld>
+            <a:r>
+              <a:rPr lang="ca-ES" dirty="0" smtClean="0"/>
+              <a:t>/27</a:t>
+            </a:r>
+            <a:endParaRPr lang="ca-ES" dirty="0"/>
+          </a:p>
+        </p:txBody>
+      </p:sp>
+      <p:pic>
+        <p:nvPicPr>
+          <p:cNvPr id="4098" name="Picture 2"/>
+          <p:cNvPicPr>
+            <a:picLocks noChangeAspect="1" noChangeArrowheads="1"/>
+          </p:cNvPicPr>
+          <p:nvPr/>
+        </p:nvPicPr>
+        <p:blipFill rotWithShape="1">
+          <a:blip r:embed="rId2">
+            <a:extLst>
+              <a:ext uri="{28A0092B-C50C-407E-A947-70E740481C1C}">
+                <a14:useLocalDpi xmlns:a14="http://schemas.microsoft.com/office/drawing/2010/main" val="0"/>
+              </a:ext>
+            </a:extLst>
+          </a:blip>
+          <a:srcRect l="7702" t="4896"/>
+          <a:stretch/>
+        </p:blipFill>
+        <p:spPr bwMode="auto">
+          <a:xfrm>
+            <a:off x="2117558" y="1845020"/>
+            <a:ext cx="8037096" cy="4999179"/>
           </a:xfrm>
           <a:prstGeom prst="rect">
             <a:avLst/>
@@ -10284,36 +10552,6 @@
           </a:extLst>
         </p:spPr>
       </p:pic>
-      <p:sp>
-        <p:nvSpPr>
-          <p:cNvPr id="4" name="3 CuadroTexto"/>
-          <p:cNvSpPr txBox="1"/>
-          <p:nvPr/>
-        </p:nvSpPr>
-        <p:spPr>
-          <a:xfrm>
-            <a:off x="721895" y="2598821"/>
-            <a:ext cx="2731168" cy="369332"/>
-          </a:xfrm>
-          <a:prstGeom prst="rect">
-            <a:avLst/>
-          </a:prstGeom>
-          <a:noFill/>
-        </p:spPr>
-        <p:txBody>
-          <a:bodyPr wrap="square" rtlCol="0">
-            <a:spAutoFit/>
-          </a:bodyPr>
-          <a:lstStyle/>
-          <a:p>
-            <a:r>
-              <a:rPr lang="es-ES" dirty="0" smtClean="0"/>
-              <a:t>LLETRA NEGRA</a:t>
-            </a:r>
-            <a:endParaRPr lang="es-ES" dirty="0"/>
-          </a:p>
-        </p:txBody>
-      </p:sp>
     </p:spTree>
     <p:extLst>
       <p:ext uri="{BB962C8B-B14F-4D97-AF65-F5344CB8AC3E}">
@@ -10334,7 +10572,7 @@
 </p:sld>
 </file>
 
-<file path=ppt/slides/slide18.xml><?xml version="1.0" encoding="utf-8"?>
+<file path=ppt/slides/slide19.xml><?xml version="1.0" encoding="utf-8"?>
 <p:sld xmlns:a="http://schemas.openxmlformats.org/drawingml/2006/main" xmlns:r="http://schemas.openxmlformats.org/officeDocument/2006/relationships" xmlns:p="http://schemas.openxmlformats.org/presentationml/2006/main">
   <p:cSld>
     <p:spTree>
@@ -10392,7 +10630,7 @@
             <a:fld id="{4F4CC500-C254-4A01-A1E9-3631BD4DF40D}" type="slidenum">
               <a:rPr lang="ca-ES" smtClean="0"/>
               <a:pPr/>
-              <a:t>18</a:t>
+              <a:t>19</a:t>
             </a:fld>
             <a:r>
               <a:rPr lang="ca-ES" dirty="0" smtClean="0"/>
@@ -10506,162 +10744,6 @@
 </p:sld>
 </file>
 
-<file path=ppt/slides/slide19.xml><?xml version="1.0" encoding="utf-8"?>
-<p:sld xmlns:a="http://schemas.openxmlformats.org/drawingml/2006/main" xmlns:r="http://schemas.openxmlformats.org/officeDocument/2006/relationships" xmlns:p="http://schemas.openxmlformats.org/presentationml/2006/main">
-  <p:cSld>
-    <p:spTree>
-      <p:nvGrpSpPr>
-        <p:cNvPr id="1" name=""/>
-        <p:cNvGrpSpPr/>
-        <p:nvPr/>
-      </p:nvGrpSpPr>
-      <p:grpSpPr>
-        <a:xfrm>
-          <a:off x="0" y="0"/>
-          <a:ext cx="0" cy="0"/>
-          <a:chOff x="0" y="0"/>
-          <a:chExt cx="0" cy="0"/>
-        </a:xfrm>
-      </p:grpSpPr>
-      <p:sp>
-        <p:nvSpPr>
-          <p:cNvPr id="2" name="Título 1"/>
-          <p:cNvSpPr>
-            <a:spLocks noGrp="1"/>
-          </p:cNvSpPr>
-          <p:nvPr>
-            <p:ph type="title"/>
-          </p:nvPr>
-        </p:nvSpPr>
-        <p:spPr/>
-        <p:txBody>
-          <a:bodyPr/>
-          <a:lstStyle/>
-          <a:p>
-            <a:r>
-              <a:rPr lang="es-ES" dirty="0" smtClean="0"/>
-              <a:t>Demo</a:t>
-            </a:r>
-            <a:endParaRPr lang="ca-ES" dirty="0"/>
-          </a:p>
-        </p:txBody>
-      </p:sp>
-      <p:sp>
-        <p:nvSpPr>
-          <p:cNvPr id="3" name="Marcador de número de diapositiva 2"/>
-          <p:cNvSpPr>
-            <a:spLocks noGrp="1"/>
-          </p:cNvSpPr>
-          <p:nvPr>
-            <p:ph type="sldNum" sz="quarter" idx="12"/>
-          </p:nvPr>
-        </p:nvSpPr>
-        <p:spPr/>
-        <p:txBody>
-          <a:bodyPr/>
-          <a:lstStyle/>
-          <a:p>
-            <a:fld id="{4F4CC500-C254-4A01-A1E9-3631BD4DF40D}" type="slidenum">
-              <a:rPr lang="ca-ES" smtClean="0"/>
-              <a:pPr/>
-              <a:t>19</a:t>
-            </a:fld>
-            <a:r>
-              <a:rPr lang="ca-ES" dirty="0" smtClean="0"/>
-              <a:t>/27</a:t>
-            </a:r>
-            <a:endParaRPr lang="ca-ES" dirty="0"/>
-          </a:p>
-        </p:txBody>
-      </p:sp>
-      <p:pic>
-        <p:nvPicPr>
-          <p:cNvPr id="7" name="Picture 6"/>
-          <p:cNvPicPr/>
-          <p:nvPr/>
-        </p:nvPicPr>
-        <p:blipFill>
-          <a:blip r:embed="rId2" cstate="print">
-            <a:extLst>
-              <a:ext uri="{28A0092B-C50C-407E-A947-70E740481C1C}">
-                <a14:useLocalDpi xmlns:a14="http://schemas.microsoft.com/office/drawing/2010/main" val="0"/>
-              </a:ext>
-            </a:extLst>
-          </a:blip>
-          <a:srcRect/>
-          <a:stretch>
-            <a:fillRect/>
-          </a:stretch>
-        </p:blipFill>
-        <p:spPr bwMode="auto">
-          <a:xfrm>
-            <a:off x="3140243" y="2948113"/>
-            <a:ext cx="6273502" cy="3079707"/>
-          </a:xfrm>
-          <a:prstGeom prst="rect">
-            <a:avLst/>
-          </a:prstGeom>
-          <a:noFill/>
-          <a:ln>
-            <a:noFill/>
-          </a:ln>
-        </p:spPr>
-      </p:pic>
-      <p:sp>
-        <p:nvSpPr>
-          <p:cNvPr id="8" name="TextBox 7"/>
-          <p:cNvSpPr txBox="1"/>
-          <p:nvPr/>
-        </p:nvSpPr>
-        <p:spPr>
-          <a:xfrm>
-            <a:off x="1737360" y="2295144"/>
-            <a:ext cx="3515258" cy="646331"/>
-          </a:xfrm>
-          <a:prstGeom prst="rect">
-            <a:avLst/>
-          </a:prstGeom>
-          <a:noFill/>
-        </p:spPr>
-        <p:txBody>
-          <a:bodyPr wrap="none" rtlCol="0">
-            <a:spAutoFit/>
-          </a:bodyPr>
-          <a:lstStyle/>
-          <a:p>
-            <a:r>
-              <a:rPr lang="es-ES" dirty="0" smtClean="0">
-                <a:hlinkClick r:id="rId3"/>
-              </a:rPr>
-              <a:t>http://gestio-docent.byethost7.com/</a:t>
-            </a:r>
-            <a:endParaRPr lang="es-ES" dirty="0" smtClean="0"/>
-          </a:p>
-          <a:p>
-            <a:endParaRPr lang="es-ES" dirty="0"/>
-          </a:p>
-        </p:txBody>
-      </p:sp>
-    </p:spTree>
-    <p:extLst>
-      <p:ext uri="{BB962C8B-B14F-4D97-AF65-F5344CB8AC3E}">
-        <p14:creationId xmlns:p14="http://schemas.microsoft.com/office/powerpoint/2010/main" val="332468425"/>
-      </p:ext>
-    </p:extLst>
-  </p:cSld>
-  <p:clrMapOvr>
-    <a:masterClrMapping/>
-  </p:clrMapOvr>
-  <p:timing>
-    <p:tnLst>
-      <p:par>
-        <p:cTn id="1" dur="indefinite" restart="never" nodeType="tmRoot"/>
-      </p:par>
-    </p:tnLst>
-  </p:timing>
-</p:sld>
-</file>
-
 <file path=ppt/slides/slide2.xml><?xml version="1.0" encoding="utf-8"?>
 <p:sld xmlns:a="http://schemas.openxmlformats.org/drawingml/2006/main" xmlns:r="http://schemas.openxmlformats.org/officeDocument/2006/relationships" xmlns:p="http://schemas.openxmlformats.org/presentationml/2006/main">
   <p:cSld>
@@ -10887,6 +10969,162 @@
           <a:p>
             <a:r>
               <a:rPr lang="es-ES" dirty="0" smtClean="0"/>
+              <a:t>Demo</a:t>
+            </a:r>
+            <a:endParaRPr lang="ca-ES" dirty="0"/>
+          </a:p>
+        </p:txBody>
+      </p:sp>
+      <p:sp>
+        <p:nvSpPr>
+          <p:cNvPr id="3" name="Marcador de número de diapositiva 2"/>
+          <p:cNvSpPr>
+            <a:spLocks noGrp="1"/>
+          </p:cNvSpPr>
+          <p:nvPr>
+            <p:ph type="sldNum" sz="quarter" idx="12"/>
+          </p:nvPr>
+        </p:nvSpPr>
+        <p:spPr/>
+        <p:txBody>
+          <a:bodyPr/>
+          <a:lstStyle/>
+          <a:p>
+            <a:fld id="{4F4CC500-C254-4A01-A1E9-3631BD4DF40D}" type="slidenum">
+              <a:rPr lang="ca-ES" smtClean="0"/>
+              <a:pPr/>
+              <a:t>20</a:t>
+            </a:fld>
+            <a:r>
+              <a:rPr lang="ca-ES" dirty="0" smtClean="0"/>
+              <a:t>/27</a:t>
+            </a:r>
+            <a:endParaRPr lang="ca-ES" dirty="0"/>
+          </a:p>
+        </p:txBody>
+      </p:sp>
+      <p:pic>
+        <p:nvPicPr>
+          <p:cNvPr id="7" name="Picture 6"/>
+          <p:cNvPicPr/>
+          <p:nvPr/>
+        </p:nvPicPr>
+        <p:blipFill>
+          <a:blip r:embed="rId2" cstate="print">
+            <a:extLst>
+              <a:ext uri="{28A0092B-C50C-407E-A947-70E740481C1C}">
+                <a14:useLocalDpi xmlns:a14="http://schemas.microsoft.com/office/drawing/2010/main" val="0"/>
+              </a:ext>
+            </a:extLst>
+          </a:blip>
+          <a:srcRect/>
+          <a:stretch>
+            <a:fillRect/>
+          </a:stretch>
+        </p:blipFill>
+        <p:spPr bwMode="auto">
+          <a:xfrm>
+            <a:off x="3140243" y="2948113"/>
+            <a:ext cx="6273502" cy="3079707"/>
+          </a:xfrm>
+          <a:prstGeom prst="rect">
+            <a:avLst/>
+          </a:prstGeom>
+          <a:noFill/>
+          <a:ln>
+            <a:noFill/>
+          </a:ln>
+        </p:spPr>
+      </p:pic>
+      <p:sp>
+        <p:nvSpPr>
+          <p:cNvPr id="8" name="TextBox 7"/>
+          <p:cNvSpPr txBox="1"/>
+          <p:nvPr/>
+        </p:nvSpPr>
+        <p:spPr>
+          <a:xfrm>
+            <a:off x="1737360" y="2295144"/>
+            <a:ext cx="3515258" cy="646331"/>
+          </a:xfrm>
+          <a:prstGeom prst="rect">
+            <a:avLst/>
+          </a:prstGeom>
+          <a:noFill/>
+        </p:spPr>
+        <p:txBody>
+          <a:bodyPr wrap="none" rtlCol="0">
+            <a:spAutoFit/>
+          </a:bodyPr>
+          <a:lstStyle/>
+          <a:p>
+            <a:r>
+              <a:rPr lang="es-ES" dirty="0" smtClean="0">
+                <a:hlinkClick r:id="rId3"/>
+              </a:rPr>
+              <a:t>http://gestio-docent.byethost7.com/</a:t>
+            </a:r>
+            <a:endParaRPr lang="es-ES" dirty="0" smtClean="0"/>
+          </a:p>
+          <a:p>
+            <a:endParaRPr lang="es-ES" dirty="0"/>
+          </a:p>
+        </p:txBody>
+      </p:sp>
+    </p:spTree>
+    <p:extLst>
+      <p:ext uri="{BB962C8B-B14F-4D97-AF65-F5344CB8AC3E}">
+        <p14:creationId xmlns:p14="http://schemas.microsoft.com/office/powerpoint/2010/main" val="332468425"/>
+      </p:ext>
+    </p:extLst>
+  </p:cSld>
+  <p:clrMapOvr>
+    <a:masterClrMapping/>
+  </p:clrMapOvr>
+  <p:timing>
+    <p:tnLst>
+      <p:par>
+        <p:cTn id="1" dur="indefinite" restart="never" nodeType="tmRoot"/>
+      </p:par>
+    </p:tnLst>
+  </p:timing>
+</p:sld>
+</file>
+
+<file path=ppt/slides/slide21.xml><?xml version="1.0" encoding="utf-8"?>
+<p:sld xmlns:a="http://schemas.openxmlformats.org/drawingml/2006/main" xmlns:r="http://schemas.openxmlformats.org/officeDocument/2006/relationships" xmlns:p="http://schemas.openxmlformats.org/presentationml/2006/main">
+  <p:cSld>
+    <p:spTree>
+      <p:nvGrpSpPr>
+        <p:cNvPr id="1" name=""/>
+        <p:cNvGrpSpPr/>
+        <p:nvPr/>
+      </p:nvGrpSpPr>
+      <p:grpSpPr>
+        <a:xfrm>
+          <a:off x="0" y="0"/>
+          <a:ext cx="0" cy="0"/>
+          <a:chOff x="0" y="0"/>
+          <a:chExt cx="0" cy="0"/>
+        </a:xfrm>
+      </p:grpSpPr>
+      <p:sp>
+        <p:nvSpPr>
+          <p:cNvPr id="2" name="Título 1"/>
+          <p:cNvSpPr>
+            <a:spLocks noGrp="1"/>
+          </p:cNvSpPr>
+          <p:nvPr>
+            <p:ph type="title"/>
+          </p:nvPr>
+        </p:nvSpPr>
+        <p:spPr/>
+        <p:txBody>
+          <a:bodyPr/>
+          <a:lstStyle/>
+          <a:p>
+            <a:r>
+              <a:rPr lang="es-ES" dirty="0" smtClean="0"/>
               <a:t>Validación preliminar</a:t>
             </a:r>
             <a:endParaRPr lang="ca-ES" dirty="0"/>
@@ -10917,11 +11155,7 @@
           <a:p>
             <a:r>
               <a:rPr lang="es-ES" dirty="0" smtClean="0"/>
-              <a:t> 3 </a:t>
-            </a:r>
-            <a:r>
-              <a:rPr lang="es-ES" dirty="0" smtClean="0"/>
-              <a:t>preguntas</a:t>
+              <a:t> 3 preguntas</a:t>
             </a:r>
           </a:p>
           <a:p>
@@ -10950,7 +11184,7 @@
             <a:fld id="{4F4CC500-C254-4A01-A1E9-3631BD4DF40D}" type="slidenum">
               <a:rPr lang="ca-ES" smtClean="0"/>
               <a:pPr/>
-              <a:t>20</a:t>
+              <a:t>21</a:t>
             </a:fld>
             <a:r>
               <a:rPr lang="ca-ES" dirty="0" smtClean="0"/>
@@ -11034,7 +11268,7 @@
 </p:sld>
 </file>
 
-<file path=ppt/slides/slide21.xml><?xml version="1.0" encoding="utf-8"?>
+<file path=ppt/slides/slide22.xml><?xml version="1.0" encoding="utf-8"?>
 <p:sld xmlns:a="http://schemas.openxmlformats.org/drawingml/2006/main" xmlns:r="http://schemas.openxmlformats.org/officeDocument/2006/relationships" xmlns:p="http://schemas.openxmlformats.org/presentationml/2006/main">
   <p:cSld>
     <p:spTree>
@@ -11114,7 +11348,7 @@
             <a:fld id="{4F4CC500-C254-4A01-A1E9-3631BD4DF40D}" type="slidenum">
               <a:rPr lang="ca-ES" smtClean="0"/>
               <a:pPr/>
-              <a:t>21</a:t>
+              <a:t>22</a:t>
             </a:fld>
             <a:r>
               <a:rPr lang="ca-ES" dirty="0" smtClean="0"/>
@@ -11198,7 +11432,7 @@
 </p:sld>
 </file>
 
-<file path=ppt/slides/slide22.xml><?xml version="1.0" encoding="utf-8"?>
+<file path=ppt/slides/slide23.xml><?xml version="1.0" encoding="utf-8"?>
 <p:sld xmlns:a="http://schemas.openxmlformats.org/drawingml/2006/main" xmlns:r="http://schemas.openxmlformats.org/officeDocument/2006/relationships" xmlns:p="http://schemas.openxmlformats.org/presentationml/2006/main">
   <p:cSld>
     <p:spTree>
@@ -11256,7 +11490,7 @@
             <a:fld id="{4F4CC500-C254-4A01-A1E9-3631BD4DF40D}" type="slidenum">
               <a:rPr lang="ca-ES" smtClean="0"/>
               <a:pPr/>
-              <a:t>22</a:t>
+              <a:t>23</a:t>
             </a:fld>
             <a:r>
               <a:rPr lang="ca-ES" dirty="0" smtClean="0"/>
@@ -11339,7 +11573,7 @@
 </p:sld>
 </file>
 
-<file path=ppt/slides/slide23.xml><?xml version="1.0" encoding="utf-8"?>
+<file path=ppt/slides/slide24.xml><?xml version="1.0" encoding="utf-8"?>
 <p:sld xmlns:a="http://schemas.openxmlformats.org/drawingml/2006/main" xmlns:r="http://schemas.openxmlformats.org/officeDocument/2006/relationships" xmlns:p="http://schemas.openxmlformats.org/presentationml/2006/main">
   <p:cSld>
     <p:spTree>
@@ -11397,7 +11631,7 @@
             <a:fld id="{4F4CC500-C254-4A01-A1E9-3631BD4DF40D}" type="slidenum">
               <a:rPr lang="ca-ES" smtClean="0"/>
               <a:pPr/>
-              <a:t>23</a:t>
+              <a:t>24</a:t>
             </a:fld>
             <a:r>
               <a:rPr lang="ca-ES" dirty="0" smtClean="0"/>
@@ -11481,7 +11715,7 @@
 </p:sld>
 </file>
 
-<file path=ppt/slides/slide24.xml><?xml version="1.0" encoding="utf-8"?>
+<file path=ppt/slides/slide25.xml><?xml version="1.0" encoding="utf-8"?>
 <p:sld xmlns:a="http://schemas.openxmlformats.org/drawingml/2006/main" xmlns:r="http://schemas.openxmlformats.org/officeDocument/2006/relationships" xmlns:p="http://schemas.openxmlformats.org/presentationml/2006/main">
   <p:cSld>
     <p:spTree>
@@ -11539,7 +11773,7 @@
             <a:fld id="{4F4CC500-C254-4A01-A1E9-3631BD4DF40D}" type="slidenum">
               <a:rPr lang="ca-ES" smtClean="0"/>
               <a:pPr/>
-              <a:t>24</a:t>
+              <a:t>25</a:t>
             </a:fld>
             <a:r>
               <a:rPr lang="ca-ES" dirty="0" smtClean="0"/>
@@ -11623,175 +11857,6 @@
 </p:sld>
 </file>
 
-<file path=ppt/slides/slide25.xml><?xml version="1.0" encoding="utf-8"?>
-<p:sld xmlns:a="http://schemas.openxmlformats.org/drawingml/2006/main" xmlns:r="http://schemas.openxmlformats.org/officeDocument/2006/relationships" xmlns:p="http://schemas.openxmlformats.org/presentationml/2006/main">
-  <p:cSld>
-    <p:spTree>
-      <p:nvGrpSpPr>
-        <p:cNvPr id="1" name=""/>
-        <p:cNvGrpSpPr/>
-        <p:nvPr/>
-      </p:nvGrpSpPr>
-      <p:grpSpPr>
-        <a:xfrm>
-          <a:off x="0" y="0"/>
-          <a:ext cx="0" cy="0"/>
-          <a:chOff x="0" y="0"/>
-          <a:chExt cx="0" cy="0"/>
-        </a:xfrm>
-      </p:grpSpPr>
-      <p:sp>
-        <p:nvSpPr>
-          <p:cNvPr id="2" name="Title 1"/>
-          <p:cNvSpPr>
-            <a:spLocks noGrp="1"/>
-          </p:cNvSpPr>
-          <p:nvPr>
-            <p:ph type="title"/>
-          </p:nvPr>
-        </p:nvSpPr>
-        <p:spPr/>
-        <p:txBody>
-          <a:bodyPr/>
-          <a:lstStyle/>
-          <a:p>
-            <a:r>
-              <a:rPr lang="es-ES" dirty="0" smtClean="0"/>
-              <a:t>Futuras mejoras</a:t>
-            </a:r>
-            <a:endParaRPr lang="es-ES" dirty="0"/>
-          </a:p>
-        </p:txBody>
-      </p:sp>
-      <p:sp>
-        <p:nvSpPr>
-          <p:cNvPr id="3" name="Content Placeholder 2"/>
-          <p:cNvSpPr>
-            <a:spLocks noGrp="1"/>
-          </p:cNvSpPr>
-          <p:nvPr>
-            <p:ph idx="1"/>
-          </p:nvPr>
-        </p:nvSpPr>
-        <p:spPr/>
-        <p:txBody>
-          <a:bodyPr>
-            <a:normAutofit/>
-          </a:bodyPr>
-          <a:lstStyle/>
-          <a:p>
-            <a:pPr>
-              <a:lnSpc>
-                <a:spcPct val="250000"/>
-              </a:lnSpc>
-            </a:pPr>
-            <a:r>
-              <a:rPr lang="es-ES" sz="2000" dirty="0" smtClean="0"/>
-              <a:t>Hacer uso </a:t>
-            </a:r>
-            <a:r>
-              <a:rPr lang="es-ES" sz="2000" dirty="0"/>
-              <a:t>en otros </a:t>
-            </a:r>
-            <a:r>
-              <a:rPr lang="es-ES" sz="2000" dirty="0" smtClean="0"/>
-              <a:t>departamentos</a:t>
-            </a:r>
-          </a:p>
-          <a:p>
-            <a:pPr>
-              <a:lnSpc>
-                <a:spcPct val="250000"/>
-              </a:lnSpc>
-            </a:pPr>
-            <a:r>
-              <a:rPr lang="es-ES" sz="2000" dirty="0" err="1" smtClean="0"/>
-              <a:t>Multiidioma</a:t>
-            </a:r>
-            <a:endParaRPr lang="es-ES" sz="2000" dirty="0" smtClean="0"/>
-          </a:p>
-          <a:p>
-            <a:pPr>
-              <a:lnSpc>
-                <a:spcPct val="250000"/>
-              </a:lnSpc>
-            </a:pPr>
-            <a:r>
-              <a:rPr lang="es-ES" sz="2000" dirty="0" smtClean="0"/>
-              <a:t>Desarrollo de </a:t>
-            </a:r>
-            <a:r>
-              <a:rPr lang="es-ES" sz="2000" dirty="0"/>
-              <a:t>una aplicación Android </a:t>
-            </a:r>
-            <a:r>
-              <a:rPr lang="es-ES" sz="2000" dirty="0" smtClean="0"/>
-              <a:t>/IOS</a:t>
-            </a:r>
-            <a:endParaRPr lang="es-ES" sz="2000" dirty="0"/>
-          </a:p>
-          <a:p>
-            <a:pPr>
-              <a:lnSpc>
-                <a:spcPct val="250000"/>
-              </a:lnSpc>
-            </a:pPr>
-            <a:r>
-              <a:rPr lang="es-ES" sz="2000" dirty="0" smtClean="0"/>
-              <a:t>Mejorar interfaz</a:t>
-            </a:r>
-            <a:endParaRPr lang="es-ES" sz="2000" dirty="0"/>
-          </a:p>
-        </p:txBody>
-      </p:sp>
-      <p:sp>
-        <p:nvSpPr>
-          <p:cNvPr id="4" name="Slide Number Placeholder 3"/>
-          <p:cNvSpPr>
-            <a:spLocks noGrp="1"/>
-          </p:cNvSpPr>
-          <p:nvPr>
-            <p:ph type="sldNum" sz="quarter" idx="12"/>
-          </p:nvPr>
-        </p:nvSpPr>
-        <p:spPr/>
-        <p:txBody>
-          <a:bodyPr/>
-          <a:lstStyle/>
-          <a:p>
-            <a:fld id="{4F4CC500-C254-4A01-A1E9-3631BD4DF40D}" type="slidenum">
-              <a:rPr lang="ca-ES" smtClean="0"/>
-              <a:pPr/>
-              <a:t>25</a:t>
-            </a:fld>
-            <a:r>
-              <a:rPr lang="ca-ES" dirty="0" smtClean="0"/>
-              <a:t>/27</a:t>
-            </a:r>
-            <a:endParaRPr lang="ca-ES" dirty="0"/>
-          </a:p>
-        </p:txBody>
-      </p:sp>
-    </p:spTree>
-    <p:extLst>
-      <p:ext uri="{BB962C8B-B14F-4D97-AF65-F5344CB8AC3E}">
-        <p14:creationId xmlns:p14="http://schemas.microsoft.com/office/powerpoint/2010/main" val="2738654838"/>
-      </p:ext>
-    </p:extLst>
-  </p:cSld>
-  <p:clrMapOvr>
-    <a:masterClrMapping/>
-  </p:clrMapOvr>
-  <p:timing>
-    <p:tnLst>
-      <p:par>
-        <p:cTn id="1" dur="indefinite" restart="never" nodeType="tmRoot"/>
-      </p:par>
-    </p:tnLst>
-  </p:timing>
-</p:sld>
-</file>
-
 <file path=ppt/slides/slide26.xml><?xml version="1.0" encoding="utf-8"?>
 <p:sld xmlns:a="http://schemas.openxmlformats.org/drawingml/2006/main" xmlns:r="http://schemas.openxmlformats.org/officeDocument/2006/relationships" xmlns:p="http://schemas.openxmlformats.org/presentationml/2006/main">
   <p:cSld>
@@ -11811,7 +11876,7 @@
       </p:grpSpPr>
       <p:sp>
         <p:nvSpPr>
-          <p:cNvPr id="2" name="1 Título"/>
+          <p:cNvPr id="2" name="Título 1"/>
           <p:cNvSpPr>
             <a:spLocks noGrp="1"/>
           </p:cNvSpPr>
@@ -11825,35 +11890,16 @@
           <a:lstStyle/>
           <a:p>
             <a:r>
-              <a:rPr lang="es-ES" dirty="0" smtClean="0"/>
-              <a:t>Horas de dedicación</a:t>
-            </a:r>
-            <a:endParaRPr lang="es-ES" dirty="0"/>
-          </a:p>
-        </p:txBody>
-      </p:sp>
-      <p:sp>
-        <p:nvSpPr>
-          <p:cNvPr id="3" name="2 Marcador de contenido"/>
-          <p:cNvSpPr>
-            <a:spLocks noGrp="1"/>
-          </p:cNvSpPr>
-          <p:nvPr>
-            <p:ph idx="1"/>
-          </p:nvPr>
-        </p:nvSpPr>
-        <p:spPr/>
-        <p:txBody>
-          <a:bodyPr/>
-          <a:lstStyle/>
-          <a:p>
-            <a:endParaRPr lang="es-ES"/>
-          </a:p>
-        </p:txBody>
-      </p:sp>
-      <p:sp>
-        <p:nvSpPr>
-          <p:cNvPr id="4" name="3 Marcador de número de diapositiva"/>
+              <a:rPr lang="es-ES" dirty="0" err="1" smtClean="0"/>
+              <a:t>ResultaDOs</a:t>
+            </a:r>
+            <a:endParaRPr lang="ca-ES" dirty="0"/>
+          </a:p>
+        </p:txBody>
+      </p:sp>
+      <p:sp>
+        <p:nvSpPr>
+          <p:cNvPr id="3" name="Marcador de número de diapositiva 2"/>
           <p:cNvSpPr>
             <a:spLocks noGrp="1"/>
           </p:cNvSpPr>
@@ -11879,16 +11925,95 @@
           </a:p>
         </p:txBody>
       </p:sp>
+      <p:sp>
+        <p:nvSpPr>
+          <p:cNvPr id="5" name="Content Placeholder 2"/>
+          <p:cNvSpPr>
+            <a:spLocks noGrp="1"/>
+          </p:cNvSpPr>
+          <p:nvPr>
+            <p:ph idx="1"/>
+          </p:nvPr>
+        </p:nvSpPr>
+        <p:spPr>
+          <a:xfrm>
+            <a:off x="581192" y="2180495"/>
+            <a:ext cx="11029615" cy="4244367"/>
+          </a:xfrm>
+        </p:spPr>
+        <p:txBody>
+          <a:bodyPr anchor="t">
+            <a:normAutofit/>
+          </a:bodyPr>
+          <a:lstStyle/>
+          <a:p>
+            <a:pPr marL="0" indent="0">
+              <a:buNone/>
+            </a:pPr>
+            <a:r>
+              <a:rPr lang="es-ES" sz="2800" b="1" dirty="0" smtClean="0"/>
+              <a:t>Conclusión</a:t>
+            </a:r>
+            <a:endParaRPr lang="es-ES" sz="2800" b="1" dirty="0" smtClean="0"/>
+          </a:p>
+          <a:p>
+            <a:pPr>
+              <a:lnSpc>
+                <a:spcPts val="2640"/>
+              </a:lnSpc>
+            </a:pPr>
+            <a:r>
+              <a:rPr lang="es-ES" sz="2800" dirty="0" smtClean="0"/>
+              <a:t>Se podría mejorar la </a:t>
+            </a:r>
+            <a:r>
+              <a:rPr lang="es-ES" sz="2800" dirty="0" err="1" smtClean="0"/>
+              <a:t>interfície</a:t>
+            </a:r>
+            <a:endParaRPr lang="es-ES" sz="2800" dirty="0" smtClean="0"/>
+          </a:p>
+          <a:p>
+            <a:pPr>
+              <a:lnSpc>
+                <a:spcPts val="2640"/>
+              </a:lnSpc>
+            </a:pPr>
+            <a:r>
+              <a:rPr lang="es-ES" sz="2800" dirty="0" smtClean="0"/>
+              <a:t>Es fácil de usar e intuitiva</a:t>
+            </a:r>
+          </a:p>
+          <a:p>
+            <a:pPr>
+              <a:lnSpc>
+                <a:spcPts val="2640"/>
+              </a:lnSpc>
+            </a:pPr>
+            <a:r>
+              <a:rPr lang="es-ES" sz="2800" dirty="0" smtClean="0"/>
+              <a:t>Supone una mejora respecto la situación anterior</a:t>
+            </a:r>
+            <a:endParaRPr lang="es-ES" sz="2800" dirty="0" smtClean="0"/>
+          </a:p>
+        </p:txBody>
+      </p:sp>
     </p:spTree>
     <p:extLst>
       <p:ext uri="{BB962C8B-B14F-4D97-AF65-F5344CB8AC3E}">
-        <p14:creationId xmlns:p14="http://schemas.microsoft.com/office/powerpoint/2010/main" val="2208991504"/>
+        <p14:creationId xmlns:p14="http://schemas.microsoft.com/office/powerpoint/2010/main" val="260766442"/>
       </p:ext>
     </p:extLst>
   </p:cSld>
   <p:clrMapOvr>
     <a:masterClrMapping/>
   </p:clrMapOvr>
+  <p:timing>
+    <p:tnLst>
+      <p:par>
+        <p:cTn id="1" dur="indefinite" restart="never" nodeType="tmRoot"/>
+      </p:par>
+    </p:tnLst>
+  </p:timing>
 </p:sld>
 </file>
 
@@ -11911,7 +12036,7 @@
       </p:grpSpPr>
       <p:sp>
         <p:nvSpPr>
-          <p:cNvPr id="2" name="Título 1"/>
+          <p:cNvPr id="2" name="Title 1"/>
           <p:cNvSpPr>
             <a:spLocks noGrp="1"/>
           </p:cNvSpPr>
@@ -11919,27 +12044,22 @@
             <p:ph type="title"/>
           </p:nvPr>
         </p:nvSpPr>
-        <p:spPr>
-          <a:xfrm>
-            <a:off x="838200" y="325936"/>
-            <a:ext cx="10515600" cy="1325563"/>
-          </a:xfrm>
-        </p:spPr>
+        <p:spPr/>
         <p:txBody>
           <a:bodyPr/>
           <a:lstStyle/>
           <a:p>
             <a:r>
-              <a:rPr lang="es-ES" dirty="0" err="1" smtClean="0"/>
-              <a:t>ConclusionEs</a:t>
-            </a:r>
-            <a:endParaRPr lang="ca-ES" dirty="0"/>
-          </a:p>
-        </p:txBody>
-      </p:sp>
-      <p:sp>
-        <p:nvSpPr>
-          <p:cNvPr id="3" name="Marcador de contenido 2"/>
+              <a:rPr lang="es-ES" dirty="0" smtClean="0"/>
+              <a:t>Futuras mejoras</a:t>
+            </a:r>
+            <a:endParaRPr lang="es-ES" dirty="0"/>
+          </a:p>
+        </p:txBody>
+      </p:sp>
+      <p:sp>
+        <p:nvSpPr>
+          <p:cNvPr id="3" name="Content Placeholder 2"/>
           <p:cNvSpPr>
             <a:spLocks noGrp="1"/>
           </p:cNvSpPr>
@@ -11947,128 +12067,80 @@
             <p:ph idx="1"/>
           </p:nvPr>
         </p:nvSpPr>
-        <p:spPr>
-          <a:xfrm>
-            <a:off x="581192" y="2180496"/>
-            <a:ext cx="11029615" cy="4148115"/>
-          </a:xfrm>
-        </p:spPr>
-        <p:txBody>
-          <a:bodyPr numCol="2">
+        <p:spPr/>
+        <p:txBody>
+          <a:bodyPr>
             <a:normAutofit/>
           </a:bodyPr>
           <a:lstStyle/>
           <a:p>
-            <a:r>
-              <a:rPr lang="ca-ES" sz="2400" dirty="0" smtClean="0"/>
-              <a:t>Objetivos conseguidos:</a:t>
-            </a:r>
-          </a:p>
-          <a:p>
-            <a:pPr lvl="1"/>
+            <a:pPr>
+              <a:lnSpc>
+                <a:spcPct val="250000"/>
+              </a:lnSpc>
+            </a:pPr>
             <a:r>
               <a:rPr lang="es-ES" sz="2000" dirty="0" smtClean="0"/>
-              <a:t>Web aplicación funcional</a:t>
-            </a:r>
-          </a:p>
-          <a:p>
-            <a:pPr lvl="1"/>
+              <a:t>Hacer uso </a:t>
+            </a:r>
+            <a:r>
+              <a:rPr lang="es-ES" sz="2000" dirty="0"/>
+              <a:t>en otros </a:t>
+            </a:r>
             <a:r>
               <a:rPr lang="es-ES" sz="2000" dirty="0" smtClean="0"/>
-              <a:t>Mejora respecto la forma anterior de hacerlo</a:t>
-            </a:r>
-          </a:p>
-          <a:p>
-            <a:pPr lvl="1"/>
+              <a:t>departamentos</a:t>
+            </a:r>
+          </a:p>
+          <a:p>
+            <a:pPr>
+              <a:lnSpc>
+                <a:spcPct val="250000"/>
+              </a:lnSpc>
+            </a:pPr>
+            <a:r>
+              <a:rPr lang="es-ES" sz="2000" dirty="0" err="1" smtClean="0"/>
+              <a:t>Multiidioma</a:t>
+            </a:r>
             <a:endParaRPr lang="es-ES" sz="2000" dirty="0" smtClean="0"/>
           </a:p>
           <a:p>
-            <a:r>
-              <a:rPr lang="es-ES" sz="2400" dirty="0" smtClean="0"/>
-              <a:t>Conocimientos aplicados</a:t>
-            </a:r>
-          </a:p>
-          <a:p>
-            <a:pPr lvl="1"/>
+            <a:pPr>
+              <a:lnSpc>
+                <a:spcPct val="250000"/>
+              </a:lnSpc>
+            </a:pPr>
             <a:r>
               <a:rPr lang="es-ES" sz="2000" dirty="0" smtClean="0"/>
-              <a:t>Programación Python</a:t>
-            </a:r>
-          </a:p>
-          <a:p>
-            <a:pPr lvl="1"/>
+              <a:t>Desarrollo de </a:t>
+            </a:r>
+            <a:r>
+              <a:rPr lang="es-ES" sz="2000" dirty="0"/>
+              <a:t>una aplicación Android </a:t>
+            </a:r>
             <a:r>
               <a:rPr lang="es-ES" sz="2000" dirty="0" smtClean="0"/>
-              <a:t>HTML</a:t>
-            </a:r>
-          </a:p>
-          <a:p>
-            <a:pPr lvl="1"/>
+              <a:t>/IOS</a:t>
+            </a:r>
+            <a:endParaRPr lang="es-ES" sz="2000" dirty="0"/>
+          </a:p>
+          <a:p>
+            <a:pPr>
+              <a:lnSpc>
+                <a:spcPct val="250000"/>
+              </a:lnSpc>
+            </a:pPr>
             <a:r>
               <a:rPr lang="es-ES" sz="2000" dirty="0" smtClean="0"/>
-              <a:t>CSS</a:t>
-            </a:r>
-          </a:p>
-          <a:p>
-            <a:pPr lvl="1"/>
-            <a:r>
-              <a:rPr lang="es-ES" sz="2000" dirty="0" smtClean="0"/>
-              <a:t>SQL</a:t>
-            </a:r>
-          </a:p>
-          <a:p>
-            <a:r>
-              <a:rPr lang="es-ES" sz="2400" dirty="0" smtClean="0"/>
-              <a:t>Conocimientos adquiridos</a:t>
-            </a:r>
-          </a:p>
-          <a:p>
-            <a:pPr lvl="1"/>
-            <a:r>
-              <a:rPr lang="es-ES" sz="2000" dirty="0" smtClean="0"/>
-              <a:t>Programación PHP (y sus librerías)</a:t>
-            </a:r>
-          </a:p>
-          <a:p>
-            <a:pPr lvl="1"/>
-            <a:r>
-              <a:rPr lang="es-ES" sz="2000" dirty="0" smtClean="0"/>
-              <a:t>XAMPP + </a:t>
-            </a:r>
-            <a:r>
-              <a:rPr lang="es-ES" sz="2000" dirty="0" err="1" smtClean="0"/>
-              <a:t>PHPMyAdmin</a:t>
-            </a:r>
-            <a:endParaRPr lang="es-ES" sz="2000" dirty="0" smtClean="0"/>
-          </a:p>
-          <a:p>
-            <a:pPr lvl="1"/>
-            <a:r>
-              <a:rPr lang="es-ES" sz="2000" dirty="0" err="1" smtClean="0"/>
-              <a:t>Bootstrap</a:t>
-            </a:r>
-            <a:endParaRPr lang="es-ES" sz="2000" dirty="0" smtClean="0"/>
-          </a:p>
-          <a:p>
-            <a:pPr lvl="1"/>
-            <a:r>
-              <a:rPr lang="es-ES" sz="2000" dirty="0" err="1" smtClean="0"/>
-              <a:t>Github</a:t>
-            </a:r>
-            <a:endParaRPr lang="es-ES" sz="2000" dirty="0" smtClean="0"/>
-          </a:p>
-          <a:p>
-            <a:pPr lvl="1"/>
-            <a:endParaRPr lang="es-ES" dirty="0" smtClean="0"/>
-          </a:p>
-          <a:p>
-            <a:endParaRPr lang="es-ES" dirty="0" smtClean="0"/>
-          </a:p>
-        </p:txBody>
-      </p:sp>
-      <p:sp>
-        <p:nvSpPr>
-          <p:cNvPr id="4" name="Marcador de número de diapositiva 3"/>
+              <a:t>Mejorar interfaz</a:t>
+            </a:r>
+            <a:endParaRPr lang="es-ES" sz="2000" dirty="0"/>
+          </a:p>
+        </p:txBody>
+      </p:sp>
+      <p:sp>
+        <p:nvSpPr>
+          <p:cNvPr id="4" name="Slide Number Placeholder 3"/>
           <p:cNvSpPr>
             <a:spLocks noGrp="1"/>
           </p:cNvSpPr>
@@ -12097,7 +12169,7 @@
     </p:spTree>
     <p:extLst>
       <p:ext uri="{BB962C8B-B14F-4D97-AF65-F5344CB8AC3E}">
-        <p14:creationId xmlns:p14="http://schemas.microsoft.com/office/powerpoint/2010/main" val="2615057174"/>
+        <p14:creationId xmlns:p14="http://schemas.microsoft.com/office/powerpoint/2010/main" val="2738654838"/>
       </p:ext>
     </p:extLst>
   </p:cSld>
@@ -12133,7 +12205,7 @@
       </p:grpSpPr>
       <p:sp>
         <p:nvSpPr>
-          <p:cNvPr id="2" name="Title 1"/>
+          <p:cNvPr id="2" name="1 Título"/>
           <p:cNvSpPr>
             <a:spLocks noGrp="1"/>
           </p:cNvSpPr>
@@ -12146,13 +12218,713 @@
           <a:bodyPr/>
           <a:lstStyle/>
           <a:p>
+            <a:r>
+              <a:rPr lang="es-ES" dirty="0" smtClean="0"/>
+              <a:t>Horas de dedicación</a:t>
+            </a:r>
             <a:endParaRPr lang="es-ES" dirty="0"/>
           </a:p>
         </p:txBody>
       </p:sp>
-      <p:sp>
-        <p:nvSpPr>
-          <p:cNvPr id="3" name="Content Placeholder 2"/>
+      <p:graphicFrame>
+        <p:nvGraphicFramePr>
+          <p:cNvPr id="6" name="5 Marcador de contenido"/>
+          <p:cNvGraphicFramePr>
+            <a:graphicFrameLocks noGrp="1"/>
+          </p:cNvGraphicFramePr>
+          <p:nvPr>
+            <p:ph idx="1"/>
+            <p:extLst>
+              <p:ext uri="{D42A27DB-BD31-4B8C-83A1-F6EECF244321}">
+                <p14:modId xmlns:p14="http://schemas.microsoft.com/office/powerpoint/2010/main" val="3514634214"/>
+              </p:ext>
+            </p:extLst>
+          </p:nvPr>
+        </p:nvGraphicFramePr>
+        <p:xfrm>
+          <a:off x="2671012" y="1949114"/>
+          <a:ext cx="7134725" cy="4307303"/>
+        </p:xfrm>
+        <a:graphic>
+          <a:graphicData uri="http://schemas.openxmlformats.org/drawingml/2006/table">
+            <a:tbl>
+              <a:tblPr firstRow="1">
+                <a:tableStyleId>{21E4AEA4-8DFA-4A89-87EB-49C32662AFE0}</a:tableStyleId>
+              </a:tblPr>
+              <a:tblGrid>
+                <a:gridCol w="4824662"/>
+                <a:gridCol w="2310063"/>
+              </a:tblGrid>
+              <a:tr h="391573">
+                <a:tc>
+                  <a:txBody>
+                    <a:bodyPr/>
+                    <a:lstStyle/>
+                    <a:p>
+                      <a:pPr algn="l" fontAlgn="b"/>
+                      <a:r>
+                        <a:rPr lang="es-ES" sz="2000" u="none" strike="noStrike" dirty="0">
+                          <a:effectLst/>
+                        </a:rPr>
+                        <a:t>Concepto</a:t>
+                      </a:r>
+                      <a:endParaRPr lang="es-ES" sz="2000" b="0" i="0" u="none" strike="noStrike" dirty="0">
+                        <a:solidFill>
+                          <a:srgbClr val="000000"/>
+                        </a:solidFill>
+                        <a:effectLst/>
+                        <a:latin typeface="Calibri"/>
+                      </a:endParaRPr>
+                    </a:p>
+                  </a:txBody>
+                  <a:tcPr marL="9525" marR="9525" marT="9525" marB="0" anchor="b"/>
+                </a:tc>
+                <a:tc>
+                  <a:txBody>
+                    <a:bodyPr/>
+                    <a:lstStyle/>
+                    <a:p>
+                      <a:pPr algn="ctr" fontAlgn="b"/>
+                      <a:r>
+                        <a:rPr lang="es-ES" sz="2000" u="none" strike="noStrike" dirty="0">
+                          <a:effectLst/>
+                        </a:rPr>
+                        <a:t>Horas</a:t>
+                      </a:r>
+                      <a:endParaRPr lang="es-ES" sz="2000" b="0" i="0" u="none" strike="noStrike" dirty="0">
+                        <a:solidFill>
+                          <a:srgbClr val="000000"/>
+                        </a:solidFill>
+                        <a:effectLst/>
+                        <a:latin typeface="Calibri"/>
+                      </a:endParaRPr>
+                    </a:p>
+                  </a:txBody>
+                  <a:tcPr marL="9525" marR="9525" marT="9525" marB="0" anchor="b"/>
+                </a:tc>
+              </a:tr>
+              <a:tr h="391573">
+                <a:tc>
+                  <a:txBody>
+                    <a:bodyPr/>
+                    <a:lstStyle/>
+                    <a:p>
+                      <a:pPr algn="l" fontAlgn="b"/>
+                      <a:r>
+                        <a:rPr lang="es-ES" sz="2400" u="none" strike="noStrike" dirty="0">
+                          <a:effectLst/>
+                        </a:rPr>
+                        <a:t>Búsqueda información</a:t>
+                      </a:r>
+                      <a:endParaRPr lang="es-ES" sz="2400" b="0" i="0" u="none" strike="noStrike" dirty="0">
+                        <a:solidFill>
+                          <a:srgbClr val="000000"/>
+                        </a:solidFill>
+                        <a:effectLst/>
+                        <a:latin typeface="Calibri"/>
+                      </a:endParaRPr>
+                    </a:p>
+                  </a:txBody>
+                  <a:tcPr marL="9525" marR="9525" marT="9525" marB="0" anchor="b"/>
+                </a:tc>
+                <a:tc>
+                  <a:txBody>
+                    <a:bodyPr/>
+                    <a:lstStyle/>
+                    <a:p>
+                      <a:pPr algn="ctr" fontAlgn="b"/>
+                      <a:r>
+                        <a:rPr lang="es-ES" sz="2400" u="none" strike="noStrike">
+                          <a:effectLst/>
+                        </a:rPr>
+                        <a:t>30</a:t>
+                      </a:r>
+                      <a:endParaRPr lang="es-ES" sz="2400" b="0" i="0" u="none" strike="noStrike">
+                        <a:solidFill>
+                          <a:srgbClr val="000000"/>
+                        </a:solidFill>
+                        <a:effectLst/>
+                        <a:latin typeface="Calibri"/>
+                      </a:endParaRPr>
+                    </a:p>
+                  </a:txBody>
+                  <a:tcPr marL="9525" marR="9525" marT="9525" marB="0" anchor="b"/>
+                </a:tc>
+              </a:tr>
+              <a:tr h="391573">
+                <a:tc>
+                  <a:txBody>
+                    <a:bodyPr/>
+                    <a:lstStyle/>
+                    <a:p>
+                      <a:pPr algn="l" fontAlgn="b"/>
+                      <a:r>
+                        <a:rPr lang="es-ES" sz="2400" u="none" strike="noStrike" dirty="0">
+                          <a:effectLst/>
+                        </a:rPr>
+                        <a:t>Instalación </a:t>
+                      </a:r>
+                      <a:r>
+                        <a:rPr lang="es-ES" sz="2400" u="none" strike="noStrike" dirty="0" smtClean="0">
+                          <a:effectLst/>
+                        </a:rPr>
+                        <a:t>software</a:t>
+                      </a:r>
+                      <a:endParaRPr lang="es-ES" sz="2400" b="0" i="0" u="none" strike="noStrike" dirty="0">
+                        <a:solidFill>
+                          <a:srgbClr val="000000"/>
+                        </a:solidFill>
+                        <a:effectLst/>
+                        <a:latin typeface="Calibri"/>
+                      </a:endParaRPr>
+                    </a:p>
+                  </a:txBody>
+                  <a:tcPr marL="9525" marR="9525" marT="9525" marB="0" anchor="b"/>
+                </a:tc>
+                <a:tc>
+                  <a:txBody>
+                    <a:bodyPr/>
+                    <a:lstStyle/>
+                    <a:p>
+                      <a:pPr algn="ctr" fontAlgn="b"/>
+                      <a:r>
+                        <a:rPr lang="es-ES" sz="2400" u="none" strike="noStrike">
+                          <a:effectLst/>
+                        </a:rPr>
+                        <a:t>4</a:t>
+                      </a:r>
+                      <a:endParaRPr lang="es-ES" sz="2400" b="0" i="0" u="none" strike="noStrike">
+                        <a:solidFill>
+                          <a:srgbClr val="000000"/>
+                        </a:solidFill>
+                        <a:effectLst/>
+                        <a:latin typeface="Calibri"/>
+                      </a:endParaRPr>
+                    </a:p>
+                  </a:txBody>
+                  <a:tcPr marL="9525" marR="9525" marT="9525" marB="0" anchor="b"/>
+                </a:tc>
+              </a:tr>
+              <a:tr h="391573">
+                <a:tc>
+                  <a:txBody>
+                    <a:bodyPr/>
+                    <a:lstStyle/>
+                    <a:p>
+                      <a:pPr algn="l" fontAlgn="b"/>
+                      <a:r>
+                        <a:rPr lang="es-ES" sz="2400" u="none" strike="noStrike" dirty="0">
+                          <a:effectLst/>
+                        </a:rPr>
+                        <a:t>Documentación y aprendizaje PHP</a:t>
+                      </a:r>
+                      <a:endParaRPr lang="es-ES" sz="2400" b="0" i="0" u="none" strike="noStrike" dirty="0">
+                        <a:solidFill>
+                          <a:srgbClr val="000000"/>
+                        </a:solidFill>
+                        <a:effectLst/>
+                        <a:latin typeface="Calibri"/>
+                      </a:endParaRPr>
+                    </a:p>
+                  </a:txBody>
+                  <a:tcPr marL="9525" marR="9525" marT="9525" marB="0" anchor="b"/>
+                </a:tc>
+                <a:tc>
+                  <a:txBody>
+                    <a:bodyPr/>
+                    <a:lstStyle/>
+                    <a:p>
+                      <a:pPr algn="ctr" fontAlgn="b"/>
+                      <a:r>
+                        <a:rPr lang="es-ES" sz="2400" u="none" strike="noStrike">
+                          <a:effectLst/>
+                        </a:rPr>
+                        <a:t>40</a:t>
+                      </a:r>
+                      <a:endParaRPr lang="es-ES" sz="2400" b="0" i="0" u="none" strike="noStrike">
+                        <a:solidFill>
+                          <a:srgbClr val="000000"/>
+                        </a:solidFill>
+                        <a:effectLst/>
+                        <a:latin typeface="Calibri"/>
+                      </a:endParaRPr>
+                    </a:p>
+                  </a:txBody>
+                  <a:tcPr marL="9525" marR="9525" marT="9525" marB="0" anchor="b"/>
+                </a:tc>
+              </a:tr>
+              <a:tr h="391573">
+                <a:tc>
+                  <a:txBody>
+                    <a:bodyPr/>
+                    <a:lstStyle/>
+                    <a:p>
+                      <a:pPr algn="l" fontAlgn="b"/>
+                      <a:r>
+                        <a:rPr lang="es-ES" sz="2400" u="none" strike="noStrike" dirty="0" err="1">
+                          <a:effectLst/>
+                        </a:rPr>
+                        <a:t>Interfície</a:t>
+                      </a:r>
+                      <a:r>
+                        <a:rPr lang="es-ES" sz="2400" u="none" strike="noStrike" dirty="0">
+                          <a:effectLst/>
+                        </a:rPr>
+                        <a:t> visual (</a:t>
+                      </a:r>
+                      <a:r>
+                        <a:rPr lang="es-ES" sz="2400" u="none" strike="noStrike" dirty="0" err="1">
+                          <a:effectLst/>
+                        </a:rPr>
+                        <a:t>front</a:t>
+                      </a:r>
+                      <a:r>
+                        <a:rPr lang="es-ES" sz="2400" u="none" strike="noStrike" dirty="0">
+                          <a:effectLst/>
+                        </a:rPr>
+                        <a:t> </a:t>
+                      </a:r>
+                      <a:r>
+                        <a:rPr lang="es-ES" sz="2400" u="none" strike="noStrike" dirty="0" err="1">
+                          <a:effectLst/>
+                        </a:rPr>
+                        <a:t>end</a:t>
+                      </a:r>
+                      <a:r>
+                        <a:rPr lang="es-ES" sz="2400" u="none" strike="noStrike" dirty="0">
+                          <a:effectLst/>
+                        </a:rPr>
+                        <a:t>)</a:t>
+                      </a:r>
+                      <a:endParaRPr lang="es-ES" sz="2400" b="0" i="0" u="none" strike="noStrike" dirty="0">
+                        <a:solidFill>
+                          <a:srgbClr val="000000"/>
+                        </a:solidFill>
+                        <a:effectLst/>
+                        <a:latin typeface="Calibri"/>
+                      </a:endParaRPr>
+                    </a:p>
+                  </a:txBody>
+                  <a:tcPr marL="9525" marR="9525" marT="9525" marB="0" anchor="b"/>
+                </a:tc>
+                <a:tc>
+                  <a:txBody>
+                    <a:bodyPr/>
+                    <a:lstStyle/>
+                    <a:p>
+                      <a:pPr algn="ctr" fontAlgn="b"/>
+                      <a:r>
+                        <a:rPr lang="es-ES" sz="2400" u="none" strike="noStrike" dirty="0">
+                          <a:effectLst/>
+                        </a:rPr>
+                        <a:t>85</a:t>
+                      </a:r>
+                      <a:endParaRPr lang="es-ES" sz="2400" b="0" i="0" u="none" strike="noStrike" dirty="0">
+                        <a:solidFill>
+                          <a:srgbClr val="000000"/>
+                        </a:solidFill>
+                        <a:effectLst/>
+                        <a:latin typeface="Calibri"/>
+                      </a:endParaRPr>
+                    </a:p>
+                  </a:txBody>
+                  <a:tcPr marL="9525" marR="9525" marT="9525" marB="0" anchor="b"/>
+                </a:tc>
+              </a:tr>
+              <a:tr h="391573">
+                <a:tc>
+                  <a:txBody>
+                    <a:bodyPr/>
+                    <a:lstStyle/>
+                    <a:p>
+                      <a:pPr algn="l" fontAlgn="b"/>
+                      <a:r>
+                        <a:rPr lang="es-ES" sz="2400" u="none" strike="noStrike" dirty="0">
+                          <a:effectLst/>
+                        </a:rPr>
+                        <a:t>Base de datos y </a:t>
+                      </a:r>
+                      <a:r>
+                        <a:rPr lang="es-ES" sz="2400" u="none" strike="noStrike" dirty="0" err="1">
+                          <a:effectLst/>
+                        </a:rPr>
+                        <a:t>backend</a:t>
+                      </a:r>
+                      <a:endParaRPr lang="es-ES" sz="2400" b="0" i="0" u="none" strike="noStrike" dirty="0">
+                        <a:solidFill>
+                          <a:srgbClr val="000000"/>
+                        </a:solidFill>
+                        <a:effectLst/>
+                        <a:latin typeface="Calibri"/>
+                      </a:endParaRPr>
+                    </a:p>
+                  </a:txBody>
+                  <a:tcPr marL="9525" marR="9525" marT="9525" marB="0" anchor="b"/>
+                </a:tc>
+                <a:tc>
+                  <a:txBody>
+                    <a:bodyPr/>
+                    <a:lstStyle/>
+                    <a:p>
+                      <a:pPr algn="ctr" fontAlgn="b"/>
+                      <a:r>
+                        <a:rPr lang="es-ES" sz="2400" u="none" strike="noStrike">
+                          <a:effectLst/>
+                        </a:rPr>
+                        <a:t>125</a:t>
+                      </a:r>
+                      <a:endParaRPr lang="es-ES" sz="2400" b="0" i="0" u="none" strike="noStrike">
+                        <a:solidFill>
+                          <a:srgbClr val="000000"/>
+                        </a:solidFill>
+                        <a:effectLst/>
+                        <a:latin typeface="Calibri"/>
+                      </a:endParaRPr>
+                    </a:p>
+                  </a:txBody>
+                  <a:tcPr marL="9525" marR="9525" marT="9525" marB="0" anchor="b"/>
+                </a:tc>
+              </a:tr>
+              <a:tr h="391573">
+                <a:tc>
+                  <a:txBody>
+                    <a:bodyPr/>
+                    <a:lstStyle/>
+                    <a:p>
+                      <a:pPr algn="l" fontAlgn="b"/>
+                      <a:r>
+                        <a:rPr lang="es-ES" sz="2400" u="none" strike="noStrike" dirty="0">
+                          <a:effectLst/>
+                        </a:rPr>
+                        <a:t>Subir a servidor de prueba y validación</a:t>
+                      </a:r>
+                      <a:endParaRPr lang="es-ES" sz="2400" b="0" i="0" u="none" strike="noStrike" dirty="0">
+                        <a:solidFill>
+                          <a:srgbClr val="000000"/>
+                        </a:solidFill>
+                        <a:effectLst/>
+                        <a:latin typeface="Calibri"/>
+                      </a:endParaRPr>
+                    </a:p>
+                  </a:txBody>
+                  <a:tcPr marL="9525" marR="9525" marT="9525" marB="0" anchor="b"/>
+                </a:tc>
+                <a:tc>
+                  <a:txBody>
+                    <a:bodyPr/>
+                    <a:lstStyle/>
+                    <a:p>
+                      <a:pPr algn="ctr" fontAlgn="b"/>
+                      <a:r>
+                        <a:rPr lang="es-ES" sz="2400" u="none" strike="noStrike">
+                          <a:effectLst/>
+                        </a:rPr>
+                        <a:t>7</a:t>
+                      </a:r>
+                      <a:endParaRPr lang="es-ES" sz="2400" b="0" i="0" u="none" strike="noStrike">
+                        <a:solidFill>
+                          <a:srgbClr val="000000"/>
+                        </a:solidFill>
+                        <a:effectLst/>
+                        <a:latin typeface="Calibri"/>
+                      </a:endParaRPr>
+                    </a:p>
+                  </a:txBody>
+                  <a:tcPr marL="9525" marR="9525" marT="9525" marB="0" anchor="b"/>
+                </a:tc>
+              </a:tr>
+              <a:tr h="391573">
+                <a:tc>
+                  <a:txBody>
+                    <a:bodyPr/>
+                    <a:lstStyle/>
+                    <a:p>
+                      <a:pPr algn="l" fontAlgn="b"/>
+                      <a:r>
+                        <a:rPr lang="es-ES" sz="2400" u="none" strike="noStrike" dirty="0">
+                          <a:effectLst/>
+                        </a:rPr>
+                        <a:t>Arreglar errores/bugs</a:t>
+                      </a:r>
+                      <a:endParaRPr lang="es-ES" sz="2400" b="0" i="0" u="none" strike="noStrike" dirty="0">
+                        <a:solidFill>
+                          <a:srgbClr val="000000"/>
+                        </a:solidFill>
+                        <a:effectLst/>
+                        <a:latin typeface="Calibri"/>
+                      </a:endParaRPr>
+                    </a:p>
+                  </a:txBody>
+                  <a:tcPr marL="9525" marR="9525" marT="9525" marB="0" anchor="b"/>
+                </a:tc>
+                <a:tc>
+                  <a:txBody>
+                    <a:bodyPr/>
+                    <a:lstStyle/>
+                    <a:p>
+                      <a:pPr algn="ctr" fontAlgn="b"/>
+                      <a:r>
+                        <a:rPr lang="es-ES" sz="2400" u="none" strike="noStrike">
+                          <a:effectLst/>
+                        </a:rPr>
+                        <a:t>25</a:t>
+                      </a:r>
+                      <a:endParaRPr lang="es-ES" sz="2400" b="0" i="0" u="none" strike="noStrike">
+                        <a:solidFill>
+                          <a:srgbClr val="000000"/>
+                        </a:solidFill>
+                        <a:effectLst/>
+                        <a:latin typeface="Calibri"/>
+                      </a:endParaRPr>
+                    </a:p>
+                  </a:txBody>
+                  <a:tcPr marL="9525" marR="9525" marT="9525" marB="0" anchor="b"/>
+                </a:tc>
+              </a:tr>
+              <a:tr h="391573">
+                <a:tc>
+                  <a:txBody>
+                    <a:bodyPr/>
+                    <a:lstStyle/>
+                    <a:p>
+                      <a:pPr algn="l" fontAlgn="b"/>
+                      <a:r>
+                        <a:rPr lang="es-ES" sz="2400" u="none" strike="noStrike" dirty="0">
+                          <a:effectLst/>
+                        </a:rPr>
+                        <a:t>Redacción memoria</a:t>
+                      </a:r>
+                      <a:endParaRPr lang="es-ES" sz="2400" b="0" i="0" u="none" strike="noStrike" dirty="0">
+                        <a:solidFill>
+                          <a:srgbClr val="000000"/>
+                        </a:solidFill>
+                        <a:effectLst/>
+                        <a:latin typeface="Calibri"/>
+                      </a:endParaRPr>
+                    </a:p>
+                  </a:txBody>
+                  <a:tcPr marL="9525" marR="9525" marT="9525" marB="0" anchor="b"/>
+                </a:tc>
+                <a:tc>
+                  <a:txBody>
+                    <a:bodyPr/>
+                    <a:lstStyle/>
+                    <a:p>
+                      <a:pPr algn="ctr" fontAlgn="b"/>
+                      <a:r>
+                        <a:rPr lang="es-ES" sz="2400" u="none" strike="noStrike">
+                          <a:effectLst/>
+                        </a:rPr>
+                        <a:t>50</a:t>
+                      </a:r>
+                      <a:endParaRPr lang="es-ES" sz="2400" b="0" i="0" u="none" strike="noStrike">
+                        <a:solidFill>
+                          <a:srgbClr val="000000"/>
+                        </a:solidFill>
+                        <a:effectLst/>
+                        <a:latin typeface="Calibri"/>
+                      </a:endParaRPr>
+                    </a:p>
+                  </a:txBody>
+                  <a:tcPr marL="9525" marR="9525" marT="9525" marB="0" anchor="b"/>
+                </a:tc>
+              </a:tr>
+              <a:tr h="391573">
+                <a:tc>
+                  <a:txBody>
+                    <a:bodyPr/>
+                    <a:lstStyle/>
+                    <a:p>
+                      <a:pPr algn="l" fontAlgn="b"/>
+                      <a:r>
+                        <a:rPr lang="es-ES" sz="2400" u="none" strike="noStrike" dirty="0">
+                          <a:effectLst/>
+                        </a:rPr>
+                        <a:t>Preparación presentación </a:t>
+                      </a:r>
+                      <a:endParaRPr lang="es-ES" sz="2400" b="0" i="0" u="none" strike="noStrike" dirty="0">
+                        <a:solidFill>
+                          <a:srgbClr val="000000"/>
+                        </a:solidFill>
+                        <a:effectLst/>
+                        <a:latin typeface="Calibri"/>
+                      </a:endParaRPr>
+                    </a:p>
+                  </a:txBody>
+                  <a:tcPr marL="9525" marR="9525" marT="9525" marB="0" anchor="b"/>
+                </a:tc>
+                <a:tc>
+                  <a:txBody>
+                    <a:bodyPr/>
+                    <a:lstStyle/>
+                    <a:p>
+                      <a:pPr algn="ctr" fontAlgn="b"/>
+                      <a:r>
+                        <a:rPr lang="es-ES" sz="2400" u="none" strike="noStrike" dirty="0">
+                          <a:effectLst/>
+                        </a:rPr>
+                        <a:t>10</a:t>
+                      </a:r>
+                      <a:endParaRPr lang="es-ES" sz="2400" b="0" i="0" u="none" strike="noStrike" dirty="0">
+                        <a:solidFill>
+                          <a:srgbClr val="000000"/>
+                        </a:solidFill>
+                        <a:effectLst/>
+                        <a:latin typeface="Calibri"/>
+                      </a:endParaRPr>
+                    </a:p>
+                  </a:txBody>
+                  <a:tcPr marL="9525" marR="9525" marT="9525" marB="0" anchor="b"/>
+                </a:tc>
+              </a:tr>
+              <a:tr h="391573">
+                <a:tc>
+                  <a:txBody>
+                    <a:bodyPr/>
+                    <a:lstStyle/>
+                    <a:p>
+                      <a:pPr algn="l" fontAlgn="b"/>
+                      <a:r>
+                        <a:rPr lang="es-ES" sz="2400" b="1" u="none" strike="noStrike" dirty="0">
+                          <a:effectLst/>
+                        </a:rPr>
+                        <a:t>TOTAL</a:t>
+                      </a:r>
+                      <a:endParaRPr lang="es-ES" sz="2400" b="1" i="0" u="none" strike="noStrike" dirty="0">
+                        <a:solidFill>
+                          <a:srgbClr val="000000"/>
+                        </a:solidFill>
+                        <a:effectLst/>
+                        <a:latin typeface="Calibri"/>
+                      </a:endParaRPr>
+                    </a:p>
+                  </a:txBody>
+                  <a:tcPr marL="9525" marR="9525" marT="9525" marB="0" anchor="b"/>
+                </a:tc>
+                <a:tc>
+                  <a:txBody>
+                    <a:bodyPr/>
+                    <a:lstStyle/>
+                    <a:p>
+                      <a:pPr algn="ctr" fontAlgn="b"/>
+                      <a:r>
+                        <a:rPr lang="es-ES" sz="2400" b="1" u="none" strike="noStrike" dirty="0">
+                          <a:effectLst/>
+                        </a:rPr>
+                        <a:t>376</a:t>
+                      </a:r>
+                      <a:endParaRPr lang="es-ES" sz="2400" b="1" i="0" u="none" strike="noStrike" dirty="0">
+                        <a:solidFill>
+                          <a:srgbClr val="000000"/>
+                        </a:solidFill>
+                        <a:effectLst/>
+                        <a:latin typeface="Calibri"/>
+                      </a:endParaRPr>
+                    </a:p>
+                  </a:txBody>
+                  <a:tcPr marL="9525" marR="9525" marT="9525" marB="0" anchor="b"/>
+                </a:tc>
+              </a:tr>
+            </a:tbl>
+          </a:graphicData>
+        </a:graphic>
+      </p:graphicFrame>
+      <p:sp>
+        <p:nvSpPr>
+          <p:cNvPr id="4" name="3 Marcador de número de diapositiva"/>
+          <p:cNvSpPr>
+            <a:spLocks noGrp="1"/>
+          </p:cNvSpPr>
+          <p:nvPr>
+            <p:ph type="sldNum" sz="quarter" idx="12"/>
+          </p:nvPr>
+        </p:nvSpPr>
+        <p:spPr/>
+        <p:txBody>
+          <a:bodyPr/>
+          <a:lstStyle/>
+          <a:p>
+            <a:fld id="{4F4CC500-C254-4A01-A1E9-3631BD4DF40D}" type="slidenum">
+              <a:rPr lang="ca-ES" smtClean="0"/>
+              <a:pPr/>
+              <a:t>28</a:t>
+            </a:fld>
+            <a:r>
+              <a:rPr lang="ca-ES" dirty="0" smtClean="0"/>
+              <a:t>/27</a:t>
+            </a:r>
+            <a:endParaRPr lang="ca-ES" dirty="0"/>
+          </a:p>
+        </p:txBody>
+      </p:sp>
+    </p:spTree>
+    <p:extLst>
+      <p:ext uri="{BB962C8B-B14F-4D97-AF65-F5344CB8AC3E}">
+        <p14:creationId xmlns:p14="http://schemas.microsoft.com/office/powerpoint/2010/main" val="2208991504"/>
+      </p:ext>
+    </p:extLst>
+  </p:cSld>
+  <p:clrMapOvr>
+    <a:masterClrMapping/>
+  </p:clrMapOvr>
+  <p:timing>
+    <p:tnLst>
+      <p:par>
+        <p:cTn id="1" dur="indefinite" restart="never" nodeType="tmRoot"/>
+      </p:par>
+    </p:tnLst>
+  </p:timing>
+</p:sld>
+</file>
+
+<file path=ppt/slides/slide29.xml><?xml version="1.0" encoding="utf-8"?>
+<p:sld xmlns:a="http://schemas.openxmlformats.org/drawingml/2006/main" xmlns:r="http://schemas.openxmlformats.org/officeDocument/2006/relationships" xmlns:p="http://schemas.openxmlformats.org/presentationml/2006/main">
+  <p:cSld>
+    <p:spTree>
+      <p:nvGrpSpPr>
+        <p:cNvPr id="1" name=""/>
+        <p:cNvGrpSpPr/>
+        <p:nvPr/>
+      </p:nvGrpSpPr>
+      <p:grpSpPr>
+        <a:xfrm>
+          <a:off x="0" y="0"/>
+          <a:ext cx="0" cy="0"/>
+          <a:chOff x="0" y="0"/>
+          <a:chExt cx="0" cy="0"/>
+        </a:xfrm>
+      </p:grpSpPr>
+      <p:sp>
+        <p:nvSpPr>
+          <p:cNvPr id="2" name="Título 1"/>
+          <p:cNvSpPr>
+            <a:spLocks noGrp="1"/>
+          </p:cNvSpPr>
+          <p:nvPr>
+            <p:ph type="title"/>
+          </p:nvPr>
+        </p:nvSpPr>
+        <p:spPr>
+          <a:xfrm>
+            <a:off x="838200" y="325936"/>
+            <a:ext cx="10515600" cy="1325563"/>
+          </a:xfrm>
+        </p:spPr>
+        <p:txBody>
+          <a:bodyPr/>
+          <a:lstStyle/>
+          <a:p>
+            <a:r>
+              <a:rPr lang="es-ES" dirty="0" err="1" smtClean="0"/>
+              <a:t>ConclusionEs</a:t>
+            </a:r>
+            <a:endParaRPr lang="ca-ES" dirty="0"/>
+          </a:p>
+        </p:txBody>
+      </p:sp>
+      <p:sp>
+        <p:nvSpPr>
+          <p:cNvPr id="3" name="Marcador de contenido 2"/>
           <p:cNvSpPr>
             <a:spLocks noGrp="1"/>
           </p:cNvSpPr>
@@ -12162,31 +12934,155 @@
         </p:nvSpPr>
         <p:spPr>
           <a:xfrm>
-            <a:off x="581193" y="2180496"/>
-            <a:ext cx="11029615" cy="3678303"/>
+            <a:off x="581192" y="2180496"/>
+            <a:ext cx="11029615" cy="4148115"/>
           </a:xfrm>
         </p:spPr>
         <p:txBody>
-          <a:bodyPr>
+          <a:bodyPr numCol="2">
             <a:normAutofit/>
           </a:bodyPr>
           <a:lstStyle/>
           <a:p>
-            <a:pPr marL="0" indent="0" algn="ctr">
-              <a:buNone/>
-            </a:pPr>
-            <a:r>
-              <a:rPr lang="es-ES" sz="4400" dirty="0" smtClean="0"/>
-              <a:t>GRACIAS POR SU ATENCIÓN</a:t>
-            </a:r>
-            <a:endParaRPr lang="es-ES" sz="4400" dirty="0"/>
+            <a:r>
+              <a:rPr lang="ca-ES" sz="2400" dirty="0" smtClean="0"/>
+              <a:t>Objetivos conseguidos:</a:t>
+            </a:r>
+          </a:p>
+          <a:p>
+            <a:pPr lvl="1"/>
+            <a:r>
+              <a:rPr lang="es-ES" sz="2000" dirty="0" smtClean="0"/>
+              <a:t>Web aplicación funcional</a:t>
+            </a:r>
+          </a:p>
+          <a:p>
+            <a:pPr lvl="1"/>
+            <a:r>
+              <a:rPr lang="es-ES" sz="2000" dirty="0" smtClean="0"/>
+              <a:t>Mejora respecto la forma anterior de hacerlo</a:t>
+            </a:r>
+          </a:p>
+          <a:p>
+            <a:pPr lvl="1"/>
+            <a:endParaRPr lang="es-ES" sz="2000" dirty="0" smtClean="0"/>
+          </a:p>
+          <a:p>
+            <a:r>
+              <a:rPr lang="es-ES" sz="2400" dirty="0" smtClean="0"/>
+              <a:t>Conocimientos aplicados</a:t>
+            </a:r>
+          </a:p>
+          <a:p>
+            <a:pPr lvl="1"/>
+            <a:r>
+              <a:rPr lang="es-ES" sz="2000" dirty="0" smtClean="0"/>
+              <a:t>Programación Python</a:t>
+            </a:r>
+          </a:p>
+          <a:p>
+            <a:pPr lvl="1"/>
+            <a:r>
+              <a:rPr lang="es-ES" sz="2000" dirty="0" smtClean="0"/>
+              <a:t>HTML</a:t>
+            </a:r>
+          </a:p>
+          <a:p>
+            <a:pPr lvl="1"/>
+            <a:r>
+              <a:rPr lang="es-ES" sz="2000" dirty="0" smtClean="0"/>
+              <a:t>CSS</a:t>
+            </a:r>
+          </a:p>
+          <a:p>
+            <a:pPr lvl="1"/>
+            <a:r>
+              <a:rPr lang="es-ES" sz="2000" dirty="0" smtClean="0"/>
+              <a:t>SQL</a:t>
+            </a:r>
+          </a:p>
+          <a:p>
+            <a:r>
+              <a:rPr lang="es-ES" sz="2400" dirty="0" smtClean="0"/>
+              <a:t>Conocimientos adquiridos</a:t>
+            </a:r>
+          </a:p>
+          <a:p>
+            <a:pPr lvl="1"/>
+            <a:r>
+              <a:rPr lang="es-ES" sz="2000" dirty="0" smtClean="0"/>
+              <a:t>Programación PHP (y sus librerías)</a:t>
+            </a:r>
+          </a:p>
+          <a:p>
+            <a:pPr lvl="1"/>
+            <a:r>
+              <a:rPr lang="es-ES" sz="2000" dirty="0" smtClean="0"/>
+              <a:t>XAMPP + </a:t>
+            </a:r>
+            <a:r>
+              <a:rPr lang="es-ES" sz="2000" dirty="0" err="1" smtClean="0"/>
+              <a:t>PHPMyAdmin</a:t>
+            </a:r>
+            <a:endParaRPr lang="es-ES" sz="2000" dirty="0" smtClean="0"/>
+          </a:p>
+          <a:p>
+            <a:pPr lvl="1"/>
+            <a:r>
+              <a:rPr lang="es-ES" sz="2000" dirty="0" err="1" smtClean="0"/>
+              <a:t>Bootstrap</a:t>
+            </a:r>
+            <a:endParaRPr lang="es-ES" sz="2000" dirty="0" smtClean="0"/>
+          </a:p>
+          <a:p>
+            <a:pPr lvl="1"/>
+            <a:r>
+              <a:rPr lang="es-ES" sz="2000" dirty="0" err="1" smtClean="0"/>
+              <a:t>Github</a:t>
+            </a:r>
+            <a:endParaRPr lang="es-ES" sz="2000" dirty="0" smtClean="0"/>
+          </a:p>
+          <a:p>
+            <a:pPr lvl="1"/>
+            <a:endParaRPr lang="es-ES" dirty="0" smtClean="0"/>
+          </a:p>
+          <a:p>
+            <a:endParaRPr lang="es-ES" dirty="0" smtClean="0"/>
+          </a:p>
+        </p:txBody>
+      </p:sp>
+      <p:sp>
+        <p:nvSpPr>
+          <p:cNvPr id="4" name="Marcador de número de diapositiva 3"/>
+          <p:cNvSpPr>
+            <a:spLocks noGrp="1"/>
+          </p:cNvSpPr>
+          <p:nvPr>
+            <p:ph type="sldNum" sz="quarter" idx="12"/>
+          </p:nvPr>
+        </p:nvSpPr>
+        <p:spPr/>
+        <p:txBody>
+          <a:bodyPr/>
+          <a:lstStyle/>
+          <a:p>
+            <a:fld id="{4F4CC500-C254-4A01-A1E9-3631BD4DF40D}" type="slidenum">
+              <a:rPr lang="ca-ES" smtClean="0"/>
+              <a:pPr/>
+              <a:t>29</a:t>
+            </a:fld>
+            <a:r>
+              <a:rPr lang="ca-ES" dirty="0" smtClean="0"/>
+              <a:t>/27</a:t>
+            </a:r>
+            <a:endParaRPr lang="ca-ES" dirty="0"/>
           </a:p>
         </p:txBody>
       </p:sp>
     </p:spTree>
     <p:extLst>
       <p:ext uri="{BB962C8B-B14F-4D97-AF65-F5344CB8AC3E}">
-        <p14:creationId xmlns:p14="http://schemas.microsoft.com/office/powerpoint/2010/main" val="4022263789"/>
+        <p14:creationId xmlns:p14="http://schemas.microsoft.com/office/powerpoint/2010/main" val="2615057174"/>
       </p:ext>
     </p:extLst>
   </p:cSld>
@@ -12307,11 +13203,7 @@
             </a:r>
             <a:r>
               <a:rPr lang="ca-ES" sz="2400" dirty="0" smtClean="0"/>
-              <a:t>. </a:t>
-            </a:r>
-            <a:r>
-              <a:rPr lang="ca-ES" sz="2400" dirty="0" smtClean="0"/>
-              <a:t>de </a:t>
+              <a:t>. de </a:t>
             </a:r>
             <a:r>
               <a:rPr lang="ca-ES" sz="2400" dirty="0" err="1" smtClean="0"/>
@@ -12356,13 +13248,7 @@
               <a:rPr lang="es-ES" sz="2200" dirty="0" smtClean="0">
                 <a:sym typeface="Wingdings" panose="05000000000000000000" pitchFamily="2" charset="2"/>
               </a:rPr>
-              <a:t>Gran carga de </a:t>
-            </a:r>
-            <a:r>
-              <a:rPr lang="es-ES" sz="2200" dirty="0" smtClean="0">
-                <a:sym typeface="Wingdings" panose="05000000000000000000" pitchFamily="2" charset="2"/>
-              </a:rPr>
-              <a:t>trabajo para el responsable</a:t>
+              <a:t>Gran carga de trabajo para el responsable</a:t>
             </a:r>
             <a:endParaRPr lang="ca-ES" sz="2200" dirty="0">
               <a:solidFill>
@@ -12481,6 +13367,95 @@
     <p:extLst>
       <p:ext uri="{BB962C8B-B14F-4D97-AF65-F5344CB8AC3E}">
         <p14:creationId xmlns:p14="http://schemas.microsoft.com/office/powerpoint/2010/main" val="1602945450"/>
+      </p:ext>
+    </p:extLst>
+  </p:cSld>
+  <p:clrMapOvr>
+    <a:masterClrMapping/>
+  </p:clrMapOvr>
+  <p:timing>
+    <p:tnLst>
+      <p:par>
+        <p:cTn id="1" dur="indefinite" restart="never" nodeType="tmRoot"/>
+      </p:par>
+    </p:tnLst>
+  </p:timing>
+</p:sld>
+</file>
+
+<file path=ppt/slides/slide30.xml><?xml version="1.0" encoding="utf-8"?>
+<p:sld xmlns:a="http://schemas.openxmlformats.org/drawingml/2006/main" xmlns:r="http://schemas.openxmlformats.org/officeDocument/2006/relationships" xmlns:p="http://schemas.openxmlformats.org/presentationml/2006/main">
+  <p:cSld>
+    <p:spTree>
+      <p:nvGrpSpPr>
+        <p:cNvPr id="1" name=""/>
+        <p:cNvGrpSpPr/>
+        <p:nvPr/>
+      </p:nvGrpSpPr>
+      <p:grpSpPr>
+        <a:xfrm>
+          <a:off x="0" y="0"/>
+          <a:ext cx="0" cy="0"/>
+          <a:chOff x="0" y="0"/>
+          <a:chExt cx="0" cy="0"/>
+        </a:xfrm>
+      </p:grpSpPr>
+      <p:sp>
+        <p:nvSpPr>
+          <p:cNvPr id="2" name="Title 1"/>
+          <p:cNvSpPr>
+            <a:spLocks noGrp="1"/>
+          </p:cNvSpPr>
+          <p:nvPr>
+            <p:ph type="title"/>
+          </p:nvPr>
+        </p:nvSpPr>
+        <p:spPr/>
+        <p:txBody>
+          <a:bodyPr/>
+          <a:lstStyle/>
+          <a:p>
+            <a:endParaRPr lang="es-ES" dirty="0"/>
+          </a:p>
+        </p:txBody>
+      </p:sp>
+      <p:sp>
+        <p:nvSpPr>
+          <p:cNvPr id="3" name="Content Placeholder 2"/>
+          <p:cNvSpPr>
+            <a:spLocks noGrp="1"/>
+          </p:cNvSpPr>
+          <p:nvPr>
+            <p:ph idx="1"/>
+          </p:nvPr>
+        </p:nvSpPr>
+        <p:spPr>
+          <a:xfrm>
+            <a:off x="581193" y="2180496"/>
+            <a:ext cx="11029615" cy="3678303"/>
+          </a:xfrm>
+        </p:spPr>
+        <p:txBody>
+          <a:bodyPr>
+            <a:normAutofit/>
+          </a:bodyPr>
+          <a:lstStyle/>
+          <a:p>
+            <a:pPr marL="0" indent="0" algn="ctr">
+              <a:buNone/>
+            </a:pPr>
+            <a:r>
+              <a:rPr lang="es-ES" sz="4400" dirty="0" smtClean="0"/>
+              <a:t>GRACIAS POR SU ATENCIÓN</a:t>
+            </a:r>
+            <a:endParaRPr lang="es-ES" sz="4400" dirty="0"/>
+          </a:p>
+        </p:txBody>
+      </p:sp>
+    </p:spTree>
+    <p:extLst>
+      <p:ext uri="{BB962C8B-B14F-4D97-AF65-F5344CB8AC3E}">
+        <p14:creationId xmlns:p14="http://schemas.microsoft.com/office/powerpoint/2010/main" val="4022263789"/>
       </p:ext>
     </p:extLst>
   </p:cSld>
@@ -12629,6 +13604,13 @@
   <p:clrMapOvr>
     <a:masterClrMapping/>
   </p:clrMapOvr>
+  <p:timing>
+    <p:tnLst>
+      <p:par>
+        <p:cTn id="1" dur="indefinite" restart="never" nodeType="tmRoot"/>
+      </p:par>
+    </p:tnLst>
+  </p:timing>
 </p:sld>
 </file>
 
@@ -13450,13 +14432,13 @@
         </p:nvPicPr>
         <p:blipFill rotWithShape="1">
           <a:blip r:embed="rId2"/>
-          <a:srcRect r="493"/>
+          <a:srcRect l="875" r="493"/>
           <a:stretch/>
         </p:blipFill>
         <p:spPr>
           <a:xfrm>
-            <a:off x="0" y="2021305"/>
-            <a:ext cx="12196028" cy="3631048"/>
+            <a:off x="0" y="2021304"/>
+            <a:ext cx="12196028" cy="3663287"/>
           </a:xfrm>
           <a:prstGeom prst="rect">
             <a:avLst/>
@@ -13882,7 +14864,7 @@
   <a:extraClrSchemeLst/>
   <a:extLst>
     <a:ext uri="{05A4C25C-085E-4340-85A3-A5531E510DB2}">
-      <thm15:themeFamily xmlns:thm15="http://schemas.microsoft.com/office/thememl/2012/main" xmlns="" name="Dividend" id="{9697A71B-4AB7-4A1A-BD5B-BB2D22835B57}" vid="{66F1C100-1D2B-4BEA-AD01-C4F230B3B965}"/>
+      <thm15:themeFamily xmlns="" xmlns:thm15="http://schemas.microsoft.com/office/thememl/2012/main" name="Dividend" id="{9697A71B-4AB7-4A1A-BD5B-BB2D22835B57}" vid="{66F1C100-1D2B-4BEA-AD01-C4F230B3B965}"/>
     </a:ext>
   </a:extLst>
 </a:theme>
@@ -14143,7 +15125,7 @@
   <a:extraClrSchemeLst/>
   <a:extLst>
     <a:ext uri="{05A4C25C-085E-4340-85A3-A5531E510DB2}">
-      <thm15:themeFamily xmlns:thm15="http://schemas.microsoft.com/office/thememl/2012/main" xmlns="" name="Office Theme" id="{62F939B6-93AF-4DB8-9C6B-D6C7DFDC589F}" vid="{4A3C46E8-61CC-4603-A589-7422A47A8E4A}"/>
+      <thm15:themeFamily xmlns="" xmlns:thm15="http://schemas.microsoft.com/office/thememl/2012/main" name="Office Theme" id="{62F939B6-93AF-4DB8-9C6B-D6C7DFDC589F}" vid="{4A3C46E8-61CC-4603-A589-7422A47A8E4A}"/>
     </a:ext>
   </a:extLst>
 </a:theme>

--- a/tfg_presentacio.pptx
+++ b/tfg_presentacio.pptx
@@ -141,7 +141,7 @@
   </p:defaultTextStyle>
   <p:extLst>
     <p:ext uri="{EFAFB233-063F-42B5-8137-9DF3F51BA10A}">
-      <p15:sldGuideLst xmlns="" xmlns:p15="http://schemas.microsoft.com/office/powerpoint/2012/main">
+      <p15:sldGuideLst xmlns:p15="http://schemas.microsoft.com/office/powerpoint/2012/main">
         <p15:guide id="1" orient="horz" pos="2160">
           <p15:clr>
             <a:srgbClr val="A4A3A4"/>
@@ -153,6 +153,20 @@
           </p15:clr>
         </p15:guide>
       </p15:sldGuideLst>
+    </p:ext>
+    <p:ext uri="{2D200454-40CA-4A62-9FC3-DE9A4176ACB9}">
+      <p15:notesGuideLst xmlns:p15="http://schemas.microsoft.com/office/powerpoint/2012/main">
+        <p15:guide id="1" orient="horz" pos="2880">
+          <p15:clr>
+            <a:srgbClr val="A4A3A4"/>
+          </p15:clr>
+        </p15:guide>
+        <p15:guide id="2" pos="2160">
+          <p15:clr>
+            <a:srgbClr val="A4A3A4"/>
+          </p15:clr>
+        </p15:guide>
+      </p15:notesGuideLst>
     </p:ext>
   </p:extLst>
 </p:presentation>
@@ -2784,7 +2798,7 @@
           <a:p>
             <a:fld id="{7C9C385E-1AD5-4BA8-90FB-EF3496083EC5}" type="datetimeFigureOut">
               <a:rPr lang="es-ES" smtClean="0"/>
-              <a:t>02/02/2020</a:t>
+              <a:t>03/02/2020</a:t>
             </a:fld>
             <a:endParaRPr lang="es-ES"/>
           </a:p>
@@ -2850,7 +2864,7 @@
           <a:p>
             <a:fld id="{65126974-61E7-4B8D-B2D7-9E4B458BABF9}" type="slidenum">
               <a:rPr lang="es-ES" smtClean="0"/>
-              <a:t>‹Nº›</a:t>
+              <a:t>‹#›</a:t>
             </a:fld>
             <a:endParaRPr lang="es-ES"/>
           </a:p>
@@ -2949,7 +2963,7 @@
           <a:p>
             <a:fld id="{48A72CDC-B66D-4F7C-81D5-D9554618F5EA}" type="datetimeFigureOut">
               <a:rPr lang="ca-ES" smtClean="0"/>
-              <a:t>2/2/2020</a:t>
+              <a:t>3/2/2020</a:t>
             </a:fld>
             <a:endParaRPr lang="ca-ES"/>
           </a:p>
@@ -3108,7 +3122,7 @@
           <a:p>
             <a:fld id="{BF650D99-69A1-4A33-B524-E59AFA3826C2}" type="slidenum">
               <a:rPr lang="ca-ES" smtClean="0"/>
-              <a:t>‹Nº›</a:t>
+              <a:t>‹#›</a:t>
             </a:fld>
             <a:endParaRPr lang="ca-ES"/>
           </a:p>
@@ -3462,7 +3476,7 @@
           <a:p>
             <a:fld id="{0BBB4F42-6AD2-4763-95BD-31AD1CD045D9}" type="datetime1">
               <a:rPr lang="ca-ES" smtClean="0"/>
-              <a:t>2/2/2020</a:t>
+              <a:t>3/2/2020</a:t>
             </a:fld>
             <a:endParaRPr lang="ca-ES"/>
           </a:p>
@@ -3537,7 +3551,7 @@
             <a:fld id="{4F4CC500-C254-4A01-A1E9-3631BD4DF40D}" type="slidenum">
               <a:rPr lang="ca-ES" smtClean="0"/>
               <a:pPr/>
-              <a:t>‹Nº›</a:t>
+              <a:t>‹#›</a:t>
             </a:fld>
             <a:endParaRPr lang="ca-ES" dirty="0"/>
           </a:p>
@@ -3762,7 +3776,7 @@
           <a:p>
             <a:fld id="{A04CCCF5-5A85-4415-AA58-796941352A24}" type="datetime1">
               <a:rPr lang="ca-ES" smtClean="0"/>
-              <a:t>2/2/2020</a:t>
+              <a:t>3/2/2020</a:t>
             </a:fld>
             <a:endParaRPr lang="ca-ES"/>
           </a:p>
@@ -3804,7 +3818,7 @@
           <a:p>
             <a:fld id="{4F4CC500-C254-4A01-A1E9-3631BD4DF40D}" type="slidenum">
               <a:rPr lang="ca-ES" smtClean="0"/>
-              <a:t>‹Nº›</a:t>
+              <a:t>‹#›</a:t>
             </a:fld>
             <a:endParaRPr lang="ca-ES" dirty="0"/>
           </a:p>
@@ -3992,7 +4006,7 @@
           <a:p>
             <a:fld id="{76EB001A-7D6D-4244-904E-2F12C21DCADA}" type="datetime1">
               <a:rPr lang="ca-ES" smtClean="0"/>
-              <a:t>2/2/2020</a:t>
+              <a:t>3/2/2020</a:t>
             </a:fld>
             <a:endParaRPr lang="ca-ES"/>
           </a:p>
@@ -4034,7 +4048,7 @@
           <a:p>
             <a:fld id="{4F4CC500-C254-4A01-A1E9-3631BD4DF40D}" type="slidenum">
               <a:rPr lang="ca-ES" smtClean="0"/>
-              <a:t>‹Nº›</a:t>
+              <a:t>‹#›</a:t>
             </a:fld>
             <a:endParaRPr lang="ca-ES" dirty="0"/>
           </a:p>
@@ -4227,7 +4241,7 @@
           <a:p>
             <a:fld id="{B9EDF53F-45FA-47CF-989C-BECC3CC4A6FA}" type="datetime1">
               <a:rPr lang="ca-ES" smtClean="0"/>
-              <a:t>2/2/2020</a:t>
+              <a:t>3/2/2020</a:t>
             </a:fld>
             <a:endParaRPr lang="ca-ES"/>
           </a:p>
@@ -4290,7 +4304,7 @@
           <a:p>
             <a:fld id="{4F4CC500-C254-4A01-A1E9-3631BD4DF40D}" type="slidenum">
               <a:rPr lang="ca-ES" smtClean="0"/>
-              <a:t>‹Nº›</a:t>
+              <a:t>‹#›</a:t>
             </a:fld>
             <a:endParaRPr lang="ca-ES" dirty="0"/>
           </a:p>
@@ -4467,7 +4481,7 @@
           <a:p>
             <a:fld id="{28691B5E-530A-4578-A88A-EE5F8129B80D}" type="datetime1">
               <a:rPr lang="ca-ES" smtClean="0"/>
-              <a:t>2/2/2020</a:t>
+              <a:t>3/2/2020</a:t>
             </a:fld>
             <a:endParaRPr lang="ca-ES"/>
           </a:p>
@@ -4514,12 +4528,8 @@
             <a:fld id="{4F4CC500-C254-4A01-A1E9-3631BD4DF40D}" type="slidenum">
               <a:rPr lang="ca-ES" smtClean="0"/>
               <a:pPr/>
-              <a:t>‹Nº›</a:t>
+              <a:t>‹#›</a:t>
             </a:fld>
-            <a:r>
-              <a:rPr lang="ca-ES" dirty="0" smtClean="0"/>
-              <a:t>/26</a:t>
-            </a:r>
             <a:endParaRPr lang="ca-ES" dirty="0"/>
           </a:p>
         </p:txBody>
@@ -4785,7 +4795,7 @@
           <a:p>
             <a:fld id="{734979E8-4746-4A6E-9ECA-821FCB65AC50}" type="datetime1">
               <a:rPr lang="ca-ES" smtClean="0"/>
-              <a:t>2/2/2020</a:t>
+              <a:t>3/2/2020</a:t>
             </a:fld>
             <a:endParaRPr lang="ca-ES"/>
           </a:p>
@@ -4849,7 +4859,7 @@
           <a:p>
             <a:fld id="{4F4CC500-C254-4A01-A1E9-3631BD4DF40D}" type="slidenum">
               <a:rPr lang="ca-ES" smtClean="0"/>
-              <a:t>‹Nº›</a:t>
+              <a:t>‹#›</a:t>
             </a:fld>
             <a:endParaRPr lang="ca-ES" dirty="0"/>
           </a:p>
@@ -5094,7 +5104,7 @@
           <a:p>
             <a:fld id="{CCD70EE2-F9E8-4773-8F78-2AD436C1326C}" type="datetime1">
               <a:rPr lang="ca-ES" smtClean="0"/>
-              <a:t>2/2/2020</a:t>
+              <a:t>3/2/2020</a:t>
             </a:fld>
             <a:endParaRPr lang="ca-ES"/>
           </a:p>
@@ -5136,7 +5146,7 @@
           <a:p>
             <a:fld id="{4F4CC500-C254-4A01-A1E9-3631BD4DF40D}" type="slidenum">
               <a:rPr lang="ca-ES" smtClean="0"/>
-              <a:t>‹Nº›</a:t>
+              <a:t>‹#›</a:t>
             </a:fld>
             <a:endParaRPr lang="ca-ES" dirty="0"/>
           </a:p>
@@ -5523,7 +5533,7 @@
           <a:p>
             <a:fld id="{B0303F1D-DFA8-4039-AB39-7797D6C98C06}" type="datetime1">
               <a:rPr lang="ca-ES" smtClean="0"/>
-              <a:t>2/2/2020</a:t>
+              <a:t>3/2/2020</a:t>
             </a:fld>
             <a:endParaRPr lang="ca-ES"/>
           </a:p>
@@ -5565,7 +5575,7 @@
           <a:p>
             <a:fld id="{4F4CC500-C254-4A01-A1E9-3631BD4DF40D}" type="slidenum">
               <a:rPr lang="ca-ES" smtClean="0"/>
-              <a:t>‹Nº›</a:t>
+              <a:t>‹#›</a:t>
             </a:fld>
             <a:endParaRPr lang="ca-ES" dirty="0"/>
           </a:p>
@@ -5648,7 +5658,7 @@
           <a:p>
             <a:fld id="{5ABAFB43-88C3-4E66-905C-AD8295BD58CE}" type="datetime1">
               <a:rPr lang="ca-ES" smtClean="0"/>
-              <a:t>2/2/2020</a:t>
+              <a:t>3/2/2020</a:t>
             </a:fld>
             <a:endParaRPr lang="ca-ES"/>
           </a:p>
@@ -5691,12 +5701,8 @@
             <a:fld id="{4F4CC500-C254-4A01-A1E9-3631BD4DF40D}" type="slidenum">
               <a:rPr lang="ca-ES" smtClean="0"/>
               <a:pPr/>
-              <a:t>‹Nº›</a:t>
+              <a:t>‹#›</a:t>
             </a:fld>
-            <a:r>
-              <a:rPr lang="ca-ES" dirty="0" smtClean="0"/>
-              <a:t>/26</a:t>
-            </a:r>
             <a:endParaRPr lang="ca-ES" dirty="0"/>
           </a:p>
         </p:txBody>
@@ -5755,7 +5761,7 @@
           <a:p>
             <a:fld id="{11D08794-904D-4712-B67A-5F06D671CBCB}" type="datetime1">
               <a:rPr lang="ca-ES" smtClean="0"/>
-              <a:t>2/2/2020</a:t>
+              <a:t>3/2/2020</a:t>
             </a:fld>
             <a:endParaRPr lang="ca-ES"/>
           </a:p>
@@ -5797,7 +5803,7 @@
           <a:p>
             <a:fld id="{4F4CC500-C254-4A01-A1E9-3631BD4DF40D}" type="slidenum">
               <a:rPr lang="ca-ES" smtClean="0"/>
-              <a:t>‹Nº›</a:t>
+              <a:t>‹#›</a:t>
             </a:fld>
             <a:endParaRPr lang="ca-ES" dirty="0"/>
           </a:p>
@@ -5924,7 +5930,7 @@
           <a:p>
             <a:fld id="{29921BD1-FCB0-4298-99B0-740715082644}" type="datetime1">
               <a:rPr lang="ca-ES" smtClean="0"/>
-              <a:t>2/2/2020</a:t>
+              <a:t>3/2/2020</a:t>
             </a:fld>
             <a:endParaRPr lang="ca-ES"/>
           </a:p>
@@ -5966,7 +5972,7 @@
           <a:p>
             <a:fld id="{4F4CC500-C254-4A01-A1E9-3631BD4DF40D}" type="slidenum">
               <a:rPr lang="ca-ES" smtClean="0"/>
-              <a:t>‹Nº›</a:t>
+              <a:t>‹#›</a:t>
             </a:fld>
             <a:endParaRPr lang="ca-ES" dirty="0"/>
           </a:p>
@@ -6302,7 +6308,7 @@
           <a:p>
             <a:fld id="{7ABA9C88-BE0B-4A67-86B8-1C281E9C438E}" type="datetime1">
               <a:rPr lang="ca-ES" smtClean="0"/>
-              <a:t>2/2/2020</a:t>
+              <a:t>3/2/2020</a:t>
             </a:fld>
             <a:endParaRPr lang="ca-ES"/>
           </a:p>
@@ -6366,7 +6372,7 @@
           <a:p>
             <a:fld id="{4F4CC500-C254-4A01-A1E9-3631BD4DF40D}" type="slidenum">
               <a:rPr lang="ca-ES" smtClean="0"/>
-              <a:t>‹Nº›</a:t>
+              <a:t>‹#›</a:t>
             </a:fld>
             <a:endParaRPr lang="ca-ES" dirty="0"/>
           </a:p>
@@ -6535,7 +6541,7 @@
           <a:p>
             <a:fld id="{5ABAFB43-88C3-4E66-905C-AD8295BD58CE}" type="datetime1">
               <a:rPr lang="ca-ES" smtClean="0"/>
-              <a:t>2/2/2020</a:t>
+              <a:t>3/2/2020</a:t>
             </a:fld>
             <a:endParaRPr lang="ca-ES"/>
           </a:p>
@@ -6610,7 +6616,7 @@
             <a:fld id="{4F4CC500-C254-4A01-A1E9-3631BD4DF40D}" type="slidenum">
               <a:rPr lang="ca-ES" smtClean="0"/>
               <a:pPr/>
-              <a:t>‹Nº›</a:t>
+              <a:t>‹#›</a:t>
             </a:fld>
             <a:r>
               <a:rPr lang="ca-ES" dirty="0" smtClean="0"/>
@@ -7132,7 +7138,7 @@
   </p:txStyles>
   <p:extLst mod="1">
     <p:ext uri="{27BBF7A9-308A-43DC-89C8-2F10F3537804}">
-      <p15:sldGuideLst xmlns="" xmlns:p15="http://schemas.microsoft.com/office/powerpoint/2012/main"/>
+      <p15:sldGuideLst xmlns:p15="http://schemas.microsoft.com/office/powerpoint/2012/main"/>
     </p:ext>
   </p:extLst>
 </p:sldMaster>
@@ -7368,7 +7374,52 @@
                 </a:solidFill>
                 <a:latin typeface="Arial" panose="020B0604020202020204" pitchFamily="34" charset="0"/>
               </a:rPr>
-              <a:t>Grau en Enginyeria en Tecnologies Industrials </a:t>
+              <a:t>Grado </a:t>
+            </a:r>
+            <a:r>
+              <a:rPr lang="ca-ES" b="1" dirty="0" smtClean="0">
+                <a:solidFill>
+                  <a:srgbClr val="000000"/>
+                </a:solidFill>
+                <a:latin typeface="Arial" panose="020B0604020202020204" pitchFamily="34" charset="0"/>
+              </a:rPr>
+              <a:t>en </a:t>
+            </a:r>
+            <a:r>
+              <a:rPr lang="ca-ES" b="1" dirty="0" smtClean="0">
+                <a:solidFill>
+                  <a:srgbClr val="000000"/>
+                </a:solidFill>
+                <a:latin typeface="Arial" panose="020B0604020202020204" pitchFamily="34" charset="0"/>
+              </a:rPr>
+              <a:t>Ingeni</a:t>
+            </a:r>
+            <a:r>
+              <a:rPr lang="ca-ES" b="1" dirty="0" smtClean="0">
+                <a:solidFill>
+                  <a:srgbClr val="000000"/>
+                </a:solidFill>
+                <a:latin typeface="Arial" panose="020B0604020202020204" pitchFamily="34" charset="0"/>
+              </a:rPr>
+              <a:t>ería </a:t>
+            </a:r>
+            <a:r>
+              <a:rPr lang="ca-ES" b="1" dirty="0" smtClean="0">
+                <a:solidFill>
+                  <a:srgbClr val="000000"/>
+                </a:solidFill>
+                <a:latin typeface="Arial" panose="020B0604020202020204" pitchFamily="34" charset="0"/>
+              </a:rPr>
+              <a:t>en </a:t>
+            </a:r>
+            <a:r>
+              <a:rPr lang="ca-ES" b="1" dirty="0" smtClean="0">
+                <a:solidFill>
+                  <a:srgbClr val="000000"/>
+                </a:solidFill>
+                <a:latin typeface="Arial" panose="020B0604020202020204" pitchFamily="34" charset="0"/>
+              </a:rPr>
+              <a:t>Tecnologías Industriales </a:t>
             </a:r>
             <a:endParaRPr lang="ca-ES" dirty="0"/>
           </a:p>
@@ -7480,7 +7531,7 @@
             </a:fld>
             <a:r>
               <a:rPr lang="ca-ES" dirty="0" smtClean="0"/>
-              <a:t>/27</a:t>
+              <a:t>/29</a:t>
             </a:r>
             <a:endParaRPr lang="ca-ES" dirty="0"/>
           </a:p>
@@ -7572,16 +7623,16 @@
             <a:pPr marL="324000" lvl="1" indent="0">
               <a:buNone/>
             </a:pPr>
-            <a:endParaRPr lang="es-ES" dirty="0" smtClean="0"/>
+            <a:endParaRPr lang="es-ES" sz="2000" dirty="0" smtClean="0"/>
           </a:p>
           <a:p>
             <a:pPr marL="324000" lvl="1" indent="0">
               <a:buNone/>
             </a:pPr>
-            <a:endParaRPr lang="es-ES" dirty="0" smtClean="0"/>
-          </a:p>
-          <a:p>
-            <a:pPr lvl="1"/>
+            <a:endParaRPr lang="es-ES" sz="2000" dirty="0" smtClean="0"/>
+          </a:p>
+          <a:p>
+            <a:pPr lvl="2"/>
             <a:r>
               <a:rPr lang="es-ES" sz="2000" dirty="0" smtClean="0"/>
               <a:t>Back </a:t>
@@ -7618,16 +7669,119 @@
           </a:prstGeom>
         </p:spPr>
       </p:pic>
+      <p:sp>
+        <p:nvSpPr>
+          <p:cNvPr id="5" name="4 CuadroTexto"/>
+          <p:cNvSpPr txBox="1"/>
+          <p:nvPr/>
+        </p:nvSpPr>
+        <p:spPr>
+          <a:xfrm>
+            <a:off x="591156" y="5588106"/>
+            <a:ext cx="1562497" cy="923330"/>
+          </a:xfrm>
+          <a:prstGeom prst="rect">
+            <a:avLst/>
+          </a:prstGeom>
+          <a:noFill/>
+        </p:spPr>
+        <p:txBody>
+          <a:bodyPr wrap="square" rtlCol="0">
+            <a:spAutoFit/>
+          </a:bodyPr>
+          <a:lstStyle/>
+          <a:p>
+            <a:pPr algn="ctr"/>
+            <a:r>
+              <a:rPr lang="en-US" dirty="0" err="1" smtClean="0"/>
+              <a:t>HyperText</a:t>
+            </a:r>
+            <a:r>
+              <a:rPr lang="en-US" dirty="0" smtClean="0"/>
+              <a:t> </a:t>
+            </a:r>
+            <a:r>
+              <a:rPr lang="en-US" dirty="0"/>
+              <a:t>Markup Language</a:t>
+            </a:r>
+            <a:r>
+              <a:rPr lang="es-ES" dirty="0" smtClean="0"/>
+              <a:t> </a:t>
+            </a:r>
+            <a:endParaRPr lang="es-ES" dirty="0"/>
+          </a:p>
+        </p:txBody>
+      </p:sp>
+      <p:sp>
+        <p:nvSpPr>
+          <p:cNvPr id="6" name="5 CuadroTexto"/>
+          <p:cNvSpPr txBox="1"/>
+          <p:nvPr/>
+        </p:nvSpPr>
+        <p:spPr>
+          <a:xfrm>
+            <a:off x="2285999" y="5600138"/>
+            <a:ext cx="1347537" cy="646331"/>
+          </a:xfrm>
+          <a:prstGeom prst="rect">
+            <a:avLst/>
+          </a:prstGeom>
+          <a:noFill/>
+        </p:spPr>
+        <p:txBody>
+          <a:bodyPr wrap="square" rtlCol="0">
+            <a:spAutoFit/>
+          </a:bodyPr>
+          <a:lstStyle/>
+          <a:p>
+            <a:pPr algn="ctr"/>
+            <a:r>
+              <a:rPr lang="en-US" dirty="0"/>
+              <a:t>Cascading Style Sheets</a:t>
+            </a:r>
+            <a:endParaRPr lang="es-ES" dirty="0"/>
+          </a:p>
+        </p:txBody>
+      </p:sp>
+      <p:sp>
+        <p:nvSpPr>
+          <p:cNvPr id="8" name="7 Rectángulo"/>
+          <p:cNvSpPr/>
+          <p:nvPr/>
+        </p:nvSpPr>
+        <p:spPr>
+          <a:xfrm>
+            <a:off x="4004410" y="5588106"/>
+            <a:ext cx="1054969" cy="369332"/>
+          </a:xfrm>
+          <a:prstGeom prst="rect">
+            <a:avLst/>
+          </a:prstGeom>
+        </p:spPr>
+        <p:txBody>
+          <a:bodyPr wrap="none">
+            <a:spAutoFit/>
+          </a:bodyPr>
+          <a:lstStyle/>
+          <a:p>
+            <a:r>
+              <a:rPr lang="en-US" dirty="0" err="1"/>
+              <a:t>Javascript</a:t>
+            </a:r>
+            <a:endParaRPr lang="es-ES" dirty="0"/>
+          </a:p>
+        </p:txBody>
+      </p:sp>
       <p:pic>
         <p:nvPicPr>
-          <p:cNvPr id="1028" name="Picture 4" descr="Backend"/>
+          <p:cNvPr id="1026" name="Picture 2" descr="Resultat d'imatges per a &quot;pph logo&quot;&quot;"/>
           <p:cNvPicPr>
             <a:picLocks noChangeAspect="1" noChangeArrowheads="1"/>
           </p:cNvPicPr>
           <p:nvPr/>
         </p:nvPicPr>
         <p:blipFill>
-          <a:blip r:embed="rId3">
+          <a:blip r:embed="rId3" cstate="print">
             <a:extLst>
               <a:ext uri="{28A0092B-C50C-407E-A947-70E740481C1C}">
                 <a14:useLocalDpi xmlns:a14="http://schemas.microsoft.com/office/drawing/2010/main" val="0"/>
@@ -7641,8 +7795,8 @@
         </p:blipFill>
         <p:spPr bwMode="auto">
           <a:xfrm>
-            <a:off x="6842565" y="3452012"/>
-            <a:ext cx="3059423" cy="3059424"/>
+            <a:off x="6776375" y="4184512"/>
+            <a:ext cx="1855574" cy="1002010"/>
           </a:xfrm>
           <a:prstGeom prst="rect">
             <a:avLst/>
@@ -7659,16 +7813,98 @@
           </a:extLst>
         </p:spPr>
       </p:pic>
-      <p:sp>
-        <p:nvSpPr>
-          <p:cNvPr id="5" name="4 CuadroTexto"/>
+      <p:pic>
+        <p:nvPicPr>
+          <p:cNvPr id="9" name="Picture 4" descr="Resultat d'imatges per a &quot;python logo&quot;&quot;"/>
+          <p:cNvPicPr>
+            <a:picLocks noChangeAspect="1" noChangeArrowheads="1"/>
+          </p:cNvPicPr>
+          <p:nvPr/>
+        </p:nvPicPr>
+        <p:blipFill>
+          <a:blip r:embed="rId4" cstate="print">
+            <a:extLst>
+              <a:ext uri="{28A0092B-C50C-407E-A947-70E740481C1C}">
+                <a14:useLocalDpi xmlns:a14="http://schemas.microsoft.com/office/drawing/2010/main" val="0"/>
+              </a:ext>
+            </a:extLst>
+          </a:blip>
+          <a:srcRect/>
+          <a:stretch>
+            <a:fillRect/>
+          </a:stretch>
+        </p:blipFill>
+        <p:spPr bwMode="auto">
+          <a:xfrm>
+            <a:off x="8840065" y="4025166"/>
+            <a:ext cx="999604" cy="999604"/>
+          </a:xfrm>
+          <a:prstGeom prst="rect">
+            <a:avLst/>
+          </a:prstGeom>
+          <a:noFill/>
+          <a:extLst>
+            <a:ext uri="{909E8E84-426E-40DD-AFC4-6F175D3DCCD1}">
+              <a14:hiddenFill xmlns:a14="http://schemas.microsoft.com/office/drawing/2010/main">
+                <a:solidFill>
+                  <a:srgbClr val="FFFFFF"/>
+                </a:solidFill>
+              </a14:hiddenFill>
+            </a:ext>
+          </a:extLst>
+        </p:spPr>
+      </p:pic>
+      <p:pic>
+        <p:nvPicPr>
+          <p:cNvPr id="1030" name="Picture 6" descr="Resultat d'imatges per a &quot;java logo&quot;&quot;"/>
+          <p:cNvPicPr>
+            <a:picLocks noChangeAspect="1" noChangeArrowheads="1"/>
+          </p:cNvPicPr>
+          <p:nvPr/>
+        </p:nvPicPr>
+        <p:blipFill>
+          <a:blip r:embed="rId5" cstate="print">
+            <a:extLst>
+              <a:ext uri="{28A0092B-C50C-407E-A947-70E740481C1C}">
+                <a14:useLocalDpi xmlns:a14="http://schemas.microsoft.com/office/drawing/2010/main" val="0"/>
+              </a:ext>
+            </a:extLst>
+          </a:blip>
+          <a:srcRect/>
+          <a:stretch>
+            <a:fillRect/>
+          </a:stretch>
+        </p:blipFill>
+        <p:spPr bwMode="auto">
+          <a:xfrm>
+            <a:off x="10226171" y="3402493"/>
+            <a:ext cx="965156" cy="1795430"/>
+          </a:xfrm>
+          <a:prstGeom prst="rect">
+            <a:avLst/>
+          </a:prstGeom>
+          <a:noFill/>
+          <a:extLst>
+            <a:ext uri="{909E8E84-426E-40DD-AFC4-6F175D3DCCD1}">
+              <a14:hiddenFill xmlns:a14="http://schemas.microsoft.com/office/drawing/2010/main">
+                <a:solidFill>
+                  <a:srgbClr val="FFFFFF"/>
+                </a:solidFill>
+              </a14:hiddenFill>
+            </a:ext>
+          </a:extLst>
+        </p:spPr>
+      </p:pic>
+      <p:sp>
+        <p:nvSpPr>
+          <p:cNvPr id="13" name="4 CuadroTexto"/>
           <p:cNvSpPr txBox="1"/>
           <p:nvPr/>
         </p:nvSpPr>
         <p:spPr>
           <a:xfrm>
-            <a:off x="591156" y="5588106"/>
-            <a:ext cx="1562497" cy="923330"/>
+            <a:off x="7005788" y="5380998"/>
+            <a:ext cx="1562497" cy="369332"/>
           </a:xfrm>
           <a:prstGeom prst="rect">
             <a:avLst/>
@@ -7683,20 +7919,8 @@
           <a:p>
             <a:pPr algn="ctr"/>
             <a:r>
-              <a:rPr lang="en-US" dirty="0" err="1" smtClean="0"/>
-              <a:t>HyperText</a:t>
-            </a:r>
-            <a:r>
-              <a:rPr lang="en-US" dirty="0" smtClean="0"/>
-              <a:t> </a:t>
-            </a:r>
-            <a:r>
-              <a:rPr lang="en-US" dirty="0"/>
-              <a:t>Markup Language</a:t>
-            </a:r>
-            <a:r>
               <a:rPr lang="es-ES" dirty="0" smtClean="0"/>
-              <a:t> </a:t>
+              <a:t>PHP</a:t>
             </a:r>
             <a:endParaRPr lang="es-ES" dirty="0"/>
           </a:p>
@@ -7704,14 +7928,14 @@
       </p:sp>
       <p:sp>
         <p:nvSpPr>
-          <p:cNvPr id="6" name="5 CuadroTexto"/>
+          <p:cNvPr id="14" name="5 CuadroTexto"/>
           <p:cNvSpPr txBox="1"/>
           <p:nvPr/>
         </p:nvSpPr>
         <p:spPr>
           <a:xfrm>
-            <a:off x="2285999" y="5600138"/>
-            <a:ext cx="1347537" cy="646331"/>
+            <a:off x="8664024" y="5391965"/>
+            <a:ext cx="1347537" cy="369332"/>
           </a:xfrm>
           <a:prstGeom prst="rect">
             <a:avLst/>
@@ -7726,8 +7950,8 @@
           <a:p>
             <a:pPr algn="ctr"/>
             <a:r>
-              <a:rPr lang="en-US" dirty="0"/>
-              <a:t>Cascading Style Sheets</a:t>
+              <a:rPr lang="en-US" dirty="0" smtClean="0"/>
+              <a:t>Python</a:t>
             </a:r>
             <a:endParaRPr lang="es-ES" dirty="0"/>
           </a:p>
@@ -7735,14 +7959,14 @@
       </p:sp>
       <p:sp>
         <p:nvSpPr>
-          <p:cNvPr id="8" name="7 Rectángulo"/>
+          <p:cNvPr id="15" name="7 Rectángulo"/>
           <p:cNvSpPr/>
           <p:nvPr/>
         </p:nvSpPr>
         <p:spPr>
           <a:xfrm>
-            <a:off x="4004410" y="5588106"/>
-            <a:ext cx="1054969" cy="369332"/>
+            <a:off x="10443356" y="5396474"/>
+            <a:ext cx="530786" cy="369332"/>
           </a:xfrm>
           <a:prstGeom prst="rect">
             <a:avLst/>
@@ -7755,8 +7979,8 @@
           <a:lstStyle/>
           <a:p>
             <a:r>
-              <a:rPr lang="en-US" dirty="0" err="1"/>
-              <a:t>Javascript</a:t>
+              <a:rPr lang="en-US" dirty="0" smtClean="0"/>
+              <a:t>Java</a:t>
             </a:r>
             <a:endParaRPr lang="es-ES" dirty="0"/>
           </a:p>
@@ -7844,7 +8068,7 @@
             </a:fld>
             <a:r>
               <a:rPr lang="ca-ES" dirty="0" smtClean="0"/>
-              <a:t>/27</a:t>
+              <a:t>/29</a:t>
             </a:r>
             <a:endParaRPr lang="ca-ES" dirty="0"/>
           </a:p>
@@ -7878,7 +8102,7 @@
               </a:lnSpc>
             </a:pPr>
             <a:r>
-              <a:rPr lang="en-US" sz="2000" dirty="0" err="1" smtClean="0"/>
+              <a:rPr lang="es-ES" sz="2000" dirty="0" smtClean="0"/>
               <a:t>Profesores</a:t>
             </a:r>
             <a:r>
@@ -7886,7 +8110,7 @@
               <a:t>: </a:t>
             </a:r>
             <a:r>
-              <a:rPr lang="en-US" sz="2000" dirty="0" err="1" smtClean="0"/>
+              <a:rPr lang="es-ES" sz="2000" dirty="0" smtClean="0"/>
               <a:t>Iniciar</a:t>
             </a:r>
             <a:r>
@@ -7894,12 +8118,16 @@
               <a:t> </a:t>
             </a:r>
             <a:r>
-              <a:rPr lang="en-US" sz="2000" dirty="0" err="1" smtClean="0"/>
+              <a:rPr lang="es-ES" sz="2000" dirty="0" smtClean="0"/>
               <a:t>sesión</a:t>
             </a:r>
             <a:r>
               <a:rPr lang="en-US" sz="2000" dirty="0" smtClean="0"/>
-              <a:t> con email y DNI </a:t>
+              <a:t> </a:t>
+            </a:r>
+            <a:r>
+              <a:rPr lang="en-US" sz="2000" dirty="0" smtClean="0"/>
+              <a:t>con email y DNI </a:t>
             </a:r>
             <a:r>
               <a:rPr lang="en-US" sz="2000" dirty="0" err="1" smtClean="0"/>
@@ -7939,7 +8167,7 @@
             </a:r>
             <a:r>
               <a:rPr lang="en-US" sz="2000" dirty="0" smtClean="0"/>
-              <a:t> para </a:t>
+              <a:t>: </a:t>
             </a:r>
             <a:r>
               <a:rPr lang="en-US" sz="2000" dirty="0" err="1" smtClean="0"/>
@@ -8058,11 +8286,7 @@
             </a:r>
             <a:r>
               <a:rPr lang="en-US" sz="2000" dirty="0" smtClean="0"/>
-              <a:t> </a:t>
-            </a:r>
-            <a:r>
-              <a:rPr lang="en-US" sz="2000" dirty="0" smtClean="0"/>
-              <a:t>el </a:t>
+              <a:t> el </a:t>
             </a:r>
             <a:r>
               <a:rPr lang="en-US" sz="2000" dirty="0" err="1" smtClean="0"/>
@@ -8605,7 +8829,7 @@
             </a:fld>
             <a:r>
               <a:rPr lang="ca-ES" dirty="0" smtClean="0"/>
-              <a:t>/27</a:t>
+              <a:t>/29</a:t>
             </a:r>
             <a:endParaRPr lang="ca-ES" dirty="0"/>
           </a:p>
@@ -9139,7 +9363,7 @@
         </p:spPr>
         <p:txBody>
           <a:bodyPr anchor="t">
-            <a:normAutofit fontScale="70000" lnSpcReduction="20000"/>
+            <a:normAutofit fontScale="77500" lnSpcReduction="20000"/>
           </a:bodyPr>
           <a:lstStyle/>
           <a:p>
@@ -9159,13 +9383,8 @@
             </a:pPr>
             <a:r>
               <a:rPr lang="es-ES" sz="2800" dirty="0" smtClean="0"/>
-              <a:t>Reto: aprender nuevo lenguaje de </a:t>
-            </a:r>
-            <a:r>
-              <a:rPr lang="es-ES" sz="2800" dirty="0" smtClean="0"/>
-              <a:t>programación.</a:t>
-            </a:r>
-            <a:endParaRPr lang="es-ES" sz="2800" dirty="0" smtClean="0"/>
+              <a:t>Reto: aprender nuevo lenguaje de programación.</a:t>
+            </a:r>
           </a:p>
           <a:p>
             <a:pPr>
@@ -9175,15 +9394,7 @@
             </a:pPr>
             <a:r>
               <a:rPr lang="es-ES" sz="2800" dirty="0" smtClean="0"/>
-              <a:t>Para sitios </a:t>
-            </a:r>
-            <a:r>
-              <a:rPr lang="es-ES" sz="2800" dirty="0" smtClean="0"/>
-              <a:t>dinámicos, </a:t>
-            </a:r>
-            <a:r>
-              <a:rPr lang="es-ES" sz="2800" dirty="0" smtClean="0"/>
-              <a:t>interactuando con HTML y con bases de datos.</a:t>
+              <a:t>Para sitios dinámicos, interactuando con HTML y con bases de datos de forma sencilla.</a:t>
             </a:r>
           </a:p>
           <a:p>
@@ -9200,7 +9411,6 @@
               <a:rPr lang="es-ES" sz="2800" dirty="0"/>
               <a:t>.</a:t>
             </a:r>
-            <a:endParaRPr lang="es-ES" sz="2800" dirty="0"/>
           </a:p>
           <a:p>
             <a:pPr>
@@ -9249,11 +9459,19 @@
             </a:pPr>
             <a:r>
               <a:rPr lang="es-ES" sz="2800" dirty="0" smtClean="0"/>
-              <a:t>La</a:t>
+              <a:t>L</a:t>
+            </a:r>
+            <a:r>
+              <a:rPr lang="es-ES" sz="2800" dirty="0" smtClean="0"/>
+              <a:t>enguaje </a:t>
             </a:r>
             <a:r>
               <a:rPr lang="es-ES" sz="2800" dirty="0"/>
-              <a:t> interacción entre PHP y HTML es muy sencilla .</a:t>
+              <a:t>muy sólido y maduro , lleva muchos años en el mercado y se ha ido perfeccionando</a:t>
+            </a:r>
+            <a:r>
+              <a:rPr lang="es-ES" sz="2800" dirty="0" smtClean="0"/>
+              <a:t>.</a:t>
             </a:r>
           </a:p>
           <a:p>
@@ -9264,26 +9482,7 @@
             </a:pPr>
             <a:r>
               <a:rPr lang="es-ES" sz="2800" dirty="0" smtClean="0"/>
-              <a:t>Es </a:t>
-            </a:r>
-            <a:r>
-              <a:rPr lang="es-ES" sz="2800" dirty="0"/>
-              <a:t>un lenguaje muy sólido y maduro , lleva muchos años en el mercado y se ha ido perfeccionando</a:t>
-            </a:r>
-            <a:r>
-              <a:rPr lang="es-ES" sz="2800" dirty="0" smtClean="0"/>
-              <a:t>.</a:t>
-            </a:r>
-          </a:p>
-          <a:p>
-            <a:pPr>
-              <a:lnSpc>
-                <a:spcPts val="2640"/>
-              </a:lnSpc>
-            </a:pPr>
-            <a:r>
-              <a:rPr lang="es-ES" sz="2800" dirty="0" smtClean="0"/>
-              <a:t> Gran </a:t>
+              <a:t>Gran </a:t>
             </a:r>
             <a:r>
               <a:rPr lang="es-ES" sz="2800" dirty="0"/>
@@ -9326,7 +9525,7 @@
             </a:fld>
             <a:r>
               <a:rPr lang="ca-ES" dirty="0" smtClean="0"/>
-              <a:t>/27</a:t>
+              <a:t>/29</a:t>
             </a:r>
             <a:endParaRPr lang="ca-ES" dirty="0"/>
           </a:p>
@@ -9416,7 +9615,7 @@
             </a:fld>
             <a:r>
               <a:rPr lang="ca-ES" dirty="0" smtClean="0"/>
-              <a:t>/27</a:t>
+              <a:t>/29</a:t>
             </a:r>
             <a:endParaRPr lang="ca-ES" dirty="0"/>
           </a:p>
@@ -9620,7 +9819,7 @@
             </a:fld>
             <a:r>
               <a:rPr lang="ca-ES" dirty="0" smtClean="0"/>
-              <a:t>/27</a:t>
+              <a:t>/29</a:t>
             </a:r>
             <a:endParaRPr lang="ca-ES" dirty="0"/>
           </a:p>
@@ -9924,11 +10123,6 @@
               </a:rPr>
               <a:t>permiso para escoger asignaturas, elección validada.</a:t>
             </a:r>
-            <a:endParaRPr lang="es-ES" sz="2000" dirty="0">
-              <a:solidFill>
-                <a:schemeClr val="tx2"/>
-              </a:solidFill>
-            </a:endParaRPr>
           </a:p>
         </p:txBody>
       </p:sp>
@@ -10070,7 +10264,7 @@
             </a:fld>
             <a:r>
               <a:rPr lang="ca-ES" dirty="0" smtClean="0"/>
-              <a:t>/27</a:t>
+              <a:t>/29</a:t>
             </a:r>
             <a:endParaRPr lang="ca-ES" dirty="0"/>
           </a:p>
@@ -10126,15 +10320,7 @@
                   <a:schemeClr val="tx2"/>
                 </a:solidFill>
               </a:rPr>
-              <a:t>Assignature</a:t>
-            </a:r>
-            <a:r>
-              <a:rPr lang="es-ES" sz="2000" dirty="0" err="1" smtClean="0">
-                <a:solidFill>
-                  <a:schemeClr val="tx2"/>
-                </a:solidFill>
-              </a:rPr>
-              <a:t>s</a:t>
+              <a:t>Assignatures</a:t>
             </a:r>
             <a:endParaRPr lang="es-ES" sz="2000" dirty="0">
               <a:solidFill>
@@ -10282,7 +10468,7 @@
             </a:fld>
             <a:r>
               <a:rPr lang="ca-ES" dirty="0" smtClean="0"/>
-              <a:t>/27</a:t>
+              <a:t>/29</a:t>
             </a:r>
             <a:endParaRPr lang="ca-ES" dirty="0"/>
           </a:p>
@@ -10484,7 +10670,7 @@
             </a:fld>
             <a:r>
               <a:rPr lang="ca-ES" dirty="0" smtClean="0"/>
-              <a:t>/27</a:t>
+              <a:t>/29</a:t>
             </a:r>
             <a:endParaRPr lang="ca-ES" dirty="0"/>
           </a:p>
@@ -10634,7 +10820,7 @@
             </a:fld>
             <a:r>
               <a:rPr lang="ca-ES" dirty="0" smtClean="0"/>
-              <a:t>/27</a:t>
+              <a:t>/29</a:t>
             </a:r>
             <a:endParaRPr lang="ca-ES" dirty="0"/>
           </a:p>
@@ -10642,88 +10828,27 @@
       </p:sp>
       <p:pic>
         <p:nvPicPr>
-          <p:cNvPr id="4098" name="Picture 1"/>
+          <p:cNvPr id="6" name="Picture 5"/>
           <p:cNvPicPr>
-            <a:picLocks noChangeAspect="1" noChangeArrowheads="1"/>
+            <a:picLocks noChangeAspect="1"/>
           </p:cNvPicPr>
           <p:nvPr/>
         </p:nvPicPr>
-        <p:blipFill>
-          <a:blip r:embed="rId2">
-            <a:extLst>
-              <a:ext uri="{28A0092B-C50C-407E-A947-70E740481C1C}">
-                <a14:useLocalDpi xmlns:a14="http://schemas.microsoft.com/office/drawing/2010/main" val="0"/>
-              </a:ext>
-            </a:extLst>
-          </a:blip>
-          <a:srcRect/>
-          <a:stretch>
-            <a:fillRect/>
-          </a:stretch>
+        <p:blipFill rotWithShape="1">
+          <a:blip r:embed="rId2"/>
+          <a:srcRect t="904"/>
+          <a:stretch/>
         </p:blipFill>
-        <p:spPr bwMode="auto">
+        <p:spPr>
           <a:xfrm>
-            <a:off x="3154680" y="1861986"/>
-            <a:ext cx="5469383" cy="4703402"/>
+            <a:off x="1865026" y="1819656"/>
+            <a:ext cx="8461948" cy="5038344"/>
           </a:xfrm>
           <a:prstGeom prst="rect">
             <a:avLst/>
           </a:prstGeom>
-          <a:noFill/>
-          <a:ln>
-            <a:noFill/>
-          </a:ln>
-          <a:extLst>
-            <a:ext uri="{909E8E84-426E-40DD-AFC4-6F175D3DCCD1}">
-              <a14:hiddenFill xmlns:a14="http://schemas.microsoft.com/office/drawing/2010/main">
-                <a:solidFill>
-                  <a:srgbClr val="FFFFFF"/>
-                </a:solidFill>
-              </a14:hiddenFill>
-            </a:ext>
-            <a:ext uri="{91240B29-F687-4F45-9708-019B960494DF}">
-              <a14:hiddenLine xmlns:a14="http://schemas.microsoft.com/office/drawing/2010/main" w="9525">
-                <a:solidFill>
-                  <a:srgbClr val="000000"/>
-                </a:solidFill>
-                <a:miter lim="800000"/>
-                <a:headEnd/>
-                <a:tailEnd/>
-              </a14:hiddenLine>
-            </a:ext>
-          </a:extLst>
         </p:spPr>
       </p:pic>
-      <p:sp>
-        <p:nvSpPr>
-          <p:cNvPr id="3" name="2 CuadroTexto"/>
-          <p:cNvSpPr txBox="1"/>
-          <p:nvPr/>
-        </p:nvSpPr>
-        <p:spPr>
-          <a:xfrm>
-            <a:off x="1251284" y="2671011"/>
-            <a:ext cx="1347537" cy="646331"/>
-          </a:xfrm>
-          <a:prstGeom prst="rect">
-            <a:avLst/>
-          </a:prstGeom>
-          <a:noFill/>
-        </p:spPr>
-        <p:txBody>
-          <a:bodyPr wrap="square" rtlCol="0">
-            <a:spAutoFit/>
-          </a:bodyPr>
-          <a:lstStyle/>
-          <a:p>
-            <a:r>
-              <a:rPr lang="es-ES" dirty="0" smtClean="0"/>
-              <a:t>QUE ES VEGI BE</a:t>
-            </a:r>
-            <a:endParaRPr lang="es-ES" dirty="0"/>
-          </a:p>
-        </p:txBody>
-      </p:sp>
     </p:spTree>
     <p:extLst>
       <p:ext uri="{BB962C8B-B14F-4D97-AF65-F5344CB8AC3E}">
@@ -10863,7 +10988,17 @@
           <a:p>
             <a:r>
               <a:rPr lang="es-ES" dirty="0" smtClean="0"/>
-              <a:t>Futura mejoras</a:t>
+              <a:t>Futura </a:t>
+            </a:r>
+            <a:r>
+              <a:rPr lang="es-ES" dirty="0" smtClean="0"/>
+              <a:t>mejoras</a:t>
+            </a:r>
+          </a:p>
+          <a:p>
+            <a:r>
+              <a:rPr lang="es-ES" dirty="0" smtClean="0"/>
+              <a:t>Horas dedicación</a:t>
             </a:r>
             <a:endParaRPr lang="ca-ES" dirty="0" smtClean="0"/>
           </a:p>
@@ -10909,7 +11044,7 @@
             </a:fld>
             <a:r>
               <a:rPr lang="ca-ES" dirty="0" smtClean="0"/>
-              <a:t>/27</a:t>
+              <a:t>/29</a:t>
             </a:r>
             <a:endParaRPr lang="ca-ES" dirty="0"/>
           </a:p>
@@ -10997,7 +11132,7 @@
             </a:fld>
             <a:r>
               <a:rPr lang="ca-ES" dirty="0" smtClean="0"/>
-              <a:t>/27</a:t>
+              <a:t>/29</a:t>
             </a:r>
             <a:endParaRPr lang="ca-ES" dirty="0"/>
           </a:p>
@@ -11188,7 +11323,7 @@
             </a:fld>
             <a:r>
               <a:rPr lang="ca-ES" dirty="0" smtClean="0"/>
-              <a:t>/27</a:t>
+              <a:t>/29</a:t>
             </a:r>
             <a:endParaRPr lang="ca-ES" dirty="0"/>
           </a:p>
@@ -11352,7 +11487,7 @@
             </a:fld>
             <a:r>
               <a:rPr lang="ca-ES" dirty="0" smtClean="0"/>
-              <a:t>/27</a:t>
+              <a:t>/29</a:t>
             </a:r>
             <a:endParaRPr lang="ca-ES" dirty="0"/>
           </a:p>
@@ -11494,8 +11629,9 @@
             </a:fld>
             <a:r>
               <a:rPr lang="ca-ES" dirty="0" smtClean="0"/>
-              <a:t>/27</a:t>
-            </a:r>
+              <a:t>/29</a:t>
+            </a:r>
+            <a:endParaRPr lang="ca-ES" dirty="0" smtClean="0"/>
           </a:p>
         </p:txBody>
       </p:sp>
@@ -11635,7 +11771,7 @@
             </a:fld>
             <a:r>
               <a:rPr lang="ca-ES" dirty="0" smtClean="0"/>
-              <a:t>/27</a:t>
+              <a:t>/29</a:t>
             </a:r>
             <a:endParaRPr lang="ca-ES" dirty="0"/>
           </a:p>
@@ -11777,7 +11913,7 @@
             </a:fld>
             <a:r>
               <a:rPr lang="ca-ES" dirty="0" smtClean="0"/>
-              <a:t>/27</a:t>
+              <a:t>/29</a:t>
             </a:r>
             <a:endParaRPr lang="ca-ES" dirty="0"/>
           </a:p>
@@ -11919,7 +12055,7 @@
             </a:fld>
             <a:r>
               <a:rPr lang="ca-ES" dirty="0" smtClean="0"/>
-              <a:t>/27</a:t>
+              <a:t>/29</a:t>
             </a:r>
             <a:endParaRPr lang="ca-ES" dirty="0"/>
           </a:p>
@@ -11954,7 +12090,6 @@
               <a:rPr lang="es-ES" sz="2800" b="1" dirty="0" smtClean="0"/>
               <a:t>Conclusión</a:t>
             </a:r>
-            <a:endParaRPr lang="es-ES" sz="2800" b="1" dirty="0" smtClean="0"/>
           </a:p>
           <a:p>
             <a:pPr>
@@ -11993,7 +12128,6 @@
               <a:rPr lang="es-ES" sz="2800" dirty="0" smtClean="0"/>
               <a:t>Supone una mejora respecto la situación anterior</a:t>
             </a:r>
-            <a:endParaRPr lang="es-ES" sz="2800" dirty="0" smtClean="0"/>
           </a:p>
         </p:txBody>
       </p:sp>
@@ -12148,7 +12282,12 @@
             <p:ph type="sldNum" sz="quarter" idx="12"/>
           </p:nvPr>
         </p:nvSpPr>
-        <p:spPr/>
+        <p:spPr>
+          <a:xfrm>
+            <a:off x="10558300" y="5965281"/>
+            <a:ext cx="1052510" cy="365125"/>
+          </a:xfrm>
+        </p:spPr>
         <p:txBody>
           <a:bodyPr/>
           <a:lstStyle/>
@@ -12160,7 +12299,7 @@
             </a:fld>
             <a:r>
               <a:rPr lang="ca-ES" dirty="0" smtClean="0"/>
-              <a:t>/27</a:t>
+              <a:t>/29</a:t>
             </a:r>
             <a:endParaRPr lang="ca-ES" dirty="0"/>
           </a:p>
@@ -12236,7 +12375,7 @@
             <p:ph idx="1"/>
             <p:extLst>
               <p:ext uri="{D42A27DB-BD31-4B8C-83A1-F6EECF244321}">
-                <p14:modId xmlns:p14="http://schemas.microsoft.com/office/powerpoint/2010/main" val="3514634214"/>
+                <p14:modId xmlns:p14="http://schemas.microsoft.com/office/powerpoint/2010/main" val="2054535553"/>
               </p:ext>
             </p:extLst>
           </p:nvPr>
@@ -12461,16 +12600,10 @@
                     <a:p>
                       <a:pPr algn="l" fontAlgn="b"/>
                       <a:r>
-                        <a:rPr lang="es-ES" sz="2400" u="none" strike="noStrike" dirty="0" err="1">
-                          <a:effectLst/>
-                        </a:rPr>
-                        <a:t>Interfície</a:t>
-                      </a:r>
-                      <a:r>
                         <a:rPr lang="es-ES" sz="2400" u="none" strike="noStrike" dirty="0">
                           <a:effectLst/>
                         </a:rPr>
-                        <a:t> visual (</a:t>
+                        <a:t>Interfície visual (</a:t>
                       </a:r>
                       <a:r>
                         <a:rPr lang="es-ES" sz="2400" u="none" strike="noStrike" dirty="0" err="1">
@@ -12542,13 +12675,19 @@
                         <a:rPr lang="es-ES" sz="2400" u="none" strike="noStrike" dirty="0">
                           <a:effectLst/>
                         </a:rPr>
-                        <a:t>Base de datos y </a:t>
+                        <a:t>Base de datos </a:t>
                       </a:r>
                       <a:r>
-                        <a:rPr lang="es-ES" sz="2400" u="none" strike="noStrike" dirty="0" err="1">
+                        <a:rPr lang="es-ES" sz="2400" u="none" strike="noStrike">
                           <a:effectLst/>
                         </a:rPr>
-                        <a:t>backend</a:t>
+                        <a:t>y </a:t>
+                      </a:r>
+                      <a:r>
+                        <a:rPr lang="es-ES" sz="2400" u="none" strike="noStrike" smtClean="0">
+                          <a:effectLst/>
+                        </a:rPr>
+                        <a:t>back end</a:t>
                       </a:r>
                       <a:endParaRPr lang="es-ES" sz="2400" b="0" i="0" u="none" strike="noStrike" dirty="0">
                         <a:solidFill>
@@ -12851,7 +12990,7 @@
             </a:fld>
             <a:r>
               <a:rPr lang="ca-ES" dirty="0" smtClean="0"/>
-              <a:t>/27</a:t>
+              <a:t>/29</a:t>
             </a:r>
             <a:endParaRPr lang="ca-ES" dirty="0"/>
           </a:p>
@@ -13073,7 +13212,7 @@
             </a:fld>
             <a:r>
               <a:rPr lang="ca-ES" dirty="0" smtClean="0"/>
-              <a:t>/27</a:t>
+              <a:t>/29</a:t>
             </a:r>
             <a:endParaRPr lang="ca-ES" dirty="0"/>
           </a:p>
@@ -13357,7 +13496,7 @@
             </a:fld>
             <a:r>
               <a:rPr lang="ca-ES" dirty="0" smtClean="0"/>
-              <a:t>/27</a:t>
+              <a:t>/29</a:t>
             </a:r>
             <a:endParaRPr lang="ca-ES" dirty="0"/>
           </a:p>
@@ -13534,7 +13673,7 @@
             </a:fld>
             <a:r>
               <a:rPr lang="ca-ES" dirty="0" smtClean="0"/>
-              <a:t>/27</a:t>
+              <a:t>/29</a:t>
             </a:r>
             <a:endParaRPr lang="ca-ES" dirty="0"/>
           </a:p>
@@ -13827,7 +13966,7 @@
             </a:fld>
             <a:r>
               <a:rPr lang="ca-ES" dirty="0" smtClean="0"/>
-              <a:t>/27</a:t>
+              <a:t>/29</a:t>
             </a:r>
             <a:endParaRPr lang="ca-ES" dirty="0"/>
           </a:p>
@@ -14178,7 +14317,7 @@
             </a:fld>
             <a:r>
               <a:rPr lang="ca-ES" dirty="0" smtClean="0"/>
-              <a:t>/27</a:t>
+              <a:t>/29</a:t>
             </a:r>
             <a:endParaRPr lang="ca-ES" dirty="0"/>
           </a:p>
@@ -14266,7 +14405,7 @@
             </a:fld>
             <a:r>
               <a:rPr lang="ca-ES" dirty="0" smtClean="0"/>
-              <a:t>/27</a:t>
+              <a:t>/29</a:t>
             </a:r>
             <a:endParaRPr lang="ca-ES" dirty="0"/>
           </a:p>
@@ -14416,7 +14555,7 @@
             </a:fld>
             <a:r>
               <a:rPr lang="ca-ES" dirty="0" smtClean="0"/>
-              <a:t>/27</a:t>
+              <a:t>/29</a:t>
             </a:r>
             <a:endParaRPr lang="ca-ES" dirty="0"/>
           </a:p>
@@ -14552,7 +14691,7 @@
             </a:fld>
             <a:r>
               <a:rPr lang="ca-ES" dirty="0" smtClean="0"/>
-              <a:t>/27</a:t>
+              <a:t>/29</a:t>
             </a:r>
             <a:endParaRPr lang="ca-ES" dirty="0"/>
           </a:p>
@@ -14864,7 +15003,7 @@
   <a:extraClrSchemeLst/>
   <a:extLst>
     <a:ext uri="{05A4C25C-085E-4340-85A3-A5531E510DB2}">
-      <thm15:themeFamily xmlns="" xmlns:thm15="http://schemas.microsoft.com/office/thememl/2012/main" name="Dividend" id="{9697A71B-4AB7-4A1A-BD5B-BB2D22835B57}" vid="{66F1C100-1D2B-4BEA-AD01-C4F230B3B965}"/>
+      <thm15:themeFamily xmlns:thm15="http://schemas.microsoft.com/office/thememl/2012/main" name="Dividend" id="{9697A71B-4AB7-4A1A-BD5B-BB2D22835B57}" vid="{66F1C100-1D2B-4BEA-AD01-C4F230B3B965}"/>
     </a:ext>
   </a:extLst>
 </a:theme>
@@ -15125,7 +15264,7 @@
   <a:extraClrSchemeLst/>
   <a:extLst>
     <a:ext uri="{05A4C25C-085E-4340-85A3-A5531E510DB2}">
-      <thm15:themeFamily xmlns="" xmlns:thm15="http://schemas.microsoft.com/office/thememl/2012/main" name="Office Theme" id="{62F939B6-93AF-4DB8-9C6B-D6C7DFDC589F}" vid="{4A3C46E8-61CC-4603-A589-7422A47A8E4A}"/>
+      <thm15:themeFamily xmlns:thm15="http://schemas.microsoft.com/office/thememl/2012/main" name="Office Theme" id="{62F939B6-93AF-4DB8-9C6B-D6C7DFDC589F}" vid="{4A3C46E8-61CC-4603-A589-7422A47A8E4A}"/>
     </a:ext>
   </a:extLst>
 </a:theme>

--- a/tfg_presentacio.pptx
+++ b/tfg_presentacio.pptx
@@ -141,7 +141,7 @@
   </p:defaultTextStyle>
   <p:extLst>
     <p:ext uri="{EFAFB233-063F-42B5-8137-9DF3F51BA10A}">
-      <p15:sldGuideLst xmlns:p15="http://schemas.microsoft.com/office/powerpoint/2012/main">
+      <p15:sldGuideLst xmlns:p15="http://schemas.microsoft.com/office/powerpoint/2012/main" xmlns="">
         <p15:guide id="1" orient="horz" pos="2160">
           <p15:clr>
             <a:srgbClr val="A4A3A4"/>
@@ -155,7 +155,7 @@
       </p15:sldGuideLst>
     </p:ext>
     <p:ext uri="{2D200454-40CA-4A62-9FC3-DE9A4176ACB9}">
-      <p15:notesGuideLst xmlns:p15="http://schemas.microsoft.com/office/powerpoint/2012/main">
+      <p15:notesGuideLst xmlns:p15="http://schemas.microsoft.com/office/powerpoint/2012/main" xmlns="">
         <p15:guide id="1" orient="horz" pos="2880">
           <p15:clr>
             <a:srgbClr val="A4A3A4"/>
@@ -2864,7 +2864,7 @@
           <a:p>
             <a:fld id="{65126974-61E7-4B8D-B2D7-9E4B458BABF9}" type="slidenum">
               <a:rPr lang="es-ES" smtClean="0"/>
-              <a:t>‹#›</a:t>
+              <a:t>‹Nº›</a:t>
             </a:fld>
             <a:endParaRPr lang="es-ES"/>
           </a:p>
@@ -3122,7 +3122,7 @@
           <a:p>
             <a:fld id="{BF650D99-69A1-4A33-B524-E59AFA3826C2}" type="slidenum">
               <a:rPr lang="ca-ES" smtClean="0"/>
-              <a:t>‹#›</a:t>
+              <a:t>‹Nº›</a:t>
             </a:fld>
             <a:endParaRPr lang="ca-ES"/>
           </a:p>
@@ -3551,7 +3551,7 @@
             <a:fld id="{4F4CC500-C254-4A01-A1E9-3631BD4DF40D}" type="slidenum">
               <a:rPr lang="ca-ES" smtClean="0"/>
               <a:pPr/>
-              <a:t>‹#›</a:t>
+              <a:t>‹Nº›</a:t>
             </a:fld>
             <a:endParaRPr lang="ca-ES" dirty="0"/>
           </a:p>
@@ -3818,7 +3818,7 @@
           <a:p>
             <a:fld id="{4F4CC500-C254-4A01-A1E9-3631BD4DF40D}" type="slidenum">
               <a:rPr lang="ca-ES" smtClean="0"/>
-              <a:t>‹#›</a:t>
+              <a:t>‹Nº›</a:t>
             </a:fld>
             <a:endParaRPr lang="ca-ES" dirty="0"/>
           </a:p>
@@ -4048,7 +4048,7 @@
           <a:p>
             <a:fld id="{4F4CC500-C254-4A01-A1E9-3631BD4DF40D}" type="slidenum">
               <a:rPr lang="ca-ES" smtClean="0"/>
-              <a:t>‹#›</a:t>
+              <a:t>‹Nº›</a:t>
             </a:fld>
             <a:endParaRPr lang="ca-ES" dirty="0"/>
           </a:p>
@@ -4304,7 +4304,7 @@
           <a:p>
             <a:fld id="{4F4CC500-C254-4A01-A1E9-3631BD4DF40D}" type="slidenum">
               <a:rPr lang="ca-ES" smtClean="0"/>
-              <a:t>‹#›</a:t>
+              <a:t>‹Nº›</a:t>
             </a:fld>
             <a:endParaRPr lang="ca-ES" dirty="0"/>
           </a:p>
@@ -4528,7 +4528,7 @@
             <a:fld id="{4F4CC500-C254-4A01-A1E9-3631BD4DF40D}" type="slidenum">
               <a:rPr lang="ca-ES" smtClean="0"/>
               <a:pPr/>
-              <a:t>‹#›</a:t>
+              <a:t>‹Nº›</a:t>
             </a:fld>
             <a:endParaRPr lang="ca-ES" dirty="0"/>
           </a:p>
@@ -4859,7 +4859,7 @@
           <a:p>
             <a:fld id="{4F4CC500-C254-4A01-A1E9-3631BD4DF40D}" type="slidenum">
               <a:rPr lang="ca-ES" smtClean="0"/>
-              <a:t>‹#›</a:t>
+              <a:t>‹Nº›</a:t>
             </a:fld>
             <a:endParaRPr lang="ca-ES" dirty="0"/>
           </a:p>
@@ -5146,7 +5146,7 @@
           <a:p>
             <a:fld id="{4F4CC500-C254-4A01-A1E9-3631BD4DF40D}" type="slidenum">
               <a:rPr lang="ca-ES" smtClean="0"/>
-              <a:t>‹#›</a:t>
+              <a:t>‹Nº›</a:t>
             </a:fld>
             <a:endParaRPr lang="ca-ES" dirty="0"/>
           </a:p>
@@ -5575,7 +5575,7 @@
           <a:p>
             <a:fld id="{4F4CC500-C254-4A01-A1E9-3631BD4DF40D}" type="slidenum">
               <a:rPr lang="ca-ES" smtClean="0"/>
-              <a:t>‹#›</a:t>
+              <a:t>‹Nº›</a:t>
             </a:fld>
             <a:endParaRPr lang="ca-ES" dirty="0"/>
           </a:p>
@@ -5701,7 +5701,7 @@
             <a:fld id="{4F4CC500-C254-4A01-A1E9-3631BD4DF40D}" type="slidenum">
               <a:rPr lang="ca-ES" smtClean="0"/>
               <a:pPr/>
-              <a:t>‹#›</a:t>
+              <a:t>‹Nº›</a:t>
             </a:fld>
             <a:endParaRPr lang="ca-ES" dirty="0"/>
           </a:p>
@@ -5803,7 +5803,7 @@
           <a:p>
             <a:fld id="{4F4CC500-C254-4A01-A1E9-3631BD4DF40D}" type="slidenum">
               <a:rPr lang="ca-ES" smtClean="0"/>
-              <a:t>‹#›</a:t>
+              <a:t>‹Nº›</a:t>
             </a:fld>
             <a:endParaRPr lang="ca-ES" dirty="0"/>
           </a:p>
@@ -5972,7 +5972,7 @@
           <a:p>
             <a:fld id="{4F4CC500-C254-4A01-A1E9-3631BD4DF40D}" type="slidenum">
               <a:rPr lang="ca-ES" smtClean="0"/>
-              <a:t>‹#›</a:t>
+              <a:t>‹Nº›</a:t>
             </a:fld>
             <a:endParaRPr lang="ca-ES" dirty="0"/>
           </a:p>
@@ -6372,7 +6372,7 @@
           <a:p>
             <a:fld id="{4F4CC500-C254-4A01-A1E9-3631BD4DF40D}" type="slidenum">
               <a:rPr lang="ca-ES" smtClean="0"/>
-              <a:t>‹#›</a:t>
+              <a:t>‹Nº›</a:t>
             </a:fld>
             <a:endParaRPr lang="ca-ES" dirty="0"/>
           </a:p>
@@ -6616,7 +6616,7 @@
             <a:fld id="{4F4CC500-C254-4A01-A1E9-3631BD4DF40D}" type="slidenum">
               <a:rPr lang="ca-ES" smtClean="0"/>
               <a:pPr/>
-              <a:t>‹#›</a:t>
+              <a:t>‹Nº›</a:t>
             </a:fld>
             <a:r>
               <a:rPr lang="ca-ES" dirty="0" smtClean="0"/>
@@ -7138,7 +7138,7 @@
   </p:txStyles>
   <p:extLst mod="1">
     <p:ext uri="{27BBF7A9-308A-43DC-89C8-2F10F3537804}">
-      <p15:sldGuideLst xmlns:p15="http://schemas.microsoft.com/office/powerpoint/2012/main"/>
+      <p15:sldGuideLst xmlns:p15="http://schemas.microsoft.com/office/powerpoint/2012/main" xmlns=""/>
     </p:ext>
   </p:extLst>
 </p:sldMaster>
@@ -7374,52 +7374,7 @@
                 </a:solidFill>
                 <a:latin typeface="Arial" panose="020B0604020202020204" pitchFamily="34" charset="0"/>
               </a:rPr>
-              <a:t>Grado </a:t>
-            </a:r>
-            <a:r>
-              <a:rPr lang="ca-ES" b="1" dirty="0" smtClean="0">
-                <a:solidFill>
-                  <a:srgbClr val="000000"/>
-                </a:solidFill>
-                <a:latin typeface="Arial" panose="020B0604020202020204" pitchFamily="34" charset="0"/>
-              </a:rPr>
-              <a:t>en </a:t>
-            </a:r>
-            <a:r>
-              <a:rPr lang="ca-ES" b="1" dirty="0" smtClean="0">
-                <a:solidFill>
-                  <a:srgbClr val="000000"/>
-                </a:solidFill>
-                <a:latin typeface="Arial" panose="020B0604020202020204" pitchFamily="34" charset="0"/>
-              </a:rPr>
-              <a:t>Ingeni</a:t>
-            </a:r>
-            <a:r>
-              <a:rPr lang="ca-ES" b="1" dirty="0" smtClean="0">
-                <a:solidFill>
-                  <a:srgbClr val="000000"/>
-                </a:solidFill>
-                <a:latin typeface="Arial" panose="020B0604020202020204" pitchFamily="34" charset="0"/>
-              </a:rPr>
-              <a:t>ería </a:t>
-            </a:r>
-            <a:r>
-              <a:rPr lang="ca-ES" b="1" dirty="0" smtClean="0">
-                <a:solidFill>
-                  <a:srgbClr val="000000"/>
-                </a:solidFill>
-                <a:latin typeface="Arial" panose="020B0604020202020204" pitchFamily="34" charset="0"/>
-              </a:rPr>
-              <a:t>en </a:t>
-            </a:r>
-            <a:r>
-              <a:rPr lang="ca-ES" b="1" dirty="0" smtClean="0">
-                <a:solidFill>
-                  <a:srgbClr val="000000"/>
-                </a:solidFill>
-                <a:latin typeface="Arial" panose="020B0604020202020204" pitchFamily="34" charset="0"/>
-              </a:rPr>
-              <a:t>Tecnologías Industriales </a:t>
+              <a:t>Grado en Ingeniería en Tecnologías Industriales </a:t>
             </a:r>
             <a:endParaRPr lang="ca-ES" dirty="0"/>
           </a:p>
@@ -8123,11 +8078,7 @@
             </a:r>
             <a:r>
               <a:rPr lang="en-US" sz="2000" dirty="0" smtClean="0"/>
-              <a:t> </a:t>
-            </a:r>
-            <a:r>
-              <a:rPr lang="en-US" sz="2000" dirty="0" smtClean="0"/>
-              <a:t>con email y DNI </a:t>
+              <a:t> con email y DNI </a:t>
             </a:r>
             <a:r>
               <a:rPr lang="en-US" sz="2000" dirty="0" err="1" smtClean="0"/>
@@ -8206,7 +8157,43 @@
             </a:r>
             <a:r>
               <a:rPr lang="en-US" sz="2000" dirty="0" smtClean="0"/>
-              <a:t> CSV para </a:t>
+              <a:t> </a:t>
+            </a:r>
+            <a:r>
+              <a:rPr lang="en-US" sz="2000" dirty="0" smtClean="0"/>
+              <a:t>CSV </a:t>
+            </a:r>
+            <a:r>
+              <a:rPr lang="es-ES" sz="2000" dirty="0" smtClean="0"/>
+              <a:t>(del </a:t>
+            </a:r>
+            <a:r>
+              <a:rPr lang="es-ES" sz="2000" dirty="0"/>
+              <a:t>inglés </a:t>
+            </a:r>
+            <a:r>
+              <a:rPr lang="es-ES" sz="2000" dirty="0" err="1"/>
+              <a:t>comma-separated</a:t>
+            </a:r>
+            <a:r>
+              <a:rPr lang="es-ES" sz="2000" dirty="0"/>
+              <a:t> </a:t>
+            </a:r>
+            <a:r>
+              <a:rPr lang="es-ES" sz="2000" dirty="0" err="1"/>
+              <a:t>values</a:t>
+            </a:r>
+            <a:r>
+              <a:rPr lang="es-ES" sz="2000" dirty="0"/>
+              <a:t>)</a:t>
+            </a:r>
+            <a:r>
+              <a:rPr lang="en-US" sz="2000" dirty="0" smtClean="0"/>
+              <a:t> </a:t>
+            </a:r>
+            <a:r>
+              <a:rPr lang="en-US" sz="2000" dirty="0" smtClean="0"/>
+              <a:t>para </a:t>
             </a:r>
             <a:r>
               <a:rPr lang="en-US" sz="2000" dirty="0" err="1" smtClean="0"/>
@@ -9459,11 +9446,7 @@
             </a:pPr>
             <a:r>
               <a:rPr lang="es-ES" sz="2800" dirty="0" smtClean="0"/>
-              <a:t>L</a:t>
-            </a:r>
-            <a:r>
-              <a:rPr lang="es-ES" sz="2800" dirty="0" smtClean="0"/>
-              <a:t>enguaje </a:t>
+              <a:t>Lenguaje </a:t>
             </a:r>
             <a:r>
               <a:rPr lang="es-ES" sz="2800" dirty="0"/>
@@ -10988,11 +10971,7 @@
           <a:p>
             <a:r>
               <a:rPr lang="es-ES" dirty="0" smtClean="0"/>
-              <a:t>Futura </a:t>
-            </a:r>
-            <a:r>
-              <a:rPr lang="es-ES" dirty="0" smtClean="0"/>
-              <a:t>mejoras</a:t>
+              <a:t>Futura mejoras</a:t>
             </a:r>
           </a:p>
           <a:p>
@@ -11631,7 +11610,6 @@
               <a:rPr lang="ca-ES" dirty="0" smtClean="0"/>
               <a:t>/29</a:t>
             </a:r>
-            <a:endParaRPr lang="ca-ES" dirty="0" smtClean="0"/>
           </a:p>
         </p:txBody>
       </p:sp>
@@ -12204,7 +12182,7 @@
         <p:spPr/>
         <p:txBody>
           <a:bodyPr>
-            <a:normAutofit/>
+            <a:noAutofit/>
           </a:bodyPr>
           <a:lstStyle/>
           <a:p>
@@ -12214,15 +12192,15 @@
               </a:lnSpc>
             </a:pPr>
             <a:r>
-              <a:rPr lang="es-ES" sz="2000" dirty="0" smtClean="0"/>
+              <a:rPr lang="es-ES" sz="2400" dirty="0" smtClean="0"/>
               <a:t>Hacer uso </a:t>
             </a:r>
             <a:r>
-              <a:rPr lang="es-ES" sz="2000" dirty="0"/>
+              <a:rPr lang="es-ES" sz="2400" dirty="0"/>
               <a:t>en otros </a:t>
             </a:r>
             <a:r>
-              <a:rPr lang="es-ES" sz="2000" dirty="0" smtClean="0"/>
+              <a:rPr lang="es-ES" sz="2400" dirty="0" smtClean="0"/>
               <a:t>departamentos</a:t>
             </a:r>
           </a:p>
@@ -12233,10 +12211,10 @@
               </a:lnSpc>
             </a:pPr>
             <a:r>
-              <a:rPr lang="es-ES" sz="2000" dirty="0" err="1" smtClean="0"/>
+              <a:rPr lang="es-ES" sz="2400" dirty="0" err="1" smtClean="0"/>
               <a:t>Multiidioma</a:t>
             </a:r>
-            <a:endParaRPr lang="es-ES" sz="2000" dirty="0" smtClean="0"/>
+            <a:endParaRPr lang="es-ES" sz="2400" dirty="0" smtClean="0"/>
           </a:p>
           <a:p>
             <a:pPr>
@@ -12245,18 +12223,18 @@
               </a:lnSpc>
             </a:pPr>
             <a:r>
-              <a:rPr lang="es-ES" sz="2000" dirty="0" smtClean="0"/>
+              <a:rPr lang="es-ES" sz="2400" dirty="0" smtClean="0"/>
               <a:t>Desarrollo de </a:t>
             </a:r>
             <a:r>
-              <a:rPr lang="es-ES" sz="2000" dirty="0"/>
+              <a:rPr lang="es-ES" sz="2400" dirty="0"/>
               <a:t>una aplicación Android </a:t>
             </a:r>
             <a:r>
-              <a:rPr lang="es-ES" sz="2000" dirty="0" smtClean="0"/>
+              <a:rPr lang="es-ES" sz="2400" dirty="0" smtClean="0"/>
               <a:t>/IOS</a:t>
             </a:r>
-            <a:endParaRPr lang="es-ES" sz="2000" dirty="0"/>
+            <a:endParaRPr lang="es-ES" sz="2400" dirty="0"/>
           </a:p>
           <a:p>
             <a:pPr>
@@ -12265,10 +12243,10 @@
               </a:lnSpc>
             </a:pPr>
             <a:r>
-              <a:rPr lang="es-ES" sz="2000" dirty="0" smtClean="0"/>
+              <a:rPr lang="es-ES" sz="2400" dirty="0" smtClean="0"/>
               <a:t>Mejorar interfaz</a:t>
             </a:r>
-            <a:endParaRPr lang="es-ES" sz="2000" dirty="0"/>
+            <a:endParaRPr lang="es-ES" sz="2400" dirty="0"/>
           </a:p>
         </p:txBody>
       </p:sp>
@@ -12375,7 +12353,7 @@
             <p:ph idx="1"/>
             <p:extLst>
               <p:ext uri="{D42A27DB-BD31-4B8C-83A1-F6EECF244321}">
-                <p14:modId xmlns:p14="http://schemas.microsoft.com/office/powerpoint/2010/main" val="2054535553"/>
+                <p14:modId xmlns:p14="http://schemas.microsoft.com/office/powerpoint/2010/main" val="3888975394"/>
               </p:ext>
             </p:extLst>
           </p:nvPr>
@@ -12450,12 +12428,12 @@
                     <a:p>
                       <a:pPr algn="l" fontAlgn="b"/>
                       <a:r>
-                        <a:rPr lang="es-ES" sz="2400" u="none" strike="noStrike" dirty="0">
+                        <a:rPr lang="es-ES" sz="2000" u="none" strike="noStrike" dirty="0">
                           <a:effectLst/>
                         </a:rPr>
                         <a:t>Búsqueda información</a:t>
                       </a:r>
-                      <a:endParaRPr lang="es-ES" sz="2400" b="0" i="0" u="none" strike="noStrike" dirty="0">
+                      <a:endParaRPr lang="es-ES" sz="2000" b="0" i="0" u="none" strike="noStrike" dirty="0">
                         <a:solidFill>
                           <a:srgbClr val="000000"/>
                         </a:solidFill>
@@ -12473,12 +12451,12 @@
                     <a:p>
                       <a:pPr algn="ctr" fontAlgn="b"/>
                       <a:r>
-                        <a:rPr lang="es-ES" sz="2400" u="none" strike="noStrike">
+                        <a:rPr lang="es-ES" sz="2000" u="none" strike="noStrike">
                           <a:effectLst/>
                         </a:rPr>
                         <a:t>30</a:t>
                       </a:r>
-                      <a:endParaRPr lang="es-ES" sz="2400" b="0" i="0" u="none" strike="noStrike">
+                      <a:endParaRPr lang="es-ES" sz="2000" b="0" i="0" u="none" strike="noStrike">
                         <a:solidFill>
                           <a:srgbClr val="000000"/>
                         </a:solidFill>
@@ -12498,18 +12476,18 @@
                     <a:p>
                       <a:pPr algn="l" fontAlgn="b"/>
                       <a:r>
-                        <a:rPr lang="es-ES" sz="2400" u="none" strike="noStrike" dirty="0">
+                        <a:rPr lang="es-ES" sz="2000" u="none" strike="noStrike" dirty="0">
                           <a:effectLst/>
                         </a:rPr>
                         <a:t>Instalación </a:t>
                       </a:r>
                       <a:r>
-                        <a:rPr lang="es-ES" sz="2400" u="none" strike="noStrike" dirty="0" smtClean="0">
+                        <a:rPr lang="es-ES" sz="2000" u="none" strike="noStrike" dirty="0" smtClean="0">
                           <a:effectLst/>
                         </a:rPr>
                         <a:t>software</a:t>
                       </a:r>
-                      <a:endParaRPr lang="es-ES" sz="2400" b="0" i="0" u="none" strike="noStrike" dirty="0">
+                      <a:endParaRPr lang="es-ES" sz="2000" b="0" i="0" u="none" strike="noStrike" dirty="0">
                         <a:solidFill>
                           <a:srgbClr val="000000"/>
                         </a:solidFill>
@@ -12527,12 +12505,12 @@
                     <a:p>
                       <a:pPr algn="ctr" fontAlgn="b"/>
                       <a:r>
-                        <a:rPr lang="es-ES" sz="2400" u="none" strike="noStrike">
+                        <a:rPr lang="es-ES" sz="2000" u="none" strike="noStrike">
                           <a:effectLst/>
                         </a:rPr>
                         <a:t>4</a:t>
                       </a:r>
-                      <a:endParaRPr lang="es-ES" sz="2400" b="0" i="0" u="none" strike="noStrike">
+                      <a:endParaRPr lang="es-ES" sz="2000" b="0" i="0" u="none" strike="noStrike">
                         <a:solidFill>
                           <a:srgbClr val="000000"/>
                         </a:solidFill>
@@ -12552,12 +12530,12 @@
                     <a:p>
                       <a:pPr algn="l" fontAlgn="b"/>
                       <a:r>
-                        <a:rPr lang="es-ES" sz="2400" u="none" strike="noStrike" dirty="0">
+                        <a:rPr lang="es-ES" sz="2000" u="none" strike="noStrike" dirty="0">
                           <a:effectLst/>
                         </a:rPr>
                         <a:t>Documentación y aprendizaje PHP</a:t>
                       </a:r>
-                      <a:endParaRPr lang="es-ES" sz="2400" b="0" i="0" u="none" strike="noStrike" dirty="0">
+                      <a:endParaRPr lang="es-ES" sz="2000" b="0" i="0" u="none" strike="noStrike" dirty="0">
                         <a:solidFill>
                           <a:srgbClr val="000000"/>
                         </a:solidFill>
@@ -12575,12 +12553,12 @@
                     <a:p>
                       <a:pPr algn="ctr" fontAlgn="b"/>
                       <a:r>
-                        <a:rPr lang="es-ES" sz="2400" u="none" strike="noStrike">
+                        <a:rPr lang="es-ES" sz="2000" u="none" strike="noStrike">
                           <a:effectLst/>
                         </a:rPr>
                         <a:t>40</a:t>
                       </a:r>
-                      <a:endParaRPr lang="es-ES" sz="2400" b="0" i="0" u="none" strike="noStrike">
+                      <a:endParaRPr lang="es-ES" sz="2000" b="0" i="0" u="none" strike="noStrike">
                         <a:solidFill>
                           <a:srgbClr val="000000"/>
                         </a:solidFill>
@@ -12600,36 +12578,36 @@
                     <a:p>
                       <a:pPr algn="l" fontAlgn="b"/>
                       <a:r>
-                        <a:rPr lang="es-ES" sz="2400" u="none" strike="noStrike" dirty="0">
+                        <a:rPr lang="es-ES" sz="2000" u="none" strike="noStrike" dirty="0">
                           <a:effectLst/>
                         </a:rPr>
                         <a:t>Interfície visual (</a:t>
                       </a:r>
                       <a:r>
-                        <a:rPr lang="es-ES" sz="2400" u="none" strike="noStrike" dirty="0" err="1">
+                        <a:rPr lang="es-ES" sz="2000" u="none" strike="noStrike" dirty="0" err="1">
                           <a:effectLst/>
                         </a:rPr>
                         <a:t>front</a:t>
                       </a:r>
                       <a:r>
-                        <a:rPr lang="es-ES" sz="2400" u="none" strike="noStrike" dirty="0">
+                        <a:rPr lang="es-ES" sz="2000" u="none" strike="noStrike" dirty="0">
                           <a:effectLst/>
                         </a:rPr>
                         <a:t> </a:t>
                       </a:r>
                       <a:r>
-                        <a:rPr lang="es-ES" sz="2400" u="none" strike="noStrike" dirty="0" err="1">
+                        <a:rPr lang="es-ES" sz="2000" u="none" strike="noStrike" dirty="0" err="1">
                           <a:effectLst/>
                         </a:rPr>
                         <a:t>end</a:t>
                       </a:r>
                       <a:r>
-                        <a:rPr lang="es-ES" sz="2400" u="none" strike="noStrike" dirty="0">
+                        <a:rPr lang="es-ES" sz="2000" u="none" strike="noStrike" dirty="0">
                           <a:effectLst/>
                         </a:rPr>
                         <a:t>)</a:t>
                       </a:r>
-                      <a:endParaRPr lang="es-ES" sz="2400" b="0" i="0" u="none" strike="noStrike" dirty="0">
+                      <a:endParaRPr lang="es-ES" sz="2000" b="0" i="0" u="none" strike="noStrike" dirty="0">
                         <a:solidFill>
                           <a:srgbClr val="000000"/>
                         </a:solidFill>
@@ -12647,12 +12625,12 @@
                     <a:p>
                       <a:pPr algn="ctr" fontAlgn="b"/>
                       <a:r>
-                        <a:rPr lang="es-ES" sz="2400" u="none" strike="noStrike" dirty="0">
+                        <a:rPr lang="es-ES" sz="2000" u="none" strike="noStrike" dirty="0">
                           <a:effectLst/>
                         </a:rPr>
                         <a:t>85</a:t>
                       </a:r>
-                      <a:endParaRPr lang="es-ES" sz="2400" b="0" i="0" u="none" strike="noStrike" dirty="0">
+                      <a:endParaRPr lang="es-ES" sz="2000" b="0" i="0" u="none" strike="noStrike" dirty="0">
                         <a:solidFill>
                           <a:srgbClr val="000000"/>
                         </a:solidFill>
@@ -12672,24 +12650,24 @@
                     <a:p>
                       <a:pPr algn="l" fontAlgn="b"/>
                       <a:r>
-                        <a:rPr lang="es-ES" sz="2400" u="none" strike="noStrike" dirty="0">
+                        <a:rPr lang="es-ES" sz="2000" u="none" strike="noStrike" dirty="0">
                           <a:effectLst/>
                         </a:rPr>
                         <a:t>Base de datos </a:t>
                       </a:r>
                       <a:r>
-                        <a:rPr lang="es-ES" sz="2400" u="none" strike="noStrike">
+                        <a:rPr lang="es-ES" sz="2000" u="none" strike="noStrike">
                           <a:effectLst/>
                         </a:rPr>
                         <a:t>y </a:t>
                       </a:r>
                       <a:r>
-                        <a:rPr lang="es-ES" sz="2400" u="none" strike="noStrike" smtClean="0">
+                        <a:rPr lang="es-ES" sz="2000" u="none" strike="noStrike" smtClean="0">
                           <a:effectLst/>
                         </a:rPr>
                         <a:t>back end</a:t>
                       </a:r>
-                      <a:endParaRPr lang="es-ES" sz="2400" b="0" i="0" u="none" strike="noStrike" dirty="0">
+                      <a:endParaRPr lang="es-ES" sz="2000" b="0" i="0" u="none" strike="noStrike" dirty="0">
                         <a:solidFill>
                           <a:srgbClr val="000000"/>
                         </a:solidFill>
@@ -12707,12 +12685,12 @@
                     <a:p>
                       <a:pPr algn="ctr" fontAlgn="b"/>
                       <a:r>
-                        <a:rPr lang="es-ES" sz="2400" u="none" strike="noStrike">
+                        <a:rPr lang="es-ES" sz="2000" u="none" strike="noStrike">
                           <a:effectLst/>
                         </a:rPr>
                         <a:t>125</a:t>
                       </a:r>
-                      <a:endParaRPr lang="es-ES" sz="2400" b="0" i="0" u="none" strike="noStrike">
+                      <a:endParaRPr lang="es-ES" sz="2000" b="0" i="0" u="none" strike="noStrike">
                         <a:solidFill>
                           <a:srgbClr val="000000"/>
                         </a:solidFill>
@@ -12732,12 +12710,12 @@
                     <a:p>
                       <a:pPr algn="l" fontAlgn="b"/>
                       <a:r>
-                        <a:rPr lang="es-ES" sz="2400" u="none" strike="noStrike" dirty="0">
+                        <a:rPr lang="es-ES" sz="2000" u="none" strike="noStrike" dirty="0">
                           <a:effectLst/>
                         </a:rPr>
                         <a:t>Subir a servidor de prueba y validación</a:t>
                       </a:r>
-                      <a:endParaRPr lang="es-ES" sz="2400" b="0" i="0" u="none" strike="noStrike" dirty="0">
+                      <a:endParaRPr lang="es-ES" sz="2000" b="0" i="0" u="none" strike="noStrike" dirty="0">
                         <a:solidFill>
                           <a:srgbClr val="000000"/>
                         </a:solidFill>
@@ -12755,12 +12733,12 @@
                     <a:p>
                       <a:pPr algn="ctr" fontAlgn="b"/>
                       <a:r>
-                        <a:rPr lang="es-ES" sz="2400" u="none" strike="noStrike">
+                        <a:rPr lang="es-ES" sz="2000" u="none" strike="noStrike" dirty="0">
                           <a:effectLst/>
                         </a:rPr>
                         <a:t>7</a:t>
                       </a:r>
-                      <a:endParaRPr lang="es-ES" sz="2400" b="0" i="0" u="none" strike="noStrike">
+                      <a:endParaRPr lang="es-ES" sz="2000" b="0" i="0" u="none" strike="noStrike" dirty="0">
                         <a:solidFill>
                           <a:srgbClr val="000000"/>
                         </a:solidFill>
@@ -12780,12 +12758,12 @@
                     <a:p>
                       <a:pPr algn="l" fontAlgn="b"/>
                       <a:r>
-                        <a:rPr lang="es-ES" sz="2400" u="none" strike="noStrike" dirty="0">
+                        <a:rPr lang="es-ES" sz="2000" u="none" strike="noStrike" dirty="0">
                           <a:effectLst/>
                         </a:rPr>
                         <a:t>Arreglar errores/bugs</a:t>
                       </a:r>
-                      <a:endParaRPr lang="es-ES" sz="2400" b="0" i="0" u="none" strike="noStrike" dirty="0">
+                      <a:endParaRPr lang="es-ES" sz="2000" b="0" i="0" u="none" strike="noStrike" dirty="0">
                         <a:solidFill>
                           <a:srgbClr val="000000"/>
                         </a:solidFill>
@@ -12803,12 +12781,12 @@
                     <a:p>
                       <a:pPr algn="ctr" fontAlgn="b"/>
                       <a:r>
-                        <a:rPr lang="es-ES" sz="2400" u="none" strike="noStrike">
+                        <a:rPr lang="es-ES" sz="2000" u="none" strike="noStrike">
                           <a:effectLst/>
                         </a:rPr>
                         <a:t>25</a:t>
                       </a:r>
-                      <a:endParaRPr lang="es-ES" sz="2400" b="0" i="0" u="none" strike="noStrike">
+                      <a:endParaRPr lang="es-ES" sz="2000" b="0" i="0" u="none" strike="noStrike">
                         <a:solidFill>
                           <a:srgbClr val="000000"/>
                         </a:solidFill>
@@ -12828,12 +12806,12 @@
                     <a:p>
                       <a:pPr algn="l" fontAlgn="b"/>
                       <a:r>
-                        <a:rPr lang="es-ES" sz="2400" u="none" strike="noStrike" dirty="0">
+                        <a:rPr lang="es-ES" sz="2000" u="none" strike="noStrike" dirty="0">
                           <a:effectLst/>
                         </a:rPr>
                         <a:t>Redacción memoria</a:t>
                       </a:r>
-                      <a:endParaRPr lang="es-ES" sz="2400" b="0" i="0" u="none" strike="noStrike" dirty="0">
+                      <a:endParaRPr lang="es-ES" sz="2000" b="0" i="0" u="none" strike="noStrike" dirty="0">
                         <a:solidFill>
                           <a:srgbClr val="000000"/>
                         </a:solidFill>
@@ -12851,12 +12829,12 @@
                     <a:p>
                       <a:pPr algn="ctr" fontAlgn="b"/>
                       <a:r>
-                        <a:rPr lang="es-ES" sz="2400" u="none" strike="noStrike">
+                        <a:rPr lang="es-ES" sz="2000" u="none" strike="noStrike">
                           <a:effectLst/>
                         </a:rPr>
                         <a:t>50</a:t>
                       </a:r>
-                      <a:endParaRPr lang="es-ES" sz="2400" b="0" i="0" u="none" strike="noStrike">
+                      <a:endParaRPr lang="es-ES" sz="2000" b="0" i="0" u="none" strike="noStrike">
                         <a:solidFill>
                           <a:srgbClr val="000000"/>
                         </a:solidFill>
@@ -12876,12 +12854,12 @@
                     <a:p>
                       <a:pPr algn="l" fontAlgn="b"/>
                       <a:r>
-                        <a:rPr lang="es-ES" sz="2400" u="none" strike="noStrike" dirty="0">
+                        <a:rPr lang="es-ES" sz="2000" u="none" strike="noStrike" dirty="0">
                           <a:effectLst/>
                         </a:rPr>
                         <a:t>Preparación presentación </a:t>
                       </a:r>
-                      <a:endParaRPr lang="es-ES" sz="2400" b="0" i="0" u="none" strike="noStrike" dirty="0">
+                      <a:endParaRPr lang="es-ES" sz="2000" b="0" i="0" u="none" strike="noStrike" dirty="0">
                         <a:solidFill>
                           <a:srgbClr val="000000"/>
                         </a:solidFill>
@@ -12899,12 +12877,12 @@
                     <a:p>
                       <a:pPr algn="ctr" fontAlgn="b"/>
                       <a:r>
-                        <a:rPr lang="es-ES" sz="2400" u="none" strike="noStrike" dirty="0">
+                        <a:rPr lang="es-ES" sz="2000" u="none" strike="noStrike" dirty="0">
                           <a:effectLst/>
                         </a:rPr>
                         <a:t>10</a:t>
                       </a:r>
-                      <a:endParaRPr lang="es-ES" sz="2400" b="0" i="0" u="none" strike="noStrike" dirty="0">
+                      <a:endParaRPr lang="es-ES" sz="2000" b="0" i="0" u="none" strike="noStrike" dirty="0">
                         <a:solidFill>
                           <a:srgbClr val="000000"/>
                         </a:solidFill>
@@ -12924,12 +12902,12 @@
                     <a:p>
                       <a:pPr algn="l" fontAlgn="b"/>
                       <a:r>
-                        <a:rPr lang="es-ES" sz="2400" b="1" u="none" strike="noStrike" dirty="0">
+                        <a:rPr lang="es-ES" sz="2000" b="1" u="none" strike="noStrike" dirty="0">
                           <a:effectLst/>
                         </a:rPr>
                         <a:t>TOTAL</a:t>
                       </a:r>
-                      <a:endParaRPr lang="es-ES" sz="2400" b="1" i="0" u="none" strike="noStrike" dirty="0">
+                      <a:endParaRPr lang="es-ES" sz="2000" b="1" i="0" u="none" strike="noStrike" dirty="0">
                         <a:solidFill>
                           <a:srgbClr val="000000"/>
                         </a:solidFill>
@@ -12947,12 +12925,12 @@
                     <a:p>
                       <a:pPr algn="ctr" fontAlgn="b"/>
                       <a:r>
-                        <a:rPr lang="es-ES" sz="2400" b="1" u="none" strike="noStrike" dirty="0">
+                        <a:rPr lang="es-ES" sz="2000" b="1" u="none" strike="noStrike" dirty="0">
                           <a:effectLst/>
                         </a:rPr>
                         <a:t>376</a:t>
                       </a:r>
-                      <a:endParaRPr lang="es-ES" sz="2400" b="1" i="0" u="none" strike="noStrike" dirty="0">
+                      <a:endParaRPr lang="es-ES" sz="2000" b="1" i="0" u="none" strike="noStrike" dirty="0">
                         <a:solidFill>
                           <a:srgbClr val="000000"/>
                         </a:solidFill>
@@ -15003,7 +14981,7 @@
   <a:extraClrSchemeLst/>
   <a:extLst>
     <a:ext uri="{05A4C25C-085E-4340-85A3-A5531E510DB2}">
-      <thm15:themeFamily xmlns:thm15="http://schemas.microsoft.com/office/thememl/2012/main" name="Dividend" id="{9697A71B-4AB7-4A1A-BD5B-BB2D22835B57}" vid="{66F1C100-1D2B-4BEA-AD01-C4F230B3B965}"/>
+      <thm15:themeFamily xmlns:thm15="http://schemas.microsoft.com/office/thememl/2012/main" xmlns="" name="Dividend" id="{9697A71B-4AB7-4A1A-BD5B-BB2D22835B57}" vid="{66F1C100-1D2B-4BEA-AD01-C4F230B3B965}"/>
     </a:ext>
   </a:extLst>
 </a:theme>
@@ -15264,7 +15242,7 @@
   <a:extraClrSchemeLst/>
   <a:extLst>
     <a:ext uri="{05A4C25C-085E-4340-85A3-A5531E510DB2}">
-      <thm15:themeFamily xmlns:thm15="http://schemas.microsoft.com/office/thememl/2012/main" name="Office Theme" id="{62F939B6-93AF-4DB8-9C6B-D6C7DFDC589F}" vid="{4A3C46E8-61CC-4603-A589-7422A47A8E4A}"/>
+      <thm15:themeFamily xmlns:thm15="http://schemas.microsoft.com/office/thememl/2012/main" xmlns="" name="Office Theme" id="{62F939B6-93AF-4DB8-9C6B-D6C7DFDC589F}" vid="{4A3C46E8-61CC-4603-A589-7422A47A8E4A}"/>
     </a:ext>
   </a:extLst>
 </a:theme>
